--- a/101-B/presentation/markupuk-2020-101-B.pptx
+++ b/101-B/presentation/markupuk-2020-101-B.pptx
@@ -5,22 +5,33 @@
     <p:sldMasterId id="2147483648" r:id="rId1"/>
   </p:sldMasterIdLst>
   <p:notesMasterIdLst>
-    <p:notesMasterId r:id="rId12"/>
+    <p:notesMasterId r:id="rId23"/>
   </p:notesMasterIdLst>
   <p:handoutMasterIdLst>
-    <p:handoutMasterId r:id="rId13"/>
+    <p:handoutMasterId r:id="rId24"/>
   </p:handoutMasterIdLst>
   <p:sldIdLst>
     <p:sldId id="256" r:id="rId2"/>
     <p:sldId id="338" r:id="rId3"/>
-    <p:sldId id="295" r:id="rId4"/>
-    <p:sldId id="339" r:id="rId5"/>
-    <p:sldId id="340" r:id="rId6"/>
-    <p:sldId id="341" r:id="rId7"/>
-    <p:sldId id="342" r:id="rId8"/>
-    <p:sldId id="343" r:id="rId9"/>
-    <p:sldId id="330" r:id="rId10"/>
-    <p:sldId id="292" r:id="rId11"/>
+    <p:sldId id="344" r:id="rId4"/>
+    <p:sldId id="295" r:id="rId5"/>
+    <p:sldId id="339" r:id="rId6"/>
+    <p:sldId id="340" r:id="rId7"/>
+    <p:sldId id="341" r:id="rId8"/>
+    <p:sldId id="342" r:id="rId9"/>
+    <p:sldId id="343" r:id="rId10"/>
+    <p:sldId id="345" r:id="rId11"/>
+    <p:sldId id="321" r:id="rId12"/>
+    <p:sldId id="346" r:id="rId13"/>
+    <p:sldId id="322" r:id="rId14"/>
+    <p:sldId id="324" r:id="rId15"/>
+    <p:sldId id="349" r:id="rId16"/>
+    <p:sldId id="350" r:id="rId17"/>
+    <p:sldId id="351" r:id="rId18"/>
+    <p:sldId id="352" r:id="rId19"/>
+    <p:sldId id="347" r:id="rId20"/>
+    <p:sldId id="330" r:id="rId21"/>
+    <p:sldId id="292" r:id="rId22"/>
   </p:sldIdLst>
   <p:sldSz cx="12192000" cy="6858000"/>
   <p:notesSz cx="6858000" cy="9144000"/>
@@ -744,6 +755,426 @@
     <p:extLst>
       <p:ext uri="{BB962C8B-B14F-4D97-AF65-F5344CB8AC3E}">
         <p14:creationId xmlns:p14="http://schemas.microsoft.com/office/powerpoint/2010/main" val="3453534073"/>
+      </p:ext>
+    </p:extLst>
+  </p:cSld>
+  <p:clrMapOvr>
+    <a:masterClrMapping/>
+  </p:clrMapOvr>
+</p:notes>
+</file>
+
+<file path=ppt/notesSlides/notesSlide2.xml><?xml version="1.0" encoding="utf-8"?>
+<p:notes xmlns:a="http://schemas.openxmlformats.org/drawingml/2006/main" xmlns:r="http://schemas.openxmlformats.org/officeDocument/2006/relationships" xmlns:p="http://schemas.openxmlformats.org/presentationml/2006/main">
+  <p:cSld>
+    <p:spTree>
+      <p:nvGrpSpPr>
+        <p:cNvPr id="1" name=""/>
+        <p:cNvGrpSpPr/>
+        <p:nvPr/>
+      </p:nvGrpSpPr>
+      <p:grpSpPr>
+        <a:xfrm>
+          <a:off x="0" y="0"/>
+          <a:ext cx="0" cy="0"/>
+          <a:chOff x="0" y="0"/>
+          <a:chExt cx="0" cy="0"/>
+        </a:xfrm>
+      </p:grpSpPr>
+      <p:sp>
+        <p:nvSpPr>
+          <p:cNvPr id="2" name="Slide Image Placeholder 1"/>
+          <p:cNvSpPr>
+            <a:spLocks noGrp="1" noRot="1" noChangeAspect="1"/>
+          </p:cNvSpPr>
+          <p:nvPr>
+            <p:ph type="sldImg"/>
+          </p:nvPr>
+        </p:nvSpPr>
+        <p:spPr/>
+      </p:sp>
+      <p:sp>
+        <p:nvSpPr>
+          <p:cNvPr id="3" name="Notes Placeholder 2"/>
+          <p:cNvSpPr>
+            <a:spLocks noGrp="1"/>
+          </p:cNvSpPr>
+          <p:nvPr>
+            <p:ph type="body" idx="1"/>
+          </p:nvPr>
+        </p:nvSpPr>
+        <p:spPr/>
+        <p:txBody>
+          <a:bodyPr/>
+          <a:lstStyle/>
+          <a:p>
+            <a:endParaRPr lang="en-NL" dirty="0"/>
+          </a:p>
+        </p:txBody>
+      </p:sp>
+      <p:sp>
+        <p:nvSpPr>
+          <p:cNvPr id="4" name="Slide Number Placeholder 3"/>
+          <p:cNvSpPr>
+            <a:spLocks noGrp="1"/>
+          </p:cNvSpPr>
+          <p:nvPr>
+            <p:ph type="sldNum" sz="quarter" idx="5"/>
+          </p:nvPr>
+        </p:nvSpPr>
+        <p:spPr/>
+        <p:txBody>
+          <a:bodyPr/>
+          <a:lstStyle/>
+          <a:p>
+            <a:fld id="{210C85D1-D769-4E3C-BD67-6FCFE11EFBEA}" type="slidenum">
+              <a:rPr lang="en-NL" smtClean="0"/>
+              <a:t>14</a:t>
+            </a:fld>
+            <a:endParaRPr lang="en-NL"/>
+          </a:p>
+        </p:txBody>
+      </p:sp>
+    </p:spTree>
+    <p:extLst>
+      <p:ext uri="{BB962C8B-B14F-4D97-AF65-F5344CB8AC3E}">
+        <p14:creationId xmlns:p14="http://schemas.microsoft.com/office/powerpoint/2010/main" val="2413318873"/>
+      </p:ext>
+    </p:extLst>
+  </p:cSld>
+  <p:clrMapOvr>
+    <a:masterClrMapping/>
+  </p:clrMapOvr>
+</p:notes>
+</file>
+
+<file path=ppt/notesSlides/notesSlide3.xml><?xml version="1.0" encoding="utf-8"?>
+<p:notes xmlns:a="http://schemas.openxmlformats.org/drawingml/2006/main" xmlns:r="http://schemas.openxmlformats.org/officeDocument/2006/relationships" xmlns:p="http://schemas.openxmlformats.org/presentationml/2006/main">
+  <p:cSld>
+    <p:spTree>
+      <p:nvGrpSpPr>
+        <p:cNvPr id="1" name=""/>
+        <p:cNvGrpSpPr/>
+        <p:nvPr/>
+      </p:nvGrpSpPr>
+      <p:grpSpPr>
+        <a:xfrm>
+          <a:off x="0" y="0"/>
+          <a:ext cx="0" cy="0"/>
+          <a:chOff x="0" y="0"/>
+          <a:chExt cx="0" cy="0"/>
+        </a:xfrm>
+      </p:grpSpPr>
+      <p:sp>
+        <p:nvSpPr>
+          <p:cNvPr id="2" name="Slide Image Placeholder 1"/>
+          <p:cNvSpPr>
+            <a:spLocks noGrp="1" noRot="1" noChangeAspect="1"/>
+          </p:cNvSpPr>
+          <p:nvPr>
+            <p:ph type="sldImg"/>
+          </p:nvPr>
+        </p:nvSpPr>
+        <p:spPr/>
+      </p:sp>
+      <p:sp>
+        <p:nvSpPr>
+          <p:cNvPr id="3" name="Notes Placeholder 2"/>
+          <p:cNvSpPr>
+            <a:spLocks noGrp="1"/>
+          </p:cNvSpPr>
+          <p:nvPr>
+            <p:ph type="body" idx="1"/>
+          </p:nvPr>
+        </p:nvSpPr>
+        <p:spPr/>
+        <p:txBody>
+          <a:bodyPr/>
+          <a:lstStyle/>
+          <a:p>
+            <a:endParaRPr lang="en-NL" dirty="0"/>
+          </a:p>
+        </p:txBody>
+      </p:sp>
+      <p:sp>
+        <p:nvSpPr>
+          <p:cNvPr id="4" name="Slide Number Placeholder 3"/>
+          <p:cNvSpPr>
+            <a:spLocks noGrp="1"/>
+          </p:cNvSpPr>
+          <p:nvPr>
+            <p:ph type="sldNum" sz="quarter" idx="5"/>
+          </p:nvPr>
+        </p:nvSpPr>
+        <p:spPr/>
+        <p:txBody>
+          <a:bodyPr/>
+          <a:lstStyle/>
+          <a:p>
+            <a:fld id="{210C85D1-D769-4E3C-BD67-6FCFE11EFBEA}" type="slidenum">
+              <a:rPr lang="en-NL" smtClean="0"/>
+              <a:t>15</a:t>
+            </a:fld>
+            <a:endParaRPr lang="en-NL"/>
+          </a:p>
+        </p:txBody>
+      </p:sp>
+    </p:spTree>
+    <p:extLst>
+      <p:ext uri="{BB962C8B-B14F-4D97-AF65-F5344CB8AC3E}">
+        <p14:creationId xmlns:p14="http://schemas.microsoft.com/office/powerpoint/2010/main" val="4151632286"/>
+      </p:ext>
+    </p:extLst>
+  </p:cSld>
+  <p:clrMapOvr>
+    <a:masterClrMapping/>
+  </p:clrMapOvr>
+</p:notes>
+</file>
+
+<file path=ppt/notesSlides/notesSlide4.xml><?xml version="1.0" encoding="utf-8"?>
+<p:notes xmlns:a="http://schemas.openxmlformats.org/drawingml/2006/main" xmlns:r="http://schemas.openxmlformats.org/officeDocument/2006/relationships" xmlns:p="http://schemas.openxmlformats.org/presentationml/2006/main">
+  <p:cSld>
+    <p:spTree>
+      <p:nvGrpSpPr>
+        <p:cNvPr id="1" name=""/>
+        <p:cNvGrpSpPr/>
+        <p:nvPr/>
+      </p:nvGrpSpPr>
+      <p:grpSpPr>
+        <a:xfrm>
+          <a:off x="0" y="0"/>
+          <a:ext cx="0" cy="0"/>
+          <a:chOff x="0" y="0"/>
+          <a:chExt cx="0" cy="0"/>
+        </a:xfrm>
+      </p:grpSpPr>
+      <p:sp>
+        <p:nvSpPr>
+          <p:cNvPr id="2" name="Slide Image Placeholder 1"/>
+          <p:cNvSpPr>
+            <a:spLocks noGrp="1" noRot="1" noChangeAspect="1"/>
+          </p:cNvSpPr>
+          <p:nvPr>
+            <p:ph type="sldImg"/>
+          </p:nvPr>
+        </p:nvSpPr>
+        <p:spPr/>
+      </p:sp>
+      <p:sp>
+        <p:nvSpPr>
+          <p:cNvPr id="3" name="Notes Placeholder 2"/>
+          <p:cNvSpPr>
+            <a:spLocks noGrp="1"/>
+          </p:cNvSpPr>
+          <p:nvPr>
+            <p:ph type="body" idx="1"/>
+          </p:nvPr>
+        </p:nvSpPr>
+        <p:spPr/>
+        <p:txBody>
+          <a:bodyPr/>
+          <a:lstStyle/>
+          <a:p>
+            <a:endParaRPr lang="en-NL" dirty="0"/>
+          </a:p>
+        </p:txBody>
+      </p:sp>
+      <p:sp>
+        <p:nvSpPr>
+          <p:cNvPr id="4" name="Slide Number Placeholder 3"/>
+          <p:cNvSpPr>
+            <a:spLocks noGrp="1"/>
+          </p:cNvSpPr>
+          <p:nvPr>
+            <p:ph type="sldNum" sz="quarter" idx="5"/>
+          </p:nvPr>
+        </p:nvSpPr>
+        <p:spPr/>
+        <p:txBody>
+          <a:bodyPr/>
+          <a:lstStyle/>
+          <a:p>
+            <a:fld id="{210C85D1-D769-4E3C-BD67-6FCFE11EFBEA}" type="slidenum">
+              <a:rPr lang="en-NL" smtClean="0"/>
+              <a:t>16</a:t>
+            </a:fld>
+            <a:endParaRPr lang="en-NL"/>
+          </a:p>
+        </p:txBody>
+      </p:sp>
+    </p:spTree>
+    <p:extLst>
+      <p:ext uri="{BB962C8B-B14F-4D97-AF65-F5344CB8AC3E}">
+        <p14:creationId xmlns:p14="http://schemas.microsoft.com/office/powerpoint/2010/main" val="3108761852"/>
+      </p:ext>
+    </p:extLst>
+  </p:cSld>
+  <p:clrMapOvr>
+    <a:masterClrMapping/>
+  </p:clrMapOvr>
+</p:notes>
+</file>
+
+<file path=ppt/notesSlides/notesSlide5.xml><?xml version="1.0" encoding="utf-8"?>
+<p:notes xmlns:a="http://schemas.openxmlformats.org/drawingml/2006/main" xmlns:r="http://schemas.openxmlformats.org/officeDocument/2006/relationships" xmlns:p="http://schemas.openxmlformats.org/presentationml/2006/main">
+  <p:cSld>
+    <p:spTree>
+      <p:nvGrpSpPr>
+        <p:cNvPr id="1" name=""/>
+        <p:cNvGrpSpPr/>
+        <p:nvPr/>
+      </p:nvGrpSpPr>
+      <p:grpSpPr>
+        <a:xfrm>
+          <a:off x="0" y="0"/>
+          <a:ext cx="0" cy="0"/>
+          <a:chOff x="0" y="0"/>
+          <a:chExt cx="0" cy="0"/>
+        </a:xfrm>
+      </p:grpSpPr>
+      <p:sp>
+        <p:nvSpPr>
+          <p:cNvPr id="2" name="Slide Image Placeholder 1"/>
+          <p:cNvSpPr>
+            <a:spLocks noGrp="1" noRot="1" noChangeAspect="1"/>
+          </p:cNvSpPr>
+          <p:nvPr>
+            <p:ph type="sldImg"/>
+          </p:nvPr>
+        </p:nvSpPr>
+        <p:spPr/>
+      </p:sp>
+      <p:sp>
+        <p:nvSpPr>
+          <p:cNvPr id="3" name="Notes Placeholder 2"/>
+          <p:cNvSpPr>
+            <a:spLocks noGrp="1"/>
+          </p:cNvSpPr>
+          <p:nvPr>
+            <p:ph type="body" idx="1"/>
+          </p:nvPr>
+        </p:nvSpPr>
+        <p:spPr/>
+        <p:txBody>
+          <a:bodyPr/>
+          <a:lstStyle/>
+          <a:p>
+            <a:endParaRPr lang="en-NL" dirty="0"/>
+          </a:p>
+        </p:txBody>
+      </p:sp>
+      <p:sp>
+        <p:nvSpPr>
+          <p:cNvPr id="4" name="Slide Number Placeholder 3"/>
+          <p:cNvSpPr>
+            <a:spLocks noGrp="1"/>
+          </p:cNvSpPr>
+          <p:nvPr>
+            <p:ph type="sldNum" sz="quarter" idx="5"/>
+          </p:nvPr>
+        </p:nvSpPr>
+        <p:spPr/>
+        <p:txBody>
+          <a:bodyPr/>
+          <a:lstStyle/>
+          <a:p>
+            <a:fld id="{210C85D1-D769-4E3C-BD67-6FCFE11EFBEA}" type="slidenum">
+              <a:rPr lang="en-NL" smtClean="0"/>
+              <a:t>17</a:t>
+            </a:fld>
+            <a:endParaRPr lang="en-NL"/>
+          </a:p>
+        </p:txBody>
+      </p:sp>
+    </p:spTree>
+    <p:extLst>
+      <p:ext uri="{BB962C8B-B14F-4D97-AF65-F5344CB8AC3E}">
+        <p14:creationId xmlns:p14="http://schemas.microsoft.com/office/powerpoint/2010/main" val="3518045499"/>
+      </p:ext>
+    </p:extLst>
+  </p:cSld>
+  <p:clrMapOvr>
+    <a:masterClrMapping/>
+  </p:clrMapOvr>
+</p:notes>
+</file>
+
+<file path=ppt/notesSlides/notesSlide6.xml><?xml version="1.0" encoding="utf-8"?>
+<p:notes xmlns:a="http://schemas.openxmlformats.org/drawingml/2006/main" xmlns:r="http://schemas.openxmlformats.org/officeDocument/2006/relationships" xmlns:p="http://schemas.openxmlformats.org/presentationml/2006/main">
+  <p:cSld>
+    <p:spTree>
+      <p:nvGrpSpPr>
+        <p:cNvPr id="1" name=""/>
+        <p:cNvGrpSpPr/>
+        <p:nvPr/>
+      </p:nvGrpSpPr>
+      <p:grpSpPr>
+        <a:xfrm>
+          <a:off x="0" y="0"/>
+          <a:ext cx="0" cy="0"/>
+          <a:chOff x="0" y="0"/>
+          <a:chExt cx="0" cy="0"/>
+        </a:xfrm>
+      </p:grpSpPr>
+      <p:sp>
+        <p:nvSpPr>
+          <p:cNvPr id="2" name="Slide Image Placeholder 1"/>
+          <p:cNvSpPr>
+            <a:spLocks noGrp="1" noRot="1" noChangeAspect="1"/>
+          </p:cNvSpPr>
+          <p:nvPr>
+            <p:ph type="sldImg"/>
+          </p:nvPr>
+        </p:nvSpPr>
+        <p:spPr/>
+      </p:sp>
+      <p:sp>
+        <p:nvSpPr>
+          <p:cNvPr id="3" name="Notes Placeholder 2"/>
+          <p:cNvSpPr>
+            <a:spLocks noGrp="1"/>
+          </p:cNvSpPr>
+          <p:nvPr>
+            <p:ph type="body" idx="1"/>
+          </p:nvPr>
+        </p:nvSpPr>
+        <p:spPr/>
+        <p:txBody>
+          <a:bodyPr/>
+          <a:lstStyle/>
+          <a:p>
+            <a:endParaRPr lang="en-NL" dirty="0"/>
+          </a:p>
+        </p:txBody>
+      </p:sp>
+      <p:sp>
+        <p:nvSpPr>
+          <p:cNvPr id="4" name="Slide Number Placeholder 3"/>
+          <p:cNvSpPr>
+            <a:spLocks noGrp="1"/>
+          </p:cNvSpPr>
+          <p:nvPr>
+            <p:ph type="sldNum" sz="quarter" idx="5"/>
+          </p:nvPr>
+        </p:nvSpPr>
+        <p:spPr/>
+        <p:txBody>
+          <a:bodyPr/>
+          <a:lstStyle/>
+          <a:p>
+            <a:fld id="{210C85D1-D769-4E3C-BD67-6FCFE11EFBEA}" type="slidenum">
+              <a:rPr lang="en-NL" smtClean="0"/>
+              <a:t>18</a:t>
+            </a:fld>
+            <a:endParaRPr lang="en-NL"/>
+          </a:p>
+        </p:txBody>
+      </p:sp>
+    </p:spTree>
+    <p:extLst>
+      <p:ext uri="{BB962C8B-B14F-4D97-AF65-F5344CB8AC3E}">
+        <p14:creationId xmlns:p14="http://schemas.microsoft.com/office/powerpoint/2010/main" val="2479898124"/>
       </p:ext>
     </p:extLst>
   </p:cSld>
@@ -4189,7 +4620,7 @@
           <p:cNvPr id="2" name="Title 1">
             <a:extLst>
               <a:ext uri="{FF2B5EF4-FFF2-40B4-BE49-F238E27FC236}">
-                <a16:creationId xmlns:a16="http://schemas.microsoft.com/office/drawing/2014/main" id="{9C7D9E39-AC31-4065-84F2-01C2DA93A3CD}"/>
+                <a16:creationId xmlns:a16="http://schemas.microsoft.com/office/drawing/2014/main" id="{9DAC6076-82DA-4FCF-805D-C75B59D1CF79}"/>
               </a:ext>
             </a:extLst>
           </p:cNvPr>
@@ -4200,21 +4631,16 @@
             <p:ph type="title"/>
           </p:nvPr>
         </p:nvSpPr>
-        <p:spPr>
-          <a:xfrm>
-            <a:off x="561109" y="243732"/>
-            <a:ext cx="10515600" cy="948902"/>
-          </a:xfrm>
-        </p:spPr>
+        <p:spPr/>
         <p:txBody>
           <a:bodyPr/>
           <a:lstStyle/>
           <a:p>
             <a:r>
-              <a:rPr lang="en-US" b="1" dirty="0"/>
-              <a:t>Who Am I?</a:t>
-            </a:r>
-            <a:endParaRPr lang="en-NL" b="1" dirty="0"/>
+              <a:rPr lang="en-US" dirty="0"/>
+              <a:t>Variables</a:t>
+            </a:r>
+            <a:endParaRPr lang="en-GB" dirty="0"/>
           </a:p>
         </p:txBody>
       </p:sp>
@@ -4223,7 +4649,7 @@
           <p:cNvPr id="3" name="Content Placeholder 2">
             <a:extLst>
               <a:ext uri="{FF2B5EF4-FFF2-40B4-BE49-F238E27FC236}">
-                <a16:creationId xmlns:a16="http://schemas.microsoft.com/office/drawing/2014/main" id="{110338D2-8565-4AF9-91CE-CD583FB0EBFE}"/>
+                <a16:creationId xmlns:a16="http://schemas.microsoft.com/office/drawing/2014/main" id="{00B542FD-28C4-4F39-946B-6A3F632D58FD}"/>
               </a:ext>
             </a:extLst>
           </p:cNvPr>
@@ -4236,189 +4662,7692 @@
         </p:nvSpPr>
         <p:spPr>
           <a:xfrm>
-            <a:off x="397933" y="1314028"/>
-            <a:ext cx="7596140" cy="4351338"/>
-          </a:xfrm>
-        </p:spPr>
-        <p:txBody>
-          <a:bodyPr>
-            <a:normAutofit fontScale="85000" lnSpcReduction="20000"/>
-          </a:bodyPr>
-          <a:lstStyle/>
-          <a:p>
-            <a:r>
-              <a:rPr lang="en-US" dirty="0"/>
-              <a:t>Erik Siegel</a:t>
-            </a:r>
-          </a:p>
-          <a:p>
-            <a:r>
-              <a:rPr lang="en-US" dirty="0"/>
-              <a:t>Content Engineer, XML Specialist, Technical Writer</a:t>
-            </a:r>
-          </a:p>
-          <a:p>
-            <a:r>
-              <a:rPr lang="en-US" dirty="0"/>
-              <a:t>Company: Xatapult</a:t>
-            </a:r>
-          </a:p>
-          <a:p>
-            <a:pPr lvl="1"/>
-            <a:r>
-              <a:rPr lang="en-US" dirty="0"/>
-              <a:t>Groningen, The Netherlands</a:t>
-            </a:r>
-          </a:p>
-          <a:p>
-            <a:pPr lvl="1"/>
-            <a:r>
-              <a:rPr lang="en-US" dirty="0"/>
-              <a:t>Customers mostly in publishing and standardization</a:t>
-            </a:r>
-          </a:p>
-          <a:p>
-            <a:r>
-              <a:rPr lang="en-US" dirty="0"/>
-              <a:t>Part of the XProc 3.0 editing committee</a:t>
-            </a:r>
-          </a:p>
-          <a:p>
-            <a:r>
-              <a:rPr lang="en-US" dirty="0"/>
-              <a:t>Writer of the XProc 3.0 Programmer Reference</a:t>
-            </a:r>
-          </a:p>
-          <a:p>
-            <a:r>
-              <a:rPr lang="en-US" dirty="0"/>
-              <a:t>Contact:</a:t>
-            </a:r>
-          </a:p>
-          <a:p>
-            <a:pPr marL="457200" lvl="1" indent="0">
-              <a:lnSpc>
-                <a:spcPct val="120000"/>
-              </a:lnSpc>
+            <a:off x="838200" y="1825625"/>
+            <a:ext cx="11036030" cy="4351338"/>
+          </a:xfrm>
+        </p:spPr>
+        <p:txBody>
+          <a:bodyPr/>
+          <a:lstStyle/>
+          <a:p>
+            <a:pPr marL="0" indent="0">
               <a:buNone/>
             </a:pPr>
             <a:r>
-              <a:rPr lang="en-US" dirty="0">
-                <a:hlinkClick r:id="rId2"/>
-              </a:rPr>
-              <a:t>erik@xatapult.nl</a:t>
+              <a:rPr lang="en-US" dirty="0"/>
+              <a:t>See: </a:t>
+            </a:r>
+            <a:r>
+              <a:rPr lang="en-US" b="1" dirty="0">
+                <a:latin typeface="Courier New" panose="02070309020205020404" pitchFamily="49" charset="0"/>
+                <a:cs typeface="Courier New" panose="02070309020205020404" pitchFamily="49" charset="0"/>
+              </a:rPr>
+              <a:t>markupuk-2020/101-B/example-2/example-2a.xpl</a:t>
+            </a:r>
+          </a:p>
+          <a:p>
+            <a:pPr marL="0" indent="0">
+              <a:buNone/>
+            </a:pPr>
+            <a:endParaRPr lang="en-US" b="1" dirty="0">
+              <a:latin typeface="Courier New" panose="02070309020205020404" pitchFamily="49" charset="0"/>
+              <a:cs typeface="Courier New" panose="02070309020205020404" pitchFamily="49" charset="0"/>
+            </a:endParaRPr>
+          </a:p>
+          <a:p>
+            <a:r>
+              <a:rPr lang="en-US" dirty="0"/>
+              <a:t>Declare a variable:</a:t>
             </a:r>
             <a:br>
               <a:rPr lang="en-US" dirty="0"/>
             </a:br>
             <a:r>
+              <a:rPr lang="en-US" b="1" dirty="0">
+                <a:latin typeface="Courier New" panose="02070309020205020404" pitchFamily="49" charset="0"/>
+                <a:cs typeface="Courier New" panose="02070309020205020404" pitchFamily="49" charset="0"/>
+              </a:rPr>
+              <a:t>&lt;</a:t>
+            </a:r>
+            <a:r>
+              <a:rPr lang="en-US" b="1" dirty="0" err="1">
+                <a:latin typeface="Courier New" panose="02070309020205020404" pitchFamily="49" charset="0"/>
+                <a:cs typeface="Courier New" panose="02070309020205020404" pitchFamily="49" charset="0"/>
+              </a:rPr>
+              <a:t>p:variable</a:t>
+            </a:r>
+            <a:r>
+              <a:rPr lang="en-US" b="1" dirty="0">
+                <a:latin typeface="Courier New" panose="02070309020205020404" pitchFamily="49" charset="0"/>
+                <a:cs typeface="Courier New" panose="02070309020205020404" pitchFamily="49" charset="0"/>
+              </a:rPr>
+              <a:t> name="id" select="…"/&gt;</a:t>
+            </a:r>
+          </a:p>
+          <a:p>
+            <a:endParaRPr lang="en-GB" dirty="0"/>
+          </a:p>
+          <a:p>
+            <a:r>
+              <a:rPr lang="en-GB" dirty="0"/>
+              <a:t>Use a variable:</a:t>
+            </a:r>
+            <a:br>
+              <a:rPr lang="en-GB" dirty="0"/>
+            </a:br>
+            <a:r>
+              <a:rPr lang="en-US" b="1" dirty="0">
+                <a:latin typeface="Courier New" panose="02070309020205020404" pitchFamily="49" charset="0"/>
+                <a:cs typeface="Courier New" panose="02070309020205020404" pitchFamily="49" charset="0"/>
+              </a:rPr>
+              <a:t>&lt;</a:t>
+            </a:r>
+            <a:r>
+              <a:rPr lang="en-US" b="1" dirty="0" err="1">
+                <a:latin typeface="Courier New" panose="02070309020205020404" pitchFamily="49" charset="0"/>
+                <a:cs typeface="Courier New" panose="02070309020205020404" pitchFamily="49" charset="0"/>
+              </a:rPr>
+              <a:t>p:add-attribute</a:t>
+            </a:r>
+            <a:r>
+              <a:rPr lang="en-US" b="1" dirty="0">
+                <a:latin typeface="Courier New" panose="02070309020205020404" pitchFamily="49" charset="0"/>
+                <a:cs typeface="Courier New" panose="02070309020205020404" pitchFamily="49" charset="0"/>
+              </a:rPr>
+              <a:t> match="/*" </a:t>
+            </a:r>
+            <a:br>
+              <a:rPr lang="en-US" b="1" dirty="0">
+                <a:latin typeface="Courier New" panose="02070309020205020404" pitchFamily="49" charset="0"/>
+                <a:cs typeface="Courier New" panose="02070309020205020404" pitchFamily="49" charset="0"/>
+              </a:rPr>
+            </a:br>
+            <a:r>
+              <a:rPr lang="en-US" b="1" dirty="0">
+                <a:latin typeface="Courier New" panose="02070309020205020404" pitchFamily="49" charset="0"/>
+                <a:cs typeface="Courier New" panose="02070309020205020404" pitchFamily="49" charset="0"/>
+              </a:rPr>
+              <a:t>   attribute-name="id" attribute-value="{$id}"/&gt;</a:t>
+            </a:r>
+            <a:endParaRPr lang="en-GB" b="1" dirty="0">
+              <a:latin typeface="Courier New" panose="02070309020205020404" pitchFamily="49" charset="0"/>
+              <a:cs typeface="Courier New" panose="02070309020205020404" pitchFamily="49" charset="0"/>
+            </a:endParaRPr>
+          </a:p>
+        </p:txBody>
+      </p:sp>
+    </p:spTree>
+    <p:extLst>
+      <p:ext uri="{BB962C8B-B14F-4D97-AF65-F5344CB8AC3E}">
+        <p14:creationId xmlns:p14="http://schemas.microsoft.com/office/powerpoint/2010/main" val="1245192127"/>
+      </p:ext>
+    </p:extLst>
+  </p:cSld>
+  <p:clrMapOvr>
+    <a:masterClrMapping/>
+  </p:clrMapOvr>
+</p:sld>
+</file>
+
+<file path=ppt/slides/slide11.xml><?xml version="1.0" encoding="utf-8"?>
+<p:sld xmlns:a="http://schemas.openxmlformats.org/drawingml/2006/main" xmlns:r="http://schemas.openxmlformats.org/officeDocument/2006/relationships" xmlns:p="http://schemas.openxmlformats.org/presentationml/2006/main">
+  <p:cSld>
+    <p:spTree>
+      <p:nvGrpSpPr>
+        <p:cNvPr id="1" name=""/>
+        <p:cNvGrpSpPr/>
+        <p:nvPr/>
+      </p:nvGrpSpPr>
+      <p:grpSpPr>
+        <a:xfrm>
+          <a:off x="0" y="0"/>
+          <a:ext cx="0" cy="0"/>
+          <a:chOff x="0" y="0"/>
+          <a:chExt cx="0" cy="0"/>
+        </a:xfrm>
+      </p:grpSpPr>
+      <p:sp>
+        <p:nvSpPr>
+          <p:cNvPr id="2" name="Title 1">
+            <a:extLst>
+              <a:ext uri="{FF2B5EF4-FFF2-40B4-BE49-F238E27FC236}">
+                <a16:creationId xmlns:a16="http://schemas.microsoft.com/office/drawing/2014/main" id="{1BBE307A-DE4A-4A9D-9AF4-D8B1716CEAE6}"/>
+              </a:ext>
+            </a:extLst>
+          </p:cNvPr>
+          <p:cNvSpPr>
+            <a:spLocks noGrp="1"/>
+          </p:cNvSpPr>
+          <p:nvPr>
+            <p:ph type="title"/>
+          </p:nvPr>
+        </p:nvSpPr>
+        <p:spPr>
+          <a:xfrm>
+            <a:off x="458705" y="567668"/>
+            <a:ext cx="9029006" cy="881289"/>
+          </a:xfrm>
+        </p:spPr>
+        <p:txBody>
+          <a:bodyPr>
+            <a:normAutofit/>
+          </a:bodyPr>
+          <a:lstStyle/>
+          <a:p>
+            <a:r>
+              <a:rPr lang="en-US" b="1" dirty="0"/>
+              <a:t>Variables with values from document</a:t>
+            </a:r>
+            <a:endParaRPr lang="en-NL" b="1" dirty="0"/>
+          </a:p>
+        </p:txBody>
+      </p:sp>
+      <p:sp>
+        <p:nvSpPr>
+          <p:cNvPr id="4" name="TextBox 3">
+            <a:extLst>
+              <a:ext uri="{FF2B5EF4-FFF2-40B4-BE49-F238E27FC236}">
+                <a16:creationId xmlns:a16="http://schemas.microsoft.com/office/drawing/2014/main" id="{05253DC5-83F4-4B92-B083-E42001DF7DBB}"/>
+              </a:ext>
+            </a:extLst>
+          </p:cNvPr>
+          <p:cNvSpPr txBox="1"/>
+          <p:nvPr/>
+        </p:nvSpPr>
+        <p:spPr>
+          <a:xfrm>
+            <a:off x="918422" y="4455271"/>
+            <a:ext cx="10447748" cy="338554"/>
+          </a:xfrm>
+          <a:prstGeom prst="rect">
+            <a:avLst/>
+          </a:prstGeom>
+          <a:solidFill>
+            <a:schemeClr val="bg1">
+              <a:lumMod val="85000"/>
+            </a:schemeClr>
+          </a:solidFill>
+        </p:spPr>
+        <p:txBody>
+          <a:bodyPr wrap="square" rtlCol="0">
+            <a:spAutoFit/>
+          </a:bodyPr>
+          <a:lstStyle/>
+          <a:p>
+            <a:r>
+              <a:rPr lang="nl-NL" sz="1600" b="1" dirty="0">
+                <a:latin typeface="Courier New" panose="02070309020205020404" pitchFamily="49" charset="0"/>
+                <a:cs typeface="Courier New" panose="02070309020205020404" pitchFamily="49" charset="0"/>
+              </a:rPr>
+              <a:t>&lt;</a:t>
+            </a:r>
+            <a:r>
+              <a:rPr lang="nl-NL" sz="1600" b="1" dirty="0" err="1">
+                <a:latin typeface="Courier New" panose="02070309020205020404" pitchFamily="49" charset="0"/>
+                <a:cs typeface="Courier New" panose="02070309020205020404" pitchFamily="49" charset="0"/>
+              </a:rPr>
+              <a:t>p:variable</a:t>
+            </a:r>
+            <a:r>
+              <a:rPr lang="nl-NL" sz="1600" b="1" dirty="0">
+                <a:latin typeface="Courier New" panose="02070309020205020404" pitchFamily="49" charset="0"/>
+                <a:cs typeface="Courier New" panose="02070309020205020404" pitchFamily="49" charset="0"/>
+              </a:rPr>
+              <a:t> name="status" select="… </a:t>
+            </a:r>
+            <a:r>
+              <a:rPr lang="nl-NL" sz="1600" b="1" dirty="0" err="1">
+                <a:latin typeface="Courier New" panose="02070309020205020404" pitchFamily="49" charset="0"/>
+                <a:cs typeface="Courier New" panose="02070309020205020404" pitchFamily="49" charset="0"/>
+              </a:rPr>
+              <a:t>something</a:t>
+            </a:r>
+            <a:r>
+              <a:rPr lang="nl-NL" sz="1600" b="1" dirty="0">
+                <a:latin typeface="Courier New" panose="02070309020205020404" pitchFamily="49" charset="0"/>
+                <a:cs typeface="Courier New" panose="02070309020205020404" pitchFamily="49" charset="0"/>
+              </a:rPr>
+              <a:t> </a:t>
+            </a:r>
+            <a:r>
+              <a:rPr lang="nl-NL" sz="1600" b="1" dirty="0" err="1">
+                <a:latin typeface="Courier New" panose="02070309020205020404" pitchFamily="49" charset="0"/>
+                <a:cs typeface="Courier New" panose="02070309020205020404" pitchFamily="49" charset="0"/>
+              </a:rPr>
+              <a:t>based</a:t>
+            </a:r>
+            <a:r>
+              <a:rPr lang="nl-NL" sz="1600" b="1" dirty="0">
+                <a:latin typeface="Courier New" panose="02070309020205020404" pitchFamily="49" charset="0"/>
+                <a:cs typeface="Courier New" panose="02070309020205020404" pitchFamily="49" charset="0"/>
+              </a:rPr>
+              <a:t> on /*/@user"/&gt;</a:t>
+            </a:r>
+          </a:p>
+        </p:txBody>
+      </p:sp>
+      <p:sp>
+        <p:nvSpPr>
+          <p:cNvPr id="3" name="Arrow: Down 2">
+            <a:extLst>
+              <a:ext uri="{FF2B5EF4-FFF2-40B4-BE49-F238E27FC236}">
+                <a16:creationId xmlns:a16="http://schemas.microsoft.com/office/drawing/2014/main" id="{AE8EEB35-0B67-43EF-A7EE-3B8287F00166}"/>
+              </a:ext>
+            </a:extLst>
+          </p:cNvPr>
+          <p:cNvSpPr/>
+          <p:nvPr/>
+        </p:nvSpPr>
+        <p:spPr>
+          <a:xfrm>
+            <a:off x="3344726" y="3768615"/>
+            <a:ext cx="253672" cy="578707"/>
+          </a:xfrm>
+          <a:prstGeom prst="downArrow">
+            <a:avLst/>
+          </a:prstGeom>
+        </p:spPr>
+        <p:style>
+          <a:lnRef idx="2">
+            <a:schemeClr val="accent1">
+              <a:shade val="50000"/>
+            </a:schemeClr>
+          </a:lnRef>
+          <a:fillRef idx="1">
+            <a:schemeClr val="accent1"/>
+          </a:fillRef>
+          <a:effectRef idx="0">
+            <a:schemeClr val="accent1"/>
+          </a:effectRef>
+          <a:fontRef idx="minor">
+            <a:schemeClr val="lt1"/>
+          </a:fontRef>
+        </p:style>
+        <p:txBody>
+          <a:bodyPr rtlCol="0" anchor="ctr"/>
+          <a:lstStyle/>
+          <a:p>
+            <a:pPr algn="ctr"/>
+            <a:endParaRPr lang="en-NL"/>
+          </a:p>
+        </p:txBody>
+      </p:sp>
+      <p:sp>
+        <p:nvSpPr>
+          <p:cNvPr id="7" name="TextBox 6">
+            <a:extLst>
+              <a:ext uri="{FF2B5EF4-FFF2-40B4-BE49-F238E27FC236}">
+                <a16:creationId xmlns:a16="http://schemas.microsoft.com/office/drawing/2014/main" id="{03730DDE-B618-459D-8473-3E0B13E71073}"/>
+              </a:ext>
+            </a:extLst>
+          </p:cNvPr>
+          <p:cNvSpPr txBox="1"/>
+          <p:nvPr/>
+        </p:nvSpPr>
+        <p:spPr>
+          <a:xfrm>
+            <a:off x="408562" y="1634247"/>
+            <a:ext cx="10304834" cy="646331"/>
+          </a:xfrm>
+          <a:prstGeom prst="rect">
+            <a:avLst/>
+          </a:prstGeom>
+          <a:noFill/>
+        </p:spPr>
+        <p:txBody>
+          <a:bodyPr wrap="square" rtlCol="0">
+            <a:spAutoFit/>
+          </a:bodyPr>
+          <a:lstStyle/>
+          <a:p>
+            <a:r>
+              <a:rPr lang="en-US" dirty="0"/>
+              <a:t>See: </a:t>
+            </a:r>
+            <a:r>
+              <a:rPr lang="en-US" b="1" dirty="0">
+                <a:latin typeface="Courier New" panose="02070309020205020404" pitchFamily="49" charset="0"/>
+                <a:cs typeface="Courier New" panose="02070309020205020404" pitchFamily="49" charset="0"/>
+              </a:rPr>
+              <a:t>markupuk-2020/101-B/example-2/example-2b.xpl</a:t>
+            </a:r>
+          </a:p>
+          <a:p>
+            <a:endParaRPr lang="en-GB" dirty="0"/>
+          </a:p>
+        </p:txBody>
+      </p:sp>
+      <p:sp>
+        <p:nvSpPr>
+          <p:cNvPr id="9" name="Rechthoek: ezelsoor 17">
+            <a:extLst>
+              <a:ext uri="{FF2B5EF4-FFF2-40B4-BE49-F238E27FC236}">
+                <a16:creationId xmlns:a16="http://schemas.microsoft.com/office/drawing/2014/main" id="{31CC46F1-0D49-42AB-89AD-C1E3AEF6E2A3}"/>
+              </a:ext>
+            </a:extLst>
+          </p:cNvPr>
+          <p:cNvSpPr/>
+          <p:nvPr/>
+        </p:nvSpPr>
+        <p:spPr>
+          <a:xfrm>
+            <a:off x="3059930" y="2838895"/>
+            <a:ext cx="1076936" cy="828626"/>
+          </a:xfrm>
+          <a:prstGeom prst="foldedCorner">
+            <a:avLst/>
+          </a:prstGeom>
+          <a:solidFill>
+            <a:schemeClr val="accent4">
+              <a:lumMod val="40000"/>
+              <a:lumOff val="60000"/>
+            </a:schemeClr>
+          </a:solidFill>
+        </p:spPr>
+        <p:style>
+          <a:lnRef idx="2">
+            <a:schemeClr val="accent1">
+              <a:shade val="50000"/>
+            </a:schemeClr>
+          </a:lnRef>
+          <a:fillRef idx="1">
+            <a:schemeClr val="accent1"/>
+          </a:fillRef>
+          <a:effectRef idx="0">
+            <a:schemeClr val="accent1"/>
+          </a:effectRef>
+          <a:fontRef idx="minor">
+            <a:schemeClr val="lt1"/>
+          </a:fontRef>
+        </p:style>
+        <p:txBody>
+          <a:bodyPr rtlCol="0" anchor="ctr"/>
+          <a:lstStyle/>
+          <a:p>
+            <a:pPr algn="ctr"/>
+            <a:r>
+              <a:rPr lang="en-US" sz="1400" dirty="0">
+                <a:solidFill>
+                  <a:schemeClr val="tx1"/>
+                </a:solidFill>
+              </a:rPr>
+              <a:t>document</a:t>
+            </a:r>
+          </a:p>
+        </p:txBody>
+      </p:sp>
+      <p:sp>
+        <p:nvSpPr>
+          <p:cNvPr id="6" name="TextBox 5">
+            <a:extLst>
+              <a:ext uri="{FF2B5EF4-FFF2-40B4-BE49-F238E27FC236}">
+                <a16:creationId xmlns:a16="http://schemas.microsoft.com/office/drawing/2014/main" id="{DA382953-55E3-4092-AD42-94F757324089}"/>
+              </a:ext>
+            </a:extLst>
+          </p:cNvPr>
+          <p:cNvSpPr txBox="1"/>
+          <p:nvPr/>
+        </p:nvSpPr>
+        <p:spPr>
+          <a:xfrm>
+            <a:off x="3965577" y="2280578"/>
+            <a:ext cx="4260846" cy="830997"/>
+          </a:xfrm>
+          <a:prstGeom prst="rect">
+            <a:avLst/>
+          </a:prstGeom>
+          <a:solidFill>
+            <a:schemeClr val="bg1">
+              <a:lumMod val="85000"/>
+            </a:schemeClr>
+          </a:solidFill>
+        </p:spPr>
+        <p:txBody>
+          <a:bodyPr wrap="square" rtlCol="0">
+            <a:spAutoFit/>
+          </a:bodyPr>
+          <a:lstStyle/>
+          <a:p>
+            <a:r>
+              <a:rPr lang="en-US" sz="1600" b="1" dirty="0">
+                <a:latin typeface="Courier New" panose="02070309020205020404" pitchFamily="49" charset="0"/>
+                <a:cs typeface="Courier New" panose="02070309020205020404" pitchFamily="49" charset="0"/>
+              </a:rPr>
+              <a:t>&lt;input-example user="</a:t>
+            </a:r>
+            <a:r>
+              <a:rPr lang="en-US" sz="1600" b="1" dirty="0" err="1">
+                <a:latin typeface="Courier New" panose="02070309020205020404" pitchFamily="49" charset="0"/>
+                <a:cs typeface="Courier New" panose="02070309020205020404" pitchFamily="49" charset="0"/>
+              </a:rPr>
+              <a:t>erik</a:t>
+            </a:r>
+            <a:r>
+              <a:rPr lang="en-US" sz="1600" b="1" dirty="0">
+                <a:latin typeface="Courier New" panose="02070309020205020404" pitchFamily="49" charset="0"/>
+                <a:cs typeface="Courier New" panose="02070309020205020404" pitchFamily="49" charset="0"/>
+              </a:rPr>
+              <a:t>"&gt;</a:t>
+            </a:r>
+          </a:p>
+          <a:p>
+            <a:r>
+              <a:rPr lang="en-US" sz="1600" b="1" dirty="0">
+                <a:latin typeface="Courier New" panose="02070309020205020404" pitchFamily="49" charset="0"/>
+                <a:cs typeface="Courier New" panose="02070309020205020404" pitchFamily="49" charset="0"/>
+              </a:rPr>
+              <a:t>  &lt;title&gt;Just some XML...&lt;/title&gt;</a:t>
+            </a:r>
+          </a:p>
+          <a:p>
+            <a:r>
+              <a:rPr lang="en-US" sz="1600" b="1" dirty="0">
+                <a:latin typeface="Courier New" panose="02070309020205020404" pitchFamily="49" charset="0"/>
+                <a:cs typeface="Courier New" panose="02070309020205020404" pitchFamily="49" charset="0"/>
+              </a:rPr>
+              <a:t>&lt;/input-example&gt;</a:t>
+            </a:r>
+          </a:p>
+        </p:txBody>
+      </p:sp>
+      <p:sp>
+        <p:nvSpPr>
+          <p:cNvPr id="11" name="Arrow: Down 10">
+            <a:extLst>
+              <a:ext uri="{FF2B5EF4-FFF2-40B4-BE49-F238E27FC236}">
+                <a16:creationId xmlns:a16="http://schemas.microsoft.com/office/drawing/2014/main" id="{2C7E6F93-CCA7-42B2-BC28-BB1D6F29E535}"/>
+              </a:ext>
+            </a:extLst>
+          </p:cNvPr>
+          <p:cNvSpPr/>
+          <p:nvPr/>
+        </p:nvSpPr>
+        <p:spPr>
+          <a:xfrm>
+            <a:off x="3344726" y="4897590"/>
+            <a:ext cx="253672" cy="578707"/>
+          </a:xfrm>
+          <a:prstGeom prst="downArrow">
+            <a:avLst/>
+          </a:prstGeom>
+        </p:spPr>
+        <p:style>
+          <a:lnRef idx="2">
+            <a:schemeClr val="accent1">
+              <a:shade val="50000"/>
+            </a:schemeClr>
+          </a:lnRef>
+          <a:fillRef idx="1">
+            <a:schemeClr val="accent1"/>
+          </a:fillRef>
+          <a:effectRef idx="0">
+            <a:schemeClr val="accent1"/>
+          </a:effectRef>
+          <a:fontRef idx="minor">
+            <a:schemeClr val="lt1"/>
+          </a:fontRef>
+        </p:style>
+        <p:txBody>
+          <a:bodyPr rtlCol="0" anchor="ctr"/>
+          <a:lstStyle/>
+          <a:p>
+            <a:pPr algn="ctr"/>
+            <a:endParaRPr lang="en-NL"/>
+          </a:p>
+        </p:txBody>
+      </p:sp>
+      <p:sp>
+        <p:nvSpPr>
+          <p:cNvPr id="12" name="Rechthoek: ezelsoor 17">
+            <a:extLst>
+              <a:ext uri="{FF2B5EF4-FFF2-40B4-BE49-F238E27FC236}">
+                <a16:creationId xmlns:a16="http://schemas.microsoft.com/office/drawing/2014/main" id="{7F74951C-9839-4D65-AF2C-5EF7ECCD3D67}"/>
+              </a:ext>
+            </a:extLst>
+          </p:cNvPr>
+          <p:cNvSpPr/>
+          <p:nvPr/>
+        </p:nvSpPr>
+        <p:spPr>
+          <a:xfrm>
+            <a:off x="3059930" y="5580062"/>
+            <a:ext cx="1076936" cy="828626"/>
+          </a:xfrm>
+          <a:prstGeom prst="foldedCorner">
+            <a:avLst/>
+          </a:prstGeom>
+          <a:solidFill>
+            <a:schemeClr val="accent4">
+              <a:lumMod val="40000"/>
+              <a:lumOff val="60000"/>
+            </a:schemeClr>
+          </a:solidFill>
+        </p:spPr>
+        <p:style>
+          <a:lnRef idx="2">
+            <a:schemeClr val="accent1">
+              <a:shade val="50000"/>
+            </a:schemeClr>
+          </a:lnRef>
+          <a:fillRef idx="1">
+            <a:schemeClr val="accent1"/>
+          </a:fillRef>
+          <a:effectRef idx="0">
+            <a:schemeClr val="accent1"/>
+          </a:effectRef>
+          <a:fontRef idx="minor">
+            <a:schemeClr val="lt1"/>
+          </a:fontRef>
+        </p:style>
+        <p:txBody>
+          <a:bodyPr rtlCol="0" anchor="ctr"/>
+          <a:lstStyle/>
+          <a:p>
+            <a:pPr algn="ctr"/>
+            <a:r>
+              <a:rPr lang="en-US" sz="1400" dirty="0">
+                <a:solidFill>
+                  <a:schemeClr val="tx1"/>
+                </a:solidFill>
+              </a:rPr>
+              <a:t>document</a:t>
+            </a:r>
+          </a:p>
+        </p:txBody>
+      </p:sp>
+    </p:spTree>
+    <p:extLst>
+      <p:ext uri="{BB962C8B-B14F-4D97-AF65-F5344CB8AC3E}">
+        <p14:creationId xmlns:p14="http://schemas.microsoft.com/office/powerpoint/2010/main" val="3422099526"/>
+      </p:ext>
+    </p:extLst>
+  </p:cSld>
+  <p:clrMapOvr>
+    <a:masterClrMapping/>
+  </p:clrMapOvr>
+  <p:timing>
+    <p:tnLst>
+      <p:par>
+        <p:cTn id="1" dur="indefinite" restart="never" nodeType="tmRoot">
+          <p:childTnLst>
+            <p:seq concurrent="1" nextAc="seek">
+              <p:cTn id="2" dur="indefinite" nodeType="mainSeq">
+                <p:childTnLst>
+                  <p:par>
+                    <p:cTn id="3" fill="hold">
+                      <p:stCondLst>
+                        <p:cond delay="indefinite"/>
+                      </p:stCondLst>
+                      <p:childTnLst>
+                        <p:par>
+                          <p:cTn id="4" fill="hold">
+                            <p:stCondLst>
+                              <p:cond delay="0"/>
+                            </p:stCondLst>
+                            <p:childTnLst>
+                              <p:par>
+                                <p:cTn id="5" presetID="10" presetClass="entr" presetSubtype="0" fill="hold" grpId="0" nodeType="clickEffect">
+                                  <p:stCondLst>
+                                    <p:cond delay="0"/>
+                                  </p:stCondLst>
+                                  <p:childTnLst>
+                                    <p:set>
+                                      <p:cBhvr>
+                                        <p:cTn id="6" dur="1" fill="hold">
+                                          <p:stCondLst>
+                                            <p:cond delay="0"/>
+                                          </p:stCondLst>
+                                        </p:cTn>
+                                        <p:tgtEl>
+                                          <p:spTgt spid="9"/>
+                                        </p:tgtEl>
+                                        <p:attrNameLst>
+                                          <p:attrName>style.visibility</p:attrName>
+                                        </p:attrNameLst>
+                                      </p:cBhvr>
+                                      <p:to>
+                                        <p:strVal val="visible"/>
+                                      </p:to>
+                                    </p:set>
+                                    <p:animEffect transition="in" filter="fade">
+                                      <p:cBhvr>
+                                        <p:cTn id="7" dur="2000"/>
+                                        <p:tgtEl>
+                                          <p:spTgt spid="9"/>
+                                        </p:tgtEl>
+                                      </p:cBhvr>
+                                    </p:animEffect>
+                                  </p:childTnLst>
+                                </p:cTn>
+                              </p:par>
+                            </p:childTnLst>
+                          </p:cTn>
+                        </p:par>
+                      </p:childTnLst>
+                    </p:cTn>
+                  </p:par>
+                  <p:par>
+                    <p:cTn id="8" fill="hold">
+                      <p:stCondLst>
+                        <p:cond delay="indefinite"/>
+                      </p:stCondLst>
+                      <p:childTnLst>
+                        <p:par>
+                          <p:cTn id="9" fill="hold">
+                            <p:stCondLst>
+                              <p:cond delay="0"/>
+                            </p:stCondLst>
+                            <p:childTnLst>
+                              <p:par>
+                                <p:cTn id="10" presetID="10" presetClass="entr" presetSubtype="0" fill="hold" grpId="0" nodeType="clickEffect">
+                                  <p:stCondLst>
+                                    <p:cond delay="0"/>
+                                  </p:stCondLst>
+                                  <p:childTnLst>
+                                    <p:set>
+                                      <p:cBhvr>
+                                        <p:cTn id="11" dur="1" fill="hold">
+                                          <p:stCondLst>
+                                            <p:cond delay="0"/>
+                                          </p:stCondLst>
+                                        </p:cTn>
+                                        <p:tgtEl>
+                                          <p:spTgt spid="12"/>
+                                        </p:tgtEl>
+                                        <p:attrNameLst>
+                                          <p:attrName>style.visibility</p:attrName>
+                                        </p:attrNameLst>
+                                      </p:cBhvr>
+                                      <p:to>
+                                        <p:strVal val="visible"/>
+                                      </p:to>
+                                    </p:set>
+                                    <p:animEffect transition="in" filter="fade">
+                                      <p:cBhvr>
+                                        <p:cTn id="12" dur="2000"/>
+                                        <p:tgtEl>
+                                          <p:spTgt spid="12"/>
+                                        </p:tgtEl>
+                                      </p:cBhvr>
+                                    </p:animEffect>
+                                  </p:childTnLst>
+                                </p:cTn>
+                              </p:par>
+                            </p:childTnLst>
+                          </p:cTn>
+                        </p:par>
+                      </p:childTnLst>
+                    </p:cTn>
+                  </p:par>
+                </p:childTnLst>
+              </p:cTn>
+              <p:prevCondLst>
+                <p:cond evt="onPrev" delay="0">
+                  <p:tgtEl>
+                    <p:sldTgt/>
+                  </p:tgtEl>
+                </p:cond>
+              </p:prevCondLst>
+              <p:nextCondLst>
+                <p:cond evt="onNext" delay="0">
+                  <p:tgtEl>
+                    <p:sldTgt/>
+                  </p:tgtEl>
+                </p:cond>
+              </p:nextCondLst>
+            </p:seq>
+          </p:childTnLst>
+        </p:cTn>
+      </p:par>
+    </p:tnLst>
+    <p:bldLst>
+      <p:bldP spid="9" grpId="0" animBg="1"/>
+      <p:bldP spid="12" grpId="0" animBg="1"/>
+    </p:bldLst>
+  </p:timing>
+</p:sld>
+</file>
+
+<file path=ppt/slides/slide12.xml><?xml version="1.0" encoding="utf-8"?>
+<p:sld xmlns:a="http://schemas.openxmlformats.org/drawingml/2006/main" xmlns:r="http://schemas.openxmlformats.org/officeDocument/2006/relationships" xmlns:p="http://schemas.openxmlformats.org/presentationml/2006/main">
+  <p:cSld>
+    <p:spTree>
+      <p:nvGrpSpPr>
+        <p:cNvPr id="1" name=""/>
+        <p:cNvGrpSpPr/>
+        <p:nvPr/>
+      </p:nvGrpSpPr>
+      <p:grpSpPr>
+        <a:xfrm>
+          <a:off x="0" y="0"/>
+          <a:ext cx="0" cy="0"/>
+          <a:chOff x="0" y="0"/>
+          <a:chExt cx="0" cy="0"/>
+        </a:xfrm>
+      </p:grpSpPr>
+      <p:sp>
+        <p:nvSpPr>
+          <p:cNvPr id="2" name="Title 1">
+            <a:extLst>
+              <a:ext uri="{FF2B5EF4-FFF2-40B4-BE49-F238E27FC236}">
+                <a16:creationId xmlns:a16="http://schemas.microsoft.com/office/drawing/2014/main" id="{1BBE307A-DE4A-4A9D-9AF4-D8B1716CEAE6}"/>
+              </a:ext>
+            </a:extLst>
+          </p:cNvPr>
+          <p:cNvSpPr>
+            <a:spLocks noGrp="1"/>
+          </p:cNvSpPr>
+          <p:nvPr>
+            <p:ph type="title"/>
+          </p:nvPr>
+        </p:nvSpPr>
+        <p:spPr>
+          <a:xfrm>
+            <a:off x="320295" y="280148"/>
+            <a:ext cx="10656768" cy="881289"/>
+          </a:xfrm>
+        </p:spPr>
+        <p:txBody>
+          <a:bodyPr>
+            <a:normAutofit fontScale="90000"/>
+          </a:bodyPr>
+          <a:lstStyle/>
+          <a:p>
+            <a:r>
+              <a:rPr lang="en-US" b="1" dirty="0"/>
+              <a:t>Variables with values from </a:t>
+            </a:r>
+            <a:r>
+              <a:rPr lang="en-US" b="1" i="1" dirty="0"/>
+              <a:t>additional</a:t>
+            </a:r>
+            <a:r>
+              <a:rPr lang="en-US" b="1" dirty="0"/>
+              <a:t> document</a:t>
+            </a:r>
+            <a:endParaRPr lang="en-NL" b="1" dirty="0"/>
+          </a:p>
+        </p:txBody>
+      </p:sp>
+      <p:sp>
+        <p:nvSpPr>
+          <p:cNvPr id="4" name="TextBox 3">
+            <a:extLst>
+              <a:ext uri="{FF2B5EF4-FFF2-40B4-BE49-F238E27FC236}">
+                <a16:creationId xmlns:a16="http://schemas.microsoft.com/office/drawing/2014/main" id="{05253DC5-83F4-4B92-B083-E42001DF7DBB}"/>
+              </a:ext>
+            </a:extLst>
+          </p:cNvPr>
+          <p:cNvSpPr txBox="1"/>
+          <p:nvPr/>
+        </p:nvSpPr>
+        <p:spPr>
+          <a:xfrm>
+            <a:off x="529315" y="4377450"/>
+            <a:ext cx="10447748" cy="338554"/>
+          </a:xfrm>
+          <a:prstGeom prst="rect">
+            <a:avLst/>
+          </a:prstGeom>
+          <a:solidFill>
+            <a:schemeClr val="bg1">
+              <a:lumMod val="85000"/>
+            </a:schemeClr>
+          </a:solidFill>
+        </p:spPr>
+        <p:txBody>
+          <a:bodyPr wrap="square" rtlCol="0">
+            <a:spAutoFit/>
+          </a:bodyPr>
+          <a:lstStyle/>
+          <a:p>
+            <a:r>
+              <a:rPr lang="nl-NL" sz="1600" b="1" dirty="0">
+                <a:latin typeface="Courier New" panose="02070309020205020404" pitchFamily="49" charset="0"/>
+                <a:cs typeface="Courier New" panose="02070309020205020404" pitchFamily="49" charset="0"/>
+              </a:rPr>
+              <a:t>&lt;</a:t>
+            </a:r>
+            <a:r>
+              <a:rPr lang="nl-NL" sz="1600" b="1" dirty="0" err="1">
+                <a:latin typeface="Courier New" panose="02070309020205020404" pitchFamily="49" charset="0"/>
+                <a:cs typeface="Courier New" panose="02070309020205020404" pitchFamily="49" charset="0"/>
+              </a:rPr>
+              <a:t>p:variable</a:t>
+            </a:r>
+            <a:r>
+              <a:rPr lang="nl-NL" sz="1600" b="1" dirty="0">
+                <a:latin typeface="Courier New" panose="02070309020205020404" pitchFamily="49" charset="0"/>
+                <a:cs typeface="Courier New" panose="02070309020205020404" pitchFamily="49" charset="0"/>
+              </a:rPr>
+              <a:t> name="status" select="… </a:t>
+            </a:r>
+            <a:r>
+              <a:rPr lang="nl-NL" sz="1600" b="1" dirty="0" err="1">
+                <a:latin typeface="Courier New" panose="02070309020205020404" pitchFamily="49" charset="0"/>
+                <a:cs typeface="Courier New" panose="02070309020205020404" pitchFamily="49" charset="0"/>
+              </a:rPr>
+              <a:t>something</a:t>
+            </a:r>
+            <a:r>
+              <a:rPr lang="nl-NL" sz="1600" b="1" dirty="0">
+                <a:latin typeface="Courier New" panose="02070309020205020404" pitchFamily="49" charset="0"/>
+                <a:cs typeface="Courier New" panose="02070309020205020404" pitchFamily="49" charset="0"/>
+              </a:rPr>
+              <a:t> </a:t>
+            </a:r>
+            <a:r>
+              <a:rPr lang="nl-NL" sz="1600" b="1" dirty="0" err="1">
+                <a:latin typeface="Courier New" panose="02070309020205020404" pitchFamily="49" charset="0"/>
+                <a:cs typeface="Courier New" panose="02070309020205020404" pitchFamily="49" charset="0"/>
+              </a:rPr>
+              <a:t>based</a:t>
+            </a:r>
+            <a:r>
+              <a:rPr lang="nl-NL" sz="1600" b="1" dirty="0">
+                <a:latin typeface="Courier New" panose="02070309020205020404" pitchFamily="49" charset="0"/>
+                <a:cs typeface="Courier New" panose="02070309020205020404" pitchFamily="49" charset="0"/>
+              </a:rPr>
+              <a:t> on /*/@status" </a:t>
+            </a:r>
+            <a:r>
+              <a:rPr lang="nl-NL" sz="1600" b="1" dirty="0" err="1">
+                <a:latin typeface="Courier New" panose="02070309020205020404" pitchFamily="49" charset="0"/>
+                <a:cs typeface="Courier New" panose="02070309020205020404" pitchFamily="49" charset="0"/>
+              </a:rPr>
+              <a:t>href</a:t>
+            </a:r>
+            <a:r>
+              <a:rPr lang="nl-NL" sz="1600" b="1" dirty="0">
+                <a:latin typeface="Courier New" panose="02070309020205020404" pitchFamily="49" charset="0"/>
+                <a:cs typeface="Courier New" panose="02070309020205020404" pitchFamily="49" charset="0"/>
+              </a:rPr>
+              <a:t>="…"/&gt;</a:t>
+            </a:r>
+          </a:p>
+        </p:txBody>
+      </p:sp>
+      <p:sp>
+        <p:nvSpPr>
+          <p:cNvPr id="10" name="Speech Bubble: Oval 9">
+            <a:extLst>
+              <a:ext uri="{FF2B5EF4-FFF2-40B4-BE49-F238E27FC236}">
+                <a16:creationId xmlns:a16="http://schemas.microsoft.com/office/drawing/2014/main" id="{8B96F955-EBB4-4B16-B147-15644F5B9304}"/>
+              </a:ext>
+            </a:extLst>
+          </p:cNvPr>
+          <p:cNvSpPr/>
+          <p:nvPr/>
+        </p:nvSpPr>
+        <p:spPr>
+          <a:xfrm>
+            <a:off x="5635557" y="5220845"/>
+            <a:ext cx="5870439" cy="1209367"/>
+          </a:xfrm>
+          <a:prstGeom prst="wedgeEllipseCallout">
+            <a:avLst>
+              <a:gd name="adj1" fmla="val 51798"/>
+              <a:gd name="adj2" fmla="val 64203"/>
+            </a:avLst>
+          </a:prstGeom>
+        </p:spPr>
+        <p:style>
+          <a:lnRef idx="2">
+            <a:schemeClr val="accent1">
+              <a:shade val="50000"/>
+            </a:schemeClr>
+          </a:lnRef>
+          <a:fillRef idx="1">
+            <a:schemeClr val="accent1"/>
+          </a:fillRef>
+          <a:effectRef idx="0">
+            <a:schemeClr val="accent1"/>
+          </a:effectRef>
+          <a:fontRef idx="minor">
+            <a:schemeClr val="lt1"/>
+          </a:fontRef>
+        </p:style>
+        <p:txBody>
+          <a:bodyPr rtlCol="0" anchor="ctr"/>
+          <a:lstStyle/>
+          <a:p>
+            <a:pPr algn="ctr"/>
+            <a:r>
+              <a:rPr lang="en-US" sz="1600" dirty="0"/>
+              <a:t>You can also base its value on something flowing from another output port</a:t>
+            </a:r>
+            <a:endParaRPr lang="en-NL" sz="1600" dirty="0"/>
+          </a:p>
+        </p:txBody>
+      </p:sp>
+      <p:sp>
+        <p:nvSpPr>
+          <p:cNvPr id="6" name="TextBox 5">
+            <a:extLst>
+              <a:ext uri="{FF2B5EF4-FFF2-40B4-BE49-F238E27FC236}">
+                <a16:creationId xmlns:a16="http://schemas.microsoft.com/office/drawing/2014/main" id="{DA382953-55E3-4092-AD42-94F757324089}"/>
+              </a:ext>
+            </a:extLst>
+          </p:cNvPr>
+          <p:cNvSpPr txBox="1"/>
+          <p:nvPr/>
+        </p:nvSpPr>
+        <p:spPr>
+          <a:xfrm>
+            <a:off x="7425315" y="3132643"/>
+            <a:ext cx="4312727" cy="338554"/>
+          </a:xfrm>
+          <a:prstGeom prst="rect">
+            <a:avLst/>
+          </a:prstGeom>
+          <a:solidFill>
+            <a:schemeClr val="bg1">
+              <a:lumMod val="85000"/>
+            </a:schemeClr>
+          </a:solidFill>
+        </p:spPr>
+        <p:txBody>
+          <a:bodyPr wrap="square" rtlCol="0">
+            <a:spAutoFit/>
+          </a:bodyPr>
+          <a:lstStyle/>
+          <a:p>
+            <a:r>
+              <a:rPr lang="en-US" sz="1600" b="1" dirty="0">
+                <a:latin typeface="Courier New" panose="02070309020205020404" pitchFamily="49" charset="0"/>
+                <a:cs typeface="Courier New" panose="02070309020205020404" pitchFamily="49" charset="0"/>
+              </a:rPr>
+              <a:t>&lt;situation status="normal"/&gt;</a:t>
+            </a:r>
+          </a:p>
+        </p:txBody>
+      </p:sp>
+      <p:sp>
+        <p:nvSpPr>
+          <p:cNvPr id="3" name="Arrow: Down 2">
+            <a:extLst>
+              <a:ext uri="{FF2B5EF4-FFF2-40B4-BE49-F238E27FC236}">
+                <a16:creationId xmlns:a16="http://schemas.microsoft.com/office/drawing/2014/main" id="{AE8EEB35-0B67-43EF-A7EE-3B8287F00166}"/>
+              </a:ext>
+            </a:extLst>
+          </p:cNvPr>
+          <p:cNvSpPr/>
+          <p:nvPr/>
+        </p:nvSpPr>
+        <p:spPr>
+          <a:xfrm>
+            <a:off x="1097636" y="3660844"/>
+            <a:ext cx="253672" cy="578707"/>
+          </a:xfrm>
+          <a:prstGeom prst="downArrow">
+            <a:avLst/>
+          </a:prstGeom>
+        </p:spPr>
+        <p:style>
+          <a:lnRef idx="2">
+            <a:schemeClr val="accent1">
+              <a:shade val="50000"/>
+            </a:schemeClr>
+          </a:lnRef>
+          <a:fillRef idx="1">
+            <a:schemeClr val="accent1"/>
+          </a:fillRef>
+          <a:effectRef idx="0">
+            <a:schemeClr val="accent1"/>
+          </a:effectRef>
+          <a:fontRef idx="minor">
+            <a:schemeClr val="lt1"/>
+          </a:fontRef>
+        </p:style>
+        <p:txBody>
+          <a:bodyPr rtlCol="0" anchor="ctr"/>
+          <a:lstStyle/>
+          <a:p>
+            <a:pPr algn="ctr"/>
+            <a:endParaRPr lang="en-NL"/>
+          </a:p>
+        </p:txBody>
+      </p:sp>
+      <p:sp>
+        <p:nvSpPr>
+          <p:cNvPr id="7" name="Arrow: Down 6">
+            <a:extLst>
+              <a:ext uri="{FF2B5EF4-FFF2-40B4-BE49-F238E27FC236}">
+                <a16:creationId xmlns:a16="http://schemas.microsoft.com/office/drawing/2014/main" id="{6DC5ACA1-A95D-43F2-9907-3B0483E11B45}"/>
+              </a:ext>
+            </a:extLst>
+          </p:cNvPr>
+          <p:cNvSpPr/>
+          <p:nvPr/>
+        </p:nvSpPr>
+        <p:spPr>
+          <a:xfrm>
+            <a:off x="1097636" y="4845710"/>
+            <a:ext cx="253672" cy="578707"/>
+          </a:xfrm>
+          <a:prstGeom prst="downArrow">
+            <a:avLst/>
+          </a:prstGeom>
+        </p:spPr>
+        <p:style>
+          <a:lnRef idx="2">
+            <a:schemeClr val="accent1">
+              <a:shade val="50000"/>
+            </a:schemeClr>
+          </a:lnRef>
+          <a:fillRef idx="1">
+            <a:schemeClr val="accent1"/>
+          </a:fillRef>
+          <a:effectRef idx="0">
+            <a:schemeClr val="accent1"/>
+          </a:effectRef>
+          <a:fontRef idx="minor">
+            <a:schemeClr val="lt1"/>
+          </a:fontRef>
+        </p:style>
+        <p:txBody>
+          <a:bodyPr rtlCol="0" anchor="ctr"/>
+          <a:lstStyle/>
+          <a:p>
+            <a:pPr algn="ctr"/>
+            <a:endParaRPr lang="en-NL"/>
+          </a:p>
+        </p:txBody>
+      </p:sp>
+      <p:sp>
+        <p:nvSpPr>
+          <p:cNvPr id="8" name="Rechthoek: ezelsoor 45">
+            <a:extLst>
+              <a:ext uri="{FF2B5EF4-FFF2-40B4-BE49-F238E27FC236}">
+                <a16:creationId xmlns:a16="http://schemas.microsoft.com/office/drawing/2014/main" id="{75D5417E-633F-4FD7-9844-23DC85A815BC}"/>
+              </a:ext>
+            </a:extLst>
+          </p:cNvPr>
+          <p:cNvSpPr/>
+          <p:nvPr/>
+        </p:nvSpPr>
+        <p:spPr>
+          <a:xfrm>
+            <a:off x="6970940" y="2340739"/>
+            <a:ext cx="1076936" cy="828626"/>
+          </a:xfrm>
+          <a:prstGeom prst="foldedCorner">
+            <a:avLst/>
+          </a:prstGeom>
+          <a:solidFill>
+            <a:schemeClr val="accent4">
+              <a:lumMod val="40000"/>
+              <a:lumOff val="60000"/>
+            </a:schemeClr>
+          </a:solidFill>
+        </p:spPr>
+        <p:style>
+          <a:lnRef idx="2">
+            <a:schemeClr val="accent1">
+              <a:shade val="50000"/>
+            </a:schemeClr>
+          </a:lnRef>
+          <a:fillRef idx="1">
+            <a:schemeClr val="accent1"/>
+          </a:fillRef>
+          <a:effectRef idx="0">
+            <a:schemeClr val="accent1"/>
+          </a:effectRef>
+          <a:fontRef idx="minor">
+            <a:schemeClr val="lt1"/>
+          </a:fontRef>
+        </p:style>
+        <p:txBody>
+          <a:bodyPr rtlCol="0" anchor="ctr"/>
+          <a:lstStyle/>
+          <a:p>
+            <a:pPr algn="ctr"/>
+            <a:r>
+              <a:rPr lang="en-US" sz="1400" dirty="0">
+                <a:solidFill>
+                  <a:schemeClr val="tx1"/>
+                </a:solidFill>
+              </a:rPr>
+              <a:t>Additional</a:t>
+            </a:r>
+          </a:p>
+          <a:p>
+            <a:pPr algn="ctr"/>
+            <a:r>
+              <a:rPr lang="en-US" sz="1400" dirty="0">
+                <a:solidFill>
+                  <a:schemeClr val="tx1"/>
+                </a:solidFill>
+              </a:rPr>
+              <a:t>document</a:t>
+            </a:r>
+          </a:p>
+        </p:txBody>
+      </p:sp>
+      <p:cxnSp>
+        <p:nvCxnSpPr>
+          <p:cNvPr id="9" name="Straight Arrow Connector 8">
+            <a:extLst>
+              <a:ext uri="{FF2B5EF4-FFF2-40B4-BE49-F238E27FC236}">
+                <a16:creationId xmlns:a16="http://schemas.microsoft.com/office/drawing/2014/main" id="{01B59142-0AED-41E4-A834-249D7676D914}"/>
+              </a:ext>
+            </a:extLst>
+          </p:cNvPr>
+          <p:cNvCxnSpPr/>
+          <p:nvPr/>
+        </p:nvCxnSpPr>
+        <p:spPr>
+          <a:xfrm flipH="1" flipV="1">
+            <a:off x="8236085" y="3471197"/>
+            <a:ext cx="1381328" cy="1035951"/>
+          </a:xfrm>
+          <a:prstGeom prst="straightConnector1">
+            <a:avLst/>
+          </a:prstGeom>
+          <a:ln w="57150">
+            <a:tailEnd type="triangle"/>
+          </a:ln>
+        </p:spPr>
+        <p:style>
+          <a:lnRef idx="1">
+            <a:schemeClr val="accent1"/>
+          </a:lnRef>
+          <a:fillRef idx="0">
+            <a:schemeClr val="accent1"/>
+          </a:fillRef>
+          <a:effectRef idx="0">
+            <a:schemeClr val="accent1"/>
+          </a:effectRef>
+          <a:fontRef idx="minor">
+            <a:schemeClr val="tx1"/>
+          </a:fontRef>
+        </p:style>
+      </p:cxnSp>
+      <p:sp>
+        <p:nvSpPr>
+          <p:cNvPr id="11" name="Rechthoek: ezelsoor 17">
+            <a:extLst>
+              <a:ext uri="{FF2B5EF4-FFF2-40B4-BE49-F238E27FC236}">
+                <a16:creationId xmlns:a16="http://schemas.microsoft.com/office/drawing/2014/main" id="{07F5A000-1C60-411B-B020-38D298840313}"/>
+              </a:ext>
+            </a:extLst>
+          </p:cNvPr>
+          <p:cNvSpPr/>
+          <p:nvPr/>
+        </p:nvSpPr>
+        <p:spPr>
+          <a:xfrm>
+            <a:off x="739038" y="2702512"/>
+            <a:ext cx="1076936" cy="828626"/>
+          </a:xfrm>
+          <a:prstGeom prst="foldedCorner">
+            <a:avLst/>
+          </a:prstGeom>
+          <a:solidFill>
+            <a:schemeClr val="accent4">
+              <a:lumMod val="40000"/>
+              <a:lumOff val="60000"/>
+            </a:schemeClr>
+          </a:solidFill>
+        </p:spPr>
+        <p:style>
+          <a:lnRef idx="2">
+            <a:schemeClr val="accent1">
+              <a:shade val="50000"/>
+            </a:schemeClr>
+          </a:lnRef>
+          <a:fillRef idx="1">
+            <a:schemeClr val="accent1"/>
+          </a:fillRef>
+          <a:effectRef idx="0">
+            <a:schemeClr val="accent1"/>
+          </a:effectRef>
+          <a:fontRef idx="minor">
+            <a:schemeClr val="lt1"/>
+          </a:fontRef>
+        </p:style>
+        <p:txBody>
+          <a:bodyPr rtlCol="0" anchor="ctr"/>
+          <a:lstStyle/>
+          <a:p>
+            <a:pPr algn="ctr"/>
+            <a:r>
+              <a:rPr lang="en-US" sz="1400" dirty="0">
+                <a:solidFill>
+                  <a:schemeClr val="tx1"/>
+                </a:solidFill>
+              </a:rPr>
+              <a:t>document</a:t>
+            </a:r>
+          </a:p>
+        </p:txBody>
+      </p:sp>
+      <p:sp>
+        <p:nvSpPr>
+          <p:cNvPr id="12" name="Rechthoek: ezelsoor 17">
+            <a:extLst>
+              <a:ext uri="{FF2B5EF4-FFF2-40B4-BE49-F238E27FC236}">
+                <a16:creationId xmlns:a16="http://schemas.microsoft.com/office/drawing/2014/main" id="{7F681456-9C78-4893-9831-D44CCF205EE5}"/>
+              </a:ext>
+            </a:extLst>
+          </p:cNvPr>
+          <p:cNvSpPr/>
+          <p:nvPr/>
+        </p:nvSpPr>
+        <p:spPr>
+          <a:xfrm>
+            <a:off x="686004" y="5554123"/>
+            <a:ext cx="1076936" cy="828626"/>
+          </a:xfrm>
+          <a:prstGeom prst="foldedCorner">
+            <a:avLst/>
+          </a:prstGeom>
+          <a:solidFill>
+            <a:schemeClr val="accent4">
+              <a:lumMod val="40000"/>
+              <a:lumOff val="60000"/>
+            </a:schemeClr>
+          </a:solidFill>
+        </p:spPr>
+        <p:style>
+          <a:lnRef idx="2">
+            <a:schemeClr val="accent1">
+              <a:shade val="50000"/>
+            </a:schemeClr>
+          </a:lnRef>
+          <a:fillRef idx="1">
+            <a:schemeClr val="accent1"/>
+          </a:fillRef>
+          <a:effectRef idx="0">
+            <a:schemeClr val="accent1"/>
+          </a:effectRef>
+          <a:fontRef idx="minor">
+            <a:schemeClr val="lt1"/>
+          </a:fontRef>
+        </p:style>
+        <p:txBody>
+          <a:bodyPr rtlCol="0" anchor="ctr"/>
+          <a:lstStyle/>
+          <a:p>
+            <a:pPr algn="ctr"/>
+            <a:r>
+              <a:rPr lang="en-US" sz="1400" dirty="0">
+                <a:solidFill>
+                  <a:schemeClr val="tx1"/>
+                </a:solidFill>
+              </a:rPr>
+              <a:t>document</a:t>
+            </a:r>
+          </a:p>
+        </p:txBody>
+      </p:sp>
+      <p:sp>
+        <p:nvSpPr>
+          <p:cNvPr id="13" name="TextBox 12">
+            <a:extLst>
+              <a:ext uri="{FF2B5EF4-FFF2-40B4-BE49-F238E27FC236}">
+                <a16:creationId xmlns:a16="http://schemas.microsoft.com/office/drawing/2014/main" id="{2D52D264-E2B4-425F-996B-05F17A67164A}"/>
+              </a:ext>
+            </a:extLst>
+          </p:cNvPr>
+          <p:cNvSpPr txBox="1"/>
+          <p:nvPr/>
+        </p:nvSpPr>
+        <p:spPr>
+          <a:xfrm>
+            <a:off x="600772" y="1149928"/>
+            <a:ext cx="10304834" cy="646331"/>
+          </a:xfrm>
+          <a:prstGeom prst="rect">
+            <a:avLst/>
+          </a:prstGeom>
+          <a:noFill/>
+        </p:spPr>
+        <p:txBody>
+          <a:bodyPr wrap="square" rtlCol="0">
+            <a:spAutoFit/>
+          </a:bodyPr>
+          <a:lstStyle/>
+          <a:p>
+            <a:r>
+              <a:rPr lang="en-US" dirty="0"/>
+              <a:t>See: </a:t>
+            </a:r>
+            <a:r>
+              <a:rPr lang="en-US" b="1" dirty="0">
+                <a:latin typeface="Courier New" panose="02070309020205020404" pitchFamily="49" charset="0"/>
+                <a:cs typeface="Courier New" panose="02070309020205020404" pitchFamily="49" charset="0"/>
+              </a:rPr>
+              <a:t>markupuk-2020/101-B/example-2/example-2c.xpl</a:t>
+            </a:r>
+          </a:p>
+          <a:p>
+            <a:endParaRPr lang="en-GB" dirty="0"/>
+          </a:p>
+        </p:txBody>
+      </p:sp>
+    </p:spTree>
+    <p:extLst>
+      <p:ext uri="{BB962C8B-B14F-4D97-AF65-F5344CB8AC3E}">
+        <p14:creationId xmlns:p14="http://schemas.microsoft.com/office/powerpoint/2010/main" val="2083929646"/>
+      </p:ext>
+    </p:extLst>
+  </p:cSld>
+  <p:clrMapOvr>
+    <a:masterClrMapping/>
+  </p:clrMapOvr>
+  <p:timing>
+    <p:tnLst>
+      <p:par>
+        <p:cTn id="1" dur="indefinite" restart="never" nodeType="tmRoot">
+          <p:childTnLst>
+            <p:seq concurrent="1" nextAc="seek">
+              <p:cTn id="2" dur="indefinite" nodeType="mainSeq">
+                <p:childTnLst>
+                  <p:par>
+                    <p:cTn id="3" fill="hold">
+                      <p:stCondLst>
+                        <p:cond delay="indefinite"/>
+                        <p:cond evt="onBegin" delay="0">
+                          <p:tn val="2"/>
+                        </p:cond>
+                      </p:stCondLst>
+                      <p:childTnLst>
+                        <p:par>
+                          <p:cTn id="4" fill="hold">
+                            <p:stCondLst>
+                              <p:cond delay="0"/>
+                            </p:stCondLst>
+                            <p:childTnLst>
+                              <p:par>
+                                <p:cTn id="5" presetID="10" presetClass="entr" presetSubtype="0" fill="hold" grpId="0" nodeType="withEffect">
+                                  <p:stCondLst>
+                                    <p:cond delay="500"/>
+                                  </p:stCondLst>
+                                  <p:childTnLst>
+                                    <p:set>
+                                      <p:cBhvr>
+                                        <p:cTn id="6" dur="1" fill="hold">
+                                          <p:stCondLst>
+                                            <p:cond delay="0"/>
+                                          </p:stCondLst>
+                                        </p:cTn>
+                                        <p:tgtEl>
+                                          <p:spTgt spid="10"/>
+                                        </p:tgtEl>
+                                        <p:attrNameLst>
+                                          <p:attrName>style.visibility</p:attrName>
+                                        </p:attrNameLst>
+                                      </p:cBhvr>
+                                      <p:to>
+                                        <p:strVal val="visible"/>
+                                      </p:to>
+                                    </p:set>
+                                    <p:animEffect transition="in" filter="fade">
+                                      <p:cBhvr>
+                                        <p:cTn id="7" dur="500"/>
+                                        <p:tgtEl>
+                                          <p:spTgt spid="10"/>
+                                        </p:tgtEl>
+                                      </p:cBhvr>
+                                    </p:animEffect>
+                                  </p:childTnLst>
+                                </p:cTn>
+                              </p:par>
+                            </p:childTnLst>
+                          </p:cTn>
+                        </p:par>
+                      </p:childTnLst>
+                    </p:cTn>
+                  </p:par>
+                  <p:par>
+                    <p:cTn id="8" fill="hold">
+                      <p:stCondLst>
+                        <p:cond delay="indefinite"/>
+                      </p:stCondLst>
+                      <p:childTnLst>
+                        <p:par>
+                          <p:cTn id="9" fill="hold">
+                            <p:stCondLst>
+                              <p:cond delay="0"/>
+                            </p:stCondLst>
+                            <p:childTnLst>
+                              <p:par>
+                                <p:cTn id="10" presetID="1" presetClass="entr" presetSubtype="0" fill="hold" grpId="0" nodeType="clickEffect">
+                                  <p:stCondLst>
+                                    <p:cond delay="0"/>
+                                  </p:stCondLst>
+                                  <p:childTnLst>
+                                    <p:set>
+                                      <p:cBhvr>
+                                        <p:cTn id="11" dur="1" fill="hold">
+                                          <p:stCondLst>
+                                            <p:cond delay="0"/>
+                                          </p:stCondLst>
+                                        </p:cTn>
+                                        <p:tgtEl>
+                                          <p:spTgt spid="8"/>
+                                        </p:tgtEl>
+                                        <p:attrNameLst>
+                                          <p:attrName>style.visibility</p:attrName>
+                                        </p:attrNameLst>
+                                      </p:cBhvr>
+                                      <p:to>
+                                        <p:strVal val="visible"/>
+                                      </p:to>
+                                    </p:set>
+                                  </p:childTnLst>
+                                </p:cTn>
+                              </p:par>
+                            </p:childTnLst>
+                          </p:cTn>
+                        </p:par>
+                      </p:childTnLst>
+                    </p:cTn>
+                  </p:par>
+                  <p:par>
+                    <p:cTn id="12" fill="hold">
+                      <p:stCondLst>
+                        <p:cond delay="indefinite"/>
+                      </p:stCondLst>
+                      <p:childTnLst>
+                        <p:par>
+                          <p:cTn id="13" fill="hold">
+                            <p:stCondLst>
+                              <p:cond delay="0"/>
+                            </p:stCondLst>
+                            <p:childTnLst>
+                              <p:par>
+                                <p:cTn id="14" presetID="10" presetClass="entr" presetSubtype="0" fill="hold" grpId="0" nodeType="clickEffect">
+                                  <p:stCondLst>
+                                    <p:cond delay="0"/>
+                                  </p:stCondLst>
+                                  <p:childTnLst>
+                                    <p:set>
+                                      <p:cBhvr>
+                                        <p:cTn id="15" dur="1" fill="hold">
+                                          <p:stCondLst>
+                                            <p:cond delay="0"/>
+                                          </p:stCondLst>
+                                        </p:cTn>
+                                        <p:tgtEl>
+                                          <p:spTgt spid="11"/>
+                                        </p:tgtEl>
+                                        <p:attrNameLst>
+                                          <p:attrName>style.visibility</p:attrName>
+                                        </p:attrNameLst>
+                                      </p:cBhvr>
+                                      <p:to>
+                                        <p:strVal val="visible"/>
+                                      </p:to>
+                                    </p:set>
+                                    <p:animEffect transition="in" filter="fade">
+                                      <p:cBhvr>
+                                        <p:cTn id="16" dur="2000"/>
+                                        <p:tgtEl>
+                                          <p:spTgt spid="11"/>
+                                        </p:tgtEl>
+                                      </p:cBhvr>
+                                    </p:animEffect>
+                                  </p:childTnLst>
+                                </p:cTn>
+                              </p:par>
+                            </p:childTnLst>
+                          </p:cTn>
+                        </p:par>
+                      </p:childTnLst>
+                    </p:cTn>
+                  </p:par>
+                  <p:par>
+                    <p:cTn id="17" fill="hold">
+                      <p:stCondLst>
+                        <p:cond delay="indefinite"/>
+                      </p:stCondLst>
+                      <p:childTnLst>
+                        <p:par>
+                          <p:cTn id="18" fill="hold">
+                            <p:stCondLst>
+                              <p:cond delay="0"/>
+                            </p:stCondLst>
+                            <p:childTnLst>
+                              <p:par>
+                                <p:cTn id="19" presetID="10" presetClass="entr" presetSubtype="0" fill="hold" grpId="0" nodeType="clickEffect">
+                                  <p:stCondLst>
+                                    <p:cond delay="0"/>
+                                  </p:stCondLst>
+                                  <p:childTnLst>
+                                    <p:set>
+                                      <p:cBhvr>
+                                        <p:cTn id="20" dur="1" fill="hold">
+                                          <p:stCondLst>
+                                            <p:cond delay="0"/>
+                                          </p:stCondLst>
+                                        </p:cTn>
+                                        <p:tgtEl>
+                                          <p:spTgt spid="12"/>
+                                        </p:tgtEl>
+                                        <p:attrNameLst>
+                                          <p:attrName>style.visibility</p:attrName>
+                                        </p:attrNameLst>
+                                      </p:cBhvr>
+                                      <p:to>
+                                        <p:strVal val="visible"/>
+                                      </p:to>
+                                    </p:set>
+                                    <p:animEffect transition="in" filter="fade">
+                                      <p:cBhvr>
+                                        <p:cTn id="21" dur="2000"/>
+                                        <p:tgtEl>
+                                          <p:spTgt spid="12"/>
+                                        </p:tgtEl>
+                                      </p:cBhvr>
+                                    </p:animEffect>
+                                  </p:childTnLst>
+                                </p:cTn>
+                              </p:par>
+                            </p:childTnLst>
+                          </p:cTn>
+                        </p:par>
+                      </p:childTnLst>
+                    </p:cTn>
+                  </p:par>
+                </p:childTnLst>
+              </p:cTn>
+              <p:prevCondLst>
+                <p:cond evt="onPrev" delay="0">
+                  <p:tgtEl>
+                    <p:sldTgt/>
+                  </p:tgtEl>
+                </p:cond>
+              </p:prevCondLst>
+              <p:nextCondLst>
+                <p:cond evt="onNext" delay="0">
+                  <p:tgtEl>
+                    <p:sldTgt/>
+                  </p:tgtEl>
+                </p:cond>
+              </p:nextCondLst>
+            </p:seq>
+          </p:childTnLst>
+        </p:cTn>
+      </p:par>
+    </p:tnLst>
+    <p:bldLst>
+      <p:bldP spid="10" grpId="0" animBg="1"/>
+      <p:bldP spid="8" grpId="0" animBg="1"/>
+      <p:bldP spid="11" grpId="0" animBg="1"/>
+      <p:bldP spid="12" grpId="0" animBg="1"/>
+    </p:bldLst>
+  </p:timing>
+</p:sld>
+</file>
+
+<file path=ppt/slides/slide13.xml><?xml version="1.0" encoding="utf-8"?>
+<p:sld xmlns:a="http://schemas.openxmlformats.org/drawingml/2006/main" xmlns:r="http://schemas.openxmlformats.org/officeDocument/2006/relationships" xmlns:p="http://schemas.openxmlformats.org/presentationml/2006/main">
+  <p:cSld>
+    <p:spTree>
+      <p:nvGrpSpPr>
+        <p:cNvPr id="1" name=""/>
+        <p:cNvGrpSpPr/>
+        <p:nvPr/>
+      </p:nvGrpSpPr>
+      <p:grpSpPr>
+        <a:xfrm>
+          <a:off x="0" y="0"/>
+          <a:ext cx="0" cy="0"/>
+          <a:chOff x="0" y="0"/>
+          <a:chExt cx="0" cy="0"/>
+        </a:xfrm>
+      </p:grpSpPr>
+      <p:sp>
+        <p:nvSpPr>
+          <p:cNvPr id="2" name="Title 1">
+            <a:extLst>
+              <a:ext uri="{FF2B5EF4-FFF2-40B4-BE49-F238E27FC236}">
+                <a16:creationId xmlns:a16="http://schemas.microsoft.com/office/drawing/2014/main" id="{B5E7A0F1-ED9A-40A0-95DF-22F0282A722B}"/>
+              </a:ext>
+            </a:extLst>
+          </p:cNvPr>
+          <p:cNvSpPr>
+            <a:spLocks noGrp="1"/>
+          </p:cNvSpPr>
+          <p:nvPr>
+            <p:ph type="title"/>
+          </p:nvPr>
+        </p:nvSpPr>
+        <p:spPr>
+          <a:xfrm>
+            <a:off x="301359" y="179274"/>
+            <a:ext cx="10515600" cy="1003525"/>
+          </a:xfrm>
+        </p:spPr>
+        <p:txBody>
+          <a:bodyPr/>
+          <a:lstStyle/>
+          <a:p>
+            <a:r>
+              <a:rPr lang="en-US" b="1" dirty="0"/>
+              <a:t>The core (or compound) steps</a:t>
+            </a:r>
+            <a:endParaRPr lang="en-NL" b="1" dirty="0"/>
+          </a:p>
+        </p:txBody>
+      </p:sp>
+      <p:sp>
+        <p:nvSpPr>
+          <p:cNvPr id="3" name="Content Placeholder 2">
+            <a:extLst>
+              <a:ext uri="{FF2B5EF4-FFF2-40B4-BE49-F238E27FC236}">
+                <a16:creationId xmlns:a16="http://schemas.microsoft.com/office/drawing/2014/main" id="{8423A97B-AC9E-41EC-80B6-66BF8274F59D}"/>
+              </a:ext>
+            </a:extLst>
+          </p:cNvPr>
+          <p:cNvSpPr>
+            <a:spLocks noGrp="1"/>
+          </p:cNvSpPr>
+          <p:nvPr>
+            <p:ph idx="1"/>
+          </p:nvPr>
+        </p:nvSpPr>
+        <p:spPr/>
+        <p:txBody>
+          <a:bodyPr/>
+          <a:lstStyle/>
+          <a:p>
+            <a:r>
+              <a:rPr lang="en-US" b="1" dirty="0">
+                <a:latin typeface="Courier New" panose="02070309020205020404" pitchFamily="49" charset="0"/>
+                <a:cs typeface="Courier New" panose="02070309020205020404" pitchFamily="49" charset="0"/>
+              </a:rPr>
+              <a:t>p:for-each</a:t>
+            </a:r>
+            <a:r>
+              <a:rPr lang="en-US" dirty="0"/>
+              <a:t>: loop over multiple documents or parts of a document</a:t>
+            </a:r>
+          </a:p>
+          <a:p>
+            <a:r>
+              <a:rPr lang="en-US" b="1" dirty="0">
+                <a:latin typeface="Courier New" panose="02070309020205020404" pitchFamily="49" charset="0"/>
+                <a:cs typeface="Courier New" panose="02070309020205020404" pitchFamily="49" charset="0"/>
+              </a:rPr>
+              <a:t>p:choose / p:when / p:otherwise</a:t>
+            </a:r>
+            <a:r>
+              <a:rPr lang="en-US" dirty="0"/>
+              <a:t>: Make choices</a:t>
+            </a:r>
+          </a:p>
+          <a:p>
+            <a:r>
+              <a:rPr lang="en-US" b="1" dirty="0">
+                <a:latin typeface="Courier New" panose="02070309020205020404" pitchFamily="49" charset="0"/>
+                <a:cs typeface="Courier New" panose="02070309020205020404" pitchFamily="49" charset="0"/>
+              </a:rPr>
+              <a:t>p:if</a:t>
+            </a:r>
+            <a:r>
+              <a:rPr lang="en-US" dirty="0"/>
+              <a:t>: Make a single choice (there is no else)</a:t>
+            </a:r>
+          </a:p>
+          <a:p>
+            <a:r>
+              <a:rPr lang="en-US" b="1" dirty="0">
+                <a:latin typeface="Courier New" panose="02070309020205020404" pitchFamily="49" charset="0"/>
+                <a:cs typeface="Courier New" panose="02070309020205020404" pitchFamily="49" charset="0"/>
+              </a:rPr>
+              <a:t>p:viewport</a:t>
+            </a:r>
+            <a:r>
+              <a:rPr lang="en-US" dirty="0"/>
+              <a:t>: Work on only a part of a document</a:t>
+            </a:r>
+          </a:p>
+          <a:p>
+            <a:r>
+              <a:rPr lang="en-US" b="1" dirty="0">
+                <a:latin typeface="Courier New" panose="02070309020205020404" pitchFamily="49" charset="0"/>
+                <a:cs typeface="Courier New" panose="02070309020205020404" pitchFamily="49" charset="0"/>
+              </a:rPr>
+              <a:t>p:try / p:cat</a:t>
+            </a:r>
+            <a:r>
+              <a:rPr lang="en-US" dirty="0"/>
+              <a:t>ch: Error catching and handling</a:t>
+            </a:r>
+          </a:p>
+          <a:p>
+            <a:r>
+              <a:rPr lang="en-US" b="1" dirty="0">
+                <a:latin typeface="Courier New" panose="02070309020205020404" pitchFamily="49" charset="0"/>
+                <a:cs typeface="Courier New" panose="02070309020205020404" pitchFamily="49" charset="0"/>
+              </a:rPr>
+              <a:t>p:group</a:t>
+            </a:r>
+            <a:r>
+              <a:rPr lang="en-US" dirty="0"/>
+              <a:t>: Grouping of instructions</a:t>
+            </a:r>
+          </a:p>
+          <a:p>
+            <a:endParaRPr lang="en-NL" dirty="0"/>
+          </a:p>
+        </p:txBody>
+      </p:sp>
+      <p:sp>
+        <p:nvSpPr>
+          <p:cNvPr id="4" name="Speech Bubble: Oval 3">
+            <a:extLst>
+              <a:ext uri="{FF2B5EF4-FFF2-40B4-BE49-F238E27FC236}">
+                <a16:creationId xmlns:a16="http://schemas.microsoft.com/office/drawing/2014/main" id="{E80A68B3-6D41-430C-967D-B56A6ED3999A}"/>
+              </a:ext>
+            </a:extLst>
+          </p:cNvPr>
+          <p:cNvSpPr/>
+          <p:nvPr/>
+        </p:nvSpPr>
+        <p:spPr>
+          <a:xfrm>
+            <a:off x="8206003" y="5071747"/>
+            <a:ext cx="3735385" cy="1213908"/>
+          </a:xfrm>
+          <a:prstGeom prst="wedgeEllipseCallout">
+            <a:avLst>
+              <a:gd name="adj1" fmla="val 37884"/>
+              <a:gd name="adj2" fmla="val 69662"/>
+            </a:avLst>
+          </a:prstGeom>
+        </p:spPr>
+        <p:style>
+          <a:lnRef idx="2">
+            <a:schemeClr val="accent1">
+              <a:shade val="50000"/>
+            </a:schemeClr>
+          </a:lnRef>
+          <a:fillRef idx="1">
+            <a:schemeClr val="accent1"/>
+          </a:fillRef>
+          <a:effectRef idx="0">
+            <a:schemeClr val="accent1"/>
+          </a:effectRef>
+          <a:fontRef idx="minor">
+            <a:schemeClr val="lt1"/>
+          </a:fontRef>
+        </p:style>
+        <p:txBody>
+          <a:bodyPr rtlCol="0" anchor="ctr"/>
+          <a:lstStyle/>
+          <a:p>
+            <a:pPr algn="ctr"/>
+            <a:r>
+              <a:rPr lang="en-US" sz="1600" dirty="0"/>
+              <a:t>Regrettably, there is no time to look at them all…</a:t>
+            </a:r>
+            <a:endParaRPr lang="en-NL" sz="1600" dirty="0"/>
+          </a:p>
+        </p:txBody>
+      </p:sp>
+    </p:spTree>
+    <p:extLst>
+      <p:ext uri="{BB962C8B-B14F-4D97-AF65-F5344CB8AC3E}">
+        <p14:creationId xmlns:p14="http://schemas.microsoft.com/office/powerpoint/2010/main" val="2166107651"/>
+      </p:ext>
+    </p:extLst>
+  </p:cSld>
+  <p:clrMapOvr>
+    <a:masterClrMapping/>
+  </p:clrMapOvr>
+</p:sld>
+</file>
+
+<file path=ppt/slides/slide14.xml><?xml version="1.0" encoding="utf-8"?>
+<p:sld xmlns:a="http://schemas.openxmlformats.org/drawingml/2006/main" xmlns:r="http://schemas.openxmlformats.org/officeDocument/2006/relationships" xmlns:p="http://schemas.openxmlformats.org/presentationml/2006/main">
+  <p:cSld>
+    <p:spTree>
+      <p:nvGrpSpPr>
+        <p:cNvPr id="1" name=""/>
+        <p:cNvGrpSpPr/>
+        <p:nvPr/>
+      </p:nvGrpSpPr>
+      <p:grpSpPr>
+        <a:xfrm>
+          <a:off x="0" y="0"/>
+          <a:ext cx="0" cy="0"/>
+          <a:chOff x="0" y="0"/>
+          <a:chExt cx="0" cy="0"/>
+        </a:xfrm>
+      </p:grpSpPr>
+      <p:sp>
+        <p:nvSpPr>
+          <p:cNvPr id="2" name="Title 1">
+            <a:extLst>
+              <a:ext uri="{FF2B5EF4-FFF2-40B4-BE49-F238E27FC236}">
+                <a16:creationId xmlns:a16="http://schemas.microsoft.com/office/drawing/2014/main" id="{4123861A-F328-4BB9-8F10-4F9FB0F7E245}"/>
+              </a:ext>
+            </a:extLst>
+          </p:cNvPr>
+          <p:cNvSpPr>
+            <a:spLocks noGrp="1"/>
+          </p:cNvSpPr>
+          <p:nvPr>
+            <p:ph type="title"/>
+          </p:nvPr>
+        </p:nvSpPr>
+        <p:spPr>
+          <a:xfrm>
+            <a:off x="306476" y="182438"/>
+            <a:ext cx="11617960" cy="860848"/>
+          </a:xfrm>
+        </p:spPr>
+        <p:txBody>
+          <a:bodyPr>
+            <a:normAutofit/>
+          </a:bodyPr>
+          <a:lstStyle/>
+          <a:p>
+            <a:r>
+              <a:rPr lang="en-US" b="1" dirty="0"/>
+              <a:t>Use p:for-each to split a document </a:t>
+            </a:r>
+            <a:endParaRPr lang="en-NL" b="1" dirty="0"/>
+          </a:p>
+        </p:txBody>
+      </p:sp>
+      <p:sp>
+        <p:nvSpPr>
+          <p:cNvPr id="4" name="TextBox 3">
+            <a:extLst>
+              <a:ext uri="{FF2B5EF4-FFF2-40B4-BE49-F238E27FC236}">
+                <a16:creationId xmlns:a16="http://schemas.microsoft.com/office/drawing/2014/main" id="{E614C84A-45C6-4C95-859B-4E28BD47CA0C}"/>
+              </a:ext>
+            </a:extLst>
+          </p:cNvPr>
+          <p:cNvSpPr txBox="1"/>
+          <p:nvPr/>
+        </p:nvSpPr>
+        <p:spPr>
+          <a:xfrm>
+            <a:off x="261080" y="2269756"/>
+            <a:ext cx="6312529" cy="3046988"/>
+          </a:xfrm>
+          <a:prstGeom prst="rect">
+            <a:avLst/>
+          </a:prstGeom>
+          <a:solidFill>
+            <a:schemeClr val="bg1">
+              <a:lumMod val="85000"/>
+            </a:schemeClr>
+          </a:solidFill>
+        </p:spPr>
+        <p:txBody>
+          <a:bodyPr wrap="square" rtlCol="0">
+            <a:spAutoFit/>
+          </a:bodyPr>
+          <a:lstStyle/>
+          <a:p>
+            <a:r>
+              <a:rPr lang="en-US" sz="1600" b="1" dirty="0">
+                <a:latin typeface="Courier New" panose="02070309020205020404" pitchFamily="49" charset="0"/>
+                <a:cs typeface="Courier New" panose="02070309020205020404" pitchFamily="49" charset="0"/>
+              </a:rPr>
+              <a:t>&lt;documents&gt;</a:t>
+            </a:r>
+          </a:p>
+          <a:p>
+            <a:endParaRPr lang="en-US" sz="1600" b="1" dirty="0">
+              <a:latin typeface="Courier New" panose="02070309020205020404" pitchFamily="49" charset="0"/>
+              <a:cs typeface="Courier New" panose="02070309020205020404" pitchFamily="49" charset="0"/>
+            </a:endParaRPr>
+          </a:p>
+          <a:p>
+            <a:r>
+              <a:rPr lang="en-US" sz="1600" b="1" dirty="0">
+                <a:latin typeface="Courier New" panose="02070309020205020404" pitchFamily="49" charset="0"/>
+                <a:cs typeface="Courier New" panose="02070309020205020404" pitchFamily="49" charset="0"/>
+              </a:rPr>
+              <a:t>  &lt;doc filename="output1.xml"&gt;</a:t>
+            </a:r>
+          </a:p>
+          <a:p>
+            <a:r>
+              <a:rPr lang="en-US" sz="1600" b="1" dirty="0">
+                <a:latin typeface="Courier New" panose="02070309020205020404" pitchFamily="49" charset="0"/>
+                <a:cs typeface="Courier New" panose="02070309020205020404" pitchFamily="49" charset="0"/>
+              </a:rPr>
+              <a:t>    &lt;contents&gt;This is document number 1&lt;/contents&gt;</a:t>
+            </a:r>
+          </a:p>
+          <a:p>
+            <a:r>
+              <a:rPr lang="en-US" sz="1600" b="1" dirty="0">
+                <a:latin typeface="Courier New" panose="02070309020205020404" pitchFamily="49" charset="0"/>
+                <a:cs typeface="Courier New" panose="02070309020205020404" pitchFamily="49" charset="0"/>
+              </a:rPr>
+              <a:t>  &lt;/doc&gt;</a:t>
+            </a:r>
+          </a:p>
+          <a:p>
+            <a:endParaRPr lang="en-US" sz="1600" b="1" dirty="0">
+              <a:latin typeface="Courier New" panose="02070309020205020404" pitchFamily="49" charset="0"/>
+              <a:cs typeface="Courier New" panose="02070309020205020404" pitchFamily="49" charset="0"/>
+            </a:endParaRPr>
+          </a:p>
+          <a:p>
+            <a:r>
+              <a:rPr lang="en-US" sz="1600" b="1" dirty="0">
+                <a:latin typeface="Courier New" panose="02070309020205020404" pitchFamily="49" charset="0"/>
+                <a:cs typeface="Courier New" panose="02070309020205020404" pitchFamily="49" charset="0"/>
+              </a:rPr>
+              <a:t>  &lt;doc filename="output2.xml"&gt;</a:t>
+            </a:r>
+          </a:p>
+          <a:p>
+            <a:r>
+              <a:rPr lang="en-US" sz="1600" b="1" dirty="0">
+                <a:latin typeface="Courier New" panose="02070309020205020404" pitchFamily="49" charset="0"/>
+                <a:cs typeface="Courier New" panose="02070309020205020404" pitchFamily="49" charset="0"/>
+              </a:rPr>
+              <a:t>    &lt;contents&gt;This is document number 2&lt;/contents&gt;</a:t>
+            </a:r>
+          </a:p>
+          <a:p>
+            <a:r>
+              <a:rPr lang="en-US" sz="1600" b="1" dirty="0">
+                <a:latin typeface="Courier New" panose="02070309020205020404" pitchFamily="49" charset="0"/>
+                <a:cs typeface="Courier New" panose="02070309020205020404" pitchFamily="49" charset="0"/>
+              </a:rPr>
+              <a:t>    &lt;more&gt;It has some more...&lt;/more&gt;</a:t>
+            </a:r>
+          </a:p>
+          <a:p>
+            <a:r>
+              <a:rPr lang="en-US" sz="1600" b="1" dirty="0">
+                <a:latin typeface="Courier New" panose="02070309020205020404" pitchFamily="49" charset="0"/>
+                <a:cs typeface="Courier New" panose="02070309020205020404" pitchFamily="49" charset="0"/>
+              </a:rPr>
+              <a:t>  &lt;/doc&gt;</a:t>
+            </a:r>
+          </a:p>
+          <a:p>
+            <a:endParaRPr lang="en-US" sz="1600" b="1" dirty="0">
+              <a:latin typeface="Courier New" panose="02070309020205020404" pitchFamily="49" charset="0"/>
+              <a:cs typeface="Courier New" panose="02070309020205020404" pitchFamily="49" charset="0"/>
+            </a:endParaRPr>
+          </a:p>
+          <a:p>
+            <a:r>
+              <a:rPr lang="en-US" sz="1600" b="1" dirty="0">
+                <a:latin typeface="Courier New" panose="02070309020205020404" pitchFamily="49" charset="0"/>
+                <a:cs typeface="Courier New" panose="02070309020205020404" pitchFamily="49" charset="0"/>
+              </a:rPr>
+              <a:t>&lt;/documents&gt;</a:t>
+            </a:r>
+            <a:endParaRPr lang="nl-NL" sz="1600" b="1" dirty="0">
+              <a:latin typeface="Courier New" panose="02070309020205020404" pitchFamily="49" charset="0"/>
+              <a:cs typeface="Courier New" panose="02070309020205020404" pitchFamily="49" charset="0"/>
+            </a:endParaRPr>
+          </a:p>
+        </p:txBody>
+      </p:sp>
+      <p:sp>
+        <p:nvSpPr>
+          <p:cNvPr id="10" name="Speech Bubble: Oval 9">
+            <a:extLst>
+              <a:ext uri="{FF2B5EF4-FFF2-40B4-BE49-F238E27FC236}">
+                <a16:creationId xmlns:a16="http://schemas.microsoft.com/office/drawing/2014/main" id="{9F9F4853-1F17-4E02-BB3B-0A659F25AE56}"/>
+              </a:ext>
+            </a:extLst>
+          </p:cNvPr>
+          <p:cNvSpPr/>
+          <p:nvPr/>
+        </p:nvSpPr>
+        <p:spPr>
+          <a:xfrm>
+            <a:off x="7561634" y="6053288"/>
+            <a:ext cx="3238375" cy="622274"/>
+          </a:xfrm>
+          <a:prstGeom prst="wedgeEllipseCallout">
+            <a:avLst>
+              <a:gd name="adj1" fmla="val 75203"/>
+              <a:gd name="adj2" fmla="val 43639"/>
+            </a:avLst>
+          </a:prstGeom>
+        </p:spPr>
+        <p:style>
+          <a:lnRef idx="2">
+            <a:schemeClr val="accent1">
+              <a:shade val="50000"/>
+            </a:schemeClr>
+          </a:lnRef>
+          <a:fillRef idx="1">
+            <a:schemeClr val="accent1"/>
+          </a:fillRef>
+          <a:effectRef idx="0">
+            <a:schemeClr val="accent1"/>
+          </a:effectRef>
+          <a:fontRef idx="minor">
+            <a:schemeClr val="lt1"/>
+          </a:fontRef>
+        </p:style>
+        <p:txBody>
+          <a:bodyPr rtlCol="0" anchor="ctr"/>
+          <a:lstStyle/>
+          <a:p>
+            <a:pPr algn="ctr"/>
+            <a:r>
+              <a:rPr lang="en-US" sz="1600" dirty="0"/>
+              <a:t>Boring contents Erik</a:t>
+            </a:r>
+            <a:endParaRPr lang="en-NL" sz="1600" dirty="0"/>
+          </a:p>
+        </p:txBody>
+      </p:sp>
+      <p:sp>
+        <p:nvSpPr>
+          <p:cNvPr id="7" name="Rechthoek: ezelsoor 17">
+            <a:extLst>
+              <a:ext uri="{FF2B5EF4-FFF2-40B4-BE49-F238E27FC236}">
+                <a16:creationId xmlns:a16="http://schemas.microsoft.com/office/drawing/2014/main" id="{14A7511A-A928-4049-A77D-8A0850FAE91B}"/>
+              </a:ext>
+            </a:extLst>
+          </p:cNvPr>
+          <p:cNvSpPr/>
+          <p:nvPr/>
+        </p:nvSpPr>
+        <p:spPr>
+          <a:xfrm>
+            <a:off x="5713115" y="2132784"/>
+            <a:ext cx="1076936" cy="828626"/>
+          </a:xfrm>
+          <a:prstGeom prst="foldedCorner">
+            <a:avLst/>
+          </a:prstGeom>
+          <a:solidFill>
+            <a:schemeClr val="accent4">
+              <a:lumMod val="40000"/>
+              <a:lumOff val="60000"/>
+            </a:schemeClr>
+          </a:solidFill>
+        </p:spPr>
+        <p:style>
+          <a:lnRef idx="2">
+            <a:schemeClr val="accent1">
+              <a:shade val="50000"/>
+            </a:schemeClr>
+          </a:lnRef>
+          <a:fillRef idx="1">
+            <a:schemeClr val="accent1"/>
+          </a:fillRef>
+          <a:effectRef idx="0">
+            <a:schemeClr val="accent1"/>
+          </a:effectRef>
+          <a:fontRef idx="minor">
+            <a:schemeClr val="lt1"/>
+          </a:fontRef>
+        </p:style>
+        <p:txBody>
+          <a:bodyPr rtlCol="0" anchor="ctr"/>
+          <a:lstStyle/>
+          <a:p>
+            <a:pPr algn="ctr"/>
+            <a:r>
+              <a:rPr lang="en-US" sz="1400" dirty="0">
+                <a:solidFill>
+                  <a:schemeClr val="tx1"/>
+                </a:solidFill>
+              </a:rPr>
+              <a:t>Input document</a:t>
+            </a:r>
+          </a:p>
+        </p:txBody>
+      </p:sp>
+      <p:sp>
+        <p:nvSpPr>
+          <p:cNvPr id="3" name="Flowchart: Magnetic Disk 2">
+            <a:extLst>
+              <a:ext uri="{FF2B5EF4-FFF2-40B4-BE49-F238E27FC236}">
+                <a16:creationId xmlns:a16="http://schemas.microsoft.com/office/drawing/2014/main" id="{3680931E-A8A4-4EB1-B7F1-757B87ACF7E5}"/>
+              </a:ext>
+            </a:extLst>
+          </p:cNvPr>
+          <p:cNvSpPr/>
+          <p:nvPr/>
+        </p:nvSpPr>
+        <p:spPr>
+          <a:xfrm>
+            <a:off x="7795302" y="2839559"/>
+            <a:ext cx="946826" cy="1474403"/>
+          </a:xfrm>
+          <a:prstGeom prst="flowChartMagneticDisk">
+            <a:avLst/>
+          </a:prstGeom>
+        </p:spPr>
+        <p:style>
+          <a:lnRef idx="2">
+            <a:schemeClr val="accent1">
+              <a:shade val="50000"/>
+            </a:schemeClr>
+          </a:lnRef>
+          <a:fillRef idx="1">
+            <a:schemeClr val="accent1"/>
+          </a:fillRef>
+          <a:effectRef idx="0">
+            <a:schemeClr val="accent1"/>
+          </a:effectRef>
+          <a:fontRef idx="minor">
+            <a:schemeClr val="lt1"/>
+          </a:fontRef>
+        </p:style>
+        <p:txBody>
+          <a:bodyPr rtlCol="0" anchor="ctr"/>
+          <a:lstStyle/>
+          <a:p>
+            <a:pPr algn="ctr"/>
+            <a:r>
+              <a:rPr lang="en-US" dirty="0"/>
+              <a:t>Pipeline</a:t>
+            </a:r>
+            <a:endParaRPr lang="en-GB" dirty="0"/>
+          </a:p>
+        </p:txBody>
+      </p:sp>
+      <p:sp>
+        <p:nvSpPr>
+          <p:cNvPr id="11" name="Rechthoek: ezelsoor 17">
+            <a:extLst>
+              <a:ext uri="{FF2B5EF4-FFF2-40B4-BE49-F238E27FC236}">
+                <a16:creationId xmlns:a16="http://schemas.microsoft.com/office/drawing/2014/main" id="{FEEEB978-EC83-4F77-A606-0811CE117227}"/>
+              </a:ext>
+            </a:extLst>
+          </p:cNvPr>
+          <p:cNvSpPr/>
+          <p:nvPr/>
+        </p:nvSpPr>
+        <p:spPr>
+          <a:xfrm>
+            <a:off x="9496689" y="2704171"/>
+            <a:ext cx="1076936" cy="828626"/>
+          </a:xfrm>
+          <a:prstGeom prst="foldedCorner">
+            <a:avLst/>
+          </a:prstGeom>
+          <a:solidFill>
+            <a:schemeClr val="accent4">
+              <a:lumMod val="40000"/>
+              <a:lumOff val="60000"/>
+            </a:schemeClr>
+          </a:solidFill>
+        </p:spPr>
+        <p:style>
+          <a:lnRef idx="2">
+            <a:schemeClr val="accent1">
+              <a:shade val="50000"/>
+            </a:schemeClr>
+          </a:lnRef>
+          <a:fillRef idx="1">
+            <a:schemeClr val="accent1"/>
+          </a:fillRef>
+          <a:effectRef idx="0">
+            <a:schemeClr val="accent1"/>
+          </a:effectRef>
+          <a:fontRef idx="minor">
+            <a:schemeClr val="lt1"/>
+          </a:fontRef>
+        </p:style>
+        <p:txBody>
+          <a:bodyPr rtlCol="0" anchor="ctr"/>
+          <a:lstStyle/>
+          <a:p>
+            <a:pPr algn="ctr"/>
+            <a:r>
+              <a:rPr lang="en-US" sz="1400" dirty="0">
+                <a:solidFill>
+                  <a:schemeClr val="tx1"/>
+                </a:solidFill>
+              </a:rPr>
+              <a:t>output1.xml</a:t>
+            </a:r>
+          </a:p>
+        </p:txBody>
+      </p:sp>
+      <p:sp>
+        <p:nvSpPr>
+          <p:cNvPr id="12" name="Rechthoek: ezelsoor 17">
+            <a:extLst>
+              <a:ext uri="{FF2B5EF4-FFF2-40B4-BE49-F238E27FC236}">
+                <a16:creationId xmlns:a16="http://schemas.microsoft.com/office/drawing/2014/main" id="{F549D5CD-DA68-43B7-B89B-4EC960EEAB81}"/>
+              </a:ext>
+            </a:extLst>
+          </p:cNvPr>
+          <p:cNvSpPr/>
+          <p:nvPr/>
+        </p:nvSpPr>
+        <p:spPr>
+          <a:xfrm>
+            <a:off x="9496689" y="4031514"/>
+            <a:ext cx="1076936" cy="828626"/>
+          </a:xfrm>
+          <a:prstGeom prst="foldedCorner">
+            <a:avLst/>
+          </a:prstGeom>
+          <a:solidFill>
+            <a:schemeClr val="accent4">
+              <a:lumMod val="40000"/>
+              <a:lumOff val="60000"/>
+            </a:schemeClr>
+          </a:solidFill>
+        </p:spPr>
+        <p:style>
+          <a:lnRef idx="2">
+            <a:schemeClr val="accent1">
+              <a:shade val="50000"/>
+            </a:schemeClr>
+          </a:lnRef>
+          <a:fillRef idx="1">
+            <a:schemeClr val="accent1"/>
+          </a:fillRef>
+          <a:effectRef idx="0">
+            <a:schemeClr val="accent1"/>
+          </a:effectRef>
+          <a:fontRef idx="minor">
+            <a:schemeClr val="lt1"/>
+          </a:fontRef>
+        </p:style>
+        <p:txBody>
+          <a:bodyPr rtlCol="0" anchor="ctr"/>
+          <a:lstStyle/>
+          <a:p>
+            <a:pPr algn="ctr"/>
+            <a:r>
+              <a:rPr lang="en-US" sz="1400" dirty="0">
+                <a:solidFill>
+                  <a:schemeClr val="tx1"/>
+                </a:solidFill>
+              </a:rPr>
+              <a:t>output2.xml</a:t>
+            </a:r>
+          </a:p>
+        </p:txBody>
+      </p:sp>
+      <p:sp>
+        <p:nvSpPr>
+          <p:cNvPr id="13" name="Rechthoek: ezelsoor 17">
+            <a:extLst>
+              <a:ext uri="{FF2B5EF4-FFF2-40B4-BE49-F238E27FC236}">
+                <a16:creationId xmlns:a16="http://schemas.microsoft.com/office/drawing/2014/main" id="{C1441ED3-63F0-4121-BFD9-1EB1AA268266}"/>
+              </a:ext>
+            </a:extLst>
+          </p:cNvPr>
+          <p:cNvSpPr/>
+          <p:nvPr/>
+        </p:nvSpPr>
+        <p:spPr>
+          <a:xfrm>
+            <a:off x="7684647" y="4860140"/>
+            <a:ext cx="1076936" cy="828626"/>
+          </a:xfrm>
+          <a:prstGeom prst="foldedCorner">
+            <a:avLst/>
+          </a:prstGeom>
+          <a:solidFill>
+            <a:schemeClr val="accent4">
+              <a:lumMod val="40000"/>
+              <a:lumOff val="60000"/>
+            </a:schemeClr>
+          </a:solidFill>
+        </p:spPr>
+        <p:style>
+          <a:lnRef idx="2">
+            <a:schemeClr val="accent1">
+              <a:shade val="50000"/>
+            </a:schemeClr>
+          </a:lnRef>
+          <a:fillRef idx="1">
+            <a:schemeClr val="accent1"/>
+          </a:fillRef>
+          <a:effectRef idx="0">
+            <a:schemeClr val="accent1"/>
+          </a:effectRef>
+          <a:fontRef idx="minor">
+            <a:schemeClr val="lt1"/>
+          </a:fontRef>
+        </p:style>
+        <p:txBody>
+          <a:bodyPr rtlCol="0" anchor="ctr"/>
+          <a:lstStyle/>
+          <a:p>
+            <a:pPr algn="ctr"/>
+            <a:r>
+              <a:rPr lang="en-US" sz="1400" dirty="0">
+                <a:solidFill>
+                  <a:schemeClr val="tx1"/>
+                </a:solidFill>
+              </a:rPr>
+              <a:t>?</a:t>
+            </a:r>
+          </a:p>
+        </p:txBody>
+      </p:sp>
+      <p:sp>
+        <p:nvSpPr>
+          <p:cNvPr id="14" name="Boog 20">
+            <a:extLst>
+              <a:ext uri="{FF2B5EF4-FFF2-40B4-BE49-F238E27FC236}">
+                <a16:creationId xmlns:a16="http://schemas.microsoft.com/office/drawing/2014/main" id="{034F099C-8245-44E3-A2B3-A89FE5874B9F}"/>
+              </a:ext>
+            </a:extLst>
+          </p:cNvPr>
+          <p:cNvSpPr/>
+          <p:nvPr/>
+        </p:nvSpPr>
+        <p:spPr>
+          <a:xfrm>
+            <a:off x="6115456" y="2269756"/>
+            <a:ext cx="2159540" cy="794722"/>
+          </a:xfrm>
+          <a:prstGeom prst="arc">
+            <a:avLst>
+              <a:gd name="adj1" fmla="val 14279023"/>
+              <a:gd name="adj2" fmla="val 205332"/>
+            </a:avLst>
+          </a:prstGeom>
+          <a:ln w="12700">
+            <a:tailEnd type="triangle" w="lg" len="med"/>
+          </a:ln>
+        </p:spPr>
+        <p:style>
+          <a:lnRef idx="1">
+            <a:schemeClr val="accent1"/>
+          </a:lnRef>
+          <a:fillRef idx="0">
+            <a:schemeClr val="accent1"/>
+          </a:fillRef>
+          <a:effectRef idx="0">
+            <a:schemeClr val="accent1"/>
+          </a:effectRef>
+          <a:fontRef idx="minor">
+            <a:schemeClr val="tx1"/>
+          </a:fontRef>
+        </p:style>
+        <p:txBody>
+          <a:bodyPr rtlCol="0" anchor="ctr"/>
+          <a:lstStyle/>
+          <a:p>
+            <a:pPr algn="ctr"/>
+            <a:endParaRPr lang="en-US"/>
+          </a:p>
+        </p:txBody>
+      </p:sp>
+      <p:cxnSp>
+        <p:nvCxnSpPr>
+          <p:cNvPr id="6" name="Straight Arrow Connector 5">
+            <a:extLst>
+              <a:ext uri="{FF2B5EF4-FFF2-40B4-BE49-F238E27FC236}">
+                <a16:creationId xmlns:a16="http://schemas.microsoft.com/office/drawing/2014/main" id="{C68EA23F-C87F-4BEF-BDB0-403E6A8E1B54}"/>
+              </a:ext>
+            </a:extLst>
+          </p:cNvPr>
+          <p:cNvCxnSpPr/>
+          <p:nvPr/>
+        </p:nvCxnSpPr>
+        <p:spPr>
+          <a:xfrm flipV="1">
+            <a:off x="8904051" y="3118484"/>
+            <a:ext cx="479898" cy="312137"/>
+          </a:xfrm>
+          <a:prstGeom prst="straightConnector1">
+            <a:avLst/>
+          </a:prstGeom>
+          <a:ln w="12700">
+            <a:tailEnd type="triangle"/>
+          </a:ln>
+        </p:spPr>
+        <p:style>
+          <a:lnRef idx="1">
+            <a:schemeClr val="accent1"/>
+          </a:lnRef>
+          <a:fillRef idx="0">
+            <a:schemeClr val="accent1"/>
+          </a:fillRef>
+          <a:effectRef idx="0">
+            <a:schemeClr val="accent1"/>
+          </a:effectRef>
+          <a:fontRef idx="minor">
+            <a:schemeClr val="tx1"/>
+          </a:fontRef>
+        </p:style>
+      </p:cxnSp>
+      <p:cxnSp>
+        <p:nvCxnSpPr>
+          <p:cNvPr id="15" name="Straight Arrow Connector 14">
+            <a:extLst>
+              <a:ext uri="{FF2B5EF4-FFF2-40B4-BE49-F238E27FC236}">
+                <a16:creationId xmlns:a16="http://schemas.microsoft.com/office/drawing/2014/main" id="{D563B04A-1262-4F91-9C93-793CC3E78ED4}"/>
+              </a:ext>
+            </a:extLst>
+          </p:cNvPr>
+          <p:cNvCxnSpPr>
+            <a:cxnSpLocks/>
+          </p:cNvCxnSpPr>
+          <p:nvPr/>
+        </p:nvCxnSpPr>
+        <p:spPr>
+          <a:xfrm>
+            <a:off x="8879459" y="3715967"/>
+            <a:ext cx="549886" cy="699277"/>
+          </a:xfrm>
+          <a:prstGeom prst="straightConnector1">
+            <a:avLst/>
+          </a:prstGeom>
+          <a:ln w="12700">
+            <a:tailEnd type="triangle"/>
+          </a:ln>
+        </p:spPr>
+        <p:style>
+          <a:lnRef idx="1">
+            <a:schemeClr val="accent1"/>
+          </a:lnRef>
+          <a:fillRef idx="0">
+            <a:schemeClr val="accent1"/>
+          </a:fillRef>
+          <a:effectRef idx="0">
+            <a:schemeClr val="accent1"/>
+          </a:effectRef>
+          <a:fontRef idx="minor">
+            <a:schemeClr val="tx1"/>
+          </a:fontRef>
+        </p:style>
+      </p:cxnSp>
+      <p:cxnSp>
+        <p:nvCxnSpPr>
+          <p:cNvPr id="18" name="Straight Arrow Connector 17">
+            <a:extLst>
+              <a:ext uri="{FF2B5EF4-FFF2-40B4-BE49-F238E27FC236}">
+                <a16:creationId xmlns:a16="http://schemas.microsoft.com/office/drawing/2014/main" id="{4D11417F-8C4E-4CFB-89B1-17CA42B6C348}"/>
+              </a:ext>
+            </a:extLst>
+          </p:cNvPr>
+          <p:cNvCxnSpPr>
+            <a:cxnSpLocks/>
+          </p:cNvCxnSpPr>
+          <p:nvPr/>
+        </p:nvCxnSpPr>
+        <p:spPr>
+          <a:xfrm>
+            <a:off x="8223115" y="4415245"/>
+            <a:ext cx="0" cy="350367"/>
+          </a:xfrm>
+          <a:prstGeom prst="straightConnector1">
+            <a:avLst/>
+          </a:prstGeom>
+          <a:ln w="12700">
+            <a:tailEnd type="triangle"/>
+          </a:ln>
+        </p:spPr>
+        <p:style>
+          <a:lnRef idx="1">
+            <a:schemeClr val="accent1"/>
+          </a:lnRef>
+          <a:fillRef idx="0">
+            <a:schemeClr val="accent1"/>
+          </a:fillRef>
+          <a:effectRef idx="0">
+            <a:schemeClr val="accent1"/>
+          </a:effectRef>
+          <a:fontRef idx="minor">
+            <a:schemeClr val="tx1"/>
+          </a:fontRef>
+        </p:style>
+      </p:cxnSp>
+      <p:sp>
+        <p:nvSpPr>
+          <p:cNvPr id="21" name="TextBox 20">
+            <a:extLst>
+              <a:ext uri="{FF2B5EF4-FFF2-40B4-BE49-F238E27FC236}">
+                <a16:creationId xmlns:a16="http://schemas.microsoft.com/office/drawing/2014/main" id="{60A84986-2B16-4899-B72A-B7BD622672FF}"/>
+              </a:ext>
+            </a:extLst>
+          </p:cNvPr>
+          <p:cNvSpPr txBox="1"/>
+          <p:nvPr/>
+        </p:nvSpPr>
+        <p:spPr>
+          <a:xfrm>
+            <a:off x="600772" y="1149928"/>
+            <a:ext cx="10304834" cy="646331"/>
+          </a:xfrm>
+          <a:prstGeom prst="rect">
+            <a:avLst/>
+          </a:prstGeom>
+          <a:noFill/>
+        </p:spPr>
+        <p:txBody>
+          <a:bodyPr wrap="square" rtlCol="0">
+            <a:spAutoFit/>
+          </a:bodyPr>
+          <a:lstStyle/>
+          <a:p>
+            <a:r>
+              <a:rPr lang="en-US" dirty="0"/>
+              <a:t>See: </a:t>
+            </a:r>
+            <a:r>
+              <a:rPr lang="en-US" b="1" dirty="0">
+                <a:latin typeface="Courier New" panose="02070309020205020404" pitchFamily="49" charset="0"/>
+                <a:cs typeface="Courier New" panose="02070309020205020404" pitchFamily="49" charset="0"/>
+              </a:rPr>
+              <a:t>markupuk-2020/101-B/example-3/example-3a.xpl</a:t>
+            </a:r>
+            <a:r>
+              <a:rPr lang="en-US" dirty="0"/>
+              <a:t> and </a:t>
+            </a:r>
+            <a:r>
+              <a:rPr lang="en-US" b="1" dirty="0">
+                <a:latin typeface="Courier New" panose="02070309020205020404" pitchFamily="49" charset="0"/>
+                <a:cs typeface="Courier New" panose="02070309020205020404" pitchFamily="49" charset="0"/>
+              </a:rPr>
+              <a:t>example-3b.xpl</a:t>
+            </a:r>
+          </a:p>
+          <a:p>
+            <a:endParaRPr lang="en-GB" dirty="0"/>
+          </a:p>
+        </p:txBody>
+      </p:sp>
+    </p:spTree>
+    <p:extLst>
+      <p:ext uri="{BB962C8B-B14F-4D97-AF65-F5344CB8AC3E}">
+        <p14:creationId xmlns:p14="http://schemas.microsoft.com/office/powerpoint/2010/main" val="3069415140"/>
+      </p:ext>
+    </p:extLst>
+  </p:cSld>
+  <p:clrMapOvr>
+    <a:masterClrMapping/>
+  </p:clrMapOvr>
+  <p:timing>
+    <p:tnLst>
+      <p:par>
+        <p:cTn id="1" dur="indefinite" restart="never" nodeType="tmRoot">
+          <p:childTnLst>
+            <p:seq concurrent="1" nextAc="seek">
+              <p:cTn id="2" dur="indefinite" nodeType="mainSeq">
+                <p:childTnLst>
+                  <p:par>
+                    <p:cTn id="3" fill="hold">
+                      <p:stCondLst>
+                        <p:cond delay="indefinite"/>
+                        <p:cond evt="onBegin" delay="0">
+                          <p:tn val="2"/>
+                        </p:cond>
+                      </p:stCondLst>
+                      <p:childTnLst>
+                        <p:par>
+                          <p:cTn id="4" fill="hold">
+                            <p:stCondLst>
+                              <p:cond delay="0"/>
+                            </p:stCondLst>
+                            <p:childTnLst>
+                              <p:par>
+                                <p:cTn id="5" presetID="10" presetClass="entr" presetSubtype="0" fill="hold" grpId="0" nodeType="withEffect">
+                                  <p:stCondLst>
+                                    <p:cond delay="2000"/>
+                                  </p:stCondLst>
+                                  <p:childTnLst>
+                                    <p:set>
+                                      <p:cBhvr>
+                                        <p:cTn id="6" dur="1" fill="hold">
+                                          <p:stCondLst>
+                                            <p:cond delay="0"/>
+                                          </p:stCondLst>
+                                        </p:cTn>
+                                        <p:tgtEl>
+                                          <p:spTgt spid="10"/>
+                                        </p:tgtEl>
+                                        <p:attrNameLst>
+                                          <p:attrName>style.visibility</p:attrName>
+                                        </p:attrNameLst>
+                                      </p:cBhvr>
+                                      <p:to>
+                                        <p:strVal val="visible"/>
+                                      </p:to>
+                                    </p:set>
+                                    <p:animEffect transition="in" filter="fade">
+                                      <p:cBhvr>
+                                        <p:cTn id="7" dur="500"/>
+                                        <p:tgtEl>
+                                          <p:spTgt spid="10"/>
+                                        </p:tgtEl>
+                                      </p:cBhvr>
+                                    </p:animEffect>
+                                  </p:childTnLst>
+                                </p:cTn>
+                              </p:par>
+                            </p:childTnLst>
+                          </p:cTn>
+                        </p:par>
+                      </p:childTnLst>
+                    </p:cTn>
+                  </p:par>
+                  <p:par>
+                    <p:cTn id="8" fill="hold">
+                      <p:stCondLst>
+                        <p:cond delay="indefinite"/>
+                      </p:stCondLst>
+                      <p:childTnLst>
+                        <p:par>
+                          <p:cTn id="9" fill="hold">
+                            <p:stCondLst>
+                              <p:cond delay="0"/>
+                            </p:stCondLst>
+                            <p:childTnLst>
+                              <p:par>
+                                <p:cTn id="10" presetID="10" presetClass="entr" presetSubtype="0" fill="hold" grpId="0" nodeType="clickEffect">
+                                  <p:stCondLst>
+                                    <p:cond delay="0"/>
+                                  </p:stCondLst>
+                                  <p:childTnLst>
+                                    <p:set>
+                                      <p:cBhvr>
+                                        <p:cTn id="11" dur="1" fill="hold">
+                                          <p:stCondLst>
+                                            <p:cond delay="0"/>
+                                          </p:stCondLst>
+                                        </p:cTn>
+                                        <p:tgtEl>
+                                          <p:spTgt spid="7"/>
+                                        </p:tgtEl>
+                                        <p:attrNameLst>
+                                          <p:attrName>style.visibility</p:attrName>
+                                        </p:attrNameLst>
+                                      </p:cBhvr>
+                                      <p:to>
+                                        <p:strVal val="visible"/>
+                                      </p:to>
+                                    </p:set>
+                                    <p:animEffect transition="in" filter="fade">
+                                      <p:cBhvr>
+                                        <p:cTn id="12" dur="2000"/>
+                                        <p:tgtEl>
+                                          <p:spTgt spid="7"/>
+                                        </p:tgtEl>
+                                      </p:cBhvr>
+                                    </p:animEffect>
+                                  </p:childTnLst>
+                                </p:cTn>
+                              </p:par>
+                            </p:childTnLst>
+                          </p:cTn>
+                        </p:par>
+                      </p:childTnLst>
+                    </p:cTn>
+                  </p:par>
+                  <p:par>
+                    <p:cTn id="13" fill="hold">
+                      <p:stCondLst>
+                        <p:cond delay="indefinite"/>
+                      </p:stCondLst>
+                      <p:childTnLst>
+                        <p:par>
+                          <p:cTn id="14" fill="hold">
+                            <p:stCondLst>
+                              <p:cond delay="0"/>
+                            </p:stCondLst>
+                            <p:childTnLst>
+                              <p:par>
+                                <p:cTn id="15" presetID="10" presetClass="entr" presetSubtype="0" fill="hold" grpId="0" nodeType="clickEffect">
+                                  <p:stCondLst>
+                                    <p:cond delay="0"/>
+                                  </p:stCondLst>
+                                  <p:childTnLst>
+                                    <p:set>
+                                      <p:cBhvr>
+                                        <p:cTn id="16" dur="1" fill="hold">
+                                          <p:stCondLst>
+                                            <p:cond delay="0"/>
+                                          </p:stCondLst>
+                                        </p:cTn>
+                                        <p:tgtEl>
+                                          <p:spTgt spid="11"/>
+                                        </p:tgtEl>
+                                        <p:attrNameLst>
+                                          <p:attrName>style.visibility</p:attrName>
+                                        </p:attrNameLst>
+                                      </p:cBhvr>
+                                      <p:to>
+                                        <p:strVal val="visible"/>
+                                      </p:to>
+                                    </p:set>
+                                    <p:animEffect transition="in" filter="fade">
+                                      <p:cBhvr>
+                                        <p:cTn id="17" dur="2000"/>
+                                        <p:tgtEl>
+                                          <p:spTgt spid="11"/>
+                                        </p:tgtEl>
+                                      </p:cBhvr>
+                                    </p:animEffect>
+                                  </p:childTnLst>
+                                </p:cTn>
+                              </p:par>
+                            </p:childTnLst>
+                          </p:cTn>
+                        </p:par>
+                      </p:childTnLst>
+                    </p:cTn>
+                  </p:par>
+                  <p:par>
+                    <p:cTn id="18" fill="hold">
+                      <p:stCondLst>
+                        <p:cond delay="indefinite"/>
+                      </p:stCondLst>
+                      <p:childTnLst>
+                        <p:par>
+                          <p:cTn id="19" fill="hold">
+                            <p:stCondLst>
+                              <p:cond delay="0"/>
+                            </p:stCondLst>
+                            <p:childTnLst>
+                              <p:par>
+                                <p:cTn id="20" presetID="10" presetClass="entr" presetSubtype="0" fill="hold" grpId="0" nodeType="clickEffect">
+                                  <p:stCondLst>
+                                    <p:cond delay="0"/>
+                                  </p:stCondLst>
+                                  <p:childTnLst>
+                                    <p:set>
+                                      <p:cBhvr>
+                                        <p:cTn id="21" dur="1" fill="hold">
+                                          <p:stCondLst>
+                                            <p:cond delay="0"/>
+                                          </p:stCondLst>
+                                        </p:cTn>
+                                        <p:tgtEl>
+                                          <p:spTgt spid="12"/>
+                                        </p:tgtEl>
+                                        <p:attrNameLst>
+                                          <p:attrName>style.visibility</p:attrName>
+                                        </p:attrNameLst>
+                                      </p:cBhvr>
+                                      <p:to>
+                                        <p:strVal val="visible"/>
+                                      </p:to>
+                                    </p:set>
+                                    <p:animEffect transition="in" filter="fade">
+                                      <p:cBhvr>
+                                        <p:cTn id="22" dur="2000"/>
+                                        <p:tgtEl>
+                                          <p:spTgt spid="12"/>
+                                        </p:tgtEl>
+                                      </p:cBhvr>
+                                    </p:animEffect>
+                                  </p:childTnLst>
+                                </p:cTn>
+                              </p:par>
+                            </p:childTnLst>
+                          </p:cTn>
+                        </p:par>
+                      </p:childTnLst>
+                    </p:cTn>
+                  </p:par>
+                  <p:par>
+                    <p:cTn id="23" fill="hold">
+                      <p:stCondLst>
+                        <p:cond delay="indefinite"/>
+                      </p:stCondLst>
+                      <p:childTnLst>
+                        <p:par>
+                          <p:cTn id="24" fill="hold">
+                            <p:stCondLst>
+                              <p:cond delay="0"/>
+                            </p:stCondLst>
+                            <p:childTnLst>
+                              <p:par>
+                                <p:cTn id="25" presetID="10" presetClass="entr" presetSubtype="0" fill="hold" grpId="0" nodeType="clickEffect">
+                                  <p:stCondLst>
+                                    <p:cond delay="0"/>
+                                  </p:stCondLst>
+                                  <p:childTnLst>
+                                    <p:set>
+                                      <p:cBhvr>
+                                        <p:cTn id="26" dur="1" fill="hold">
+                                          <p:stCondLst>
+                                            <p:cond delay="0"/>
+                                          </p:stCondLst>
+                                        </p:cTn>
+                                        <p:tgtEl>
+                                          <p:spTgt spid="13"/>
+                                        </p:tgtEl>
+                                        <p:attrNameLst>
+                                          <p:attrName>style.visibility</p:attrName>
+                                        </p:attrNameLst>
+                                      </p:cBhvr>
+                                      <p:to>
+                                        <p:strVal val="visible"/>
+                                      </p:to>
+                                    </p:set>
+                                    <p:animEffect transition="in" filter="fade">
+                                      <p:cBhvr>
+                                        <p:cTn id="27" dur="2000"/>
+                                        <p:tgtEl>
+                                          <p:spTgt spid="13"/>
+                                        </p:tgtEl>
+                                      </p:cBhvr>
+                                    </p:animEffect>
+                                  </p:childTnLst>
+                                </p:cTn>
+                              </p:par>
+                              <p:par>
+                                <p:cTn id="28" presetID="10" presetClass="entr" presetSubtype="0" fill="hold" grpId="0" nodeType="withEffect">
+                                  <p:stCondLst>
+                                    <p:cond delay="0"/>
+                                  </p:stCondLst>
+                                  <p:childTnLst>
+                                    <p:set>
+                                      <p:cBhvr>
+                                        <p:cTn id="29" dur="1" fill="hold">
+                                          <p:stCondLst>
+                                            <p:cond delay="0"/>
+                                          </p:stCondLst>
+                                        </p:cTn>
+                                        <p:tgtEl>
+                                          <p:spTgt spid="14"/>
+                                        </p:tgtEl>
+                                        <p:attrNameLst>
+                                          <p:attrName>style.visibility</p:attrName>
+                                        </p:attrNameLst>
+                                      </p:cBhvr>
+                                      <p:to>
+                                        <p:strVal val="visible"/>
+                                      </p:to>
+                                    </p:set>
+                                    <p:animEffect transition="in" filter="fade">
+                                      <p:cBhvr>
+                                        <p:cTn id="30" dur="2000"/>
+                                        <p:tgtEl>
+                                          <p:spTgt spid="14"/>
+                                        </p:tgtEl>
+                                      </p:cBhvr>
+                                    </p:animEffect>
+                                  </p:childTnLst>
+                                </p:cTn>
+                              </p:par>
+                            </p:childTnLst>
+                          </p:cTn>
+                        </p:par>
+                      </p:childTnLst>
+                    </p:cTn>
+                  </p:par>
+                </p:childTnLst>
+              </p:cTn>
+              <p:prevCondLst>
+                <p:cond evt="onPrev" delay="0">
+                  <p:tgtEl>
+                    <p:sldTgt/>
+                  </p:tgtEl>
+                </p:cond>
+              </p:prevCondLst>
+              <p:nextCondLst>
+                <p:cond evt="onNext" delay="0">
+                  <p:tgtEl>
+                    <p:sldTgt/>
+                  </p:tgtEl>
+                </p:cond>
+              </p:nextCondLst>
+            </p:seq>
+          </p:childTnLst>
+        </p:cTn>
+      </p:par>
+    </p:tnLst>
+    <p:bldLst>
+      <p:bldP spid="10" grpId="0" animBg="1"/>
+      <p:bldP spid="7" grpId="0" animBg="1"/>
+      <p:bldP spid="11" grpId="0" animBg="1"/>
+      <p:bldP spid="12" grpId="0" animBg="1"/>
+      <p:bldP spid="13" grpId="0" animBg="1"/>
+      <p:bldP spid="14" grpId="0" animBg="1"/>
+    </p:bldLst>
+  </p:timing>
+</p:sld>
+</file>
+
+<file path=ppt/slides/slide15.xml><?xml version="1.0" encoding="utf-8"?>
+<p:sld xmlns:a="http://schemas.openxmlformats.org/drawingml/2006/main" xmlns:r="http://schemas.openxmlformats.org/officeDocument/2006/relationships" xmlns:p="http://schemas.openxmlformats.org/presentationml/2006/main">
+  <p:cSld>
+    <p:spTree>
+      <p:nvGrpSpPr>
+        <p:cNvPr id="1" name=""/>
+        <p:cNvGrpSpPr/>
+        <p:nvPr/>
+      </p:nvGrpSpPr>
+      <p:grpSpPr>
+        <a:xfrm>
+          <a:off x="0" y="0"/>
+          <a:ext cx="0" cy="0"/>
+          <a:chOff x="0" y="0"/>
+          <a:chExt cx="0" cy="0"/>
+        </a:xfrm>
+      </p:grpSpPr>
+      <p:sp>
+        <p:nvSpPr>
+          <p:cNvPr id="23" name="Rechthoek: ezelsoor 17">
+            <a:extLst>
+              <a:ext uri="{FF2B5EF4-FFF2-40B4-BE49-F238E27FC236}">
+                <a16:creationId xmlns:a16="http://schemas.microsoft.com/office/drawing/2014/main" id="{BA6FDC0E-5305-45F1-A8C0-3050CEF311E1}"/>
+              </a:ext>
+            </a:extLst>
+          </p:cNvPr>
+          <p:cNvSpPr/>
+          <p:nvPr/>
+        </p:nvSpPr>
+        <p:spPr>
+          <a:xfrm>
+            <a:off x="3372051" y="5380114"/>
+            <a:ext cx="1076936" cy="828626"/>
+          </a:xfrm>
+          <a:prstGeom prst="foldedCorner">
+            <a:avLst/>
+          </a:prstGeom>
+          <a:solidFill>
+            <a:schemeClr val="accent4">
+              <a:lumMod val="40000"/>
+              <a:lumOff val="60000"/>
+            </a:schemeClr>
+          </a:solidFill>
+        </p:spPr>
+        <p:style>
+          <a:lnRef idx="2">
+            <a:schemeClr val="accent1">
+              <a:shade val="50000"/>
+            </a:schemeClr>
+          </a:lnRef>
+          <a:fillRef idx="1">
+            <a:schemeClr val="accent1"/>
+          </a:fillRef>
+          <a:effectRef idx="0">
+            <a:schemeClr val="accent1"/>
+          </a:effectRef>
+          <a:fontRef idx="minor">
+            <a:schemeClr val="lt1"/>
+          </a:fontRef>
+        </p:style>
+        <p:txBody>
+          <a:bodyPr rtlCol="0" anchor="ctr"/>
+          <a:lstStyle/>
+          <a:p>
+            <a:pPr algn="ctr"/>
+            <a:r>
+              <a:rPr lang="en-US" sz="1400" dirty="0">
+                <a:solidFill>
+                  <a:schemeClr val="tx1"/>
+                </a:solidFill>
+              </a:rPr>
+              <a:t>output2.xml</a:t>
+            </a:r>
+          </a:p>
+        </p:txBody>
+      </p:sp>
+      <p:sp>
+        <p:nvSpPr>
+          <p:cNvPr id="2" name="Title 1">
+            <a:extLst>
+              <a:ext uri="{FF2B5EF4-FFF2-40B4-BE49-F238E27FC236}">
+                <a16:creationId xmlns:a16="http://schemas.microsoft.com/office/drawing/2014/main" id="{4123861A-F328-4BB9-8F10-4F9FB0F7E245}"/>
+              </a:ext>
+            </a:extLst>
+          </p:cNvPr>
+          <p:cNvSpPr>
+            <a:spLocks noGrp="1"/>
+          </p:cNvSpPr>
+          <p:nvPr>
+            <p:ph type="title"/>
+          </p:nvPr>
+        </p:nvSpPr>
+        <p:spPr>
+          <a:xfrm>
+            <a:off x="150834" y="216164"/>
+            <a:ext cx="11617960" cy="860848"/>
+          </a:xfrm>
+        </p:spPr>
+        <p:txBody>
+          <a:bodyPr>
+            <a:normAutofit/>
+          </a:bodyPr>
+          <a:lstStyle/>
+          <a:p>
+            <a:r>
+              <a:rPr lang="en-US" b="1" dirty="0"/>
+              <a:t>Count the documents flowing through</a:t>
+            </a:r>
+            <a:endParaRPr lang="en-NL" b="1" dirty="0"/>
+          </a:p>
+        </p:txBody>
+      </p:sp>
+      <p:sp>
+        <p:nvSpPr>
+          <p:cNvPr id="21" name="TextBox 20">
+            <a:extLst>
+              <a:ext uri="{FF2B5EF4-FFF2-40B4-BE49-F238E27FC236}">
+                <a16:creationId xmlns:a16="http://schemas.microsoft.com/office/drawing/2014/main" id="{60A84986-2B16-4899-B72A-B7BD622672FF}"/>
+              </a:ext>
+            </a:extLst>
+          </p:cNvPr>
+          <p:cNvSpPr txBox="1"/>
+          <p:nvPr/>
+        </p:nvSpPr>
+        <p:spPr>
+          <a:xfrm>
+            <a:off x="736958" y="1084642"/>
+            <a:ext cx="10304834" cy="646331"/>
+          </a:xfrm>
+          <a:prstGeom prst="rect">
+            <a:avLst/>
+          </a:prstGeom>
+          <a:noFill/>
+        </p:spPr>
+        <p:txBody>
+          <a:bodyPr wrap="square" rtlCol="0">
+            <a:spAutoFit/>
+          </a:bodyPr>
+          <a:lstStyle/>
+          <a:p>
+            <a:r>
+              <a:rPr lang="en-US" dirty="0"/>
+              <a:t>See: </a:t>
+            </a:r>
+            <a:r>
+              <a:rPr lang="en-US" b="1" dirty="0">
+                <a:latin typeface="Courier New" panose="02070309020205020404" pitchFamily="49" charset="0"/>
+                <a:cs typeface="Courier New" panose="02070309020205020404" pitchFamily="49" charset="0"/>
+              </a:rPr>
+              <a:t>markupuk-2020/101-B/example-3/example-3c.xpl</a:t>
+            </a:r>
+          </a:p>
+          <a:p>
+            <a:endParaRPr lang="en-GB" dirty="0"/>
+          </a:p>
+        </p:txBody>
+      </p:sp>
+      <p:sp>
+        <p:nvSpPr>
+          <p:cNvPr id="16" name="Rechthoek: afgeronde hoeken 3">
+            <a:extLst>
+              <a:ext uri="{FF2B5EF4-FFF2-40B4-BE49-F238E27FC236}">
+                <a16:creationId xmlns:a16="http://schemas.microsoft.com/office/drawing/2014/main" id="{59A5AC1A-BD11-43BA-BC90-C8107F1E968E}"/>
+              </a:ext>
+            </a:extLst>
+          </p:cNvPr>
+          <p:cNvSpPr/>
+          <p:nvPr/>
+        </p:nvSpPr>
+        <p:spPr>
+          <a:xfrm>
+            <a:off x="2283972" y="1777306"/>
+            <a:ext cx="3254309" cy="1080083"/>
+          </a:xfrm>
+          <a:prstGeom prst="roundRect">
+            <a:avLst/>
+          </a:prstGeom>
+        </p:spPr>
+        <p:style>
+          <a:lnRef idx="2">
+            <a:schemeClr val="accent1">
+              <a:shade val="50000"/>
+            </a:schemeClr>
+          </a:lnRef>
+          <a:fillRef idx="1">
+            <a:schemeClr val="accent1"/>
+          </a:fillRef>
+          <a:effectRef idx="0">
+            <a:schemeClr val="accent1"/>
+          </a:effectRef>
+          <a:fontRef idx="minor">
+            <a:schemeClr val="lt1"/>
+          </a:fontRef>
+        </p:style>
+        <p:txBody>
+          <a:bodyPr rtlCol="0" anchor="ctr"/>
+          <a:lstStyle/>
+          <a:p>
+            <a:pPr algn="ctr"/>
+            <a:r>
+              <a:rPr lang="en-US" sz="2000" dirty="0"/>
+              <a:t>Loop over all &lt;doc&gt; entries</a:t>
+            </a:r>
+          </a:p>
+        </p:txBody>
+      </p:sp>
+      <p:sp>
+        <p:nvSpPr>
+          <p:cNvPr id="19" name="Rechthoek: ezelsoor 17">
+            <a:extLst>
+              <a:ext uri="{FF2B5EF4-FFF2-40B4-BE49-F238E27FC236}">
+                <a16:creationId xmlns:a16="http://schemas.microsoft.com/office/drawing/2014/main" id="{3C697AEB-0DA9-4E68-95C7-17273EA9001C}"/>
+              </a:ext>
+            </a:extLst>
+          </p:cNvPr>
+          <p:cNvSpPr/>
+          <p:nvPr/>
+        </p:nvSpPr>
+        <p:spPr>
+          <a:xfrm>
+            <a:off x="198490" y="1926070"/>
+            <a:ext cx="1076936" cy="828626"/>
+          </a:xfrm>
+          <a:prstGeom prst="foldedCorner">
+            <a:avLst/>
+          </a:prstGeom>
+          <a:solidFill>
+            <a:schemeClr val="accent4">
+              <a:lumMod val="40000"/>
+              <a:lumOff val="60000"/>
+            </a:schemeClr>
+          </a:solidFill>
+        </p:spPr>
+        <p:style>
+          <a:lnRef idx="2">
+            <a:schemeClr val="accent1">
+              <a:shade val="50000"/>
+            </a:schemeClr>
+          </a:lnRef>
+          <a:fillRef idx="1">
+            <a:schemeClr val="accent1"/>
+          </a:fillRef>
+          <a:effectRef idx="0">
+            <a:schemeClr val="accent1"/>
+          </a:effectRef>
+          <a:fontRef idx="minor">
+            <a:schemeClr val="lt1"/>
+          </a:fontRef>
+        </p:style>
+        <p:txBody>
+          <a:bodyPr rtlCol="0" anchor="ctr"/>
+          <a:lstStyle/>
+          <a:p>
+            <a:pPr algn="ctr"/>
+            <a:r>
+              <a:rPr lang="en-US" sz="1400" dirty="0">
+                <a:solidFill>
+                  <a:schemeClr val="tx1"/>
+                </a:solidFill>
+              </a:rPr>
+              <a:t>Input document</a:t>
+            </a:r>
+          </a:p>
+        </p:txBody>
+      </p:sp>
+      <p:sp>
+        <p:nvSpPr>
+          <p:cNvPr id="20" name="Pijl: rechts 25">
+            <a:extLst>
+              <a:ext uri="{FF2B5EF4-FFF2-40B4-BE49-F238E27FC236}">
+                <a16:creationId xmlns:a16="http://schemas.microsoft.com/office/drawing/2014/main" id="{2DF168AA-735A-4E10-9D13-03BB77FF6B23}"/>
+              </a:ext>
+            </a:extLst>
+          </p:cNvPr>
+          <p:cNvSpPr/>
+          <p:nvPr/>
+        </p:nvSpPr>
+        <p:spPr>
+          <a:xfrm>
+            <a:off x="5644744" y="2010453"/>
+            <a:ext cx="1424021" cy="515923"/>
+          </a:xfrm>
+          <a:prstGeom prst="rightArrow">
+            <a:avLst/>
+          </a:prstGeom>
+          <a:solidFill>
+            <a:schemeClr val="accent1">
+              <a:lumMod val="20000"/>
+              <a:lumOff val="80000"/>
+            </a:schemeClr>
+          </a:solidFill>
+        </p:spPr>
+        <p:style>
+          <a:lnRef idx="2">
+            <a:schemeClr val="accent1">
+              <a:shade val="50000"/>
+            </a:schemeClr>
+          </a:lnRef>
+          <a:fillRef idx="1">
+            <a:schemeClr val="accent1"/>
+          </a:fillRef>
+          <a:effectRef idx="0">
+            <a:schemeClr val="accent1"/>
+          </a:effectRef>
+          <a:fontRef idx="minor">
+            <a:schemeClr val="lt1"/>
+          </a:fontRef>
+        </p:style>
+        <p:txBody>
+          <a:bodyPr rot="0" spcFirstLastPara="0" vertOverflow="overflow" horzOverflow="overflow" vert="horz" wrap="square" lIns="91440" tIns="45720" rIns="91440" bIns="45720" numCol="1" spcCol="0" rtlCol="0" fromWordArt="0" anchor="ctr" anchorCtr="0" forceAA="0" compatLnSpc="1">
+            <a:prstTxWarp prst="textNoShape">
+              <a:avLst/>
+            </a:prstTxWarp>
+            <a:noAutofit/>
+          </a:bodyPr>
+          <a:lstStyle/>
+          <a:p>
+            <a:pPr algn="ctr"/>
+            <a:endParaRPr lang="en-US" dirty="0">
+              <a:solidFill>
+                <a:schemeClr val="tx1"/>
+              </a:solidFill>
+            </a:endParaRPr>
+          </a:p>
+        </p:txBody>
+      </p:sp>
+      <p:sp>
+        <p:nvSpPr>
+          <p:cNvPr id="22" name="Rechthoek: ezelsoor 17">
+            <a:extLst>
+              <a:ext uri="{FF2B5EF4-FFF2-40B4-BE49-F238E27FC236}">
+                <a16:creationId xmlns:a16="http://schemas.microsoft.com/office/drawing/2014/main" id="{18CDF56F-CA24-40CF-A244-8E7D16CFB44A}"/>
+              </a:ext>
+            </a:extLst>
+          </p:cNvPr>
+          <p:cNvSpPr/>
+          <p:nvPr/>
+        </p:nvSpPr>
+        <p:spPr>
+          <a:xfrm>
+            <a:off x="3190342" y="5236389"/>
+            <a:ext cx="1076936" cy="828626"/>
+          </a:xfrm>
+          <a:prstGeom prst="foldedCorner">
+            <a:avLst/>
+          </a:prstGeom>
+          <a:solidFill>
+            <a:schemeClr val="accent4">
+              <a:lumMod val="40000"/>
+              <a:lumOff val="60000"/>
+            </a:schemeClr>
+          </a:solidFill>
+        </p:spPr>
+        <p:style>
+          <a:lnRef idx="2">
+            <a:schemeClr val="accent1">
+              <a:shade val="50000"/>
+            </a:schemeClr>
+          </a:lnRef>
+          <a:fillRef idx="1">
+            <a:schemeClr val="accent1"/>
+          </a:fillRef>
+          <a:effectRef idx="0">
+            <a:schemeClr val="accent1"/>
+          </a:effectRef>
+          <a:fontRef idx="minor">
+            <a:schemeClr val="lt1"/>
+          </a:fontRef>
+        </p:style>
+        <p:txBody>
+          <a:bodyPr rtlCol="0" anchor="ctr"/>
+          <a:lstStyle/>
+          <a:p>
+            <a:pPr algn="ctr"/>
+            <a:r>
+              <a:rPr lang="en-US" sz="1400" dirty="0">
+                <a:solidFill>
+                  <a:schemeClr val="tx1"/>
+                </a:solidFill>
+              </a:rPr>
+              <a:t>output1.xml</a:t>
+            </a:r>
+          </a:p>
+        </p:txBody>
+      </p:sp>
+      <p:sp>
+        <p:nvSpPr>
+          <p:cNvPr id="24" name="Rechthoek: afgeronde hoeken 3">
+            <a:extLst>
+              <a:ext uri="{FF2B5EF4-FFF2-40B4-BE49-F238E27FC236}">
+                <a16:creationId xmlns:a16="http://schemas.microsoft.com/office/drawing/2014/main" id="{2970FDC1-AAB8-4538-89DA-8339B0BB2B37}"/>
+              </a:ext>
+            </a:extLst>
+          </p:cNvPr>
+          <p:cNvSpPr/>
+          <p:nvPr/>
+        </p:nvSpPr>
+        <p:spPr>
+          <a:xfrm>
+            <a:off x="7192827" y="1738603"/>
+            <a:ext cx="1913389" cy="1080083"/>
+          </a:xfrm>
+          <a:prstGeom prst="roundRect">
+            <a:avLst/>
+          </a:prstGeom>
+        </p:spPr>
+        <p:style>
+          <a:lnRef idx="2">
+            <a:schemeClr val="accent1">
+              <a:shade val="50000"/>
+            </a:schemeClr>
+          </a:lnRef>
+          <a:fillRef idx="1">
+            <a:schemeClr val="accent1"/>
+          </a:fillRef>
+          <a:effectRef idx="0">
+            <a:schemeClr val="accent1"/>
+          </a:effectRef>
+          <a:fontRef idx="minor">
+            <a:schemeClr val="lt1"/>
+          </a:fontRef>
+        </p:style>
+        <p:txBody>
+          <a:bodyPr rtlCol="0" anchor="ctr"/>
+          <a:lstStyle/>
+          <a:p>
+            <a:pPr algn="ctr"/>
+            <a:r>
+              <a:rPr lang="en-US" sz="2000" dirty="0"/>
+              <a:t>Count the documents</a:t>
+            </a:r>
+          </a:p>
+        </p:txBody>
+      </p:sp>
+      <p:sp>
+        <p:nvSpPr>
+          <p:cNvPr id="25" name="Rechthoek: ezelsoor 34">
+            <a:extLst>
+              <a:ext uri="{FF2B5EF4-FFF2-40B4-BE49-F238E27FC236}">
+                <a16:creationId xmlns:a16="http://schemas.microsoft.com/office/drawing/2014/main" id="{D8EE1075-2149-41D2-ACAB-7804F143DB65}"/>
+              </a:ext>
+            </a:extLst>
+          </p:cNvPr>
+          <p:cNvSpPr/>
+          <p:nvPr/>
+        </p:nvSpPr>
+        <p:spPr>
+          <a:xfrm>
+            <a:off x="10345819" y="1790259"/>
+            <a:ext cx="1147481" cy="873129"/>
+          </a:xfrm>
+          <a:prstGeom prst="foldedCorner">
+            <a:avLst/>
+          </a:prstGeom>
+          <a:solidFill>
+            <a:schemeClr val="accent4">
+              <a:lumMod val="40000"/>
+              <a:lumOff val="60000"/>
+            </a:schemeClr>
+          </a:solidFill>
+        </p:spPr>
+        <p:style>
+          <a:lnRef idx="2">
+            <a:schemeClr val="accent1">
+              <a:shade val="50000"/>
+            </a:schemeClr>
+          </a:lnRef>
+          <a:fillRef idx="1">
+            <a:schemeClr val="accent1"/>
+          </a:fillRef>
+          <a:effectRef idx="0">
+            <a:schemeClr val="accent1"/>
+          </a:effectRef>
+          <a:fontRef idx="minor">
+            <a:schemeClr val="lt1"/>
+          </a:fontRef>
+        </p:style>
+        <p:txBody>
+          <a:bodyPr rtlCol="0" anchor="ctr"/>
+          <a:lstStyle/>
+          <a:p>
+            <a:pPr algn="ctr"/>
+            <a:r>
+              <a:rPr lang="en-US" sz="1400" dirty="0">
+                <a:solidFill>
+                  <a:schemeClr val="tx1"/>
+                </a:solidFill>
+              </a:rPr>
+              <a:t>Result document</a:t>
+            </a:r>
+          </a:p>
+        </p:txBody>
+      </p:sp>
+      <p:sp>
+        <p:nvSpPr>
+          <p:cNvPr id="26" name="TextBox 25">
+            <a:extLst>
+              <a:ext uri="{FF2B5EF4-FFF2-40B4-BE49-F238E27FC236}">
+                <a16:creationId xmlns:a16="http://schemas.microsoft.com/office/drawing/2014/main" id="{E680B22D-4175-415F-8E02-7E54BBC08A76}"/>
+              </a:ext>
+            </a:extLst>
+          </p:cNvPr>
+          <p:cNvSpPr txBox="1"/>
+          <p:nvPr/>
+        </p:nvSpPr>
+        <p:spPr>
+          <a:xfrm>
+            <a:off x="9006171" y="2826316"/>
+            <a:ext cx="3238375" cy="338554"/>
+          </a:xfrm>
+          <a:prstGeom prst="rect">
+            <a:avLst/>
+          </a:prstGeom>
+          <a:solidFill>
+            <a:schemeClr val="bg1">
+              <a:lumMod val="85000"/>
+            </a:schemeClr>
+          </a:solidFill>
+        </p:spPr>
+        <p:txBody>
+          <a:bodyPr wrap="square" rtlCol="0">
+            <a:spAutoFit/>
+          </a:bodyPr>
+          <a:lstStyle/>
+          <a:p>
+            <a:r>
+              <a:rPr lang="nl-NL" sz="1600" b="1" dirty="0">
+                <a:latin typeface="Courier New" panose="02070309020205020404" pitchFamily="49" charset="0"/>
+                <a:cs typeface="Courier New" panose="02070309020205020404" pitchFamily="49" charset="0"/>
+              </a:rPr>
+              <a:t>&lt;</a:t>
+            </a:r>
+            <a:r>
+              <a:rPr lang="nl-NL" sz="1600" b="1" dirty="0" err="1">
+                <a:latin typeface="Courier New" panose="02070309020205020404" pitchFamily="49" charset="0"/>
+                <a:cs typeface="Courier New" panose="02070309020205020404" pitchFamily="49" charset="0"/>
+              </a:rPr>
+              <a:t>c:result</a:t>
+            </a:r>
+            <a:r>
+              <a:rPr lang="nl-NL" sz="1600" b="1" dirty="0">
+                <a:latin typeface="Courier New" panose="02070309020205020404" pitchFamily="49" charset="0"/>
+                <a:cs typeface="Courier New" panose="02070309020205020404" pitchFamily="49" charset="0"/>
+              </a:rPr>
+              <a:t> …&gt;2&lt;/</a:t>
+            </a:r>
+            <a:r>
+              <a:rPr lang="nl-NL" sz="1600" b="1" dirty="0" err="1">
+                <a:latin typeface="Courier New" panose="02070309020205020404" pitchFamily="49" charset="0"/>
+                <a:cs typeface="Courier New" panose="02070309020205020404" pitchFamily="49" charset="0"/>
+              </a:rPr>
+              <a:t>c:result</a:t>
+            </a:r>
+            <a:r>
+              <a:rPr lang="nl-NL" sz="1600" b="1" dirty="0">
+                <a:latin typeface="Courier New" panose="02070309020205020404" pitchFamily="49" charset="0"/>
+                <a:cs typeface="Courier New" panose="02070309020205020404" pitchFamily="49" charset="0"/>
+              </a:rPr>
+              <a:t>&gt;</a:t>
+            </a:r>
+          </a:p>
+        </p:txBody>
+      </p:sp>
+      <p:sp>
+        <p:nvSpPr>
+          <p:cNvPr id="27" name="Pijl: rechts 25">
+            <a:extLst>
+              <a:ext uri="{FF2B5EF4-FFF2-40B4-BE49-F238E27FC236}">
+                <a16:creationId xmlns:a16="http://schemas.microsoft.com/office/drawing/2014/main" id="{9E538ADC-5AA2-491F-A3C8-73B16C9D88ED}"/>
+              </a:ext>
+            </a:extLst>
+          </p:cNvPr>
+          <p:cNvSpPr/>
+          <p:nvPr/>
+        </p:nvSpPr>
+        <p:spPr>
+          <a:xfrm>
+            <a:off x="9006171" y="2010453"/>
+            <a:ext cx="1282820" cy="515923"/>
+          </a:xfrm>
+          <a:prstGeom prst="rightArrow">
+            <a:avLst/>
+          </a:prstGeom>
+          <a:solidFill>
+            <a:schemeClr val="accent1">
+              <a:lumMod val="20000"/>
+              <a:lumOff val="80000"/>
+            </a:schemeClr>
+          </a:solidFill>
+        </p:spPr>
+        <p:style>
+          <a:lnRef idx="2">
+            <a:schemeClr val="accent1">
+              <a:shade val="50000"/>
+            </a:schemeClr>
+          </a:lnRef>
+          <a:fillRef idx="1">
+            <a:schemeClr val="accent1"/>
+          </a:fillRef>
+          <a:effectRef idx="0">
+            <a:schemeClr val="accent1"/>
+          </a:effectRef>
+          <a:fontRef idx="minor">
+            <a:schemeClr val="lt1"/>
+          </a:fontRef>
+        </p:style>
+        <p:txBody>
+          <a:bodyPr rot="0" spcFirstLastPara="0" vertOverflow="overflow" horzOverflow="overflow" vert="horz" wrap="square" lIns="91440" tIns="45720" rIns="91440" bIns="45720" numCol="1" spcCol="0" rtlCol="0" fromWordArt="0" anchor="ctr" anchorCtr="0" forceAA="0" compatLnSpc="1">
+            <a:prstTxWarp prst="textNoShape">
+              <a:avLst/>
+            </a:prstTxWarp>
+            <a:noAutofit/>
+          </a:bodyPr>
+          <a:lstStyle/>
+          <a:p>
+            <a:pPr algn="ctr"/>
+            <a:r>
               <a:rPr lang="en-US" dirty="0">
-                <a:hlinkClick r:id="rId3"/>
-              </a:rPr>
-              <a:t>www.xatapult.com</a:t>
+                <a:solidFill>
+                  <a:schemeClr val="tx1"/>
+                </a:solidFill>
+              </a:rPr>
+              <a:t>result</a:t>
+            </a:r>
+          </a:p>
+        </p:txBody>
+      </p:sp>
+      <p:sp>
+        <p:nvSpPr>
+          <p:cNvPr id="17" name="Pijl: rechts 2">
+            <a:extLst>
+              <a:ext uri="{FF2B5EF4-FFF2-40B4-BE49-F238E27FC236}">
+                <a16:creationId xmlns:a16="http://schemas.microsoft.com/office/drawing/2014/main" id="{7CD7877E-A028-431E-9CC3-371B5163FC41}"/>
+              </a:ext>
+            </a:extLst>
+          </p:cNvPr>
+          <p:cNvSpPr/>
+          <p:nvPr/>
+        </p:nvSpPr>
+        <p:spPr>
+          <a:xfrm>
+            <a:off x="1207036" y="2051053"/>
+            <a:ext cx="950607" cy="515923"/>
+          </a:xfrm>
+          <a:prstGeom prst="rightArrow">
+            <a:avLst/>
+          </a:prstGeom>
+          <a:solidFill>
+            <a:schemeClr val="accent1">
+              <a:lumMod val="20000"/>
+              <a:lumOff val="80000"/>
+            </a:schemeClr>
+          </a:solidFill>
+        </p:spPr>
+        <p:style>
+          <a:lnRef idx="2">
+            <a:schemeClr val="accent1">
+              <a:shade val="50000"/>
+            </a:schemeClr>
+          </a:lnRef>
+          <a:fillRef idx="1">
+            <a:schemeClr val="accent1"/>
+          </a:fillRef>
+          <a:effectRef idx="0">
+            <a:schemeClr val="accent1"/>
+          </a:effectRef>
+          <a:fontRef idx="minor">
+            <a:schemeClr val="lt1"/>
+          </a:fontRef>
+        </p:style>
+        <p:txBody>
+          <a:bodyPr rot="0" spcFirstLastPara="0" vertOverflow="overflow" horzOverflow="overflow" vert="horz" wrap="square" lIns="91440" tIns="45720" rIns="91440" bIns="45720" numCol="1" spcCol="0" rtlCol="0" fromWordArt="0" anchor="ctr" anchorCtr="0" forceAA="0" compatLnSpc="1">
+            <a:prstTxWarp prst="textNoShape">
+              <a:avLst/>
+            </a:prstTxWarp>
+            <a:noAutofit/>
+          </a:bodyPr>
+          <a:lstStyle/>
+          <a:p>
+            <a:pPr algn="ctr"/>
+            <a:r>
+              <a:rPr lang="en-US" dirty="0">
+                <a:solidFill>
+                  <a:schemeClr val="tx1"/>
+                </a:solidFill>
+              </a:rPr>
+              <a:t>source</a:t>
+            </a:r>
+          </a:p>
+        </p:txBody>
+      </p:sp>
+      <p:sp>
+        <p:nvSpPr>
+          <p:cNvPr id="15" name="Rechthoek: afgeronde hoeken 3">
+            <a:extLst>
+              <a:ext uri="{FF2B5EF4-FFF2-40B4-BE49-F238E27FC236}">
+                <a16:creationId xmlns:a16="http://schemas.microsoft.com/office/drawing/2014/main" id="{7B1A893A-AC89-4452-8197-3B56551C8F5E}"/>
+              </a:ext>
+            </a:extLst>
+          </p:cNvPr>
+          <p:cNvSpPr/>
+          <p:nvPr/>
+        </p:nvSpPr>
+        <p:spPr>
+          <a:xfrm>
+            <a:off x="2814180" y="3217639"/>
+            <a:ext cx="1913389" cy="1080083"/>
+          </a:xfrm>
+          <a:prstGeom prst="roundRect">
+            <a:avLst/>
+          </a:prstGeom>
+        </p:spPr>
+        <p:style>
+          <a:lnRef idx="2">
+            <a:schemeClr val="accent1">
+              <a:shade val="50000"/>
+            </a:schemeClr>
+          </a:lnRef>
+          <a:fillRef idx="1">
+            <a:schemeClr val="accent1"/>
+          </a:fillRef>
+          <a:effectRef idx="0">
+            <a:schemeClr val="accent1"/>
+          </a:effectRef>
+          <a:fontRef idx="minor">
+            <a:schemeClr val="lt1"/>
+          </a:fontRef>
+        </p:style>
+        <p:txBody>
+          <a:bodyPr rtlCol="0" anchor="ctr"/>
+          <a:lstStyle/>
+          <a:p>
+            <a:pPr algn="ctr"/>
+            <a:r>
+              <a:rPr lang="en-US" sz="2000" dirty="0"/>
+              <a:t>Store the &lt;doc&gt; entry</a:t>
+            </a:r>
+          </a:p>
+        </p:txBody>
+      </p:sp>
+      <p:sp>
+        <p:nvSpPr>
+          <p:cNvPr id="4" name="Arrow: Curved Right 3">
+            <a:extLst>
+              <a:ext uri="{FF2B5EF4-FFF2-40B4-BE49-F238E27FC236}">
+                <a16:creationId xmlns:a16="http://schemas.microsoft.com/office/drawing/2014/main" id="{C947C591-C7F9-447F-9B7D-65431849C9BF}"/>
+              </a:ext>
+            </a:extLst>
+          </p:cNvPr>
+          <p:cNvSpPr/>
+          <p:nvPr/>
+        </p:nvSpPr>
+        <p:spPr>
+          <a:xfrm>
+            <a:off x="2157643" y="2951408"/>
+            <a:ext cx="536296" cy="1049204"/>
+          </a:xfrm>
+          <a:prstGeom prst="curvedRightArrow">
+            <a:avLst/>
+          </a:prstGeom>
+        </p:spPr>
+        <p:style>
+          <a:lnRef idx="2">
+            <a:schemeClr val="accent1">
+              <a:shade val="50000"/>
+            </a:schemeClr>
+          </a:lnRef>
+          <a:fillRef idx="1">
+            <a:schemeClr val="accent1"/>
+          </a:fillRef>
+          <a:effectRef idx="0">
+            <a:schemeClr val="accent1"/>
+          </a:effectRef>
+          <a:fontRef idx="minor">
+            <a:schemeClr val="lt1"/>
+          </a:fontRef>
+        </p:style>
+        <p:txBody>
+          <a:bodyPr rtlCol="0" anchor="ctr"/>
+          <a:lstStyle/>
+          <a:p>
+            <a:pPr algn="ctr"/>
+            <a:endParaRPr lang="en-GB">
+              <a:solidFill>
+                <a:schemeClr val="tx1"/>
+              </a:solidFill>
+            </a:endParaRPr>
+          </a:p>
+        </p:txBody>
+      </p:sp>
+      <p:sp>
+        <p:nvSpPr>
+          <p:cNvPr id="18" name="Arrow: Curved Right 17">
+            <a:extLst>
+              <a:ext uri="{FF2B5EF4-FFF2-40B4-BE49-F238E27FC236}">
+                <a16:creationId xmlns:a16="http://schemas.microsoft.com/office/drawing/2014/main" id="{0243E7D1-32B4-48DA-93CE-EDDE1EA2636B}"/>
+              </a:ext>
+            </a:extLst>
+          </p:cNvPr>
+          <p:cNvSpPr/>
+          <p:nvPr/>
+        </p:nvSpPr>
+        <p:spPr>
+          <a:xfrm rot="10800000">
+            <a:off x="4935166" y="2903722"/>
+            <a:ext cx="536296" cy="1049204"/>
+          </a:xfrm>
+          <a:prstGeom prst="curvedRightArrow">
+            <a:avLst/>
+          </a:prstGeom>
+        </p:spPr>
+        <p:style>
+          <a:lnRef idx="2">
+            <a:schemeClr val="accent1">
+              <a:shade val="50000"/>
+            </a:schemeClr>
+          </a:lnRef>
+          <a:fillRef idx="1">
+            <a:schemeClr val="accent1"/>
+          </a:fillRef>
+          <a:effectRef idx="0">
+            <a:schemeClr val="accent1"/>
+          </a:effectRef>
+          <a:fontRef idx="minor">
+            <a:schemeClr val="lt1"/>
+          </a:fontRef>
+        </p:style>
+        <p:txBody>
+          <a:bodyPr rtlCol="0" anchor="ctr"/>
+          <a:lstStyle/>
+          <a:p>
+            <a:pPr algn="ctr"/>
+            <a:endParaRPr lang="en-GB">
+              <a:solidFill>
+                <a:schemeClr val="tx1"/>
+              </a:solidFill>
+            </a:endParaRPr>
+          </a:p>
+        </p:txBody>
+      </p:sp>
+      <p:sp>
+        <p:nvSpPr>
+          <p:cNvPr id="5" name="Arrow: Down 4">
+            <a:extLst>
+              <a:ext uri="{FF2B5EF4-FFF2-40B4-BE49-F238E27FC236}">
+                <a16:creationId xmlns:a16="http://schemas.microsoft.com/office/drawing/2014/main" id="{C2065929-9FA5-4182-82AC-A1400AF5FE73}"/>
+              </a:ext>
+            </a:extLst>
+          </p:cNvPr>
+          <p:cNvSpPr/>
+          <p:nvPr/>
+        </p:nvSpPr>
+        <p:spPr>
+          <a:xfrm>
+            <a:off x="3560323" y="4483067"/>
+            <a:ext cx="350196" cy="577174"/>
+          </a:xfrm>
+          <a:prstGeom prst="downArrow">
+            <a:avLst/>
+          </a:prstGeom>
+        </p:spPr>
+        <p:style>
+          <a:lnRef idx="2">
+            <a:schemeClr val="accent1">
+              <a:shade val="50000"/>
+            </a:schemeClr>
+          </a:lnRef>
+          <a:fillRef idx="1">
+            <a:schemeClr val="accent1"/>
+          </a:fillRef>
+          <a:effectRef idx="0">
+            <a:schemeClr val="accent1"/>
+          </a:effectRef>
+          <a:fontRef idx="minor">
+            <a:schemeClr val="lt1"/>
+          </a:fontRef>
+        </p:style>
+        <p:txBody>
+          <a:bodyPr rtlCol="0" anchor="ctr"/>
+          <a:lstStyle/>
+          <a:p>
+            <a:pPr algn="ctr"/>
+            <a:endParaRPr lang="en-GB"/>
+          </a:p>
+        </p:txBody>
+      </p:sp>
+      <p:sp>
+        <p:nvSpPr>
+          <p:cNvPr id="28" name="Rechthoek: ezelsoor 17">
+            <a:extLst>
+              <a:ext uri="{FF2B5EF4-FFF2-40B4-BE49-F238E27FC236}">
+                <a16:creationId xmlns:a16="http://schemas.microsoft.com/office/drawing/2014/main" id="{F0F98436-10AC-4A66-A4DB-2448FFB65306}"/>
+              </a:ext>
+            </a:extLst>
+          </p:cNvPr>
+          <p:cNvSpPr/>
+          <p:nvPr/>
+        </p:nvSpPr>
+        <p:spPr>
+          <a:xfrm>
+            <a:off x="1385879" y="3322364"/>
+            <a:ext cx="667966" cy="678248"/>
+          </a:xfrm>
+          <a:prstGeom prst="foldedCorner">
+            <a:avLst/>
+          </a:prstGeom>
+          <a:solidFill>
+            <a:schemeClr val="accent4">
+              <a:lumMod val="40000"/>
+              <a:lumOff val="60000"/>
+            </a:schemeClr>
+          </a:solidFill>
+        </p:spPr>
+        <p:style>
+          <a:lnRef idx="2">
+            <a:schemeClr val="accent1">
+              <a:shade val="50000"/>
+            </a:schemeClr>
+          </a:lnRef>
+          <a:fillRef idx="1">
+            <a:schemeClr val="accent1"/>
+          </a:fillRef>
+          <a:effectRef idx="0">
+            <a:schemeClr val="accent1"/>
+          </a:effectRef>
+          <a:fontRef idx="minor">
+            <a:schemeClr val="lt1"/>
+          </a:fontRef>
+        </p:style>
+        <p:txBody>
+          <a:bodyPr rtlCol="0" anchor="ctr"/>
+          <a:lstStyle/>
+          <a:p>
+            <a:pPr algn="ctr"/>
+            <a:r>
+              <a:rPr lang="en-US" sz="1400" dirty="0">
+                <a:solidFill>
+                  <a:schemeClr val="tx1"/>
+                </a:solidFill>
+              </a:rPr>
+              <a:t>&lt;doc&gt; entry</a:t>
+            </a:r>
+          </a:p>
+        </p:txBody>
+      </p:sp>
+      <p:sp>
+        <p:nvSpPr>
+          <p:cNvPr id="29" name="Rechthoek: ezelsoor 17">
+            <a:extLst>
+              <a:ext uri="{FF2B5EF4-FFF2-40B4-BE49-F238E27FC236}">
+                <a16:creationId xmlns:a16="http://schemas.microsoft.com/office/drawing/2014/main" id="{D203E94D-7111-462F-894B-778C4BDD5F3D}"/>
+              </a:ext>
+            </a:extLst>
+          </p:cNvPr>
+          <p:cNvSpPr/>
+          <p:nvPr/>
+        </p:nvSpPr>
+        <p:spPr>
+          <a:xfrm>
+            <a:off x="5618189" y="3322364"/>
+            <a:ext cx="667966" cy="678248"/>
+          </a:xfrm>
+          <a:prstGeom prst="foldedCorner">
+            <a:avLst/>
+          </a:prstGeom>
+          <a:solidFill>
+            <a:schemeClr val="accent4">
+              <a:lumMod val="40000"/>
+              <a:lumOff val="60000"/>
+            </a:schemeClr>
+          </a:solidFill>
+        </p:spPr>
+        <p:style>
+          <a:lnRef idx="2">
+            <a:schemeClr val="accent1">
+              <a:shade val="50000"/>
+            </a:schemeClr>
+          </a:lnRef>
+          <a:fillRef idx="1">
+            <a:schemeClr val="accent1"/>
+          </a:fillRef>
+          <a:effectRef idx="0">
+            <a:schemeClr val="accent1"/>
+          </a:effectRef>
+          <a:fontRef idx="minor">
+            <a:schemeClr val="lt1"/>
+          </a:fontRef>
+        </p:style>
+        <p:txBody>
+          <a:bodyPr rtlCol="0" anchor="ctr"/>
+          <a:lstStyle/>
+          <a:p>
+            <a:pPr algn="ctr"/>
+            <a:r>
+              <a:rPr lang="en-US" sz="1400" dirty="0">
+                <a:solidFill>
+                  <a:schemeClr val="tx1"/>
+                </a:solidFill>
+              </a:rPr>
+              <a:t>&lt;doc&gt; entry</a:t>
+            </a:r>
+          </a:p>
+        </p:txBody>
+      </p:sp>
+      <p:sp>
+        <p:nvSpPr>
+          <p:cNvPr id="30" name="Pijl: rechts 25">
+            <a:extLst>
+              <a:ext uri="{FF2B5EF4-FFF2-40B4-BE49-F238E27FC236}">
+                <a16:creationId xmlns:a16="http://schemas.microsoft.com/office/drawing/2014/main" id="{8C06BD95-7351-4235-8F7C-EF65C1A92236}"/>
+              </a:ext>
+            </a:extLst>
+          </p:cNvPr>
+          <p:cNvSpPr/>
+          <p:nvPr/>
+        </p:nvSpPr>
+        <p:spPr>
+          <a:xfrm>
+            <a:off x="5834816" y="2082421"/>
+            <a:ext cx="1424021" cy="515923"/>
+          </a:xfrm>
+          <a:prstGeom prst="rightArrow">
+            <a:avLst/>
+          </a:prstGeom>
+          <a:solidFill>
+            <a:schemeClr val="accent1">
+              <a:lumMod val="20000"/>
+              <a:lumOff val="80000"/>
+            </a:schemeClr>
+          </a:solidFill>
+        </p:spPr>
+        <p:style>
+          <a:lnRef idx="2">
+            <a:schemeClr val="accent1">
+              <a:shade val="50000"/>
+            </a:schemeClr>
+          </a:lnRef>
+          <a:fillRef idx="1">
+            <a:schemeClr val="accent1"/>
+          </a:fillRef>
+          <a:effectRef idx="0">
+            <a:schemeClr val="accent1"/>
+          </a:effectRef>
+          <a:fontRef idx="minor">
+            <a:schemeClr val="lt1"/>
+          </a:fontRef>
+        </p:style>
+        <p:txBody>
+          <a:bodyPr rot="0" spcFirstLastPara="0" vertOverflow="overflow" horzOverflow="overflow" vert="horz" wrap="square" lIns="91440" tIns="45720" rIns="91440" bIns="45720" numCol="1" spcCol="0" rtlCol="0" fromWordArt="0" anchor="ctr" anchorCtr="0" forceAA="0" compatLnSpc="1">
+            <a:prstTxWarp prst="textNoShape">
+              <a:avLst/>
+            </a:prstTxWarp>
+            <a:noAutofit/>
+          </a:bodyPr>
+          <a:lstStyle/>
+          <a:p>
+            <a:pPr algn="ctr"/>
+            <a:endParaRPr lang="en-US" dirty="0">
+              <a:solidFill>
+                <a:schemeClr val="tx1"/>
+              </a:solidFill>
+            </a:endParaRPr>
+          </a:p>
+        </p:txBody>
+      </p:sp>
+    </p:spTree>
+    <p:extLst>
+      <p:ext uri="{BB962C8B-B14F-4D97-AF65-F5344CB8AC3E}">
+        <p14:creationId xmlns:p14="http://schemas.microsoft.com/office/powerpoint/2010/main" val="1673373623"/>
+      </p:ext>
+    </p:extLst>
+  </p:cSld>
+  <p:clrMapOvr>
+    <a:masterClrMapping/>
+  </p:clrMapOvr>
+  <p:timing>
+    <p:tnLst>
+      <p:par>
+        <p:cTn id="1" dur="indefinite" restart="never" nodeType="tmRoot">
+          <p:childTnLst>
+            <p:seq concurrent="1" nextAc="seek">
+              <p:cTn id="2" dur="indefinite" nodeType="mainSeq">
+                <p:childTnLst>
+                  <p:par>
+                    <p:cTn id="3" fill="hold">
+                      <p:stCondLst>
+                        <p:cond delay="indefinite"/>
+                      </p:stCondLst>
+                      <p:childTnLst>
+                        <p:par>
+                          <p:cTn id="4" fill="hold">
+                            <p:stCondLst>
+                              <p:cond delay="0"/>
+                            </p:stCondLst>
+                            <p:childTnLst>
+                              <p:par>
+                                <p:cTn id="5" presetID="10" presetClass="entr" presetSubtype="0" fill="hold" grpId="0" nodeType="clickEffect">
+                                  <p:stCondLst>
+                                    <p:cond delay="0"/>
+                                  </p:stCondLst>
+                                  <p:childTnLst>
+                                    <p:set>
+                                      <p:cBhvr>
+                                        <p:cTn id="6" dur="1" fill="hold">
+                                          <p:stCondLst>
+                                            <p:cond delay="0"/>
+                                          </p:stCondLst>
+                                        </p:cTn>
+                                        <p:tgtEl>
+                                          <p:spTgt spid="22"/>
+                                        </p:tgtEl>
+                                        <p:attrNameLst>
+                                          <p:attrName>style.visibility</p:attrName>
+                                        </p:attrNameLst>
+                                      </p:cBhvr>
+                                      <p:to>
+                                        <p:strVal val="visible"/>
+                                      </p:to>
+                                    </p:set>
+                                    <p:animEffect transition="in" filter="fade">
+                                      <p:cBhvr>
+                                        <p:cTn id="7" dur="2000"/>
+                                        <p:tgtEl>
+                                          <p:spTgt spid="22"/>
+                                        </p:tgtEl>
+                                      </p:cBhvr>
+                                    </p:animEffect>
+                                  </p:childTnLst>
+                                </p:cTn>
+                              </p:par>
+                            </p:childTnLst>
+                          </p:cTn>
+                        </p:par>
+                      </p:childTnLst>
+                    </p:cTn>
+                  </p:par>
+                  <p:par>
+                    <p:cTn id="8" fill="hold">
+                      <p:stCondLst>
+                        <p:cond delay="indefinite"/>
+                      </p:stCondLst>
+                      <p:childTnLst>
+                        <p:par>
+                          <p:cTn id="9" fill="hold">
+                            <p:stCondLst>
+                              <p:cond delay="0"/>
+                            </p:stCondLst>
+                            <p:childTnLst>
+                              <p:par>
+                                <p:cTn id="10" presetID="10" presetClass="entr" presetSubtype="0" fill="hold" grpId="0" nodeType="clickEffect">
+                                  <p:stCondLst>
+                                    <p:cond delay="0"/>
+                                  </p:stCondLst>
+                                  <p:childTnLst>
+                                    <p:set>
+                                      <p:cBhvr>
+                                        <p:cTn id="11" dur="1" fill="hold">
+                                          <p:stCondLst>
+                                            <p:cond delay="0"/>
+                                          </p:stCondLst>
+                                        </p:cTn>
+                                        <p:tgtEl>
+                                          <p:spTgt spid="23"/>
+                                        </p:tgtEl>
+                                        <p:attrNameLst>
+                                          <p:attrName>style.visibility</p:attrName>
+                                        </p:attrNameLst>
+                                      </p:cBhvr>
+                                      <p:to>
+                                        <p:strVal val="visible"/>
+                                      </p:to>
+                                    </p:set>
+                                    <p:animEffect transition="in" filter="fade">
+                                      <p:cBhvr>
+                                        <p:cTn id="12" dur="2000"/>
+                                        <p:tgtEl>
+                                          <p:spTgt spid="23"/>
+                                        </p:tgtEl>
+                                      </p:cBhvr>
+                                    </p:animEffect>
+                                  </p:childTnLst>
+                                </p:cTn>
+                              </p:par>
+                            </p:childTnLst>
+                          </p:cTn>
+                        </p:par>
+                      </p:childTnLst>
+                    </p:cTn>
+                  </p:par>
+                </p:childTnLst>
+              </p:cTn>
+              <p:prevCondLst>
+                <p:cond evt="onPrev" delay="0">
+                  <p:tgtEl>
+                    <p:sldTgt/>
+                  </p:tgtEl>
+                </p:cond>
+              </p:prevCondLst>
+              <p:nextCondLst>
+                <p:cond evt="onNext" delay="0">
+                  <p:tgtEl>
+                    <p:sldTgt/>
+                  </p:tgtEl>
+                </p:cond>
+              </p:nextCondLst>
+            </p:seq>
+          </p:childTnLst>
+        </p:cTn>
+      </p:par>
+    </p:tnLst>
+    <p:bldLst>
+      <p:bldP spid="23" grpId="0" animBg="1"/>
+      <p:bldP spid="22" grpId="0" animBg="1"/>
+    </p:bldLst>
+  </p:timing>
+</p:sld>
+</file>
+
+<file path=ppt/slides/slide16.xml><?xml version="1.0" encoding="utf-8"?>
+<p:sld xmlns:a="http://schemas.openxmlformats.org/drawingml/2006/main" xmlns:r="http://schemas.openxmlformats.org/officeDocument/2006/relationships" xmlns:p="http://schemas.openxmlformats.org/presentationml/2006/main">
+  <p:cSld>
+    <p:spTree>
+      <p:nvGrpSpPr>
+        <p:cNvPr id="1" name=""/>
+        <p:cNvGrpSpPr/>
+        <p:nvPr/>
+      </p:nvGrpSpPr>
+      <p:grpSpPr>
+        <a:xfrm>
+          <a:off x="0" y="0"/>
+          <a:ext cx="0" cy="0"/>
+          <a:chOff x="0" y="0"/>
+          <a:chExt cx="0" cy="0"/>
+        </a:xfrm>
+      </p:grpSpPr>
+      <p:sp>
+        <p:nvSpPr>
+          <p:cNvPr id="23" name="Rechthoek: ezelsoor 17">
+            <a:extLst>
+              <a:ext uri="{FF2B5EF4-FFF2-40B4-BE49-F238E27FC236}">
+                <a16:creationId xmlns:a16="http://schemas.microsoft.com/office/drawing/2014/main" id="{BA6FDC0E-5305-45F1-A8C0-3050CEF311E1}"/>
+              </a:ext>
+            </a:extLst>
+          </p:cNvPr>
+          <p:cNvSpPr/>
+          <p:nvPr/>
+        </p:nvSpPr>
+        <p:spPr>
+          <a:xfrm>
+            <a:off x="3372051" y="5380114"/>
+            <a:ext cx="1076936" cy="828626"/>
+          </a:xfrm>
+          <a:prstGeom prst="foldedCorner">
+            <a:avLst/>
+          </a:prstGeom>
+          <a:solidFill>
+            <a:schemeClr val="accent4">
+              <a:lumMod val="40000"/>
+              <a:lumOff val="60000"/>
+            </a:schemeClr>
+          </a:solidFill>
+        </p:spPr>
+        <p:style>
+          <a:lnRef idx="2">
+            <a:schemeClr val="accent1">
+              <a:shade val="50000"/>
+            </a:schemeClr>
+          </a:lnRef>
+          <a:fillRef idx="1">
+            <a:schemeClr val="accent1"/>
+          </a:fillRef>
+          <a:effectRef idx="0">
+            <a:schemeClr val="accent1"/>
+          </a:effectRef>
+          <a:fontRef idx="minor">
+            <a:schemeClr val="lt1"/>
+          </a:fontRef>
+        </p:style>
+        <p:txBody>
+          <a:bodyPr rtlCol="0" anchor="ctr"/>
+          <a:lstStyle/>
+          <a:p>
+            <a:pPr algn="ctr"/>
+            <a:r>
+              <a:rPr lang="en-US" sz="1400" dirty="0">
+                <a:solidFill>
+                  <a:schemeClr val="tx1"/>
+                </a:solidFill>
+              </a:rPr>
+              <a:t>output2.xml</a:t>
+            </a:r>
+          </a:p>
+        </p:txBody>
+      </p:sp>
+      <p:sp>
+        <p:nvSpPr>
+          <p:cNvPr id="2" name="Title 1">
+            <a:extLst>
+              <a:ext uri="{FF2B5EF4-FFF2-40B4-BE49-F238E27FC236}">
+                <a16:creationId xmlns:a16="http://schemas.microsoft.com/office/drawing/2014/main" id="{4123861A-F328-4BB9-8F10-4F9FB0F7E245}"/>
+              </a:ext>
+            </a:extLst>
+          </p:cNvPr>
+          <p:cNvSpPr>
+            <a:spLocks noGrp="1"/>
+          </p:cNvSpPr>
+          <p:nvPr>
+            <p:ph type="title"/>
+          </p:nvPr>
+        </p:nvSpPr>
+        <p:spPr>
+          <a:xfrm>
+            <a:off x="150834" y="216164"/>
+            <a:ext cx="11617960" cy="860848"/>
+          </a:xfrm>
+        </p:spPr>
+        <p:txBody>
+          <a:bodyPr>
+            <a:normAutofit/>
+          </a:bodyPr>
+          <a:lstStyle/>
+          <a:p>
+            <a:r>
+              <a:rPr lang="en-US" b="1" dirty="0"/>
+              <a:t>Output the resulting filenames</a:t>
+            </a:r>
+            <a:endParaRPr lang="en-NL" b="1" dirty="0"/>
+          </a:p>
+        </p:txBody>
+      </p:sp>
+      <p:sp>
+        <p:nvSpPr>
+          <p:cNvPr id="21" name="TextBox 20">
+            <a:extLst>
+              <a:ext uri="{FF2B5EF4-FFF2-40B4-BE49-F238E27FC236}">
+                <a16:creationId xmlns:a16="http://schemas.microsoft.com/office/drawing/2014/main" id="{60A84986-2B16-4899-B72A-B7BD622672FF}"/>
+              </a:ext>
+            </a:extLst>
+          </p:cNvPr>
+          <p:cNvSpPr txBox="1"/>
+          <p:nvPr/>
+        </p:nvSpPr>
+        <p:spPr>
+          <a:xfrm>
+            <a:off x="736958" y="1084642"/>
+            <a:ext cx="10304834" cy="646331"/>
+          </a:xfrm>
+          <a:prstGeom prst="rect">
+            <a:avLst/>
+          </a:prstGeom>
+          <a:noFill/>
+        </p:spPr>
+        <p:txBody>
+          <a:bodyPr wrap="square" rtlCol="0">
+            <a:spAutoFit/>
+          </a:bodyPr>
+          <a:lstStyle/>
+          <a:p>
+            <a:r>
+              <a:rPr lang="en-US" dirty="0"/>
+              <a:t>See: </a:t>
+            </a:r>
+            <a:r>
+              <a:rPr lang="en-US" b="1" dirty="0">
+                <a:latin typeface="Courier New" panose="02070309020205020404" pitchFamily="49" charset="0"/>
+                <a:cs typeface="Courier New" panose="02070309020205020404" pitchFamily="49" charset="0"/>
+              </a:rPr>
+              <a:t>markupuk-2020/101-B/example-3/example-3d.xpl</a:t>
+            </a:r>
+          </a:p>
+          <a:p>
+            <a:endParaRPr lang="en-GB" dirty="0"/>
+          </a:p>
+        </p:txBody>
+      </p:sp>
+      <p:sp>
+        <p:nvSpPr>
+          <p:cNvPr id="16" name="Rechthoek: afgeronde hoeken 3">
+            <a:extLst>
+              <a:ext uri="{FF2B5EF4-FFF2-40B4-BE49-F238E27FC236}">
+                <a16:creationId xmlns:a16="http://schemas.microsoft.com/office/drawing/2014/main" id="{59A5AC1A-BD11-43BA-BC90-C8107F1E968E}"/>
+              </a:ext>
+            </a:extLst>
+          </p:cNvPr>
+          <p:cNvSpPr/>
+          <p:nvPr/>
+        </p:nvSpPr>
+        <p:spPr>
+          <a:xfrm>
+            <a:off x="2283972" y="1777306"/>
+            <a:ext cx="3254309" cy="1080083"/>
+          </a:xfrm>
+          <a:prstGeom prst="roundRect">
+            <a:avLst/>
+          </a:prstGeom>
+        </p:spPr>
+        <p:style>
+          <a:lnRef idx="2">
+            <a:schemeClr val="accent1">
+              <a:shade val="50000"/>
+            </a:schemeClr>
+          </a:lnRef>
+          <a:fillRef idx="1">
+            <a:schemeClr val="accent1"/>
+          </a:fillRef>
+          <a:effectRef idx="0">
+            <a:schemeClr val="accent1"/>
+          </a:effectRef>
+          <a:fontRef idx="minor">
+            <a:schemeClr val="lt1"/>
+          </a:fontRef>
+        </p:style>
+        <p:txBody>
+          <a:bodyPr rtlCol="0" anchor="ctr"/>
+          <a:lstStyle/>
+          <a:p>
+            <a:pPr algn="ctr"/>
+            <a:r>
+              <a:rPr lang="en-US" sz="2000" dirty="0"/>
+              <a:t>Loop over all &lt;doc&gt; entries</a:t>
+            </a:r>
+          </a:p>
+        </p:txBody>
+      </p:sp>
+      <p:sp>
+        <p:nvSpPr>
+          <p:cNvPr id="19" name="Rechthoek: ezelsoor 17">
+            <a:extLst>
+              <a:ext uri="{FF2B5EF4-FFF2-40B4-BE49-F238E27FC236}">
+                <a16:creationId xmlns:a16="http://schemas.microsoft.com/office/drawing/2014/main" id="{3C697AEB-0DA9-4E68-95C7-17273EA9001C}"/>
+              </a:ext>
+            </a:extLst>
+          </p:cNvPr>
+          <p:cNvSpPr/>
+          <p:nvPr/>
+        </p:nvSpPr>
+        <p:spPr>
+          <a:xfrm>
+            <a:off x="198490" y="1926070"/>
+            <a:ext cx="1076936" cy="828626"/>
+          </a:xfrm>
+          <a:prstGeom prst="foldedCorner">
+            <a:avLst/>
+          </a:prstGeom>
+          <a:solidFill>
+            <a:schemeClr val="accent4">
+              <a:lumMod val="40000"/>
+              <a:lumOff val="60000"/>
+            </a:schemeClr>
+          </a:solidFill>
+        </p:spPr>
+        <p:style>
+          <a:lnRef idx="2">
+            <a:schemeClr val="accent1">
+              <a:shade val="50000"/>
+            </a:schemeClr>
+          </a:lnRef>
+          <a:fillRef idx="1">
+            <a:schemeClr val="accent1"/>
+          </a:fillRef>
+          <a:effectRef idx="0">
+            <a:schemeClr val="accent1"/>
+          </a:effectRef>
+          <a:fontRef idx="minor">
+            <a:schemeClr val="lt1"/>
+          </a:fontRef>
+        </p:style>
+        <p:txBody>
+          <a:bodyPr rtlCol="0" anchor="ctr"/>
+          <a:lstStyle/>
+          <a:p>
+            <a:pPr algn="ctr"/>
+            <a:r>
+              <a:rPr lang="en-US" sz="1400" dirty="0">
+                <a:solidFill>
+                  <a:schemeClr val="tx1"/>
+                </a:solidFill>
+              </a:rPr>
+              <a:t>Input document</a:t>
+            </a:r>
+          </a:p>
+        </p:txBody>
+      </p:sp>
+      <p:sp>
+        <p:nvSpPr>
+          <p:cNvPr id="20" name="Pijl: rechts 25">
+            <a:extLst>
+              <a:ext uri="{FF2B5EF4-FFF2-40B4-BE49-F238E27FC236}">
+                <a16:creationId xmlns:a16="http://schemas.microsoft.com/office/drawing/2014/main" id="{2DF168AA-735A-4E10-9D13-03BB77FF6B23}"/>
+              </a:ext>
+            </a:extLst>
+          </p:cNvPr>
+          <p:cNvSpPr/>
+          <p:nvPr/>
+        </p:nvSpPr>
+        <p:spPr>
+          <a:xfrm>
+            <a:off x="5644744" y="2010453"/>
+            <a:ext cx="1424021" cy="515923"/>
+          </a:xfrm>
+          <a:prstGeom prst="rightArrow">
+            <a:avLst/>
+          </a:prstGeom>
+          <a:solidFill>
+            <a:schemeClr val="accent1">
+              <a:lumMod val="20000"/>
+              <a:lumOff val="80000"/>
+            </a:schemeClr>
+          </a:solidFill>
+        </p:spPr>
+        <p:style>
+          <a:lnRef idx="2">
+            <a:schemeClr val="accent1">
+              <a:shade val="50000"/>
+            </a:schemeClr>
+          </a:lnRef>
+          <a:fillRef idx="1">
+            <a:schemeClr val="accent1"/>
+          </a:fillRef>
+          <a:effectRef idx="0">
+            <a:schemeClr val="accent1"/>
+          </a:effectRef>
+          <a:fontRef idx="minor">
+            <a:schemeClr val="lt1"/>
+          </a:fontRef>
+        </p:style>
+        <p:txBody>
+          <a:bodyPr rot="0" spcFirstLastPara="0" vertOverflow="overflow" horzOverflow="overflow" vert="horz" wrap="square" lIns="91440" tIns="45720" rIns="91440" bIns="45720" numCol="1" spcCol="0" rtlCol="0" fromWordArt="0" anchor="ctr" anchorCtr="0" forceAA="0" compatLnSpc="1">
+            <a:prstTxWarp prst="textNoShape">
+              <a:avLst/>
+            </a:prstTxWarp>
+            <a:noAutofit/>
+          </a:bodyPr>
+          <a:lstStyle/>
+          <a:p>
+            <a:pPr algn="ctr"/>
+            <a:endParaRPr lang="en-US" dirty="0">
+              <a:solidFill>
+                <a:schemeClr val="tx1"/>
+              </a:solidFill>
+            </a:endParaRPr>
+          </a:p>
+        </p:txBody>
+      </p:sp>
+      <p:sp>
+        <p:nvSpPr>
+          <p:cNvPr id="22" name="Rechthoek: ezelsoor 17">
+            <a:extLst>
+              <a:ext uri="{FF2B5EF4-FFF2-40B4-BE49-F238E27FC236}">
+                <a16:creationId xmlns:a16="http://schemas.microsoft.com/office/drawing/2014/main" id="{18CDF56F-CA24-40CF-A244-8E7D16CFB44A}"/>
+              </a:ext>
+            </a:extLst>
+          </p:cNvPr>
+          <p:cNvSpPr/>
+          <p:nvPr/>
+        </p:nvSpPr>
+        <p:spPr>
+          <a:xfrm>
+            <a:off x="3190342" y="5236389"/>
+            <a:ext cx="1076936" cy="828626"/>
+          </a:xfrm>
+          <a:prstGeom prst="foldedCorner">
+            <a:avLst/>
+          </a:prstGeom>
+          <a:solidFill>
+            <a:schemeClr val="accent4">
+              <a:lumMod val="40000"/>
+              <a:lumOff val="60000"/>
+            </a:schemeClr>
+          </a:solidFill>
+        </p:spPr>
+        <p:style>
+          <a:lnRef idx="2">
+            <a:schemeClr val="accent1">
+              <a:shade val="50000"/>
+            </a:schemeClr>
+          </a:lnRef>
+          <a:fillRef idx="1">
+            <a:schemeClr val="accent1"/>
+          </a:fillRef>
+          <a:effectRef idx="0">
+            <a:schemeClr val="accent1"/>
+          </a:effectRef>
+          <a:fontRef idx="minor">
+            <a:schemeClr val="lt1"/>
+          </a:fontRef>
+        </p:style>
+        <p:txBody>
+          <a:bodyPr rtlCol="0" anchor="ctr"/>
+          <a:lstStyle/>
+          <a:p>
+            <a:pPr algn="ctr"/>
+            <a:r>
+              <a:rPr lang="en-US" sz="1400" dirty="0">
+                <a:solidFill>
+                  <a:schemeClr val="tx1"/>
+                </a:solidFill>
+              </a:rPr>
+              <a:t>output1.xml</a:t>
+            </a:r>
+          </a:p>
+        </p:txBody>
+      </p:sp>
+      <p:sp>
+        <p:nvSpPr>
+          <p:cNvPr id="24" name="Rechthoek: afgeronde hoeken 3">
+            <a:extLst>
+              <a:ext uri="{FF2B5EF4-FFF2-40B4-BE49-F238E27FC236}">
+                <a16:creationId xmlns:a16="http://schemas.microsoft.com/office/drawing/2014/main" id="{2970FDC1-AAB8-4538-89DA-8339B0BB2B37}"/>
+              </a:ext>
+            </a:extLst>
+          </p:cNvPr>
+          <p:cNvSpPr/>
+          <p:nvPr/>
+        </p:nvSpPr>
+        <p:spPr>
+          <a:xfrm>
+            <a:off x="7192827" y="1738603"/>
+            <a:ext cx="1913389" cy="1080083"/>
+          </a:xfrm>
+          <a:prstGeom prst="roundRect">
+            <a:avLst/>
+          </a:prstGeom>
+        </p:spPr>
+        <p:style>
+          <a:lnRef idx="2">
+            <a:schemeClr val="accent1">
+              <a:shade val="50000"/>
+            </a:schemeClr>
+          </a:lnRef>
+          <a:fillRef idx="1">
+            <a:schemeClr val="accent1"/>
+          </a:fillRef>
+          <a:effectRef idx="0">
+            <a:schemeClr val="accent1"/>
+          </a:effectRef>
+          <a:fontRef idx="minor">
+            <a:schemeClr val="lt1"/>
+          </a:fontRef>
+        </p:style>
+        <p:txBody>
+          <a:bodyPr rtlCol="0" anchor="ctr"/>
+          <a:lstStyle/>
+          <a:p>
+            <a:pPr algn="ctr"/>
+            <a:r>
+              <a:rPr lang="en-US" sz="2000" dirty="0"/>
+              <a:t>Wrap the result</a:t>
+            </a:r>
+          </a:p>
+        </p:txBody>
+      </p:sp>
+      <p:sp>
+        <p:nvSpPr>
+          <p:cNvPr id="25" name="Rechthoek: ezelsoor 34">
+            <a:extLst>
+              <a:ext uri="{FF2B5EF4-FFF2-40B4-BE49-F238E27FC236}">
+                <a16:creationId xmlns:a16="http://schemas.microsoft.com/office/drawing/2014/main" id="{D8EE1075-2149-41D2-ACAB-7804F143DB65}"/>
+              </a:ext>
+            </a:extLst>
+          </p:cNvPr>
+          <p:cNvSpPr/>
+          <p:nvPr/>
+        </p:nvSpPr>
+        <p:spPr>
+          <a:xfrm>
+            <a:off x="10345819" y="1790259"/>
+            <a:ext cx="1147481" cy="873129"/>
+          </a:xfrm>
+          <a:prstGeom prst="foldedCorner">
+            <a:avLst/>
+          </a:prstGeom>
+          <a:solidFill>
+            <a:schemeClr val="accent4">
+              <a:lumMod val="40000"/>
+              <a:lumOff val="60000"/>
+            </a:schemeClr>
+          </a:solidFill>
+        </p:spPr>
+        <p:style>
+          <a:lnRef idx="2">
+            <a:schemeClr val="accent1">
+              <a:shade val="50000"/>
+            </a:schemeClr>
+          </a:lnRef>
+          <a:fillRef idx="1">
+            <a:schemeClr val="accent1"/>
+          </a:fillRef>
+          <a:effectRef idx="0">
+            <a:schemeClr val="accent1"/>
+          </a:effectRef>
+          <a:fontRef idx="minor">
+            <a:schemeClr val="lt1"/>
+          </a:fontRef>
+        </p:style>
+        <p:txBody>
+          <a:bodyPr rtlCol="0" anchor="ctr"/>
+          <a:lstStyle/>
+          <a:p>
+            <a:pPr algn="ctr"/>
+            <a:r>
+              <a:rPr lang="en-US" sz="1400" dirty="0">
+                <a:solidFill>
+                  <a:schemeClr val="tx1"/>
+                </a:solidFill>
+              </a:rPr>
+              <a:t>Result document</a:t>
+            </a:r>
+          </a:p>
+        </p:txBody>
+      </p:sp>
+      <p:sp>
+        <p:nvSpPr>
+          <p:cNvPr id="27" name="Pijl: rechts 25">
+            <a:extLst>
+              <a:ext uri="{FF2B5EF4-FFF2-40B4-BE49-F238E27FC236}">
+                <a16:creationId xmlns:a16="http://schemas.microsoft.com/office/drawing/2014/main" id="{9E538ADC-5AA2-491F-A3C8-73B16C9D88ED}"/>
+              </a:ext>
+            </a:extLst>
+          </p:cNvPr>
+          <p:cNvSpPr/>
+          <p:nvPr/>
+        </p:nvSpPr>
+        <p:spPr>
+          <a:xfrm>
+            <a:off x="9006171" y="2010453"/>
+            <a:ext cx="1282820" cy="515923"/>
+          </a:xfrm>
+          <a:prstGeom prst="rightArrow">
+            <a:avLst/>
+          </a:prstGeom>
+          <a:solidFill>
+            <a:schemeClr val="accent1">
+              <a:lumMod val="20000"/>
+              <a:lumOff val="80000"/>
+            </a:schemeClr>
+          </a:solidFill>
+        </p:spPr>
+        <p:style>
+          <a:lnRef idx="2">
+            <a:schemeClr val="accent1">
+              <a:shade val="50000"/>
+            </a:schemeClr>
+          </a:lnRef>
+          <a:fillRef idx="1">
+            <a:schemeClr val="accent1"/>
+          </a:fillRef>
+          <a:effectRef idx="0">
+            <a:schemeClr val="accent1"/>
+          </a:effectRef>
+          <a:fontRef idx="minor">
+            <a:schemeClr val="lt1"/>
+          </a:fontRef>
+        </p:style>
+        <p:txBody>
+          <a:bodyPr rot="0" spcFirstLastPara="0" vertOverflow="overflow" horzOverflow="overflow" vert="horz" wrap="square" lIns="91440" tIns="45720" rIns="91440" bIns="45720" numCol="1" spcCol="0" rtlCol="0" fromWordArt="0" anchor="ctr" anchorCtr="0" forceAA="0" compatLnSpc="1">
+            <a:prstTxWarp prst="textNoShape">
+              <a:avLst/>
+            </a:prstTxWarp>
+            <a:noAutofit/>
+          </a:bodyPr>
+          <a:lstStyle/>
+          <a:p>
+            <a:pPr algn="ctr"/>
+            <a:r>
+              <a:rPr lang="en-US" dirty="0">
+                <a:solidFill>
+                  <a:schemeClr val="tx1"/>
+                </a:solidFill>
+              </a:rPr>
+              <a:t>result</a:t>
+            </a:r>
+          </a:p>
+        </p:txBody>
+      </p:sp>
+      <p:sp>
+        <p:nvSpPr>
+          <p:cNvPr id="17" name="Pijl: rechts 2">
+            <a:extLst>
+              <a:ext uri="{FF2B5EF4-FFF2-40B4-BE49-F238E27FC236}">
+                <a16:creationId xmlns:a16="http://schemas.microsoft.com/office/drawing/2014/main" id="{7CD7877E-A028-431E-9CC3-371B5163FC41}"/>
+              </a:ext>
+            </a:extLst>
+          </p:cNvPr>
+          <p:cNvSpPr/>
+          <p:nvPr/>
+        </p:nvSpPr>
+        <p:spPr>
+          <a:xfrm>
+            <a:off x="1207036" y="2051053"/>
+            <a:ext cx="950607" cy="515923"/>
+          </a:xfrm>
+          <a:prstGeom prst="rightArrow">
+            <a:avLst/>
+          </a:prstGeom>
+          <a:solidFill>
+            <a:schemeClr val="accent1">
+              <a:lumMod val="20000"/>
+              <a:lumOff val="80000"/>
+            </a:schemeClr>
+          </a:solidFill>
+        </p:spPr>
+        <p:style>
+          <a:lnRef idx="2">
+            <a:schemeClr val="accent1">
+              <a:shade val="50000"/>
+            </a:schemeClr>
+          </a:lnRef>
+          <a:fillRef idx="1">
+            <a:schemeClr val="accent1"/>
+          </a:fillRef>
+          <a:effectRef idx="0">
+            <a:schemeClr val="accent1"/>
+          </a:effectRef>
+          <a:fontRef idx="minor">
+            <a:schemeClr val="lt1"/>
+          </a:fontRef>
+        </p:style>
+        <p:txBody>
+          <a:bodyPr rot="0" spcFirstLastPara="0" vertOverflow="overflow" horzOverflow="overflow" vert="horz" wrap="square" lIns="91440" tIns="45720" rIns="91440" bIns="45720" numCol="1" spcCol="0" rtlCol="0" fromWordArt="0" anchor="ctr" anchorCtr="0" forceAA="0" compatLnSpc="1">
+            <a:prstTxWarp prst="textNoShape">
+              <a:avLst/>
+            </a:prstTxWarp>
+            <a:noAutofit/>
+          </a:bodyPr>
+          <a:lstStyle/>
+          <a:p>
+            <a:pPr algn="ctr"/>
+            <a:r>
+              <a:rPr lang="en-US" dirty="0">
+                <a:solidFill>
+                  <a:schemeClr val="tx1"/>
+                </a:solidFill>
+              </a:rPr>
+              <a:t>source</a:t>
+            </a:r>
+          </a:p>
+        </p:txBody>
+      </p:sp>
+      <p:sp>
+        <p:nvSpPr>
+          <p:cNvPr id="15" name="Rechthoek: afgeronde hoeken 3">
+            <a:extLst>
+              <a:ext uri="{FF2B5EF4-FFF2-40B4-BE49-F238E27FC236}">
+                <a16:creationId xmlns:a16="http://schemas.microsoft.com/office/drawing/2014/main" id="{7B1A893A-AC89-4452-8197-3B56551C8F5E}"/>
+              </a:ext>
+            </a:extLst>
+          </p:cNvPr>
+          <p:cNvSpPr/>
+          <p:nvPr/>
+        </p:nvSpPr>
+        <p:spPr>
+          <a:xfrm>
+            <a:off x="2814180" y="3217639"/>
+            <a:ext cx="1913389" cy="1080083"/>
+          </a:xfrm>
+          <a:prstGeom prst="roundRect">
+            <a:avLst/>
+          </a:prstGeom>
+        </p:spPr>
+        <p:style>
+          <a:lnRef idx="2">
+            <a:schemeClr val="accent1">
+              <a:shade val="50000"/>
+            </a:schemeClr>
+          </a:lnRef>
+          <a:fillRef idx="1">
+            <a:schemeClr val="accent1"/>
+          </a:fillRef>
+          <a:effectRef idx="0">
+            <a:schemeClr val="accent1"/>
+          </a:effectRef>
+          <a:fontRef idx="minor">
+            <a:schemeClr val="lt1"/>
+          </a:fontRef>
+        </p:style>
+        <p:txBody>
+          <a:bodyPr rtlCol="0" anchor="ctr"/>
+          <a:lstStyle/>
+          <a:p>
+            <a:pPr algn="ctr"/>
+            <a:r>
+              <a:rPr lang="en-US" sz="2000" dirty="0"/>
+              <a:t>Store the &lt;doc&gt; entry</a:t>
+            </a:r>
+          </a:p>
+        </p:txBody>
+      </p:sp>
+      <p:sp>
+        <p:nvSpPr>
+          <p:cNvPr id="4" name="Arrow: Curved Right 3">
+            <a:extLst>
+              <a:ext uri="{FF2B5EF4-FFF2-40B4-BE49-F238E27FC236}">
+                <a16:creationId xmlns:a16="http://schemas.microsoft.com/office/drawing/2014/main" id="{C947C591-C7F9-447F-9B7D-65431849C9BF}"/>
+              </a:ext>
+            </a:extLst>
+          </p:cNvPr>
+          <p:cNvSpPr/>
+          <p:nvPr/>
+        </p:nvSpPr>
+        <p:spPr>
+          <a:xfrm>
+            <a:off x="2157643" y="2951408"/>
+            <a:ext cx="536296" cy="1049204"/>
+          </a:xfrm>
+          <a:prstGeom prst="curvedRightArrow">
+            <a:avLst/>
+          </a:prstGeom>
+        </p:spPr>
+        <p:style>
+          <a:lnRef idx="2">
+            <a:schemeClr val="accent1">
+              <a:shade val="50000"/>
+            </a:schemeClr>
+          </a:lnRef>
+          <a:fillRef idx="1">
+            <a:schemeClr val="accent1"/>
+          </a:fillRef>
+          <a:effectRef idx="0">
+            <a:schemeClr val="accent1"/>
+          </a:effectRef>
+          <a:fontRef idx="minor">
+            <a:schemeClr val="lt1"/>
+          </a:fontRef>
+        </p:style>
+        <p:txBody>
+          <a:bodyPr rtlCol="0" anchor="ctr"/>
+          <a:lstStyle/>
+          <a:p>
+            <a:pPr algn="ctr"/>
+            <a:endParaRPr lang="en-GB">
+              <a:solidFill>
+                <a:schemeClr val="tx1"/>
+              </a:solidFill>
+            </a:endParaRPr>
+          </a:p>
+        </p:txBody>
+      </p:sp>
+      <p:sp>
+        <p:nvSpPr>
+          <p:cNvPr id="18" name="Arrow: Curved Right 17">
+            <a:extLst>
+              <a:ext uri="{FF2B5EF4-FFF2-40B4-BE49-F238E27FC236}">
+                <a16:creationId xmlns:a16="http://schemas.microsoft.com/office/drawing/2014/main" id="{0243E7D1-32B4-48DA-93CE-EDDE1EA2636B}"/>
+              </a:ext>
+            </a:extLst>
+          </p:cNvPr>
+          <p:cNvSpPr/>
+          <p:nvPr/>
+        </p:nvSpPr>
+        <p:spPr>
+          <a:xfrm rot="10800000">
+            <a:off x="4935166" y="2903722"/>
+            <a:ext cx="536296" cy="1049204"/>
+          </a:xfrm>
+          <a:prstGeom prst="curvedRightArrow">
+            <a:avLst/>
+          </a:prstGeom>
+        </p:spPr>
+        <p:style>
+          <a:lnRef idx="2">
+            <a:schemeClr val="accent1">
+              <a:shade val="50000"/>
+            </a:schemeClr>
+          </a:lnRef>
+          <a:fillRef idx="1">
+            <a:schemeClr val="accent1"/>
+          </a:fillRef>
+          <a:effectRef idx="0">
+            <a:schemeClr val="accent1"/>
+          </a:effectRef>
+          <a:fontRef idx="minor">
+            <a:schemeClr val="lt1"/>
+          </a:fontRef>
+        </p:style>
+        <p:txBody>
+          <a:bodyPr rtlCol="0" anchor="ctr"/>
+          <a:lstStyle/>
+          <a:p>
+            <a:pPr algn="ctr"/>
+            <a:endParaRPr lang="en-GB">
+              <a:solidFill>
+                <a:schemeClr val="tx1"/>
+              </a:solidFill>
+            </a:endParaRPr>
+          </a:p>
+        </p:txBody>
+      </p:sp>
+      <p:sp>
+        <p:nvSpPr>
+          <p:cNvPr id="5" name="Arrow: Down 4">
+            <a:extLst>
+              <a:ext uri="{FF2B5EF4-FFF2-40B4-BE49-F238E27FC236}">
+                <a16:creationId xmlns:a16="http://schemas.microsoft.com/office/drawing/2014/main" id="{C2065929-9FA5-4182-82AC-A1400AF5FE73}"/>
+              </a:ext>
+            </a:extLst>
+          </p:cNvPr>
+          <p:cNvSpPr/>
+          <p:nvPr/>
+        </p:nvSpPr>
+        <p:spPr>
+          <a:xfrm>
+            <a:off x="3560323" y="4483067"/>
+            <a:ext cx="350196" cy="577174"/>
+          </a:xfrm>
+          <a:prstGeom prst="downArrow">
+            <a:avLst/>
+          </a:prstGeom>
+        </p:spPr>
+        <p:style>
+          <a:lnRef idx="2">
+            <a:schemeClr val="accent1">
+              <a:shade val="50000"/>
+            </a:schemeClr>
+          </a:lnRef>
+          <a:fillRef idx="1">
+            <a:schemeClr val="accent1"/>
+          </a:fillRef>
+          <a:effectRef idx="0">
+            <a:schemeClr val="accent1"/>
+          </a:effectRef>
+          <a:fontRef idx="minor">
+            <a:schemeClr val="lt1"/>
+          </a:fontRef>
+        </p:style>
+        <p:txBody>
+          <a:bodyPr rtlCol="0" anchor="ctr"/>
+          <a:lstStyle/>
+          <a:p>
+            <a:pPr algn="ctr"/>
+            <a:endParaRPr lang="en-GB"/>
+          </a:p>
+        </p:txBody>
+      </p:sp>
+      <p:sp>
+        <p:nvSpPr>
+          <p:cNvPr id="28" name="Rechthoek: ezelsoor 17">
+            <a:extLst>
+              <a:ext uri="{FF2B5EF4-FFF2-40B4-BE49-F238E27FC236}">
+                <a16:creationId xmlns:a16="http://schemas.microsoft.com/office/drawing/2014/main" id="{F0F98436-10AC-4A66-A4DB-2448FFB65306}"/>
+              </a:ext>
+            </a:extLst>
+          </p:cNvPr>
+          <p:cNvSpPr/>
+          <p:nvPr/>
+        </p:nvSpPr>
+        <p:spPr>
+          <a:xfrm>
+            <a:off x="1385879" y="3322364"/>
+            <a:ext cx="667966" cy="678248"/>
+          </a:xfrm>
+          <a:prstGeom prst="foldedCorner">
+            <a:avLst/>
+          </a:prstGeom>
+          <a:solidFill>
+            <a:schemeClr val="accent4">
+              <a:lumMod val="40000"/>
+              <a:lumOff val="60000"/>
+            </a:schemeClr>
+          </a:solidFill>
+        </p:spPr>
+        <p:style>
+          <a:lnRef idx="2">
+            <a:schemeClr val="accent1">
+              <a:shade val="50000"/>
+            </a:schemeClr>
+          </a:lnRef>
+          <a:fillRef idx="1">
+            <a:schemeClr val="accent1"/>
+          </a:fillRef>
+          <a:effectRef idx="0">
+            <a:schemeClr val="accent1"/>
+          </a:effectRef>
+          <a:fontRef idx="minor">
+            <a:schemeClr val="lt1"/>
+          </a:fontRef>
+        </p:style>
+        <p:txBody>
+          <a:bodyPr rtlCol="0" anchor="ctr"/>
+          <a:lstStyle/>
+          <a:p>
+            <a:pPr algn="ctr"/>
+            <a:r>
+              <a:rPr lang="en-US" sz="1400" dirty="0">
+                <a:solidFill>
+                  <a:schemeClr val="tx1"/>
+                </a:solidFill>
+              </a:rPr>
+              <a:t>&lt;doc&gt; entry</a:t>
+            </a:r>
+          </a:p>
+        </p:txBody>
+      </p:sp>
+      <p:sp>
+        <p:nvSpPr>
+          <p:cNvPr id="29" name="Rechthoek: ezelsoor 17">
+            <a:extLst>
+              <a:ext uri="{FF2B5EF4-FFF2-40B4-BE49-F238E27FC236}">
+                <a16:creationId xmlns:a16="http://schemas.microsoft.com/office/drawing/2014/main" id="{D203E94D-7111-462F-894B-778C4BDD5F3D}"/>
+              </a:ext>
+            </a:extLst>
+          </p:cNvPr>
+          <p:cNvSpPr/>
+          <p:nvPr/>
+        </p:nvSpPr>
+        <p:spPr>
+          <a:xfrm>
+            <a:off x="5618189" y="3322364"/>
+            <a:ext cx="964194" cy="678248"/>
+          </a:xfrm>
+          <a:prstGeom prst="foldedCorner">
+            <a:avLst/>
+          </a:prstGeom>
+          <a:solidFill>
+            <a:schemeClr val="accent4">
+              <a:lumMod val="40000"/>
+              <a:lumOff val="60000"/>
+            </a:schemeClr>
+          </a:solidFill>
+        </p:spPr>
+        <p:style>
+          <a:lnRef idx="2">
+            <a:schemeClr val="accent1">
+              <a:shade val="50000"/>
+            </a:schemeClr>
+          </a:lnRef>
+          <a:fillRef idx="1">
+            <a:schemeClr val="accent1"/>
+          </a:fillRef>
+          <a:effectRef idx="0">
+            <a:schemeClr val="accent1"/>
+          </a:effectRef>
+          <a:fontRef idx="minor">
+            <a:schemeClr val="lt1"/>
+          </a:fontRef>
+        </p:style>
+        <p:txBody>
+          <a:bodyPr rtlCol="0" anchor="ctr"/>
+          <a:lstStyle/>
+          <a:p>
+            <a:pPr algn="ctr"/>
+            <a:r>
+              <a:rPr lang="en-US" sz="1400" dirty="0">
+                <a:solidFill>
+                  <a:schemeClr val="tx1"/>
+                </a:solidFill>
+              </a:rPr>
+              <a:t>&lt;</a:t>
+            </a:r>
+            <a:r>
+              <a:rPr lang="en-US" sz="1400" dirty="0" err="1">
+                <a:solidFill>
+                  <a:schemeClr val="tx1"/>
+                </a:solidFill>
+              </a:rPr>
+              <a:t>c:result</a:t>
+            </a:r>
+            <a:r>
+              <a:rPr lang="en-US" sz="1400" dirty="0">
+                <a:solidFill>
+                  <a:schemeClr val="tx1"/>
+                </a:solidFill>
+              </a:rPr>
+              <a:t>&gt;entry</a:t>
+            </a:r>
+          </a:p>
+        </p:txBody>
+      </p:sp>
+      <p:sp>
+        <p:nvSpPr>
+          <p:cNvPr id="30" name="Pijl: rechts 25">
+            <a:extLst>
+              <a:ext uri="{FF2B5EF4-FFF2-40B4-BE49-F238E27FC236}">
+                <a16:creationId xmlns:a16="http://schemas.microsoft.com/office/drawing/2014/main" id="{7A87EFFE-EBDF-48C2-9481-960ADFFBB42E}"/>
+              </a:ext>
+            </a:extLst>
+          </p:cNvPr>
+          <p:cNvSpPr/>
+          <p:nvPr/>
+        </p:nvSpPr>
+        <p:spPr>
+          <a:xfrm>
+            <a:off x="5834816" y="2146339"/>
+            <a:ext cx="1424021" cy="515923"/>
+          </a:xfrm>
+          <a:prstGeom prst="rightArrow">
+            <a:avLst/>
+          </a:prstGeom>
+          <a:solidFill>
+            <a:schemeClr val="accent1">
+              <a:lumMod val="20000"/>
+              <a:lumOff val="80000"/>
+            </a:schemeClr>
+          </a:solidFill>
+        </p:spPr>
+        <p:style>
+          <a:lnRef idx="2">
+            <a:schemeClr val="accent1">
+              <a:shade val="50000"/>
+            </a:schemeClr>
+          </a:lnRef>
+          <a:fillRef idx="1">
+            <a:schemeClr val="accent1"/>
+          </a:fillRef>
+          <a:effectRef idx="0">
+            <a:schemeClr val="accent1"/>
+          </a:effectRef>
+          <a:fontRef idx="minor">
+            <a:schemeClr val="lt1"/>
+          </a:fontRef>
+        </p:style>
+        <p:txBody>
+          <a:bodyPr rot="0" spcFirstLastPara="0" vertOverflow="overflow" horzOverflow="overflow" vert="horz" wrap="square" lIns="91440" tIns="45720" rIns="91440" bIns="45720" numCol="1" spcCol="0" rtlCol="0" fromWordArt="0" anchor="ctr" anchorCtr="0" forceAA="0" compatLnSpc="1">
+            <a:prstTxWarp prst="textNoShape">
+              <a:avLst/>
+            </a:prstTxWarp>
+            <a:noAutofit/>
+          </a:bodyPr>
+          <a:lstStyle/>
+          <a:p>
+            <a:pPr algn="ctr"/>
+            <a:endParaRPr lang="en-US" dirty="0">
+              <a:solidFill>
+                <a:schemeClr val="tx1"/>
+              </a:solidFill>
+            </a:endParaRPr>
+          </a:p>
+        </p:txBody>
+      </p:sp>
+      <p:sp>
+        <p:nvSpPr>
+          <p:cNvPr id="3" name="TextBox 2">
+            <a:extLst>
+              <a:ext uri="{FF2B5EF4-FFF2-40B4-BE49-F238E27FC236}">
+                <a16:creationId xmlns:a16="http://schemas.microsoft.com/office/drawing/2014/main" id="{2FBB9D8D-B188-4D0D-9889-B88AA9B30D85}"/>
+              </a:ext>
+            </a:extLst>
+          </p:cNvPr>
+          <p:cNvSpPr txBox="1"/>
+          <p:nvPr/>
+        </p:nvSpPr>
+        <p:spPr>
+          <a:xfrm>
+            <a:off x="4794976" y="4045161"/>
+            <a:ext cx="2188798" cy="615553"/>
+          </a:xfrm>
+          <a:prstGeom prst="rect">
+            <a:avLst/>
+          </a:prstGeom>
+          <a:noFill/>
+        </p:spPr>
+        <p:txBody>
+          <a:bodyPr wrap="square" rtlCol="0">
+            <a:spAutoFit/>
+          </a:bodyPr>
+          <a:lstStyle/>
+          <a:p>
+            <a:r>
+              <a:rPr lang="en-US" sz="1600" b="1" dirty="0">
+                <a:latin typeface="Courier New" panose="02070309020205020404" pitchFamily="49" charset="0"/>
+                <a:cs typeface="Courier New" panose="02070309020205020404" pitchFamily="49" charset="0"/>
+              </a:rPr>
+              <a:t>result-</a:t>
+            </a:r>
+            <a:r>
+              <a:rPr lang="en-US" sz="1600" b="1" dirty="0" err="1">
+                <a:latin typeface="Courier New" panose="02070309020205020404" pitchFamily="49" charset="0"/>
+                <a:cs typeface="Courier New" panose="02070309020205020404" pitchFamily="49" charset="0"/>
+              </a:rPr>
+              <a:t>uri</a:t>
+            </a:r>
+            <a:br>
+              <a:rPr lang="en-US" sz="1600" b="1" dirty="0">
+                <a:latin typeface="Courier New" panose="02070309020205020404" pitchFamily="49" charset="0"/>
+                <a:cs typeface="Courier New" panose="02070309020205020404" pitchFamily="49" charset="0"/>
+              </a:rPr>
+            </a:br>
+            <a:r>
+              <a:rPr lang="en-US" dirty="0"/>
+              <a:t>port</a:t>
+            </a:r>
+            <a:endParaRPr lang="en-GB" dirty="0"/>
+          </a:p>
+        </p:txBody>
+      </p:sp>
+    </p:spTree>
+    <p:extLst>
+      <p:ext uri="{BB962C8B-B14F-4D97-AF65-F5344CB8AC3E}">
+        <p14:creationId xmlns:p14="http://schemas.microsoft.com/office/powerpoint/2010/main" val="3551227362"/>
+      </p:ext>
+    </p:extLst>
+  </p:cSld>
+  <p:clrMapOvr>
+    <a:masterClrMapping/>
+  </p:clrMapOvr>
+  <p:timing>
+    <p:tnLst>
+      <p:par>
+        <p:cTn id="1" dur="indefinite" restart="never" nodeType="tmRoot">
+          <p:childTnLst>
+            <p:seq concurrent="1" nextAc="seek">
+              <p:cTn id="2" dur="indefinite" nodeType="mainSeq">
+                <p:childTnLst>
+                  <p:par>
+                    <p:cTn id="3" fill="hold">
+                      <p:stCondLst>
+                        <p:cond delay="indefinite"/>
+                      </p:stCondLst>
+                      <p:childTnLst>
+                        <p:par>
+                          <p:cTn id="4" fill="hold">
+                            <p:stCondLst>
+                              <p:cond delay="0"/>
+                            </p:stCondLst>
+                            <p:childTnLst>
+                              <p:par>
+                                <p:cTn id="5" presetID="10" presetClass="entr" presetSubtype="0" fill="hold" grpId="0" nodeType="clickEffect">
+                                  <p:stCondLst>
+                                    <p:cond delay="0"/>
+                                  </p:stCondLst>
+                                  <p:childTnLst>
+                                    <p:set>
+                                      <p:cBhvr>
+                                        <p:cTn id="6" dur="1" fill="hold">
+                                          <p:stCondLst>
+                                            <p:cond delay="0"/>
+                                          </p:stCondLst>
+                                        </p:cTn>
+                                        <p:tgtEl>
+                                          <p:spTgt spid="22"/>
+                                        </p:tgtEl>
+                                        <p:attrNameLst>
+                                          <p:attrName>style.visibility</p:attrName>
+                                        </p:attrNameLst>
+                                      </p:cBhvr>
+                                      <p:to>
+                                        <p:strVal val="visible"/>
+                                      </p:to>
+                                    </p:set>
+                                    <p:animEffect transition="in" filter="fade">
+                                      <p:cBhvr>
+                                        <p:cTn id="7" dur="2000"/>
+                                        <p:tgtEl>
+                                          <p:spTgt spid="22"/>
+                                        </p:tgtEl>
+                                      </p:cBhvr>
+                                    </p:animEffect>
+                                  </p:childTnLst>
+                                </p:cTn>
+                              </p:par>
+                            </p:childTnLst>
+                          </p:cTn>
+                        </p:par>
+                      </p:childTnLst>
+                    </p:cTn>
+                  </p:par>
+                  <p:par>
+                    <p:cTn id="8" fill="hold">
+                      <p:stCondLst>
+                        <p:cond delay="indefinite"/>
+                      </p:stCondLst>
+                      <p:childTnLst>
+                        <p:par>
+                          <p:cTn id="9" fill="hold">
+                            <p:stCondLst>
+                              <p:cond delay="0"/>
+                            </p:stCondLst>
+                            <p:childTnLst>
+                              <p:par>
+                                <p:cTn id="10" presetID="10" presetClass="entr" presetSubtype="0" fill="hold" grpId="0" nodeType="clickEffect">
+                                  <p:stCondLst>
+                                    <p:cond delay="0"/>
+                                  </p:stCondLst>
+                                  <p:childTnLst>
+                                    <p:set>
+                                      <p:cBhvr>
+                                        <p:cTn id="11" dur="1" fill="hold">
+                                          <p:stCondLst>
+                                            <p:cond delay="0"/>
+                                          </p:stCondLst>
+                                        </p:cTn>
+                                        <p:tgtEl>
+                                          <p:spTgt spid="23"/>
+                                        </p:tgtEl>
+                                        <p:attrNameLst>
+                                          <p:attrName>style.visibility</p:attrName>
+                                        </p:attrNameLst>
+                                      </p:cBhvr>
+                                      <p:to>
+                                        <p:strVal val="visible"/>
+                                      </p:to>
+                                    </p:set>
+                                    <p:animEffect transition="in" filter="fade">
+                                      <p:cBhvr>
+                                        <p:cTn id="12" dur="2000"/>
+                                        <p:tgtEl>
+                                          <p:spTgt spid="23"/>
+                                        </p:tgtEl>
+                                      </p:cBhvr>
+                                    </p:animEffect>
+                                  </p:childTnLst>
+                                </p:cTn>
+                              </p:par>
+                            </p:childTnLst>
+                          </p:cTn>
+                        </p:par>
+                      </p:childTnLst>
+                    </p:cTn>
+                  </p:par>
+                </p:childTnLst>
+              </p:cTn>
+              <p:prevCondLst>
+                <p:cond evt="onPrev" delay="0">
+                  <p:tgtEl>
+                    <p:sldTgt/>
+                  </p:tgtEl>
+                </p:cond>
+              </p:prevCondLst>
+              <p:nextCondLst>
+                <p:cond evt="onNext" delay="0">
+                  <p:tgtEl>
+                    <p:sldTgt/>
+                  </p:tgtEl>
+                </p:cond>
+              </p:nextCondLst>
+            </p:seq>
+          </p:childTnLst>
+        </p:cTn>
+      </p:par>
+    </p:tnLst>
+    <p:bldLst>
+      <p:bldP spid="23" grpId="0" animBg="1"/>
+      <p:bldP spid="22" grpId="0" animBg="1"/>
+    </p:bldLst>
+  </p:timing>
+</p:sld>
+</file>
+
+<file path=ppt/slides/slide17.xml><?xml version="1.0" encoding="utf-8"?>
+<p:sld xmlns:a="http://schemas.openxmlformats.org/drawingml/2006/main" xmlns:r="http://schemas.openxmlformats.org/officeDocument/2006/relationships" xmlns:p="http://schemas.openxmlformats.org/presentationml/2006/main">
+  <p:cSld>
+    <p:spTree>
+      <p:nvGrpSpPr>
+        <p:cNvPr id="1" name=""/>
+        <p:cNvGrpSpPr/>
+        <p:nvPr/>
+      </p:nvGrpSpPr>
+      <p:grpSpPr>
+        <a:xfrm>
+          <a:off x="0" y="0"/>
+          <a:ext cx="0" cy="0"/>
+          <a:chOff x="0" y="0"/>
+          <a:chExt cx="0" cy="0"/>
+        </a:xfrm>
+      </p:grpSpPr>
+      <p:sp>
+        <p:nvSpPr>
+          <p:cNvPr id="23" name="Rechthoek: ezelsoor 17">
+            <a:extLst>
+              <a:ext uri="{FF2B5EF4-FFF2-40B4-BE49-F238E27FC236}">
+                <a16:creationId xmlns:a16="http://schemas.microsoft.com/office/drawing/2014/main" id="{BA6FDC0E-5305-45F1-A8C0-3050CEF311E1}"/>
+              </a:ext>
+            </a:extLst>
+          </p:cNvPr>
+          <p:cNvSpPr/>
+          <p:nvPr/>
+        </p:nvSpPr>
+        <p:spPr>
+          <a:xfrm>
+            <a:off x="3372051" y="5380114"/>
+            <a:ext cx="1076936" cy="828626"/>
+          </a:xfrm>
+          <a:prstGeom prst="foldedCorner">
+            <a:avLst/>
+          </a:prstGeom>
+          <a:solidFill>
+            <a:schemeClr val="accent4">
+              <a:lumMod val="40000"/>
+              <a:lumOff val="60000"/>
+            </a:schemeClr>
+          </a:solidFill>
+        </p:spPr>
+        <p:style>
+          <a:lnRef idx="2">
+            <a:schemeClr val="accent1">
+              <a:shade val="50000"/>
+            </a:schemeClr>
+          </a:lnRef>
+          <a:fillRef idx="1">
+            <a:schemeClr val="accent1"/>
+          </a:fillRef>
+          <a:effectRef idx="0">
+            <a:schemeClr val="accent1"/>
+          </a:effectRef>
+          <a:fontRef idx="minor">
+            <a:schemeClr val="lt1"/>
+          </a:fontRef>
+        </p:style>
+        <p:txBody>
+          <a:bodyPr rtlCol="0" anchor="ctr"/>
+          <a:lstStyle/>
+          <a:p>
+            <a:pPr algn="ctr"/>
+            <a:r>
+              <a:rPr lang="en-US" sz="1400" dirty="0">
+                <a:solidFill>
+                  <a:schemeClr val="tx1"/>
+                </a:solidFill>
+              </a:rPr>
+              <a:t>output2.xml</a:t>
+            </a:r>
+          </a:p>
+        </p:txBody>
+      </p:sp>
+      <p:sp>
+        <p:nvSpPr>
+          <p:cNvPr id="2" name="Title 1">
+            <a:extLst>
+              <a:ext uri="{FF2B5EF4-FFF2-40B4-BE49-F238E27FC236}">
+                <a16:creationId xmlns:a16="http://schemas.microsoft.com/office/drawing/2014/main" id="{4123861A-F328-4BB9-8F10-4F9FB0F7E245}"/>
+              </a:ext>
+            </a:extLst>
+          </p:cNvPr>
+          <p:cNvSpPr>
+            <a:spLocks noGrp="1"/>
+          </p:cNvSpPr>
+          <p:nvPr>
+            <p:ph type="title"/>
+          </p:nvPr>
+        </p:nvSpPr>
+        <p:spPr>
+          <a:xfrm>
+            <a:off x="150834" y="216164"/>
+            <a:ext cx="11617960" cy="860848"/>
+          </a:xfrm>
+        </p:spPr>
+        <p:txBody>
+          <a:bodyPr>
+            <a:normAutofit/>
+          </a:bodyPr>
+          <a:lstStyle/>
+          <a:p>
+            <a:r>
+              <a:rPr lang="en-US" b="1" dirty="0"/>
+              <a:t>Output the resulting filenames, using p:viewport</a:t>
+            </a:r>
+            <a:endParaRPr lang="en-NL" b="1" dirty="0"/>
+          </a:p>
+        </p:txBody>
+      </p:sp>
+      <p:sp>
+        <p:nvSpPr>
+          <p:cNvPr id="21" name="TextBox 20">
+            <a:extLst>
+              <a:ext uri="{FF2B5EF4-FFF2-40B4-BE49-F238E27FC236}">
+                <a16:creationId xmlns:a16="http://schemas.microsoft.com/office/drawing/2014/main" id="{60A84986-2B16-4899-B72A-B7BD622672FF}"/>
+              </a:ext>
+            </a:extLst>
+          </p:cNvPr>
+          <p:cNvSpPr txBox="1"/>
+          <p:nvPr/>
+        </p:nvSpPr>
+        <p:spPr>
+          <a:xfrm>
+            <a:off x="736958" y="1084642"/>
+            <a:ext cx="10304834" cy="646331"/>
+          </a:xfrm>
+          <a:prstGeom prst="rect">
+            <a:avLst/>
+          </a:prstGeom>
+          <a:noFill/>
+        </p:spPr>
+        <p:txBody>
+          <a:bodyPr wrap="square" rtlCol="0">
+            <a:spAutoFit/>
+          </a:bodyPr>
+          <a:lstStyle/>
+          <a:p>
+            <a:r>
+              <a:rPr lang="en-US" dirty="0"/>
+              <a:t>See: </a:t>
+            </a:r>
+            <a:r>
+              <a:rPr lang="en-US" b="1" dirty="0">
+                <a:latin typeface="Courier New" panose="02070309020205020404" pitchFamily="49" charset="0"/>
+                <a:cs typeface="Courier New" panose="02070309020205020404" pitchFamily="49" charset="0"/>
+              </a:rPr>
+              <a:t>markupuk-2020/101-B/example-3/example-3e.xpl</a:t>
+            </a:r>
+          </a:p>
+          <a:p>
+            <a:endParaRPr lang="en-GB" dirty="0"/>
+          </a:p>
+        </p:txBody>
+      </p:sp>
+      <p:sp>
+        <p:nvSpPr>
+          <p:cNvPr id="16" name="Rechthoek: afgeronde hoeken 3">
+            <a:extLst>
+              <a:ext uri="{FF2B5EF4-FFF2-40B4-BE49-F238E27FC236}">
+                <a16:creationId xmlns:a16="http://schemas.microsoft.com/office/drawing/2014/main" id="{59A5AC1A-BD11-43BA-BC90-C8107F1E968E}"/>
+              </a:ext>
+            </a:extLst>
+          </p:cNvPr>
+          <p:cNvSpPr/>
+          <p:nvPr/>
+        </p:nvSpPr>
+        <p:spPr>
+          <a:xfrm>
+            <a:off x="2283972" y="1777306"/>
+            <a:ext cx="3254309" cy="1080083"/>
+          </a:xfrm>
+          <a:prstGeom prst="roundRect">
+            <a:avLst/>
+          </a:prstGeom>
+        </p:spPr>
+        <p:style>
+          <a:lnRef idx="2">
+            <a:schemeClr val="accent1">
+              <a:shade val="50000"/>
+            </a:schemeClr>
+          </a:lnRef>
+          <a:fillRef idx="1">
+            <a:schemeClr val="accent1"/>
+          </a:fillRef>
+          <a:effectRef idx="0">
+            <a:schemeClr val="accent1"/>
+          </a:effectRef>
+          <a:fontRef idx="minor">
+            <a:schemeClr val="lt1"/>
+          </a:fontRef>
+        </p:style>
+        <p:txBody>
+          <a:bodyPr rtlCol="0" anchor="ctr"/>
+          <a:lstStyle/>
+          <a:p>
+            <a:pPr algn="ctr"/>
+            <a:r>
+              <a:rPr lang="en-US" sz="2000" dirty="0"/>
+              <a:t>Viewport on &lt;doc&gt; entries</a:t>
+            </a:r>
+          </a:p>
+        </p:txBody>
+      </p:sp>
+      <p:sp>
+        <p:nvSpPr>
+          <p:cNvPr id="19" name="Rechthoek: ezelsoor 17">
+            <a:extLst>
+              <a:ext uri="{FF2B5EF4-FFF2-40B4-BE49-F238E27FC236}">
+                <a16:creationId xmlns:a16="http://schemas.microsoft.com/office/drawing/2014/main" id="{3C697AEB-0DA9-4E68-95C7-17273EA9001C}"/>
+              </a:ext>
+            </a:extLst>
+          </p:cNvPr>
+          <p:cNvSpPr/>
+          <p:nvPr/>
+        </p:nvSpPr>
+        <p:spPr>
+          <a:xfrm>
+            <a:off x="198490" y="1926070"/>
+            <a:ext cx="1076936" cy="828626"/>
+          </a:xfrm>
+          <a:prstGeom prst="foldedCorner">
+            <a:avLst/>
+          </a:prstGeom>
+          <a:solidFill>
+            <a:schemeClr val="accent4">
+              <a:lumMod val="40000"/>
+              <a:lumOff val="60000"/>
+            </a:schemeClr>
+          </a:solidFill>
+        </p:spPr>
+        <p:style>
+          <a:lnRef idx="2">
+            <a:schemeClr val="accent1">
+              <a:shade val="50000"/>
+            </a:schemeClr>
+          </a:lnRef>
+          <a:fillRef idx="1">
+            <a:schemeClr val="accent1"/>
+          </a:fillRef>
+          <a:effectRef idx="0">
+            <a:schemeClr val="accent1"/>
+          </a:effectRef>
+          <a:fontRef idx="minor">
+            <a:schemeClr val="lt1"/>
+          </a:fontRef>
+        </p:style>
+        <p:txBody>
+          <a:bodyPr rtlCol="0" anchor="ctr"/>
+          <a:lstStyle/>
+          <a:p>
+            <a:pPr algn="ctr"/>
+            <a:r>
+              <a:rPr lang="en-US" sz="1400" dirty="0">
+                <a:solidFill>
+                  <a:schemeClr val="tx1"/>
+                </a:solidFill>
+              </a:rPr>
+              <a:t>Input document</a:t>
+            </a:r>
+          </a:p>
+        </p:txBody>
+      </p:sp>
+      <p:sp>
+        <p:nvSpPr>
+          <p:cNvPr id="22" name="Rechthoek: ezelsoor 17">
+            <a:extLst>
+              <a:ext uri="{FF2B5EF4-FFF2-40B4-BE49-F238E27FC236}">
+                <a16:creationId xmlns:a16="http://schemas.microsoft.com/office/drawing/2014/main" id="{18CDF56F-CA24-40CF-A244-8E7D16CFB44A}"/>
+              </a:ext>
+            </a:extLst>
+          </p:cNvPr>
+          <p:cNvSpPr/>
+          <p:nvPr/>
+        </p:nvSpPr>
+        <p:spPr>
+          <a:xfrm>
+            <a:off x="3190342" y="5236389"/>
+            <a:ext cx="1076936" cy="828626"/>
+          </a:xfrm>
+          <a:prstGeom prst="foldedCorner">
+            <a:avLst/>
+          </a:prstGeom>
+          <a:solidFill>
+            <a:schemeClr val="accent4">
+              <a:lumMod val="40000"/>
+              <a:lumOff val="60000"/>
+            </a:schemeClr>
+          </a:solidFill>
+        </p:spPr>
+        <p:style>
+          <a:lnRef idx="2">
+            <a:schemeClr val="accent1">
+              <a:shade val="50000"/>
+            </a:schemeClr>
+          </a:lnRef>
+          <a:fillRef idx="1">
+            <a:schemeClr val="accent1"/>
+          </a:fillRef>
+          <a:effectRef idx="0">
+            <a:schemeClr val="accent1"/>
+          </a:effectRef>
+          <a:fontRef idx="minor">
+            <a:schemeClr val="lt1"/>
+          </a:fontRef>
+        </p:style>
+        <p:txBody>
+          <a:bodyPr rtlCol="0" anchor="ctr"/>
+          <a:lstStyle/>
+          <a:p>
+            <a:pPr algn="ctr"/>
+            <a:r>
+              <a:rPr lang="en-US" sz="1400" dirty="0">
+                <a:solidFill>
+                  <a:schemeClr val="tx1"/>
+                </a:solidFill>
+              </a:rPr>
+              <a:t>output1.xml</a:t>
+            </a:r>
+          </a:p>
+        </p:txBody>
+      </p:sp>
+      <p:sp>
+        <p:nvSpPr>
+          <p:cNvPr id="25" name="Rechthoek: ezelsoor 34">
+            <a:extLst>
+              <a:ext uri="{FF2B5EF4-FFF2-40B4-BE49-F238E27FC236}">
+                <a16:creationId xmlns:a16="http://schemas.microsoft.com/office/drawing/2014/main" id="{D8EE1075-2149-41D2-ACAB-7804F143DB65}"/>
+              </a:ext>
+            </a:extLst>
+          </p:cNvPr>
+          <p:cNvSpPr/>
+          <p:nvPr/>
+        </p:nvSpPr>
+        <p:spPr>
+          <a:xfrm>
+            <a:off x="7645109" y="1797540"/>
+            <a:ext cx="1147481" cy="873129"/>
+          </a:xfrm>
+          <a:prstGeom prst="foldedCorner">
+            <a:avLst/>
+          </a:prstGeom>
+          <a:solidFill>
+            <a:schemeClr val="accent4">
+              <a:lumMod val="40000"/>
+              <a:lumOff val="60000"/>
+            </a:schemeClr>
+          </a:solidFill>
+        </p:spPr>
+        <p:style>
+          <a:lnRef idx="2">
+            <a:schemeClr val="accent1">
+              <a:shade val="50000"/>
+            </a:schemeClr>
+          </a:lnRef>
+          <a:fillRef idx="1">
+            <a:schemeClr val="accent1"/>
+          </a:fillRef>
+          <a:effectRef idx="0">
+            <a:schemeClr val="accent1"/>
+          </a:effectRef>
+          <a:fontRef idx="minor">
+            <a:schemeClr val="lt1"/>
+          </a:fontRef>
+        </p:style>
+        <p:txBody>
+          <a:bodyPr rtlCol="0" anchor="ctr"/>
+          <a:lstStyle/>
+          <a:p>
+            <a:pPr algn="ctr"/>
+            <a:r>
+              <a:rPr lang="en-US" sz="1400" dirty="0">
+                <a:solidFill>
+                  <a:schemeClr val="tx1"/>
+                </a:solidFill>
+              </a:rPr>
+              <a:t>Result document</a:t>
+            </a:r>
+          </a:p>
+        </p:txBody>
+      </p:sp>
+      <p:sp>
+        <p:nvSpPr>
+          <p:cNvPr id="27" name="Pijl: rechts 25">
+            <a:extLst>
+              <a:ext uri="{FF2B5EF4-FFF2-40B4-BE49-F238E27FC236}">
+                <a16:creationId xmlns:a16="http://schemas.microsoft.com/office/drawing/2014/main" id="{9E538ADC-5AA2-491F-A3C8-73B16C9D88ED}"/>
+              </a:ext>
+            </a:extLst>
+          </p:cNvPr>
+          <p:cNvSpPr/>
+          <p:nvPr/>
+        </p:nvSpPr>
+        <p:spPr>
+          <a:xfrm>
+            <a:off x="5618189" y="1976144"/>
+            <a:ext cx="1898905" cy="515923"/>
+          </a:xfrm>
+          <a:prstGeom prst="rightArrow">
+            <a:avLst/>
+          </a:prstGeom>
+          <a:solidFill>
+            <a:schemeClr val="accent1">
+              <a:lumMod val="20000"/>
+              <a:lumOff val="80000"/>
+            </a:schemeClr>
+          </a:solidFill>
+        </p:spPr>
+        <p:style>
+          <a:lnRef idx="2">
+            <a:schemeClr val="accent1">
+              <a:shade val="50000"/>
+            </a:schemeClr>
+          </a:lnRef>
+          <a:fillRef idx="1">
+            <a:schemeClr val="accent1"/>
+          </a:fillRef>
+          <a:effectRef idx="0">
+            <a:schemeClr val="accent1"/>
+          </a:effectRef>
+          <a:fontRef idx="minor">
+            <a:schemeClr val="lt1"/>
+          </a:fontRef>
+        </p:style>
+        <p:txBody>
+          <a:bodyPr rot="0" spcFirstLastPara="0" vertOverflow="overflow" horzOverflow="overflow" vert="horz" wrap="square" lIns="91440" tIns="45720" rIns="91440" bIns="45720" numCol="1" spcCol="0" rtlCol="0" fromWordArt="0" anchor="ctr" anchorCtr="0" forceAA="0" compatLnSpc="1">
+            <a:prstTxWarp prst="textNoShape">
+              <a:avLst/>
+            </a:prstTxWarp>
+            <a:noAutofit/>
+          </a:bodyPr>
+          <a:lstStyle/>
+          <a:p>
+            <a:pPr algn="ctr"/>
+            <a:r>
+              <a:rPr lang="en-US" dirty="0">
+                <a:solidFill>
+                  <a:schemeClr val="tx1"/>
+                </a:solidFill>
+              </a:rPr>
+              <a:t>result</a:t>
+            </a:r>
+          </a:p>
+        </p:txBody>
+      </p:sp>
+      <p:sp>
+        <p:nvSpPr>
+          <p:cNvPr id="17" name="Pijl: rechts 2">
+            <a:extLst>
+              <a:ext uri="{FF2B5EF4-FFF2-40B4-BE49-F238E27FC236}">
+                <a16:creationId xmlns:a16="http://schemas.microsoft.com/office/drawing/2014/main" id="{7CD7877E-A028-431E-9CC3-371B5163FC41}"/>
+              </a:ext>
+            </a:extLst>
+          </p:cNvPr>
+          <p:cNvSpPr/>
+          <p:nvPr/>
+        </p:nvSpPr>
+        <p:spPr>
+          <a:xfrm>
+            <a:off x="1207036" y="2051053"/>
+            <a:ext cx="950607" cy="515923"/>
+          </a:xfrm>
+          <a:prstGeom prst="rightArrow">
+            <a:avLst/>
+          </a:prstGeom>
+          <a:solidFill>
+            <a:schemeClr val="accent1">
+              <a:lumMod val="20000"/>
+              <a:lumOff val="80000"/>
+            </a:schemeClr>
+          </a:solidFill>
+        </p:spPr>
+        <p:style>
+          <a:lnRef idx="2">
+            <a:schemeClr val="accent1">
+              <a:shade val="50000"/>
+            </a:schemeClr>
+          </a:lnRef>
+          <a:fillRef idx="1">
+            <a:schemeClr val="accent1"/>
+          </a:fillRef>
+          <a:effectRef idx="0">
+            <a:schemeClr val="accent1"/>
+          </a:effectRef>
+          <a:fontRef idx="minor">
+            <a:schemeClr val="lt1"/>
+          </a:fontRef>
+        </p:style>
+        <p:txBody>
+          <a:bodyPr rot="0" spcFirstLastPara="0" vertOverflow="overflow" horzOverflow="overflow" vert="horz" wrap="square" lIns="91440" tIns="45720" rIns="91440" bIns="45720" numCol="1" spcCol="0" rtlCol="0" fromWordArt="0" anchor="ctr" anchorCtr="0" forceAA="0" compatLnSpc="1">
+            <a:prstTxWarp prst="textNoShape">
+              <a:avLst/>
+            </a:prstTxWarp>
+            <a:noAutofit/>
+          </a:bodyPr>
+          <a:lstStyle/>
+          <a:p>
+            <a:pPr algn="ctr"/>
+            <a:r>
+              <a:rPr lang="en-US" dirty="0">
+                <a:solidFill>
+                  <a:schemeClr val="tx1"/>
+                </a:solidFill>
+              </a:rPr>
+              <a:t>source</a:t>
+            </a:r>
+          </a:p>
+        </p:txBody>
+      </p:sp>
+      <p:sp>
+        <p:nvSpPr>
+          <p:cNvPr id="15" name="Rechthoek: afgeronde hoeken 3">
+            <a:extLst>
+              <a:ext uri="{FF2B5EF4-FFF2-40B4-BE49-F238E27FC236}">
+                <a16:creationId xmlns:a16="http://schemas.microsoft.com/office/drawing/2014/main" id="{7B1A893A-AC89-4452-8197-3B56551C8F5E}"/>
+              </a:ext>
+            </a:extLst>
+          </p:cNvPr>
+          <p:cNvSpPr/>
+          <p:nvPr/>
+        </p:nvSpPr>
+        <p:spPr>
+          <a:xfrm>
+            <a:off x="2814180" y="3217639"/>
+            <a:ext cx="1913389" cy="1080083"/>
+          </a:xfrm>
+          <a:prstGeom prst="roundRect">
+            <a:avLst/>
+          </a:prstGeom>
+        </p:spPr>
+        <p:style>
+          <a:lnRef idx="2">
+            <a:schemeClr val="accent1">
+              <a:shade val="50000"/>
+            </a:schemeClr>
+          </a:lnRef>
+          <a:fillRef idx="1">
+            <a:schemeClr val="accent1"/>
+          </a:fillRef>
+          <a:effectRef idx="0">
+            <a:schemeClr val="accent1"/>
+          </a:effectRef>
+          <a:fontRef idx="minor">
+            <a:schemeClr val="lt1"/>
+          </a:fontRef>
+        </p:style>
+        <p:txBody>
+          <a:bodyPr rtlCol="0" anchor="ctr"/>
+          <a:lstStyle/>
+          <a:p>
+            <a:pPr algn="ctr"/>
+            <a:r>
+              <a:rPr lang="en-US" sz="2000" dirty="0"/>
+              <a:t>Store the &lt;doc&gt; entry</a:t>
+            </a:r>
+          </a:p>
+        </p:txBody>
+      </p:sp>
+      <p:sp>
+        <p:nvSpPr>
+          <p:cNvPr id="4" name="Arrow: Curved Right 3">
+            <a:extLst>
+              <a:ext uri="{FF2B5EF4-FFF2-40B4-BE49-F238E27FC236}">
+                <a16:creationId xmlns:a16="http://schemas.microsoft.com/office/drawing/2014/main" id="{C947C591-C7F9-447F-9B7D-65431849C9BF}"/>
+              </a:ext>
+            </a:extLst>
+          </p:cNvPr>
+          <p:cNvSpPr/>
+          <p:nvPr/>
+        </p:nvSpPr>
+        <p:spPr>
+          <a:xfrm>
+            <a:off x="2157643" y="2951408"/>
+            <a:ext cx="536296" cy="1049204"/>
+          </a:xfrm>
+          <a:prstGeom prst="curvedRightArrow">
+            <a:avLst/>
+          </a:prstGeom>
+        </p:spPr>
+        <p:style>
+          <a:lnRef idx="2">
+            <a:schemeClr val="accent1">
+              <a:shade val="50000"/>
+            </a:schemeClr>
+          </a:lnRef>
+          <a:fillRef idx="1">
+            <a:schemeClr val="accent1"/>
+          </a:fillRef>
+          <a:effectRef idx="0">
+            <a:schemeClr val="accent1"/>
+          </a:effectRef>
+          <a:fontRef idx="minor">
+            <a:schemeClr val="lt1"/>
+          </a:fontRef>
+        </p:style>
+        <p:txBody>
+          <a:bodyPr rtlCol="0" anchor="ctr"/>
+          <a:lstStyle/>
+          <a:p>
+            <a:pPr algn="ctr"/>
+            <a:endParaRPr lang="en-GB">
+              <a:solidFill>
+                <a:schemeClr val="tx1"/>
+              </a:solidFill>
+            </a:endParaRPr>
+          </a:p>
+        </p:txBody>
+      </p:sp>
+      <p:sp>
+        <p:nvSpPr>
+          <p:cNvPr id="18" name="Arrow: Curved Right 17">
+            <a:extLst>
+              <a:ext uri="{FF2B5EF4-FFF2-40B4-BE49-F238E27FC236}">
+                <a16:creationId xmlns:a16="http://schemas.microsoft.com/office/drawing/2014/main" id="{0243E7D1-32B4-48DA-93CE-EDDE1EA2636B}"/>
+              </a:ext>
+            </a:extLst>
+          </p:cNvPr>
+          <p:cNvSpPr/>
+          <p:nvPr/>
+        </p:nvSpPr>
+        <p:spPr>
+          <a:xfrm rot="10800000">
+            <a:off x="4935166" y="2903722"/>
+            <a:ext cx="536296" cy="1049204"/>
+          </a:xfrm>
+          <a:prstGeom prst="curvedRightArrow">
+            <a:avLst/>
+          </a:prstGeom>
+        </p:spPr>
+        <p:style>
+          <a:lnRef idx="2">
+            <a:schemeClr val="accent1">
+              <a:shade val="50000"/>
+            </a:schemeClr>
+          </a:lnRef>
+          <a:fillRef idx="1">
+            <a:schemeClr val="accent1"/>
+          </a:fillRef>
+          <a:effectRef idx="0">
+            <a:schemeClr val="accent1"/>
+          </a:effectRef>
+          <a:fontRef idx="minor">
+            <a:schemeClr val="lt1"/>
+          </a:fontRef>
+        </p:style>
+        <p:txBody>
+          <a:bodyPr rtlCol="0" anchor="ctr"/>
+          <a:lstStyle/>
+          <a:p>
+            <a:pPr algn="ctr"/>
+            <a:endParaRPr lang="en-GB">
+              <a:solidFill>
+                <a:schemeClr val="tx1"/>
+              </a:solidFill>
+            </a:endParaRPr>
+          </a:p>
+        </p:txBody>
+      </p:sp>
+      <p:sp>
+        <p:nvSpPr>
+          <p:cNvPr id="5" name="Arrow: Down 4">
+            <a:extLst>
+              <a:ext uri="{FF2B5EF4-FFF2-40B4-BE49-F238E27FC236}">
+                <a16:creationId xmlns:a16="http://schemas.microsoft.com/office/drawing/2014/main" id="{C2065929-9FA5-4182-82AC-A1400AF5FE73}"/>
+              </a:ext>
+            </a:extLst>
+          </p:cNvPr>
+          <p:cNvSpPr/>
+          <p:nvPr/>
+        </p:nvSpPr>
+        <p:spPr>
+          <a:xfrm>
+            <a:off x="3560323" y="4483067"/>
+            <a:ext cx="350196" cy="577174"/>
+          </a:xfrm>
+          <a:prstGeom prst="downArrow">
+            <a:avLst/>
+          </a:prstGeom>
+        </p:spPr>
+        <p:style>
+          <a:lnRef idx="2">
+            <a:schemeClr val="accent1">
+              <a:shade val="50000"/>
+            </a:schemeClr>
+          </a:lnRef>
+          <a:fillRef idx="1">
+            <a:schemeClr val="accent1"/>
+          </a:fillRef>
+          <a:effectRef idx="0">
+            <a:schemeClr val="accent1"/>
+          </a:effectRef>
+          <a:fontRef idx="minor">
+            <a:schemeClr val="lt1"/>
+          </a:fontRef>
+        </p:style>
+        <p:txBody>
+          <a:bodyPr rtlCol="0" anchor="ctr"/>
+          <a:lstStyle/>
+          <a:p>
+            <a:pPr algn="ctr"/>
+            <a:endParaRPr lang="en-GB"/>
+          </a:p>
+        </p:txBody>
+      </p:sp>
+      <p:sp>
+        <p:nvSpPr>
+          <p:cNvPr id="28" name="Rechthoek: ezelsoor 17">
+            <a:extLst>
+              <a:ext uri="{FF2B5EF4-FFF2-40B4-BE49-F238E27FC236}">
+                <a16:creationId xmlns:a16="http://schemas.microsoft.com/office/drawing/2014/main" id="{F0F98436-10AC-4A66-A4DB-2448FFB65306}"/>
+              </a:ext>
+            </a:extLst>
+          </p:cNvPr>
+          <p:cNvSpPr/>
+          <p:nvPr/>
+        </p:nvSpPr>
+        <p:spPr>
+          <a:xfrm>
+            <a:off x="1385879" y="3322364"/>
+            <a:ext cx="667966" cy="678248"/>
+          </a:xfrm>
+          <a:prstGeom prst="foldedCorner">
+            <a:avLst/>
+          </a:prstGeom>
+          <a:solidFill>
+            <a:schemeClr val="accent4">
+              <a:lumMod val="40000"/>
+              <a:lumOff val="60000"/>
+            </a:schemeClr>
+          </a:solidFill>
+        </p:spPr>
+        <p:style>
+          <a:lnRef idx="2">
+            <a:schemeClr val="accent1">
+              <a:shade val="50000"/>
+            </a:schemeClr>
+          </a:lnRef>
+          <a:fillRef idx="1">
+            <a:schemeClr val="accent1"/>
+          </a:fillRef>
+          <a:effectRef idx="0">
+            <a:schemeClr val="accent1"/>
+          </a:effectRef>
+          <a:fontRef idx="minor">
+            <a:schemeClr val="lt1"/>
+          </a:fontRef>
+        </p:style>
+        <p:txBody>
+          <a:bodyPr rtlCol="0" anchor="ctr"/>
+          <a:lstStyle/>
+          <a:p>
+            <a:pPr algn="ctr"/>
+            <a:r>
+              <a:rPr lang="en-US" sz="1400" dirty="0">
+                <a:solidFill>
+                  <a:schemeClr val="tx1"/>
+                </a:solidFill>
+              </a:rPr>
+              <a:t>&lt;doc&gt; entry</a:t>
+            </a:r>
+          </a:p>
+        </p:txBody>
+      </p:sp>
+      <p:sp>
+        <p:nvSpPr>
+          <p:cNvPr id="29" name="Rechthoek: ezelsoor 17">
+            <a:extLst>
+              <a:ext uri="{FF2B5EF4-FFF2-40B4-BE49-F238E27FC236}">
+                <a16:creationId xmlns:a16="http://schemas.microsoft.com/office/drawing/2014/main" id="{D203E94D-7111-462F-894B-778C4BDD5F3D}"/>
+              </a:ext>
+            </a:extLst>
+          </p:cNvPr>
+          <p:cNvSpPr/>
+          <p:nvPr/>
+        </p:nvSpPr>
+        <p:spPr>
+          <a:xfrm>
+            <a:off x="5618189" y="3322364"/>
+            <a:ext cx="964194" cy="678248"/>
+          </a:xfrm>
+          <a:prstGeom prst="foldedCorner">
+            <a:avLst/>
+          </a:prstGeom>
+          <a:solidFill>
+            <a:schemeClr val="accent4">
+              <a:lumMod val="40000"/>
+              <a:lumOff val="60000"/>
+            </a:schemeClr>
+          </a:solidFill>
+        </p:spPr>
+        <p:style>
+          <a:lnRef idx="2">
+            <a:schemeClr val="accent1">
+              <a:shade val="50000"/>
+            </a:schemeClr>
+          </a:lnRef>
+          <a:fillRef idx="1">
+            <a:schemeClr val="accent1"/>
+          </a:fillRef>
+          <a:effectRef idx="0">
+            <a:schemeClr val="accent1"/>
+          </a:effectRef>
+          <a:fontRef idx="minor">
+            <a:schemeClr val="lt1"/>
+          </a:fontRef>
+        </p:style>
+        <p:txBody>
+          <a:bodyPr rtlCol="0" anchor="ctr"/>
+          <a:lstStyle/>
+          <a:p>
+            <a:pPr algn="ctr"/>
+            <a:r>
+              <a:rPr lang="en-US" sz="1400" dirty="0">
+                <a:solidFill>
+                  <a:schemeClr val="tx1"/>
+                </a:solidFill>
+              </a:rPr>
+              <a:t>&lt;</a:t>
+            </a:r>
+            <a:r>
+              <a:rPr lang="en-US" sz="1400" dirty="0" err="1">
+                <a:solidFill>
+                  <a:schemeClr val="tx1"/>
+                </a:solidFill>
+              </a:rPr>
+              <a:t>c:result</a:t>
+            </a:r>
+            <a:r>
+              <a:rPr lang="en-US" sz="1400" dirty="0">
+                <a:solidFill>
+                  <a:schemeClr val="tx1"/>
+                </a:solidFill>
+              </a:rPr>
+              <a:t>&gt;entry</a:t>
+            </a:r>
+          </a:p>
+        </p:txBody>
+      </p:sp>
+      <p:sp>
+        <p:nvSpPr>
+          <p:cNvPr id="3" name="TextBox 2">
+            <a:extLst>
+              <a:ext uri="{FF2B5EF4-FFF2-40B4-BE49-F238E27FC236}">
+                <a16:creationId xmlns:a16="http://schemas.microsoft.com/office/drawing/2014/main" id="{2FBB9D8D-B188-4D0D-9889-B88AA9B30D85}"/>
+              </a:ext>
+            </a:extLst>
+          </p:cNvPr>
+          <p:cNvSpPr txBox="1"/>
+          <p:nvPr/>
+        </p:nvSpPr>
+        <p:spPr>
+          <a:xfrm>
+            <a:off x="4794976" y="4045161"/>
+            <a:ext cx="2188798" cy="615553"/>
+          </a:xfrm>
+          <a:prstGeom prst="rect">
+            <a:avLst/>
+          </a:prstGeom>
+          <a:noFill/>
+        </p:spPr>
+        <p:txBody>
+          <a:bodyPr wrap="square" rtlCol="0">
+            <a:spAutoFit/>
+          </a:bodyPr>
+          <a:lstStyle/>
+          <a:p>
+            <a:r>
+              <a:rPr lang="en-US" sz="1600" b="1" dirty="0">
+                <a:latin typeface="Courier New" panose="02070309020205020404" pitchFamily="49" charset="0"/>
+                <a:cs typeface="Courier New" panose="02070309020205020404" pitchFamily="49" charset="0"/>
+              </a:rPr>
+              <a:t>result-</a:t>
+            </a:r>
+            <a:r>
+              <a:rPr lang="en-US" sz="1600" b="1" dirty="0" err="1">
+                <a:latin typeface="Courier New" panose="02070309020205020404" pitchFamily="49" charset="0"/>
+                <a:cs typeface="Courier New" panose="02070309020205020404" pitchFamily="49" charset="0"/>
+              </a:rPr>
+              <a:t>uri</a:t>
+            </a:r>
+            <a:br>
+              <a:rPr lang="en-US" sz="1600" b="1" dirty="0">
+                <a:latin typeface="Courier New" panose="02070309020205020404" pitchFamily="49" charset="0"/>
+                <a:cs typeface="Courier New" panose="02070309020205020404" pitchFamily="49" charset="0"/>
+              </a:rPr>
+            </a:br>
+            <a:r>
+              <a:rPr lang="en-US" dirty="0"/>
+              <a:t>port</a:t>
+            </a:r>
+            <a:endParaRPr lang="en-GB" dirty="0"/>
+          </a:p>
+        </p:txBody>
+      </p:sp>
+    </p:spTree>
+    <p:extLst>
+      <p:ext uri="{BB962C8B-B14F-4D97-AF65-F5344CB8AC3E}">
+        <p14:creationId xmlns:p14="http://schemas.microsoft.com/office/powerpoint/2010/main" val="1126811494"/>
+      </p:ext>
+    </p:extLst>
+  </p:cSld>
+  <p:clrMapOvr>
+    <a:masterClrMapping/>
+  </p:clrMapOvr>
+  <p:timing>
+    <p:tnLst>
+      <p:par>
+        <p:cTn id="1" dur="indefinite" restart="never" nodeType="tmRoot">
+          <p:childTnLst>
+            <p:seq concurrent="1" nextAc="seek">
+              <p:cTn id="2" dur="indefinite" nodeType="mainSeq">
+                <p:childTnLst>
+                  <p:par>
+                    <p:cTn id="3" fill="hold">
+                      <p:stCondLst>
+                        <p:cond delay="indefinite"/>
+                      </p:stCondLst>
+                      <p:childTnLst>
+                        <p:par>
+                          <p:cTn id="4" fill="hold">
+                            <p:stCondLst>
+                              <p:cond delay="0"/>
+                            </p:stCondLst>
+                            <p:childTnLst>
+                              <p:par>
+                                <p:cTn id="5" presetID="10" presetClass="entr" presetSubtype="0" fill="hold" grpId="0" nodeType="clickEffect">
+                                  <p:stCondLst>
+                                    <p:cond delay="0"/>
+                                  </p:stCondLst>
+                                  <p:childTnLst>
+                                    <p:set>
+                                      <p:cBhvr>
+                                        <p:cTn id="6" dur="1" fill="hold">
+                                          <p:stCondLst>
+                                            <p:cond delay="0"/>
+                                          </p:stCondLst>
+                                        </p:cTn>
+                                        <p:tgtEl>
+                                          <p:spTgt spid="22"/>
+                                        </p:tgtEl>
+                                        <p:attrNameLst>
+                                          <p:attrName>style.visibility</p:attrName>
+                                        </p:attrNameLst>
+                                      </p:cBhvr>
+                                      <p:to>
+                                        <p:strVal val="visible"/>
+                                      </p:to>
+                                    </p:set>
+                                    <p:animEffect transition="in" filter="fade">
+                                      <p:cBhvr>
+                                        <p:cTn id="7" dur="2000"/>
+                                        <p:tgtEl>
+                                          <p:spTgt spid="22"/>
+                                        </p:tgtEl>
+                                      </p:cBhvr>
+                                    </p:animEffect>
+                                  </p:childTnLst>
+                                </p:cTn>
+                              </p:par>
+                            </p:childTnLst>
+                          </p:cTn>
+                        </p:par>
+                      </p:childTnLst>
+                    </p:cTn>
+                  </p:par>
+                  <p:par>
+                    <p:cTn id="8" fill="hold">
+                      <p:stCondLst>
+                        <p:cond delay="indefinite"/>
+                      </p:stCondLst>
+                      <p:childTnLst>
+                        <p:par>
+                          <p:cTn id="9" fill="hold">
+                            <p:stCondLst>
+                              <p:cond delay="0"/>
+                            </p:stCondLst>
+                            <p:childTnLst>
+                              <p:par>
+                                <p:cTn id="10" presetID="10" presetClass="entr" presetSubtype="0" fill="hold" grpId="0" nodeType="clickEffect">
+                                  <p:stCondLst>
+                                    <p:cond delay="0"/>
+                                  </p:stCondLst>
+                                  <p:childTnLst>
+                                    <p:set>
+                                      <p:cBhvr>
+                                        <p:cTn id="11" dur="1" fill="hold">
+                                          <p:stCondLst>
+                                            <p:cond delay="0"/>
+                                          </p:stCondLst>
+                                        </p:cTn>
+                                        <p:tgtEl>
+                                          <p:spTgt spid="23"/>
+                                        </p:tgtEl>
+                                        <p:attrNameLst>
+                                          <p:attrName>style.visibility</p:attrName>
+                                        </p:attrNameLst>
+                                      </p:cBhvr>
+                                      <p:to>
+                                        <p:strVal val="visible"/>
+                                      </p:to>
+                                    </p:set>
+                                    <p:animEffect transition="in" filter="fade">
+                                      <p:cBhvr>
+                                        <p:cTn id="12" dur="2000"/>
+                                        <p:tgtEl>
+                                          <p:spTgt spid="23"/>
+                                        </p:tgtEl>
+                                      </p:cBhvr>
+                                    </p:animEffect>
+                                  </p:childTnLst>
+                                </p:cTn>
+                              </p:par>
+                            </p:childTnLst>
+                          </p:cTn>
+                        </p:par>
+                      </p:childTnLst>
+                    </p:cTn>
+                  </p:par>
+                </p:childTnLst>
+              </p:cTn>
+              <p:prevCondLst>
+                <p:cond evt="onPrev" delay="0">
+                  <p:tgtEl>
+                    <p:sldTgt/>
+                  </p:tgtEl>
+                </p:cond>
+              </p:prevCondLst>
+              <p:nextCondLst>
+                <p:cond evt="onNext" delay="0">
+                  <p:tgtEl>
+                    <p:sldTgt/>
+                  </p:tgtEl>
+                </p:cond>
+              </p:nextCondLst>
+            </p:seq>
+          </p:childTnLst>
+        </p:cTn>
+      </p:par>
+    </p:tnLst>
+    <p:bldLst>
+      <p:bldP spid="23" grpId="0" animBg="1"/>
+      <p:bldP spid="22" grpId="0" animBg="1"/>
+    </p:bldLst>
+  </p:timing>
+</p:sld>
+</file>
+
+<file path=ppt/slides/slide18.xml><?xml version="1.0" encoding="utf-8"?>
+<p:sld xmlns:a="http://schemas.openxmlformats.org/drawingml/2006/main" xmlns:r="http://schemas.openxmlformats.org/officeDocument/2006/relationships" xmlns:p="http://schemas.openxmlformats.org/presentationml/2006/main">
+  <p:cSld>
+    <p:spTree>
+      <p:nvGrpSpPr>
+        <p:cNvPr id="1" name=""/>
+        <p:cNvGrpSpPr/>
+        <p:nvPr/>
+      </p:nvGrpSpPr>
+      <p:grpSpPr>
+        <a:xfrm>
+          <a:off x="0" y="0"/>
+          <a:ext cx="0" cy="0"/>
+          <a:chOff x="0" y="0"/>
+          <a:chExt cx="0" cy="0"/>
+        </a:xfrm>
+      </p:grpSpPr>
+      <p:sp>
+        <p:nvSpPr>
+          <p:cNvPr id="2" name="Title 1">
+            <a:extLst>
+              <a:ext uri="{FF2B5EF4-FFF2-40B4-BE49-F238E27FC236}">
+                <a16:creationId xmlns:a16="http://schemas.microsoft.com/office/drawing/2014/main" id="{4123861A-F328-4BB9-8F10-4F9FB0F7E245}"/>
+              </a:ext>
+            </a:extLst>
+          </p:cNvPr>
+          <p:cNvSpPr>
+            <a:spLocks noGrp="1"/>
+          </p:cNvSpPr>
+          <p:nvPr>
+            <p:ph type="title"/>
+          </p:nvPr>
+        </p:nvSpPr>
+        <p:spPr>
+          <a:xfrm>
+            <a:off x="150834" y="216164"/>
+            <a:ext cx="11617960" cy="860848"/>
+          </a:xfrm>
+        </p:spPr>
+        <p:txBody>
+          <a:bodyPr>
+            <a:normAutofit/>
+          </a:bodyPr>
+          <a:lstStyle/>
+          <a:p>
+            <a:r>
+              <a:rPr lang="en-US" b="1" dirty="0"/>
+              <a:t>Only store files marked enabled</a:t>
+            </a:r>
+            <a:endParaRPr lang="en-NL" b="1" dirty="0"/>
+          </a:p>
+        </p:txBody>
+      </p:sp>
+      <p:sp>
+        <p:nvSpPr>
+          <p:cNvPr id="21" name="TextBox 20">
+            <a:extLst>
+              <a:ext uri="{FF2B5EF4-FFF2-40B4-BE49-F238E27FC236}">
+                <a16:creationId xmlns:a16="http://schemas.microsoft.com/office/drawing/2014/main" id="{60A84986-2B16-4899-B72A-B7BD622672FF}"/>
+              </a:ext>
+            </a:extLst>
+          </p:cNvPr>
+          <p:cNvSpPr txBox="1"/>
+          <p:nvPr/>
+        </p:nvSpPr>
+        <p:spPr>
+          <a:xfrm>
+            <a:off x="736958" y="1084642"/>
+            <a:ext cx="10304834" cy="646331"/>
+          </a:xfrm>
+          <a:prstGeom prst="rect">
+            <a:avLst/>
+          </a:prstGeom>
+          <a:noFill/>
+        </p:spPr>
+        <p:txBody>
+          <a:bodyPr wrap="square" rtlCol="0">
+            <a:spAutoFit/>
+          </a:bodyPr>
+          <a:lstStyle/>
+          <a:p>
+            <a:r>
+              <a:rPr lang="en-US" dirty="0"/>
+              <a:t>See: </a:t>
+            </a:r>
+            <a:r>
+              <a:rPr lang="en-US" b="1" dirty="0">
+                <a:latin typeface="Courier New" panose="02070309020205020404" pitchFamily="49" charset="0"/>
+                <a:cs typeface="Courier New" panose="02070309020205020404" pitchFamily="49" charset="0"/>
+              </a:rPr>
+              <a:t>markupuk-2020/101-B/example-3/example-3f.xpl</a:t>
+            </a:r>
+          </a:p>
+          <a:p>
+            <a:endParaRPr lang="en-GB" dirty="0"/>
+          </a:p>
+        </p:txBody>
+      </p:sp>
+      <p:sp>
+        <p:nvSpPr>
+          <p:cNvPr id="16" name="Rechthoek: afgeronde hoeken 3">
+            <a:extLst>
+              <a:ext uri="{FF2B5EF4-FFF2-40B4-BE49-F238E27FC236}">
+                <a16:creationId xmlns:a16="http://schemas.microsoft.com/office/drawing/2014/main" id="{59A5AC1A-BD11-43BA-BC90-C8107F1E968E}"/>
+              </a:ext>
+            </a:extLst>
+          </p:cNvPr>
+          <p:cNvSpPr/>
+          <p:nvPr/>
+        </p:nvSpPr>
+        <p:spPr>
+          <a:xfrm>
+            <a:off x="2283972" y="1777306"/>
+            <a:ext cx="3254309" cy="1080083"/>
+          </a:xfrm>
+          <a:prstGeom prst="roundRect">
+            <a:avLst/>
+          </a:prstGeom>
+        </p:spPr>
+        <p:style>
+          <a:lnRef idx="2">
+            <a:schemeClr val="accent1">
+              <a:shade val="50000"/>
+            </a:schemeClr>
+          </a:lnRef>
+          <a:fillRef idx="1">
+            <a:schemeClr val="accent1"/>
+          </a:fillRef>
+          <a:effectRef idx="0">
+            <a:schemeClr val="accent1"/>
+          </a:effectRef>
+          <a:fontRef idx="minor">
+            <a:schemeClr val="lt1"/>
+          </a:fontRef>
+        </p:style>
+        <p:txBody>
+          <a:bodyPr rtlCol="0" anchor="ctr"/>
+          <a:lstStyle/>
+          <a:p>
+            <a:pPr algn="ctr"/>
+            <a:r>
+              <a:rPr lang="en-US" sz="2000" dirty="0"/>
+              <a:t>Viewport on &lt;doc&gt; entries</a:t>
+            </a:r>
+          </a:p>
+        </p:txBody>
+      </p:sp>
+      <p:sp>
+        <p:nvSpPr>
+          <p:cNvPr id="19" name="Rechthoek: ezelsoor 17">
+            <a:extLst>
+              <a:ext uri="{FF2B5EF4-FFF2-40B4-BE49-F238E27FC236}">
+                <a16:creationId xmlns:a16="http://schemas.microsoft.com/office/drawing/2014/main" id="{3C697AEB-0DA9-4E68-95C7-17273EA9001C}"/>
+              </a:ext>
+            </a:extLst>
+          </p:cNvPr>
+          <p:cNvSpPr/>
+          <p:nvPr/>
+        </p:nvSpPr>
+        <p:spPr>
+          <a:xfrm>
+            <a:off x="198490" y="1926070"/>
+            <a:ext cx="1076936" cy="828626"/>
+          </a:xfrm>
+          <a:prstGeom prst="foldedCorner">
+            <a:avLst/>
+          </a:prstGeom>
+          <a:solidFill>
+            <a:schemeClr val="accent4">
+              <a:lumMod val="40000"/>
+              <a:lumOff val="60000"/>
+            </a:schemeClr>
+          </a:solidFill>
+        </p:spPr>
+        <p:style>
+          <a:lnRef idx="2">
+            <a:schemeClr val="accent1">
+              <a:shade val="50000"/>
+            </a:schemeClr>
+          </a:lnRef>
+          <a:fillRef idx="1">
+            <a:schemeClr val="accent1"/>
+          </a:fillRef>
+          <a:effectRef idx="0">
+            <a:schemeClr val="accent1"/>
+          </a:effectRef>
+          <a:fontRef idx="minor">
+            <a:schemeClr val="lt1"/>
+          </a:fontRef>
+        </p:style>
+        <p:txBody>
+          <a:bodyPr rtlCol="0" anchor="ctr"/>
+          <a:lstStyle/>
+          <a:p>
+            <a:pPr algn="ctr"/>
+            <a:r>
+              <a:rPr lang="en-US" sz="1400" dirty="0">
+                <a:solidFill>
+                  <a:schemeClr val="tx1"/>
+                </a:solidFill>
+              </a:rPr>
+              <a:t>Input document</a:t>
+            </a:r>
+          </a:p>
+        </p:txBody>
+      </p:sp>
+      <p:sp>
+        <p:nvSpPr>
+          <p:cNvPr id="22" name="Rechthoek: ezelsoor 17">
+            <a:extLst>
+              <a:ext uri="{FF2B5EF4-FFF2-40B4-BE49-F238E27FC236}">
+                <a16:creationId xmlns:a16="http://schemas.microsoft.com/office/drawing/2014/main" id="{18CDF56F-CA24-40CF-A244-8E7D16CFB44A}"/>
+              </a:ext>
+            </a:extLst>
+          </p:cNvPr>
+          <p:cNvSpPr/>
+          <p:nvPr/>
+        </p:nvSpPr>
+        <p:spPr>
+          <a:xfrm>
+            <a:off x="3911126" y="5974396"/>
+            <a:ext cx="1076936" cy="828626"/>
+          </a:xfrm>
+          <a:prstGeom prst="foldedCorner">
+            <a:avLst/>
+          </a:prstGeom>
+          <a:solidFill>
+            <a:schemeClr val="accent4">
+              <a:lumMod val="40000"/>
+              <a:lumOff val="60000"/>
+            </a:schemeClr>
+          </a:solidFill>
+        </p:spPr>
+        <p:style>
+          <a:lnRef idx="2">
+            <a:schemeClr val="accent1">
+              <a:shade val="50000"/>
+            </a:schemeClr>
+          </a:lnRef>
+          <a:fillRef idx="1">
+            <a:schemeClr val="accent1"/>
+          </a:fillRef>
+          <a:effectRef idx="0">
+            <a:schemeClr val="accent1"/>
+          </a:effectRef>
+          <a:fontRef idx="minor">
+            <a:schemeClr val="lt1"/>
+          </a:fontRef>
+        </p:style>
+        <p:txBody>
+          <a:bodyPr rtlCol="0" anchor="ctr"/>
+          <a:lstStyle/>
+          <a:p>
+            <a:pPr algn="ctr"/>
+            <a:r>
+              <a:rPr lang="en-US" sz="1400" dirty="0">
+                <a:solidFill>
+                  <a:schemeClr val="tx1"/>
+                </a:solidFill>
+              </a:rPr>
+              <a:t>output1.xml</a:t>
+            </a:r>
+          </a:p>
+        </p:txBody>
+      </p:sp>
+      <p:sp>
+        <p:nvSpPr>
+          <p:cNvPr id="25" name="Rechthoek: ezelsoor 34">
+            <a:extLst>
+              <a:ext uri="{FF2B5EF4-FFF2-40B4-BE49-F238E27FC236}">
+                <a16:creationId xmlns:a16="http://schemas.microsoft.com/office/drawing/2014/main" id="{D8EE1075-2149-41D2-ACAB-7804F143DB65}"/>
+              </a:ext>
+            </a:extLst>
+          </p:cNvPr>
+          <p:cNvSpPr/>
+          <p:nvPr/>
+        </p:nvSpPr>
+        <p:spPr>
+          <a:xfrm>
+            <a:off x="7645109" y="1797540"/>
+            <a:ext cx="1147481" cy="873129"/>
+          </a:xfrm>
+          <a:prstGeom prst="foldedCorner">
+            <a:avLst/>
+          </a:prstGeom>
+          <a:solidFill>
+            <a:schemeClr val="accent4">
+              <a:lumMod val="40000"/>
+              <a:lumOff val="60000"/>
+            </a:schemeClr>
+          </a:solidFill>
+        </p:spPr>
+        <p:style>
+          <a:lnRef idx="2">
+            <a:schemeClr val="accent1">
+              <a:shade val="50000"/>
+            </a:schemeClr>
+          </a:lnRef>
+          <a:fillRef idx="1">
+            <a:schemeClr val="accent1"/>
+          </a:fillRef>
+          <a:effectRef idx="0">
+            <a:schemeClr val="accent1"/>
+          </a:effectRef>
+          <a:fontRef idx="minor">
+            <a:schemeClr val="lt1"/>
+          </a:fontRef>
+        </p:style>
+        <p:txBody>
+          <a:bodyPr rtlCol="0" anchor="ctr"/>
+          <a:lstStyle/>
+          <a:p>
+            <a:pPr algn="ctr"/>
+            <a:r>
+              <a:rPr lang="en-US" sz="1400" dirty="0">
+                <a:solidFill>
+                  <a:schemeClr val="tx1"/>
+                </a:solidFill>
+              </a:rPr>
+              <a:t>Result document</a:t>
+            </a:r>
+          </a:p>
+        </p:txBody>
+      </p:sp>
+      <p:sp>
+        <p:nvSpPr>
+          <p:cNvPr id="27" name="Pijl: rechts 25">
+            <a:extLst>
+              <a:ext uri="{FF2B5EF4-FFF2-40B4-BE49-F238E27FC236}">
+                <a16:creationId xmlns:a16="http://schemas.microsoft.com/office/drawing/2014/main" id="{9E538ADC-5AA2-491F-A3C8-73B16C9D88ED}"/>
+              </a:ext>
+            </a:extLst>
+          </p:cNvPr>
+          <p:cNvSpPr/>
+          <p:nvPr/>
+        </p:nvSpPr>
+        <p:spPr>
+          <a:xfrm>
+            <a:off x="5618189" y="1976144"/>
+            <a:ext cx="1898905" cy="515923"/>
+          </a:xfrm>
+          <a:prstGeom prst="rightArrow">
+            <a:avLst/>
+          </a:prstGeom>
+          <a:solidFill>
+            <a:schemeClr val="accent1">
+              <a:lumMod val="20000"/>
+              <a:lumOff val="80000"/>
+            </a:schemeClr>
+          </a:solidFill>
+        </p:spPr>
+        <p:style>
+          <a:lnRef idx="2">
+            <a:schemeClr val="accent1">
+              <a:shade val="50000"/>
+            </a:schemeClr>
+          </a:lnRef>
+          <a:fillRef idx="1">
+            <a:schemeClr val="accent1"/>
+          </a:fillRef>
+          <a:effectRef idx="0">
+            <a:schemeClr val="accent1"/>
+          </a:effectRef>
+          <a:fontRef idx="minor">
+            <a:schemeClr val="lt1"/>
+          </a:fontRef>
+        </p:style>
+        <p:txBody>
+          <a:bodyPr rot="0" spcFirstLastPara="0" vertOverflow="overflow" horzOverflow="overflow" vert="horz" wrap="square" lIns="91440" tIns="45720" rIns="91440" bIns="45720" numCol="1" spcCol="0" rtlCol="0" fromWordArt="0" anchor="ctr" anchorCtr="0" forceAA="0" compatLnSpc="1">
+            <a:prstTxWarp prst="textNoShape">
+              <a:avLst/>
+            </a:prstTxWarp>
+            <a:noAutofit/>
+          </a:bodyPr>
+          <a:lstStyle/>
+          <a:p>
+            <a:pPr algn="ctr"/>
+            <a:r>
+              <a:rPr lang="en-US" dirty="0">
+                <a:solidFill>
+                  <a:schemeClr val="tx1"/>
+                </a:solidFill>
+              </a:rPr>
+              <a:t>result</a:t>
+            </a:r>
+          </a:p>
+        </p:txBody>
+      </p:sp>
+      <p:sp>
+        <p:nvSpPr>
+          <p:cNvPr id="17" name="Pijl: rechts 2">
+            <a:extLst>
+              <a:ext uri="{FF2B5EF4-FFF2-40B4-BE49-F238E27FC236}">
+                <a16:creationId xmlns:a16="http://schemas.microsoft.com/office/drawing/2014/main" id="{7CD7877E-A028-431E-9CC3-371B5163FC41}"/>
+              </a:ext>
+            </a:extLst>
+          </p:cNvPr>
+          <p:cNvSpPr/>
+          <p:nvPr/>
+        </p:nvSpPr>
+        <p:spPr>
+          <a:xfrm>
+            <a:off x="1207036" y="2051053"/>
+            <a:ext cx="950607" cy="515923"/>
+          </a:xfrm>
+          <a:prstGeom prst="rightArrow">
+            <a:avLst/>
+          </a:prstGeom>
+          <a:solidFill>
+            <a:schemeClr val="accent1">
+              <a:lumMod val="20000"/>
+              <a:lumOff val="80000"/>
+            </a:schemeClr>
+          </a:solidFill>
+        </p:spPr>
+        <p:style>
+          <a:lnRef idx="2">
+            <a:schemeClr val="accent1">
+              <a:shade val="50000"/>
+            </a:schemeClr>
+          </a:lnRef>
+          <a:fillRef idx="1">
+            <a:schemeClr val="accent1"/>
+          </a:fillRef>
+          <a:effectRef idx="0">
+            <a:schemeClr val="accent1"/>
+          </a:effectRef>
+          <a:fontRef idx="minor">
+            <a:schemeClr val="lt1"/>
+          </a:fontRef>
+        </p:style>
+        <p:txBody>
+          <a:bodyPr rot="0" spcFirstLastPara="0" vertOverflow="overflow" horzOverflow="overflow" vert="horz" wrap="square" lIns="91440" tIns="45720" rIns="91440" bIns="45720" numCol="1" spcCol="0" rtlCol="0" fromWordArt="0" anchor="ctr" anchorCtr="0" forceAA="0" compatLnSpc="1">
+            <a:prstTxWarp prst="textNoShape">
+              <a:avLst/>
+            </a:prstTxWarp>
+            <a:noAutofit/>
+          </a:bodyPr>
+          <a:lstStyle/>
+          <a:p>
+            <a:pPr algn="ctr"/>
+            <a:r>
+              <a:rPr lang="en-US" dirty="0">
+                <a:solidFill>
+                  <a:schemeClr val="tx1"/>
+                </a:solidFill>
+              </a:rPr>
+              <a:t>source</a:t>
+            </a:r>
+          </a:p>
+        </p:txBody>
+      </p:sp>
+      <p:sp>
+        <p:nvSpPr>
+          <p:cNvPr id="15" name="Rechthoek: afgeronde hoeken 3">
+            <a:extLst>
+              <a:ext uri="{FF2B5EF4-FFF2-40B4-BE49-F238E27FC236}">
+                <a16:creationId xmlns:a16="http://schemas.microsoft.com/office/drawing/2014/main" id="{7B1A893A-AC89-4452-8197-3B56551C8F5E}"/>
+              </a:ext>
+            </a:extLst>
+          </p:cNvPr>
+          <p:cNvSpPr/>
+          <p:nvPr/>
+        </p:nvSpPr>
+        <p:spPr>
+          <a:xfrm>
+            <a:off x="2823691" y="4501690"/>
+            <a:ext cx="1913389" cy="1080083"/>
+          </a:xfrm>
+          <a:prstGeom prst="roundRect">
+            <a:avLst/>
+          </a:prstGeom>
+        </p:spPr>
+        <p:style>
+          <a:lnRef idx="2">
+            <a:schemeClr val="accent1">
+              <a:shade val="50000"/>
+            </a:schemeClr>
+          </a:lnRef>
+          <a:fillRef idx="1">
+            <a:schemeClr val="accent1"/>
+          </a:fillRef>
+          <a:effectRef idx="0">
+            <a:schemeClr val="accent1"/>
+          </a:effectRef>
+          <a:fontRef idx="minor">
+            <a:schemeClr val="lt1"/>
+          </a:fontRef>
+        </p:style>
+        <p:txBody>
+          <a:bodyPr rtlCol="0" anchor="ctr"/>
+          <a:lstStyle/>
+          <a:p>
+            <a:pPr algn="ctr"/>
+            <a:r>
+              <a:rPr lang="en-US" sz="2000" dirty="0"/>
+              <a:t>Store the &lt;doc&gt; entry </a:t>
+            </a:r>
+          </a:p>
+        </p:txBody>
+      </p:sp>
+      <p:sp>
+        <p:nvSpPr>
+          <p:cNvPr id="4" name="Arrow: Curved Right 3">
+            <a:extLst>
+              <a:ext uri="{FF2B5EF4-FFF2-40B4-BE49-F238E27FC236}">
+                <a16:creationId xmlns:a16="http://schemas.microsoft.com/office/drawing/2014/main" id="{C947C591-C7F9-447F-9B7D-65431849C9BF}"/>
+              </a:ext>
+            </a:extLst>
+          </p:cNvPr>
+          <p:cNvSpPr/>
+          <p:nvPr/>
+        </p:nvSpPr>
+        <p:spPr>
+          <a:xfrm>
+            <a:off x="2157643" y="2951408"/>
+            <a:ext cx="536296" cy="1049204"/>
+          </a:xfrm>
+          <a:prstGeom prst="curvedRightArrow">
+            <a:avLst/>
+          </a:prstGeom>
+        </p:spPr>
+        <p:style>
+          <a:lnRef idx="2">
+            <a:schemeClr val="accent1">
+              <a:shade val="50000"/>
+            </a:schemeClr>
+          </a:lnRef>
+          <a:fillRef idx="1">
+            <a:schemeClr val="accent1"/>
+          </a:fillRef>
+          <a:effectRef idx="0">
+            <a:schemeClr val="accent1"/>
+          </a:effectRef>
+          <a:fontRef idx="minor">
+            <a:schemeClr val="lt1"/>
+          </a:fontRef>
+        </p:style>
+        <p:txBody>
+          <a:bodyPr rtlCol="0" anchor="ctr"/>
+          <a:lstStyle/>
+          <a:p>
+            <a:pPr algn="ctr"/>
+            <a:endParaRPr lang="en-GB">
+              <a:solidFill>
+                <a:schemeClr val="tx1"/>
+              </a:solidFill>
+            </a:endParaRPr>
+          </a:p>
+        </p:txBody>
+      </p:sp>
+      <p:sp>
+        <p:nvSpPr>
+          <p:cNvPr id="18" name="Arrow: Curved Right 17">
+            <a:extLst>
+              <a:ext uri="{FF2B5EF4-FFF2-40B4-BE49-F238E27FC236}">
+                <a16:creationId xmlns:a16="http://schemas.microsoft.com/office/drawing/2014/main" id="{0243E7D1-32B4-48DA-93CE-EDDE1EA2636B}"/>
+              </a:ext>
+            </a:extLst>
+          </p:cNvPr>
+          <p:cNvSpPr/>
+          <p:nvPr/>
+        </p:nvSpPr>
+        <p:spPr>
+          <a:xfrm rot="10800000">
+            <a:off x="5538281" y="2951408"/>
+            <a:ext cx="937542" cy="2238967"/>
+          </a:xfrm>
+          <a:prstGeom prst="curvedRightArrow">
+            <a:avLst/>
+          </a:prstGeom>
+        </p:spPr>
+        <p:style>
+          <a:lnRef idx="2">
+            <a:schemeClr val="accent1">
+              <a:shade val="50000"/>
+            </a:schemeClr>
+          </a:lnRef>
+          <a:fillRef idx="1">
+            <a:schemeClr val="accent1"/>
+          </a:fillRef>
+          <a:effectRef idx="0">
+            <a:schemeClr val="accent1"/>
+          </a:effectRef>
+          <a:fontRef idx="minor">
+            <a:schemeClr val="lt1"/>
+          </a:fontRef>
+        </p:style>
+        <p:txBody>
+          <a:bodyPr rtlCol="0" anchor="ctr"/>
+          <a:lstStyle/>
+          <a:p>
+            <a:pPr algn="ctr"/>
+            <a:endParaRPr lang="en-GB">
+              <a:solidFill>
+                <a:schemeClr val="tx1"/>
+              </a:solidFill>
+            </a:endParaRPr>
+          </a:p>
+        </p:txBody>
+      </p:sp>
+      <p:sp>
+        <p:nvSpPr>
+          <p:cNvPr id="5" name="Arrow: Down 4">
+            <a:extLst>
+              <a:ext uri="{FF2B5EF4-FFF2-40B4-BE49-F238E27FC236}">
+                <a16:creationId xmlns:a16="http://schemas.microsoft.com/office/drawing/2014/main" id="{C2065929-9FA5-4182-82AC-A1400AF5FE73}"/>
+              </a:ext>
+            </a:extLst>
+          </p:cNvPr>
+          <p:cNvSpPr/>
+          <p:nvPr/>
+        </p:nvSpPr>
+        <p:spPr>
+          <a:xfrm>
+            <a:off x="3430188" y="5685809"/>
+            <a:ext cx="350196" cy="577174"/>
+          </a:xfrm>
+          <a:prstGeom prst="downArrow">
+            <a:avLst/>
+          </a:prstGeom>
+        </p:spPr>
+        <p:style>
+          <a:lnRef idx="2">
+            <a:schemeClr val="accent1">
+              <a:shade val="50000"/>
+            </a:schemeClr>
+          </a:lnRef>
+          <a:fillRef idx="1">
+            <a:schemeClr val="accent1"/>
+          </a:fillRef>
+          <a:effectRef idx="0">
+            <a:schemeClr val="accent1"/>
+          </a:effectRef>
+          <a:fontRef idx="minor">
+            <a:schemeClr val="lt1"/>
+          </a:fontRef>
+        </p:style>
+        <p:txBody>
+          <a:bodyPr rtlCol="0" anchor="ctr"/>
+          <a:lstStyle/>
+          <a:p>
+            <a:pPr algn="ctr"/>
+            <a:endParaRPr lang="en-GB"/>
+          </a:p>
+        </p:txBody>
+      </p:sp>
+      <p:sp>
+        <p:nvSpPr>
+          <p:cNvPr id="28" name="Rechthoek: ezelsoor 17">
+            <a:extLst>
+              <a:ext uri="{FF2B5EF4-FFF2-40B4-BE49-F238E27FC236}">
+                <a16:creationId xmlns:a16="http://schemas.microsoft.com/office/drawing/2014/main" id="{F0F98436-10AC-4A66-A4DB-2448FFB65306}"/>
+              </a:ext>
+            </a:extLst>
+          </p:cNvPr>
+          <p:cNvSpPr/>
+          <p:nvPr/>
+        </p:nvSpPr>
+        <p:spPr>
+          <a:xfrm>
+            <a:off x="1385879" y="3322364"/>
+            <a:ext cx="667966" cy="678248"/>
+          </a:xfrm>
+          <a:prstGeom prst="foldedCorner">
+            <a:avLst/>
+          </a:prstGeom>
+          <a:solidFill>
+            <a:schemeClr val="accent4">
+              <a:lumMod val="40000"/>
+              <a:lumOff val="60000"/>
+            </a:schemeClr>
+          </a:solidFill>
+        </p:spPr>
+        <p:style>
+          <a:lnRef idx="2">
+            <a:schemeClr val="accent1">
+              <a:shade val="50000"/>
+            </a:schemeClr>
+          </a:lnRef>
+          <a:fillRef idx="1">
+            <a:schemeClr val="accent1"/>
+          </a:fillRef>
+          <a:effectRef idx="0">
+            <a:schemeClr val="accent1"/>
+          </a:effectRef>
+          <a:fontRef idx="minor">
+            <a:schemeClr val="lt1"/>
+          </a:fontRef>
+        </p:style>
+        <p:txBody>
+          <a:bodyPr rtlCol="0" anchor="ctr"/>
+          <a:lstStyle/>
+          <a:p>
+            <a:pPr algn="ctr"/>
+            <a:r>
+              <a:rPr lang="en-US" sz="1400" dirty="0">
+                <a:solidFill>
+                  <a:schemeClr val="tx1"/>
+                </a:solidFill>
+              </a:rPr>
+              <a:t>&lt;doc&gt; entry</a:t>
+            </a:r>
+          </a:p>
+        </p:txBody>
+      </p:sp>
+      <p:sp>
+        <p:nvSpPr>
+          <p:cNvPr id="29" name="Rechthoek: ezelsoor 17">
+            <a:extLst>
+              <a:ext uri="{FF2B5EF4-FFF2-40B4-BE49-F238E27FC236}">
+                <a16:creationId xmlns:a16="http://schemas.microsoft.com/office/drawing/2014/main" id="{D203E94D-7111-462F-894B-778C4BDD5F3D}"/>
+              </a:ext>
+            </a:extLst>
+          </p:cNvPr>
+          <p:cNvSpPr/>
+          <p:nvPr/>
+        </p:nvSpPr>
+        <p:spPr>
+          <a:xfrm>
+            <a:off x="6680915" y="3790689"/>
+            <a:ext cx="964194" cy="678248"/>
+          </a:xfrm>
+          <a:prstGeom prst="foldedCorner">
+            <a:avLst/>
+          </a:prstGeom>
+          <a:solidFill>
+            <a:schemeClr val="accent4">
+              <a:lumMod val="40000"/>
+              <a:lumOff val="60000"/>
+            </a:schemeClr>
+          </a:solidFill>
+        </p:spPr>
+        <p:style>
+          <a:lnRef idx="2">
+            <a:schemeClr val="accent1">
+              <a:shade val="50000"/>
+            </a:schemeClr>
+          </a:lnRef>
+          <a:fillRef idx="1">
+            <a:schemeClr val="accent1"/>
+          </a:fillRef>
+          <a:effectRef idx="0">
+            <a:schemeClr val="accent1"/>
+          </a:effectRef>
+          <a:fontRef idx="minor">
+            <a:schemeClr val="lt1"/>
+          </a:fontRef>
+        </p:style>
+        <p:txBody>
+          <a:bodyPr rtlCol="0" anchor="ctr"/>
+          <a:lstStyle/>
+          <a:p>
+            <a:pPr algn="ctr"/>
+            <a:r>
+              <a:rPr lang="en-US" sz="1400" dirty="0">
+                <a:solidFill>
+                  <a:schemeClr val="tx1"/>
+                </a:solidFill>
+              </a:rPr>
+              <a:t>&lt;</a:t>
+            </a:r>
+            <a:r>
+              <a:rPr lang="en-US" sz="1400" dirty="0" err="1">
+                <a:solidFill>
+                  <a:schemeClr val="tx1"/>
+                </a:solidFill>
+              </a:rPr>
+              <a:t>c:result</a:t>
+            </a:r>
+            <a:r>
+              <a:rPr lang="en-US" sz="1400" dirty="0">
+                <a:solidFill>
+                  <a:schemeClr val="tx1"/>
+                </a:solidFill>
+              </a:rPr>
+              <a:t>&gt;entry</a:t>
+            </a:r>
+          </a:p>
+        </p:txBody>
+      </p:sp>
+      <p:sp>
+        <p:nvSpPr>
+          <p:cNvPr id="3" name="TextBox 2">
+            <a:extLst>
+              <a:ext uri="{FF2B5EF4-FFF2-40B4-BE49-F238E27FC236}">
+                <a16:creationId xmlns:a16="http://schemas.microsoft.com/office/drawing/2014/main" id="{2FBB9D8D-B188-4D0D-9889-B88AA9B30D85}"/>
+              </a:ext>
+            </a:extLst>
+          </p:cNvPr>
+          <p:cNvSpPr txBox="1"/>
+          <p:nvPr/>
+        </p:nvSpPr>
+        <p:spPr>
+          <a:xfrm>
+            <a:off x="6475823" y="4551783"/>
+            <a:ext cx="2188798" cy="615553"/>
+          </a:xfrm>
+          <a:prstGeom prst="rect">
+            <a:avLst/>
+          </a:prstGeom>
+          <a:noFill/>
+        </p:spPr>
+        <p:txBody>
+          <a:bodyPr wrap="square" rtlCol="0">
+            <a:spAutoFit/>
+          </a:bodyPr>
+          <a:lstStyle/>
+          <a:p>
+            <a:r>
+              <a:rPr lang="en-US" sz="1600" b="1" dirty="0">
+                <a:latin typeface="Courier New" panose="02070309020205020404" pitchFamily="49" charset="0"/>
+                <a:cs typeface="Courier New" panose="02070309020205020404" pitchFamily="49" charset="0"/>
+              </a:rPr>
+              <a:t>result-</a:t>
+            </a:r>
+            <a:r>
+              <a:rPr lang="en-US" sz="1600" b="1" dirty="0" err="1">
+                <a:latin typeface="Courier New" panose="02070309020205020404" pitchFamily="49" charset="0"/>
+                <a:cs typeface="Courier New" panose="02070309020205020404" pitchFamily="49" charset="0"/>
+              </a:rPr>
+              <a:t>uri</a:t>
+            </a:r>
+            <a:br>
+              <a:rPr lang="en-US" sz="1600" b="1" dirty="0">
+                <a:latin typeface="Courier New" panose="02070309020205020404" pitchFamily="49" charset="0"/>
+                <a:cs typeface="Courier New" panose="02070309020205020404" pitchFamily="49" charset="0"/>
+              </a:rPr>
+            </a:br>
+            <a:r>
+              <a:rPr lang="en-US" dirty="0"/>
+              <a:t>port</a:t>
+            </a:r>
+            <a:endParaRPr lang="en-GB" dirty="0"/>
+          </a:p>
+        </p:txBody>
+      </p:sp>
+      <p:sp>
+        <p:nvSpPr>
+          <p:cNvPr id="20" name="Rechthoek: afgeronde hoeken 3">
+            <a:extLst>
+              <a:ext uri="{FF2B5EF4-FFF2-40B4-BE49-F238E27FC236}">
+                <a16:creationId xmlns:a16="http://schemas.microsoft.com/office/drawing/2014/main" id="{3D3184B3-3C23-4BB9-8B7B-76BC58A37CB6}"/>
+              </a:ext>
+            </a:extLst>
+          </p:cNvPr>
+          <p:cNvSpPr/>
+          <p:nvPr/>
+        </p:nvSpPr>
+        <p:spPr>
+          <a:xfrm>
+            <a:off x="2823690" y="3302274"/>
+            <a:ext cx="1913389" cy="1080083"/>
+          </a:xfrm>
+          <a:prstGeom prst="roundRect">
+            <a:avLst/>
+          </a:prstGeom>
+        </p:spPr>
+        <p:style>
+          <a:lnRef idx="2">
+            <a:schemeClr val="accent1">
+              <a:shade val="50000"/>
+            </a:schemeClr>
+          </a:lnRef>
+          <a:fillRef idx="1">
+            <a:schemeClr val="accent1"/>
+          </a:fillRef>
+          <a:effectRef idx="0">
+            <a:schemeClr val="accent1"/>
+          </a:effectRef>
+          <a:fontRef idx="minor">
+            <a:schemeClr val="lt1"/>
+          </a:fontRef>
+        </p:style>
+        <p:txBody>
+          <a:bodyPr rtlCol="0" anchor="ctr"/>
+          <a:lstStyle/>
+          <a:p>
+            <a:pPr algn="ctr"/>
+            <a:r>
+              <a:rPr lang="en-US" sz="2000" dirty="0"/>
+              <a:t>@enabled = "true"? </a:t>
+            </a:r>
+          </a:p>
+        </p:txBody>
+      </p:sp>
+      <p:sp>
+        <p:nvSpPr>
+          <p:cNvPr id="24" name="Arrow: Curved Right 23">
+            <a:extLst>
+              <a:ext uri="{FF2B5EF4-FFF2-40B4-BE49-F238E27FC236}">
+                <a16:creationId xmlns:a16="http://schemas.microsoft.com/office/drawing/2014/main" id="{E38B40B0-1491-4626-8FDA-94FFE8884AE9}"/>
+              </a:ext>
+            </a:extLst>
+          </p:cNvPr>
+          <p:cNvSpPr/>
+          <p:nvPr/>
+        </p:nvSpPr>
+        <p:spPr>
+          <a:xfrm rot="10800000">
+            <a:off x="4895453" y="2903722"/>
+            <a:ext cx="484452" cy="1174755"/>
+          </a:xfrm>
+          <a:prstGeom prst="curvedRightArrow">
+            <a:avLst/>
+          </a:prstGeom>
+        </p:spPr>
+        <p:style>
+          <a:lnRef idx="2">
+            <a:schemeClr val="accent1">
+              <a:shade val="50000"/>
+            </a:schemeClr>
+          </a:lnRef>
+          <a:fillRef idx="1">
+            <a:schemeClr val="accent1"/>
+          </a:fillRef>
+          <a:effectRef idx="0">
+            <a:schemeClr val="accent1"/>
+          </a:effectRef>
+          <a:fontRef idx="minor">
+            <a:schemeClr val="lt1"/>
+          </a:fontRef>
+        </p:style>
+        <p:txBody>
+          <a:bodyPr rtlCol="0" anchor="ctr"/>
+          <a:lstStyle/>
+          <a:p>
+            <a:pPr algn="ctr"/>
+            <a:endParaRPr lang="en-GB">
+              <a:solidFill>
+                <a:schemeClr val="tx1"/>
+              </a:solidFill>
+            </a:endParaRPr>
+          </a:p>
+        </p:txBody>
+      </p:sp>
+      <p:sp>
+        <p:nvSpPr>
+          <p:cNvPr id="6" name="TextBox 5">
+            <a:extLst>
+              <a:ext uri="{FF2B5EF4-FFF2-40B4-BE49-F238E27FC236}">
+                <a16:creationId xmlns:a16="http://schemas.microsoft.com/office/drawing/2014/main" id="{129379D0-A7B5-487F-A110-ABB60234BD34}"/>
+              </a:ext>
+            </a:extLst>
+          </p:cNvPr>
+          <p:cNvSpPr txBox="1"/>
+          <p:nvPr/>
+        </p:nvSpPr>
+        <p:spPr>
+          <a:xfrm>
+            <a:off x="4734128" y="4012418"/>
+            <a:ext cx="1225686" cy="523220"/>
+          </a:xfrm>
+          <a:prstGeom prst="rect">
+            <a:avLst/>
+          </a:prstGeom>
+          <a:noFill/>
+        </p:spPr>
+        <p:txBody>
+          <a:bodyPr wrap="square" rtlCol="0">
+            <a:spAutoFit/>
+          </a:bodyPr>
+          <a:lstStyle/>
+          <a:p>
+            <a:r>
+              <a:rPr lang="en-US" sz="1400" dirty="0"/>
+              <a:t>Original &lt;doc&gt; entry</a:t>
+            </a:r>
+            <a:endParaRPr lang="en-GB" sz="1400" dirty="0"/>
+          </a:p>
+        </p:txBody>
+      </p:sp>
+    </p:spTree>
+    <p:extLst>
+      <p:ext uri="{BB962C8B-B14F-4D97-AF65-F5344CB8AC3E}">
+        <p14:creationId xmlns:p14="http://schemas.microsoft.com/office/powerpoint/2010/main" val="3207425413"/>
+      </p:ext>
+    </p:extLst>
+  </p:cSld>
+  <p:clrMapOvr>
+    <a:masterClrMapping/>
+  </p:clrMapOvr>
+  <p:timing>
+    <p:tnLst>
+      <p:par>
+        <p:cTn id="1" dur="indefinite" restart="never" nodeType="tmRoot">
+          <p:childTnLst>
+            <p:seq concurrent="1" nextAc="seek">
+              <p:cTn id="2" dur="indefinite" nodeType="mainSeq">
+                <p:childTnLst>
+                  <p:par>
+                    <p:cTn id="3" fill="hold">
+                      <p:stCondLst>
+                        <p:cond delay="indefinite"/>
+                      </p:stCondLst>
+                      <p:childTnLst>
+                        <p:par>
+                          <p:cTn id="4" fill="hold">
+                            <p:stCondLst>
+                              <p:cond delay="0"/>
+                            </p:stCondLst>
+                            <p:childTnLst>
+                              <p:par>
+                                <p:cTn id="5" presetID="10" presetClass="entr" presetSubtype="0" fill="hold" grpId="0" nodeType="clickEffect">
+                                  <p:stCondLst>
+                                    <p:cond delay="0"/>
+                                  </p:stCondLst>
+                                  <p:childTnLst>
+                                    <p:set>
+                                      <p:cBhvr>
+                                        <p:cTn id="6" dur="1" fill="hold">
+                                          <p:stCondLst>
+                                            <p:cond delay="0"/>
+                                          </p:stCondLst>
+                                        </p:cTn>
+                                        <p:tgtEl>
+                                          <p:spTgt spid="22"/>
+                                        </p:tgtEl>
+                                        <p:attrNameLst>
+                                          <p:attrName>style.visibility</p:attrName>
+                                        </p:attrNameLst>
+                                      </p:cBhvr>
+                                      <p:to>
+                                        <p:strVal val="visible"/>
+                                      </p:to>
+                                    </p:set>
+                                    <p:animEffect transition="in" filter="fade">
+                                      <p:cBhvr>
+                                        <p:cTn id="7" dur="2000"/>
+                                        <p:tgtEl>
+                                          <p:spTgt spid="22"/>
+                                        </p:tgtEl>
+                                      </p:cBhvr>
+                                    </p:animEffect>
+                                  </p:childTnLst>
+                                </p:cTn>
+                              </p:par>
+                            </p:childTnLst>
+                          </p:cTn>
+                        </p:par>
+                      </p:childTnLst>
+                    </p:cTn>
+                  </p:par>
+                </p:childTnLst>
+              </p:cTn>
+              <p:prevCondLst>
+                <p:cond evt="onPrev" delay="0">
+                  <p:tgtEl>
+                    <p:sldTgt/>
+                  </p:tgtEl>
+                </p:cond>
+              </p:prevCondLst>
+              <p:nextCondLst>
+                <p:cond evt="onNext" delay="0">
+                  <p:tgtEl>
+                    <p:sldTgt/>
+                  </p:tgtEl>
+                </p:cond>
+              </p:nextCondLst>
+            </p:seq>
+          </p:childTnLst>
+        </p:cTn>
+      </p:par>
+    </p:tnLst>
+    <p:bldLst>
+      <p:bldP spid="22" grpId="0" animBg="1"/>
+    </p:bldLst>
+  </p:timing>
+</p:sld>
+</file>
+
+<file path=ppt/slides/slide19.xml><?xml version="1.0" encoding="utf-8"?>
+<p:sld xmlns:a="http://schemas.openxmlformats.org/drawingml/2006/main" xmlns:r="http://schemas.openxmlformats.org/officeDocument/2006/relationships" xmlns:p="http://schemas.openxmlformats.org/presentationml/2006/main">
+  <p:cSld>
+    <p:spTree>
+      <p:nvGrpSpPr>
+        <p:cNvPr id="1" name=""/>
+        <p:cNvGrpSpPr/>
+        <p:nvPr/>
+      </p:nvGrpSpPr>
+      <p:grpSpPr>
+        <a:xfrm>
+          <a:off x="0" y="0"/>
+          <a:ext cx="0" cy="0"/>
+          <a:chOff x="0" y="0"/>
+          <a:chExt cx="0" cy="0"/>
+        </a:xfrm>
+      </p:grpSpPr>
+      <p:sp>
+        <p:nvSpPr>
+          <p:cNvPr id="2" name="Title 1">
+            <a:extLst>
+              <a:ext uri="{FF2B5EF4-FFF2-40B4-BE49-F238E27FC236}">
+                <a16:creationId xmlns:a16="http://schemas.microsoft.com/office/drawing/2014/main" id="{E1A291CF-5B52-4363-8617-5B975E8B14C2}"/>
+              </a:ext>
+            </a:extLst>
+          </p:cNvPr>
+          <p:cNvSpPr>
+            <a:spLocks noGrp="1"/>
+          </p:cNvSpPr>
+          <p:nvPr>
+            <p:ph type="title"/>
+          </p:nvPr>
+        </p:nvSpPr>
+        <p:spPr/>
+        <p:txBody>
+          <a:bodyPr/>
+          <a:lstStyle/>
+          <a:p>
+            <a:r>
+              <a:rPr lang="en-US" dirty="0"/>
+              <a:t>Wrap up:</a:t>
+            </a:r>
+            <a:endParaRPr lang="en-GB" dirty="0"/>
+          </a:p>
+        </p:txBody>
+      </p:sp>
+      <p:sp>
+        <p:nvSpPr>
+          <p:cNvPr id="3" name="Content Placeholder 2">
+            <a:extLst>
+              <a:ext uri="{FF2B5EF4-FFF2-40B4-BE49-F238E27FC236}">
+                <a16:creationId xmlns:a16="http://schemas.microsoft.com/office/drawing/2014/main" id="{376FB710-45A2-488E-80EE-BFEC0D4BFA7B}"/>
+              </a:ext>
+            </a:extLst>
+          </p:cNvPr>
+          <p:cNvSpPr>
+            <a:spLocks noGrp="1"/>
+          </p:cNvSpPr>
+          <p:nvPr>
+            <p:ph idx="1"/>
+          </p:nvPr>
+        </p:nvSpPr>
+        <p:spPr>
+          <a:xfrm>
+            <a:off x="838200" y="1485089"/>
+            <a:ext cx="10515600" cy="4691874"/>
+          </a:xfrm>
+        </p:spPr>
+        <p:txBody>
+          <a:bodyPr>
+            <a:normAutofit/>
+          </a:bodyPr>
+          <a:lstStyle/>
+          <a:p>
+            <a:r>
+              <a:rPr lang="en-US" dirty="0"/>
+              <a:t>You can set options by attribute or using </a:t>
+            </a:r>
+            <a:r>
+              <a:rPr lang="en-US" sz="2400" b="1" dirty="0">
+                <a:latin typeface="Courier New" panose="02070309020205020404" pitchFamily="49" charset="0"/>
+                <a:cs typeface="Courier New" panose="02070309020205020404" pitchFamily="49" charset="0"/>
+              </a:rPr>
+              <a:t>&lt;</a:t>
+            </a:r>
+            <a:r>
+              <a:rPr lang="en-US" sz="2400" b="1" dirty="0" err="1">
+                <a:latin typeface="Courier New" panose="02070309020205020404" pitchFamily="49" charset="0"/>
+                <a:cs typeface="Courier New" panose="02070309020205020404" pitchFamily="49" charset="0"/>
+              </a:rPr>
+              <a:t>p:with-option</a:t>
+            </a:r>
+            <a:r>
+              <a:rPr lang="en-US" sz="2400" b="1" dirty="0">
+                <a:latin typeface="Courier New" panose="02070309020205020404" pitchFamily="49" charset="0"/>
+                <a:cs typeface="Courier New" panose="02070309020205020404" pitchFamily="49" charset="0"/>
+              </a:rPr>
+              <a:t>&gt;</a:t>
+            </a:r>
+            <a:endParaRPr lang="en-US" b="1" dirty="0">
+              <a:latin typeface="Courier New" panose="02070309020205020404" pitchFamily="49" charset="0"/>
+              <a:cs typeface="Courier New" panose="02070309020205020404" pitchFamily="49" charset="0"/>
+            </a:endParaRPr>
+          </a:p>
+          <a:p>
+            <a:pPr lvl="1"/>
+            <a:r>
+              <a:rPr lang="en-US" dirty="0"/>
+              <a:t>Watch out: Who is going to interpret the XPath expressions?</a:t>
+            </a:r>
+          </a:p>
+          <a:p>
+            <a:r>
+              <a:rPr lang="en-US" dirty="0"/>
+              <a:t>You can define and use variables</a:t>
+            </a:r>
+          </a:p>
+          <a:p>
+            <a:pPr lvl="1"/>
+            <a:r>
+              <a:rPr lang="en-US" dirty="0"/>
+              <a:t>XPath expression do not have to be based on the document flowing through</a:t>
+            </a:r>
+          </a:p>
+          <a:p>
+            <a:r>
+              <a:rPr lang="en-US" dirty="0"/>
+              <a:t>There are core steps for looping, decision making, etc.</a:t>
             </a:r>
             <a:br>
               <a:rPr lang="en-US" dirty="0"/>
             </a:br>
             <a:r>
-              <a:rPr lang="nl-NL" dirty="0">
-                <a:hlinkClick r:id="rId4"/>
-              </a:rPr>
-              <a:t>www.linkedin.com/in/esiegel/</a:t>
-            </a:r>
-            <a:br>
               <a:rPr lang="en-US" dirty="0"/>
-            </a:br>
-            <a:r>
-              <a:rPr lang="en-US" sz="2200" dirty="0"/>
-              <a:t>+31 6 53260792</a:t>
-            </a:r>
-            <a:endParaRPr lang="en-NL" dirty="0"/>
-          </a:p>
-        </p:txBody>
-      </p:sp>
-      <p:pic>
-        <p:nvPicPr>
-          <p:cNvPr id="5" name="Picture 4" descr="A picture containing person, tree, outdoor, plant&#10;&#10;Description automatically generated">
-            <a:extLst>
-              <a:ext uri="{FF2B5EF4-FFF2-40B4-BE49-F238E27FC236}">
-                <a16:creationId xmlns:a16="http://schemas.microsoft.com/office/drawing/2014/main" id="{3FF018FF-B684-4C34-8584-00C9F7DBB523}"/>
-              </a:ext>
-            </a:extLst>
-          </p:cNvPr>
-          <p:cNvPicPr>
-            <a:picLocks noChangeAspect="1"/>
-          </p:cNvPicPr>
-          <p:nvPr/>
-        </p:nvPicPr>
-        <p:blipFill>
-          <a:blip r:embed="rId5">
-            <a:extLst>
-              <a:ext uri="{28A0092B-C50C-407E-A947-70E740481C1C}">
-                <a14:useLocalDpi xmlns:a14="http://schemas.microsoft.com/office/drawing/2010/main" val="0"/>
-              </a:ext>
-            </a:extLst>
-          </a:blip>
-          <a:stretch>
-            <a:fillRect/>
-          </a:stretch>
-        </p:blipFill>
-        <p:spPr>
-          <a:xfrm rot="5400000">
-            <a:off x="9123217" y="683781"/>
-            <a:ext cx="2549239" cy="1911929"/>
-          </a:xfrm>
-          <a:prstGeom prst="rect">
-            <a:avLst/>
-          </a:prstGeom>
-          <a:ln>
-            <a:noFill/>
-          </a:ln>
-          <a:effectLst>
-            <a:softEdge rad="112500"/>
-          </a:effectLst>
-        </p:spPr>
-      </p:pic>
-      <p:pic>
-        <p:nvPicPr>
-          <p:cNvPr id="6" name="Picture 5" descr="A close up of a logo&#10;&#10;Description automatically generated">
-            <a:extLst>
-              <a:ext uri="{FF2B5EF4-FFF2-40B4-BE49-F238E27FC236}">
-                <a16:creationId xmlns:a16="http://schemas.microsoft.com/office/drawing/2014/main" id="{AA48229B-4A12-469F-8AC5-7A2676886746}"/>
-              </a:ext>
-            </a:extLst>
-          </p:cNvPr>
-          <p:cNvPicPr>
-            <a:picLocks noChangeAspect="1"/>
-          </p:cNvPicPr>
-          <p:nvPr/>
-        </p:nvPicPr>
-        <p:blipFill>
-          <a:blip r:embed="rId6">
-            <a:extLst>
-              <a:ext uri="{28A0092B-C50C-407E-A947-70E740481C1C}">
-                <a14:useLocalDpi xmlns:a14="http://schemas.microsoft.com/office/drawing/2010/main" val="0"/>
-              </a:ext>
-            </a:extLst>
-          </a:blip>
-          <a:stretch>
-            <a:fillRect/>
-          </a:stretch>
-        </p:blipFill>
-        <p:spPr>
-          <a:xfrm rot="1067824">
-            <a:off x="7246928" y="2925754"/>
-            <a:ext cx="3638738" cy="3831804"/>
-          </a:xfrm>
-          <a:prstGeom prst="rect">
-            <a:avLst/>
-          </a:prstGeom>
-        </p:spPr>
-      </p:pic>
+              <a:t>We looked at:</a:t>
+            </a:r>
+          </a:p>
+          <a:p>
+            <a:pPr lvl="1"/>
+            <a:r>
+              <a:rPr lang="en-US" b="1" dirty="0">
+                <a:latin typeface="Courier New" panose="02070309020205020404" pitchFamily="49" charset="0"/>
+                <a:cs typeface="Courier New" panose="02070309020205020404" pitchFamily="49" charset="0"/>
+              </a:rPr>
+              <a:t>p:for-each</a:t>
+            </a:r>
+          </a:p>
+          <a:p>
+            <a:pPr lvl="1"/>
+            <a:r>
+              <a:rPr lang="en-US" b="1" dirty="0">
+                <a:latin typeface="Courier New" panose="02070309020205020404" pitchFamily="49" charset="0"/>
+                <a:cs typeface="Courier New" panose="02070309020205020404" pitchFamily="49" charset="0"/>
+              </a:rPr>
+              <a:t>p:viewport</a:t>
+            </a:r>
+          </a:p>
+          <a:p>
+            <a:pPr lvl="1"/>
+            <a:r>
+              <a:rPr lang="en-US" b="1" dirty="0">
+                <a:latin typeface="Courier New" panose="02070309020205020404" pitchFamily="49" charset="0"/>
+                <a:cs typeface="Courier New" panose="02070309020205020404" pitchFamily="49" charset="0"/>
+              </a:rPr>
+              <a:t>p:if</a:t>
+            </a:r>
+          </a:p>
+          <a:p>
+            <a:pPr marL="457200" lvl="1" indent="0">
+              <a:buNone/>
+            </a:pPr>
+            <a:endParaRPr lang="en-GB" dirty="0"/>
+          </a:p>
+        </p:txBody>
+      </p:sp>
     </p:spTree>
     <p:extLst>
       <p:ext uri="{BB962C8B-B14F-4D97-AF65-F5344CB8AC3E}">
-        <p14:creationId xmlns:p14="http://schemas.microsoft.com/office/powerpoint/2010/main" val="372394686"/>
+        <p14:creationId xmlns:p14="http://schemas.microsoft.com/office/powerpoint/2010/main" val="1043788117"/>
       </p:ext>
     </p:extLst>
   </p:cSld>
@@ -4503,7 +12432,7 @@
         </p:spPr>
         <p:txBody>
           <a:bodyPr>
-            <a:normAutofit/>
+            <a:normAutofit lnSpcReduction="10000"/>
           </a:bodyPr>
           <a:lstStyle/>
           <a:p>
@@ -4535,6 +12464,21 @@
             </a:r>
           </a:p>
           <a:p>
+            <a:pPr lvl="1"/>
+            <a:r>
+              <a:rPr lang="en-US" dirty="0"/>
+              <a:t>Documents can be XML, HTML, text, JSON </a:t>
+            </a:r>
+            <a:r>
+              <a:rPr lang="en-US" dirty="0" err="1"/>
+              <a:t>oir</a:t>
+            </a:r>
+            <a:r>
+              <a:rPr lang="en-US" dirty="0"/>
+              <a:t> binary</a:t>
+            </a:r>
+          </a:p>
+          <a:p>
             <a:r>
               <a:rPr lang="en-US" dirty="0"/>
               <a:t>One input and one output port can be </a:t>
@@ -4545,7 +12489,23 @@
             </a:r>
             <a:r>
               <a:rPr lang="en-US" dirty="0"/>
-              <a:t>: These ports  automatically connect</a:t>
+              <a:t>: These ports  </a:t>
+            </a:r>
+            <a:r>
+              <a:rPr lang="en-US" i="1" dirty="0"/>
+              <a:t>implicitly</a:t>
+            </a:r>
+            <a:r>
+              <a:rPr lang="en-US" dirty="0"/>
+              <a:t> connect (unless </a:t>
+            </a:r>
+            <a:r>
+              <a:rPr lang="en-US" i="1" dirty="0"/>
+              <a:t>explicitly</a:t>
+            </a:r>
+            <a:r>
+              <a:rPr lang="en-US" dirty="0"/>
+              <a:t> connected)</a:t>
             </a:r>
           </a:p>
           <a:p>
@@ -4903,7 +12863,977 @@
 </p:sld>
 </file>
 
+<file path=ppt/slides/slide20.xml><?xml version="1.0" encoding="utf-8"?>
+<p:sld xmlns:a="http://schemas.openxmlformats.org/drawingml/2006/main" xmlns:r="http://schemas.openxmlformats.org/officeDocument/2006/relationships" xmlns:p="http://schemas.openxmlformats.org/presentationml/2006/main">
+  <p:cSld>
+    <p:spTree>
+      <p:nvGrpSpPr>
+        <p:cNvPr id="1" name=""/>
+        <p:cNvGrpSpPr/>
+        <p:nvPr/>
+      </p:nvGrpSpPr>
+      <p:grpSpPr>
+        <a:xfrm>
+          <a:off x="0" y="0"/>
+          <a:ext cx="0" cy="0"/>
+          <a:chOff x="0" y="0"/>
+          <a:chExt cx="0" cy="0"/>
+        </a:xfrm>
+      </p:grpSpPr>
+      <p:sp>
+        <p:nvSpPr>
+          <p:cNvPr id="2" name="Title 1">
+            <a:extLst>
+              <a:ext uri="{FF2B5EF4-FFF2-40B4-BE49-F238E27FC236}">
+                <a16:creationId xmlns:a16="http://schemas.microsoft.com/office/drawing/2014/main" id="{69C1F8C1-9C4C-4D54-8868-98D27E1594F0}"/>
+              </a:ext>
+            </a:extLst>
+          </p:cNvPr>
+          <p:cNvSpPr>
+            <a:spLocks noGrp="1"/>
+          </p:cNvSpPr>
+          <p:nvPr>
+            <p:ph type="title"/>
+          </p:nvPr>
+        </p:nvSpPr>
+        <p:spPr>
+          <a:xfrm>
+            <a:off x="199743" y="148699"/>
+            <a:ext cx="10515600" cy="868503"/>
+          </a:xfrm>
+        </p:spPr>
+        <p:txBody>
+          <a:bodyPr/>
+          <a:lstStyle/>
+          <a:p>
+            <a:r>
+              <a:rPr lang="en-US" b="1" dirty="0"/>
+              <a:t>Goodbye and thank the fish, again!</a:t>
+            </a:r>
+            <a:endParaRPr lang="en-NL" b="1" dirty="0"/>
+          </a:p>
+        </p:txBody>
+      </p:sp>
+      <p:sp>
+        <p:nvSpPr>
+          <p:cNvPr id="3" name="Content Placeholder 2">
+            <a:extLst>
+              <a:ext uri="{FF2B5EF4-FFF2-40B4-BE49-F238E27FC236}">
+                <a16:creationId xmlns:a16="http://schemas.microsoft.com/office/drawing/2014/main" id="{EB447546-94E1-423A-8164-617B557A77FC}"/>
+              </a:ext>
+            </a:extLst>
+          </p:cNvPr>
+          <p:cNvSpPr>
+            <a:spLocks noGrp="1"/>
+          </p:cNvSpPr>
+          <p:nvPr>
+            <p:ph idx="1"/>
+          </p:nvPr>
+        </p:nvSpPr>
+        <p:spPr>
+          <a:xfrm>
+            <a:off x="713755" y="1253331"/>
+            <a:ext cx="10515600" cy="5093362"/>
+          </a:xfrm>
+        </p:spPr>
+        <p:txBody>
+          <a:bodyPr>
+            <a:normAutofit/>
+          </a:bodyPr>
+          <a:lstStyle/>
+          <a:p>
+            <a:pPr marL="0" indent="0">
+              <a:buNone/>
+            </a:pPr>
+            <a:r>
+              <a:rPr lang="nl-NL" dirty="0" err="1"/>
+              <a:t>Your</a:t>
+            </a:r>
+            <a:r>
+              <a:rPr lang="nl-NL" dirty="0"/>
+              <a:t> guide </a:t>
+            </a:r>
+            <a:r>
+              <a:rPr lang="nl-NL" dirty="0" err="1"/>
+              <a:t>today</a:t>
+            </a:r>
+            <a:r>
+              <a:rPr lang="nl-NL" dirty="0"/>
+              <a:t>: Erik Siegel – </a:t>
+            </a:r>
+            <a:r>
+              <a:rPr lang="nl-NL" dirty="0">
+                <a:hlinkClick r:id="rId2"/>
+              </a:rPr>
+              <a:t>erik@xatapult.nl</a:t>
+            </a:r>
+            <a:endParaRPr lang="nl-NL" dirty="0"/>
+          </a:p>
+          <a:p>
+            <a:endParaRPr lang="nl-NL" dirty="0"/>
+          </a:p>
+          <a:p>
+            <a:pPr marL="0" indent="0">
+              <a:buNone/>
+            </a:pPr>
+            <a:r>
+              <a:rPr lang="nl-NL" dirty="0" err="1"/>
+              <a:t>Specification</a:t>
+            </a:r>
+            <a:r>
+              <a:rPr lang="nl-NL" dirty="0"/>
+              <a:t>: </a:t>
+            </a:r>
+            <a:r>
+              <a:rPr lang="en-GB" dirty="0">
+                <a:hlinkClick r:id="rId3"/>
+              </a:rPr>
+              <a:t>https://spec.xproc.org/</a:t>
+            </a:r>
+            <a:endParaRPr lang="en-GB" dirty="0"/>
+          </a:p>
+          <a:p>
+            <a:pPr marL="0" indent="0">
+              <a:buNone/>
+            </a:pPr>
+            <a:r>
+              <a:rPr lang="en-GB" dirty="0"/>
+              <a:t>Processors:</a:t>
+            </a:r>
+          </a:p>
+          <a:p>
+            <a:pPr lvl="1"/>
+            <a:r>
+              <a:rPr lang="en-GB" dirty="0"/>
+              <a:t>Morgana: </a:t>
+            </a:r>
+            <a:r>
+              <a:rPr lang="nl-NL" dirty="0">
+                <a:hlinkClick r:id="rId4"/>
+              </a:rPr>
+              <a:t>https://www.xml-project.com/</a:t>
+            </a:r>
+            <a:endParaRPr lang="nl-NL" dirty="0"/>
+          </a:p>
+          <a:p>
+            <a:pPr lvl="1"/>
+            <a:r>
+              <a:rPr lang="nl-NL" dirty="0" err="1"/>
+              <a:t>Calabash</a:t>
+            </a:r>
+            <a:r>
+              <a:rPr lang="nl-NL" dirty="0"/>
+              <a:t>: </a:t>
+            </a:r>
+            <a:r>
+              <a:rPr lang="en-GB" dirty="0">
+                <a:hlinkClick r:id="rId5"/>
+              </a:rPr>
+              <a:t>https://xmlcalabash.com/</a:t>
+            </a:r>
+            <a:endParaRPr lang="en-GB" dirty="0"/>
+          </a:p>
+          <a:p>
+            <a:pPr marL="0" indent="0">
+              <a:buNone/>
+            </a:pPr>
+            <a:r>
+              <a:rPr lang="en-GB" dirty="0"/>
+              <a:t>Articles on XProc: </a:t>
+            </a:r>
+            <a:r>
+              <a:rPr lang="en-GB" dirty="0">
+                <a:hlinkClick r:id="rId6"/>
+              </a:rPr>
+              <a:t>https://www.xml.com</a:t>
+            </a:r>
+            <a:endParaRPr lang="en-GB" dirty="0"/>
+          </a:p>
+          <a:p>
+            <a:pPr marL="0" indent="0">
+              <a:buNone/>
+            </a:pPr>
+            <a:r>
+              <a:rPr lang="en-GB" dirty="0"/>
+              <a:t>Book: </a:t>
+            </a:r>
+            <a:r>
+              <a:rPr lang="en-GB" dirty="0">
+                <a:hlinkClick r:id="rId7"/>
+              </a:rPr>
+              <a:t>https://xmlpress.net/publications/xproc-3-0/</a:t>
+            </a:r>
+            <a:endParaRPr lang="en-GB" dirty="0"/>
+          </a:p>
+        </p:txBody>
+      </p:sp>
+      <p:sp>
+        <p:nvSpPr>
+          <p:cNvPr id="4" name="Speech Bubble: Oval 3">
+            <a:extLst>
+              <a:ext uri="{FF2B5EF4-FFF2-40B4-BE49-F238E27FC236}">
+                <a16:creationId xmlns:a16="http://schemas.microsoft.com/office/drawing/2014/main" id="{75A921EF-31BA-4A7F-95D3-A57EFDE6D66D}"/>
+              </a:ext>
+            </a:extLst>
+          </p:cNvPr>
+          <p:cNvSpPr/>
+          <p:nvPr/>
+        </p:nvSpPr>
+        <p:spPr>
+          <a:xfrm>
+            <a:off x="7548663" y="1780162"/>
+            <a:ext cx="4364477" cy="2289242"/>
+          </a:xfrm>
+          <a:prstGeom prst="wedgeEllipseCallout">
+            <a:avLst>
+              <a:gd name="adj1" fmla="val 43251"/>
+              <a:gd name="adj2" fmla="val 159929"/>
+            </a:avLst>
+          </a:prstGeom>
+        </p:spPr>
+        <p:style>
+          <a:lnRef idx="2">
+            <a:schemeClr val="accent1">
+              <a:shade val="50000"/>
+            </a:schemeClr>
+          </a:lnRef>
+          <a:fillRef idx="1">
+            <a:schemeClr val="accent1"/>
+          </a:fillRef>
+          <a:effectRef idx="0">
+            <a:schemeClr val="accent1"/>
+          </a:effectRef>
+          <a:fontRef idx="minor">
+            <a:schemeClr val="lt1"/>
+          </a:fontRef>
+        </p:style>
+        <p:txBody>
+          <a:bodyPr rtlCol="0" anchor="ctr"/>
+          <a:lstStyle/>
+          <a:p>
+            <a:pPr algn="ctr"/>
+            <a:r>
+              <a:rPr lang="en-US" sz="2800" dirty="0"/>
+              <a:t>See you!</a:t>
+            </a:r>
+          </a:p>
+          <a:p>
+            <a:pPr algn="ctr"/>
+            <a:r>
+              <a:rPr lang="en-US" sz="2800" dirty="0"/>
+              <a:t>And remember, </a:t>
+            </a:r>
+            <a:r>
+              <a:rPr lang="en-US" sz="2800" dirty="0" err="1"/>
+              <a:t>Kanava</a:t>
+            </a:r>
+            <a:r>
+              <a:rPr lang="en-US" sz="2800" dirty="0"/>
+              <a:t> says: </a:t>
+            </a:r>
+          </a:p>
+          <a:p>
+            <a:pPr algn="ctr"/>
+            <a:r>
+              <a:rPr lang="en-US" sz="3200" b="1" i="1" dirty="0"/>
+              <a:t>XProc</a:t>
+            </a:r>
+            <a:r>
+              <a:rPr lang="en-US" sz="2800" b="1" i="1" dirty="0"/>
+              <a:t> </a:t>
+            </a:r>
+            <a:r>
+              <a:rPr lang="en-US" sz="3200" b="1" i="1" dirty="0"/>
+              <a:t>rocks…</a:t>
+            </a:r>
+            <a:r>
+              <a:rPr lang="en-US" sz="2800" b="1" i="1" dirty="0"/>
+              <a:t> </a:t>
+            </a:r>
+            <a:endParaRPr lang="en-NL" sz="2800" b="1" i="1" dirty="0"/>
+          </a:p>
+        </p:txBody>
+      </p:sp>
+    </p:spTree>
+    <p:extLst>
+      <p:ext uri="{BB962C8B-B14F-4D97-AF65-F5344CB8AC3E}">
+        <p14:creationId xmlns:p14="http://schemas.microsoft.com/office/powerpoint/2010/main" val="3036039419"/>
+      </p:ext>
+    </p:extLst>
+  </p:cSld>
+  <p:clrMapOvr>
+    <a:masterClrMapping/>
+  </p:clrMapOvr>
+  <p:timing>
+    <p:tnLst>
+      <p:par>
+        <p:cTn id="1" dur="indefinite" restart="never" nodeType="tmRoot">
+          <p:childTnLst>
+            <p:seq concurrent="1" nextAc="seek">
+              <p:cTn id="2" dur="indefinite" nodeType="mainSeq">
+                <p:childTnLst>
+                  <p:par>
+                    <p:cTn id="3" fill="hold">
+                      <p:stCondLst>
+                        <p:cond delay="indefinite"/>
+                        <p:cond evt="onBegin" delay="0">
+                          <p:tn val="2"/>
+                        </p:cond>
+                      </p:stCondLst>
+                      <p:childTnLst>
+                        <p:par>
+                          <p:cTn id="4" fill="hold">
+                            <p:stCondLst>
+                              <p:cond delay="0"/>
+                            </p:stCondLst>
+                            <p:childTnLst>
+                              <p:par>
+                                <p:cTn id="5" presetID="10" presetClass="entr" presetSubtype="0" fill="hold" grpId="0" nodeType="withEffect">
+                                  <p:stCondLst>
+                                    <p:cond delay="4000"/>
+                                  </p:stCondLst>
+                                  <p:childTnLst>
+                                    <p:set>
+                                      <p:cBhvr>
+                                        <p:cTn id="6" dur="1" fill="hold">
+                                          <p:stCondLst>
+                                            <p:cond delay="0"/>
+                                          </p:stCondLst>
+                                        </p:cTn>
+                                        <p:tgtEl>
+                                          <p:spTgt spid="4"/>
+                                        </p:tgtEl>
+                                        <p:attrNameLst>
+                                          <p:attrName>style.visibility</p:attrName>
+                                        </p:attrNameLst>
+                                      </p:cBhvr>
+                                      <p:to>
+                                        <p:strVal val="visible"/>
+                                      </p:to>
+                                    </p:set>
+                                    <p:animEffect transition="in" filter="fade">
+                                      <p:cBhvr>
+                                        <p:cTn id="7" dur="2000"/>
+                                        <p:tgtEl>
+                                          <p:spTgt spid="4"/>
+                                        </p:tgtEl>
+                                      </p:cBhvr>
+                                    </p:animEffect>
+                                  </p:childTnLst>
+                                </p:cTn>
+                              </p:par>
+                            </p:childTnLst>
+                          </p:cTn>
+                        </p:par>
+                      </p:childTnLst>
+                    </p:cTn>
+                  </p:par>
+                </p:childTnLst>
+              </p:cTn>
+              <p:prevCondLst>
+                <p:cond evt="onPrev" delay="0">
+                  <p:tgtEl>
+                    <p:sldTgt/>
+                  </p:tgtEl>
+                </p:cond>
+              </p:prevCondLst>
+              <p:nextCondLst>
+                <p:cond evt="onNext" delay="0">
+                  <p:tgtEl>
+                    <p:sldTgt/>
+                  </p:tgtEl>
+                </p:cond>
+              </p:nextCondLst>
+            </p:seq>
+          </p:childTnLst>
+        </p:cTn>
+      </p:par>
+    </p:tnLst>
+    <p:bldLst>
+      <p:bldP spid="4" grpId="0" animBg="1"/>
+    </p:bldLst>
+  </p:timing>
+</p:sld>
+</file>
+
+<file path=ppt/slides/slide21.xml><?xml version="1.0" encoding="utf-8"?>
+<p:sld xmlns:a="http://schemas.openxmlformats.org/drawingml/2006/main" xmlns:r="http://schemas.openxmlformats.org/officeDocument/2006/relationships" xmlns:p="http://schemas.openxmlformats.org/presentationml/2006/main">
+  <p:cSld>
+    <p:spTree>
+      <p:nvGrpSpPr>
+        <p:cNvPr id="1" name=""/>
+        <p:cNvGrpSpPr/>
+        <p:nvPr/>
+      </p:nvGrpSpPr>
+      <p:grpSpPr>
+        <a:xfrm>
+          <a:off x="0" y="0"/>
+          <a:ext cx="0" cy="0"/>
+          <a:chOff x="0" y="0"/>
+          <a:chExt cx="0" cy="0"/>
+        </a:xfrm>
+      </p:grpSpPr>
+      <p:sp>
+        <p:nvSpPr>
+          <p:cNvPr id="2" name="Title 1">
+            <a:extLst>
+              <a:ext uri="{FF2B5EF4-FFF2-40B4-BE49-F238E27FC236}">
+                <a16:creationId xmlns:a16="http://schemas.microsoft.com/office/drawing/2014/main" id="{9C7D9E39-AC31-4065-84F2-01C2DA93A3CD}"/>
+              </a:ext>
+            </a:extLst>
+          </p:cNvPr>
+          <p:cNvSpPr>
+            <a:spLocks noGrp="1"/>
+          </p:cNvSpPr>
+          <p:nvPr>
+            <p:ph type="title"/>
+          </p:nvPr>
+        </p:nvSpPr>
+        <p:spPr>
+          <a:xfrm>
+            <a:off x="561109" y="243732"/>
+            <a:ext cx="10515600" cy="948902"/>
+          </a:xfrm>
+        </p:spPr>
+        <p:txBody>
+          <a:bodyPr/>
+          <a:lstStyle/>
+          <a:p>
+            <a:r>
+              <a:rPr lang="en-US" b="1" dirty="0"/>
+              <a:t>Who Am I?</a:t>
+            </a:r>
+            <a:endParaRPr lang="en-NL" b="1" dirty="0"/>
+          </a:p>
+        </p:txBody>
+      </p:sp>
+      <p:sp>
+        <p:nvSpPr>
+          <p:cNvPr id="3" name="Content Placeholder 2">
+            <a:extLst>
+              <a:ext uri="{FF2B5EF4-FFF2-40B4-BE49-F238E27FC236}">
+                <a16:creationId xmlns:a16="http://schemas.microsoft.com/office/drawing/2014/main" id="{110338D2-8565-4AF9-91CE-CD583FB0EBFE}"/>
+              </a:ext>
+            </a:extLst>
+          </p:cNvPr>
+          <p:cNvSpPr>
+            <a:spLocks noGrp="1"/>
+          </p:cNvSpPr>
+          <p:nvPr>
+            <p:ph idx="1"/>
+          </p:nvPr>
+        </p:nvSpPr>
+        <p:spPr>
+          <a:xfrm>
+            <a:off x="397933" y="1314028"/>
+            <a:ext cx="7596140" cy="4351338"/>
+          </a:xfrm>
+        </p:spPr>
+        <p:txBody>
+          <a:bodyPr>
+            <a:normAutofit fontScale="85000" lnSpcReduction="20000"/>
+          </a:bodyPr>
+          <a:lstStyle/>
+          <a:p>
+            <a:r>
+              <a:rPr lang="en-US" dirty="0"/>
+              <a:t>Erik Siegel</a:t>
+            </a:r>
+          </a:p>
+          <a:p>
+            <a:r>
+              <a:rPr lang="en-US" dirty="0"/>
+              <a:t>Content Engineer, XML Specialist, Technical Writer</a:t>
+            </a:r>
+          </a:p>
+          <a:p>
+            <a:r>
+              <a:rPr lang="en-US" dirty="0"/>
+              <a:t>Company: Xatapult</a:t>
+            </a:r>
+          </a:p>
+          <a:p>
+            <a:pPr lvl="1"/>
+            <a:r>
+              <a:rPr lang="en-US" dirty="0"/>
+              <a:t>Groningen, The Netherlands</a:t>
+            </a:r>
+          </a:p>
+          <a:p>
+            <a:pPr lvl="1"/>
+            <a:r>
+              <a:rPr lang="en-US" dirty="0"/>
+              <a:t>Customers mostly in publishing and standardization</a:t>
+            </a:r>
+          </a:p>
+          <a:p>
+            <a:r>
+              <a:rPr lang="en-US" dirty="0"/>
+              <a:t>Part of the XProc 3.0 editing committee</a:t>
+            </a:r>
+          </a:p>
+          <a:p>
+            <a:r>
+              <a:rPr lang="en-US" dirty="0"/>
+              <a:t>Writer of the XProc 3.0 Programmer Reference</a:t>
+            </a:r>
+          </a:p>
+          <a:p>
+            <a:r>
+              <a:rPr lang="en-US" dirty="0"/>
+              <a:t>Contact:</a:t>
+            </a:r>
+          </a:p>
+          <a:p>
+            <a:pPr marL="457200" lvl="1" indent="0">
+              <a:lnSpc>
+                <a:spcPct val="120000"/>
+              </a:lnSpc>
+              <a:buNone/>
+            </a:pPr>
+            <a:r>
+              <a:rPr lang="en-US" dirty="0">
+                <a:hlinkClick r:id="rId2"/>
+              </a:rPr>
+              <a:t>erik@xatapult.nl</a:t>
+            </a:r>
+            <a:br>
+              <a:rPr lang="en-US" dirty="0"/>
+            </a:br>
+            <a:r>
+              <a:rPr lang="en-US" dirty="0">
+                <a:hlinkClick r:id="rId3"/>
+              </a:rPr>
+              <a:t>www.xatapult.com</a:t>
+            </a:r>
+            <a:br>
+              <a:rPr lang="en-US" dirty="0"/>
+            </a:br>
+            <a:r>
+              <a:rPr lang="nl-NL" dirty="0">
+                <a:hlinkClick r:id="rId4"/>
+              </a:rPr>
+              <a:t>www.linkedin.com/in/esiegel/</a:t>
+            </a:r>
+            <a:br>
+              <a:rPr lang="en-US" dirty="0"/>
+            </a:br>
+            <a:r>
+              <a:rPr lang="en-US" sz="2200" dirty="0"/>
+              <a:t>+31 6 53260792</a:t>
+            </a:r>
+            <a:endParaRPr lang="en-NL" dirty="0"/>
+          </a:p>
+        </p:txBody>
+      </p:sp>
+      <p:pic>
+        <p:nvPicPr>
+          <p:cNvPr id="5" name="Picture 4" descr="A picture containing person, tree, outdoor, plant&#10;&#10;Description automatically generated">
+            <a:extLst>
+              <a:ext uri="{FF2B5EF4-FFF2-40B4-BE49-F238E27FC236}">
+                <a16:creationId xmlns:a16="http://schemas.microsoft.com/office/drawing/2014/main" id="{3FF018FF-B684-4C34-8584-00C9F7DBB523}"/>
+              </a:ext>
+            </a:extLst>
+          </p:cNvPr>
+          <p:cNvPicPr>
+            <a:picLocks noChangeAspect="1"/>
+          </p:cNvPicPr>
+          <p:nvPr/>
+        </p:nvPicPr>
+        <p:blipFill>
+          <a:blip r:embed="rId5">
+            <a:extLst>
+              <a:ext uri="{28A0092B-C50C-407E-A947-70E740481C1C}">
+                <a14:useLocalDpi xmlns:a14="http://schemas.microsoft.com/office/drawing/2010/main" val="0"/>
+              </a:ext>
+            </a:extLst>
+          </a:blip>
+          <a:stretch>
+            <a:fillRect/>
+          </a:stretch>
+        </p:blipFill>
+        <p:spPr>
+          <a:xfrm rot="5400000">
+            <a:off x="9123217" y="683781"/>
+            <a:ext cx="2549239" cy="1911929"/>
+          </a:xfrm>
+          <a:prstGeom prst="rect">
+            <a:avLst/>
+          </a:prstGeom>
+          <a:ln>
+            <a:noFill/>
+          </a:ln>
+          <a:effectLst>
+            <a:softEdge rad="112500"/>
+          </a:effectLst>
+        </p:spPr>
+      </p:pic>
+      <p:pic>
+        <p:nvPicPr>
+          <p:cNvPr id="6" name="Picture 5" descr="A close up of a logo&#10;&#10;Description automatically generated">
+            <a:extLst>
+              <a:ext uri="{FF2B5EF4-FFF2-40B4-BE49-F238E27FC236}">
+                <a16:creationId xmlns:a16="http://schemas.microsoft.com/office/drawing/2014/main" id="{AA48229B-4A12-469F-8AC5-7A2676886746}"/>
+              </a:ext>
+            </a:extLst>
+          </p:cNvPr>
+          <p:cNvPicPr>
+            <a:picLocks noChangeAspect="1"/>
+          </p:cNvPicPr>
+          <p:nvPr/>
+        </p:nvPicPr>
+        <p:blipFill>
+          <a:blip r:embed="rId6">
+            <a:extLst>
+              <a:ext uri="{28A0092B-C50C-407E-A947-70E740481C1C}">
+                <a14:useLocalDpi xmlns:a14="http://schemas.microsoft.com/office/drawing/2010/main" val="0"/>
+              </a:ext>
+            </a:extLst>
+          </a:blip>
+          <a:stretch>
+            <a:fillRect/>
+          </a:stretch>
+        </p:blipFill>
+        <p:spPr>
+          <a:xfrm rot="1067824">
+            <a:off x="7246928" y="2925754"/>
+            <a:ext cx="3638738" cy="3831804"/>
+          </a:xfrm>
+          <a:prstGeom prst="rect">
+            <a:avLst/>
+          </a:prstGeom>
+        </p:spPr>
+      </p:pic>
+    </p:spTree>
+    <p:extLst>
+      <p:ext uri="{BB962C8B-B14F-4D97-AF65-F5344CB8AC3E}">
+        <p14:creationId xmlns:p14="http://schemas.microsoft.com/office/powerpoint/2010/main" val="372394686"/>
+      </p:ext>
+    </p:extLst>
+  </p:cSld>
+  <p:clrMapOvr>
+    <a:masterClrMapping/>
+  </p:clrMapOvr>
+</p:sld>
+</file>
+
 <file path=ppt/slides/slide3.xml><?xml version="1.0" encoding="utf-8"?>
+<p:sld xmlns:a="http://schemas.openxmlformats.org/drawingml/2006/main" xmlns:r="http://schemas.openxmlformats.org/officeDocument/2006/relationships" xmlns:p="http://schemas.openxmlformats.org/presentationml/2006/main">
+  <p:cSld>
+    <p:spTree>
+      <p:nvGrpSpPr>
+        <p:cNvPr id="1" name=""/>
+        <p:cNvGrpSpPr/>
+        <p:nvPr/>
+      </p:nvGrpSpPr>
+      <p:grpSpPr>
+        <a:xfrm>
+          <a:off x="0" y="0"/>
+          <a:ext cx="0" cy="0"/>
+          <a:chOff x="0" y="0"/>
+          <a:chExt cx="0" cy="0"/>
+        </a:xfrm>
+      </p:grpSpPr>
+      <p:sp>
+        <p:nvSpPr>
+          <p:cNvPr id="2" name="Title 1">
+            <a:extLst>
+              <a:ext uri="{FF2B5EF4-FFF2-40B4-BE49-F238E27FC236}">
+                <a16:creationId xmlns:a16="http://schemas.microsoft.com/office/drawing/2014/main" id="{DFC4706B-E382-4329-A2C6-823C6039E4CA}"/>
+              </a:ext>
+            </a:extLst>
+          </p:cNvPr>
+          <p:cNvSpPr>
+            <a:spLocks noGrp="1"/>
+          </p:cNvSpPr>
+          <p:nvPr>
+            <p:ph type="title"/>
+          </p:nvPr>
+        </p:nvSpPr>
+        <p:spPr/>
+        <p:txBody>
+          <a:bodyPr/>
+          <a:lstStyle/>
+          <a:p>
+            <a:r>
+              <a:rPr lang="en-US" dirty="0"/>
+              <a:t>What are we going to do today?</a:t>
+            </a:r>
+            <a:endParaRPr lang="en-GB" dirty="0"/>
+          </a:p>
+        </p:txBody>
+      </p:sp>
+      <p:sp>
+        <p:nvSpPr>
+          <p:cNvPr id="3" name="Content Placeholder 2">
+            <a:extLst>
+              <a:ext uri="{FF2B5EF4-FFF2-40B4-BE49-F238E27FC236}">
+                <a16:creationId xmlns:a16="http://schemas.microsoft.com/office/drawing/2014/main" id="{A89F7EFC-5630-4142-AB25-C404D7629A8E}"/>
+              </a:ext>
+            </a:extLst>
+          </p:cNvPr>
+          <p:cNvSpPr>
+            <a:spLocks noGrp="1"/>
+          </p:cNvSpPr>
+          <p:nvPr>
+            <p:ph idx="1"/>
+          </p:nvPr>
+        </p:nvSpPr>
+        <p:spPr/>
+        <p:txBody>
+          <a:bodyPr/>
+          <a:lstStyle/>
+          <a:p>
+            <a:r>
+              <a:rPr lang="en-US" dirty="0"/>
+              <a:t>Revisit options</a:t>
+            </a:r>
+          </a:p>
+          <a:p>
+            <a:pPr lvl="1"/>
+            <a:r>
+              <a:rPr lang="en-US" dirty="0"/>
+              <a:t>Setting option with attributes or </a:t>
+            </a:r>
+            <a:r>
+              <a:rPr lang="en-US" b="1" dirty="0">
+                <a:latin typeface="Courier New" panose="02070309020205020404" pitchFamily="49" charset="0"/>
+                <a:cs typeface="Courier New" panose="02070309020205020404" pitchFamily="49" charset="0"/>
+              </a:rPr>
+              <a:t>&lt;</a:t>
+            </a:r>
+            <a:r>
+              <a:rPr lang="en-US" b="1" dirty="0" err="1">
+                <a:latin typeface="Courier New" panose="02070309020205020404" pitchFamily="49" charset="0"/>
+                <a:cs typeface="Courier New" panose="02070309020205020404" pitchFamily="49" charset="0"/>
+              </a:rPr>
+              <a:t>p:with-option</a:t>
+            </a:r>
+            <a:r>
+              <a:rPr lang="en-US" b="1" dirty="0">
+                <a:latin typeface="Courier New" panose="02070309020205020404" pitchFamily="49" charset="0"/>
+                <a:cs typeface="Courier New" panose="02070309020205020404" pitchFamily="49" charset="0"/>
+              </a:rPr>
+              <a:t>&gt;</a:t>
+            </a:r>
+          </a:p>
+          <a:p>
+            <a:r>
+              <a:rPr lang="en-US" dirty="0"/>
+              <a:t>Variables</a:t>
+            </a:r>
+          </a:p>
+          <a:p>
+            <a:pPr lvl="1"/>
+            <a:r>
+              <a:rPr lang="en-US" dirty="0"/>
+              <a:t>How to create, how to use</a:t>
+            </a:r>
+          </a:p>
+          <a:p>
+            <a:r>
+              <a:rPr lang="en-US" dirty="0"/>
+              <a:t>Core (or Compound) steps</a:t>
+            </a:r>
+          </a:p>
+          <a:p>
+            <a:pPr lvl="1"/>
+            <a:r>
+              <a:rPr lang="en-US" dirty="0"/>
+              <a:t>Show example of multiple document handling using </a:t>
+            </a:r>
+            <a:r>
+              <a:rPr lang="en-US" b="1" dirty="0">
+                <a:latin typeface="Courier New" panose="02070309020205020404" pitchFamily="49" charset="0"/>
+                <a:cs typeface="Courier New" panose="02070309020205020404" pitchFamily="49" charset="0"/>
+              </a:rPr>
+              <a:t>&lt;</a:t>
+            </a:r>
+            <a:r>
+              <a:rPr lang="en-US" b="1" dirty="0" err="1">
+                <a:latin typeface="Courier New" panose="02070309020205020404" pitchFamily="49" charset="0"/>
+                <a:cs typeface="Courier New" panose="02070309020205020404" pitchFamily="49" charset="0"/>
+              </a:rPr>
+              <a:t>p:for-each</a:t>
+            </a:r>
+            <a:r>
+              <a:rPr lang="en-US" b="1" dirty="0">
+                <a:latin typeface="Courier New" panose="02070309020205020404" pitchFamily="49" charset="0"/>
+                <a:cs typeface="Courier New" panose="02070309020205020404" pitchFamily="49" charset="0"/>
+              </a:rPr>
+              <a:t>&gt;</a:t>
+            </a:r>
+            <a:endParaRPr lang="en-GB" b="1" dirty="0">
+              <a:latin typeface="Courier New" panose="02070309020205020404" pitchFamily="49" charset="0"/>
+              <a:cs typeface="Courier New" panose="02070309020205020404" pitchFamily="49" charset="0"/>
+            </a:endParaRPr>
+          </a:p>
+        </p:txBody>
+      </p:sp>
+      <p:sp>
+        <p:nvSpPr>
+          <p:cNvPr id="4" name="Speech Bubble: Oval 3">
+            <a:extLst>
+              <a:ext uri="{FF2B5EF4-FFF2-40B4-BE49-F238E27FC236}">
+                <a16:creationId xmlns:a16="http://schemas.microsoft.com/office/drawing/2014/main" id="{500C845B-0D97-4E2B-9A04-4B651A7FE826}"/>
+              </a:ext>
+            </a:extLst>
+          </p:cNvPr>
+          <p:cNvSpPr/>
+          <p:nvPr/>
+        </p:nvSpPr>
+        <p:spPr>
+          <a:xfrm>
+            <a:off x="5648528" y="5693923"/>
+            <a:ext cx="4925437" cy="692656"/>
+          </a:xfrm>
+          <a:prstGeom prst="wedgeEllipseCallout">
+            <a:avLst>
+              <a:gd name="adj1" fmla="val 70209"/>
+              <a:gd name="adj2" fmla="val 81854"/>
+            </a:avLst>
+          </a:prstGeom>
+        </p:spPr>
+        <p:style>
+          <a:lnRef idx="2">
+            <a:schemeClr val="accent1">
+              <a:shade val="50000"/>
+            </a:schemeClr>
+          </a:lnRef>
+          <a:fillRef idx="1">
+            <a:schemeClr val="accent1"/>
+          </a:fillRef>
+          <a:effectRef idx="0">
+            <a:schemeClr val="accent1"/>
+          </a:effectRef>
+          <a:fontRef idx="minor">
+            <a:schemeClr val="lt1"/>
+          </a:fontRef>
+        </p:style>
+        <p:txBody>
+          <a:bodyPr rtlCol="0" anchor="ctr"/>
+          <a:lstStyle/>
+          <a:p>
+            <a:pPr algn="ctr"/>
+            <a:r>
+              <a:rPr lang="en-US" sz="2000" dirty="0"/>
+              <a:t>Sounds </a:t>
+            </a:r>
+            <a:r>
+              <a:rPr lang="en-US" sz="2000" dirty="0" err="1"/>
+              <a:t>kinda</a:t>
+            </a:r>
+            <a:r>
+              <a:rPr lang="en-US" sz="2000" dirty="0"/>
+              <a:t> interesting, tell me more!</a:t>
+            </a:r>
+            <a:endParaRPr lang="en-NL" sz="2000" b="1" i="1" dirty="0"/>
+          </a:p>
+        </p:txBody>
+      </p:sp>
+    </p:spTree>
+    <p:extLst>
+      <p:ext uri="{BB962C8B-B14F-4D97-AF65-F5344CB8AC3E}">
+        <p14:creationId xmlns:p14="http://schemas.microsoft.com/office/powerpoint/2010/main" val="2256169670"/>
+      </p:ext>
+    </p:extLst>
+  </p:cSld>
+  <p:clrMapOvr>
+    <a:masterClrMapping/>
+  </p:clrMapOvr>
+  <p:timing>
+    <p:tnLst>
+      <p:par>
+        <p:cTn id="1" dur="indefinite" restart="never" nodeType="tmRoot">
+          <p:childTnLst>
+            <p:seq concurrent="1" nextAc="seek">
+              <p:cTn id="2" dur="indefinite" nodeType="mainSeq">
+                <p:childTnLst>
+                  <p:par>
+                    <p:cTn id="3" fill="hold">
+                      <p:stCondLst>
+                        <p:cond delay="indefinite"/>
+                        <p:cond evt="onBegin" delay="0">
+                          <p:tn val="2"/>
+                        </p:cond>
+                      </p:stCondLst>
+                      <p:childTnLst>
+                        <p:par>
+                          <p:cTn id="4" fill="hold">
+                            <p:stCondLst>
+                              <p:cond delay="0"/>
+                            </p:stCondLst>
+                            <p:childTnLst>
+                              <p:par>
+                                <p:cTn id="5" presetID="10" presetClass="entr" presetSubtype="0" fill="hold" grpId="0" nodeType="withEffect">
+                                  <p:stCondLst>
+                                    <p:cond delay="4000"/>
+                                  </p:stCondLst>
+                                  <p:childTnLst>
+                                    <p:set>
+                                      <p:cBhvr>
+                                        <p:cTn id="6" dur="1" fill="hold">
+                                          <p:stCondLst>
+                                            <p:cond delay="0"/>
+                                          </p:stCondLst>
+                                        </p:cTn>
+                                        <p:tgtEl>
+                                          <p:spTgt spid="4"/>
+                                        </p:tgtEl>
+                                        <p:attrNameLst>
+                                          <p:attrName>style.visibility</p:attrName>
+                                        </p:attrNameLst>
+                                      </p:cBhvr>
+                                      <p:to>
+                                        <p:strVal val="visible"/>
+                                      </p:to>
+                                    </p:set>
+                                    <p:animEffect transition="in" filter="fade">
+                                      <p:cBhvr>
+                                        <p:cTn id="7" dur="2000"/>
+                                        <p:tgtEl>
+                                          <p:spTgt spid="4"/>
+                                        </p:tgtEl>
+                                      </p:cBhvr>
+                                    </p:animEffect>
+                                  </p:childTnLst>
+                                </p:cTn>
+                              </p:par>
+                            </p:childTnLst>
+                          </p:cTn>
+                        </p:par>
+                      </p:childTnLst>
+                    </p:cTn>
+                  </p:par>
+                </p:childTnLst>
+              </p:cTn>
+              <p:prevCondLst>
+                <p:cond evt="onPrev" delay="0">
+                  <p:tgtEl>
+                    <p:sldTgt/>
+                  </p:tgtEl>
+                </p:cond>
+              </p:prevCondLst>
+              <p:nextCondLst>
+                <p:cond evt="onNext" delay="0">
+                  <p:tgtEl>
+                    <p:sldTgt/>
+                  </p:tgtEl>
+                </p:cond>
+              </p:nextCondLst>
+            </p:seq>
+          </p:childTnLst>
+        </p:cTn>
+      </p:par>
+    </p:tnLst>
+    <p:bldLst>
+      <p:bldP spid="4" grpId="0" animBg="1"/>
+    </p:bldLst>
+  </p:timing>
+</p:sld>
+</file>
+
+<file path=ppt/slides/slide4.xml><?xml version="1.0" encoding="utf-8"?>
 <p:sld xmlns:a="http://schemas.openxmlformats.org/drawingml/2006/main" xmlns:r="http://schemas.openxmlformats.org/officeDocument/2006/relationships" xmlns:p="http://schemas.openxmlformats.org/presentationml/2006/main">
   <p:cSld>
     <p:spTree>
@@ -5884,7 +14814,7 @@
 </p:sld>
 </file>
 
-<file path=ppt/slides/slide4.xml><?xml version="1.0" encoding="utf-8"?>
+<file path=ppt/slides/slide5.xml><?xml version="1.0" encoding="utf-8"?>
 <p:sld xmlns:a="http://schemas.openxmlformats.org/drawingml/2006/main" xmlns:r="http://schemas.openxmlformats.org/officeDocument/2006/relationships" xmlns:p="http://schemas.openxmlformats.org/presentationml/2006/main">
   <p:cSld>
     <p:spTree>
@@ -6201,7 +15131,7 @@
                 <a:latin typeface="Courier New" panose="02070309020205020404" pitchFamily="49" charset="0"/>
                 <a:cs typeface="Courier New" panose="02070309020205020404" pitchFamily="49" charset="0"/>
               </a:rPr>
-              <a:t>’}“</a:t>
+              <a:t>’}"</a:t>
             </a:r>
             <a:r>
               <a:rPr lang="en-US" b="1" dirty="0">
@@ -6209,12 +15139,6 @@
                 <a:cs typeface="Courier New" panose="02070309020205020404" pitchFamily="49" charset="0"/>
               </a:rPr>
               <a:t> …</a:t>
-            </a:r>
-          </a:p>
-          <a:p>
-            <a:r>
-              <a:rPr lang="en-US" dirty="0"/>
-              <a:t>It’s syntactic sugar…</a:t>
             </a:r>
           </a:p>
         </p:txBody>
@@ -6232,7 +15156,7 @@
 </p:sld>
 </file>
 
-<file path=ppt/slides/slide5.xml><?xml version="1.0" encoding="utf-8"?>
+<file path=ppt/slides/slide6.xml><?xml version="1.0" encoding="utf-8"?>
 <p:sld xmlns:a="http://schemas.openxmlformats.org/drawingml/2006/main" xmlns:r="http://schemas.openxmlformats.org/officeDocument/2006/relationships" xmlns:p="http://schemas.openxmlformats.org/presentationml/2006/main">
   <p:cSld>
     <p:spTree>
@@ -6670,7 +15594,7 @@
 </p:sld>
 </file>
 
-<file path=ppt/slides/slide6.xml><?xml version="1.0" encoding="utf-8"?>
+<file path=ppt/slides/slide7.xml><?xml version="1.0" encoding="utf-8"?>
 <p:sld xmlns:a="http://schemas.openxmlformats.org/drawingml/2006/main" xmlns:r="http://schemas.openxmlformats.org/officeDocument/2006/relationships" xmlns:p="http://schemas.openxmlformats.org/presentationml/2006/main">
   <p:cSld>
     <p:spTree>
@@ -7087,7 +16011,7 @@
 </p:sld>
 </file>
 
-<file path=ppt/slides/slide7.xml><?xml version="1.0" encoding="utf-8"?>
+<file path=ppt/slides/slide8.xml><?xml version="1.0" encoding="utf-8"?>
 <p:sld xmlns:a="http://schemas.openxmlformats.org/drawingml/2006/main" xmlns:r="http://schemas.openxmlformats.org/officeDocument/2006/relationships" xmlns:p="http://schemas.openxmlformats.org/presentationml/2006/main">
   <p:cSld>
     <p:spTree>
@@ -7699,7 +16623,7 @@
 </p:sld>
 </file>
 
-<file path=ppt/slides/slide8.xml><?xml version="1.0" encoding="utf-8"?>
+<file path=ppt/slides/slide9.xml><?xml version="1.0" encoding="utf-8"?>
 <p:sld xmlns:a="http://schemas.openxmlformats.org/drawingml/2006/main" xmlns:r="http://schemas.openxmlformats.org/officeDocument/2006/relationships" xmlns:p="http://schemas.openxmlformats.org/presentationml/2006/main">
   <p:cSld>
     <p:spTree>
@@ -8137,403 +17061,6 @@
     </p:tnLst>
     <p:bldLst>
       <p:bldP spid="5" grpId="0" animBg="1"/>
-    </p:bldLst>
-  </p:timing>
-</p:sld>
-</file>
-
-<file path=ppt/slides/slide9.xml><?xml version="1.0" encoding="utf-8"?>
-<p:sld xmlns:a="http://schemas.openxmlformats.org/drawingml/2006/main" xmlns:r="http://schemas.openxmlformats.org/officeDocument/2006/relationships" xmlns:p="http://schemas.openxmlformats.org/presentationml/2006/main">
-  <p:cSld>
-    <p:spTree>
-      <p:nvGrpSpPr>
-        <p:cNvPr id="1" name=""/>
-        <p:cNvGrpSpPr/>
-        <p:nvPr/>
-      </p:nvGrpSpPr>
-      <p:grpSpPr>
-        <a:xfrm>
-          <a:off x="0" y="0"/>
-          <a:ext cx="0" cy="0"/>
-          <a:chOff x="0" y="0"/>
-          <a:chExt cx="0" cy="0"/>
-        </a:xfrm>
-      </p:grpSpPr>
-      <p:sp>
-        <p:nvSpPr>
-          <p:cNvPr id="2" name="Title 1">
-            <a:extLst>
-              <a:ext uri="{FF2B5EF4-FFF2-40B4-BE49-F238E27FC236}">
-                <a16:creationId xmlns:a16="http://schemas.microsoft.com/office/drawing/2014/main" id="{69C1F8C1-9C4C-4D54-8868-98D27E1594F0}"/>
-              </a:ext>
-            </a:extLst>
-          </p:cNvPr>
-          <p:cNvSpPr>
-            <a:spLocks noGrp="1"/>
-          </p:cNvSpPr>
-          <p:nvPr>
-            <p:ph type="title"/>
-          </p:nvPr>
-        </p:nvSpPr>
-        <p:spPr>
-          <a:xfrm>
-            <a:off x="199743" y="148699"/>
-            <a:ext cx="10515600" cy="868503"/>
-          </a:xfrm>
-        </p:spPr>
-        <p:txBody>
-          <a:bodyPr/>
-          <a:lstStyle/>
-          <a:p>
-            <a:r>
-              <a:rPr lang="en-US" b="1" dirty="0"/>
-              <a:t>Goodbye and thank the </a:t>
-            </a:r>
-            <a:r>
-              <a:rPr lang="en-US" b="1"/>
-              <a:t>fish again!</a:t>
-            </a:r>
-            <a:endParaRPr lang="en-NL" b="1" dirty="0"/>
-          </a:p>
-        </p:txBody>
-      </p:sp>
-      <p:sp>
-        <p:nvSpPr>
-          <p:cNvPr id="3" name="Content Placeholder 2">
-            <a:extLst>
-              <a:ext uri="{FF2B5EF4-FFF2-40B4-BE49-F238E27FC236}">
-                <a16:creationId xmlns:a16="http://schemas.microsoft.com/office/drawing/2014/main" id="{EB447546-94E1-423A-8164-617B557A77FC}"/>
-              </a:ext>
-            </a:extLst>
-          </p:cNvPr>
-          <p:cNvSpPr>
-            <a:spLocks noGrp="1"/>
-          </p:cNvSpPr>
-          <p:nvPr>
-            <p:ph idx="1"/>
-          </p:nvPr>
-        </p:nvSpPr>
-        <p:spPr>
-          <a:xfrm>
-            <a:off x="713755" y="1253331"/>
-            <a:ext cx="10515600" cy="5093362"/>
-          </a:xfrm>
-        </p:spPr>
-        <p:txBody>
-          <a:bodyPr>
-            <a:normAutofit/>
-          </a:bodyPr>
-          <a:lstStyle/>
-          <a:p>
-            <a:pPr marL="0" indent="0">
-              <a:buNone/>
-            </a:pPr>
-            <a:r>
-              <a:rPr lang="nl-NL" dirty="0" err="1"/>
-              <a:t>Your</a:t>
-            </a:r>
-            <a:r>
-              <a:rPr lang="nl-NL" dirty="0"/>
-              <a:t> guide </a:t>
-            </a:r>
-            <a:r>
-              <a:rPr lang="nl-NL" dirty="0" err="1"/>
-              <a:t>today</a:t>
-            </a:r>
-            <a:r>
-              <a:rPr lang="nl-NL" dirty="0"/>
-              <a:t>: Erik Siegel – </a:t>
-            </a:r>
-            <a:r>
-              <a:rPr lang="nl-NL" dirty="0">
-                <a:hlinkClick r:id="rId2"/>
-              </a:rPr>
-              <a:t>erik@xatapult.nl</a:t>
-            </a:r>
-            <a:endParaRPr lang="nl-NL" dirty="0"/>
-          </a:p>
-          <a:p>
-            <a:endParaRPr lang="nl-NL" dirty="0"/>
-          </a:p>
-          <a:p>
-            <a:pPr marL="0" indent="0">
-              <a:buNone/>
-            </a:pPr>
-            <a:r>
-              <a:rPr lang="nl-NL" dirty="0" err="1"/>
-              <a:t>Specification</a:t>
-            </a:r>
-            <a:r>
-              <a:rPr lang="nl-NL" dirty="0"/>
-              <a:t>: </a:t>
-            </a:r>
-            <a:r>
-              <a:rPr lang="en-GB" dirty="0">
-                <a:hlinkClick r:id="rId3"/>
-              </a:rPr>
-              <a:t>https://spec.xproc.org/</a:t>
-            </a:r>
-            <a:endParaRPr lang="en-GB" dirty="0"/>
-          </a:p>
-          <a:p>
-            <a:pPr marL="0" indent="0">
-              <a:buNone/>
-            </a:pPr>
-            <a:r>
-              <a:rPr lang="en-GB" dirty="0"/>
-              <a:t>Processors:</a:t>
-            </a:r>
-          </a:p>
-          <a:p>
-            <a:pPr lvl="1"/>
-            <a:r>
-              <a:rPr lang="en-GB" dirty="0"/>
-              <a:t>Morgana: </a:t>
-            </a:r>
-            <a:r>
-              <a:rPr lang="nl-NL" dirty="0">
-                <a:hlinkClick r:id="rId4"/>
-              </a:rPr>
-              <a:t>https://www.xml-project.com/</a:t>
-            </a:r>
-            <a:endParaRPr lang="nl-NL" dirty="0"/>
-          </a:p>
-          <a:p>
-            <a:pPr lvl="1"/>
-            <a:r>
-              <a:rPr lang="nl-NL" dirty="0" err="1"/>
-              <a:t>Calabash</a:t>
-            </a:r>
-            <a:r>
-              <a:rPr lang="nl-NL" dirty="0"/>
-              <a:t>: </a:t>
-            </a:r>
-            <a:r>
-              <a:rPr lang="en-GB" dirty="0">
-                <a:hlinkClick r:id="rId5"/>
-              </a:rPr>
-              <a:t>https://xmlcalabash.com/</a:t>
-            </a:r>
-            <a:endParaRPr lang="en-GB" dirty="0"/>
-          </a:p>
-          <a:p>
-            <a:pPr marL="0" indent="0">
-              <a:buNone/>
-            </a:pPr>
-            <a:r>
-              <a:rPr lang="en-GB" dirty="0"/>
-              <a:t>Articles on XProc: </a:t>
-            </a:r>
-            <a:r>
-              <a:rPr lang="en-GB" dirty="0">
-                <a:hlinkClick r:id="rId6"/>
-              </a:rPr>
-              <a:t>https://www.xml.com</a:t>
-            </a:r>
-            <a:endParaRPr lang="en-GB" dirty="0"/>
-          </a:p>
-          <a:p>
-            <a:pPr marL="0" indent="0">
-              <a:buNone/>
-            </a:pPr>
-            <a:r>
-              <a:rPr lang="en-GB" dirty="0"/>
-              <a:t>Book: </a:t>
-            </a:r>
-            <a:r>
-              <a:rPr lang="en-GB" dirty="0">
-                <a:hlinkClick r:id="rId7"/>
-              </a:rPr>
-              <a:t>https://xmlpress.net/publications/xproc-3-0/</a:t>
-            </a:r>
-            <a:endParaRPr lang="en-GB" dirty="0"/>
-          </a:p>
-        </p:txBody>
-      </p:sp>
-      <p:sp>
-        <p:nvSpPr>
-          <p:cNvPr id="4" name="Speech Bubble: Oval 3">
-            <a:extLst>
-              <a:ext uri="{FF2B5EF4-FFF2-40B4-BE49-F238E27FC236}">
-                <a16:creationId xmlns:a16="http://schemas.microsoft.com/office/drawing/2014/main" id="{75A921EF-31BA-4A7F-95D3-A57EFDE6D66D}"/>
-              </a:ext>
-            </a:extLst>
-          </p:cNvPr>
-          <p:cNvSpPr/>
-          <p:nvPr/>
-        </p:nvSpPr>
-        <p:spPr>
-          <a:xfrm>
-            <a:off x="7548663" y="1780162"/>
-            <a:ext cx="4364477" cy="2289242"/>
-          </a:xfrm>
-          <a:prstGeom prst="wedgeEllipseCallout">
-            <a:avLst>
-              <a:gd name="adj1" fmla="val 43251"/>
-              <a:gd name="adj2" fmla="val 159929"/>
-            </a:avLst>
-          </a:prstGeom>
-        </p:spPr>
-        <p:style>
-          <a:lnRef idx="2">
-            <a:schemeClr val="accent1">
-              <a:shade val="50000"/>
-            </a:schemeClr>
-          </a:lnRef>
-          <a:fillRef idx="1">
-            <a:schemeClr val="accent1"/>
-          </a:fillRef>
-          <a:effectRef idx="0">
-            <a:schemeClr val="accent1"/>
-          </a:effectRef>
-          <a:fontRef idx="minor">
-            <a:schemeClr val="lt1"/>
-          </a:fontRef>
-        </p:style>
-        <p:txBody>
-          <a:bodyPr rtlCol="0" anchor="ctr"/>
-          <a:lstStyle/>
-          <a:p>
-            <a:pPr algn="ctr"/>
-            <a:r>
-              <a:rPr lang="en-US" sz="2800" dirty="0"/>
-              <a:t>See you!</a:t>
-            </a:r>
-          </a:p>
-          <a:p>
-            <a:pPr algn="ctr"/>
-            <a:r>
-              <a:rPr lang="en-US" sz="2800" dirty="0"/>
-              <a:t>And remember, </a:t>
-            </a:r>
-            <a:r>
-              <a:rPr lang="en-US" sz="2800" dirty="0" err="1"/>
-              <a:t>Kanava</a:t>
-            </a:r>
-            <a:r>
-              <a:rPr lang="en-US" sz="2800" dirty="0"/>
-              <a:t> says: </a:t>
-            </a:r>
-          </a:p>
-          <a:p>
-            <a:pPr algn="ctr"/>
-            <a:r>
-              <a:rPr lang="en-US" sz="3200" b="1" i="1" dirty="0"/>
-              <a:t>XProc</a:t>
-            </a:r>
-            <a:r>
-              <a:rPr lang="en-US" sz="2800" b="1" i="1" dirty="0"/>
-              <a:t> </a:t>
-            </a:r>
-            <a:r>
-              <a:rPr lang="en-US" sz="3200" b="1" i="1" dirty="0"/>
-              <a:t>rocks…</a:t>
-            </a:r>
-            <a:r>
-              <a:rPr lang="en-US" sz="2800" b="1" i="1" dirty="0"/>
-              <a:t> </a:t>
-            </a:r>
-            <a:endParaRPr lang="en-NL" sz="2800" b="1" i="1" dirty="0"/>
-          </a:p>
-        </p:txBody>
-      </p:sp>
-    </p:spTree>
-    <p:extLst>
-      <p:ext uri="{BB962C8B-B14F-4D97-AF65-F5344CB8AC3E}">
-        <p14:creationId xmlns:p14="http://schemas.microsoft.com/office/powerpoint/2010/main" val="3036039419"/>
-      </p:ext>
-    </p:extLst>
-  </p:cSld>
-  <p:clrMapOvr>
-    <a:masterClrMapping/>
-  </p:clrMapOvr>
-  <p:timing>
-    <p:tnLst>
-      <p:par>
-        <p:cTn id="1" dur="indefinite" restart="never" nodeType="tmRoot">
-          <p:childTnLst>
-            <p:seq concurrent="1" nextAc="seek">
-              <p:cTn id="2" dur="indefinite" nodeType="mainSeq">
-                <p:childTnLst>
-                  <p:par>
-                    <p:cTn id="3" fill="hold">
-                      <p:stCondLst>
-                        <p:cond delay="indefinite"/>
-                        <p:cond evt="onBegin" delay="0">
-                          <p:tn val="2"/>
-                        </p:cond>
-                      </p:stCondLst>
-                      <p:childTnLst>
-                        <p:par>
-                          <p:cTn id="4" fill="hold">
-                            <p:stCondLst>
-                              <p:cond delay="0"/>
-                            </p:stCondLst>
-                            <p:childTnLst>
-                              <p:par>
-                                <p:cTn id="5" presetID="10" presetClass="entr" presetSubtype="0" fill="hold" grpId="0" nodeType="withEffect">
-                                  <p:stCondLst>
-                                    <p:cond delay="4000"/>
-                                  </p:stCondLst>
-                                  <p:childTnLst>
-                                    <p:set>
-                                      <p:cBhvr>
-                                        <p:cTn id="6" dur="1" fill="hold">
-                                          <p:stCondLst>
-                                            <p:cond delay="0"/>
-                                          </p:stCondLst>
-                                        </p:cTn>
-                                        <p:tgtEl>
-                                          <p:spTgt spid="4"/>
-                                        </p:tgtEl>
-                                        <p:attrNameLst>
-                                          <p:attrName>style.visibility</p:attrName>
-                                        </p:attrNameLst>
-                                      </p:cBhvr>
-                                      <p:to>
-                                        <p:strVal val="visible"/>
-                                      </p:to>
-                                    </p:set>
-                                    <p:animEffect transition="in" filter="fade">
-                                      <p:cBhvr>
-                                        <p:cTn id="7" dur="2000"/>
-                                        <p:tgtEl>
-                                          <p:spTgt spid="4"/>
-                                        </p:tgtEl>
-                                      </p:cBhvr>
-                                    </p:animEffect>
-                                  </p:childTnLst>
-                                </p:cTn>
-                              </p:par>
-                            </p:childTnLst>
-                          </p:cTn>
-                        </p:par>
-                      </p:childTnLst>
-                    </p:cTn>
-                  </p:par>
-                </p:childTnLst>
-              </p:cTn>
-              <p:prevCondLst>
-                <p:cond evt="onPrev" delay="0">
-                  <p:tgtEl>
-                    <p:sldTgt/>
-                  </p:tgtEl>
-                </p:cond>
-              </p:prevCondLst>
-              <p:nextCondLst>
-                <p:cond evt="onNext" delay="0">
-                  <p:tgtEl>
-                    <p:sldTgt/>
-                  </p:tgtEl>
-                </p:cond>
-              </p:nextCondLst>
-            </p:seq>
-          </p:childTnLst>
-        </p:cTn>
-      </p:par>
-    </p:tnLst>
-    <p:bldLst>
-      <p:bldP spid="4" grpId="0" animBg="1"/>
     </p:bldLst>
   </p:timing>
 </p:sld>

--- a/101-B/presentation/markupuk-2020-101-B.pptx
+++ b/101-B/presentation/markupuk-2020-101-B.pptx
@@ -5,10 +5,10 @@
     <p:sldMasterId id="2147483648" r:id="rId1"/>
   </p:sldMasterIdLst>
   <p:notesMasterIdLst>
-    <p:notesMasterId r:id="rId23"/>
+    <p:notesMasterId r:id="rId21"/>
   </p:notesMasterIdLst>
   <p:handoutMasterIdLst>
-    <p:handoutMasterId r:id="rId24"/>
+    <p:handoutMasterId r:id="rId22"/>
   </p:handoutMasterIdLst>
   <p:sldIdLst>
     <p:sldId id="256" r:id="rId2"/>
@@ -25,13 +25,11 @@
     <p:sldId id="346" r:id="rId13"/>
     <p:sldId id="322" r:id="rId14"/>
     <p:sldId id="324" r:id="rId15"/>
-    <p:sldId id="349" r:id="rId16"/>
-    <p:sldId id="350" r:id="rId17"/>
-    <p:sldId id="351" r:id="rId18"/>
-    <p:sldId id="352" r:id="rId19"/>
-    <p:sldId id="347" r:id="rId20"/>
-    <p:sldId id="330" r:id="rId21"/>
-    <p:sldId id="292" r:id="rId22"/>
+    <p:sldId id="350" r:id="rId16"/>
+    <p:sldId id="352" r:id="rId17"/>
+    <p:sldId id="347" r:id="rId18"/>
+    <p:sldId id="330" r:id="rId19"/>
+    <p:sldId id="292" r:id="rId20"/>
   </p:sldIdLst>
   <p:sldSz cx="12192000" cy="6858000"/>
   <p:notesSz cx="6858000" cy="9144000"/>
@@ -922,7 +920,7 @@
     </p:spTree>
     <p:extLst>
       <p:ext uri="{BB962C8B-B14F-4D97-AF65-F5344CB8AC3E}">
-        <p14:creationId xmlns:p14="http://schemas.microsoft.com/office/powerpoint/2010/main" val="4151632286"/>
+        <p14:creationId xmlns:p14="http://schemas.microsoft.com/office/powerpoint/2010/main" val="3108761852"/>
       </p:ext>
     </p:extLst>
   </p:cSld>
@@ -998,174 +996,6 @@
             <a:fld id="{210C85D1-D769-4E3C-BD67-6FCFE11EFBEA}" type="slidenum">
               <a:rPr lang="en-NL" smtClean="0"/>
               <a:t>16</a:t>
-            </a:fld>
-            <a:endParaRPr lang="en-NL"/>
-          </a:p>
-        </p:txBody>
-      </p:sp>
-    </p:spTree>
-    <p:extLst>
-      <p:ext uri="{BB962C8B-B14F-4D97-AF65-F5344CB8AC3E}">
-        <p14:creationId xmlns:p14="http://schemas.microsoft.com/office/powerpoint/2010/main" val="3108761852"/>
-      </p:ext>
-    </p:extLst>
-  </p:cSld>
-  <p:clrMapOvr>
-    <a:masterClrMapping/>
-  </p:clrMapOvr>
-</p:notes>
-</file>
-
-<file path=ppt/notesSlides/notesSlide5.xml><?xml version="1.0" encoding="utf-8"?>
-<p:notes xmlns:a="http://schemas.openxmlformats.org/drawingml/2006/main" xmlns:r="http://schemas.openxmlformats.org/officeDocument/2006/relationships" xmlns:p="http://schemas.openxmlformats.org/presentationml/2006/main">
-  <p:cSld>
-    <p:spTree>
-      <p:nvGrpSpPr>
-        <p:cNvPr id="1" name=""/>
-        <p:cNvGrpSpPr/>
-        <p:nvPr/>
-      </p:nvGrpSpPr>
-      <p:grpSpPr>
-        <a:xfrm>
-          <a:off x="0" y="0"/>
-          <a:ext cx="0" cy="0"/>
-          <a:chOff x="0" y="0"/>
-          <a:chExt cx="0" cy="0"/>
-        </a:xfrm>
-      </p:grpSpPr>
-      <p:sp>
-        <p:nvSpPr>
-          <p:cNvPr id="2" name="Slide Image Placeholder 1"/>
-          <p:cNvSpPr>
-            <a:spLocks noGrp="1" noRot="1" noChangeAspect="1"/>
-          </p:cNvSpPr>
-          <p:nvPr>
-            <p:ph type="sldImg"/>
-          </p:nvPr>
-        </p:nvSpPr>
-        <p:spPr/>
-      </p:sp>
-      <p:sp>
-        <p:nvSpPr>
-          <p:cNvPr id="3" name="Notes Placeholder 2"/>
-          <p:cNvSpPr>
-            <a:spLocks noGrp="1"/>
-          </p:cNvSpPr>
-          <p:nvPr>
-            <p:ph type="body" idx="1"/>
-          </p:nvPr>
-        </p:nvSpPr>
-        <p:spPr/>
-        <p:txBody>
-          <a:bodyPr/>
-          <a:lstStyle/>
-          <a:p>
-            <a:endParaRPr lang="en-NL" dirty="0"/>
-          </a:p>
-        </p:txBody>
-      </p:sp>
-      <p:sp>
-        <p:nvSpPr>
-          <p:cNvPr id="4" name="Slide Number Placeholder 3"/>
-          <p:cNvSpPr>
-            <a:spLocks noGrp="1"/>
-          </p:cNvSpPr>
-          <p:nvPr>
-            <p:ph type="sldNum" sz="quarter" idx="5"/>
-          </p:nvPr>
-        </p:nvSpPr>
-        <p:spPr/>
-        <p:txBody>
-          <a:bodyPr/>
-          <a:lstStyle/>
-          <a:p>
-            <a:fld id="{210C85D1-D769-4E3C-BD67-6FCFE11EFBEA}" type="slidenum">
-              <a:rPr lang="en-NL" smtClean="0"/>
-              <a:t>17</a:t>
-            </a:fld>
-            <a:endParaRPr lang="en-NL"/>
-          </a:p>
-        </p:txBody>
-      </p:sp>
-    </p:spTree>
-    <p:extLst>
-      <p:ext uri="{BB962C8B-B14F-4D97-AF65-F5344CB8AC3E}">
-        <p14:creationId xmlns:p14="http://schemas.microsoft.com/office/powerpoint/2010/main" val="3518045499"/>
-      </p:ext>
-    </p:extLst>
-  </p:cSld>
-  <p:clrMapOvr>
-    <a:masterClrMapping/>
-  </p:clrMapOvr>
-</p:notes>
-</file>
-
-<file path=ppt/notesSlides/notesSlide6.xml><?xml version="1.0" encoding="utf-8"?>
-<p:notes xmlns:a="http://schemas.openxmlformats.org/drawingml/2006/main" xmlns:r="http://schemas.openxmlformats.org/officeDocument/2006/relationships" xmlns:p="http://schemas.openxmlformats.org/presentationml/2006/main">
-  <p:cSld>
-    <p:spTree>
-      <p:nvGrpSpPr>
-        <p:cNvPr id="1" name=""/>
-        <p:cNvGrpSpPr/>
-        <p:nvPr/>
-      </p:nvGrpSpPr>
-      <p:grpSpPr>
-        <a:xfrm>
-          <a:off x="0" y="0"/>
-          <a:ext cx="0" cy="0"/>
-          <a:chOff x="0" y="0"/>
-          <a:chExt cx="0" cy="0"/>
-        </a:xfrm>
-      </p:grpSpPr>
-      <p:sp>
-        <p:nvSpPr>
-          <p:cNvPr id="2" name="Slide Image Placeholder 1"/>
-          <p:cNvSpPr>
-            <a:spLocks noGrp="1" noRot="1" noChangeAspect="1"/>
-          </p:cNvSpPr>
-          <p:nvPr>
-            <p:ph type="sldImg"/>
-          </p:nvPr>
-        </p:nvSpPr>
-        <p:spPr/>
-      </p:sp>
-      <p:sp>
-        <p:nvSpPr>
-          <p:cNvPr id="3" name="Notes Placeholder 2"/>
-          <p:cNvSpPr>
-            <a:spLocks noGrp="1"/>
-          </p:cNvSpPr>
-          <p:nvPr>
-            <p:ph type="body" idx="1"/>
-          </p:nvPr>
-        </p:nvSpPr>
-        <p:spPr/>
-        <p:txBody>
-          <a:bodyPr/>
-          <a:lstStyle/>
-          <a:p>
-            <a:endParaRPr lang="en-NL" dirty="0"/>
-          </a:p>
-        </p:txBody>
-      </p:sp>
-      <p:sp>
-        <p:nvSpPr>
-          <p:cNvPr id="4" name="Slide Number Placeholder 3"/>
-          <p:cNvSpPr>
-            <a:spLocks noGrp="1"/>
-          </p:cNvSpPr>
-          <p:nvPr>
-            <p:ph type="sldNum" sz="quarter" idx="5"/>
-          </p:nvPr>
-        </p:nvSpPr>
-        <p:spPr/>
-        <p:txBody>
-          <a:bodyPr/>
-          <a:lstStyle/>
-          <a:p>
-            <a:fld id="{210C85D1-D769-4E3C-BD67-6FCFE11EFBEA}" type="slidenum">
-              <a:rPr lang="en-NL" smtClean="0"/>
-              <a:t>18</a:t>
             </a:fld>
             <a:endParaRPr lang="en-NL"/>
           </a:p>
@@ -5265,146 +5095,6 @@
   <p:clrMapOvr>
     <a:masterClrMapping/>
   </p:clrMapOvr>
-  <p:timing>
-    <p:tnLst>
-      <p:par>
-        <p:cTn id="1" dur="indefinite" restart="never" nodeType="tmRoot">
-          <p:childTnLst>
-            <p:seq concurrent="1" nextAc="seek">
-              <p:cTn id="2" dur="indefinite" nodeType="mainSeq">
-                <p:childTnLst>
-                  <p:par>
-                    <p:cTn id="3" fill="hold">
-                      <p:stCondLst>
-                        <p:cond delay="indefinite"/>
-                      </p:stCondLst>
-                      <p:childTnLst>
-                        <p:par>
-                          <p:cTn id="4" fill="hold">
-                            <p:stCondLst>
-                              <p:cond delay="0"/>
-                            </p:stCondLst>
-                            <p:childTnLst>
-                              <p:par>
-                                <p:cTn id="5" presetID="10" presetClass="entr" presetSubtype="0" fill="hold" grpId="0" nodeType="clickEffect">
-                                  <p:stCondLst>
-                                    <p:cond delay="0"/>
-                                  </p:stCondLst>
-                                  <p:childTnLst>
-                                    <p:set>
-                                      <p:cBhvr>
-                                        <p:cTn id="6" dur="1" fill="hold">
-                                          <p:stCondLst>
-                                            <p:cond delay="0"/>
-                                          </p:stCondLst>
-                                        </p:cTn>
-                                        <p:tgtEl>
-                                          <p:spTgt spid="9"/>
-                                        </p:tgtEl>
-                                        <p:attrNameLst>
-                                          <p:attrName>style.visibility</p:attrName>
-                                        </p:attrNameLst>
-                                      </p:cBhvr>
-                                      <p:to>
-                                        <p:strVal val="visible"/>
-                                      </p:to>
-                                    </p:set>
-                                    <p:animEffect transition="in" filter="fade">
-                                      <p:cBhvr>
-                                        <p:cTn id="7" dur="2000"/>
-                                        <p:tgtEl>
-                                          <p:spTgt spid="9"/>
-                                        </p:tgtEl>
-                                      </p:cBhvr>
-                                    </p:animEffect>
-                                  </p:childTnLst>
-                                </p:cTn>
-                              </p:par>
-                            </p:childTnLst>
-                          </p:cTn>
-                        </p:par>
-                      </p:childTnLst>
-                    </p:cTn>
-                  </p:par>
-                  <p:par>
-                    <p:cTn id="8" fill="hold">
-                      <p:stCondLst>
-                        <p:cond delay="indefinite"/>
-                      </p:stCondLst>
-                      <p:childTnLst>
-                        <p:par>
-                          <p:cTn id="9" fill="hold">
-                            <p:stCondLst>
-                              <p:cond delay="0"/>
-                            </p:stCondLst>
-                            <p:childTnLst>
-                              <p:par>
-                                <p:cTn id="10" presetID="10" presetClass="entr" presetSubtype="0" fill="hold" grpId="0" nodeType="clickEffect">
-                                  <p:stCondLst>
-                                    <p:cond delay="0"/>
-                                  </p:stCondLst>
-                                  <p:childTnLst>
-                                    <p:set>
-                                      <p:cBhvr>
-                                        <p:cTn id="11" dur="1" fill="hold">
-                                          <p:stCondLst>
-                                            <p:cond delay="0"/>
-                                          </p:stCondLst>
-                                        </p:cTn>
-                                        <p:tgtEl>
-                                          <p:spTgt spid="12"/>
-                                        </p:tgtEl>
-                                        <p:attrNameLst>
-                                          <p:attrName>style.visibility</p:attrName>
-                                        </p:attrNameLst>
-                                      </p:cBhvr>
-                                      <p:to>
-                                        <p:strVal val="visible"/>
-                                      </p:to>
-                                    </p:set>
-                                    <p:animEffect transition="in" filter="fade">
-                                      <p:cBhvr>
-                                        <p:cTn id="12" dur="2000"/>
-                                        <p:tgtEl>
-                                          <p:spTgt spid="12"/>
-                                        </p:tgtEl>
-                                      </p:cBhvr>
-                                    </p:animEffect>
-                                  </p:childTnLst>
-                                </p:cTn>
-                              </p:par>
-                            </p:childTnLst>
-                          </p:cTn>
-                        </p:par>
-                      </p:childTnLst>
-                    </p:cTn>
-                  </p:par>
-                </p:childTnLst>
-              </p:cTn>
-              <p:prevCondLst>
-                <p:cond evt="onPrev" delay="0">
-                  <p:tgtEl>
-                    <p:sldTgt/>
-                  </p:tgtEl>
-                </p:cond>
-              </p:prevCondLst>
-              <p:nextCondLst>
-                <p:cond evt="onNext" delay="0">
-                  <p:tgtEl>
-                    <p:sldTgt/>
-                  </p:tgtEl>
-                </p:cond>
-              </p:nextCondLst>
-            </p:seq>
-          </p:childTnLst>
-        </p:cTn>
-      </p:par>
-    </p:tnLst>
-    <p:bldLst>
-      <p:bldP spid="9" grpId="0" animBg="1"/>
-      <p:bldP spid="12" grpId="0" animBg="1"/>
-    </p:bldLst>
-  </p:timing>
 </p:sld>
 </file>
 
@@ -6036,249 +5726,6 @@
   <p:clrMapOvr>
     <a:masterClrMapping/>
   </p:clrMapOvr>
-  <p:timing>
-    <p:tnLst>
-      <p:par>
-        <p:cTn id="1" dur="indefinite" restart="never" nodeType="tmRoot">
-          <p:childTnLst>
-            <p:seq concurrent="1" nextAc="seek">
-              <p:cTn id="2" dur="indefinite" nodeType="mainSeq">
-                <p:childTnLst>
-                  <p:par>
-                    <p:cTn id="3" fill="hold">
-                      <p:stCondLst>
-                        <p:cond delay="indefinite"/>
-                        <p:cond evt="onBegin" delay="0">
-                          <p:tn val="2"/>
-                        </p:cond>
-                      </p:stCondLst>
-                      <p:childTnLst>
-                        <p:par>
-                          <p:cTn id="4" fill="hold">
-                            <p:stCondLst>
-                              <p:cond delay="0"/>
-                            </p:stCondLst>
-                            <p:childTnLst>
-                              <p:par>
-                                <p:cTn id="5" presetID="10" presetClass="entr" presetSubtype="0" fill="hold" grpId="0" nodeType="withEffect">
-                                  <p:stCondLst>
-                                    <p:cond delay="500"/>
-                                  </p:stCondLst>
-                                  <p:childTnLst>
-                                    <p:set>
-                                      <p:cBhvr>
-                                        <p:cTn id="6" dur="1" fill="hold">
-                                          <p:stCondLst>
-                                            <p:cond delay="0"/>
-                                          </p:stCondLst>
-                                        </p:cTn>
-                                        <p:tgtEl>
-                                          <p:spTgt spid="10"/>
-                                        </p:tgtEl>
-                                        <p:attrNameLst>
-                                          <p:attrName>style.visibility</p:attrName>
-                                        </p:attrNameLst>
-                                      </p:cBhvr>
-                                      <p:to>
-                                        <p:strVal val="visible"/>
-                                      </p:to>
-                                    </p:set>
-                                    <p:animEffect transition="in" filter="fade">
-                                      <p:cBhvr>
-                                        <p:cTn id="7" dur="500"/>
-                                        <p:tgtEl>
-                                          <p:spTgt spid="10"/>
-                                        </p:tgtEl>
-                                      </p:cBhvr>
-                                    </p:animEffect>
-                                  </p:childTnLst>
-                                </p:cTn>
-                              </p:par>
-                            </p:childTnLst>
-                          </p:cTn>
-                        </p:par>
-                      </p:childTnLst>
-                    </p:cTn>
-                  </p:par>
-                  <p:par>
-                    <p:cTn id="8" fill="hold">
-                      <p:stCondLst>
-                        <p:cond delay="indefinite"/>
-                      </p:stCondLst>
-                      <p:childTnLst>
-                        <p:par>
-                          <p:cTn id="9" fill="hold">
-                            <p:stCondLst>
-                              <p:cond delay="0"/>
-                            </p:stCondLst>
-                            <p:childTnLst>
-                              <p:par>
-                                <p:cTn id="10" presetID="1" presetClass="entr" presetSubtype="0" fill="hold" grpId="0" nodeType="clickEffect">
-                                  <p:stCondLst>
-                                    <p:cond delay="0"/>
-                                  </p:stCondLst>
-                                  <p:childTnLst>
-                                    <p:set>
-                                      <p:cBhvr>
-                                        <p:cTn id="11" dur="1" fill="hold">
-                                          <p:stCondLst>
-                                            <p:cond delay="0"/>
-                                          </p:stCondLst>
-                                        </p:cTn>
-                                        <p:tgtEl>
-                                          <p:spTgt spid="8"/>
-                                        </p:tgtEl>
-                                        <p:attrNameLst>
-                                          <p:attrName>style.visibility</p:attrName>
-                                        </p:attrNameLst>
-                                      </p:cBhvr>
-                                      <p:to>
-                                        <p:strVal val="visible"/>
-                                      </p:to>
-                                    </p:set>
-                                  </p:childTnLst>
-                                </p:cTn>
-                              </p:par>
-                            </p:childTnLst>
-                          </p:cTn>
-                        </p:par>
-                      </p:childTnLst>
-                    </p:cTn>
-                  </p:par>
-                  <p:par>
-                    <p:cTn id="12" fill="hold">
-                      <p:stCondLst>
-                        <p:cond delay="indefinite"/>
-                      </p:stCondLst>
-                      <p:childTnLst>
-                        <p:par>
-                          <p:cTn id="13" fill="hold">
-                            <p:stCondLst>
-                              <p:cond delay="0"/>
-                            </p:stCondLst>
-                            <p:childTnLst>
-                              <p:par>
-                                <p:cTn id="14" presetID="10" presetClass="entr" presetSubtype="0" fill="hold" grpId="0" nodeType="clickEffect">
-                                  <p:stCondLst>
-                                    <p:cond delay="0"/>
-                                  </p:stCondLst>
-                                  <p:childTnLst>
-                                    <p:set>
-                                      <p:cBhvr>
-                                        <p:cTn id="15" dur="1" fill="hold">
-                                          <p:stCondLst>
-                                            <p:cond delay="0"/>
-                                          </p:stCondLst>
-                                        </p:cTn>
-                                        <p:tgtEl>
-                                          <p:spTgt spid="11"/>
-                                        </p:tgtEl>
-                                        <p:attrNameLst>
-                                          <p:attrName>style.visibility</p:attrName>
-                                        </p:attrNameLst>
-                                      </p:cBhvr>
-                                      <p:to>
-                                        <p:strVal val="visible"/>
-                                      </p:to>
-                                    </p:set>
-                                    <p:animEffect transition="in" filter="fade">
-                                      <p:cBhvr>
-                                        <p:cTn id="16" dur="2000"/>
-                                        <p:tgtEl>
-                                          <p:spTgt spid="11"/>
-                                        </p:tgtEl>
-                                      </p:cBhvr>
-                                    </p:animEffect>
-                                  </p:childTnLst>
-                                </p:cTn>
-                              </p:par>
-                            </p:childTnLst>
-                          </p:cTn>
-                        </p:par>
-                      </p:childTnLst>
-                    </p:cTn>
-                  </p:par>
-                  <p:par>
-                    <p:cTn id="17" fill="hold">
-                      <p:stCondLst>
-                        <p:cond delay="indefinite"/>
-                      </p:stCondLst>
-                      <p:childTnLst>
-                        <p:par>
-                          <p:cTn id="18" fill="hold">
-                            <p:stCondLst>
-                              <p:cond delay="0"/>
-                            </p:stCondLst>
-                            <p:childTnLst>
-                              <p:par>
-                                <p:cTn id="19" presetID="10" presetClass="entr" presetSubtype="0" fill="hold" grpId="0" nodeType="clickEffect">
-                                  <p:stCondLst>
-                                    <p:cond delay="0"/>
-                                  </p:stCondLst>
-                                  <p:childTnLst>
-                                    <p:set>
-                                      <p:cBhvr>
-                                        <p:cTn id="20" dur="1" fill="hold">
-                                          <p:stCondLst>
-                                            <p:cond delay="0"/>
-                                          </p:stCondLst>
-                                        </p:cTn>
-                                        <p:tgtEl>
-                                          <p:spTgt spid="12"/>
-                                        </p:tgtEl>
-                                        <p:attrNameLst>
-                                          <p:attrName>style.visibility</p:attrName>
-                                        </p:attrNameLst>
-                                      </p:cBhvr>
-                                      <p:to>
-                                        <p:strVal val="visible"/>
-                                      </p:to>
-                                    </p:set>
-                                    <p:animEffect transition="in" filter="fade">
-                                      <p:cBhvr>
-                                        <p:cTn id="21" dur="2000"/>
-                                        <p:tgtEl>
-                                          <p:spTgt spid="12"/>
-                                        </p:tgtEl>
-                                      </p:cBhvr>
-                                    </p:animEffect>
-                                  </p:childTnLst>
-                                </p:cTn>
-                              </p:par>
-                            </p:childTnLst>
-                          </p:cTn>
-                        </p:par>
-                      </p:childTnLst>
-                    </p:cTn>
-                  </p:par>
-                </p:childTnLst>
-              </p:cTn>
-              <p:prevCondLst>
-                <p:cond evt="onPrev" delay="0">
-                  <p:tgtEl>
-                    <p:sldTgt/>
-                  </p:tgtEl>
-                </p:cond>
-              </p:prevCondLst>
-              <p:nextCondLst>
-                <p:cond evt="onNext" delay="0">
-                  <p:tgtEl>
-                    <p:sldTgt/>
-                  </p:tgtEl>
-                </p:cond>
-              </p:nextCondLst>
-            </p:seq>
-          </p:childTnLst>
-        </p:cTn>
-      </p:par>
-    </p:tnLst>
-    <p:bldLst>
-      <p:bldP spid="10" grpId="0" animBg="1"/>
-      <p:bldP spid="8" grpId="0" animBg="1"/>
-      <p:bldP spid="11" grpId="0" animBg="1"/>
-      <p:bldP spid="12" grpId="0" animBg="1"/>
-    </p:bldLst>
-  </p:timing>
 </p:sld>
 </file>
 
@@ -7267,347 +6714,6 @@
   <p:clrMapOvr>
     <a:masterClrMapping/>
   </p:clrMapOvr>
-  <p:timing>
-    <p:tnLst>
-      <p:par>
-        <p:cTn id="1" dur="indefinite" restart="never" nodeType="tmRoot">
-          <p:childTnLst>
-            <p:seq concurrent="1" nextAc="seek">
-              <p:cTn id="2" dur="indefinite" nodeType="mainSeq">
-                <p:childTnLst>
-                  <p:par>
-                    <p:cTn id="3" fill="hold">
-                      <p:stCondLst>
-                        <p:cond delay="indefinite"/>
-                        <p:cond evt="onBegin" delay="0">
-                          <p:tn val="2"/>
-                        </p:cond>
-                      </p:stCondLst>
-                      <p:childTnLst>
-                        <p:par>
-                          <p:cTn id="4" fill="hold">
-                            <p:stCondLst>
-                              <p:cond delay="0"/>
-                            </p:stCondLst>
-                            <p:childTnLst>
-                              <p:par>
-                                <p:cTn id="5" presetID="10" presetClass="entr" presetSubtype="0" fill="hold" grpId="0" nodeType="withEffect">
-                                  <p:stCondLst>
-                                    <p:cond delay="2000"/>
-                                  </p:stCondLst>
-                                  <p:childTnLst>
-                                    <p:set>
-                                      <p:cBhvr>
-                                        <p:cTn id="6" dur="1" fill="hold">
-                                          <p:stCondLst>
-                                            <p:cond delay="0"/>
-                                          </p:stCondLst>
-                                        </p:cTn>
-                                        <p:tgtEl>
-                                          <p:spTgt spid="10"/>
-                                        </p:tgtEl>
-                                        <p:attrNameLst>
-                                          <p:attrName>style.visibility</p:attrName>
-                                        </p:attrNameLst>
-                                      </p:cBhvr>
-                                      <p:to>
-                                        <p:strVal val="visible"/>
-                                      </p:to>
-                                    </p:set>
-                                    <p:animEffect transition="in" filter="fade">
-                                      <p:cBhvr>
-                                        <p:cTn id="7" dur="500"/>
-                                        <p:tgtEl>
-                                          <p:spTgt spid="10"/>
-                                        </p:tgtEl>
-                                      </p:cBhvr>
-                                    </p:animEffect>
-                                  </p:childTnLst>
-                                </p:cTn>
-                              </p:par>
-                            </p:childTnLst>
-                          </p:cTn>
-                        </p:par>
-                      </p:childTnLst>
-                    </p:cTn>
-                  </p:par>
-                  <p:par>
-                    <p:cTn id="8" fill="hold">
-                      <p:stCondLst>
-                        <p:cond delay="indefinite"/>
-                      </p:stCondLst>
-                      <p:childTnLst>
-                        <p:par>
-                          <p:cTn id="9" fill="hold">
-                            <p:stCondLst>
-                              <p:cond delay="0"/>
-                            </p:stCondLst>
-                            <p:childTnLst>
-                              <p:par>
-                                <p:cTn id="10" presetID="10" presetClass="entr" presetSubtype="0" fill="hold" grpId="0" nodeType="clickEffect">
-                                  <p:stCondLst>
-                                    <p:cond delay="0"/>
-                                  </p:stCondLst>
-                                  <p:childTnLst>
-                                    <p:set>
-                                      <p:cBhvr>
-                                        <p:cTn id="11" dur="1" fill="hold">
-                                          <p:stCondLst>
-                                            <p:cond delay="0"/>
-                                          </p:stCondLst>
-                                        </p:cTn>
-                                        <p:tgtEl>
-                                          <p:spTgt spid="7"/>
-                                        </p:tgtEl>
-                                        <p:attrNameLst>
-                                          <p:attrName>style.visibility</p:attrName>
-                                        </p:attrNameLst>
-                                      </p:cBhvr>
-                                      <p:to>
-                                        <p:strVal val="visible"/>
-                                      </p:to>
-                                    </p:set>
-                                    <p:animEffect transition="in" filter="fade">
-                                      <p:cBhvr>
-                                        <p:cTn id="12" dur="2000"/>
-                                        <p:tgtEl>
-                                          <p:spTgt spid="7"/>
-                                        </p:tgtEl>
-                                      </p:cBhvr>
-                                    </p:animEffect>
-                                  </p:childTnLst>
-                                </p:cTn>
-                              </p:par>
-                            </p:childTnLst>
-                          </p:cTn>
-                        </p:par>
-                      </p:childTnLst>
-                    </p:cTn>
-                  </p:par>
-                  <p:par>
-                    <p:cTn id="13" fill="hold">
-                      <p:stCondLst>
-                        <p:cond delay="indefinite"/>
-                      </p:stCondLst>
-                      <p:childTnLst>
-                        <p:par>
-                          <p:cTn id="14" fill="hold">
-                            <p:stCondLst>
-                              <p:cond delay="0"/>
-                            </p:stCondLst>
-                            <p:childTnLst>
-                              <p:par>
-                                <p:cTn id="15" presetID="10" presetClass="entr" presetSubtype="0" fill="hold" grpId="0" nodeType="clickEffect">
-                                  <p:stCondLst>
-                                    <p:cond delay="0"/>
-                                  </p:stCondLst>
-                                  <p:childTnLst>
-                                    <p:set>
-                                      <p:cBhvr>
-                                        <p:cTn id="16" dur="1" fill="hold">
-                                          <p:stCondLst>
-                                            <p:cond delay="0"/>
-                                          </p:stCondLst>
-                                        </p:cTn>
-                                        <p:tgtEl>
-                                          <p:spTgt spid="11"/>
-                                        </p:tgtEl>
-                                        <p:attrNameLst>
-                                          <p:attrName>style.visibility</p:attrName>
-                                        </p:attrNameLst>
-                                      </p:cBhvr>
-                                      <p:to>
-                                        <p:strVal val="visible"/>
-                                      </p:to>
-                                    </p:set>
-                                    <p:animEffect transition="in" filter="fade">
-                                      <p:cBhvr>
-                                        <p:cTn id="17" dur="2000"/>
-                                        <p:tgtEl>
-                                          <p:spTgt spid="11"/>
-                                        </p:tgtEl>
-                                      </p:cBhvr>
-                                    </p:animEffect>
-                                  </p:childTnLst>
-                                </p:cTn>
-                              </p:par>
-                            </p:childTnLst>
-                          </p:cTn>
-                        </p:par>
-                      </p:childTnLst>
-                    </p:cTn>
-                  </p:par>
-                  <p:par>
-                    <p:cTn id="18" fill="hold">
-                      <p:stCondLst>
-                        <p:cond delay="indefinite"/>
-                      </p:stCondLst>
-                      <p:childTnLst>
-                        <p:par>
-                          <p:cTn id="19" fill="hold">
-                            <p:stCondLst>
-                              <p:cond delay="0"/>
-                            </p:stCondLst>
-                            <p:childTnLst>
-                              <p:par>
-                                <p:cTn id="20" presetID="10" presetClass="entr" presetSubtype="0" fill="hold" grpId="0" nodeType="clickEffect">
-                                  <p:stCondLst>
-                                    <p:cond delay="0"/>
-                                  </p:stCondLst>
-                                  <p:childTnLst>
-                                    <p:set>
-                                      <p:cBhvr>
-                                        <p:cTn id="21" dur="1" fill="hold">
-                                          <p:stCondLst>
-                                            <p:cond delay="0"/>
-                                          </p:stCondLst>
-                                        </p:cTn>
-                                        <p:tgtEl>
-                                          <p:spTgt spid="12"/>
-                                        </p:tgtEl>
-                                        <p:attrNameLst>
-                                          <p:attrName>style.visibility</p:attrName>
-                                        </p:attrNameLst>
-                                      </p:cBhvr>
-                                      <p:to>
-                                        <p:strVal val="visible"/>
-                                      </p:to>
-                                    </p:set>
-                                    <p:animEffect transition="in" filter="fade">
-                                      <p:cBhvr>
-                                        <p:cTn id="22" dur="2000"/>
-                                        <p:tgtEl>
-                                          <p:spTgt spid="12"/>
-                                        </p:tgtEl>
-                                      </p:cBhvr>
-                                    </p:animEffect>
-                                  </p:childTnLst>
-                                </p:cTn>
-                              </p:par>
-                            </p:childTnLst>
-                          </p:cTn>
-                        </p:par>
-                      </p:childTnLst>
-                    </p:cTn>
-                  </p:par>
-                  <p:par>
-                    <p:cTn id="23" fill="hold">
-                      <p:stCondLst>
-                        <p:cond delay="indefinite"/>
-                      </p:stCondLst>
-                      <p:childTnLst>
-                        <p:par>
-                          <p:cTn id="24" fill="hold">
-                            <p:stCondLst>
-                              <p:cond delay="0"/>
-                            </p:stCondLst>
-                            <p:childTnLst>
-                              <p:par>
-                                <p:cTn id="25" presetID="10" presetClass="entr" presetSubtype="0" fill="hold" grpId="0" nodeType="clickEffect">
-                                  <p:stCondLst>
-                                    <p:cond delay="0"/>
-                                  </p:stCondLst>
-                                  <p:childTnLst>
-                                    <p:set>
-                                      <p:cBhvr>
-                                        <p:cTn id="26" dur="1" fill="hold">
-                                          <p:stCondLst>
-                                            <p:cond delay="0"/>
-                                          </p:stCondLst>
-                                        </p:cTn>
-                                        <p:tgtEl>
-                                          <p:spTgt spid="13"/>
-                                        </p:tgtEl>
-                                        <p:attrNameLst>
-                                          <p:attrName>style.visibility</p:attrName>
-                                        </p:attrNameLst>
-                                      </p:cBhvr>
-                                      <p:to>
-                                        <p:strVal val="visible"/>
-                                      </p:to>
-                                    </p:set>
-                                    <p:animEffect transition="in" filter="fade">
-                                      <p:cBhvr>
-                                        <p:cTn id="27" dur="2000"/>
-                                        <p:tgtEl>
-                                          <p:spTgt spid="13"/>
-                                        </p:tgtEl>
-                                      </p:cBhvr>
-                                    </p:animEffect>
-                                  </p:childTnLst>
-                                </p:cTn>
-                              </p:par>
-                              <p:par>
-                                <p:cTn id="28" presetID="10" presetClass="entr" presetSubtype="0" fill="hold" grpId="0" nodeType="withEffect">
-                                  <p:stCondLst>
-                                    <p:cond delay="0"/>
-                                  </p:stCondLst>
-                                  <p:childTnLst>
-                                    <p:set>
-                                      <p:cBhvr>
-                                        <p:cTn id="29" dur="1" fill="hold">
-                                          <p:stCondLst>
-                                            <p:cond delay="0"/>
-                                          </p:stCondLst>
-                                        </p:cTn>
-                                        <p:tgtEl>
-                                          <p:spTgt spid="14"/>
-                                        </p:tgtEl>
-                                        <p:attrNameLst>
-                                          <p:attrName>style.visibility</p:attrName>
-                                        </p:attrNameLst>
-                                      </p:cBhvr>
-                                      <p:to>
-                                        <p:strVal val="visible"/>
-                                      </p:to>
-                                    </p:set>
-                                    <p:animEffect transition="in" filter="fade">
-                                      <p:cBhvr>
-                                        <p:cTn id="30" dur="2000"/>
-                                        <p:tgtEl>
-                                          <p:spTgt spid="14"/>
-                                        </p:tgtEl>
-                                      </p:cBhvr>
-                                    </p:animEffect>
-                                  </p:childTnLst>
-                                </p:cTn>
-                              </p:par>
-                            </p:childTnLst>
-                          </p:cTn>
-                        </p:par>
-                      </p:childTnLst>
-                    </p:cTn>
-                  </p:par>
-                </p:childTnLst>
-              </p:cTn>
-              <p:prevCondLst>
-                <p:cond evt="onPrev" delay="0">
-                  <p:tgtEl>
-                    <p:sldTgt/>
-                  </p:tgtEl>
-                </p:cond>
-              </p:prevCondLst>
-              <p:nextCondLst>
-                <p:cond evt="onNext" delay="0">
-                  <p:tgtEl>
-                    <p:sldTgt/>
-                  </p:tgtEl>
-                </p:cond>
-              </p:nextCondLst>
-            </p:seq>
-          </p:childTnLst>
-        </p:cTn>
-      </p:par>
-    </p:tnLst>
-    <p:bldLst>
-      <p:bldP spid="10" grpId="0" animBg="1"/>
-      <p:bldP spid="7" grpId="0" animBg="1"/>
-      <p:bldP spid="11" grpId="0" animBg="1"/>
-      <p:bldP spid="12" grpId="0" animBg="1"/>
-      <p:bldP spid="13" grpId="0" animBg="1"/>
-      <p:bldP spid="14" grpId="0" animBg="1"/>
-    </p:bldLst>
-  </p:timing>
 </p:sld>
 </file>
 
@@ -7717,7 +6823,7 @@
           <a:p>
             <a:r>
               <a:rPr lang="en-US" b="1" dirty="0"/>
-              <a:t>Count the documents flowing through</a:t>
+              <a:t>Output the resulting filenames</a:t>
             </a:r>
             <a:endParaRPr lang="en-NL" b="1" dirty="0"/>
           </a:p>
@@ -7760,7 +6866,7 @@
                 <a:latin typeface="Courier New" panose="02070309020205020404" pitchFamily="49" charset="0"/>
                 <a:cs typeface="Courier New" panose="02070309020205020404" pitchFamily="49" charset="0"/>
               </a:rPr>
-              <a:t>markupuk-2020/101-B/example-3/example-3c.xpl</a:t>
+              <a:t>markupuk-2020/101-B/example-3/example-3d.xpl</a:t>
             </a:r>
           </a:p>
           <a:p>
@@ -8040,7 +7146,7 @@
             <a:pPr algn="ctr"/>
             <a:r>
               <a:rPr lang="en-US" sz="2000" dirty="0"/>
-              <a:t>Count the documents</a:t>
+              <a:t>Wrap the result</a:t>
             </a:r>
           </a:p>
         </p:txBody>
@@ -8106,76 +7212,6 @@
       </p:sp>
       <p:sp>
         <p:nvSpPr>
-          <p:cNvPr id="26" name="TextBox 25">
-            <a:extLst>
-              <a:ext uri="{FF2B5EF4-FFF2-40B4-BE49-F238E27FC236}">
-                <a16:creationId xmlns:a16="http://schemas.microsoft.com/office/drawing/2014/main" id="{E680B22D-4175-415F-8E02-7E54BBC08A76}"/>
-              </a:ext>
-            </a:extLst>
-          </p:cNvPr>
-          <p:cNvSpPr txBox="1"/>
-          <p:nvPr/>
-        </p:nvSpPr>
-        <p:spPr>
-          <a:xfrm>
-            <a:off x="9006171" y="2826316"/>
-            <a:ext cx="3238375" cy="338554"/>
-          </a:xfrm>
-          <a:prstGeom prst="rect">
-            <a:avLst/>
-          </a:prstGeom>
-          <a:solidFill>
-            <a:schemeClr val="bg1">
-              <a:lumMod val="85000"/>
-            </a:schemeClr>
-          </a:solidFill>
-        </p:spPr>
-        <p:txBody>
-          <a:bodyPr wrap="square" rtlCol="0">
-            <a:spAutoFit/>
-          </a:bodyPr>
-          <a:lstStyle/>
-          <a:p>
-            <a:r>
-              <a:rPr lang="nl-NL" sz="1600" b="1" dirty="0">
-                <a:latin typeface="Courier New" panose="02070309020205020404" pitchFamily="49" charset="0"/>
-                <a:cs typeface="Courier New" panose="02070309020205020404" pitchFamily="49" charset="0"/>
-              </a:rPr>
-              <a:t>&lt;</a:t>
-            </a:r>
-            <a:r>
-              <a:rPr lang="nl-NL" sz="1600" b="1" dirty="0" err="1">
-                <a:latin typeface="Courier New" panose="02070309020205020404" pitchFamily="49" charset="0"/>
-                <a:cs typeface="Courier New" panose="02070309020205020404" pitchFamily="49" charset="0"/>
-              </a:rPr>
-              <a:t>c:result</a:t>
-            </a:r>
-            <a:r>
-              <a:rPr lang="nl-NL" sz="1600" b="1" dirty="0">
-                <a:latin typeface="Courier New" panose="02070309020205020404" pitchFamily="49" charset="0"/>
-                <a:cs typeface="Courier New" panose="02070309020205020404" pitchFamily="49" charset="0"/>
-              </a:rPr>
-              <a:t> …&gt;2&lt;/</a:t>
-            </a:r>
-            <a:r>
-              <a:rPr lang="nl-NL" sz="1600" b="1" dirty="0" err="1">
-                <a:latin typeface="Courier New" panose="02070309020205020404" pitchFamily="49" charset="0"/>
-                <a:cs typeface="Courier New" panose="02070309020205020404" pitchFamily="49" charset="0"/>
-              </a:rPr>
-              <a:t>c:result</a:t>
-            </a:r>
-            <a:r>
-              <a:rPr lang="nl-NL" sz="1600" b="1" dirty="0">
-                <a:latin typeface="Courier New" panose="02070309020205020404" pitchFamily="49" charset="0"/>
-                <a:cs typeface="Courier New" panose="02070309020205020404" pitchFamily="49" charset="0"/>
-              </a:rPr>
-              <a:t>&gt;</a:t>
-            </a:r>
-          </a:p>
-        </p:txBody>
-      </p:sp>
-      <p:sp>
-        <p:nvSpPr>
           <p:cNvPr id="27" name="Pijl: rechts 25">
             <a:extLst>
               <a:ext uri="{FF2B5EF4-FFF2-40B4-BE49-F238E27FC236}">
@@ -8571,7 +7607,7 @@
         <p:spPr>
           <a:xfrm>
             <a:off x="5618189" y="3322364"/>
-            <a:ext cx="667966" cy="678248"/>
+            <a:ext cx="964194" cy="678248"/>
           </a:xfrm>
           <a:prstGeom prst="foldedCorner">
             <a:avLst/>
@@ -8610,7 +7646,23 @@
                   <a:schemeClr val="tx1"/>
                 </a:solidFill>
               </a:rPr>
-              <a:t>&lt;doc&gt; entry</a:t>
+              <a:t>&lt;</a:t>
+            </a:r>
+            <a:r>
+              <a:rPr lang="en-US" sz="1400" dirty="0" err="1">
+                <a:solidFill>
+                  <a:schemeClr val="tx1"/>
+                </a:solidFill>
+              </a:rPr>
+              <a:t>c:result</a:t>
+            </a:r>
+            <a:r>
+              <a:rPr lang="en-US" sz="1400" dirty="0">
+                <a:solidFill>
+                  <a:schemeClr val="tx1"/>
+                </a:solidFill>
+              </a:rPr>
+              <a:t>&gt;entry</a:t>
             </a:r>
           </a:p>
         </p:txBody>
@@ -8620,7 +7672,7 @@
           <p:cNvPr id="30" name="Pijl: rechts 25">
             <a:extLst>
               <a:ext uri="{FF2B5EF4-FFF2-40B4-BE49-F238E27FC236}">
-                <a16:creationId xmlns:a16="http://schemas.microsoft.com/office/drawing/2014/main" id="{8C06BD95-7351-4235-8F7C-EF65C1A92236}"/>
+                <a16:creationId xmlns:a16="http://schemas.microsoft.com/office/drawing/2014/main" id="{7A87EFFE-EBDF-48C2-9481-960ADFFBB42E}"/>
               </a:ext>
             </a:extLst>
           </p:cNvPr>
@@ -8629,7 +7681,7 @@
         </p:nvSpPr>
         <p:spPr>
           <a:xfrm>
-            <a:off x="5834816" y="2082421"/>
+            <a:off x="5834816" y="2146339"/>
             <a:ext cx="1424021" cy="515923"/>
           </a:xfrm>
           <a:prstGeom prst="rightArrow">
@@ -8676,156 +7728,72 @@
           </a:p>
         </p:txBody>
       </p:sp>
+      <p:sp>
+        <p:nvSpPr>
+          <p:cNvPr id="3" name="TextBox 2">
+            <a:extLst>
+              <a:ext uri="{FF2B5EF4-FFF2-40B4-BE49-F238E27FC236}">
+                <a16:creationId xmlns:a16="http://schemas.microsoft.com/office/drawing/2014/main" id="{2FBB9D8D-B188-4D0D-9889-B88AA9B30D85}"/>
+              </a:ext>
+            </a:extLst>
+          </p:cNvPr>
+          <p:cNvSpPr txBox="1"/>
+          <p:nvPr/>
+        </p:nvSpPr>
+        <p:spPr>
+          <a:xfrm>
+            <a:off x="4794976" y="4045161"/>
+            <a:ext cx="2188798" cy="615553"/>
+          </a:xfrm>
+          <a:prstGeom prst="rect">
+            <a:avLst/>
+          </a:prstGeom>
+          <a:noFill/>
+        </p:spPr>
+        <p:txBody>
+          <a:bodyPr wrap="square" rtlCol="0">
+            <a:spAutoFit/>
+          </a:bodyPr>
+          <a:lstStyle/>
+          <a:p>
+            <a:r>
+              <a:rPr lang="en-US" sz="1600" b="1" dirty="0">
+                <a:latin typeface="Courier New" panose="02070309020205020404" pitchFamily="49" charset="0"/>
+                <a:cs typeface="Courier New" panose="02070309020205020404" pitchFamily="49" charset="0"/>
+              </a:rPr>
+              <a:t>result-</a:t>
+            </a:r>
+            <a:r>
+              <a:rPr lang="en-US" sz="1600" b="1" dirty="0" err="1">
+                <a:latin typeface="Courier New" panose="02070309020205020404" pitchFamily="49" charset="0"/>
+                <a:cs typeface="Courier New" panose="02070309020205020404" pitchFamily="49" charset="0"/>
+              </a:rPr>
+              <a:t>uri</a:t>
+            </a:r>
+            <a:br>
+              <a:rPr lang="en-US" sz="1600" b="1" dirty="0">
+                <a:latin typeface="Courier New" panose="02070309020205020404" pitchFamily="49" charset="0"/>
+                <a:cs typeface="Courier New" panose="02070309020205020404" pitchFamily="49" charset="0"/>
+              </a:rPr>
+            </a:br>
+            <a:r>
+              <a:rPr lang="en-US" dirty="0"/>
+              <a:t>port</a:t>
+            </a:r>
+            <a:endParaRPr lang="en-GB" dirty="0"/>
+          </a:p>
+        </p:txBody>
+      </p:sp>
     </p:spTree>
     <p:extLst>
       <p:ext uri="{BB962C8B-B14F-4D97-AF65-F5344CB8AC3E}">
-        <p14:creationId xmlns:p14="http://schemas.microsoft.com/office/powerpoint/2010/main" val="1673373623"/>
+        <p14:creationId xmlns:p14="http://schemas.microsoft.com/office/powerpoint/2010/main" val="3551227362"/>
       </p:ext>
     </p:extLst>
   </p:cSld>
   <p:clrMapOvr>
     <a:masterClrMapping/>
   </p:clrMapOvr>
-  <p:timing>
-    <p:tnLst>
-      <p:par>
-        <p:cTn id="1" dur="indefinite" restart="never" nodeType="tmRoot">
-          <p:childTnLst>
-            <p:seq concurrent="1" nextAc="seek">
-              <p:cTn id="2" dur="indefinite" nodeType="mainSeq">
-                <p:childTnLst>
-                  <p:par>
-                    <p:cTn id="3" fill="hold">
-                      <p:stCondLst>
-                        <p:cond delay="indefinite"/>
-                      </p:stCondLst>
-                      <p:childTnLst>
-                        <p:par>
-                          <p:cTn id="4" fill="hold">
-                            <p:stCondLst>
-                              <p:cond delay="0"/>
-                            </p:stCondLst>
-                            <p:childTnLst>
-                              <p:par>
-                                <p:cTn id="5" presetID="10" presetClass="entr" presetSubtype="0" fill="hold" grpId="0" nodeType="clickEffect">
-                                  <p:stCondLst>
-                                    <p:cond delay="0"/>
-                                  </p:stCondLst>
-                                  <p:childTnLst>
-                                    <p:set>
-                                      <p:cBhvr>
-                                        <p:cTn id="6" dur="1" fill="hold">
-                                          <p:stCondLst>
-                                            <p:cond delay="0"/>
-                                          </p:stCondLst>
-                                        </p:cTn>
-                                        <p:tgtEl>
-                                          <p:spTgt spid="22"/>
-                                        </p:tgtEl>
-                                        <p:attrNameLst>
-                                          <p:attrName>style.visibility</p:attrName>
-                                        </p:attrNameLst>
-                                      </p:cBhvr>
-                                      <p:to>
-                                        <p:strVal val="visible"/>
-                                      </p:to>
-                                    </p:set>
-                                    <p:animEffect transition="in" filter="fade">
-                                      <p:cBhvr>
-                                        <p:cTn id="7" dur="2000"/>
-                                        <p:tgtEl>
-                                          <p:spTgt spid="22"/>
-                                        </p:tgtEl>
-                                      </p:cBhvr>
-                                    </p:animEffect>
-                                  </p:childTnLst>
-                                </p:cTn>
-                              </p:par>
-                            </p:childTnLst>
-                          </p:cTn>
-                        </p:par>
-                      </p:childTnLst>
-                    </p:cTn>
-                  </p:par>
-                  <p:par>
-                    <p:cTn id="8" fill="hold">
-                      <p:stCondLst>
-                        <p:cond delay="indefinite"/>
-                      </p:stCondLst>
-                      <p:childTnLst>
-                        <p:par>
-                          <p:cTn id="9" fill="hold">
-                            <p:stCondLst>
-                              <p:cond delay="0"/>
-                            </p:stCondLst>
-                            <p:childTnLst>
-                              <p:par>
-                                <p:cTn id="10" presetID="10" presetClass="entr" presetSubtype="0" fill="hold" grpId="0" nodeType="clickEffect">
-                                  <p:stCondLst>
-                                    <p:cond delay="0"/>
-                                  </p:stCondLst>
-                                  <p:childTnLst>
-                                    <p:set>
-                                      <p:cBhvr>
-                                        <p:cTn id="11" dur="1" fill="hold">
-                                          <p:stCondLst>
-                                            <p:cond delay="0"/>
-                                          </p:stCondLst>
-                                        </p:cTn>
-                                        <p:tgtEl>
-                                          <p:spTgt spid="23"/>
-                                        </p:tgtEl>
-                                        <p:attrNameLst>
-                                          <p:attrName>style.visibility</p:attrName>
-                                        </p:attrNameLst>
-                                      </p:cBhvr>
-                                      <p:to>
-                                        <p:strVal val="visible"/>
-                                      </p:to>
-                                    </p:set>
-                                    <p:animEffect transition="in" filter="fade">
-                                      <p:cBhvr>
-                                        <p:cTn id="12" dur="2000"/>
-                                        <p:tgtEl>
-                                          <p:spTgt spid="23"/>
-                                        </p:tgtEl>
-                                      </p:cBhvr>
-                                    </p:animEffect>
-                                  </p:childTnLst>
-                                </p:cTn>
-                              </p:par>
-                            </p:childTnLst>
-                          </p:cTn>
-                        </p:par>
-                      </p:childTnLst>
-                    </p:cTn>
-                  </p:par>
-                </p:childTnLst>
-              </p:cTn>
-              <p:prevCondLst>
-                <p:cond evt="onPrev" delay="0">
-                  <p:tgtEl>
-                    <p:sldTgt/>
-                  </p:tgtEl>
-                </p:cond>
-              </p:prevCondLst>
-              <p:nextCondLst>
-                <p:cond evt="onNext" delay="0">
-                  <p:tgtEl>
-                    <p:sldTgt/>
-                  </p:tgtEl>
-                </p:cond>
-              </p:nextCondLst>
-            </p:seq>
-          </p:childTnLst>
-        </p:cTn>
-      </p:par>
-    </p:tnLst>
-    <p:bldLst>
-      <p:bldP spid="23" grpId="0" animBg="1"/>
-      <p:bldP spid="22" grpId="0" animBg="1"/>
-    </p:bldLst>
-  </p:timing>
 </p:sld>
 </file>
 
@@ -8848,10 +7816,91 @@
       </p:grpSpPr>
       <p:sp>
         <p:nvSpPr>
-          <p:cNvPr id="23" name="Rechthoek: ezelsoor 17">
-            <a:extLst>
-              <a:ext uri="{FF2B5EF4-FFF2-40B4-BE49-F238E27FC236}">
-                <a16:creationId xmlns:a16="http://schemas.microsoft.com/office/drawing/2014/main" id="{BA6FDC0E-5305-45F1-A8C0-3050CEF311E1}"/>
+          <p:cNvPr id="2" name="Title 1">
+            <a:extLst>
+              <a:ext uri="{FF2B5EF4-FFF2-40B4-BE49-F238E27FC236}">
+                <a16:creationId xmlns:a16="http://schemas.microsoft.com/office/drawing/2014/main" id="{4123861A-F328-4BB9-8F10-4F9FB0F7E245}"/>
+              </a:ext>
+            </a:extLst>
+          </p:cNvPr>
+          <p:cNvSpPr>
+            <a:spLocks noGrp="1"/>
+          </p:cNvSpPr>
+          <p:nvPr>
+            <p:ph type="title"/>
+          </p:nvPr>
+        </p:nvSpPr>
+        <p:spPr>
+          <a:xfrm>
+            <a:off x="150834" y="216164"/>
+            <a:ext cx="11617960" cy="860848"/>
+          </a:xfrm>
+        </p:spPr>
+        <p:txBody>
+          <a:bodyPr>
+            <a:normAutofit/>
+          </a:bodyPr>
+          <a:lstStyle/>
+          <a:p>
+            <a:r>
+              <a:rPr lang="en-US" b="1" dirty="0"/>
+              <a:t>Only store files marked enabled</a:t>
+            </a:r>
+            <a:endParaRPr lang="en-NL" b="1" dirty="0"/>
+          </a:p>
+        </p:txBody>
+      </p:sp>
+      <p:sp>
+        <p:nvSpPr>
+          <p:cNvPr id="21" name="TextBox 20">
+            <a:extLst>
+              <a:ext uri="{FF2B5EF4-FFF2-40B4-BE49-F238E27FC236}">
+                <a16:creationId xmlns:a16="http://schemas.microsoft.com/office/drawing/2014/main" id="{60A84986-2B16-4899-B72A-B7BD622672FF}"/>
+              </a:ext>
+            </a:extLst>
+          </p:cNvPr>
+          <p:cNvSpPr txBox="1"/>
+          <p:nvPr/>
+        </p:nvSpPr>
+        <p:spPr>
+          <a:xfrm>
+            <a:off x="736958" y="1084642"/>
+            <a:ext cx="10304834" cy="646331"/>
+          </a:xfrm>
+          <a:prstGeom prst="rect">
+            <a:avLst/>
+          </a:prstGeom>
+          <a:noFill/>
+        </p:spPr>
+        <p:txBody>
+          <a:bodyPr wrap="square" rtlCol="0">
+            <a:spAutoFit/>
+          </a:bodyPr>
+          <a:lstStyle/>
+          <a:p>
+            <a:r>
+              <a:rPr lang="en-US" dirty="0"/>
+              <a:t>See: </a:t>
+            </a:r>
+            <a:r>
+              <a:rPr lang="en-US" b="1" dirty="0">
+                <a:latin typeface="Courier New" panose="02070309020205020404" pitchFamily="49" charset="0"/>
+                <a:cs typeface="Courier New" panose="02070309020205020404" pitchFamily="49" charset="0"/>
+              </a:rPr>
+              <a:t>markupuk-2020/101-B/example-3/example-3f.xpl</a:t>
+            </a:r>
+          </a:p>
+          <a:p>
+            <a:endParaRPr lang="en-GB" dirty="0"/>
+          </a:p>
+        </p:txBody>
+      </p:sp>
+      <p:sp>
+        <p:nvSpPr>
+          <p:cNvPr id="16" name="Rechthoek: afgeronde hoeken 3">
+            <a:extLst>
+              <a:ext uri="{FF2B5EF4-FFF2-40B4-BE49-F238E27FC236}">
+                <a16:creationId xmlns:a16="http://schemas.microsoft.com/office/drawing/2014/main" id="{59A5AC1A-BD11-43BA-BC90-C8107F1E968E}"/>
               </a:ext>
             </a:extLst>
           </p:cNvPr>
@@ -8860,7 +7909,56 @@
         </p:nvSpPr>
         <p:spPr>
           <a:xfrm>
-            <a:off x="3372051" y="5380114"/>
+            <a:off x="2283972" y="1777306"/>
+            <a:ext cx="3254309" cy="1080083"/>
+          </a:xfrm>
+          <a:prstGeom prst="roundRect">
+            <a:avLst/>
+          </a:prstGeom>
+        </p:spPr>
+        <p:style>
+          <a:lnRef idx="2">
+            <a:schemeClr val="accent1">
+              <a:shade val="50000"/>
+            </a:schemeClr>
+          </a:lnRef>
+          <a:fillRef idx="1">
+            <a:schemeClr val="accent1"/>
+          </a:fillRef>
+          <a:effectRef idx="0">
+            <a:schemeClr val="accent1"/>
+          </a:effectRef>
+          <a:fontRef idx="minor">
+            <a:schemeClr val="lt1"/>
+          </a:fontRef>
+        </p:style>
+        <p:txBody>
+          <a:bodyPr rtlCol="0" anchor="ctr"/>
+          <a:lstStyle/>
+          <a:p>
+            <a:pPr algn="ctr"/>
+            <a:r>
+              <a:rPr lang="en-US" sz="2000" dirty="0"/>
+              <a:t>Viewport on &lt;doc&gt; entries</a:t>
+            </a:r>
+          </a:p>
+        </p:txBody>
+      </p:sp>
+      <p:sp>
+        <p:nvSpPr>
+          <p:cNvPr id="19" name="Rechthoek: ezelsoor 17">
+            <a:extLst>
+              <a:ext uri="{FF2B5EF4-FFF2-40B4-BE49-F238E27FC236}">
+                <a16:creationId xmlns:a16="http://schemas.microsoft.com/office/drawing/2014/main" id="{3C697AEB-0DA9-4E68-95C7-17273EA9001C}"/>
+              </a:ext>
+            </a:extLst>
+          </p:cNvPr>
+          <p:cNvSpPr/>
+          <p:nvPr/>
+        </p:nvSpPr>
+        <p:spPr>
+          <a:xfrm>
+            <a:off x="198490" y="1926070"/>
             <a:ext cx="1076936" cy="828626"/>
           </a:xfrm>
           <a:prstGeom prst="foldedCorner">
@@ -8900,98 +7998,17 @@
                   <a:schemeClr val="tx1"/>
                 </a:solidFill>
               </a:rPr>
-              <a:t>output2.xml</a:t>
-            </a:r>
-          </a:p>
-        </p:txBody>
-      </p:sp>
-      <p:sp>
-        <p:nvSpPr>
-          <p:cNvPr id="2" name="Title 1">
-            <a:extLst>
-              <a:ext uri="{FF2B5EF4-FFF2-40B4-BE49-F238E27FC236}">
-                <a16:creationId xmlns:a16="http://schemas.microsoft.com/office/drawing/2014/main" id="{4123861A-F328-4BB9-8F10-4F9FB0F7E245}"/>
-              </a:ext>
-            </a:extLst>
-          </p:cNvPr>
-          <p:cNvSpPr>
-            <a:spLocks noGrp="1"/>
-          </p:cNvSpPr>
-          <p:nvPr>
-            <p:ph type="title"/>
-          </p:nvPr>
-        </p:nvSpPr>
-        <p:spPr>
-          <a:xfrm>
-            <a:off x="150834" y="216164"/>
-            <a:ext cx="11617960" cy="860848"/>
-          </a:xfrm>
-        </p:spPr>
-        <p:txBody>
-          <a:bodyPr>
-            <a:normAutofit/>
-          </a:bodyPr>
-          <a:lstStyle/>
-          <a:p>
-            <a:r>
-              <a:rPr lang="en-US" b="1" dirty="0"/>
-              <a:t>Output the resulting filenames</a:t>
-            </a:r>
-            <a:endParaRPr lang="en-NL" b="1" dirty="0"/>
-          </a:p>
-        </p:txBody>
-      </p:sp>
-      <p:sp>
-        <p:nvSpPr>
-          <p:cNvPr id="21" name="TextBox 20">
-            <a:extLst>
-              <a:ext uri="{FF2B5EF4-FFF2-40B4-BE49-F238E27FC236}">
-                <a16:creationId xmlns:a16="http://schemas.microsoft.com/office/drawing/2014/main" id="{60A84986-2B16-4899-B72A-B7BD622672FF}"/>
-              </a:ext>
-            </a:extLst>
-          </p:cNvPr>
-          <p:cNvSpPr txBox="1"/>
-          <p:nvPr/>
-        </p:nvSpPr>
-        <p:spPr>
-          <a:xfrm>
-            <a:off x="736958" y="1084642"/>
-            <a:ext cx="10304834" cy="646331"/>
-          </a:xfrm>
-          <a:prstGeom prst="rect">
-            <a:avLst/>
-          </a:prstGeom>
-          <a:noFill/>
-        </p:spPr>
-        <p:txBody>
-          <a:bodyPr wrap="square" rtlCol="0">
-            <a:spAutoFit/>
-          </a:bodyPr>
-          <a:lstStyle/>
-          <a:p>
-            <a:r>
-              <a:rPr lang="en-US" dirty="0"/>
-              <a:t>See: </a:t>
-            </a:r>
-            <a:r>
-              <a:rPr lang="en-US" b="1" dirty="0">
-                <a:latin typeface="Courier New" panose="02070309020205020404" pitchFamily="49" charset="0"/>
-                <a:cs typeface="Courier New" panose="02070309020205020404" pitchFamily="49" charset="0"/>
-              </a:rPr>
-              <a:t>markupuk-2020/101-B/example-3/example-3d.xpl</a:t>
-            </a:r>
-          </a:p>
-          <a:p>
-            <a:endParaRPr lang="en-GB" dirty="0"/>
-          </a:p>
-        </p:txBody>
-      </p:sp>
-      <p:sp>
-        <p:nvSpPr>
-          <p:cNvPr id="16" name="Rechthoek: afgeronde hoeken 3">
-            <a:extLst>
-              <a:ext uri="{FF2B5EF4-FFF2-40B4-BE49-F238E27FC236}">
-                <a16:creationId xmlns:a16="http://schemas.microsoft.com/office/drawing/2014/main" id="{59A5AC1A-BD11-43BA-BC90-C8107F1E968E}"/>
+              <a:t>Input document</a:t>
+            </a:r>
+          </a:p>
+        </p:txBody>
+      </p:sp>
+      <p:sp>
+        <p:nvSpPr>
+          <p:cNvPr id="22" name="Rechthoek: ezelsoor 17">
+            <a:extLst>
+              <a:ext uri="{FF2B5EF4-FFF2-40B4-BE49-F238E27FC236}">
+                <a16:creationId xmlns:a16="http://schemas.microsoft.com/office/drawing/2014/main" id="{18CDF56F-CA24-40CF-A244-8E7D16CFB44A}"/>
               </a:ext>
             </a:extLst>
           </p:cNvPr>
@@ -9000,56 +8017,7 @@
         </p:nvSpPr>
         <p:spPr>
           <a:xfrm>
-            <a:off x="2283972" y="1777306"/>
-            <a:ext cx="3254309" cy="1080083"/>
-          </a:xfrm>
-          <a:prstGeom prst="roundRect">
-            <a:avLst/>
-          </a:prstGeom>
-        </p:spPr>
-        <p:style>
-          <a:lnRef idx="2">
-            <a:schemeClr val="accent1">
-              <a:shade val="50000"/>
-            </a:schemeClr>
-          </a:lnRef>
-          <a:fillRef idx="1">
-            <a:schemeClr val="accent1"/>
-          </a:fillRef>
-          <a:effectRef idx="0">
-            <a:schemeClr val="accent1"/>
-          </a:effectRef>
-          <a:fontRef idx="minor">
-            <a:schemeClr val="lt1"/>
-          </a:fontRef>
-        </p:style>
-        <p:txBody>
-          <a:bodyPr rtlCol="0" anchor="ctr"/>
-          <a:lstStyle/>
-          <a:p>
-            <a:pPr algn="ctr"/>
-            <a:r>
-              <a:rPr lang="en-US" sz="2000" dirty="0"/>
-              <a:t>Loop over all &lt;doc&gt; entries</a:t>
-            </a:r>
-          </a:p>
-        </p:txBody>
-      </p:sp>
-      <p:sp>
-        <p:nvSpPr>
-          <p:cNvPr id="19" name="Rechthoek: ezelsoor 17">
-            <a:extLst>
-              <a:ext uri="{FF2B5EF4-FFF2-40B4-BE49-F238E27FC236}">
-                <a16:creationId xmlns:a16="http://schemas.microsoft.com/office/drawing/2014/main" id="{3C697AEB-0DA9-4E68-95C7-17273EA9001C}"/>
-              </a:ext>
-            </a:extLst>
-          </p:cNvPr>
-          <p:cNvSpPr/>
-          <p:nvPr/>
-        </p:nvSpPr>
-        <p:spPr>
-          <a:xfrm>
-            <a:off x="198490" y="1926070"/>
+            <a:off x="3911126" y="5974396"/>
             <a:ext cx="1076936" cy="828626"/>
           </a:xfrm>
           <a:prstGeom prst="foldedCorner">
@@ -9089,17 +8057,17 @@
                   <a:schemeClr val="tx1"/>
                 </a:solidFill>
               </a:rPr>
-              <a:t>Input document</a:t>
-            </a:r>
-          </a:p>
-        </p:txBody>
-      </p:sp>
-      <p:sp>
-        <p:nvSpPr>
-          <p:cNvPr id="20" name="Pijl: rechts 25">
-            <a:extLst>
-              <a:ext uri="{FF2B5EF4-FFF2-40B4-BE49-F238E27FC236}">
-                <a16:creationId xmlns:a16="http://schemas.microsoft.com/office/drawing/2014/main" id="{2DF168AA-735A-4E10-9D13-03BB77FF6B23}"/>
+              <a:t>output1.xml</a:t>
+            </a:r>
+          </a:p>
+        </p:txBody>
+      </p:sp>
+      <p:sp>
+        <p:nvSpPr>
+          <p:cNvPr id="25" name="Rechthoek: ezelsoor 34">
+            <a:extLst>
+              <a:ext uri="{FF2B5EF4-FFF2-40B4-BE49-F238E27FC236}">
+                <a16:creationId xmlns:a16="http://schemas.microsoft.com/office/drawing/2014/main" id="{D8EE1075-2149-41D2-ACAB-7804F143DB65}"/>
               </a:ext>
             </a:extLst>
           </p:cNvPr>
@@ -9108,8 +8076,67 @@
         </p:nvSpPr>
         <p:spPr>
           <a:xfrm>
-            <a:off x="5644744" y="2010453"/>
-            <a:ext cx="1424021" cy="515923"/>
+            <a:off x="7645109" y="1797540"/>
+            <a:ext cx="1147481" cy="873129"/>
+          </a:xfrm>
+          <a:prstGeom prst="foldedCorner">
+            <a:avLst/>
+          </a:prstGeom>
+          <a:solidFill>
+            <a:schemeClr val="accent4">
+              <a:lumMod val="40000"/>
+              <a:lumOff val="60000"/>
+            </a:schemeClr>
+          </a:solidFill>
+        </p:spPr>
+        <p:style>
+          <a:lnRef idx="2">
+            <a:schemeClr val="accent1">
+              <a:shade val="50000"/>
+            </a:schemeClr>
+          </a:lnRef>
+          <a:fillRef idx="1">
+            <a:schemeClr val="accent1"/>
+          </a:fillRef>
+          <a:effectRef idx="0">
+            <a:schemeClr val="accent1"/>
+          </a:effectRef>
+          <a:fontRef idx="minor">
+            <a:schemeClr val="lt1"/>
+          </a:fontRef>
+        </p:style>
+        <p:txBody>
+          <a:bodyPr rtlCol="0" anchor="ctr"/>
+          <a:lstStyle/>
+          <a:p>
+            <a:pPr algn="ctr"/>
+            <a:r>
+              <a:rPr lang="en-US" sz="1400" dirty="0">
+                <a:solidFill>
+                  <a:schemeClr val="tx1"/>
+                </a:solidFill>
+              </a:rPr>
+              <a:t>Result document</a:t>
+            </a:r>
+          </a:p>
+        </p:txBody>
+      </p:sp>
+      <p:sp>
+        <p:nvSpPr>
+          <p:cNvPr id="27" name="Pijl: rechts 25">
+            <a:extLst>
+              <a:ext uri="{FF2B5EF4-FFF2-40B4-BE49-F238E27FC236}">
+                <a16:creationId xmlns:a16="http://schemas.microsoft.com/office/drawing/2014/main" id="{9E538ADC-5AA2-491F-A3C8-73B16C9D88ED}"/>
+              </a:ext>
+            </a:extLst>
+          </p:cNvPr>
+          <p:cNvSpPr/>
+          <p:nvPr/>
+        </p:nvSpPr>
+        <p:spPr>
+          <a:xfrm>
+            <a:off x="5618189" y="1976144"/>
+            <a:ext cx="1898905" cy="515923"/>
           </a:xfrm>
           <a:prstGeom prst="rightArrow">
             <a:avLst/>
@@ -9147,7 +8174,173 @@
           <a:lstStyle/>
           <a:p>
             <a:pPr algn="ctr"/>
-            <a:endParaRPr lang="en-US" dirty="0">
+            <a:r>
+              <a:rPr lang="en-US" dirty="0">
+                <a:solidFill>
+                  <a:schemeClr val="tx1"/>
+                </a:solidFill>
+              </a:rPr>
+              <a:t>result</a:t>
+            </a:r>
+          </a:p>
+        </p:txBody>
+      </p:sp>
+      <p:sp>
+        <p:nvSpPr>
+          <p:cNvPr id="17" name="Pijl: rechts 2">
+            <a:extLst>
+              <a:ext uri="{FF2B5EF4-FFF2-40B4-BE49-F238E27FC236}">
+                <a16:creationId xmlns:a16="http://schemas.microsoft.com/office/drawing/2014/main" id="{7CD7877E-A028-431E-9CC3-371B5163FC41}"/>
+              </a:ext>
+            </a:extLst>
+          </p:cNvPr>
+          <p:cNvSpPr/>
+          <p:nvPr/>
+        </p:nvSpPr>
+        <p:spPr>
+          <a:xfrm>
+            <a:off x="1207036" y="2051053"/>
+            <a:ext cx="950607" cy="515923"/>
+          </a:xfrm>
+          <a:prstGeom prst="rightArrow">
+            <a:avLst/>
+          </a:prstGeom>
+          <a:solidFill>
+            <a:schemeClr val="accent1">
+              <a:lumMod val="20000"/>
+              <a:lumOff val="80000"/>
+            </a:schemeClr>
+          </a:solidFill>
+        </p:spPr>
+        <p:style>
+          <a:lnRef idx="2">
+            <a:schemeClr val="accent1">
+              <a:shade val="50000"/>
+            </a:schemeClr>
+          </a:lnRef>
+          <a:fillRef idx="1">
+            <a:schemeClr val="accent1"/>
+          </a:fillRef>
+          <a:effectRef idx="0">
+            <a:schemeClr val="accent1"/>
+          </a:effectRef>
+          <a:fontRef idx="minor">
+            <a:schemeClr val="lt1"/>
+          </a:fontRef>
+        </p:style>
+        <p:txBody>
+          <a:bodyPr rot="0" spcFirstLastPara="0" vertOverflow="overflow" horzOverflow="overflow" vert="horz" wrap="square" lIns="91440" tIns="45720" rIns="91440" bIns="45720" numCol="1" spcCol="0" rtlCol="0" fromWordArt="0" anchor="ctr" anchorCtr="0" forceAA="0" compatLnSpc="1">
+            <a:prstTxWarp prst="textNoShape">
+              <a:avLst/>
+            </a:prstTxWarp>
+            <a:noAutofit/>
+          </a:bodyPr>
+          <a:lstStyle/>
+          <a:p>
+            <a:pPr algn="ctr"/>
+            <a:r>
+              <a:rPr lang="en-US" dirty="0">
+                <a:solidFill>
+                  <a:schemeClr val="tx1"/>
+                </a:solidFill>
+              </a:rPr>
+              <a:t>source</a:t>
+            </a:r>
+          </a:p>
+        </p:txBody>
+      </p:sp>
+      <p:sp>
+        <p:nvSpPr>
+          <p:cNvPr id="15" name="Rechthoek: afgeronde hoeken 3">
+            <a:extLst>
+              <a:ext uri="{FF2B5EF4-FFF2-40B4-BE49-F238E27FC236}">
+                <a16:creationId xmlns:a16="http://schemas.microsoft.com/office/drawing/2014/main" id="{7B1A893A-AC89-4452-8197-3B56551C8F5E}"/>
+              </a:ext>
+            </a:extLst>
+          </p:cNvPr>
+          <p:cNvSpPr/>
+          <p:nvPr/>
+        </p:nvSpPr>
+        <p:spPr>
+          <a:xfrm>
+            <a:off x="2823691" y="4501690"/>
+            <a:ext cx="1913389" cy="1080083"/>
+          </a:xfrm>
+          <a:prstGeom prst="roundRect">
+            <a:avLst/>
+          </a:prstGeom>
+        </p:spPr>
+        <p:style>
+          <a:lnRef idx="2">
+            <a:schemeClr val="accent1">
+              <a:shade val="50000"/>
+            </a:schemeClr>
+          </a:lnRef>
+          <a:fillRef idx="1">
+            <a:schemeClr val="accent1"/>
+          </a:fillRef>
+          <a:effectRef idx="0">
+            <a:schemeClr val="accent1"/>
+          </a:effectRef>
+          <a:fontRef idx="minor">
+            <a:schemeClr val="lt1"/>
+          </a:fontRef>
+        </p:style>
+        <p:txBody>
+          <a:bodyPr rtlCol="0" anchor="ctr"/>
+          <a:lstStyle/>
+          <a:p>
+            <a:pPr algn="ctr"/>
+            <a:r>
+              <a:rPr lang="en-US" sz="2000" dirty="0"/>
+              <a:t>Store the &lt;doc&gt; entry </a:t>
+            </a:r>
+          </a:p>
+        </p:txBody>
+      </p:sp>
+      <p:sp>
+        <p:nvSpPr>
+          <p:cNvPr id="4" name="Arrow: Curved Right 3">
+            <a:extLst>
+              <a:ext uri="{FF2B5EF4-FFF2-40B4-BE49-F238E27FC236}">
+                <a16:creationId xmlns:a16="http://schemas.microsoft.com/office/drawing/2014/main" id="{C947C591-C7F9-447F-9B7D-65431849C9BF}"/>
+              </a:ext>
+            </a:extLst>
+          </p:cNvPr>
+          <p:cNvSpPr/>
+          <p:nvPr/>
+        </p:nvSpPr>
+        <p:spPr>
+          <a:xfrm>
+            <a:off x="2157643" y="2951408"/>
+            <a:ext cx="536296" cy="1049204"/>
+          </a:xfrm>
+          <a:prstGeom prst="curvedRightArrow">
+            <a:avLst/>
+          </a:prstGeom>
+        </p:spPr>
+        <p:style>
+          <a:lnRef idx="2">
+            <a:schemeClr val="accent1">
+              <a:shade val="50000"/>
+            </a:schemeClr>
+          </a:lnRef>
+          <a:fillRef idx="1">
+            <a:schemeClr val="accent1"/>
+          </a:fillRef>
+          <a:effectRef idx="0">
+            <a:schemeClr val="accent1"/>
+          </a:effectRef>
+          <a:fontRef idx="minor">
+            <a:schemeClr val="lt1"/>
+          </a:fontRef>
+        </p:style>
+        <p:txBody>
+          <a:bodyPr rtlCol="0" anchor="ctr"/>
+          <a:lstStyle/>
+          <a:p>
+            <a:pPr algn="ctr"/>
+            <a:endParaRPr lang="en-GB">
               <a:solidFill>
                 <a:schemeClr val="tx1"/>
               </a:solidFill>
@@ -9157,10 +8350,10 @@
       </p:sp>
       <p:sp>
         <p:nvSpPr>
-          <p:cNvPr id="22" name="Rechthoek: ezelsoor 17">
-            <a:extLst>
-              <a:ext uri="{FF2B5EF4-FFF2-40B4-BE49-F238E27FC236}">
-                <a16:creationId xmlns:a16="http://schemas.microsoft.com/office/drawing/2014/main" id="{18CDF56F-CA24-40CF-A244-8E7D16CFB44A}"/>
+          <p:cNvPr id="18" name="Arrow: Curved Right 17">
+            <a:extLst>
+              <a:ext uri="{FF2B5EF4-FFF2-40B4-BE49-F238E27FC236}">
+                <a16:creationId xmlns:a16="http://schemas.microsoft.com/office/drawing/2014/main" id="{0243E7D1-32B4-48DA-93CE-EDDE1EA2636B}"/>
               </a:ext>
             </a:extLst>
           </p:cNvPr>
@@ -9168,9 +8361,105 @@
           <p:nvPr/>
         </p:nvSpPr>
         <p:spPr>
-          <a:xfrm>
-            <a:off x="3190342" y="5236389"/>
-            <a:ext cx="1076936" cy="828626"/>
+          <a:xfrm rot="10800000">
+            <a:off x="5538281" y="2951408"/>
+            <a:ext cx="937542" cy="2238967"/>
+          </a:xfrm>
+          <a:prstGeom prst="curvedRightArrow">
+            <a:avLst/>
+          </a:prstGeom>
+        </p:spPr>
+        <p:style>
+          <a:lnRef idx="2">
+            <a:schemeClr val="accent1">
+              <a:shade val="50000"/>
+            </a:schemeClr>
+          </a:lnRef>
+          <a:fillRef idx="1">
+            <a:schemeClr val="accent1"/>
+          </a:fillRef>
+          <a:effectRef idx="0">
+            <a:schemeClr val="accent1"/>
+          </a:effectRef>
+          <a:fontRef idx="minor">
+            <a:schemeClr val="lt1"/>
+          </a:fontRef>
+        </p:style>
+        <p:txBody>
+          <a:bodyPr rtlCol="0" anchor="ctr"/>
+          <a:lstStyle/>
+          <a:p>
+            <a:pPr algn="ctr"/>
+            <a:endParaRPr lang="en-GB">
+              <a:solidFill>
+                <a:schemeClr val="tx1"/>
+              </a:solidFill>
+            </a:endParaRPr>
+          </a:p>
+        </p:txBody>
+      </p:sp>
+      <p:sp>
+        <p:nvSpPr>
+          <p:cNvPr id="5" name="Arrow: Down 4">
+            <a:extLst>
+              <a:ext uri="{FF2B5EF4-FFF2-40B4-BE49-F238E27FC236}">
+                <a16:creationId xmlns:a16="http://schemas.microsoft.com/office/drawing/2014/main" id="{C2065929-9FA5-4182-82AC-A1400AF5FE73}"/>
+              </a:ext>
+            </a:extLst>
+          </p:cNvPr>
+          <p:cNvSpPr/>
+          <p:nvPr/>
+        </p:nvSpPr>
+        <p:spPr>
+          <a:xfrm>
+            <a:off x="3430188" y="5685809"/>
+            <a:ext cx="350196" cy="577174"/>
+          </a:xfrm>
+          <a:prstGeom prst="downArrow">
+            <a:avLst/>
+          </a:prstGeom>
+        </p:spPr>
+        <p:style>
+          <a:lnRef idx="2">
+            <a:schemeClr val="accent1">
+              <a:shade val="50000"/>
+            </a:schemeClr>
+          </a:lnRef>
+          <a:fillRef idx="1">
+            <a:schemeClr val="accent1"/>
+          </a:fillRef>
+          <a:effectRef idx="0">
+            <a:schemeClr val="accent1"/>
+          </a:effectRef>
+          <a:fontRef idx="minor">
+            <a:schemeClr val="lt1"/>
+          </a:fontRef>
+        </p:style>
+        <p:txBody>
+          <a:bodyPr rtlCol="0" anchor="ctr"/>
+          <a:lstStyle/>
+          <a:p>
+            <a:pPr algn="ctr"/>
+            <a:endParaRPr lang="en-GB"/>
+          </a:p>
+        </p:txBody>
+      </p:sp>
+      <p:sp>
+        <p:nvSpPr>
+          <p:cNvPr id="28" name="Rechthoek: ezelsoor 17">
+            <a:extLst>
+              <a:ext uri="{FF2B5EF4-FFF2-40B4-BE49-F238E27FC236}">
+                <a16:creationId xmlns:a16="http://schemas.microsoft.com/office/drawing/2014/main" id="{F0F98436-10AC-4A66-A4DB-2448FFB65306}"/>
+              </a:ext>
+            </a:extLst>
+          </p:cNvPr>
+          <p:cNvSpPr/>
+          <p:nvPr/>
+        </p:nvSpPr>
+        <p:spPr>
+          <a:xfrm>
+            <a:off x="1385879" y="3322364"/>
+            <a:ext cx="667966" cy="678248"/>
           </a:xfrm>
           <a:prstGeom prst="foldedCorner">
             <a:avLst/>
@@ -9209,17 +8498,17 @@
                   <a:schemeClr val="tx1"/>
                 </a:solidFill>
               </a:rPr>
-              <a:t>output1.xml</a:t>
-            </a:r>
-          </a:p>
-        </p:txBody>
-      </p:sp>
-      <p:sp>
-        <p:nvSpPr>
-          <p:cNvPr id="24" name="Rechthoek: afgeronde hoeken 3">
-            <a:extLst>
-              <a:ext uri="{FF2B5EF4-FFF2-40B4-BE49-F238E27FC236}">
-                <a16:creationId xmlns:a16="http://schemas.microsoft.com/office/drawing/2014/main" id="{2970FDC1-AAB8-4538-89DA-8339B0BB2B37}"/>
+              <a:t>&lt;doc&gt; entry</a:t>
+            </a:r>
+          </a:p>
+        </p:txBody>
+      </p:sp>
+      <p:sp>
+        <p:nvSpPr>
+          <p:cNvPr id="29" name="Rechthoek: ezelsoor 17">
+            <a:extLst>
+              <a:ext uri="{FF2B5EF4-FFF2-40B4-BE49-F238E27FC236}">
+                <a16:creationId xmlns:a16="http://schemas.microsoft.com/office/drawing/2014/main" id="{D203E94D-7111-462F-894B-778C4BDD5F3D}"/>
               </a:ext>
             </a:extLst>
           </p:cNvPr>
@@ -9228,57 +8517,8 @@
         </p:nvSpPr>
         <p:spPr>
           <a:xfrm>
-            <a:off x="7192827" y="1738603"/>
-            <a:ext cx="1913389" cy="1080083"/>
-          </a:xfrm>
-          <a:prstGeom prst="roundRect">
-            <a:avLst/>
-          </a:prstGeom>
-        </p:spPr>
-        <p:style>
-          <a:lnRef idx="2">
-            <a:schemeClr val="accent1">
-              <a:shade val="50000"/>
-            </a:schemeClr>
-          </a:lnRef>
-          <a:fillRef idx="1">
-            <a:schemeClr val="accent1"/>
-          </a:fillRef>
-          <a:effectRef idx="0">
-            <a:schemeClr val="accent1"/>
-          </a:effectRef>
-          <a:fontRef idx="minor">
-            <a:schemeClr val="lt1"/>
-          </a:fontRef>
-        </p:style>
-        <p:txBody>
-          <a:bodyPr rtlCol="0" anchor="ctr"/>
-          <a:lstStyle/>
-          <a:p>
-            <a:pPr algn="ctr"/>
-            <a:r>
-              <a:rPr lang="en-US" sz="2000" dirty="0"/>
-              <a:t>Wrap the result</a:t>
-            </a:r>
-          </a:p>
-        </p:txBody>
-      </p:sp>
-      <p:sp>
-        <p:nvSpPr>
-          <p:cNvPr id="25" name="Rechthoek: ezelsoor 34">
-            <a:extLst>
-              <a:ext uri="{FF2B5EF4-FFF2-40B4-BE49-F238E27FC236}">
-                <a16:creationId xmlns:a16="http://schemas.microsoft.com/office/drawing/2014/main" id="{D8EE1075-2149-41D2-ACAB-7804F143DB65}"/>
-              </a:ext>
-            </a:extLst>
-          </p:cNvPr>
-          <p:cNvSpPr/>
-          <p:nvPr/>
-        </p:nvSpPr>
-        <p:spPr>
-          <a:xfrm>
-            <a:off x="10345819" y="1790259"/>
-            <a:ext cx="1147481" cy="873129"/>
+            <a:off x="6680915" y="3790689"/>
+            <a:ext cx="964194" cy="678248"/>
           </a:xfrm>
           <a:prstGeom prst="foldedCorner">
             <a:avLst/>
@@ -9317,17 +8557,89 @@
                   <a:schemeClr val="tx1"/>
                 </a:solidFill>
               </a:rPr>
-              <a:t>Result document</a:t>
-            </a:r>
-          </a:p>
-        </p:txBody>
-      </p:sp>
-      <p:sp>
-        <p:nvSpPr>
-          <p:cNvPr id="27" name="Pijl: rechts 25">
-            <a:extLst>
-              <a:ext uri="{FF2B5EF4-FFF2-40B4-BE49-F238E27FC236}">
-                <a16:creationId xmlns:a16="http://schemas.microsoft.com/office/drawing/2014/main" id="{9E538ADC-5AA2-491F-A3C8-73B16C9D88ED}"/>
+              <a:t>&lt;</a:t>
+            </a:r>
+            <a:r>
+              <a:rPr lang="en-US" sz="1400" dirty="0" err="1">
+                <a:solidFill>
+                  <a:schemeClr val="tx1"/>
+                </a:solidFill>
+              </a:rPr>
+              <a:t>c:result</a:t>
+            </a:r>
+            <a:r>
+              <a:rPr lang="en-US" sz="1400" dirty="0">
+                <a:solidFill>
+                  <a:schemeClr val="tx1"/>
+                </a:solidFill>
+              </a:rPr>
+              <a:t>&gt;entry</a:t>
+            </a:r>
+          </a:p>
+        </p:txBody>
+      </p:sp>
+      <p:sp>
+        <p:nvSpPr>
+          <p:cNvPr id="3" name="TextBox 2">
+            <a:extLst>
+              <a:ext uri="{FF2B5EF4-FFF2-40B4-BE49-F238E27FC236}">
+                <a16:creationId xmlns:a16="http://schemas.microsoft.com/office/drawing/2014/main" id="{2FBB9D8D-B188-4D0D-9889-B88AA9B30D85}"/>
+              </a:ext>
+            </a:extLst>
+          </p:cNvPr>
+          <p:cNvSpPr txBox="1"/>
+          <p:nvPr/>
+        </p:nvSpPr>
+        <p:spPr>
+          <a:xfrm>
+            <a:off x="6475823" y="4551783"/>
+            <a:ext cx="2188798" cy="615553"/>
+          </a:xfrm>
+          <a:prstGeom prst="rect">
+            <a:avLst/>
+          </a:prstGeom>
+          <a:noFill/>
+        </p:spPr>
+        <p:txBody>
+          <a:bodyPr wrap="square" rtlCol="0">
+            <a:spAutoFit/>
+          </a:bodyPr>
+          <a:lstStyle/>
+          <a:p>
+            <a:r>
+              <a:rPr lang="en-US" sz="1600" b="1" dirty="0">
+                <a:latin typeface="Courier New" panose="02070309020205020404" pitchFamily="49" charset="0"/>
+                <a:cs typeface="Courier New" panose="02070309020205020404" pitchFamily="49" charset="0"/>
+              </a:rPr>
+              <a:t>result-</a:t>
+            </a:r>
+            <a:r>
+              <a:rPr lang="en-US" sz="1600" b="1" dirty="0" err="1">
+                <a:latin typeface="Courier New" panose="02070309020205020404" pitchFamily="49" charset="0"/>
+                <a:cs typeface="Courier New" panose="02070309020205020404" pitchFamily="49" charset="0"/>
+              </a:rPr>
+              <a:t>uri</a:t>
+            </a:r>
+            <a:br>
+              <a:rPr lang="en-US" sz="1600" b="1" dirty="0">
+                <a:latin typeface="Courier New" panose="02070309020205020404" pitchFamily="49" charset="0"/>
+                <a:cs typeface="Courier New" panose="02070309020205020404" pitchFamily="49" charset="0"/>
+              </a:rPr>
+            </a:br>
+            <a:r>
+              <a:rPr lang="en-US" dirty="0"/>
+              <a:t>port</a:t>
+            </a:r>
+            <a:endParaRPr lang="en-GB" dirty="0"/>
+          </a:p>
+        </p:txBody>
+      </p:sp>
+      <p:sp>
+        <p:nvSpPr>
+          <p:cNvPr id="20" name="Rechthoek: afgeronde hoeken 3">
+            <a:extLst>
+              <a:ext uri="{FF2B5EF4-FFF2-40B4-BE49-F238E27FC236}">
+                <a16:creationId xmlns:a16="http://schemas.microsoft.com/office/drawing/2014/main" id="{3D3184B3-3C23-4BB9-8B7B-76BC58A37CB6}"/>
               </a:ext>
             </a:extLst>
           </p:cNvPr>
@@ -9336,18 +8648,12 @@
         </p:nvSpPr>
         <p:spPr>
           <a:xfrm>
-            <a:off x="9006171" y="2010453"/>
-            <a:ext cx="1282820" cy="515923"/>
-          </a:xfrm>
-          <a:prstGeom prst="rightArrow">
+            <a:off x="2823690" y="3302274"/>
+            <a:ext cx="1913389" cy="1080083"/>
+          </a:xfrm>
+          <a:prstGeom prst="roundRect">
             <a:avLst/>
           </a:prstGeom>
-          <a:solidFill>
-            <a:schemeClr val="accent1">
-              <a:lumMod val="20000"/>
-              <a:lumOff val="80000"/>
-            </a:schemeClr>
-          </a:solidFill>
         </p:spPr>
         <p:style>
           <a:lnRef idx="2">
@@ -9366,32 +8672,23 @@
           </a:fontRef>
         </p:style>
         <p:txBody>
-          <a:bodyPr rot="0" spcFirstLastPara="0" vertOverflow="overflow" horzOverflow="overflow" vert="horz" wrap="square" lIns="91440" tIns="45720" rIns="91440" bIns="45720" numCol="1" spcCol="0" rtlCol="0" fromWordArt="0" anchor="ctr" anchorCtr="0" forceAA="0" compatLnSpc="1">
-            <a:prstTxWarp prst="textNoShape">
-              <a:avLst/>
-            </a:prstTxWarp>
-            <a:noAutofit/>
-          </a:bodyPr>
+          <a:bodyPr rtlCol="0" anchor="ctr"/>
           <a:lstStyle/>
           <a:p>
             <a:pPr algn="ctr"/>
             <a:r>
-              <a:rPr lang="en-US" dirty="0">
-                <a:solidFill>
-                  <a:schemeClr val="tx1"/>
-                </a:solidFill>
-              </a:rPr>
-              <a:t>result</a:t>
-            </a:r>
-          </a:p>
-        </p:txBody>
-      </p:sp>
-      <p:sp>
-        <p:nvSpPr>
-          <p:cNvPr id="17" name="Pijl: rechts 2">
-            <a:extLst>
-              <a:ext uri="{FF2B5EF4-FFF2-40B4-BE49-F238E27FC236}">
-                <a16:creationId xmlns:a16="http://schemas.microsoft.com/office/drawing/2014/main" id="{7CD7877E-A028-431E-9CC3-371B5163FC41}"/>
+              <a:rPr lang="en-US" sz="2000" dirty="0"/>
+              <a:t>@enabled = "true"? </a:t>
+            </a:r>
+          </a:p>
+        </p:txBody>
+      </p:sp>
+      <p:sp>
+        <p:nvSpPr>
+          <p:cNvPr id="24" name="Arrow: Curved Right 23">
+            <a:extLst>
+              <a:ext uri="{FF2B5EF4-FFF2-40B4-BE49-F238E27FC236}">
+                <a16:creationId xmlns:a16="http://schemas.microsoft.com/office/drawing/2014/main" id="{E38B40B0-1491-4626-8FDA-94FFE8884AE9}"/>
               </a:ext>
             </a:extLst>
           </p:cNvPr>
@@ -9399,19 +8696,13 @@
           <p:nvPr/>
         </p:nvSpPr>
         <p:spPr>
-          <a:xfrm>
-            <a:off x="1207036" y="2051053"/>
-            <a:ext cx="950607" cy="515923"/>
-          </a:xfrm>
-          <a:prstGeom prst="rightArrow">
+          <a:xfrm rot="10800000">
+            <a:off x="4895453" y="2903722"/>
+            <a:ext cx="484452" cy="1174755"/>
+          </a:xfrm>
+          <a:prstGeom prst="curvedRightArrow">
             <a:avLst/>
           </a:prstGeom>
-          <a:solidFill>
-            <a:schemeClr val="accent1">
-              <a:lumMod val="20000"/>
-              <a:lumOff val="80000"/>
-            </a:schemeClr>
-          </a:solidFill>
         </p:spPr>
         <p:style>
           <a:lnRef idx="2">
@@ -9430,113 +8721,6 @@
           </a:fontRef>
         </p:style>
         <p:txBody>
-          <a:bodyPr rot="0" spcFirstLastPara="0" vertOverflow="overflow" horzOverflow="overflow" vert="horz" wrap="square" lIns="91440" tIns="45720" rIns="91440" bIns="45720" numCol="1" spcCol="0" rtlCol="0" fromWordArt="0" anchor="ctr" anchorCtr="0" forceAA="0" compatLnSpc="1">
-            <a:prstTxWarp prst="textNoShape">
-              <a:avLst/>
-            </a:prstTxWarp>
-            <a:noAutofit/>
-          </a:bodyPr>
-          <a:lstStyle/>
-          <a:p>
-            <a:pPr algn="ctr"/>
-            <a:r>
-              <a:rPr lang="en-US" dirty="0">
-                <a:solidFill>
-                  <a:schemeClr val="tx1"/>
-                </a:solidFill>
-              </a:rPr>
-              <a:t>source</a:t>
-            </a:r>
-          </a:p>
-        </p:txBody>
-      </p:sp>
-      <p:sp>
-        <p:nvSpPr>
-          <p:cNvPr id="15" name="Rechthoek: afgeronde hoeken 3">
-            <a:extLst>
-              <a:ext uri="{FF2B5EF4-FFF2-40B4-BE49-F238E27FC236}">
-                <a16:creationId xmlns:a16="http://schemas.microsoft.com/office/drawing/2014/main" id="{7B1A893A-AC89-4452-8197-3B56551C8F5E}"/>
-              </a:ext>
-            </a:extLst>
-          </p:cNvPr>
-          <p:cNvSpPr/>
-          <p:nvPr/>
-        </p:nvSpPr>
-        <p:spPr>
-          <a:xfrm>
-            <a:off x="2814180" y="3217639"/>
-            <a:ext cx="1913389" cy="1080083"/>
-          </a:xfrm>
-          <a:prstGeom prst="roundRect">
-            <a:avLst/>
-          </a:prstGeom>
-        </p:spPr>
-        <p:style>
-          <a:lnRef idx="2">
-            <a:schemeClr val="accent1">
-              <a:shade val="50000"/>
-            </a:schemeClr>
-          </a:lnRef>
-          <a:fillRef idx="1">
-            <a:schemeClr val="accent1"/>
-          </a:fillRef>
-          <a:effectRef idx="0">
-            <a:schemeClr val="accent1"/>
-          </a:effectRef>
-          <a:fontRef idx="minor">
-            <a:schemeClr val="lt1"/>
-          </a:fontRef>
-        </p:style>
-        <p:txBody>
-          <a:bodyPr rtlCol="0" anchor="ctr"/>
-          <a:lstStyle/>
-          <a:p>
-            <a:pPr algn="ctr"/>
-            <a:r>
-              <a:rPr lang="en-US" sz="2000" dirty="0"/>
-              <a:t>Store the &lt;doc&gt; entry</a:t>
-            </a:r>
-          </a:p>
-        </p:txBody>
-      </p:sp>
-      <p:sp>
-        <p:nvSpPr>
-          <p:cNvPr id="4" name="Arrow: Curved Right 3">
-            <a:extLst>
-              <a:ext uri="{FF2B5EF4-FFF2-40B4-BE49-F238E27FC236}">
-                <a16:creationId xmlns:a16="http://schemas.microsoft.com/office/drawing/2014/main" id="{C947C591-C7F9-447F-9B7D-65431849C9BF}"/>
-              </a:ext>
-            </a:extLst>
-          </p:cNvPr>
-          <p:cNvSpPr/>
-          <p:nvPr/>
-        </p:nvSpPr>
-        <p:spPr>
-          <a:xfrm>
-            <a:off x="2157643" y="2951408"/>
-            <a:ext cx="536296" cy="1049204"/>
-          </a:xfrm>
-          <a:prstGeom prst="curvedRightArrow">
-            <a:avLst/>
-          </a:prstGeom>
-        </p:spPr>
-        <p:style>
-          <a:lnRef idx="2">
-            <a:schemeClr val="accent1">
-              <a:shade val="50000"/>
-            </a:schemeClr>
-          </a:lnRef>
-          <a:fillRef idx="1">
-            <a:schemeClr val="accent1"/>
-          </a:fillRef>
-          <a:effectRef idx="0">
-            <a:schemeClr val="accent1"/>
-          </a:effectRef>
-          <a:fontRef idx="minor">
-            <a:schemeClr val="lt1"/>
-          </a:fontRef>
-        </p:style>
-        <p:txBody>
           <a:bodyPr rtlCol="0" anchor="ctr"/>
           <a:lstStyle/>
           <a:p>
@@ -9551,301 +8735,10 @@
       </p:sp>
       <p:sp>
         <p:nvSpPr>
-          <p:cNvPr id="18" name="Arrow: Curved Right 17">
-            <a:extLst>
-              <a:ext uri="{FF2B5EF4-FFF2-40B4-BE49-F238E27FC236}">
-                <a16:creationId xmlns:a16="http://schemas.microsoft.com/office/drawing/2014/main" id="{0243E7D1-32B4-48DA-93CE-EDDE1EA2636B}"/>
-              </a:ext>
-            </a:extLst>
-          </p:cNvPr>
-          <p:cNvSpPr/>
-          <p:nvPr/>
-        </p:nvSpPr>
-        <p:spPr>
-          <a:xfrm rot="10800000">
-            <a:off x="4935166" y="2903722"/>
-            <a:ext cx="536296" cy="1049204"/>
-          </a:xfrm>
-          <a:prstGeom prst="curvedRightArrow">
-            <a:avLst/>
-          </a:prstGeom>
-        </p:spPr>
-        <p:style>
-          <a:lnRef idx="2">
-            <a:schemeClr val="accent1">
-              <a:shade val="50000"/>
-            </a:schemeClr>
-          </a:lnRef>
-          <a:fillRef idx="1">
-            <a:schemeClr val="accent1"/>
-          </a:fillRef>
-          <a:effectRef idx="0">
-            <a:schemeClr val="accent1"/>
-          </a:effectRef>
-          <a:fontRef idx="minor">
-            <a:schemeClr val="lt1"/>
-          </a:fontRef>
-        </p:style>
-        <p:txBody>
-          <a:bodyPr rtlCol="0" anchor="ctr"/>
-          <a:lstStyle/>
-          <a:p>
-            <a:pPr algn="ctr"/>
-            <a:endParaRPr lang="en-GB">
-              <a:solidFill>
-                <a:schemeClr val="tx1"/>
-              </a:solidFill>
-            </a:endParaRPr>
-          </a:p>
-        </p:txBody>
-      </p:sp>
-      <p:sp>
-        <p:nvSpPr>
-          <p:cNvPr id="5" name="Arrow: Down 4">
-            <a:extLst>
-              <a:ext uri="{FF2B5EF4-FFF2-40B4-BE49-F238E27FC236}">
-                <a16:creationId xmlns:a16="http://schemas.microsoft.com/office/drawing/2014/main" id="{C2065929-9FA5-4182-82AC-A1400AF5FE73}"/>
-              </a:ext>
-            </a:extLst>
-          </p:cNvPr>
-          <p:cNvSpPr/>
-          <p:nvPr/>
-        </p:nvSpPr>
-        <p:spPr>
-          <a:xfrm>
-            <a:off x="3560323" y="4483067"/>
-            <a:ext cx="350196" cy="577174"/>
-          </a:xfrm>
-          <a:prstGeom prst="downArrow">
-            <a:avLst/>
-          </a:prstGeom>
-        </p:spPr>
-        <p:style>
-          <a:lnRef idx="2">
-            <a:schemeClr val="accent1">
-              <a:shade val="50000"/>
-            </a:schemeClr>
-          </a:lnRef>
-          <a:fillRef idx="1">
-            <a:schemeClr val="accent1"/>
-          </a:fillRef>
-          <a:effectRef idx="0">
-            <a:schemeClr val="accent1"/>
-          </a:effectRef>
-          <a:fontRef idx="minor">
-            <a:schemeClr val="lt1"/>
-          </a:fontRef>
-        </p:style>
-        <p:txBody>
-          <a:bodyPr rtlCol="0" anchor="ctr"/>
-          <a:lstStyle/>
-          <a:p>
-            <a:pPr algn="ctr"/>
-            <a:endParaRPr lang="en-GB"/>
-          </a:p>
-        </p:txBody>
-      </p:sp>
-      <p:sp>
-        <p:nvSpPr>
-          <p:cNvPr id="28" name="Rechthoek: ezelsoor 17">
-            <a:extLst>
-              <a:ext uri="{FF2B5EF4-FFF2-40B4-BE49-F238E27FC236}">
-                <a16:creationId xmlns:a16="http://schemas.microsoft.com/office/drawing/2014/main" id="{F0F98436-10AC-4A66-A4DB-2448FFB65306}"/>
-              </a:ext>
-            </a:extLst>
-          </p:cNvPr>
-          <p:cNvSpPr/>
-          <p:nvPr/>
-        </p:nvSpPr>
-        <p:spPr>
-          <a:xfrm>
-            <a:off x="1385879" y="3322364"/>
-            <a:ext cx="667966" cy="678248"/>
-          </a:xfrm>
-          <a:prstGeom prst="foldedCorner">
-            <a:avLst/>
-          </a:prstGeom>
-          <a:solidFill>
-            <a:schemeClr val="accent4">
-              <a:lumMod val="40000"/>
-              <a:lumOff val="60000"/>
-            </a:schemeClr>
-          </a:solidFill>
-        </p:spPr>
-        <p:style>
-          <a:lnRef idx="2">
-            <a:schemeClr val="accent1">
-              <a:shade val="50000"/>
-            </a:schemeClr>
-          </a:lnRef>
-          <a:fillRef idx="1">
-            <a:schemeClr val="accent1"/>
-          </a:fillRef>
-          <a:effectRef idx="0">
-            <a:schemeClr val="accent1"/>
-          </a:effectRef>
-          <a:fontRef idx="minor">
-            <a:schemeClr val="lt1"/>
-          </a:fontRef>
-        </p:style>
-        <p:txBody>
-          <a:bodyPr rtlCol="0" anchor="ctr"/>
-          <a:lstStyle/>
-          <a:p>
-            <a:pPr algn="ctr"/>
-            <a:r>
-              <a:rPr lang="en-US" sz="1400" dirty="0">
-                <a:solidFill>
-                  <a:schemeClr val="tx1"/>
-                </a:solidFill>
-              </a:rPr>
-              <a:t>&lt;doc&gt; entry</a:t>
-            </a:r>
-          </a:p>
-        </p:txBody>
-      </p:sp>
-      <p:sp>
-        <p:nvSpPr>
-          <p:cNvPr id="29" name="Rechthoek: ezelsoor 17">
-            <a:extLst>
-              <a:ext uri="{FF2B5EF4-FFF2-40B4-BE49-F238E27FC236}">
-                <a16:creationId xmlns:a16="http://schemas.microsoft.com/office/drawing/2014/main" id="{D203E94D-7111-462F-894B-778C4BDD5F3D}"/>
-              </a:ext>
-            </a:extLst>
-          </p:cNvPr>
-          <p:cNvSpPr/>
-          <p:nvPr/>
-        </p:nvSpPr>
-        <p:spPr>
-          <a:xfrm>
-            <a:off x="5618189" y="3322364"/>
-            <a:ext cx="964194" cy="678248"/>
-          </a:xfrm>
-          <a:prstGeom prst="foldedCorner">
-            <a:avLst/>
-          </a:prstGeom>
-          <a:solidFill>
-            <a:schemeClr val="accent4">
-              <a:lumMod val="40000"/>
-              <a:lumOff val="60000"/>
-            </a:schemeClr>
-          </a:solidFill>
-        </p:spPr>
-        <p:style>
-          <a:lnRef idx="2">
-            <a:schemeClr val="accent1">
-              <a:shade val="50000"/>
-            </a:schemeClr>
-          </a:lnRef>
-          <a:fillRef idx="1">
-            <a:schemeClr val="accent1"/>
-          </a:fillRef>
-          <a:effectRef idx="0">
-            <a:schemeClr val="accent1"/>
-          </a:effectRef>
-          <a:fontRef idx="minor">
-            <a:schemeClr val="lt1"/>
-          </a:fontRef>
-        </p:style>
-        <p:txBody>
-          <a:bodyPr rtlCol="0" anchor="ctr"/>
-          <a:lstStyle/>
-          <a:p>
-            <a:pPr algn="ctr"/>
-            <a:r>
-              <a:rPr lang="en-US" sz="1400" dirty="0">
-                <a:solidFill>
-                  <a:schemeClr val="tx1"/>
-                </a:solidFill>
-              </a:rPr>
-              <a:t>&lt;</a:t>
-            </a:r>
-            <a:r>
-              <a:rPr lang="en-US" sz="1400" dirty="0" err="1">
-                <a:solidFill>
-                  <a:schemeClr val="tx1"/>
-                </a:solidFill>
-              </a:rPr>
-              <a:t>c:result</a:t>
-            </a:r>
-            <a:r>
-              <a:rPr lang="en-US" sz="1400" dirty="0">
-                <a:solidFill>
-                  <a:schemeClr val="tx1"/>
-                </a:solidFill>
-              </a:rPr>
-              <a:t>&gt;entry</a:t>
-            </a:r>
-          </a:p>
-        </p:txBody>
-      </p:sp>
-      <p:sp>
-        <p:nvSpPr>
-          <p:cNvPr id="30" name="Pijl: rechts 25">
-            <a:extLst>
-              <a:ext uri="{FF2B5EF4-FFF2-40B4-BE49-F238E27FC236}">
-                <a16:creationId xmlns:a16="http://schemas.microsoft.com/office/drawing/2014/main" id="{7A87EFFE-EBDF-48C2-9481-960ADFFBB42E}"/>
-              </a:ext>
-            </a:extLst>
-          </p:cNvPr>
-          <p:cNvSpPr/>
-          <p:nvPr/>
-        </p:nvSpPr>
-        <p:spPr>
-          <a:xfrm>
-            <a:off x="5834816" y="2146339"/>
-            <a:ext cx="1424021" cy="515923"/>
-          </a:xfrm>
-          <a:prstGeom prst="rightArrow">
-            <a:avLst/>
-          </a:prstGeom>
-          <a:solidFill>
-            <a:schemeClr val="accent1">
-              <a:lumMod val="20000"/>
-              <a:lumOff val="80000"/>
-            </a:schemeClr>
-          </a:solidFill>
-        </p:spPr>
-        <p:style>
-          <a:lnRef idx="2">
-            <a:schemeClr val="accent1">
-              <a:shade val="50000"/>
-            </a:schemeClr>
-          </a:lnRef>
-          <a:fillRef idx="1">
-            <a:schemeClr val="accent1"/>
-          </a:fillRef>
-          <a:effectRef idx="0">
-            <a:schemeClr val="accent1"/>
-          </a:effectRef>
-          <a:fontRef idx="minor">
-            <a:schemeClr val="lt1"/>
-          </a:fontRef>
-        </p:style>
-        <p:txBody>
-          <a:bodyPr rot="0" spcFirstLastPara="0" vertOverflow="overflow" horzOverflow="overflow" vert="horz" wrap="square" lIns="91440" tIns="45720" rIns="91440" bIns="45720" numCol="1" spcCol="0" rtlCol="0" fromWordArt="0" anchor="ctr" anchorCtr="0" forceAA="0" compatLnSpc="1">
-            <a:prstTxWarp prst="textNoShape">
-              <a:avLst/>
-            </a:prstTxWarp>
-            <a:noAutofit/>
-          </a:bodyPr>
-          <a:lstStyle/>
-          <a:p>
-            <a:pPr algn="ctr"/>
-            <a:endParaRPr lang="en-US" dirty="0">
-              <a:solidFill>
-                <a:schemeClr val="tx1"/>
-              </a:solidFill>
-            </a:endParaRPr>
-          </a:p>
-        </p:txBody>
-      </p:sp>
-      <p:sp>
-        <p:nvSpPr>
-          <p:cNvPr id="3" name="TextBox 2">
-            <a:extLst>
-              <a:ext uri="{FF2B5EF4-FFF2-40B4-BE49-F238E27FC236}">
-                <a16:creationId xmlns:a16="http://schemas.microsoft.com/office/drawing/2014/main" id="{2FBB9D8D-B188-4D0D-9889-B88AA9B30D85}"/>
+          <p:cNvPr id="6" name="TextBox 5">
+            <a:extLst>
+              <a:ext uri="{FF2B5EF4-FFF2-40B4-BE49-F238E27FC236}">
+                <a16:creationId xmlns:a16="http://schemas.microsoft.com/office/drawing/2014/main" id="{129379D0-A7B5-487F-A110-ABB60234BD34}"/>
               </a:ext>
             </a:extLst>
           </p:cNvPr>
@@ -9854,8 +8747,8 @@
         </p:nvSpPr>
         <p:spPr>
           <a:xfrm>
-            <a:off x="4794976" y="4045161"/>
-            <a:ext cx="2188798" cy="615553"/>
+            <a:off x="4734128" y="4012418"/>
+            <a:ext cx="1225686" cy="523220"/>
           </a:xfrm>
           <a:prstGeom prst="rect">
             <a:avLst/>
@@ -9869,183 +8762,23 @@
           <a:lstStyle/>
           <a:p>
             <a:r>
-              <a:rPr lang="en-US" sz="1600" b="1" dirty="0">
-                <a:latin typeface="Courier New" panose="02070309020205020404" pitchFamily="49" charset="0"/>
-                <a:cs typeface="Courier New" panose="02070309020205020404" pitchFamily="49" charset="0"/>
-              </a:rPr>
-              <a:t>result-</a:t>
-            </a:r>
-            <a:r>
-              <a:rPr lang="en-US" sz="1600" b="1" dirty="0" err="1">
-                <a:latin typeface="Courier New" panose="02070309020205020404" pitchFamily="49" charset="0"/>
-                <a:cs typeface="Courier New" panose="02070309020205020404" pitchFamily="49" charset="0"/>
-              </a:rPr>
-              <a:t>uri</a:t>
-            </a:r>
-            <a:br>
-              <a:rPr lang="en-US" sz="1600" b="1" dirty="0">
-                <a:latin typeface="Courier New" panose="02070309020205020404" pitchFamily="49" charset="0"/>
-                <a:cs typeface="Courier New" panose="02070309020205020404" pitchFamily="49" charset="0"/>
-              </a:rPr>
-            </a:br>
-            <a:r>
-              <a:rPr lang="en-US" dirty="0"/>
-              <a:t>port</a:t>
-            </a:r>
-            <a:endParaRPr lang="en-GB" dirty="0"/>
+              <a:rPr lang="en-US" sz="1400" dirty="0"/>
+              <a:t>Original &lt;doc&gt; entry</a:t>
+            </a:r>
+            <a:endParaRPr lang="en-GB" sz="1400" dirty="0"/>
           </a:p>
         </p:txBody>
       </p:sp>
     </p:spTree>
     <p:extLst>
       <p:ext uri="{BB962C8B-B14F-4D97-AF65-F5344CB8AC3E}">
-        <p14:creationId xmlns:p14="http://schemas.microsoft.com/office/powerpoint/2010/main" val="3551227362"/>
+        <p14:creationId xmlns:p14="http://schemas.microsoft.com/office/powerpoint/2010/main" val="3207425413"/>
       </p:ext>
     </p:extLst>
   </p:cSld>
   <p:clrMapOvr>
     <a:masterClrMapping/>
   </p:clrMapOvr>
-  <p:timing>
-    <p:tnLst>
-      <p:par>
-        <p:cTn id="1" dur="indefinite" restart="never" nodeType="tmRoot">
-          <p:childTnLst>
-            <p:seq concurrent="1" nextAc="seek">
-              <p:cTn id="2" dur="indefinite" nodeType="mainSeq">
-                <p:childTnLst>
-                  <p:par>
-                    <p:cTn id="3" fill="hold">
-                      <p:stCondLst>
-                        <p:cond delay="indefinite"/>
-                      </p:stCondLst>
-                      <p:childTnLst>
-                        <p:par>
-                          <p:cTn id="4" fill="hold">
-                            <p:stCondLst>
-                              <p:cond delay="0"/>
-                            </p:stCondLst>
-                            <p:childTnLst>
-                              <p:par>
-                                <p:cTn id="5" presetID="10" presetClass="entr" presetSubtype="0" fill="hold" grpId="0" nodeType="clickEffect">
-                                  <p:stCondLst>
-                                    <p:cond delay="0"/>
-                                  </p:stCondLst>
-                                  <p:childTnLst>
-                                    <p:set>
-                                      <p:cBhvr>
-                                        <p:cTn id="6" dur="1" fill="hold">
-                                          <p:stCondLst>
-                                            <p:cond delay="0"/>
-                                          </p:stCondLst>
-                                        </p:cTn>
-                                        <p:tgtEl>
-                                          <p:spTgt spid="22"/>
-                                        </p:tgtEl>
-                                        <p:attrNameLst>
-                                          <p:attrName>style.visibility</p:attrName>
-                                        </p:attrNameLst>
-                                      </p:cBhvr>
-                                      <p:to>
-                                        <p:strVal val="visible"/>
-                                      </p:to>
-                                    </p:set>
-                                    <p:animEffect transition="in" filter="fade">
-                                      <p:cBhvr>
-                                        <p:cTn id="7" dur="2000"/>
-                                        <p:tgtEl>
-                                          <p:spTgt spid="22"/>
-                                        </p:tgtEl>
-                                      </p:cBhvr>
-                                    </p:animEffect>
-                                  </p:childTnLst>
-                                </p:cTn>
-                              </p:par>
-                            </p:childTnLst>
-                          </p:cTn>
-                        </p:par>
-                      </p:childTnLst>
-                    </p:cTn>
-                  </p:par>
-                  <p:par>
-                    <p:cTn id="8" fill="hold">
-                      <p:stCondLst>
-                        <p:cond delay="indefinite"/>
-                      </p:stCondLst>
-                      <p:childTnLst>
-                        <p:par>
-                          <p:cTn id="9" fill="hold">
-                            <p:stCondLst>
-                              <p:cond delay="0"/>
-                            </p:stCondLst>
-                            <p:childTnLst>
-                              <p:par>
-                                <p:cTn id="10" presetID="10" presetClass="entr" presetSubtype="0" fill="hold" grpId="0" nodeType="clickEffect">
-                                  <p:stCondLst>
-                                    <p:cond delay="0"/>
-                                  </p:stCondLst>
-                                  <p:childTnLst>
-                                    <p:set>
-                                      <p:cBhvr>
-                                        <p:cTn id="11" dur="1" fill="hold">
-                                          <p:stCondLst>
-                                            <p:cond delay="0"/>
-                                          </p:stCondLst>
-                                        </p:cTn>
-                                        <p:tgtEl>
-                                          <p:spTgt spid="23"/>
-                                        </p:tgtEl>
-                                        <p:attrNameLst>
-                                          <p:attrName>style.visibility</p:attrName>
-                                        </p:attrNameLst>
-                                      </p:cBhvr>
-                                      <p:to>
-                                        <p:strVal val="visible"/>
-                                      </p:to>
-                                    </p:set>
-                                    <p:animEffect transition="in" filter="fade">
-                                      <p:cBhvr>
-                                        <p:cTn id="12" dur="2000"/>
-                                        <p:tgtEl>
-                                          <p:spTgt spid="23"/>
-                                        </p:tgtEl>
-                                      </p:cBhvr>
-                                    </p:animEffect>
-                                  </p:childTnLst>
-                                </p:cTn>
-                              </p:par>
-                            </p:childTnLst>
-                          </p:cTn>
-                        </p:par>
-                      </p:childTnLst>
-                    </p:cTn>
-                  </p:par>
-                </p:childTnLst>
-              </p:cTn>
-              <p:prevCondLst>
-                <p:cond evt="onPrev" delay="0">
-                  <p:tgtEl>
-                    <p:sldTgt/>
-                  </p:tgtEl>
-                </p:cond>
-              </p:prevCondLst>
-              <p:nextCondLst>
-                <p:cond evt="onNext" delay="0">
-                  <p:tgtEl>
-                    <p:sldTgt/>
-                  </p:tgtEl>
-                </p:cond>
-              </p:nextCondLst>
-            </p:seq>
-          </p:childTnLst>
-        </p:cTn>
-      </p:par>
-    </p:tnLst>
-    <p:bldLst>
-      <p:bldP spid="23" grpId="0" animBg="1"/>
-      <p:bldP spid="22" grpId="0" animBg="1"/>
-    </p:bldLst>
-  </p:timing>
 </p:sld>
 </file>
 
@@ -10068,69 +8801,10 @@
       </p:grpSpPr>
       <p:sp>
         <p:nvSpPr>
-          <p:cNvPr id="23" name="Rechthoek: ezelsoor 17">
-            <a:extLst>
-              <a:ext uri="{FF2B5EF4-FFF2-40B4-BE49-F238E27FC236}">
-                <a16:creationId xmlns:a16="http://schemas.microsoft.com/office/drawing/2014/main" id="{BA6FDC0E-5305-45F1-A8C0-3050CEF311E1}"/>
-              </a:ext>
-            </a:extLst>
-          </p:cNvPr>
-          <p:cNvSpPr/>
-          <p:nvPr/>
-        </p:nvSpPr>
-        <p:spPr>
-          <a:xfrm>
-            <a:off x="3372051" y="5380114"/>
-            <a:ext cx="1076936" cy="828626"/>
-          </a:xfrm>
-          <a:prstGeom prst="foldedCorner">
-            <a:avLst/>
-          </a:prstGeom>
-          <a:solidFill>
-            <a:schemeClr val="accent4">
-              <a:lumMod val="40000"/>
-              <a:lumOff val="60000"/>
-            </a:schemeClr>
-          </a:solidFill>
-        </p:spPr>
-        <p:style>
-          <a:lnRef idx="2">
-            <a:schemeClr val="accent1">
-              <a:shade val="50000"/>
-            </a:schemeClr>
-          </a:lnRef>
-          <a:fillRef idx="1">
-            <a:schemeClr val="accent1"/>
-          </a:fillRef>
-          <a:effectRef idx="0">
-            <a:schemeClr val="accent1"/>
-          </a:effectRef>
-          <a:fontRef idx="minor">
-            <a:schemeClr val="lt1"/>
-          </a:fontRef>
-        </p:style>
-        <p:txBody>
-          <a:bodyPr rtlCol="0" anchor="ctr"/>
-          <a:lstStyle/>
-          <a:p>
-            <a:pPr algn="ctr"/>
-            <a:r>
-              <a:rPr lang="en-US" sz="1400" dirty="0">
-                <a:solidFill>
-                  <a:schemeClr val="tx1"/>
-                </a:solidFill>
-              </a:rPr>
-              <a:t>output2.xml</a:t>
-            </a:r>
-          </a:p>
-        </p:txBody>
-      </p:sp>
-      <p:sp>
-        <p:nvSpPr>
           <p:cNvPr id="2" name="Title 1">
             <a:extLst>
               <a:ext uri="{FF2B5EF4-FFF2-40B4-BE49-F238E27FC236}">
-                <a16:creationId xmlns:a16="http://schemas.microsoft.com/office/drawing/2014/main" id="{4123861A-F328-4BB9-8F10-4F9FB0F7E245}"/>
+                <a16:creationId xmlns:a16="http://schemas.microsoft.com/office/drawing/2014/main" id="{E1A291CF-5B52-4363-8617-5B975E8B14C2}"/>
               </a:ext>
             </a:extLst>
           </p:cNvPr>
@@ -10141,10 +8815,39 @@
             <p:ph type="title"/>
           </p:nvPr>
         </p:nvSpPr>
-        <p:spPr>
-          <a:xfrm>
-            <a:off x="150834" y="216164"/>
-            <a:ext cx="11617960" cy="860848"/>
+        <p:spPr/>
+        <p:txBody>
+          <a:bodyPr/>
+          <a:lstStyle/>
+          <a:p>
+            <a:r>
+              <a:rPr lang="en-US" dirty="0"/>
+              <a:t>Wrap up:</a:t>
+            </a:r>
+            <a:endParaRPr lang="en-GB" dirty="0"/>
+          </a:p>
+        </p:txBody>
+      </p:sp>
+      <p:sp>
+        <p:nvSpPr>
+          <p:cNvPr id="3" name="Content Placeholder 2">
+            <a:extLst>
+              <a:ext uri="{FF2B5EF4-FFF2-40B4-BE49-F238E27FC236}">
+                <a16:creationId xmlns:a16="http://schemas.microsoft.com/office/drawing/2014/main" id="{376FB710-45A2-488E-80EE-BFEC0D4BFA7B}"/>
+              </a:ext>
+            </a:extLst>
+          </p:cNvPr>
+          <p:cNvSpPr>
+            <a:spLocks noGrp="1"/>
+          </p:cNvSpPr>
+          <p:nvPr>
+            <p:ph idx="1"/>
+          </p:nvPr>
+        </p:nvSpPr>
+        <p:spPr>
+          <a:xfrm>
+            <a:off x="838200" y="1485089"/>
+            <a:ext cx="10515600" cy="4691874"/>
           </a:xfrm>
         </p:spPr>
         <p:txBody>
@@ -10154,793 +8857,102 @@
           <a:lstStyle/>
           <a:p>
             <a:r>
-              <a:rPr lang="en-US" b="1" dirty="0"/>
-              <a:t>Output the resulting filenames, using p:viewport</a:t>
-            </a:r>
-            <a:endParaRPr lang="en-NL" b="1" dirty="0"/>
-          </a:p>
-        </p:txBody>
-      </p:sp>
-      <p:sp>
-        <p:nvSpPr>
-          <p:cNvPr id="21" name="TextBox 20">
-            <a:extLst>
-              <a:ext uri="{FF2B5EF4-FFF2-40B4-BE49-F238E27FC236}">
-                <a16:creationId xmlns:a16="http://schemas.microsoft.com/office/drawing/2014/main" id="{60A84986-2B16-4899-B72A-B7BD622672FF}"/>
-              </a:ext>
-            </a:extLst>
-          </p:cNvPr>
-          <p:cNvSpPr txBox="1"/>
-          <p:nvPr/>
-        </p:nvSpPr>
-        <p:spPr>
-          <a:xfrm>
-            <a:off x="736958" y="1084642"/>
-            <a:ext cx="10304834" cy="646331"/>
-          </a:xfrm>
-          <a:prstGeom prst="rect">
-            <a:avLst/>
-          </a:prstGeom>
-          <a:noFill/>
-        </p:spPr>
-        <p:txBody>
-          <a:bodyPr wrap="square" rtlCol="0">
-            <a:spAutoFit/>
-          </a:bodyPr>
-          <a:lstStyle/>
-          <a:p>
-            <a:r>
               <a:rPr lang="en-US" dirty="0"/>
-              <a:t>See: </a:t>
-            </a:r>
+              <a:t>You can set options by attribute or using </a:t>
+            </a:r>
+            <a:r>
+              <a:rPr lang="en-US" sz="2400" b="1" dirty="0">
+                <a:latin typeface="Courier New" panose="02070309020205020404" pitchFamily="49" charset="0"/>
+                <a:cs typeface="Courier New" panose="02070309020205020404" pitchFamily="49" charset="0"/>
+              </a:rPr>
+              <a:t>&lt;</a:t>
+            </a:r>
+            <a:r>
+              <a:rPr lang="en-US" sz="2400" b="1" dirty="0" err="1">
+                <a:latin typeface="Courier New" panose="02070309020205020404" pitchFamily="49" charset="0"/>
+                <a:cs typeface="Courier New" panose="02070309020205020404" pitchFamily="49" charset="0"/>
+              </a:rPr>
+              <a:t>p:with-option</a:t>
+            </a:r>
+            <a:r>
+              <a:rPr lang="en-US" sz="2400" b="1" dirty="0">
+                <a:latin typeface="Courier New" panose="02070309020205020404" pitchFamily="49" charset="0"/>
+                <a:cs typeface="Courier New" panose="02070309020205020404" pitchFamily="49" charset="0"/>
+              </a:rPr>
+              <a:t>&gt;</a:t>
+            </a:r>
+            <a:endParaRPr lang="en-US" b="1" dirty="0">
+              <a:latin typeface="Courier New" panose="02070309020205020404" pitchFamily="49" charset="0"/>
+              <a:cs typeface="Courier New" panose="02070309020205020404" pitchFamily="49" charset="0"/>
+            </a:endParaRPr>
+          </a:p>
+          <a:p>
+            <a:pPr lvl="1"/>
+            <a:r>
+              <a:rPr lang="en-US" dirty="0"/>
+              <a:t>Watch out: Who is going to interpret the XPath expressions?</a:t>
+            </a:r>
+          </a:p>
+          <a:p>
+            <a:r>
+              <a:rPr lang="en-US" dirty="0"/>
+              <a:t>You can define and use variables</a:t>
+            </a:r>
+          </a:p>
+          <a:p>
+            <a:pPr lvl="1"/>
+            <a:r>
+              <a:rPr lang="en-US" dirty="0"/>
+              <a:t>XPath expression do not have to be based on the document flowing through</a:t>
+            </a:r>
+          </a:p>
+          <a:p>
+            <a:r>
+              <a:rPr lang="en-US" dirty="0"/>
+              <a:t>There are core steps for looping, decision making, etc.</a:t>
+            </a:r>
+            <a:br>
+              <a:rPr lang="en-US" dirty="0"/>
+            </a:br>
+            <a:r>
+              <a:rPr lang="en-US" dirty="0"/>
+              <a:t>We looked at:</a:t>
+            </a:r>
+          </a:p>
+          <a:p>
+            <a:pPr lvl="1"/>
             <a:r>
               <a:rPr lang="en-US" b="1" dirty="0">
                 <a:latin typeface="Courier New" panose="02070309020205020404" pitchFamily="49" charset="0"/>
                 <a:cs typeface="Courier New" panose="02070309020205020404" pitchFamily="49" charset="0"/>
               </a:rPr>
-              <a:t>markupuk-2020/101-B/example-3/example-3e.xpl</a:t>
-            </a:r>
-          </a:p>
-          <a:p>
-            <a:endParaRPr lang="en-GB" dirty="0"/>
-          </a:p>
-        </p:txBody>
-      </p:sp>
-      <p:sp>
-        <p:nvSpPr>
-          <p:cNvPr id="16" name="Rechthoek: afgeronde hoeken 3">
-            <a:extLst>
-              <a:ext uri="{FF2B5EF4-FFF2-40B4-BE49-F238E27FC236}">
-                <a16:creationId xmlns:a16="http://schemas.microsoft.com/office/drawing/2014/main" id="{59A5AC1A-BD11-43BA-BC90-C8107F1E968E}"/>
-              </a:ext>
-            </a:extLst>
-          </p:cNvPr>
-          <p:cNvSpPr/>
-          <p:nvPr/>
-        </p:nvSpPr>
-        <p:spPr>
-          <a:xfrm>
-            <a:off x="2283972" y="1777306"/>
-            <a:ext cx="3254309" cy="1080083"/>
-          </a:xfrm>
-          <a:prstGeom prst="roundRect">
-            <a:avLst/>
-          </a:prstGeom>
-        </p:spPr>
-        <p:style>
-          <a:lnRef idx="2">
-            <a:schemeClr val="accent1">
-              <a:shade val="50000"/>
-            </a:schemeClr>
-          </a:lnRef>
-          <a:fillRef idx="1">
-            <a:schemeClr val="accent1"/>
-          </a:fillRef>
-          <a:effectRef idx="0">
-            <a:schemeClr val="accent1"/>
-          </a:effectRef>
-          <a:fontRef idx="minor">
-            <a:schemeClr val="lt1"/>
-          </a:fontRef>
-        </p:style>
-        <p:txBody>
-          <a:bodyPr rtlCol="0" anchor="ctr"/>
-          <a:lstStyle/>
-          <a:p>
-            <a:pPr algn="ctr"/>
-            <a:r>
-              <a:rPr lang="en-US" sz="2000" dirty="0"/>
-              <a:t>Viewport on &lt;doc&gt; entries</a:t>
-            </a:r>
-          </a:p>
-        </p:txBody>
-      </p:sp>
-      <p:sp>
-        <p:nvSpPr>
-          <p:cNvPr id="19" name="Rechthoek: ezelsoor 17">
-            <a:extLst>
-              <a:ext uri="{FF2B5EF4-FFF2-40B4-BE49-F238E27FC236}">
-                <a16:creationId xmlns:a16="http://schemas.microsoft.com/office/drawing/2014/main" id="{3C697AEB-0DA9-4E68-95C7-17273EA9001C}"/>
-              </a:ext>
-            </a:extLst>
-          </p:cNvPr>
-          <p:cNvSpPr/>
-          <p:nvPr/>
-        </p:nvSpPr>
-        <p:spPr>
-          <a:xfrm>
-            <a:off x="198490" y="1926070"/>
-            <a:ext cx="1076936" cy="828626"/>
-          </a:xfrm>
-          <a:prstGeom prst="foldedCorner">
-            <a:avLst/>
-          </a:prstGeom>
-          <a:solidFill>
-            <a:schemeClr val="accent4">
-              <a:lumMod val="40000"/>
-              <a:lumOff val="60000"/>
-            </a:schemeClr>
-          </a:solidFill>
-        </p:spPr>
-        <p:style>
-          <a:lnRef idx="2">
-            <a:schemeClr val="accent1">
-              <a:shade val="50000"/>
-            </a:schemeClr>
-          </a:lnRef>
-          <a:fillRef idx="1">
-            <a:schemeClr val="accent1"/>
-          </a:fillRef>
-          <a:effectRef idx="0">
-            <a:schemeClr val="accent1"/>
-          </a:effectRef>
-          <a:fontRef idx="minor">
-            <a:schemeClr val="lt1"/>
-          </a:fontRef>
-        </p:style>
-        <p:txBody>
-          <a:bodyPr rtlCol="0" anchor="ctr"/>
-          <a:lstStyle/>
-          <a:p>
-            <a:pPr algn="ctr"/>
-            <a:r>
-              <a:rPr lang="en-US" sz="1400" dirty="0">
-                <a:solidFill>
-                  <a:schemeClr val="tx1"/>
-                </a:solidFill>
-              </a:rPr>
-              <a:t>Input document</a:t>
-            </a:r>
-          </a:p>
-        </p:txBody>
-      </p:sp>
-      <p:sp>
-        <p:nvSpPr>
-          <p:cNvPr id="22" name="Rechthoek: ezelsoor 17">
-            <a:extLst>
-              <a:ext uri="{FF2B5EF4-FFF2-40B4-BE49-F238E27FC236}">
-                <a16:creationId xmlns:a16="http://schemas.microsoft.com/office/drawing/2014/main" id="{18CDF56F-CA24-40CF-A244-8E7D16CFB44A}"/>
-              </a:ext>
-            </a:extLst>
-          </p:cNvPr>
-          <p:cNvSpPr/>
-          <p:nvPr/>
-        </p:nvSpPr>
-        <p:spPr>
-          <a:xfrm>
-            <a:off x="3190342" y="5236389"/>
-            <a:ext cx="1076936" cy="828626"/>
-          </a:xfrm>
-          <a:prstGeom prst="foldedCorner">
-            <a:avLst/>
-          </a:prstGeom>
-          <a:solidFill>
-            <a:schemeClr val="accent4">
-              <a:lumMod val="40000"/>
-              <a:lumOff val="60000"/>
-            </a:schemeClr>
-          </a:solidFill>
-        </p:spPr>
-        <p:style>
-          <a:lnRef idx="2">
-            <a:schemeClr val="accent1">
-              <a:shade val="50000"/>
-            </a:schemeClr>
-          </a:lnRef>
-          <a:fillRef idx="1">
-            <a:schemeClr val="accent1"/>
-          </a:fillRef>
-          <a:effectRef idx="0">
-            <a:schemeClr val="accent1"/>
-          </a:effectRef>
-          <a:fontRef idx="minor">
-            <a:schemeClr val="lt1"/>
-          </a:fontRef>
-        </p:style>
-        <p:txBody>
-          <a:bodyPr rtlCol="0" anchor="ctr"/>
-          <a:lstStyle/>
-          <a:p>
-            <a:pPr algn="ctr"/>
-            <a:r>
-              <a:rPr lang="en-US" sz="1400" dirty="0">
-                <a:solidFill>
-                  <a:schemeClr val="tx1"/>
-                </a:solidFill>
-              </a:rPr>
-              <a:t>output1.xml</a:t>
-            </a:r>
-          </a:p>
-        </p:txBody>
-      </p:sp>
-      <p:sp>
-        <p:nvSpPr>
-          <p:cNvPr id="25" name="Rechthoek: ezelsoor 34">
-            <a:extLst>
-              <a:ext uri="{FF2B5EF4-FFF2-40B4-BE49-F238E27FC236}">
-                <a16:creationId xmlns:a16="http://schemas.microsoft.com/office/drawing/2014/main" id="{D8EE1075-2149-41D2-ACAB-7804F143DB65}"/>
-              </a:ext>
-            </a:extLst>
-          </p:cNvPr>
-          <p:cNvSpPr/>
-          <p:nvPr/>
-        </p:nvSpPr>
-        <p:spPr>
-          <a:xfrm>
-            <a:off x="7645109" y="1797540"/>
-            <a:ext cx="1147481" cy="873129"/>
-          </a:xfrm>
-          <a:prstGeom prst="foldedCorner">
-            <a:avLst/>
-          </a:prstGeom>
-          <a:solidFill>
-            <a:schemeClr val="accent4">
-              <a:lumMod val="40000"/>
-              <a:lumOff val="60000"/>
-            </a:schemeClr>
-          </a:solidFill>
-        </p:spPr>
-        <p:style>
-          <a:lnRef idx="2">
-            <a:schemeClr val="accent1">
-              <a:shade val="50000"/>
-            </a:schemeClr>
-          </a:lnRef>
-          <a:fillRef idx="1">
-            <a:schemeClr val="accent1"/>
-          </a:fillRef>
-          <a:effectRef idx="0">
-            <a:schemeClr val="accent1"/>
-          </a:effectRef>
-          <a:fontRef idx="minor">
-            <a:schemeClr val="lt1"/>
-          </a:fontRef>
-        </p:style>
-        <p:txBody>
-          <a:bodyPr rtlCol="0" anchor="ctr"/>
-          <a:lstStyle/>
-          <a:p>
-            <a:pPr algn="ctr"/>
-            <a:r>
-              <a:rPr lang="en-US" sz="1400" dirty="0">
-                <a:solidFill>
-                  <a:schemeClr val="tx1"/>
-                </a:solidFill>
-              </a:rPr>
-              <a:t>Result document</a:t>
-            </a:r>
-          </a:p>
-        </p:txBody>
-      </p:sp>
-      <p:sp>
-        <p:nvSpPr>
-          <p:cNvPr id="27" name="Pijl: rechts 25">
-            <a:extLst>
-              <a:ext uri="{FF2B5EF4-FFF2-40B4-BE49-F238E27FC236}">
-                <a16:creationId xmlns:a16="http://schemas.microsoft.com/office/drawing/2014/main" id="{9E538ADC-5AA2-491F-A3C8-73B16C9D88ED}"/>
-              </a:ext>
-            </a:extLst>
-          </p:cNvPr>
-          <p:cNvSpPr/>
-          <p:nvPr/>
-        </p:nvSpPr>
-        <p:spPr>
-          <a:xfrm>
-            <a:off x="5618189" y="1976144"/>
-            <a:ext cx="1898905" cy="515923"/>
-          </a:xfrm>
-          <a:prstGeom prst="rightArrow">
-            <a:avLst/>
-          </a:prstGeom>
-          <a:solidFill>
-            <a:schemeClr val="accent1">
-              <a:lumMod val="20000"/>
-              <a:lumOff val="80000"/>
-            </a:schemeClr>
-          </a:solidFill>
-        </p:spPr>
-        <p:style>
-          <a:lnRef idx="2">
-            <a:schemeClr val="accent1">
-              <a:shade val="50000"/>
-            </a:schemeClr>
-          </a:lnRef>
-          <a:fillRef idx="1">
-            <a:schemeClr val="accent1"/>
-          </a:fillRef>
-          <a:effectRef idx="0">
-            <a:schemeClr val="accent1"/>
-          </a:effectRef>
-          <a:fontRef idx="minor">
-            <a:schemeClr val="lt1"/>
-          </a:fontRef>
-        </p:style>
-        <p:txBody>
-          <a:bodyPr rot="0" spcFirstLastPara="0" vertOverflow="overflow" horzOverflow="overflow" vert="horz" wrap="square" lIns="91440" tIns="45720" rIns="91440" bIns="45720" numCol="1" spcCol="0" rtlCol="0" fromWordArt="0" anchor="ctr" anchorCtr="0" forceAA="0" compatLnSpc="1">
-            <a:prstTxWarp prst="textNoShape">
-              <a:avLst/>
-            </a:prstTxWarp>
-            <a:noAutofit/>
-          </a:bodyPr>
-          <a:lstStyle/>
-          <a:p>
-            <a:pPr algn="ctr"/>
-            <a:r>
-              <a:rPr lang="en-US" dirty="0">
-                <a:solidFill>
-                  <a:schemeClr val="tx1"/>
-                </a:solidFill>
-              </a:rPr>
-              <a:t>result</a:t>
-            </a:r>
-          </a:p>
-        </p:txBody>
-      </p:sp>
-      <p:sp>
-        <p:nvSpPr>
-          <p:cNvPr id="17" name="Pijl: rechts 2">
-            <a:extLst>
-              <a:ext uri="{FF2B5EF4-FFF2-40B4-BE49-F238E27FC236}">
-                <a16:creationId xmlns:a16="http://schemas.microsoft.com/office/drawing/2014/main" id="{7CD7877E-A028-431E-9CC3-371B5163FC41}"/>
-              </a:ext>
-            </a:extLst>
-          </p:cNvPr>
-          <p:cNvSpPr/>
-          <p:nvPr/>
-        </p:nvSpPr>
-        <p:spPr>
-          <a:xfrm>
-            <a:off x="1207036" y="2051053"/>
-            <a:ext cx="950607" cy="515923"/>
-          </a:xfrm>
-          <a:prstGeom prst="rightArrow">
-            <a:avLst/>
-          </a:prstGeom>
-          <a:solidFill>
-            <a:schemeClr val="accent1">
-              <a:lumMod val="20000"/>
-              <a:lumOff val="80000"/>
-            </a:schemeClr>
-          </a:solidFill>
-        </p:spPr>
-        <p:style>
-          <a:lnRef idx="2">
-            <a:schemeClr val="accent1">
-              <a:shade val="50000"/>
-            </a:schemeClr>
-          </a:lnRef>
-          <a:fillRef idx="1">
-            <a:schemeClr val="accent1"/>
-          </a:fillRef>
-          <a:effectRef idx="0">
-            <a:schemeClr val="accent1"/>
-          </a:effectRef>
-          <a:fontRef idx="minor">
-            <a:schemeClr val="lt1"/>
-          </a:fontRef>
-        </p:style>
-        <p:txBody>
-          <a:bodyPr rot="0" spcFirstLastPara="0" vertOverflow="overflow" horzOverflow="overflow" vert="horz" wrap="square" lIns="91440" tIns="45720" rIns="91440" bIns="45720" numCol="1" spcCol="0" rtlCol="0" fromWordArt="0" anchor="ctr" anchorCtr="0" forceAA="0" compatLnSpc="1">
-            <a:prstTxWarp prst="textNoShape">
-              <a:avLst/>
-            </a:prstTxWarp>
-            <a:noAutofit/>
-          </a:bodyPr>
-          <a:lstStyle/>
-          <a:p>
-            <a:pPr algn="ctr"/>
-            <a:r>
-              <a:rPr lang="en-US" dirty="0">
-                <a:solidFill>
-                  <a:schemeClr val="tx1"/>
-                </a:solidFill>
-              </a:rPr>
-              <a:t>source</a:t>
-            </a:r>
-          </a:p>
-        </p:txBody>
-      </p:sp>
-      <p:sp>
-        <p:nvSpPr>
-          <p:cNvPr id="15" name="Rechthoek: afgeronde hoeken 3">
-            <a:extLst>
-              <a:ext uri="{FF2B5EF4-FFF2-40B4-BE49-F238E27FC236}">
-                <a16:creationId xmlns:a16="http://schemas.microsoft.com/office/drawing/2014/main" id="{7B1A893A-AC89-4452-8197-3B56551C8F5E}"/>
-              </a:ext>
-            </a:extLst>
-          </p:cNvPr>
-          <p:cNvSpPr/>
-          <p:nvPr/>
-        </p:nvSpPr>
-        <p:spPr>
-          <a:xfrm>
-            <a:off x="2814180" y="3217639"/>
-            <a:ext cx="1913389" cy="1080083"/>
-          </a:xfrm>
-          <a:prstGeom prst="roundRect">
-            <a:avLst/>
-          </a:prstGeom>
-        </p:spPr>
-        <p:style>
-          <a:lnRef idx="2">
-            <a:schemeClr val="accent1">
-              <a:shade val="50000"/>
-            </a:schemeClr>
-          </a:lnRef>
-          <a:fillRef idx="1">
-            <a:schemeClr val="accent1"/>
-          </a:fillRef>
-          <a:effectRef idx="0">
-            <a:schemeClr val="accent1"/>
-          </a:effectRef>
-          <a:fontRef idx="minor">
-            <a:schemeClr val="lt1"/>
-          </a:fontRef>
-        </p:style>
-        <p:txBody>
-          <a:bodyPr rtlCol="0" anchor="ctr"/>
-          <a:lstStyle/>
-          <a:p>
-            <a:pPr algn="ctr"/>
-            <a:r>
-              <a:rPr lang="en-US" sz="2000" dirty="0"/>
-              <a:t>Store the &lt;doc&gt; entry</a:t>
-            </a:r>
-          </a:p>
-        </p:txBody>
-      </p:sp>
-      <p:sp>
-        <p:nvSpPr>
-          <p:cNvPr id="4" name="Arrow: Curved Right 3">
-            <a:extLst>
-              <a:ext uri="{FF2B5EF4-FFF2-40B4-BE49-F238E27FC236}">
-                <a16:creationId xmlns:a16="http://schemas.microsoft.com/office/drawing/2014/main" id="{C947C591-C7F9-447F-9B7D-65431849C9BF}"/>
-              </a:ext>
-            </a:extLst>
-          </p:cNvPr>
-          <p:cNvSpPr/>
-          <p:nvPr/>
-        </p:nvSpPr>
-        <p:spPr>
-          <a:xfrm>
-            <a:off x="2157643" y="2951408"/>
-            <a:ext cx="536296" cy="1049204"/>
-          </a:xfrm>
-          <a:prstGeom prst="curvedRightArrow">
-            <a:avLst/>
-          </a:prstGeom>
-        </p:spPr>
-        <p:style>
-          <a:lnRef idx="2">
-            <a:schemeClr val="accent1">
-              <a:shade val="50000"/>
-            </a:schemeClr>
-          </a:lnRef>
-          <a:fillRef idx="1">
-            <a:schemeClr val="accent1"/>
-          </a:fillRef>
-          <a:effectRef idx="0">
-            <a:schemeClr val="accent1"/>
-          </a:effectRef>
-          <a:fontRef idx="minor">
-            <a:schemeClr val="lt1"/>
-          </a:fontRef>
-        </p:style>
-        <p:txBody>
-          <a:bodyPr rtlCol="0" anchor="ctr"/>
-          <a:lstStyle/>
-          <a:p>
-            <a:pPr algn="ctr"/>
-            <a:endParaRPr lang="en-GB">
-              <a:solidFill>
-                <a:schemeClr val="tx1"/>
-              </a:solidFill>
-            </a:endParaRPr>
-          </a:p>
-        </p:txBody>
-      </p:sp>
-      <p:sp>
-        <p:nvSpPr>
-          <p:cNvPr id="18" name="Arrow: Curved Right 17">
-            <a:extLst>
-              <a:ext uri="{FF2B5EF4-FFF2-40B4-BE49-F238E27FC236}">
-                <a16:creationId xmlns:a16="http://schemas.microsoft.com/office/drawing/2014/main" id="{0243E7D1-32B4-48DA-93CE-EDDE1EA2636B}"/>
-              </a:ext>
-            </a:extLst>
-          </p:cNvPr>
-          <p:cNvSpPr/>
-          <p:nvPr/>
-        </p:nvSpPr>
-        <p:spPr>
-          <a:xfrm rot="10800000">
-            <a:off x="4935166" y="2903722"/>
-            <a:ext cx="536296" cy="1049204"/>
-          </a:xfrm>
-          <a:prstGeom prst="curvedRightArrow">
-            <a:avLst/>
-          </a:prstGeom>
-        </p:spPr>
-        <p:style>
-          <a:lnRef idx="2">
-            <a:schemeClr val="accent1">
-              <a:shade val="50000"/>
-            </a:schemeClr>
-          </a:lnRef>
-          <a:fillRef idx="1">
-            <a:schemeClr val="accent1"/>
-          </a:fillRef>
-          <a:effectRef idx="0">
-            <a:schemeClr val="accent1"/>
-          </a:effectRef>
-          <a:fontRef idx="minor">
-            <a:schemeClr val="lt1"/>
-          </a:fontRef>
-        </p:style>
-        <p:txBody>
-          <a:bodyPr rtlCol="0" anchor="ctr"/>
-          <a:lstStyle/>
-          <a:p>
-            <a:pPr algn="ctr"/>
-            <a:endParaRPr lang="en-GB">
-              <a:solidFill>
-                <a:schemeClr val="tx1"/>
-              </a:solidFill>
-            </a:endParaRPr>
-          </a:p>
-        </p:txBody>
-      </p:sp>
-      <p:sp>
-        <p:nvSpPr>
-          <p:cNvPr id="5" name="Arrow: Down 4">
-            <a:extLst>
-              <a:ext uri="{FF2B5EF4-FFF2-40B4-BE49-F238E27FC236}">
-                <a16:creationId xmlns:a16="http://schemas.microsoft.com/office/drawing/2014/main" id="{C2065929-9FA5-4182-82AC-A1400AF5FE73}"/>
-              </a:ext>
-            </a:extLst>
-          </p:cNvPr>
-          <p:cNvSpPr/>
-          <p:nvPr/>
-        </p:nvSpPr>
-        <p:spPr>
-          <a:xfrm>
-            <a:off x="3560323" y="4483067"/>
-            <a:ext cx="350196" cy="577174"/>
-          </a:xfrm>
-          <a:prstGeom prst="downArrow">
-            <a:avLst/>
-          </a:prstGeom>
-        </p:spPr>
-        <p:style>
-          <a:lnRef idx="2">
-            <a:schemeClr val="accent1">
-              <a:shade val="50000"/>
-            </a:schemeClr>
-          </a:lnRef>
-          <a:fillRef idx="1">
-            <a:schemeClr val="accent1"/>
-          </a:fillRef>
-          <a:effectRef idx="0">
-            <a:schemeClr val="accent1"/>
-          </a:effectRef>
-          <a:fontRef idx="minor">
-            <a:schemeClr val="lt1"/>
-          </a:fontRef>
-        </p:style>
-        <p:txBody>
-          <a:bodyPr rtlCol="0" anchor="ctr"/>
-          <a:lstStyle/>
-          <a:p>
-            <a:pPr algn="ctr"/>
-            <a:endParaRPr lang="en-GB"/>
-          </a:p>
-        </p:txBody>
-      </p:sp>
-      <p:sp>
-        <p:nvSpPr>
-          <p:cNvPr id="28" name="Rechthoek: ezelsoor 17">
-            <a:extLst>
-              <a:ext uri="{FF2B5EF4-FFF2-40B4-BE49-F238E27FC236}">
-                <a16:creationId xmlns:a16="http://schemas.microsoft.com/office/drawing/2014/main" id="{F0F98436-10AC-4A66-A4DB-2448FFB65306}"/>
-              </a:ext>
-            </a:extLst>
-          </p:cNvPr>
-          <p:cNvSpPr/>
-          <p:nvPr/>
-        </p:nvSpPr>
-        <p:spPr>
-          <a:xfrm>
-            <a:off x="1385879" y="3322364"/>
-            <a:ext cx="667966" cy="678248"/>
-          </a:xfrm>
-          <a:prstGeom prst="foldedCorner">
-            <a:avLst/>
-          </a:prstGeom>
-          <a:solidFill>
-            <a:schemeClr val="accent4">
-              <a:lumMod val="40000"/>
-              <a:lumOff val="60000"/>
-            </a:schemeClr>
-          </a:solidFill>
-        </p:spPr>
-        <p:style>
-          <a:lnRef idx="2">
-            <a:schemeClr val="accent1">
-              <a:shade val="50000"/>
-            </a:schemeClr>
-          </a:lnRef>
-          <a:fillRef idx="1">
-            <a:schemeClr val="accent1"/>
-          </a:fillRef>
-          <a:effectRef idx="0">
-            <a:schemeClr val="accent1"/>
-          </a:effectRef>
-          <a:fontRef idx="minor">
-            <a:schemeClr val="lt1"/>
-          </a:fontRef>
-        </p:style>
-        <p:txBody>
-          <a:bodyPr rtlCol="0" anchor="ctr"/>
-          <a:lstStyle/>
-          <a:p>
-            <a:pPr algn="ctr"/>
-            <a:r>
-              <a:rPr lang="en-US" sz="1400" dirty="0">
-                <a:solidFill>
-                  <a:schemeClr val="tx1"/>
-                </a:solidFill>
-              </a:rPr>
-              <a:t>&lt;doc&gt; entry</a:t>
-            </a:r>
-          </a:p>
-        </p:txBody>
-      </p:sp>
-      <p:sp>
-        <p:nvSpPr>
-          <p:cNvPr id="29" name="Rechthoek: ezelsoor 17">
-            <a:extLst>
-              <a:ext uri="{FF2B5EF4-FFF2-40B4-BE49-F238E27FC236}">
-                <a16:creationId xmlns:a16="http://schemas.microsoft.com/office/drawing/2014/main" id="{D203E94D-7111-462F-894B-778C4BDD5F3D}"/>
-              </a:ext>
-            </a:extLst>
-          </p:cNvPr>
-          <p:cNvSpPr/>
-          <p:nvPr/>
-        </p:nvSpPr>
-        <p:spPr>
-          <a:xfrm>
-            <a:off x="5618189" y="3322364"/>
-            <a:ext cx="964194" cy="678248"/>
-          </a:xfrm>
-          <a:prstGeom prst="foldedCorner">
-            <a:avLst/>
-          </a:prstGeom>
-          <a:solidFill>
-            <a:schemeClr val="accent4">
-              <a:lumMod val="40000"/>
-              <a:lumOff val="60000"/>
-            </a:schemeClr>
-          </a:solidFill>
-        </p:spPr>
-        <p:style>
-          <a:lnRef idx="2">
-            <a:schemeClr val="accent1">
-              <a:shade val="50000"/>
-            </a:schemeClr>
-          </a:lnRef>
-          <a:fillRef idx="1">
-            <a:schemeClr val="accent1"/>
-          </a:fillRef>
-          <a:effectRef idx="0">
-            <a:schemeClr val="accent1"/>
-          </a:effectRef>
-          <a:fontRef idx="minor">
-            <a:schemeClr val="lt1"/>
-          </a:fontRef>
-        </p:style>
-        <p:txBody>
-          <a:bodyPr rtlCol="0" anchor="ctr"/>
-          <a:lstStyle/>
-          <a:p>
-            <a:pPr algn="ctr"/>
-            <a:r>
-              <a:rPr lang="en-US" sz="1400" dirty="0">
-                <a:solidFill>
-                  <a:schemeClr val="tx1"/>
-                </a:solidFill>
-              </a:rPr>
-              <a:t>&lt;</a:t>
-            </a:r>
-            <a:r>
-              <a:rPr lang="en-US" sz="1400" dirty="0" err="1">
-                <a:solidFill>
-                  <a:schemeClr val="tx1"/>
-                </a:solidFill>
-              </a:rPr>
-              <a:t>c:result</a:t>
-            </a:r>
-            <a:r>
-              <a:rPr lang="en-US" sz="1400" dirty="0">
-                <a:solidFill>
-                  <a:schemeClr val="tx1"/>
-                </a:solidFill>
-              </a:rPr>
-              <a:t>&gt;entry</a:t>
-            </a:r>
-          </a:p>
-        </p:txBody>
-      </p:sp>
-      <p:sp>
-        <p:nvSpPr>
-          <p:cNvPr id="3" name="TextBox 2">
-            <a:extLst>
-              <a:ext uri="{FF2B5EF4-FFF2-40B4-BE49-F238E27FC236}">
-                <a16:creationId xmlns:a16="http://schemas.microsoft.com/office/drawing/2014/main" id="{2FBB9D8D-B188-4D0D-9889-B88AA9B30D85}"/>
-              </a:ext>
-            </a:extLst>
-          </p:cNvPr>
-          <p:cNvSpPr txBox="1"/>
-          <p:nvPr/>
-        </p:nvSpPr>
-        <p:spPr>
-          <a:xfrm>
-            <a:off x="4794976" y="4045161"/>
-            <a:ext cx="2188798" cy="615553"/>
-          </a:xfrm>
-          <a:prstGeom prst="rect">
-            <a:avLst/>
-          </a:prstGeom>
-          <a:noFill/>
-        </p:spPr>
-        <p:txBody>
-          <a:bodyPr wrap="square" rtlCol="0">
-            <a:spAutoFit/>
-          </a:bodyPr>
-          <a:lstStyle/>
-          <a:p>
-            <a:r>
-              <a:rPr lang="en-US" sz="1600" b="1" dirty="0">
-                <a:latin typeface="Courier New" panose="02070309020205020404" pitchFamily="49" charset="0"/>
-                <a:cs typeface="Courier New" panose="02070309020205020404" pitchFamily="49" charset="0"/>
-              </a:rPr>
-              <a:t>result-</a:t>
-            </a:r>
-            <a:r>
-              <a:rPr lang="en-US" sz="1600" b="1" dirty="0" err="1">
-                <a:latin typeface="Courier New" panose="02070309020205020404" pitchFamily="49" charset="0"/>
-                <a:cs typeface="Courier New" panose="02070309020205020404" pitchFamily="49" charset="0"/>
-              </a:rPr>
-              <a:t>uri</a:t>
-            </a:r>
-            <a:br>
-              <a:rPr lang="en-US" sz="1600" b="1" dirty="0">
-                <a:latin typeface="Courier New" panose="02070309020205020404" pitchFamily="49" charset="0"/>
-                <a:cs typeface="Courier New" panose="02070309020205020404" pitchFamily="49" charset="0"/>
-              </a:rPr>
-            </a:br>
-            <a:r>
-              <a:rPr lang="en-US" dirty="0"/>
-              <a:t>port</a:t>
-            </a:r>
+              <a:t>p:for-each</a:t>
+            </a:r>
+          </a:p>
+          <a:p>
+            <a:pPr lvl="1"/>
+            <a:r>
+              <a:rPr lang="en-US" b="1" dirty="0">
+                <a:latin typeface="Courier New" panose="02070309020205020404" pitchFamily="49" charset="0"/>
+                <a:cs typeface="Courier New" panose="02070309020205020404" pitchFamily="49" charset="0"/>
+              </a:rPr>
+              <a:t>p:viewport</a:t>
+            </a:r>
+          </a:p>
+          <a:p>
+            <a:pPr lvl="1"/>
+            <a:r>
+              <a:rPr lang="en-US" b="1" dirty="0">
+                <a:latin typeface="Courier New" panose="02070309020205020404" pitchFamily="49" charset="0"/>
+                <a:cs typeface="Courier New" panose="02070309020205020404" pitchFamily="49" charset="0"/>
+              </a:rPr>
+              <a:t>p:if</a:t>
+            </a:r>
+          </a:p>
+          <a:p>
+            <a:pPr marL="457200" lvl="1" indent="0">
+              <a:buNone/>
+            </a:pPr>
             <a:endParaRPr lang="en-GB" dirty="0"/>
           </a:p>
         </p:txBody>
@@ -10948,153 +8960,13 @@
     </p:spTree>
     <p:extLst>
       <p:ext uri="{BB962C8B-B14F-4D97-AF65-F5344CB8AC3E}">
-        <p14:creationId xmlns:p14="http://schemas.microsoft.com/office/powerpoint/2010/main" val="1126811494"/>
+        <p14:creationId xmlns:p14="http://schemas.microsoft.com/office/powerpoint/2010/main" val="1043788117"/>
       </p:ext>
     </p:extLst>
   </p:cSld>
   <p:clrMapOvr>
     <a:masterClrMapping/>
   </p:clrMapOvr>
-  <p:timing>
-    <p:tnLst>
-      <p:par>
-        <p:cTn id="1" dur="indefinite" restart="never" nodeType="tmRoot">
-          <p:childTnLst>
-            <p:seq concurrent="1" nextAc="seek">
-              <p:cTn id="2" dur="indefinite" nodeType="mainSeq">
-                <p:childTnLst>
-                  <p:par>
-                    <p:cTn id="3" fill="hold">
-                      <p:stCondLst>
-                        <p:cond delay="indefinite"/>
-                      </p:stCondLst>
-                      <p:childTnLst>
-                        <p:par>
-                          <p:cTn id="4" fill="hold">
-                            <p:stCondLst>
-                              <p:cond delay="0"/>
-                            </p:stCondLst>
-                            <p:childTnLst>
-                              <p:par>
-                                <p:cTn id="5" presetID="10" presetClass="entr" presetSubtype="0" fill="hold" grpId="0" nodeType="clickEffect">
-                                  <p:stCondLst>
-                                    <p:cond delay="0"/>
-                                  </p:stCondLst>
-                                  <p:childTnLst>
-                                    <p:set>
-                                      <p:cBhvr>
-                                        <p:cTn id="6" dur="1" fill="hold">
-                                          <p:stCondLst>
-                                            <p:cond delay="0"/>
-                                          </p:stCondLst>
-                                        </p:cTn>
-                                        <p:tgtEl>
-                                          <p:spTgt spid="22"/>
-                                        </p:tgtEl>
-                                        <p:attrNameLst>
-                                          <p:attrName>style.visibility</p:attrName>
-                                        </p:attrNameLst>
-                                      </p:cBhvr>
-                                      <p:to>
-                                        <p:strVal val="visible"/>
-                                      </p:to>
-                                    </p:set>
-                                    <p:animEffect transition="in" filter="fade">
-                                      <p:cBhvr>
-                                        <p:cTn id="7" dur="2000"/>
-                                        <p:tgtEl>
-                                          <p:spTgt spid="22"/>
-                                        </p:tgtEl>
-                                      </p:cBhvr>
-                                    </p:animEffect>
-                                  </p:childTnLst>
-                                </p:cTn>
-                              </p:par>
-                            </p:childTnLst>
-                          </p:cTn>
-                        </p:par>
-                      </p:childTnLst>
-                    </p:cTn>
-                  </p:par>
-                  <p:par>
-                    <p:cTn id="8" fill="hold">
-                      <p:stCondLst>
-                        <p:cond delay="indefinite"/>
-                      </p:stCondLst>
-                      <p:childTnLst>
-                        <p:par>
-                          <p:cTn id="9" fill="hold">
-                            <p:stCondLst>
-                              <p:cond delay="0"/>
-                            </p:stCondLst>
-                            <p:childTnLst>
-                              <p:par>
-                                <p:cTn id="10" presetID="10" presetClass="entr" presetSubtype="0" fill="hold" grpId="0" nodeType="clickEffect">
-                                  <p:stCondLst>
-                                    <p:cond delay="0"/>
-                                  </p:stCondLst>
-                                  <p:childTnLst>
-                                    <p:set>
-                                      <p:cBhvr>
-                                        <p:cTn id="11" dur="1" fill="hold">
-                                          <p:stCondLst>
-                                            <p:cond delay="0"/>
-                                          </p:stCondLst>
-                                        </p:cTn>
-                                        <p:tgtEl>
-                                          <p:spTgt spid="23"/>
-                                        </p:tgtEl>
-                                        <p:attrNameLst>
-                                          <p:attrName>style.visibility</p:attrName>
-                                        </p:attrNameLst>
-                                      </p:cBhvr>
-                                      <p:to>
-                                        <p:strVal val="visible"/>
-                                      </p:to>
-                                    </p:set>
-                                    <p:animEffect transition="in" filter="fade">
-                                      <p:cBhvr>
-                                        <p:cTn id="12" dur="2000"/>
-                                        <p:tgtEl>
-                                          <p:spTgt spid="23"/>
-                                        </p:tgtEl>
-                                      </p:cBhvr>
-                                    </p:animEffect>
-                                  </p:childTnLst>
-                                </p:cTn>
-                              </p:par>
-                            </p:childTnLst>
-                          </p:cTn>
-                        </p:par>
-                      </p:childTnLst>
-                    </p:cTn>
-                  </p:par>
-                </p:childTnLst>
-              </p:cTn>
-              <p:prevCondLst>
-                <p:cond evt="onPrev" delay="0">
-                  <p:tgtEl>
-                    <p:sldTgt/>
-                  </p:tgtEl>
-                </p:cond>
-              </p:prevCondLst>
-              <p:nextCondLst>
-                <p:cond evt="onNext" delay="0">
-                  <p:tgtEl>
-                    <p:sldTgt/>
-                  </p:tgtEl>
-                </p:cond>
-              </p:nextCondLst>
-            </p:seq>
-          </p:childTnLst>
-        </p:cTn>
-      </p:par>
-    </p:tnLst>
-    <p:bldLst>
-      <p:bldP spid="23" grpId="0" animBg="1"/>
-      <p:bldP spid="22" grpId="0" animBg="1"/>
-    </p:bldLst>
-  </p:timing>
 </p:sld>
 </file>
 
@@ -11120,7 +8992,7 @@
           <p:cNvPr id="2" name="Title 1">
             <a:extLst>
               <a:ext uri="{FF2B5EF4-FFF2-40B4-BE49-F238E27FC236}">
-                <a16:creationId xmlns:a16="http://schemas.microsoft.com/office/drawing/2014/main" id="{4123861A-F328-4BB9-8F10-4F9FB0F7E245}"/>
+                <a16:creationId xmlns:a16="http://schemas.microsoft.com/office/drawing/2014/main" id="{69C1F8C1-9C4C-4D54-8868-98D27E1594F0}"/>
               </a:ext>
             </a:extLst>
           </p:cNvPr>
@@ -11133,8 +9005,42 @@
         </p:nvSpPr>
         <p:spPr>
           <a:xfrm>
-            <a:off x="150834" y="216164"/>
-            <a:ext cx="11617960" cy="860848"/>
+            <a:off x="199743" y="148699"/>
+            <a:ext cx="10515600" cy="868503"/>
+          </a:xfrm>
+        </p:spPr>
+        <p:txBody>
+          <a:bodyPr/>
+          <a:lstStyle/>
+          <a:p>
+            <a:r>
+              <a:rPr lang="en-US" b="1" dirty="0"/>
+              <a:t>Goodbye and thank the fish, again!</a:t>
+            </a:r>
+            <a:endParaRPr lang="en-NL" b="1" dirty="0"/>
+          </a:p>
+        </p:txBody>
+      </p:sp>
+      <p:sp>
+        <p:nvSpPr>
+          <p:cNvPr id="3" name="Content Placeholder 2">
+            <a:extLst>
+              <a:ext uri="{FF2B5EF4-FFF2-40B4-BE49-F238E27FC236}">
+                <a16:creationId xmlns:a16="http://schemas.microsoft.com/office/drawing/2014/main" id="{EB447546-94E1-423A-8164-617B557A77FC}"/>
+              </a:ext>
+            </a:extLst>
+          </p:cNvPr>
+          <p:cNvSpPr>
+            <a:spLocks noGrp="1"/>
+          </p:cNvSpPr>
+          <p:nvPr>
+            <p:ph idx="1"/>
+          </p:nvPr>
+        </p:nvSpPr>
+        <p:spPr>
+          <a:xfrm>
+            <a:off x="713755" y="1253331"/>
+            <a:ext cx="10515600" cy="5093362"/>
           </a:xfrm>
         </p:spPr>
         <p:txBody>
@@ -11143,65 +9049,137 @@
           </a:bodyPr>
           <a:lstStyle/>
           <a:p>
-            <a:r>
-              <a:rPr lang="en-US" b="1" dirty="0"/>
-              <a:t>Only store files marked enabled</a:t>
-            </a:r>
-            <a:endParaRPr lang="en-NL" b="1" dirty="0"/>
-          </a:p>
-        </p:txBody>
-      </p:sp>
-      <p:sp>
-        <p:nvSpPr>
-          <p:cNvPr id="21" name="TextBox 20">
-            <a:extLst>
-              <a:ext uri="{FF2B5EF4-FFF2-40B4-BE49-F238E27FC236}">
-                <a16:creationId xmlns:a16="http://schemas.microsoft.com/office/drawing/2014/main" id="{60A84986-2B16-4899-B72A-B7BD622672FF}"/>
-              </a:ext>
-            </a:extLst>
-          </p:cNvPr>
-          <p:cNvSpPr txBox="1"/>
-          <p:nvPr/>
-        </p:nvSpPr>
-        <p:spPr>
-          <a:xfrm>
-            <a:off x="736958" y="1084642"/>
-            <a:ext cx="10304834" cy="646331"/>
-          </a:xfrm>
-          <a:prstGeom prst="rect">
-            <a:avLst/>
-          </a:prstGeom>
-          <a:noFill/>
-        </p:spPr>
-        <p:txBody>
-          <a:bodyPr wrap="square" rtlCol="0">
-            <a:spAutoFit/>
-          </a:bodyPr>
-          <a:lstStyle/>
-          <a:p>
-            <a:r>
-              <a:rPr lang="en-US" dirty="0"/>
-              <a:t>See: </a:t>
-            </a:r>
-            <a:r>
-              <a:rPr lang="en-US" b="1" dirty="0">
-                <a:latin typeface="Courier New" panose="02070309020205020404" pitchFamily="49" charset="0"/>
-                <a:cs typeface="Courier New" panose="02070309020205020404" pitchFamily="49" charset="0"/>
-              </a:rPr>
-              <a:t>markupuk-2020/101-B/example-3/example-3f.xpl</a:t>
-            </a:r>
-          </a:p>
-          <a:p>
+            <a:pPr marL="0" indent="0">
+              <a:buNone/>
+            </a:pPr>
+            <a:r>
+              <a:rPr lang="nl-NL" dirty="0" err="1"/>
+              <a:t>Your</a:t>
+            </a:r>
+            <a:r>
+              <a:rPr lang="nl-NL" dirty="0"/>
+              <a:t> guide </a:t>
+            </a:r>
+            <a:r>
+              <a:rPr lang="nl-NL" dirty="0" err="1"/>
+              <a:t>today</a:t>
+            </a:r>
+            <a:r>
+              <a:rPr lang="nl-NL" dirty="0"/>
+              <a:t>: Erik Siegel – </a:t>
+            </a:r>
+            <a:r>
+              <a:rPr lang="nl-NL" dirty="0">
+                <a:hlinkClick r:id="rId2"/>
+              </a:rPr>
+              <a:t>erik@xatapult.nl</a:t>
+            </a:r>
+            <a:endParaRPr lang="nl-NL" dirty="0"/>
+          </a:p>
+          <a:p>
+            <a:endParaRPr lang="nl-NL" dirty="0"/>
+          </a:p>
+          <a:p>
+            <a:pPr marL="0" indent="0">
+              <a:buNone/>
+            </a:pPr>
+            <a:r>
+              <a:rPr lang="nl-NL" dirty="0" err="1"/>
+              <a:t>Specification</a:t>
+            </a:r>
+            <a:r>
+              <a:rPr lang="nl-NL" dirty="0"/>
+              <a:t>: </a:t>
+            </a:r>
+            <a:r>
+              <a:rPr lang="en-GB" dirty="0">
+                <a:hlinkClick r:id="rId3"/>
+              </a:rPr>
+              <a:t>https://spec.xproc.org/</a:t>
+            </a:r>
             <a:endParaRPr lang="en-GB" dirty="0"/>
           </a:p>
-        </p:txBody>
-      </p:sp>
-      <p:sp>
-        <p:nvSpPr>
-          <p:cNvPr id="16" name="Rechthoek: afgeronde hoeken 3">
-            <a:extLst>
-              <a:ext uri="{FF2B5EF4-FFF2-40B4-BE49-F238E27FC236}">
-                <a16:creationId xmlns:a16="http://schemas.microsoft.com/office/drawing/2014/main" id="{59A5AC1A-BD11-43BA-BC90-C8107F1E968E}"/>
+          <a:p>
+            <a:pPr marL="0" indent="0">
+              <a:buNone/>
+            </a:pPr>
+            <a:r>
+              <a:rPr lang="en-GB" dirty="0"/>
+              <a:t>Processors:</a:t>
+            </a:r>
+          </a:p>
+          <a:p>
+            <a:pPr lvl="1"/>
+            <a:r>
+              <a:rPr lang="en-GB" dirty="0"/>
+              <a:t>Morgana: </a:t>
+            </a:r>
+            <a:r>
+              <a:rPr lang="nl-NL" dirty="0">
+                <a:hlinkClick r:id="rId4"/>
+              </a:rPr>
+              <a:t>https://www.xml-project.com/</a:t>
+            </a:r>
+            <a:endParaRPr lang="nl-NL" dirty="0"/>
+          </a:p>
+          <a:p>
+            <a:pPr lvl="1"/>
+            <a:r>
+              <a:rPr lang="nl-NL" dirty="0" err="1"/>
+              <a:t>Calabash</a:t>
+            </a:r>
+            <a:r>
+              <a:rPr lang="nl-NL" dirty="0"/>
+              <a:t>: </a:t>
+            </a:r>
+            <a:r>
+              <a:rPr lang="en-GB" dirty="0">
+                <a:hlinkClick r:id="rId5"/>
+              </a:rPr>
+              <a:t>https://xmlcalabash.com/</a:t>
+            </a:r>
+            <a:endParaRPr lang="en-GB" dirty="0"/>
+          </a:p>
+          <a:p>
+            <a:pPr marL="0" indent="0">
+              <a:buNone/>
+            </a:pPr>
+            <a:r>
+              <a:rPr lang="en-GB" dirty="0"/>
+              <a:t>Articles on XProc: </a:t>
+            </a:r>
+            <a:r>
+              <a:rPr lang="en-GB" dirty="0">
+                <a:hlinkClick r:id="rId6"/>
+              </a:rPr>
+              <a:t>https://www.xml.com</a:t>
+            </a:r>
+            <a:endParaRPr lang="en-GB" dirty="0"/>
+          </a:p>
+          <a:p>
+            <a:pPr marL="0" indent="0">
+              <a:buNone/>
+            </a:pPr>
+            <a:r>
+              <a:rPr lang="en-GB" dirty="0"/>
+              <a:t>Book: </a:t>
+            </a:r>
+            <a:r>
+              <a:rPr lang="en-GB" dirty="0">
+                <a:hlinkClick r:id="rId7"/>
+              </a:rPr>
+              <a:t>https://xmlpress.net/publications/xproc-3-0/</a:t>
+            </a:r>
+            <a:endParaRPr lang="en-GB" dirty="0"/>
+          </a:p>
+        </p:txBody>
+      </p:sp>
+      <p:sp>
+        <p:nvSpPr>
+          <p:cNvPr id="4" name="Speech Bubble: Oval 3">
+            <a:extLst>
+              <a:ext uri="{FF2B5EF4-FFF2-40B4-BE49-F238E27FC236}">
+                <a16:creationId xmlns:a16="http://schemas.microsoft.com/office/drawing/2014/main" id="{75A921EF-31BA-4A7F-95D3-A57EFDE6D66D}"/>
               </a:ext>
             </a:extLst>
           </p:cNvPr>
@@ -11210,11 +9188,14 @@
         </p:nvSpPr>
         <p:spPr>
           <a:xfrm>
-            <a:off x="2283972" y="1777306"/>
-            <a:ext cx="3254309" cy="1080083"/>
-          </a:xfrm>
-          <a:prstGeom prst="roundRect">
-            <a:avLst/>
+            <a:off x="7548663" y="1780162"/>
+            <a:ext cx="4364477" cy="2289242"/>
+          </a:xfrm>
+          <a:prstGeom prst="wedgeEllipseCallout">
+            <a:avLst>
+              <a:gd name="adj1" fmla="val 43251"/>
+              <a:gd name="adj2" fmla="val 159929"/>
+            </a:avLst>
           </a:prstGeom>
         </p:spPr>
         <p:style>
@@ -11239,933 +9220,57 @@
           <a:p>
             <a:pPr algn="ctr"/>
             <a:r>
-              <a:rPr lang="en-US" sz="2000" dirty="0"/>
-              <a:t>Viewport on &lt;doc&gt; entries</a:t>
-            </a:r>
-          </a:p>
-        </p:txBody>
-      </p:sp>
-      <p:sp>
-        <p:nvSpPr>
-          <p:cNvPr id="19" name="Rechthoek: ezelsoor 17">
-            <a:extLst>
-              <a:ext uri="{FF2B5EF4-FFF2-40B4-BE49-F238E27FC236}">
-                <a16:creationId xmlns:a16="http://schemas.microsoft.com/office/drawing/2014/main" id="{3C697AEB-0DA9-4E68-95C7-17273EA9001C}"/>
-              </a:ext>
-            </a:extLst>
-          </p:cNvPr>
-          <p:cNvSpPr/>
-          <p:nvPr/>
-        </p:nvSpPr>
-        <p:spPr>
-          <a:xfrm>
-            <a:off x="198490" y="1926070"/>
-            <a:ext cx="1076936" cy="828626"/>
-          </a:xfrm>
-          <a:prstGeom prst="foldedCorner">
-            <a:avLst/>
-          </a:prstGeom>
-          <a:solidFill>
-            <a:schemeClr val="accent4">
-              <a:lumMod val="40000"/>
-              <a:lumOff val="60000"/>
-            </a:schemeClr>
-          </a:solidFill>
-        </p:spPr>
-        <p:style>
-          <a:lnRef idx="2">
-            <a:schemeClr val="accent1">
-              <a:shade val="50000"/>
-            </a:schemeClr>
-          </a:lnRef>
-          <a:fillRef idx="1">
-            <a:schemeClr val="accent1"/>
-          </a:fillRef>
-          <a:effectRef idx="0">
-            <a:schemeClr val="accent1"/>
-          </a:effectRef>
-          <a:fontRef idx="minor">
-            <a:schemeClr val="lt1"/>
-          </a:fontRef>
-        </p:style>
-        <p:txBody>
-          <a:bodyPr rtlCol="0" anchor="ctr"/>
-          <a:lstStyle/>
+              <a:rPr lang="en-US" sz="2800" dirty="0"/>
+              <a:t>See you!</a:t>
+            </a:r>
+          </a:p>
           <a:p>
             <a:pPr algn="ctr"/>
             <a:r>
-              <a:rPr lang="en-US" sz="1400" dirty="0">
-                <a:solidFill>
-                  <a:schemeClr val="tx1"/>
-                </a:solidFill>
-              </a:rPr>
-              <a:t>Input document</a:t>
-            </a:r>
-          </a:p>
-        </p:txBody>
-      </p:sp>
-      <p:sp>
-        <p:nvSpPr>
-          <p:cNvPr id="22" name="Rechthoek: ezelsoor 17">
-            <a:extLst>
-              <a:ext uri="{FF2B5EF4-FFF2-40B4-BE49-F238E27FC236}">
-                <a16:creationId xmlns:a16="http://schemas.microsoft.com/office/drawing/2014/main" id="{18CDF56F-CA24-40CF-A244-8E7D16CFB44A}"/>
-              </a:ext>
-            </a:extLst>
-          </p:cNvPr>
-          <p:cNvSpPr/>
-          <p:nvPr/>
-        </p:nvSpPr>
-        <p:spPr>
-          <a:xfrm>
-            <a:off x="3911126" y="5974396"/>
-            <a:ext cx="1076936" cy="828626"/>
-          </a:xfrm>
-          <a:prstGeom prst="foldedCorner">
-            <a:avLst/>
-          </a:prstGeom>
-          <a:solidFill>
-            <a:schemeClr val="accent4">
-              <a:lumMod val="40000"/>
-              <a:lumOff val="60000"/>
-            </a:schemeClr>
-          </a:solidFill>
-        </p:spPr>
-        <p:style>
-          <a:lnRef idx="2">
-            <a:schemeClr val="accent1">
-              <a:shade val="50000"/>
-            </a:schemeClr>
-          </a:lnRef>
-          <a:fillRef idx="1">
-            <a:schemeClr val="accent1"/>
-          </a:fillRef>
-          <a:effectRef idx="0">
-            <a:schemeClr val="accent1"/>
-          </a:effectRef>
-          <a:fontRef idx="minor">
-            <a:schemeClr val="lt1"/>
-          </a:fontRef>
-        </p:style>
-        <p:txBody>
-          <a:bodyPr rtlCol="0" anchor="ctr"/>
-          <a:lstStyle/>
+              <a:rPr lang="en-US" sz="2800" dirty="0"/>
+              <a:t>And remember, </a:t>
+            </a:r>
+            <a:r>
+              <a:rPr lang="en-US" sz="2800" dirty="0" err="1"/>
+              <a:t>Kanava</a:t>
+            </a:r>
+            <a:r>
+              <a:rPr lang="en-US" sz="2800" dirty="0"/>
+              <a:t> says: </a:t>
+            </a:r>
+          </a:p>
           <a:p>
             <a:pPr algn="ctr"/>
             <a:r>
-              <a:rPr lang="en-US" sz="1400" dirty="0">
-                <a:solidFill>
-                  <a:schemeClr val="tx1"/>
-                </a:solidFill>
-              </a:rPr>
-              <a:t>output1.xml</a:t>
-            </a:r>
-          </a:p>
-        </p:txBody>
-      </p:sp>
-      <p:sp>
-        <p:nvSpPr>
-          <p:cNvPr id="25" name="Rechthoek: ezelsoor 34">
-            <a:extLst>
-              <a:ext uri="{FF2B5EF4-FFF2-40B4-BE49-F238E27FC236}">
-                <a16:creationId xmlns:a16="http://schemas.microsoft.com/office/drawing/2014/main" id="{D8EE1075-2149-41D2-ACAB-7804F143DB65}"/>
-              </a:ext>
-            </a:extLst>
-          </p:cNvPr>
-          <p:cNvSpPr/>
-          <p:nvPr/>
-        </p:nvSpPr>
-        <p:spPr>
-          <a:xfrm>
-            <a:off x="7645109" y="1797540"/>
-            <a:ext cx="1147481" cy="873129"/>
-          </a:xfrm>
-          <a:prstGeom prst="foldedCorner">
-            <a:avLst/>
-          </a:prstGeom>
-          <a:solidFill>
-            <a:schemeClr val="accent4">
-              <a:lumMod val="40000"/>
-              <a:lumOff val="60000"/>
-            </a:schemeClr>
-          </a:solidFill>
-        </p:spPr>
-        <p:style>
-          <a:lnRef idx="2">
-            <a:schemeClr val="accent1">
-              <a:shade val="50000"/>
-            </a:schemeClr>
-          </a:lnRef>
-          <a:fillRef idx="1">
-            <a:schemeClr val="accent1"/>
-          </a:fillRef>
-          <a:effectRef idx="0">
-            <a:schemeClr val="accent1"/>
-          </a:effectRef>
-          <a:fontRef idx="minor">
-            <a:schemeClr val="lt1"/>
-          </a:fontRef>
-        </p:style>
-        <p:txBody>
-          <a:bodyPr rtlCol="0" anchor="ctr"/>
-          <a:lstStyle/>
-          <a:p>
-            <a:pPr algn="ctr"/>
-            <a:r>
-              <a:rPr lang="en-US" sz="1400" dirty="0">
-                <a:solidFill>
-                  <a:schemeClr val="tx1"/>
-                </a:solidFill>
-              </a:rPr>
-              <a:t>Result document</a:t>
-            </a:r>
-          </a:p>
-        </p:txBody>
-      </p:sp>
-      <p:sp>
-        <p:nvSpPr>
-          <p:cNvPr id="27" name="Pijl: rechts 25">
-            <a:extLst>
-              <a:ext uri="{FF2B5EF4-FFF2-40B4-BE49-F238E27FC236}">
-                <a16:creationId xmlns:a16="http://schemas.microsoft.com/office/drawing/2014/main" id="{9E538ADC-5AA2-491F-A3C8-73B16C9D88ED}"/>
-              </a:ext>
-            </a:extLst>
-          </p:cNvPr>
-          <p:cNvSpPr/>
-          <p:nvPr/>
-        </p:nvSpPr>
-        <p:spPr>
-          <a:xfrm>
-            <a:off x="5618189" y="1976144"/>
-            <a:ext cx="1898905" cy="515923"/>
-          </a:xfrm>
-          <a:prstGeom prst="rightArrow">
-            <a:avLst/>
-          </a:prstGeom>
-          <a:solidFill>
-            <a:schemeClr val="accent1">
-              <a:lumMod val="20000"/>
-              <a:lumOff val="80000"/>
-            </a:schemeClr>
-          </a:solidFill>
-        </p:spPr>
-        <p:style>
-          <a:lnRef idx="2">
-            <a:schemeClr val="accent1">
-              <a:shade val="50000"/>
-            </a:schemeClr>
-          </a:lnRef>
-          <a:fillRef idx="1">
-            <a:schemeClr val="accent1"/>
-          </a:fillRef>
-          <a:effectRef idx="0">
-            <a:schemeClr val="accent1"/>
-          </a:effectRef>
-          <a:fontRef idx="minor">
-            <a:schemeClr val="lt1"/>
-          </a:fontRef>
-        </p:style>
-        <p:txBody>
-          <a:bodyPr rot="0" spcFirstLastPara="0" vertOverflow="overflow" horzOverflow="overflow" vert="horz" wrap="square" lIns="91440" tIns="45720" rIns="91440" bIns="45720" numCol="1" spcCol="0" rtlCol="0" fromWordArt="0" anchor="ctr" anchorCtr="0" forceAA="0" compatLnSpc="1">
-            <a:prstTxWarp prst="textNoShape">
-              <a:avLst/>
-            </a:prstTxWarp>
-            <a:noAutofit/>
-          </a:bodyPr>
-          <a:lstStyle/>
-          <a:p>
-            <a:pPr algn="ctr"/>
-            <a:r>
-              <a:rPr lang="en-US" dirty="0">
-                <a:solidFill>
-                  <a:schemeClr val="tx1"/>
-                </a:solidFill>
-              </a:rPr>
-              <a:t>result</a:t>
-            </a:r>
-          </a:p>
-        </p:txBody>
-      </p:sp>
-      <p:sp>
-        <p:nvSpPr>
-          <p:cNvPr id="17" name="Pijl: rechts 2">
-            <a:extLst>
-              <a:ext uri="{FF2B5EF4-FFF2-40B4-BE49-F238E27FC236}">
-                <a16:creationId xmlns:a16="http://schemas.microsoft.com/office/drawing/2014/main" id="{7CD7877E-A028-431E-9CC3-371B5163FC41}"/>
-              </a:ext>
-            </a:extLst>
-          </p:cNvPr>
-          <p:cNvSpPr/>
-          <p:nvPr/>
-        </p:nvSpPr>
-        <p:spPr>
-          <a:xfrm>
-            <a:off x="1207036" y="2051053"/>
-            <a:ext cx="950607" cy="515923"/>
-          </a:xfrm>
-          <a:prstGeom prst="rightArrow">
-            <a:avLst/>
-          </a:prstGeom>
-          <a:solidFill>
-            <a:schemeClr val="accent1">
-              <a:lumMod val="20000"/>
-              <a:lumOff val="80000"/>
-            </a:schemeClr>
-          </a:solidFill>
-        </p:spPr>
-        <p:style>
-          <a:lnRef idx="2">
-            <a:schemeClr val="accent1">
-              <a:shade val="50000"/>
-            </a:schemeClr>
-          </a:lnRef>
-          <a:fillRef idx="1">
-            <a:schemeClr val="accent1"/>
-          </a:fillRef>
-          <a:effectRef idx="0">
-            <a:schemeClr val="accent1"/>
-          </a:effectRef>
-          <a:fontRef idx="minor">
-            <a:schemeClr val="lt1"/>
-          </a:fontRef>
-        </p:style>
-        <p:txBody>
-          <a:bodyPr rot="0" spcFirstLastPara="0" vertOverflow="overflow" horzOverflow="overflow" vert="horz" wrap="square" lIns="91440" tIns="45720" rIns="91440" bIns="45720" numCol="1" spcCol="0" rtlCol="0" fromWordArt="0" anchor="ctr" anchorCtr="0" forceAA="0" compatLnSpc="1">
-            <a:prstTxWarp prst="textNoShape">
-              <a:avLst/>
-            </a:prstTxWarp>
-            <a:noAutofit/>
-          </a:bodyPr>
-          <a:lstStyle/>
-          <a:p>
-            <a:pPr algn="ctr"/>
-            <a:r>
-              <a:rPr lang="en-US" dirty="0">
-                <a:solidFill>
-                  <a:schemeClr val="tx1"/>
-                </a:solidFill>
-              </a:rPr>
-              <a:t>source</a:t>
-            </a:r>
-          </a:p>
-        </p:txBody>
-      </p:sp>
-      <p:sp>
-        <p:nvSpPr>
-          <p:cNvPr id="15" name="Rechthoek: afgeronde hoeken 3">
-            <a:extLst>
-              <a:ext uri="{FF2B5EF4-FFF2-40B4-BE49-F238E27FC236}">
-                <a16:creationId xmlns:a16="http://schemas.microsoft.com/office/drawing/2014/main" id="{7B1A893A-AC89-4452-8197-3B56551C8F5E}"/>
-              </a:ext>
-            </a:extLst>
-          </p:cNvPr>
-          <p:cNvSpPr/>
-          <p:nvPr/>
-        </p:nvSpPr>
-        <p:spPr>
-          <a:xfrm>
-            <a:off x="2823691" y="4501690"/>
-            <a:ext cx="1913389" cy="1080083"/>
-          </a:xfrm>
-          <a:prstGeom prst="roundRect">
-            <a:avLst/>
-          </a:prstGeom>
-        </p:spPr>
-        <p:style>
-          <a:lnRef idx="2">
-            <a:schemeClr val="accent1">
-              <a:shade val="50000"/>
-            </a:schemeClr>
-          </a:lnRef>
-          <a:fillRef idx="1">
-            <a:schemeClr val="accent1"/>
-          </a:fillRef>
-          <a:effectRef idx="0">
-            <a:schemeClr val="accent1"/>
-          </a:effectRef>
-          <a:fontRef idx="minor">
-            <a:schemeClr val="lt1"/>
-          </a:fontRef>
-        </p:style>
-        <p:txBody>
-          <a:bodyPr rtlCol="0" anchor="ctr"/>
-          <a:lstStyle/>
-          <a:p>
-            <a:pPr algn="ctr"/>
-            <a:r>
-              <a:rPr lang="en-US" sz="2000" dirty="0"/>
-              <a:t>Store the &lt;doc&gt; entry </a:t>
-            </a:r>
-          </a:p>
-        </p:txBody>
-      </p:sp>
-      <p:sp>
-        <p:nvSpPr>
-          <p:cNvPr id="4" name="Arrow: Curved Right 3">
-            <a:extLst>
-              <a:ext uri="{FF2B5EF4-FFF2-40B4-BE49-F238E27FC236}">
-                <a16:creationId xmlns:a16="http://schemas.microsoft.com/office/drawing/2014/main" id="{C947C591-C7F9-447F-9B7D-65431849C9BF}"/>
-              </a:ext>
-            </a:extLst>
-          </p:cNvPr>
-          <p:cNvSpPr/>
-          <p:nvPr/>
-        </p:nvSpPr>
-        <p:spPr>
-          <a:xfrm>
-            <a:off x="2157643" y="2951408"/>
-            <a:ext cx="536296" cy="1049204"/>
-          </a:xfrm>
-          <a:prstGeom prst="curvedRightArrow">
-            <a:avLst/>
-          </a:prstGeom>
-        </p:spPr>
-        <p:style>
-          <a:lnRef idx="2">
-            <a:schemeClr val="accent1">
-              <a:shade val="50000"/>
-            </a:schemeClr>
-          </a:lnRef>
-          <a:fillRef idx="1">
-            <a:schemeClr val="accent1"/>
-          </a:fillRef>
-          <a:effectRef idx="0">
-            <a:schemeClr val="accent1"/>
-          </a:effectRef>
-          <a:fontRef idx="minor">
-            <a:schemeClr val="lt1"/>
-          </a:fontRef>
-        </p:style>
-        <p:txBody>
-          <a:bodyPr rtlCol="0" anchor="ctr"/>
-          <a:lstStyle/>
-          <a:p>
-            <a:pPr algn="ctr"/>
-            <a:endParaRPr lang="en-GB">
-              <a:solidFill>
-                <a:schemeClr val="tx1"/>
-              </a:solidFill>
-            </a:endParaRPr>
-          </a:p>
-        </p:txBody>
-      </p:sp>
-      <p:sp>
-        <p:nvSpPr>
-          <p:cNvPr id="18" name="Arrow: Curved Right 17">
-            <a:extLst>
-              <a:ext uri="{FF2B5EF4-FFF2-40B4-BE49-F238E27FC236}">
-                <a16:creationId xmlns:a16="http://schemas.microsoft.com/office/drawing/2014/main" id="{0243E7D1-32B4-48DA-93CE-EDDE1EA2636B}"/>
-              </a:ext>
-            </a:extLst>
-          </p:cNvPr>
-          <p:cNvSpPr/>
-          <p:nvPr/>
-        </p:nvSpPr>
-        <p:spPr>
-          <a:xfrm rot="10800000">
-            <a:off x="5538281" y="2951408"/>
-            <a:ext cx="937542" cy="2238967"/>
-          </a:xfrm>
-          <a:prstGeom prst="curvedRightArrow">
-            <a:avLst/>
-          </a:prstGeom>
-        </p:spPr>
-        <p:style>
-          <a:lnRef idx="2">
-            <a:schemeClr val="accent1">
-              <a:shade val="50000"/>
-            </a:schemeClr>
-          </a:lnRef>
-          <a:fillRef idx="1">
-            <a:schemeClr val="accent1"/>
-          </a:fillRef>
-          <a:effectRef idx="0">
-            <a:schemeClr val="accent1"/>
-          </a:effectRef>
-          <a:fontRef idx="minor">
-            <a:schemeClr val="lt1"/>
-          </a:fontRef>
-        </p:style>
-        <p:txBody>
-          <a:bodyPr rtlCol="0" anchor="ctr"/>
-          <a:lstStyle/>
-          <a:p>
-            <a:pPr algn="ctr"/>
-            <a:endParaRPr lang="en-GB">
-              <a:solidFill>
-                <a:schemeClr val="tx1"/>
-              </a:solidFill>
-            </a:endParaRPr>
-          </a:p>
-        </p:txBody>
-      </p:sp>
-      <p:sp>
-        <p:nvSpPr>
-          <p:cNvPr id="5" name="Arrow: Down 4">
-            <a:extLst>
-              <a:ext uri="{FF2B5EF4-FFF2-40B4-BE49-F238E27FC236}">
-                <a16:creationId xmlns:a16="http://schemas.microsoft.com/office/drawing/2014/main" id="{C2065929-9FA5-4182-82AC-A1400AF5FE73}"/>
-              </a:ext>
-            </a:extLst>
-          </p:cNvPr>
-          <p:cNvSpPr/>
-          <p:nvPr/>
-        </p:nvSpPr>
-        <p:spPr>
-          <a:xfrm>
-            <a:off x="3430188" y="5685809"/>
-            <a:ext cx="350196" cy="577174"/>
-          </a:xfrm>
-          <a:prstGeom prst="downArrow">
-            <a:avLst/>
-          </a:prstGeom>
-        </p:spPr>
-        <p:style>
-          <a:lnRef idx="2">
-            <a:schemeClr val="accent1">
-              <a:shade val="50000"/>
-            </a:schemeClr>
-          </a:lnRef>
-          <a:fillRef idx="1">
-            <a:schemeClr val="accent1"/>
-          </a:fillRef>
-          <a:effectRef idx="0">
-            <a:schemeClr val="accent1"/>
-          </a:effectRef>
-          <a:fontRef idx="minor">
-            <a:schemeClr val="lt1"/>
-          </a:fontRef>
-        </p:style>
-        <p:txBody>
-          <a:bodyPr rtlCol="0" anchor="ctr"/>
-          <a:lstStyle/>
-          <a:p>
-            <a:pPr algn="ctr"/>
-            <a:endParaRPr lang="en-GB"/>
-          </a:p>
-        </p:txBody>
-      </p:sp>
-      <p:sp>
-        <p:nvSpPr>
-          <p:cNvPr id="28" name="Rechthoek: ezelsoor 17">
-            <a:extLst>
-              <a:ext uri="{FF2B5EF4-FFF2-40B4-BE49-F238E27FC236}">
-                <a16:creationId xmlns:a16="http://schemas.microsoft.com/office/drawing/2014/main" id="{F0F98436-10AC-4A66-A4DB-2448FFB65306}"/>
-              </a:ext>
-            </a:extLst>
-          </p:cNvPr>
-          <p:cNvSpPr/>
-          <p:nvPr/>
-        </p:nvSpPr>
-        <p:spPr>
-          <a:xfrm>
-            <a:off x="1385879" y="3322364"/>
-            <a:ext cx="667966" cy="678248"/>
-          </a:xfrm>
-          <a:prstGeom prst="foldedCorner">
-            <a:avLst/>
-          </a:prstGeom>
-          <a:solidFill>
-            <a:schemeClr val="accent4">
-              <a:lumMod val="40000"/>
-              <a:lumOff val="60000"/>
-            </a:schemeClr>
-          </a:solidFill>
-        </p:spPr>
-        <p:style>
-          <a:lnRef idx="2">
-            <a:schemeClr val="accent1">
-              <a:shade val="50000"/>
-            </a:schemeClr>
-          </a:lnRef>
-          <a:fillRef idx="1">
-            <a:schemeClr val="accent1"/>
-          </a:fillRef>
-          <a:effectRef idx="0">
-            <a:schemeClr val="accent1"/>
-          </a:effectRef>
-          <a:fontRef idx="minor">
-            <a:schemeClr val="lt1"/>
-          </a:fontRef>
-        </p:style>
-        <p:txBody>
-          <a:bodyPr rtlCol="0" anchor="ctr"/>
-          <a:lstStyle/>
-          <a:p>
-            <a:pPr algn="ctr"/>
-            <a:r>
-              <a:rPr lang="en-US" sz="1400" dirty="0">
-                <a:solidFill>
-                  <a:schemeClr val="tx1"/>
-                </a:solidFill>
-              </a:rPr>
-              <a:t>&lt;doc&gt; entry</a:t>
-            </a:r>
-          </a:p>
-        </p:txBody>
-      </p:sp>
-      <p:sp>
-        <p:nvSpPr>
-          <p:cNvPr id="29" name="Rechthoek: ezelsoor 17">
-            <a:extLst>
-              <a:ext uri="{FF2B5EF4-FFF2-40B4-BE49-F238E27FC236}">
-                <a16:creationId xmlns:a16="http://schemas.microsoft.com/office/drawing/2014/main" id="{D203E94D-7111-462F-894B-778C4BDD5F3D}"/>
-              </a:ext>
-            </a:extLst>
-          </p:cNvPr>
-          <p:cNvSpPr/>
-          <p:nvPr/>
-        </p:nvSpPr>
-        <p:spPr>
-          <a:xfrm>
-            <a:off x="6680915" y="3790689"/>
-            <a:ext cx="964194" cy="678248"/>
-          </a:xfrm>
-          <a:prstGeom prst="foldedCorner">
-            <a:avLst/>
-          </a:prstGeom>
-          <a:solidFill>
-            <a:schemeClr val="accent4">
-              <a:lumMod val="40000"/>
-              <a:lumOff val="60000"/>
-            </a:schemeClr>
-          </a:solidFill>
-        </p:spPr>
-        <p:style>
-          <a:lnRef idx="2">
-            <a:schemeClr val="accent1">
-              <a:shade val="50000"/>
-            </a:schemeClr>
-          </a:lnRef>
-          <a:fillRef idx="1">
-            <a:schemeClr val="accent1"/>
-          </a:fillRef>
-          <a:effectRef idx="0">
-            <a:schemeClr val="accent1"/>
-          </a:effectRef>
-          <a:fontRef idx="minor">
-            <a:schemeClr val="lt1"/>
-          </a:fontRef>
-        </p:style>
-        <p:txBody>
-          <a:bodyPr rtlCol="0" anchor="ctr"/>
-          <a:lstStyle/>
-          <a:p>
-            <a:pPr algn="ctr"/>
-            <a:r>
-              <a:rPr lang="en-US" sz="1400" dirty="0">
-                <a:solidFill>
-                  <a:schemeClr val="tx1"/>
-                </a:solidFill>
-              </a:rPr>
-              <a:t>&lt;</a:t>
-            </a:r>
-            <a:r>
-              <a:rPr lang="en-US" sz="1400" dirty="0" err="1">
-                <a:solidFill>
-                  <a:schemeClr val="tx1"/>
-                </a:solidFill>
-              </a:rPr>
-              <a:t>c:result</a:t>
-            </a:r>
-            <a:r>
-              <a:rPr lang="en-US" sz="1400" dirty="0">
-                <a:solidFill>
-                  <a:schemeClr val="tx1"/>
-                </a:solidFill>
-              </a:rPr>
-              <a:t>&gt;entry</a:t>
-            </a:r>
-          </a:p>
-        </p:txBody>
-      </p:sp>
-      <p:sp>
-        <p:nvSpPr>
-          <p:cNvPr id="3" name="TextBox 2">
-            <a:extLst>
-              <a:ext uri="{FF2B5EF4-FFF2-40B4-BE49-F238E27FC236}">
-                <a16:creationId xmlns:a16="http://schemas.microsoft.com/office/drawing/2014/main" id="{2FBB9D8D-B188-4D0D-9889-B88AA9B30D85}"/>
-              </a:ext>
-            </a:extLst>
-          </p:cNvPr>
-          <p:cNvSpPr txBox="1"/>
-          <p:nvPr/>
-        </p:nvSpPr>
-        <p:spPr>
-          <a:xfrm>
-            <a:off x="6475823" y="4551783"/>
-            <a:ext cx="2188798" cy="615553"/>
-          </a:xfrm>
-          <a:prstGeom prst="rect">
-            <a:avLst/>
-          </a:prstGeom>
-          <a:noFill/>
-        </p:spPr>
-        <p:txBody>
-          <a:bodyPr wrap="square" rtlCol="0">
-            <a:spAutoFit/>
-          </a:bodyPr>
-          <a:lstStyle/>
-          <a:p>
-            <a:r>
-              <a:rPr lang="en-US" sz="1600" b="1" dirty="0">
-                <a:latin typeface="Courier New" panose="02070309020205020404" pitchFamily="49" charset="0"/>
-                <a:cs typeface="Courier New" panose="02070309020205020404" pitchFamily="49" charset="0"/>
-              </a:rPr>
-              <a:t>result-</a:t>
-            </a:r>
-            <a:r>
-              <a:rPr lang="en-US" sz="1600" b="1" dirty="0" err="1">
-                <a:latin typeface="Courier New" panose="02070309020205020404" pitchFamily="49" charset="0"/>
-                <a:cs typeface="Courier New" panose="02070309020205020404" pitchFamily="49" charset="0"/>
-              </a:rPr>
-              <a:t>uri</a:t>
-            </a:r>
-            <a:br>
-              <a:rPr lang="en-US" sz="1600" b="1" dirty="0">
-                <a:latin typeface="Courier New" panose="02070309020205020404" pitchFamily="49" charset="0"/>
-                <a:cs typeface="Courier New" panose="02070309020205020404" pitchFamily="49" charset="0"/>
-              </a:rPr>
-            </a:br>
-            <a:r>
-              <a:rPr lang="en-US" dirty="0"/>
-              <a:t>port</a:t>
-            </a:r>
-            <a:endParaRPr lang="en-GB" dirty="0"/>
-          </a:p>
-        </p:txBody>
-      </p:sp>
-      <p:sp>
-        <p:nvSpPr>
-          <p:cNvPr id="20" name="Rechthoek: afgeronde hoeken 3">
-            <a:extLst>
-              <a:ext uri="{FF2B5EF4-FFF2-40B4-BE49-F238E27FC236}">
-                <a16:creationId xmlns:a16="http://schemas.microsoft.com/office/drawing/2014/main" id="{3D3184B3-3C23-4BB9-8B7B-76BC58A37CB6}"/>
-              </a:ext>
-            </a:extLst>
-          </p:cNvPr>
-          <p:cNvSpPr/>
-          <p:nvPr/>
-        </p:nvSpPr>
-        <p:spPr>
-          <a:xfrm>
-            <a:off x="2823690" y="3302274"/>
-            <a:ext cx="1913389" cy="1080083"/>
-          </a:xfrm>
-          <a:prstGeom prst="roundRect">
-            <a:avLst/>
-          </a:prstGeom>
-        </p:spPr>
-        <p:style>
-          <a:lnRef idx="2">
-            <a:schemeClr val="accent1">
-              <a:shade val="50000"/>
-            </a:schemeClr>
-          </a:lnRef>
-          <a:fillRef idx="1">
-            <a:schemeClr val="accent1"/>
-          </a:fillRef>
-          <a:effectRef idx="0">
-            <a:schemeClr val="accent1"/>
-          </a:effectRef>
-          <a:fontRef idx="minor">
-            <a:schemeClr val="lt1"/>
-          </a:fontRef>
-        </p:style>
-        <p:txBody>
-          <a:bodyPr rtlCol="0" anchor="ctr"/>
-          <a:lstStyle/>
-          <a:p>
-            <a:pPr algn="ctr"/>
-            <a:r>
-              <a:rPr lang="en-US" sz="2000" dirty="0"/>
-              <a:t>@enabled = "true"? </a:t>
-            </a:r>
-          </a:p>
-        </p:txBody>
-      </p:sp>
-      <p:sp>
-        <p:nvSpPr>
-          <p:cNvPr id="24" name="Arrow: Curved Right 23">
-            <a:extLst>
-              <a:ext uri="{FF2B5EF4-FFF2-40B4-BE49-F238E27FC236}">
-                <a16:creationId xmlns:a16="http://schemas.microsoft.com/office/drawing/2014/main" id="{E38B40B0-1491-4626-8FDA-94FFE8884AE9}"/>
-              </a:ext>
-            </a:extLst>
-          </p:cNvPr>
-          <p:cNvSpPr/>
-          <p:nvPr/>
-        </p:nvSpPr>
-        <p:spPr>
-          <a:xfrm rot="10800000">
-            <a:off x="4895453" y="2903722"/>
-            <a:ext cx="484452" cy="1174755"/>
-          </a:xfrm>
-          <a:prstGeom prst="curvedRightArrow">
-            <a:avLst/>
-          </a:prstGeom>
-        </p:spPr>
-        <p:style>
-          <a:lnRef idx="2">
-            <a:schemeClr val="accent1">
-              <a:shade val="50000"/>
-            </a:schemeClr>
-          </a:lnRef>
-          <a:fillRef idx="1">
-            <a:schemeClr val="accent1"/>
-          </a:fillRef>
-          <a:effectRef idx="0">
-            <a:schemeClr val="accent1"/>
-          </a:effectRef>
-          <a:fontRef idx="minor">
-            <a:schemeClr val="lt1"/>
-          </a:fontRef>
-        </p:style>
-        <p:txBody>
-          <a:bodyPr rtlCol="0" anchor="ctr"/>
-          <a:lstStyle/>
-          <a:p>
-            <a:pPr algn="ctr"/>
-            <a:endParaRPr lang="en-GB">
-              <a:solidFill>
-                <a:schemeClr val="tx1"/>
-              </a:solidFill>
-            </a:endParaRPr>
-          </a:p>
-        </p:txBody>
-      </p:sp>
-      <p:sp>
-        <p:nvSpPr>
-          <p:cNvPr id="6" name="TextBox 5">
-            <a:extLst>
-              <a:ext uri="{FF2B5EF4-FFF2-40B4-BE49-F238E27FC236}">
-                <a16:creationId xmlns:a16="http://schemas.microsoft.com/office/drawing/2014/main" id="{129379D0-A7B5-487F-A110-ABB60234BD34}"/>
-              </a:ext>
-            </a:extLst>
-          </p:cNvPr>
-          <p:cNvSpPr txBox="1"/>
-          <p:nvPr/>
-        </p:nvSpPr>
-        <p:spPr>
-          <a:xfrm>
-            <a:off x="4734128" y="4012418"/>
-            <a:ext cx="1225686" cy="523220"/>
-          </a:xfrm>
-          <a:prstGeom prst="rect">
-            <a:avLst/>
-          </a:prstGeom>
-          <a:noFill/>
-        </p:spPr>
-        <p:txBody>
-          <a:bodyPr wrap="square" rtlCol="0">
-            <a:spAutoFit/>
-          </a:bodyPr>
-          <a:lstStyle/>
-          <a:p>
-            <a:r>
-              <a:rPr lang="en-US" sz="1400" dirty="0"/>
-              <a:t>Original &lt;doc&gt; entry</a:t>
-            </a:r>
-            <a:endParaRPr lang="en-GB" sz="1400" dirty="0"/>
+              <a:rPr lang="en-US" sz="3200" b="1" i="1" dirty="0"/>
+              <a:t>XProc</a:t>
+            </a:r>
+            <a:r>
+              <a:rPr lang="en-US" sz="2800" b="1" i="1" dirty="0"/>
+              <a:t> </a:t>
+            </a:r>
+            <a:r>
+              <a:rPr lang="en-US" sz="3200" b="1" i="1" dirty="0"/>
+              <a:t>rocks…</a:t>
+            </a:r>
+            <a:r>
+              <a:rPr lang="en-US" sz="2800" b="1" i="1" dirty="0"/>
+              <a:t> </a:t>
+            </a:r>
+            <a:endParaRPr lang="en-NL" sz="2800" b="1" i="1" dirty="0"/>
           </a:p>
         </p:txBody>
       </p:sp>
     </p:spTree>
     <p:extLst>
       <p:ext uri="{BB962C8B-B14F-4D97-AF65-F5344CB8AC3E}">
-        <p14:creationId xmlns:p14="http://schemas.microsoft.com/office/powerpoint/2010/main" val="3207425413"/>
+        <p14:creationId xmlns:p14="http://schemas.microsoft.com/office/powerpoint/2010/main" val="3036039419"/>
       </p:ext>
     </p:extLst>
   </p:cSld>
   <p:clrMapOvr>
     <a:masterClrMapping/>
   </p:clrMapOvr>
-  <p:timing>
-    <p:tnLst>
-      <p:par>
-        <p:cTn id="1" dur="indefinite" restart="never" nodeType="tmRoot">
-          <p:childTnLst>
-            <p:seq concurrent="1" nextAc="seek">
-              <p:cTn id="2" dur="indefinite" nodeType="mainSeq">
-                <p:childTnLst>
-                  <p:par>
-                    <p:cTn id="3" fill="hold">
-                      <p:stCondLst>
-                        <p:cond delay="indefinite"/>
-                      </p:stCondLst>
-                      <p:childTnLst>
-                        <p:par>
-                          <p:cTn id="4" fill="hold">
-                            <p:stCondLst>
-                              <p:cond delay="0"/>
-                            </p:stCondLst>
-                            <p:childTnLst>
-                              <p:par>
-                                <p:cTn id="5" presetID="10" presetClass="entr" presetSubtype="0" fill="hold" grpId="0" nodeType="clickEffect">
-                                  <p:stCondLst>
-                                    <p:cond delay="0"/>
-                                  </p:stCondLst>
-                                  <p:childTnLst>
-                                    <p:set>
-                                      <p:cBhvr>
-                                        <p:cTn id="6" dur="1" fill="hold">
-                                          <p:stCondLst>
-                                            <p:cond delay="0"/>
-                                          </p:stCondLst>
-                                        </p:cTn>
-                                        <p:tgtEl>
-                                          <p:spTgt spid="22"/>
-                                        </p:tgtEl>
-                                        <p:attrNameLst>
-                                          <p:attrName>style.visibility</p:attrName>
-                                        </p:attrNameLst>
-                                      </p:cBhvr>
-                                      <p:to>
-                                        <p:strVal val="visible"/>
-                                      </p:to>
-                                    </p:set>
-                                    <p:animEffect transition="in" filter="fade">
-                                      <p:cBhvr>
-                                        <p:cTn id="7" dur="2000"/>
-                                        <p:tgtEl>
-                                          <p:spTgt spid="22"/>
-                                        </p:tgtEl>
-                                      </p:cBhvr>
-                                    </p:animEffect>
-                                  </p:childTnLst>
-                                </p:cTn>
-                              </p:par>
-                            </p:childTnLst>
-                          </p:cTn>
-                        </p:par>
-                      </p:childTnLst>
-                    </p:cTn>
-                  </p:par>
-                </p:childTnLst>
-              </p:cTn>
-              <p:prevCondLst>
-                <p:cond evt="onPrev" delay="0">
-                  <p:tgtEl>
-                    <p:sldTgt/>
-                  </p:tgtEl>
-                </p:cond>
-              </p:prevCondLst>
-              <p:nextCondLst>
-                <p:cond evt="onNext" delay="0">
-                  <p:tgtEl>
-                    <p:sldTgt/>
-                  </p:tgtEl>
-                </p:cond>
-              </p:nextCondLst>
-            </p:seq>
-          </p:childTnLst>
-        </p:cTn>
-      </p:par>
-    </p:tnLst>
-    <p:bldLst>
-      <p:bldP spid="22" grpId="0" animBg="1"/>
-    </p:bldLst>
-  </p:timing>
 </p:sld>
 </file>
 
@@ -12191,7 +9296,7 @@
           <p:cNvPr id="2" name="Title 1">
             <a:extLst>
               <a:ext uri="{FF2B5EF4-FFF2-40B4-BE49-F238E27FC236}">
-                <a16:creationId xmlns:a16="http://schemas.microsoft.com/office/drawing/2014/main" id="{E1A291CF-5B52-4363-8617-5B975E8B14C2}"/>
+                <a16:creationId xmlns:a16="http://schemas.microsoft.com/office/drawing/2014/main" id="{9C7D9E39-AC31-4065-84F2-01C2DA93A3CD}"/>
               </a:ext>
             </a:extLst>
           </p:cNvPr>
@@ -12202,16 +9307,21 @@
             <p:ph type="title"/>
           </p:nvPr>
         </p:nvSpPr>
-        <p:spPr/>
+        <p:spPr>
+          <a:xfrm>
+            <a:off x="561109" y="243732"/>
+            <a:ext cx="10515600" cy="948902"/>
+          </a:xfrm>
+        </p:spPr>
         <p:txBody>
           <a:bodyPr/>
           <a:lstStyle/>
           <a:p>
             <a:r>
-              <a:rPr lang="en-US" dirty="0"/>
-              <a:t>Wrap up:</a:t>
-            </a:r>
-            <a:endParaRPr lang="en-GB" dirty="0"/>
+              <a:rPr lang="en-US" b="1" dirty="0"/>
+              <a:t>Who Am I?</a:t>
+            </a:r>
+            <a:endParaRPr lang="en-NL" b="1" dirty="0"/>
           </a:p>
         </p:txBody>
       </p:sp>
@@ -12220,7 +9330,7 @@
           <p:cNvPr id="3" name="Content Placeholder 2">
             <a:extLst>
               <a:ext uri="{FF2B5EF4-FFF2-40B4-BE49-F238E27FC236}">
-                <a16:creationId xmlns:a16="http://schemas.microsoft.com/office/drawing/2014/main" id="{376FB710-45A2-488E-80EE-BFEC0D4BFA7B}"/>
+                <a16:creationId xmlns:a16="http://schemas.microsoft.com/office/drawing/2014/main" id="{110338D2-8565-4AF9-91CE-CD583FB0EBFE}"/>
               </a:ext>
             </a:extLst>
           </p:cNvPr>
@@ -12233,121 +9343,189 @@
         </p:nvSpPr>
         <p:spPr>
           <a:xfrm>
-            <a:off x="838200" y="1485089"/>
-            <a:ext cx="10515600" cy="4691874"/>
+            <a:off x="397933" y="1314028"/>
+            <a:ext cx="7596140" cy="4351338"/>
           </a:xfrm>
         </p:spPr>
         <p:txBody>
           <a:bodyPr>
-            <a:normAutofit/>
+            <a:normAutofit fontScale="85000" lnSpcReduction="20000"/>
           </a:bodyPr>
           <a:lstStyle/>
           <a:p>
             <a:r>
               <a:rPr lang="en-US" dirty="0"/>
-              <a:t>You can set options by attribute or using </a:t>
-            </a:r>
-            <a:r>
-              <a:rPr lang="en-US" sz="2400" b="1" dirty="0">
-                <a:latin typeface="Courier New" panose="02070309020205020404" pitchFamily="49" charset="0"/>
-                <a:cs typeface="Courier New" panose="02070309020205020404" pitchFamily="49" charset="0"/>
-              </a:rPr>
-              <a:t>&lt;</a:t>
-            </a:r>
-            <a:r>
-              <a:rPr lang="en-US" sz="2400" b="1" dirty="0" err="1">
-                <a:latin typeface="Courier New" panose="02070309020205020404" pitchFamily="49" charset="0"/>
-                <a:cs typeface="Courier New" panose="02070309020205020404" pitchFamily="49" charset="0"/>
-              </a:rPr>
-              <a:t>p:with-option</a:t>
-            </a:r>
-            <a:r>
-              <a:rPr lang="en-US" sz="2400" b="1" dirty="0">
-                <a:latin typeface="Courier New" panose="02070309020205020404" pitchFamily="49" charset="0"/>
-                <a:cs typeface="Courier New" panose="02070309020205020404" pitchFamily="49" charset="0"/>
-              </a:rPr>
-              <a:t>&gt;</a:t>
-            </a:r>
-            <a:endParaRPr lang="en-US" b="1" dirty="0">
-              <a:latin typeface="Courier New" panose="02070309020205020404" pitchFamily="49" charset="0"/>
-              <a:cs typeface="Courier New" panose="02070309020205020404" pitchFamily="49" charset="0"/>
-            </a:endParaRPr>
+              <a:t>Erik Siegel</a:t>
+            </a:r>
+          </a:p>
+          <a:p>
+            <a:r>
+              <a:rPr lang="en-US" dirty="0"/>
+              <a:t>Content Engineer, XML Specialist, Technical Writer</a:t>
+            </a:r>
+          </a:p>
+          <a:p>
+            <a:r>
+              <a:rPr lang="en-US" dirty="0"/>
+              <a:t>Company: Xatapult</a:t>
+            </a:r>
           </a:p>
           <a:p>
             <a:pPr lvl="1"/>
             <a:r>
               <a:rPr lang="en-US" dirty="0"/>
-              <a:t>Watch out: Who is going to interpret the XPath expressions?</a:t>
-            </a:r>
-          </a:p>
-          <a:p>
+              <a:t>Groningen, The Netherlands</a:t>
+            </a:r>
+          </a:p>
+          <a:p>
+            <a:pPr lvl="1"/>
             <a:r>
               <a:rPr lang="en-US" dirty="0"/>
-              <a:t>You can define and use variables</a:t>
-            </a:r>
-          </a:p>
-          <a:p>
-            <a:pPr lvl="1"/>
+              <a:t>Customers mostly in publishing and standardization</a:t>
+            </a:r>
+          </a:p>
+          <a:p>
             <a:r>
               <a:rPr lang="en-US" dirty="0"/>
-              <a:t>XPath expression do not have to be based on the document flowing through</a:t>
+              <a:t>Part of the XProc 3.0 editing committee</a:t>
             </a:r>
           </a:p>
           <a:p>
             <a:r>
               <a:rPr lang="en-US" dirty="0"/>
-              <a:t>There are core steps for looping, decision making, etc.</a:t>
+              <a:t>Writer of the XProc 3.0 Programmer Reference</a:t>
+            </a:r>
+          </a:p>
+          <a:p>
+            <a:r>
+              <a:rPr lang="en-US" dirty="0"/>
+              <a:t>Contact:</a:t>
+            </a:r>
+          </a:p>
+          <a:p>
+            <a:pPr marL="457200" lvl="1" indent="0">
+              <a:lnSpc>
+                <a:spcPct val="120000"/>
+              </a:lnSpc>
+              <a:buNone/>
+            </a:pPr>
+            <a:r>
+              <a:rPr lang="en-US" dirty="0">
+                <a:hlinkClick r:id="rId2"/>
+              </a:rPr>
+              <a:t>erik@xatapult.nl</a:t>
             </a:r>
             <a:br>
               <a:rPr lang="en-US" dirty="0"/>
             </a:br>
             <a:r>
+              <a:rPr lang="en-US" dirty="0">
+                <a:hlinkClick r:id="rId3"/>
+              </a:rPr>
+              <a:t>www.xatapult.com</a:t>
+            </a:r>
+            <a:br>
               <a:rPr lang="en-US" dirty="0"/>
-              <a:t>We looked at:</a:t>
-            </a:r>
-          </a:p>
-          <a:p>
-            <a:pPr lvl="1"/>
-            <a:r>
-              <a:rPr lang="en-US" b="1" dirty="0">
-                <a:latin typeface="Courier New" panose="02070309020205020404" pitchFamily="49" charset="0"/>
-                <a:cs typeface="Courier New" panose="02070309020205020404" pitchFamily="49" charset="0"/>
-              </a:rPr>
-              <a:t>p:for-each</a:t>
-            </a:r>
-          </a:p>
-          <a:p>
-            <a:pPr lvl="1"/>
-            <a:r>
-              <a:rPr lang="en-US" b="1" dirty="0">
-                <a:latin typeface="Courier New" panose="02070309020205020404" pitchFamily="49" charset="0"/>
-                <a:cs typeface="Courier New" panose="02070309020205020404" pitchFamily="49" charset="0"/>
-              </a:rPr>
-              <a:t>p:viewport</a:t>
-            </a:r>
-          </a:p>
-          <a:p>
-            <a:pPr lvl="1"/>
-            <a:r>
-              <a:rPr lang="en-US" b="1" dirty="0">
-                <a:latin typeface="Courier New" panose="02070309020205020404" pitchFamily="49" charset="0"/>
-                <a:cs typeface="Courier New" panose="02070309020205020404" pitchFamily="49" charset="0"/>
-              </a:rPr>
-              <a:t>p:if</a:t>
-            </a:r>
-          </a:p>
-          <a:p>
-            <a:pPr marL="457200" lvl="1" indent="0">
-              <a:buNone/>
-            </a:pPr>
-            <a:endParaRPr lang="en-GB" dirty="0"/>
-          </a:p>
-        </p:txBody>
-      </p:sp>
+            </a:br>
+            <a:r>
+              <a:rPr lang="nl-NL" dirty="0">
+                <a:hlinkClick r:id="rId4"/>
+              </a:rPr>
+              <a:t>www.linkedin.com/in/esiegel/</a:t>
+            </a:r>
+            <a:br>
+              <a:rPr lang="en-US" dirty="0"/>
+            </a:br>
+            <a:r>
+              <a:rPr lang="en-US" sz="2200" dirty="0"/>
+              <a:t>+31 6 53260792</a:t>
+            </a:r>
+            <a:endParaRPr lang="en-NL" dirty="0"/>
+          </a:p>
+        </p:txBody>
+      </p:sp>
+      <p:pic>
+        <p:nvPicPr>
+          <p:cNvPr id="5" name="Picture 4" descr="A picture containing person, tree, outdoor, plant&#10;&#10;Description automatically generated">
+            <a:extLst>
+              <a:ext uri="{FF2B5EF4-FFF2-40B4-BE49-F238E27FC236}">
+                <a16:creationId xmlns:a16="http://schemas.microsoft.com/office/drawing/2014/main" id="{3FF018FF-B684-4C34-8584-00C9F7DBB523}"/>
+              </a:ext>
+            </a:extLst>
+          </p:cNvPr>
+          <p:cNvPicPr>
+            <a:picLocks noChangeAspect="1"/>
+          </p:cNvPicPr>
+          <p:nvPr/>
+        </p:nvPicPr>
+        <p:blipFill>
+          <a:blip r:embed="rId5">
+            <a:extLst>
+              <a:ext uri="{28A0092B-C50C-407E-A947-70E740481C1C}">
+                <a14:useLocalDpi xmlns:a14="http://schemas.microsoft.com/office/drawing/2010/main" val="0"/>
+              </a:ext>
+            </a:extLst>
+          </a:blip>
+          <a:stretch>
+            <a:fillRect/>
+          </a:stretch>
+        </p:blipFill>
+        <p:spPr>
+          <a:xfrm rot="5400000">
+            <a:off x="9123217" y="683781"/>
+            <a:ext cx="2549239" cy="1911929"/>
+          </a:xfrm>
+          <a:prstGeom prst="rect">
+            <a:avLst/>
+          </a:prstGeom>
+          <a:ln>
+            <a:noFill/>
+          </a:ln>
+          <a:effectLst>
+            <a:softEdge rad="112500"/>
+          </a:effectLst>
+        </p:spPr>
+      </p:pic>
+      <p:pic>
+        <p:nvPicPr>
+          <p:cNvPr id="6" name="Picture 5" descr="A close up of a logo&#10;&#10;Description automatically generated">
+            <a:extLst>
+              <a:ext uri="{FF2B5EF4-FFF2-40B4-BE49-F238E27FC236}">
+                <a16:creationId xmlns:a16="http://schemas.microsoft.com/office/drawing/2014/main" id="{AA48229B-4A12-469F-8AC5-7A2676886746}"/>
+              </a:ext>
+            </a:extLst>
+          </p:cNvPr>
+          <p:cNvPicPr>
+            <a:picLocks noChangeAspect="1"/>
+          </p:cNvPicPr>
+          <p:nvPr/>
+        </p:nvPicPr>
+        <p:blipFill>
+          <a:blip r:embed="rId6">
+            <a:extLst>
+              <a:ext uri="{28A0092B-C50C-407E-A947-70E740481C1C}">
+                <a14:useLocalDpi xmlns:a14="http://schemas.microsoft.com/office/drawing/2010/main" val="0"/>
+              </a:ext>
+            </a:extLst>
+          </a:blip>
+          <a:stretch>
+            <a:fillRect/>
+          </a:stretch>
+        </p:blipFill>
+        <p:spPr>
+          <a:xfrm rot="1067824">
+            <a:off x="7246928" y="2925754"/>
+            <a:ext cx="3638738" cy="3831804"/>
+          </a:xfrm>
+          <a:prstGeom prst="rect">
+            <a:avLst/>
+          </a:prstGeom>
+        </p:spPr>
+      </p:pic>
     </p:spTree>
     <p:extLst>
       <p:ext uri="{BB962C8B-B14F-4D97-AF65-F5344CB8AC3E}">
-        <p14:creationId xmlns:p14="http://schemas.microsoft.com/office/powerpoint/2010/main" val="1043788117"/>
+        <p14:creationId xmlns:p14="http://schemas.microsoft.com/office/powerpoint/2010/main" val="372394686"/>
       </p:ext>
     </p:extLst>
   </p:cSld>
@@ -12771,749 +9949,6 @@
   <p:clrMapOvr>
     <a:masterClrMapping/>
   </p:clrMapOvr>
-  <p:timing>
-    <p:tnLst>
-      <p:par>
-        <p:cTn id="1" dur="indefinite" restart="never" nodeType="tmRoot">
-          <p:childTnLst>
-            <p:seq concurrent="1" nextAc="seek">
-              <p:cTn id="2" dur="indefinite" nodeType="mainSeq">
-                <p:childTnLst>
-                  <p:par>
-                    <p:cTn id="3" fill="hold">
-                      <p:stCondLst>
-                        <p:cond delay="indefinite"/>
-                        <p:cond evt="onBegin" delay="0">
-                          <p:tn val="2"/>
-                        </p:cond>
-                      </p:stCondLst>
-                      <p:childTnLst>
-                        <p:par>
-                          <p:cTn id="4" fill="hold">
-                            <p:stCondLst>
-                              <p:cond delay="0"/>
-                            </p:stCondLst>
-                            <p:childTnLst>
-                              <p:par>
-                                <p:cTn id="5" presetID="10" presetClass="entr" presetSubtype="0" fill="hold" grpId="0" nodeType="withEffect">
-                                  <p:stCondLst>
-                                    <p:cond delay="4000"/>
-                                  </p:stCondLst>
-                                  <p:childTnLst>
-                                    <p:set>
-                                      <p:cBhvr>
-                                        <p:cTn id="6" dur="1" fill="hold">
-                                          <p:stCondLst>
-                                            <p:cond delay="0"/>
-                                          </p:stCondLst>
-                                        </p:cTn>
-                                        <p:tgtEl>
-                                          <p:spTgt spid="4"/>
-                                        </p:tgtEl>
-                                        <p:attrNameLst>
-                                          <p:attrName>style.visibility</p:attrName>
-                                        </p:attrNameLst>
-                                      </p:cBhvr>
-                                      <p:to>
-                                        <p:strVal val="visible"/>
-                                      </p:to>
-                                    </p:set>
-                                    <p:animEffect transition="in" filter="fade">
-                                      <p:cBhvr>
-                                        <p:cTn id="7" dur="2000"/>
-                                        <p:tgtEl>
-                                          <p:spTgt spid="4"/>
-                                        </p:tgtEl>
-                                      </p:cBhvr>
-                                    </p:animEffect>
-                                  </p:childTnLst>
-                                </p:cTn>
-                              </p:par>
-                            </p:childTnLst>
-                          </p:cTn>
-                        </p:par>
-                      </p:childTnLst>
-                    </p:cTn>
-                  </p:par>
-                </p:childTnLst>
-              </p:cTn>
-              <p:prevCondLst>
-                <p:cond evt="onPrev" delay="0">
-                  <p:tgtEl>
-                    <p:sldTgt/>
-                  </p:tgtEl>
-                </p:cond>
-              </p:prevCondLst>
-              <p:nextCondLst>
-                <p:cond evt="onNext" delay="0">
-                  <p:tgtEl>
-                    <p:sldTgt/>
-                  </p:tgtEl>
-                </p:cond>
-              </p:nextCondLst>
-            </p:seq>
-          </p:childTnLst>
-        </p:cTn>
-      </p:par>
-    </p:tnLst>
-    <p:bldLst>
-      <p:bldP spid="4" grpId="0" animBg="1"/>
-    </p:bldLst>
-  </p:timing>
-</p:sld>
-</file>
-
-<file path=ppt/slides/slide20.xml><?xml version="1.0" encoding="utf-8"?>
-<p:sld xmlns:a="http://schemas.openxmlformats.org/drawingml/2006/main" xmlns:r="http://schemas.openxmlformats.org/officeDocument/2006/relationships" xmlns:p="http://schemas.openxmlformats.org/presentationml/2006/main">
-  <p:cSld>
-    <p:spTree>
-      <p:nvGrpSpPr>
-        <p:cNvPr id="1" name=""/>
-        <p:cNvGrpSpPr/>
-        <p:nvPr/>
-      </p:nvGrpSpPr>
-      <p:grpSpPr>
-        <a:xfrm>
-          <a:off x="0" y="0"/>
-          <a:ext cx="0" cy="0"/>
-          <a:chOff x="0" y="0"/>
-          <a:chExt cx="0" cy="0"/>
-        </a:xfrm>
-      </p:grpSpPr>
-      <p:sp>
-        <p:nvSpPr>
-          <p:cNvPr id="2" name="Title 1">
-            <a:extLst>
-              <a:ext uri="{FF2B5EF4-FFF2-40B4-BE49-F238E27FC236}">
-                <a16:creationId xmlns:a16="http://schemas.microsoft.com/office/drawing/2014/main" id="{69C1F8C1-9C4C-4D54-8868-98D27E1594F0}"/>
-              </a:ext>
-            </a:extLst>
-          </p:cNvPr>
-          <p:cNvSpPr>
-            <a:spLocks noGrp="1"/>
-          </p:cNvSpPr>
-          <p:nvPr>
-            <p:ph type="title"/>
-          </p:nvPr>
-        </p:nvSpPr>
-        <p:spPr>
-          <a:xfrm>
-            <a:off x="199743" y="148699"/>
-            <a:ext cx="10515600" cy="868503"/>
-          </a:xfrm>
-        </p:spPr>
-        <p:txBody>
-          <a:bodyPr/>
-          <a:lstStyle/>
-          <a:p>
-            <a:r>
-              <a:rPr lang="en-US" b="1" dirty="0"/>
-              <a:t>Goodbye and thank the fish, again!</a:t>
-            </a:r>
-            <a:endParaRPr lang="en-NL" b="1" dirty="0"/>
-          </a:p>
-        </p:txBody>
-      </p:sp>
-      <p:sp>
-        <p:nvSpPr>
-          <p:cNvPr id="3" name="Content Placeholder 2">
-            <a:extLst>
-              <a:ext uri="{FF2B5EF4-FFF2-40B4-BE49-F238E27FC236}">
-                <a16:creationId xmlns:a16="http://schemas.microsoft.com/office/drawing/2014/main" id="{EB447546-94E1-423A-8164-617B557A77FC}"/>
-              </a:ext>
-            </a:extLst>
-          </p:cNvPr>
-          <p:cNvSpPr>
-            <a:spLocks noGrp="1"/>
-          </p:cNvSpPr>
-          <p:nvPr>
-            <p:ph idx="1"/>
-          </p:nvPr>
-        </p:nvSpPr>
-        <p:spPr>
-          <a:xfrm>
-            <a:off x="713755" y="1253331"/>
-            <a:ext cx="10515600" cy="5093362"/>
-          </a:xfrm>
-        </p:spPr>
-        <p:txBody>
-          <a:bodyPr>
-            <a:normAutofit/>
-          </a:bodyPr>
-          <a:lstStyle/>
-          <a:p>
-            <a:pPr marL="0" indent="0">
-              <a:buNone/>
-            </a:pPr>
-            <a:r>
-              <a:rPr lang="nl-NL" dirty="0" err="1"/>
-              <a:t>Your</a:t>
-            </a:r>
-            <a:r>
-              <a:rPr lang="nl-NL" dirty="0"/>
-              <a:t> guide </a:t>
-            </a:r>
-            <a:r>
-              <a:rPr lang="nl-NL" dirty="0" err="1"/>
-              <a:t>today</a:t>
-            </a:r>
-            <a:r>
-              <a:rPr lang="nl-NL" dirty="0"/>
-              <a:t>: Erik Siegel – </a:t>
-            </a:r>
-            <a:r>
-              <a:rPr lang="nl-NL" dirty="0">
-                <a:hlinkClick r:id="rId2"/>
-              </a:rPr>
-              <a:t>erik@xatapult.nl</a:t>
-            </a:r>
-            <a:endParaRPr lang="nl-NL" dirty="0"/>
-          </a:p>
-          <a:p>
-            <a:endParaRPr lang="nl-NL" dirty="0"/>
-          </a:p>
-          <a:p>
-            <a:pPr marL="0" indent="0">
-              <a:buNone/>
-            </a:pPr>
-            <a:r>
-              <a:rPr lang="nl-NL" dirty="0" err="1"/>
-              <a:t>Specification</a:t>
-            </a:r>
-            <a:r>
-              <a:rPr lang="nl-NL" dirty="0"/>
-              <a:t>: </a:t>
-            </a:r>
-            <a:r>
-              <a:rPr lang="en-GB" dirty="0">
-                <a:hlinkClick r:id="rId3"/>
-              </a:rPr>
-              <a:t>https://spec.xproc.org/</a:t>
-            </a:r>
-            <a:endParaRPr lang="en-GB" dirty="0"/>
-          </a:p>
-          <a:p>
-            <a:pPr marL="0" indent="0">
-              <a:buNone/>
-            </a:pPr>
-            <a:r>
-              <a:rPr lang="en-GB" dirty="0"/>
-              <a:t>Processors:</a:t>
-            </a:r>
-          </a:p>
-          <a:p>
-            <a:pPr lvl="1"/>
-            <a:r>
-              <a:rPr lang="en-GB" dirty="0"/>
-              <a:t>Morgana: </a:t>
-            </a:r>
-            <a:r>
-              <a:rPr lang="nl-NL" dirty="0">
-                <a:hlinkClick r:id="rId4"/>
-              </a:rPr>
-              <a:t>https://www.xml-project.com/</a:t>
-            </a:r>
-            <a:endParaRPr lang="nl-NL" dirty="0"/>
-          </a:p>
-          <a:p>
-            <a:pPr lvl="1"/>
-            <a:r>
-              <a:rPr lang="nl-NL" dirty="0" err="1"/>
-              <a:t>Calabash</a:t>
-            </a:r>
-            <a:r>
-              <a:rPr lang="nl-NL" dirty="0"/>
-              <a:t>: </a:t>
-            </a:r>
-            <a:r>
-              <a:rPr lang="en-GB" dirty="0">
-                <a:hlinkClick r:id="rId5"/>
-              </a:rPr>
-              <a:t>https://xmlcalabash.com/</a:t>
-            </a:r>
-            <a:endParaRPr lang="en-GB" dirty="0"/>
-          </a:p>
-          <a:p>
-            <a:pPr marL="0" indent="0">
-              <a:buNone/>
-            </a:pPr>
-            <a:r>
-              <a:rPr lang="en-GB" dirty="0"/>
-              <a:t>Articles on XProc: </a:t>
-            </a:r>
-            <a:r>
-              <a:rPr lang="en-GB" dirty="0">
-                <a:hlinkClick r:id="rId6"/>
-              </a:rPr>
-              <a:t>https://www.xml.com</a:t>
-            </a:r>
-            <a:endParaRPr lang="en-GB" dirty="0"/>
-          </a:p>
-          <a:p>
-            <a:pPr marL="0" indent="0">
-              <a:buNone/>
-            </a:pPr>
-            <a:r>
-              <a:rPr lang="en-GB" dirty="0"/>
-              <a:t>Book: </a:t>
-            </a:r>
-            <a:r>
-              <a:rPr lang="en-GB" dirty="0">
-                <a:hlinkClick r:id="rId7"/>
-              </a:rPr>
-              <a:t>https://xmlpress.net/publications/xproc-3-0/</a:t>
-            </a:r>
-            <a:endParaRPr lang="en-GB" dirty="0"/>
-          </a:p>
-        </p:txBody>
-      </p:sp>
-      <p:sp>
-        <p:nvSpPr>
-          <p:cNvPr id="4" name="Speech Bubble: Oval 3">
-            <a:extLst>
-              <a:ext uri="{FF2B5EF4-FFF2-40B4-BE49-F238E27FC236}">
-                <a16:creationId xmlns:a16="http://schemas.microsoft.com/office/drawing/2014/main" id="{75A921EF-31BA-4A7F-95D3-A57EFDE6D66D}"/>
-              </a:ext>
-            </a:extLst>
-          </p:cNvPr>
-          <p:cNvSpPr/>
-          <p:nvPr/>
-        </p:nvSpPr>
-        <p:spPr>
-          <a:xfrm>
-            <a:off x="7548663" y="1780162"/>
-            <a:ext cx="4364477" cy="2289242"/>
-          </a:xfrm>
-          <a:prstGeom prst="wedgeEllipseCallout">
-            <a:avLst>
-              <a:gd name="adj1" fmla="val 43251"/>
-              <a:gd name="adj2" fmla="val 159929"/>
-            </a:avLst>
-          </a:prstGeom>
-        </p:spPr>
-        <p:style>
-          <a:lnRef idx="2">
-            <a:schemeClr val="accent1">
-              <a:shade val="50000"/>
-            </a:schemeClr>
-          </a:lnRef>
-          <a:fillRef idx="1">
-            <a:schemeClr val="accent1"/>
-          </a:fillRef>
-          <a:effectRef idx="0">
-            <a:schemeClr val="accent1"/>
-          </a:effectRef>
-          <a:fontRef idx="minor">
-            <a:schemeClr val="lt1"/>
-          </a:fontRef>
-        </p:style>
-        <p:txBody>
-          <a:bodyPr rtlCol="0" anchor="ctr"/>
-          <a:lstStyle/>
-          <a:p>
-            <a:pPr algn="ctr"/>
-            <a:r>
-              <a:rPr lang="en-US" sz="2800" dirty="0"/>
-              <a:t>See you!</a:t>
-            </a:r>
-          </a:p>
-          <a:p>
-            <a:pPr algn="ctr"/>
-            <a:r>
-              <a:rPr lang="en-US" sz="2800" dirty="0"/>
-              <a:t>And remember, </a:t>
-            </a:r>
-            <a:r>
-              <a:rPr lang="en-US" sz="2800" dirty="0" err="1"/>
-              <a:t>Kanava</a:t>
-            </a:r>
-            <a:r>
-              <a:rPr lang="en-US" sz="2800" dirty="0"/>
-              <a:t> says: </a:t>
-            </a:r>
-          </a:p>
-          <a:p>
-            <a:pPr algn="ctr"/>
-            <a:r>
-              <a:rPr lang="en-US" sz="3200" b="1" i="1" dirty="0"/>
-              <a:t>XProc</a:t>
-            </a:r>
-            <a:r>
-              <a:rPr lang="en-US" sz="2800" b="1" i="1" dirty="0"/>
-              <a:t> </a:t>
-            </a:r>
-            <a:r>
-              <a:rPr lang="en-US" sz="3200" b="1" i="1" dirty="0"/>
-              <a:t>rocks…</a:t>
-            </a:r>
-            <a:r>
-              <a:rPr lang="en-US" sz="2800" b="1" i="1" dirty="0"/>
-              <a:t> </a:t>
-            </a:r>
-            <a:endParaRPr lang="en-NL" sz="2800" b="1" i="1" dirty="0"/>
-          </a:p>
-        </p:txBody>
-      </p:sp>
-    </p:spTree>
-    <p:extLst>
-      <p:ext uri="{BB962C8B-B14F-4D97-AF65-F5344CB8AC3E}">
-        <p14:creationId xmlns:p14="http://schemas.microsoft.com/office/powerpoint/2010/main" val="3036039419"/>
-      </p:ext>
-    </p:extLst>
-  </p:cSld>
-  <p:clrMapOvr>
-    <a:masterClrMapping/>
-  </p:clrMapOvr>
-  <p:timing>
-    <p:tnLst>
-      <p:par>
-        <p:cTn id="1" dur="indefinite" restart="never" nodeType="tmRoot">
-          <p:childTnLst>
-            <p:seq concurrent="1" nextAc="seek">
-              <p:cTn id="2" dur="indefinite" nodeType="mainSeq">
-                <p:childTnLst>
-                  <p:par>
-                    <p:cTn id="3" fill="hold">
-                      <p:stCondLst>
-                        <p:cond delay="indefinite"/>
-                        <p:cond evt="onBegin" delay="0">
-                          <p:tn val="2"/>
-                        </p:cond>
-                      </p:stCondLst>
-                      <p:childTnLst>
-                        <p:par>
-                          <p:cTn id="4" fill="hold">
-                            <p:stCondLst>
-                              <p:cond delay="0"/>
-                            </p:stCondLst>
-                            <p:childTnLst>
-                              <p:par>
-                                <p:cTn id="5" presetID="10" presetClass="entr" presetSubtype="0" fill="hold" grpId="0" nodeType="withEffect">
-                                  <p:stCondLst>
-                                    <p:cond delay="4000"/>
-                                  </p:stCondLst>
-                                  <p:childTnLst>
-                                    <p:set>
-                                      <p:cBhvr>
-                                        <p:cTn id="6" dur="1" fill="hold">
-                                          <p:stCondLst>
-                                            <p:cond delay="0"/>
-                                          </p:stCondLst>
-                                        </p:cTn>
-                                        <p:tgtEl>
-                                          <p:spTgt spid="4"/>
-                                        </p:tgtEl>
-                                        <p:attrNameLst>
-                                          <p:attrName>style.visibility</p:attrName>
-                                        </p:attrNameLst>
-                                      </p:cBhvr>
-                                      <p:to>
-                                        <p:strVal val="visible"/>
-                                      </p:to>
-                                    </p:set>
-                                    <p:animEffect transition="in" filter="fade">
-                                      <p:cBhvr>
-                                        <p:cTn id="7" dur="2000"/>
-                                        <p:tgtEl>
-                                          <p:spTgt spid="4"/>
-                                        </p:tgtEl>
-                                      </p:cBhvr>
-                                    </p:animEffect>
-                                  </p:childTnLst>
-                                </p:cTn>
-                              </p:par>
-                            </p:childTnLst>
-                          </p:cTn>
-                        </p:par>
-                      </p:childTnLst>
-                    </p:cTn>
-                  </p:par>
-                </p:childTnLst>
-              </p:cTn>
-              <p:prevCondLst>
-                <p:cond evt="onPrev" delay="0">
-                  <p:tgtEl>
-                    <p:sldTgt/>
-                  </p:tgtEl>
-                </p:cond>
-              </p:prevCondLst>
-              <p:nextCondLst>
-                <p:cond evt="onNext" delay="0">
-                  <p:tgtEl>
-                    <p:sldTgt/>
-                  </p:tgtEl>
-                </p:cond>
-              </p:nextCondLst>
-            </p:seq>
-          </p:childTnLst>
-        </p:cTn>
-      </p:par>
-    </p:tnLst>
-    <p:bldLst>
-      <p:bldP spid="4" grpId="0" animBg="1"/>
-    </p:bldLst>
-  </p:timing>
-</p:sld>
-</file>
-
-<file path=ppt/slides/slide21.xml><?xml version="1.0" encoding="utf-8"?>
-<p:sld xmlns:a="http://schemas.openxmlformats.org/drawingml/2006/main" xmlns:r="http://schemas.openxmlformats.org/officeDocument/2006/relationships" xmlns:p="http://schemas.openxmlformats.org/presentationml/2006/main">
-  <p:cSld>
-    <p:spTree>
-      <p:nvGrpSpPr>
-        <p:cNvPr id="1" name=""/>
-        <p:cNvGrpSpPr/>
-        <p:nvPr/>
-      </p:nvGrpSpPr>
-      <p:grpSpPr>
-        <a:xfrm>
-          <a:off x="0" y="0"/>
-          <a:ext cx="0" cy="0"/>
-          <a:chOff x="0" y="0"/>
-          <a:chExt cx="0" cy="0"/>
-        </a:xfrm>
-      </p:grpSpPr>
-      <p:sp>
-        <p:nvSpPr>
-          <p:cNvPr id="2" name="Title 1">
-            <a:extLst>
-              <a:ext uri="{FF2B5EF4-FFF2-40B4-BE49-F238E27FC236}">
-                <a16:creationId xmlns:a16="http://schemas.microsoft.com/office/drawing/2014/main" id="{9C7D9E39-AC31-4065-84F2-01C2DA93A3CD}"/>
-              </a:ext>
-            </a:extLst>
-          </p:cNvPr>
-          <p:cNvSpPr>
-            <a:spLocks noGrp="1"/>
-          </p:cNvSpPr>
-          <p:nvPr>
-            <p:ph type="title"/>
-          </p:nvPr>
-        </p:nvSpPr>
-        <p:spPr>
-          <a:xfrm>
-            <a:off x="561109" y="243732"/>
-            <a:ext cx="10515600" cy="948902"/>
-          </a:xfrm>
-        </p:spPr>
-        <p:txBody>
-          <a:bodyPr/>
-          <a:lstStyle/>
-          <a:p>
-            <a:r>
-              <a:rPr lang="en-US" b="1" dirty="0"/>
-              <a:t>Who Am I?</a:t>
-            </a:r>
-            <a:endParaRPr lang="en-NL" b="1" dirty="0"/>
-          </a:p>
-        </p:txBody>
-      </p:sp>
-      <p:sp>
-        <p:nvSpPr>
-          <p:cNvPr id="3" name="Content Placeholder 2">
-            <a:extLst>
-              <a:ext uri="{FF2B5EF4-FFF2-40B4-BE49-F238E27FC236}">
-                <a16:creationId xmlns:a16="http://schemas.microsoft.com/office/drawing/2014/main" id="{110338D2-8565-4AF9-91CE-CD583FB0EBFE}"/>
-              </a:ext>
-            </a:extLst>
-          </p:cNvPr>
-          <p:cNvSpPr>
-            <a:spLocks noGrp="1"/>
-          </p:cNvSpPr>
-          <p:nvPr>
-            <p:ph idx="1"/>
-          </p:nvPr>
-        </p:nvSpPr>
-        <p:spPr>
-          <a:xfrm>
-            <a:off x="397933" y="1314028"/>
-            <a:ext cx="7596140" cy="4351338"/>
-          </a:xfrm>
-        </p:spPr>
-        <p:txBody>
-          <a:bodyPr>
-            <a:normAutofit fontScale="85000" lnSpcReduction="20000"/>
-          </a:bodyPr>
-          <a:lstStyle/>
-          <a:p>
-            <a:r>
-              <a:rPr lang="en-US" dirty="0"/>
-              <a:t>Erik Siegel</a:t>
-            </a:r>
-          </a:p>
-          <a:p>
-            <a:r>
-              <a:rPr lang="en-US" dirty="0"/>
-              <a:t>Content Engineer, XML Specialist, Technical Writer</a:t>
-            </a:r>
-          </a:p>
-          <a:p>
-            <a:r>
-              <a:rPr lang="en-US" dirty="0"/>
-              <a:t>Company: Xatapult</a:t>
-            </a:r>
-          </a:p>
-          <a:p>
-            <a:pPr lvl="1"/>
-            <a:r>
-              <a:rPr lang="en-US" dirty="0"/>
-              <a:t>Groningen, The Netherlands</a:t>
-            </a:r>
-          </a:p>
-          <a:p>
-            <a:pPr lvl="1"/>
-            <a:r>
-              <a:rPr lang="en-US" dirty="0"/>
-              <a:t>Customers mostly in publishing and standardization</a:t>
-            </a:r>
-          </a:p>
-          <a:p>
-            <a:r>
-              <a:rPr lang="en-US" dirty="0"/>
-              <a:t>Part of the XProc 3.0 editing committee</a:t>
-            </a:r>
-          </a:p>
-          <a:p>
-            <a:r>
-              <a:rPr lang="en-US" dirty="0"/>
-              <a:t>Writer of the XProc 3.0 Programmer Reference</a:t>
-            </a:r>
-          </a:p>
-          <a:p>
-            <a:r>
-              <a:rPr lang="en-US" dirty="0"/>
-              <a:t>Contact:</a:t>
-            </a:r>
-          </a:p>
-          <a:p>
-            <a:pPr marL="457200" lvl="1" indent="0">
-              <a:lnSpc>
-                <a:spcPct val="120000"/>
-              </a:lnSpc>
-              <a:buNone/>
-            </a:pPr>
-            <a:r>
-              <a:rPr lang="en-US" dirty="0">
-                <a:hlinkClick r:id="rId2"/>
-              </a:rPr>
-              <a:t>erik@xatapult.nl</a:t>
-            </a:r>
-            <a:br>
-              <a:rPr lang="en-US" dirty="0"/>
-            </a:br>
-            <a:r>
-              <a:rPr lang="en-US" dirty="0">
-                <a:hlinkClick r:id="rId3"/>
-              </a:rPr>
-              <a:t>www.xatapult.com</a:t>
-            </a:r>
-            <a:br>
-              <a:rPr lang="en-US" dirty="0"/>
-            </a:br>
-            <a:r>
-              <a:rPr lang="nl-NL" dirty="0">
-                <a:hlinkClick r:id="rId4"/>
-              </a:rPr>
-              <a:t>www.linkedin.com/in/esiegel/</a:t>
-            </a:r>
-            <a:br>
-              <a:rPr lang="en-US" dirty="0"/>
-            </a:br>
-            <a:r>
-              <a:rPr lang="en-US" sz="2200" dirty="0"/>
-              <a:t>+31 6 53260792</a:t>
-            </a:r>
-            <a:endParaRPr lang="en-NL" dirty="0"/>
-          </a:p>
-        </p:txBody>
-      </p:sp>
-      <p:pic>
-        <p:nvPicPr>
-          <p:cNvPr id="5" name="Picture 4" descr="A picture containing person, tree, outdoor, plant&#10;&#10;Description automatically generated">
-            <a:extLst>
-              <a:ext uri="{FF2B5EF4-FFF2-40B4-BE49-F238E27FC236}">
-                <a16:creationId xmlns:a16="http://schemas.microsoft.com/office/drawing/2014/main" id="{3FF018FF-B684-4C34-8584-00C9F7DBB523}"/>
-              </a:ext>
-            </a:extLst>
-          </p:cNvPr>
-          <p:cNvPicPr>
-            <a:picLocks noChangeAspect="1"/>
-          </p:cNvPicPr>
-          <p:nvPr/>
-        </p:nvPicPr>
-        <p:blipFill>
-          <a:blip r:embed="rId5">
-            <a:extLst>
-              <a:ext uri="{28A0092B-C50C-407E-A947-70E740481C1C}">
-                <a14:useLocalDpi xmlns:a14="http://schemas.microsoft.com/office/drawing/2010/main" val="0"/>
-              </a:ext>
-            </a:extLst>
-          </a:blip>
-          <a:stretch>
-            <a:fillRect/>
-          </a:stretch>
-        </p:blipFill>
-        <p:spPr>
-          <a:xfrm rot="5400000">
-            <a:off x="9123217" y="683781"/>
-            <a:ext cx="2549239" cy="1911929"/>
-          </a:xfrm>
-          <a:prstGeom prst="rect">
-            <a:avLst/>
-          </a:prstGeom>
-          <a:ln>
-            <a:noFill/>
-          </a:ln>
-          <a:effectLst>
-            <a:softEdge rad="112500"/>
-          </a:effectLst>
-        </p:spPr>
-      </p:pic>
-      <p:pic>
-        <p:nvPicPr>
-          <p:cNvPr id="6" name="Picture 5" descr="A close up of a logo&#10;&#10;Description automatically generated">
-            <a:extLst>
-              <a:ext uri="{FF2B5EF4-FFF2-40B4-BE49-F238E27FC236}">
-                <a16:creationId xmlns:a16="http://schemas.microsoft.com/office/drawing/2014/main" id="{AA48229B-4A12-469F-8AC5-7A2676886746}"/>
-              </a:ext>
-            </a:extLst>
-          </p:cNvPr>
-          <p:cNvPicPr>
-            <a:picLocks noChangeAspect="1"/>
-          </p:cNvPicPr>
-          <p:nvPr/>
-        </p:nvPicPr>
-        <p:blipFill>
-          <a:blip r:embed="rId6">
-            <a:extLst>
-              <a:ext uri="{28A0092B-C50C-407E-A947-70E740481C1C}">
-                <a14:useLocalDpi xmlns:a14="http://schemas.microsoft.com/office/drawing/2010/main" val="0"/>
-              </a:ext>
-            </a:extLst>
-          </a:blip>
-          <a:stretch>
-            <a:fillRect/>
-          </a:stretch>
-        </p:blipFill>
-        <p:spPr>
-          <a:xfrm rot="1067824">
-            <a:off x="7246928" y="2925754"/>
-            <a:ext cx="3638738" cy="3831804"/>
-          </a:xfrm>
-          <a:prstGeom prst="rect">
-            <a:avLst/>
-          </a:prstGeom>
-        </p:spPr>
-      </p:pic>
-    </p:spTree>
-    <p:extLst>
-      <p:ext uri="{BB962C8B-B14F-4D97-AF65-F5344CB8AC3E}">
-        <p14:creationId xmlns:p14="http://schemas.microsoft.com/office/powerpoint/2010/main" val="372394686"/>
-      </p:ext>
-    </p:extLst>
-  </p:cSld>
-  <p:clrMapOvr>
-    <a:masterClrMapping/>
-  </p:clrMapOvr>
 </p:sld>
 </file>
 
@@ -13741,95 +10176,6 @@
   <p:clrMapOvr>
     <a:masterClrMapping/>
   </p:clrMapOvr>
-  <p:timing>
-    <p:tnLst>
-      <p:par>
-        <p:cTn id="1" dur="indefinite" restart="never" nodeType="tmRoot">
-          <p:childTnLst>
-            <p:seq concurrent="1" nextAc="seek">
-              <p:cTn id="2" dur="indefinite" nodeType="mainSeq">
-                <p:childTnLst>
-                  <p:par>
-                    <p:cTn id="3" fill="hold">
-                      <p:stCondLst>
-                        <p:cond delay="indefinite"/>
-                        <p:cond evt="onBegin" delay="0">
-                          <p:tn val="2"/>
-                        </p:cond>
-                      </p:stCondLst>
-                      <p:childTnLst>
-                        <p:par>
-                          <p:cTn id="4" fill="hold">
-                            <p:stCondLst>
-                              <p:cond delay="0"/>
-                            </p:stCondLst>
-                            <p:childTnLst>
-                              <p:par>
-                                <p:cTn id="5" presetID="10" presetClass="entr" presetSubtype="0" fill="hold" grpId="0" nodeType="withEffect">
-                                  <p:stCondLst>
-                                    <p:cond delay="4000"/>
-                                  </p:stCondLst>
-                                  <p:childTnLst>
-                                    <p:set>
-                                      <p:cBhvr>
-                                        <p:cTn id="6" dur="1" fill="hold">
-                                          <p:stCondLst>
-                                            <p:cond delay="0"/>
-                                          </p:stCondLst>
-                                        </p:cTn>
-                                        <p:tgtEl>
-                                          <p:spTgt spid="4"/>
-                                        </p:tgtEl>
-                                        <p:attrNameLst>
-                                          <p:attrName>style.visibility</p:attrName>
-                                        </p:attrNameLst>
-                                      </p:cBhvr>
-                                      <p:to>
-                                        <p:strVal val="visible"/>
-                                      </p:to>
-                                    </p:set>
-                                    <p:animEffect transition="in" filter="fade">
-                                      <p:cBhvr>
-                                        <p:cTn id="7" dur="2000"/>
-                                        <p:tgtEl>
-                                          <p:spTgt spid="4"/>
-                                        </p:tgtEl>
-                                      </p:cBhvr>
-                                    </p:animEffect>
-                                  </p:childTnLst>
-                                </p:cTn>
-                              </p:par>
-                            </p:childTnLst>
-                          </p:cTn>
-                        </p:par>
-                      </p:childTnLst>
-                    </p:cTn>
-                  </p:par>
-                </p:childTnLst>
-              </p:cTn>
-              <p:prevCondLst>
-                <p:cond evt="onPrev" delay="0">
-                  <p:tgtEl>
-                    <p:sldTgt/>
-                  </p:tgtEl>
-                </p:cond>
-              </p:prevCondLst>
-              <p:nextCondLst>
-                <p:cond evt="onNext" delay="0">
-                  <p:tgtEl>
-                    <p:sldTgt/>
-                  </p:tgtEl>
-                </p:cond>
-              </p:nextCondLst>
-            </p:seq>
-          </p:childTnLst>
-        </p:cTn>
-      </p:par>
-    </p:tnLst>
-    <p:bldLst>
-      <p:bldP spid="4" grpId="0" animBg="1"/>
-    </p:bldLst>
-  </p:timing>
 </p:sld>
 </file>
 
@@ -14461,356 +10807,6 @@
   <p:clrMapOvr>
     <a:masterClrMapping/>
   </p:clrMapOvr>
-  <p:timing>
-    <p:tnLst>
-      <p:par>
-        <p:cTn id="1" dur="indefinite" restart="never" nodeType="tmRoot">
-          <p:childTnLst>
-            <p:seq concurrent="1" nextAc="seek">
-              <p:cTn id="2" dur="indefinite" nodeType="mainSeq">
-                <p:childTnLst>
-                  <p:par>
-                    <p:cTn id="3" fill="hold">
-                      <p:stCondLst>
-                        <p:cond delay="indefinite"/>
-                        <p:cond evt="onBegin" delay="0">
-                          <p:tn val="2"/>
-                        </p:cond>
-                      </p:stCondLst>
-                      <p:childTnLst>
-                        <p:par>
-                          <p:cTn id="4" fill="hold">
-                            <p:stCondLst>
-                              <p:cond delay="0"/>
-                            </p:stCondLst>
-                            <p:childTnLst>
-                              <p:par>
-                                <p:cTn id="5" presetID="10" presetClass="entr" presetSubtype="0" fill="hold" grpId="0" nodeType="withEffect">
-                                  <p:stCondLst>
-                                    <p:cond delay="0"/>
-                                  </p:stCondLst>
-                                  <p:childTnLst>
-                                    <p:set>
-                                      <p:cBhvr>
-                                        <p:cTn id="6" dur="1" fill="hold">
-                                          <p:stCondLst>
-                                            <p:cond delay="0"/>
-                                          </p:stCondLst>
-                                        </p:cTn>
-                                        <p:tgtEl>
-                                          <p:spTgt spid="3"/>
-                                        </p:tgtEl>
-                                        <p:attrNameLst>
-                                          <p:attrName>style.visibility</p:attrName>
-                                        </p:attrNameLst>
-                                      </p:cBhvr>
-                                      <p:to>
-                                        <p:strVal val="visible"/>
-                                      </p:to>
-                                    </p:set>
-                                    <p:animEffect transition="in" filter="fade">
-                                      <p:cBhvr>
-                                        <p:cTn id="7" dur="2000"/>
-                                        <p:tgtEl>
-                                          <p:spTgt spid="3"/>
-                                        </p:tgtEl>
-                                      </p:cBhvr>
-                                    </p:animEffect>
-                                  </p:childTnLst>
-                                </p:cTn>
-                              </p:par>
-                            </p:childTnLst>
-                          </p:cTn>
-                        </p:par>
-                      </p:childTnLst>
-                    </p:cTn>
-                  </p:par>
-                  <p:par>
-                    <p:cTn id="8" fill="hold">
-                      <p:stCondLst>
-                        <p:cond delay="indefinite"/>
-                      </p:stCondLst>
-                      <p:childTnLst>
-                        <p:par>
-                          <p:cTn id="9" fill="hold">
-                            <p:stCondLst>
-                              <p:cond delay="0"/>
-                            </p:stCondLst>
-                            <p:childTnLst>
-                              <p:par>
-                                <p:cTn id="10" presetID="10" presetClass="entr" presetSubtype="0" fill="hold" grpId="0" nodeType="clickEffect">
-                                  <p:stCondLst>
-                                    <p:cond delay="0"/>
-                                  </p:stCondLst>
-                                  <p:childTnLst>
-                                    <p:set>
-                                      <p:cBhvr>
-                                        <p:cTn id="11" dur="1" fill="hold">
-                                          <p:stCondLst>
-                                            <p:cond delay="0"/>
-                                          </p:stCondLst>
-                                        </p:cTn>
-                                        <p:tgtEl>
-                                          <p:spTgt spid="26"/>
-                                        </p:tgtEl>
-                                        <p:attrNameLst>
-                                          <p:attrName>style.visibility</p:attrName>
-                                        </p:attrNameLst>
-                                      </p:cBhvr>
-                                      <p:to>
-                                        <p:strVal val="visible"/>
-                                      </p:to>
-                                    </p:set>
-                                    <p:animEffect transition="in" filter="fade">
-                                      <p:cBhvr>
-                                        <p:cTn id="12" dur="2000"/>
-                                        <p:tgtEl>
-                                          <p:spTgt spid="26"/>
-                                        </p:tgtEl>
-                                      </p:cBhvr>
-                                    </p:animEffect>
-                                  </p:childTnLst>
-                                </p:cTn>
-                              </p:par>
-                            </p:childTnLst>
-                          </p:cTn>
-                        </p:par>
-                      </p:childTnLst>
-                    </p:cTn>
-                  </p:par>
-                  <p:par>
-                    <p:cTn id="13" fill="hold">
-                      <p:stCondLst>
-                        <p:cond delay="indefinite"/>
-                      </p:stCondLst>
-                      <p:childTnLst>
-                        <p:par>
-                          <p:cTn id="14" fill="hold">
-                            <p:stCondLst>
-                              <p:cond delay="0"/>
-                            </p:stCondLst>
-                            <p:childTnLst>
-                              <p:par>
-                                <p:cTn id="15" presetID="10" presetClass="entr" presetSubtype="0" fill="hold" grpId="0" nodeType="clickEffect">
-                                  <p:stCondLst>
-                                    <p:cond delay="0"/>
-                                  </p:stCondLst>
-                                  <p:childTnLst>
-                                    <p:set>
-                                      <p:cBhvr>
-                                        <p:cTn id="16" dur="1" fill="hold">
-                                          <p:stCondLst>
-                                            <p:cond delay="0"/>
-                                          </p:stCondLst>
-                                        </p:cTn>
-                                        <p:tgtEl>
-                                          <p:spTgt spid="9"/>
-                                        </p:tgtEl>
-                                        <p:attrNameLst>
-                                          <p:attrName>style.visibility</p:attrName>
-                                        </p:attrNameLst>
-                                      </p:cBhvr>
-                                      <p:to>
-                                        <p:strVal val="visible"/>
-                                      </p:to>
-                                    </p:set>
-                                    <p:animEffect transition="in" filter="fade">
-                                      <p:cBhvr>
-                                        <p:cTn id="17" dur="2000"/>
-                                        <p:tgtEl>
-                                          <p:spTgt spid="9"/>
-                                        </p:tgtEl>
-                                      </p:cBhvr>
-                                    </p:animEffect>
-                                  </p:childTnLst>
-                                </p:cTn>
-                              </p:par>
-                              <p:par>
-                                <p:cTn id="18" presetID="10" presetClass="entr" presetSubtype="0" fill="hold" grpId="0" nodeType="withEffect">
-                                  <p:stCondLst>
-                                    <p:cond delay="0"/>
-                                  </p:stCondLst>
-                                  <p:childTnLst>
-                                    <p:set>
-                                      <p:cBhvr>
-                                        <p:cTn id="19" dur="1" fill="hold">
-                                          <p:stCondLst>
-                                            <p:cond delay="0"/>
-                                          </p:stCondLst>
-                                        </p:cTn>
-                                        <p:tgtEl>
-                                          <p:spTgt spid="16"/>
-                                        </p:tgtEl>
-                                        <p:attrNameLst>
-                                          <p:attrName>style.visibility</p:attrName>
-                                        </p:attrNameLst>
-                                      </p:cBhvr>
-                                      <p:to>
-                                        <p:strVal val="visible"/>
-                                      </p:to>
-                                    </p:set>
-                                    <p:animEffect transition="in" filter="fade">
-                                      <p:cBhvr>
-                                        <p:cTn id="20" dur="2000"/>
-                                        <p:tgtEl>
-                                          <p:spTgt spid="16"/>
-                                        </p:tgtEl>
-                                      </p:cBhvr>
-                                    </p:animEffect>
-                                  </p:childTnLst>
-                                </p:cTn>
-                              </p:par>
-                              <p:par>
-                                <p:cTn id="21" presetID="10" presetClass="entr" presetSubtype="0" fill="hold" grpId="0" nodeType="withEffect">
-                                  <p:stCondLst>
-                                    <p:cond delay="0"/>
-                                  </p:stCondLst>
-                                  <p:childTnLst>
-                                    <p:set>
-                                      <p:cBhvr>
-                                        <p:cTn id="22" dur="1" fill="hold">
-                                          <p:stCondLst>
-                                            <p:cond delay="0"/>
-                                          </p:stCondLst>
-                                        </p:cTn>
-                                        <p:tgtEl>
-                                          <p:spTgt spid="5"/>
-                                        </p:tgtEl>
-                                        <p:attrNameLst>
-                                          <p:attrName>style.visibility</p:attrName>
-                                        </p:attrNameLst>
-                                      </p:cBhvr>
-                                      <p:to>
-                                        <p:strVal val="visible"/>
-                                      </p:to>
-                                    </p:set>
-                                    <p:animEffect transition="in" filter="fade">
-                                      <p:cBhvr>
-                                        <p:cTn id="23" dur="2000"/>
-                                        <p:tgtEl>
-                                          <p:spTgt spid="5"/>
-                                        </p:tgtEl>
-                                      </p:cBhvr>
-                                    </p:animEffect>
-                                  </p:childTnLst>
-                                </p:cTn>
-                              </p:par>
-                            </p:childTnLst>
-                          </p:cTn>
-                        </p:par>
-                      </p:childTnLst>
-                    </p:cTn>
-                  </p:par>
-                  <p:par>
-                    <p:cTn id="24" fill="hold">
-                      <p:stCondLst>
-                        <p:cond delay="indefinite"/>
-                      </p:stCondLst>
-                      <p:childTnLst>
-                        <p:par>
-                          <p:cTn id="25" fill="hold">
-                            <p:stCondLst>
-                              <p:cond delay="0"/>
-                            </p:stCondLst>
-                            <p:childTnLst>
-                              <p:par>
-                                <p:cTn id="26" presetID="1" presetClass="entr" presetSubtype="0" fill="hold" nodeType="clickEffect">
-                                  <p:stCondLst>
-                                    <p:cond delay="0"/>
-                                  </p:stCondLst>
-                                  <p:childTnLst>
-                                    <p:set>
-                                      <p:cBhvr>
-                                        <p:cTn id="27" dur="1" fill="hold">
-                                          <p:stCondLst>
-                                            <p:cond delay="0"/>
-                                          </p:stCondLst>
-                                        </p:cTn>
-                                        <p:tgtEl>
-                                          <p:spTgt spid="7"/>
-                                        </p:tgtEl>
-                                        <p:attrNameLst>
-                                          <p:attrName>style.visibility</p:attrName>
-                                        </p:attrNameLst>
-                                      </p:cBhvr>
-                                      <p:to>
-                                        <p:strVal val="visible"/>
-                                      </p:to>
-                                    </p:set>
-                                  </p:childTnLst>
-                                </p:cTn>
-                              </p:par>
-                              <p:par>
-                                <p:cTn id="28" presetID="10" presetClass="entr" presetSubtype="0" fill="hold" grpId="0" nodeType="withEffect">
-                                  <p:stCondLst>
-                                    <p:cond delay="4000"/>
-                                  </p:stCondLst>
-                                  <p:childTnLst>
-                                    <p:set>
-                                      <p:cBhvr>
-                                        <p:cTn id="29" dur="1" fill="hold">
-                                          <p:stCondLst>
-                                            <p:cond delay="0"/>
-                                          </p:stCondLst>
-                                        </p:cTn>
-                                        <p:tgtEl>
-                                          <p:spTgt spid="17"/>
-                                        </p:tgtEl>
-                                        <p:attrNameLst>
-                                          <p:attrName>style.visibility</p:attrName>
-                                        </p:attrNameLst>
-                                      </p:cBhvr>
-                                      <p:to>
-                                        <p:strVal val="visible"/>
-                                      </p:to>
-                                    </p:set>
-                                    <p:animEffect transition="in" filter="fade">
-                                      <p:cBhvr>
-                                        <p:cTn id="30" dur="2000"/>
-                                        <p:tgtEl>
-                                          <p:spTgt spid="17"/>
-                                        </p:tgtEl>
-                                      </p:cBhvr>
-                                    </p:animEffect>
-                                  </p:childTnLst>
-                                </p:cTn>
-                              </p:par>
-                            </p:childTnLst>
-                          </p:cTn>
-                        </p:par>
-                      </p:childTnLst>
-                    </p:cTn>
-                  </p:par>
-                </p:childTnLst>
-              </p:cTn>
-              <p:prevCondLst>
-                <p:cond evt="onPrev" delay="0">
-                  <p:tgtEl>
-                    <p:sldTgt/>
-                  </p:tgtEl>
-                </p:cond>
-              </p:prevCondLst>
-              <p:nextCondLst>
-                <p:cond evt="onNext" delay="0">
-                  <p:tgtEl>
-                    <p:sldTgt/>
-                  </p:tgtEl>
-                </p:cond>
-              </p:nextCondLst>
-            </p:seq>
-          </p:childTnLst>
-        </p:cTn>
-      </p:par>
-    </p:tnLst>
-    <p:bldLst>
-      <p:bldP spid="5" grpId="0" animBg="1"/>
-      <p:bldP spid="9" grpId="0" animBg="1"/>
-      <p:bldP spid="3" grpId="0" animBg="1"/>
-      <p:bldP spid="26" grpId="0" animBg="1"/>
-      <p:bldP spid="16" grpId="0"/>
-      <p:bldP spid="17" grpId="0" animBg="1"/>
-    </p:bldLst>
-  </p:timing>
 </p:sld>
 </file>
 
@@ -15502,95 +11498,6 @@
   <p:clrMapOvr>
     <a:masterClrMapping/>
   </p:clrMapOvr>
-  <p:timing>
-    <p:tnLst>
-      <p:par>
-        <p:cTn id="1" dur="indefinite" restart="never" nodeType="tmRoot">
-          <p:childTnLst>
-            <p:seq concurrent="1" nextAc="seek">
-              <p:cTn id="2" dur="indefinite" nodeType="mainSeq">
-                <p:childTnLst>
-                  <p:par>
-                    <p:cTn id="3" fill="hold">
-                      <p:stCondLst>
-                        <p:cond delay="indefinite"/>
-                        <p:cond evt="onBegin" delay="0">
-                          <p:tn val="2"/>
-                        </p:cond>
-                      </p:stCondLst>
-                      <p:childTnLst>
-                        <p:par>
-                          <p:cTn id="4" fill="hold">
-                            <p:stCondLst>
-                              <p:cond delay="0"/>
-                            </p:stCondLst>
-                            <p:childTnLst>
-                              <p:par>
-                                <p:cTn id="5" presetID="10" presetClass="entr" presetSubtype="0" fill="hold" grpId="0" nodeType="withEffect">
-                                  <p:stCondLst>
-                                    <p:cond delay="4000"/>
-                                  </p:stCondLst>
-                                  <p:childTnLst>
-                                    <p:set>
-                                      <p:cBhvr>
-                                        <p:cTn id="6" dur="1" fill="hold">
-                                          <p:stCondLst>
-                                            <p:cond delay="0"/>
-                                          </p:stCondLst>
-                                        </p:cTn>
-                                        <p:tgtEl>
-                                          <p:spTgt spid="5"/>
-                                        </p:tgtEl>
-                                        <p:attrNameLst>
-                                          <p:attrName>style.visibility</p:attrName>
-                                        </p:attrNameLst>
-                                      </p:cBhvr>
-                                      <p:to>
-                                        <p:strVal val="visible"/>
-                                      </p:to>
-                                    </p:set>
-                                    <p:animEffect transition="in" filter="fade">
-                                      <p:cBhvr>
-                                        <p:cTn id="7" dur="2000"/>
-                                        <p:tgtEl>
-                                          <p:spTgt spid="5"/>
-                                        </p:tgtEl>
-                                      </p:cBhvr>
-                                    </p:animEffect>
-                                  </p:childTnLst>
-                                </p:cTn>
-                              </p:par>
-                            </p:childTnLst>
-                          </p:cTn>
-                        </p:par>
-                      </p:childTnLst>
-                    </p:cTn>
-                  </p:par>
-                </p:childTnLst>
-              </p:cTn>
-              <p:prevCondLst>
-                <p:cond evt="onPrev" delay="0">
-                  <p:tgtEl>
-                    <p:sldTgt/>
-                  </p:tgtEl>
-                </p:cond>
-              </p:prevCondLst>
-              <p:nextCondLst>
-                <p:cond evt="onNext" delay="0">
-                  <p:tgtEl>
-                    <p:sldTgt/>
-                  </p:tgtEl>
-                </p:cond>
-              </p:nextCondLst>
-            </p:seq>
-          </p:childTnLst>
-        </p:cTn>
-      </p:par>
-    </p:tnLst>
-    <p:bldLst>
-      <p:bldP spid="5" grpId="0" animBg="1"/>
-    </p:bldLst>
-  </p:timing>
 </p:sld>
 </file>
 
@@ -16531,95 +12438,6 @@
   <p:clrMapOvr>
     <a:masterClrMapping/>
   </p:clrMapOvr>
-  <p:timing>
-    <p:tnLst>
-      <p:par>
-        <p:cTn id="1" dur="indefinite" restart="never" nodeType="tmRoot">
-          <p:childTnLst>
-            <p:seq concurrent="1" nextAc="seek">
-              <p:cTn id="2" dur="indefinite" nodeType="mainSeq">
-                <p:childTnLst>
-                  <p:par>
-                    <p:cTn id="3" fill="hold">
-                      <p:stCondLst>
-                        <p:cond delay="indefinite"/>
-                        <p:cond evt="onBegin" delay="0">
-                          <p:tn val="2"/>
-                        </p:cond>
-                      </p:stCondLst>
-                      <p:childTnLst>
-                        <p:par>
-                          <p:cTn id="4" fill="hold">
-                            <p:stCondLst>
-                              <p:cond delay="0"/>
-                            </p:stCondLst>
-                            <p:childTnLst>
-                              <p:par>
-                                <p:cTn id="5" presetID="10" presetClass="entr" presetSubtype="0" fill="hold" grpId="0" nodeType="withEffect">
-                                  <p:stCondLst>
-                                    <p:cond delay="4000"/>
-                                  </p:stCondLst>
-                                  <p:childTnLst>
-                                    <p:set>
-                                      <p:cBhvr>
-                                        <p:cTn id="6" dur="1" fill="hold">
-                                          <p:stCondLst>
-                                            <p:cond delay="0"/>
-                                          </p:stCondLst>
-                                        </p:cTn>
-                                        <p:tgtEl>
-                                          <p:spTgt spid="9"/>
-                                        </p:tgtEl>
-                                        <p:attrNameLst>
-                                          <p:attrName>style.visibility</p:attrName>
-                                        </p:attrNameLst>
-                                      </p:cBhvr>
-                                      <p:to>
-                                        <p:strVal val="visible"/>
-                                      </p:to>
-                                    </p:set>
-                                    <p:animEffect transition="in" filter="fade">
-                                      <p:cBhvr>
-                                        <p:cTn id="7" dur="2000"/>
-                                        <p:tgtEl>
-                                          <p:spTgt spid="9"/>
-                                        </p:tgtEl>
-                                      </p:cBhvr>
-                                    </p:animEffect>
-                                  </p:childTnLst>
-                                </p:cTn>
-                              </p:par>
-                            </p:childTnLst>
-                          </p:cTn>
-                        </p:par>
-                      </p:childTnLst>
-                    </p:cTn>
-                  </p:par>
-                </p:childTnLst>
-              </p:cTn>
-              <p:prevCondLst>
-                <p:cond evt="onPrev" delay="0">
-                  <p:tgtEl>
-                    <p:sldTgt/>
-                  </p:tgtEl>
-                </p:cond>
-              </p:prevCondLst>
-              <p:nextCondLst>
-                <p:cond evt="onNext" delay="0">
-                  <p:tgtEl>
-                    <p:sldTgt/>
-                  </p:tgtEl>
-                </p:cond>
-              </p:nextCondLst>
-            </p:seq>
-          </p:childTnLst>
-        </p:cTn>
-      </p:par>
-    </p:tnLst>
-    <p:bldLst>
-      <p:bldP spid="9" grpId="0" animBg="1"/>
-    </p:bldLst>
-  </p:timing>
 </p:sld>
 </file>
 
@@ -16974,95 +12792,6 @@
   <p:clrMapOvr>
     <a:masterClrMapping/>
   </p:clrMapOvr>
-  <p:timing>
-    <p:tnLst>
-      <p:par>
-        <p:cTn id="1" dur="indefinite" restart="never" nodeType="tmRoot">
-          <p:childTnLst>
-            <p:seq concurrent="1" nextAc="seek">
-              <p:cTn id="2" dur="indefinite" nodeType="mainSeq">
-                <p:childTnLst>
-                  <p:par>
-                    <p:cTn id="3" fill="hold">
-                      <p:stCondLst>
-                        <p:cond delay="indefinite"/>
-                        <p:cond evt="onBegin" delay="0">
-                          <p:tn val="2"/>
-                        </p:cond>
-                      </p:stCondLst>
-                      <p:childTnLst>
-                        <p:par>
-                          <p:cTn id="4" fill="hold">
-                            <p:stCondLst>
-                              <p:cond delay="0"/>
-                            </p:stCondLst>
-                            <p:childTnLst>
-                              <p:par>
-                                <p:cTn id="5" presetID="10" presetClass="entr" presetSubtype="0" fill="hold" grpId="0" nodeType="withEffect">
-                                  <p:stCondLst>
-                                    <p:cond delay="4000"/>
-                                  </p:stCondLst>
-                                  <p:childTnLst>
-                                    <p:set>
-                                      <p:cBhvr>
-                                        <p:cTn id="6" dur="1" fill="hold">
-                                          <p:stCondLst>
-                                            <p:cond delay="0"/>
-                                          </p:stCondLst>
-                                        </p:cTn>
-                                        <p:tgtEl>
-                                          <p:spTgt spid="5"/>
-                                        </p:tgtEl>
-                                        <p:attrNameLst>
-                                          <p:attrName>style.visibility</p:attrName>
-                                        </p:attrNameLst>
-                                      </p:cBhvr>
-                                      <p:to>
-                                        <p:strVal val="visible"/>
-                                      </p:to>
-                                    </p:set>
-                                    <p:animEffect transition="in" filter="fade">
-                                      <p:cBhvr>
-                                        <p:cTn id="7" dur="2000"/>
-                                        <p:tgtEl>
-                                          <p:spTgt spid="5"/>
-                                        </p:tgtEl>
-                                      </p:cBhvr>
-                                    </p:animEffect>
-                                  </p:childTnLst>
-                                </p:cTn>
-                              </p:par>
-                            </p:childTnLst>
-                          </p:cTn>
-                        </p:par>
-                      </p:childTnLst>
-                    </p:cTn>
-                  </p:par>
-                </p:childTnLst>
-              </p:cTn>
-              <p:prevCondLst>
-                <p:cond evt="onPrev" delay="0">
-                  <p:tgtEl>
-                    <p:sldTgt/>
-                  </p:tgtEl>
-                </p:cond>
-              </p:prevCondLst>
-              <p:nextCondLst>
-                <p:cond evt="onNext" delay="0">
-                  <p:tgtEl>
-                    <p:sldTgt/>
-                  </p:tgtEl>
-                </p:cond>
-              </p:nextCondLst>
-            </p:seq>
-          </p:childTnLst>
-        </p:cTn>
-      </p:par>
-    </p:tnLst>
-    <p:bldLst>
-      <p:bldP spid="5" grpId="0" animBg="1"/>
-    </p:bldLst>
-  </p:timing>
 </p:sld>
 </file>
 

--- a/101-B/presentation/markupuk-2020-101-B.pptx
+++ b/101-B/presentation/markupuk-2020-101-B.pptx
@@ -233,7 +233,7 @@
           <a:p>
             <a:fld id="{0AAE6376-87C4-4D16-82D1-D37904F930BA}" type="datetimeFigureOut">
               <a:rPr lang="en-NL" smtClean="0"/>
-              <a:t>25/05/2020</a:t>
+              <a:t>01/06/2020</a:t>
             </a:fld>
             <a:endParaRPr lang="en-NL"/>
           </a:p>
@@ -410,7 +410,7 @@
           <a:p>
             <a:fld id="{3FA52A83-AFF0-44B5-B0CB-BF1EF92BF110}" type="datetimeFigureOut">
               <a:rPr lang="en-NL" smtClean="0"/>
-              <a:t>25/05/2020</a:t>
+              <a:t>01/06/2020</a:t>
             </a:fld>
             <a:endParaRPr lang="en-NL"/>
           </a:p>
@@ -1163,7 +1163,7 @@
           <a:p>
             <a:fld id="{9446F294-FC6D-4658-8D72-6C175CC4BEDF}" type="datetimeFigureOut">
               <a:rPr lang="en-US" smtClean="0"/>
-              <a:t>5/25/2020</a:t>
+              <a:t>6/1/2020</a:t>
             </a:fld>
             <a:endParaRPr lang="en-US"/>
           </a:p>
@@ -1363,7 +1363,7 @@
           <a:p>
             <a:fld id="{9446F294-FC6D-4658-8D72-6C175CC4BEDF}" type="datetimeFigureOut">
               <a:rPr lang="en-US" smtClean="0"/>
-              <a:t>5/25/2020</a:t>
+              <a:t>6/1/2020</a:t>
             </a:fld>
             <a:endParaRPr lang="en-US"/>
           </a:p>
@@ -1573,7 +1573,7 @@
           <a:p>
             <a:fld id="{9446F294-FC6D-4658-8D72-6C175CC4BEDF}" type="datetimeFigureOut">
               <a:rPr lang="en-US" smtClean="0"/>
-              <a:t>5/25/2020</a:t>
+              <a:t>6/1/2020</a:t>
             </a:fld>
             <a:endParaRPr lang="en-US"/>
           </a:p>
@@ -1773,7 +1773,7 @@
           <a:p>
             <a:fld id="{9446F294-FC6D-4658-8D72-6C175CC4BEDF}" type="datetimeFigureOut">
               <a:rPr lang="en-US" smtClean="0"/>
-              <a:t>5/25/2020</a:t>
+              <a:t>6/1/2020</a:t>
             </a:fld>
             <a:endParaRPr lang="en-US"/>
           </a:p>
@@ -2049,7 +2049,7 @@
           <a:p>
             <a:fld id="{9446F294-FC6D-4658-8D72-6C175CC4BEDF}" type="datetimeFigureOut">
               <a:rPr lang="en-US" smtClean="0"/>
-              <a:t>5/25/2020</a:t>
+              <a:t>6/1/2020</a:t>
             </a:fld>
             <a:endParaRPr lang="en-US"/>
           </a:p>
@@ -2317,7 +2317,7 @@
           <a:p>
             <a:fld id="{9446F294-FC6D-4658-8D72-6C175CC4BEDF}" type="datetimeFigureOut">
               <a:rPr lang="en-US" smtClean="0"/>
-              <a:t>5/25/2020</a:t>
+              <a:t>6/1/2020</a:t>
             </a:fld>
             <a:endParaRPr lang="en-US"/>
           </a:p>
@@ -2732,7 +2732,7 @@
           <a:p>
             <a:fld id="{9446F294-FC6D-4658-8D72-6C175CC4BEDF}" type="datetimeFigureOut">
               <a:rPr lang="en-US" smtClean="0"/>
-              <a:t>5/25/2020</a:t>
+              <a:t>6/1/2020</a:t>
             </a:fld>
             <a:endParaRPr lang="en-US"/>
           </a:p>
@@ -2874,7 +2874,7 @@
           <a:p>
             <a:fld id="{9446F294-FC6D-4658-8D72-6C175CC4BEDF}" type="datetimeFigureOut">
               <a:rPr lang="en-US" smtClean="0"/>
-              <a:t>5/25/2020</a:t>
+              <a:t>6/1/2020</a:t>
             </a:fld>
             <a:endParaRPr lang="en-US"/>
           </a:p>
@@ -2987,7 +2987,7 @@
           <a:p>
             <a:fld id="{9446F294-FC6D-4658-8D72-6C175CC4BEDF}" type="datetimeFigureOut">
               <a:rPr lang="en-US" smtClean="0"/>
-              <a:t>5/25/2020</a:t>
+              <a:t>6/1/2020</a:t>
             </a:fld>
             <a:endParaRPr lang="en-US"/>
           </a:p>
@@ -3300,7 +3300,7 @@
           <a:p>
             <a:fld id="{9446F294-FC6D-4658-8D72-6C175CC4BEDF}" type="datetimeFigureOut">
               <a:rPr lang="en-US" smtClean="0"/>
-              <a:t>5/25/2020</a:t>
+              <a:t>6/1/2020</a:t>
             </a:fld>
             <a:endParaRPr lang="en-US"/>
           </a:p>
@@ -3589,7 +3589,7 @@
           <a:p>
             <a:fld id="{9446F294-FC6D-4658-8D72-6C175CC4BEDF}" type="datetimeFigureOut">
               <a:rPr lang="en-US" smtClean="0"/>
-              <a:t>5/25/2020</a:t>
+              <a:t>6/1/2020</a:t>
             </a:fld>
             <a:endParaRPr lang="en-US"/>
           </a:p>
@@ -3832,7 +3832,7 @@
           <a:p>
             <a:fld id="{9446F294-FC6D-4658-8D72-6C175CC4BEDF}" type="datetimeFigureOut">
               <a:rPr lang="en-US" smtClean="0"/>
-              <a:t>5/25/2020</a:t>
+              <a:t>6/1/2020</a:t>
             </a:fld>
             <a:endParaRPr lang="en-US"/>
           </a:p>
@@ -4415,6 +4415,48 @@
           </a:p>
         </p:txBody>
       </p:sp>
+      <p:sp>
+        <p:nvSpPr>
+          <p:cNvPr id="4" name="TextBox 3">
+            <a:extLst>
+              <a:ext uri="{FF2B5EF4-FFF2-40B4-BE49-F238E27FC236}">
+                <a16:creationId xmlns:a16="http://schemas.microsoft.com/office/drawing/2014/main" id="{7F81788F-D375-4AB6-B10D-5ECDFDAC925A}"/>
+              </a:ext>
+            </a:extLst>
+          </p:cNvPr>
+          <p:cNvSpPr txBox="1"/>
+          <p:nvPr/>
+        </p:nvSpPr>
+        <p:spPr>
+          <a:xfrm>
+            <a:off x="864066" y="5939406"/>
+            <a:ext cx="10293292" cy="461665"/>
+          </a:xfrm>
+          <a:prstGeom prst="rect">
+            <a:avLst/>
+          </a:prstGeom>
+          <a:noFill/>
+        </p:spPr>
+        <p:txBody>
+          <a:bodyPr wrap="square" rtlCol="0">
+            <a:spAutoFit/>
+          </a:bodyPr>
+          <a:lstStyle/>
+          <a:p>
+            <a:r>
+              <a:rPr lang="en-US" sz="2400" dirty="0"/>
+              <a:t>GIT for this webinar: </a:t>
+            </a:r>
+            <a:r>
+              <a:rPr lang="en-GB" sz="2400" dirty="0">
+                <a:hlinkClick r:id="rId4"/>
+              </a:rPr>
+              <a:t>https://github.com/xatapult/markupuk-2020</a:t>
+            </a:r>
+            <a:endParaRPr lang="en-GB" sz="2400" dirty="0"/>
+          </a:p>
+        </p:txBody>
+      </p:sp>
     </p:spTree>
     <p:extLst>
       <p:ext uri="{BB962C8B-B14F-4D97-AF65-F5344CB8AC3E}">
@@ -10090,6 +10132,31 @@
                 <a:cs typeface="Courier New" panose="02070309020205020404" pitchFamily="49" charset="0"/>
               </a:rPr>
               <a:t>p:for-each</a:t>
+            </a:r>
+            <a:r>
+              <a:rPr lang="en-US" b="1" dirty="0">
+                <a:latin typeface="Courier New" panose="02070309020205020404" pitchFamily="49" charset="0"/>
+                <a:cs typeface="Courier New" panose="02070309020205020404" pitchFamily="49" charset="0"/>
+              </a:rPr>
+              <a:t>&gt;</a:t>
+            </a:r>
+            <a:r>
+              <a:rPr lang="en-US" dirty="0"/>
+              <a:t> and</a:t>
+            </a:r>
+            <a:r>
+              <a:rPr lang="en-US" b="1" dirty="0">
+                <a:latin typeface="Courier New" panose="02070309020205020404" pitchFamily="49" charset="0"/>
+                <a:cs typeface="Courier New" panose="02070309020205020404" pitchFamily="49" charset="0"/>
+              </a:rPr>
+              <a:t> &lt;</a:t>
+            </a:r>
+            <a:r>
+              <a:rPr lang="en-US" b="1" dirty="0" err="1">
+                <a:latin typeface="Courier New" panose="02070309020205020404" pitchFamily="49" charset="0"/>
+                <a:cs typeface="Courier New" panose="02070309020205020404" pitchFamily="49" charset="0"/>
+              </a:rPr>
+              <a:t>p:viewport</a:t>
             </a:r>
             <a:r>
               <a:rPr lang="en-US" b="1" dirty="0">

--- a/101-B/presentation/markupuk-2020-101-B.pptx
+++ b/101-B/presentation/markupuk-2020-101-B.pptx
@@ -5,10 +5,10 @@
     <p:sldMasterId id="2147483648" r:id="rId1"/>
   </p:sldMasterIdLst>
   <p:notesMasterIdLst>
-    <p:notesMasterId r:id="rId21"/>
+    <p:notesMasterId r:id="rId22"/>
   </p:notesMasterIdLst>
   <p:handoutMasterIdLst>
-    <p:handoutMasterId r:id="rId22"/>
+    <p:handoutMasterId r:id="rId23"/>
   </p:handoutMasterIdLst>
   <p:sldIdLst>
     <p:sldId id="256" r:id="rId2"/>
@@ -27,12 +27,13 @@
     <p:sldId id="324" r:id="rId15"/>
     <p:sldId id="350" r:id="rId16"/>
     <p:sldId id="352" r:id="rId17"/>
-    <p:sldId id="347" r:id="rId18"/>
-    <p:sldId id="330" r:id="rId19"/>
-    <p:sldId id="292" r:id="rId20"/>
+    <p:sldId id="353" r:id="rId18"/>
+    <p:sldId id="347" r:id="rId19"/>
+    <p:sldId id="330" r:id="rId20"/>
+    <p:sldId id="292" r:id="rId21"/>
   </p:sldIdLst>
   <p:sldSz cx="12192000" cy="6858000"/>
-  <p:notesSz cx="6858000" cy="9144000"/>
+  <p:notesSz cx="6797675" cy="9872663"/>
   <p:defaultTextStyle>
     <a:defPPr>
       <a:defRPr lang="en-US"/>
@@ -180,7 +181,7 @@
         <p:spPr>
           <a:xfrm>
             <a:off x="0" y="0"/>
-            <a:ext cx="2971800" cy="458788"/>
+            <a:ext cx="2945659" cy="495348"/>
           </a:xfrm>
           <a:prstGeom prst="rect">
             <a:avLst/>
@@ -216,8 +217,8 @@
         </p:nvSpPr>
         <p:spPr>
           <a:xfrm>
-            <a:off x="3884613" y="0"/>
-            <a:ext cx="2971800" cy="458788"/>
+            <a:off x="3850443" y="0"/>
+            <a:ext cx="2945659" cy="495348"/>
           </a:xfrm>
           <a:prstGeom prst="rect">
             <a:avLst/>
@@ -233,7 +234,7 @@
           <a:p>
             <a:fld id="{0AAE6376-87C4-4D16-82D1-D37904F930BA}" type="datetimeFigureOut">
               <a:rPr lang="en-NL" smtClean="0"/>
-              <a:t>01/06/2020</a:t>
+              <a:t>08/06/2020</a:t>
             </a:fld>
             <a:endParaRPr lang="en-NL"/>
           </a:p>
@@ -257,8 +258,8 @@
         </p:nvSpPr>
         <p:spPr>
           <a:xfrm>
-            <a:off x="0" y="8685213"/>
-            <a:ext cx="2971800" cy="458787"/>
+            <a:off x="0" y="9377317"/>
+            <a:ext cx="2945659" cy="495347"/>
           </a:xfrm>
           <a:prstGeom prst="rect">
             <a:avLst/>
@@ -294,8 +295,8 @@
         </p:nvSpPr>
         <p:spPr>
           <a:xfrm>
-            <a:off x="3884613" y="8685213"/>
-            <a:ext cx="2971800" cy="458787"/>
+            <a:off x="3850443" y="9377317"/>
+            <a:ext cx="2945659" cy="495347"/>
           </a:xfrm>
           <a:prstGeom prst="rect">
             <a:avLst/>
@@ -363,7 +364,7 @@
         <p:spPr>
           <a:xfrm>
             <a:off x="0" y="0"/>
-            <a:ext cx="2971800" cy="458788"/>
+            <a:ext cx="2945659" cy="495348"/>
           </a:xfrm>
           <a:prstGeom prst="rect">
             <a:avLst/>
@@ -393,8 +394,8 @@
         </p:nvSpPr>
         <p:spPr>
           <a:xfrm>
-            <a:off x="3884613" y="0"/>
-            <a:ext cx="2971800" cy="458788"/>
+            <a:off x="3850443" y="0"/>
+            <a:ext cx="2945659" cy="495348"/>
           </a:xfrm>
           <a:prstGeom prst="rect">
             <a:avLst/>
@@ -410,7 +411,7 @@
           <a:p>
             <a:fld id="{3FA52A83-AFF0-44B5-B0CB-BF1EF92BF110}" type="datetimeFigureOut">
               <a:rPr lang="en-NL" smtClean="0"/>
-              <a:t>01/06/2020</a:t>
+              <a:t>08/06/2020</a:t>
             </a:fld>
             <a:endParaRPr lang="en-NL"/>
           </a:p>
@@ -428,8 +429,8 @@
         </p:nvSpPr>
         <p:spPr>
           <a:xfrm>
-            <a:off x="685800" y="1143000"/>
-            <a:ext cx="5486400" cy="3086100"/>
+            <a:off x="438150" y="1233488"/>
+            <a:ext cx="5921375" cy="3332162"/>
           </a:xfrm>
           <a:prstGeom prst="rect">
             <a:avLst/>
@@ -461,8 +462,8 @@
         </p:nvSpPr>
         <p:spPr>
           <a:xfrm>
-            <a:off x="685800" y="4400550"/>
-            <a:ext cx="5486400" cy="3600450"/>
+            <a:off x="679768" y="4751219"/>
+            <a:ext cx="5438140" cy="3887361"/>
           </a:xfrm>
           <a:prstGeom prst="rect">
             <a:avLst/>
@@ -521,8 +522,8 @@
         </p:nvSpPr>
         <p:spPr>
           <a:xfrm>
-            <a:off x="0" y="8685213"/>
-            <a:ext cx="2971800" cy="458787"/>
+            <a:off x="0" y="9377317"/>
+            <a:ext cx="2945659" cy="495347"/>
           </a:xfrm>
           <a:prstGeom prst="rect">
             <a:avLst/>
@@ -552,8 +553,8 @@
         </p:nvSpPr>
         <p:spPr>
           <a:xfrm>
-            <a:off x="3884613" y="8685213"/>
-            <a:ext cx="2971800" cy="458787"/>
+            <a:off x="3850443" y="9377317"/>
+            <a:ext cx="2945659" cy="495347"/>
           </a:xfrm>
           <a:prstGeom prst="rect">
             <a:avLst/>
@@ -1014,6 +1015,90 @@
 </p:notes>
 </file>
 
+<file path=ppt/notesSlides/notesSlide5.xml><?xml version="1.0" encoding="utf-8"?>
+<p:notes xmlns:a="http://schemas.openxmlformats.org/drawingml/2006/main" xmlns:r="http://schemas.openxmlformats.org/officeDocument/2006/relationships" xmlns:p="http://schemas.openxmlformats.org/presentationml/2006/main">
+  <p:cSld>
+    <p:spTree>
+      <p:nvGrpSpPr>
+        <p:cNvPr id="1" name=""/>
+        <p:cNvGrpSpPr/>
+        <p:nvPr/>
+      </p:nvGrpSpPr>
+      <p:grpSpPr>
+        <a:xfrm>
+          <a:off x="0" y="0"/>
+          <a:ext cx="0" cy="0"/>
+          <a:chOff x="0" y="0"/>
+          <a:chExt cx="0" cy="0"/>
+        </a:xfrm>
+      </p:grpSpPr>
+      <p:sp>
+        <p:nvSpPr>
+          <p:cNvPr id="2" name="Slide Image Placeholder 1"/>
+          <p:cNvSpPr>
+            <a:spLocks noGrp="1" noRot="1" noChangeAspect="1"/>
+          </p:cNvSpPr>
+          <p:nvPr>
+            <p:ph type="sldImg"/>
+          </p:nvPr>
+        </p:nvSpPr>
+        <p:spPr/>
+      </p:sp>
+      <p:sp>
+        <p:nvSpPr>
+          <p:cNvPr id="3" name="Notes Placeholder 2"/>
+          <p:cNvSpPr>
+            <a:spLocks noGrp="1"/>
+          </p:cNvSpPr>
+          <p:nvPr>
+            <p:ph type="body" idx="1"/>
+          </p:nvPr>
+        </p:nvSpPr>
+        <p:spPr/>
+        <p:txBody>
+          <a:bodyPr/>
+          <a:lstStyle/>
+          <a:p>
+            <a:endParaRPr lang="en-NL" dirty="0"/>
+          </a:p>
+        </p:txBody>
+      </p:sp>
+      <p:sp>
+        <p:nvSpPr>
+          <p:cNvPr id="4" name="Slide Number Placeholder 3"/>
+          <p:cNvSpPr>
+            <a:spLocks noGrp="1"/>
+          </p:cNvSpPr>
+          <p:nvPr>
+            <p:ph type="sldNum" sz="quarter" idx="5"/>
+          </p:nvPr>
+        </p:nvSpPr>
+        <p:spPr/>
+        <p:txBody>
+          <a:bodyPr/>
+          <a:lstStyle/>
+          <a:p>
+            <a:fld id="{210C85D1-D769-4E3C-BD67-6FCFE11EFBEA}" type="slidenum">
+              <a:rPr lang="en-NL" smtClean="0"/>
+              <a:t>17</a:t>
+            </a:fld>
+            <a:endParaRPr lang="en-NL"/>
+          </a:p>
+        </p:txBody>
+      </p:sp>
+    </p:spTree>
+    <p:extLst>
+      <p:ext uri="{BB962C8B-B14F-4D97-AF65-F5344CB8AC3E}">
+        <p14:creationId xmlns:p14="http://schemas.microsoft.com/office/powerpoint/2010/main" val="515885251"/>
+      </p:ext>
+    </p:extLst>
+  </p:cSld>
+  <p:clrMapOvr>
+    <a:masterClrMapping/>
+  </p:clrMapOvr>
+</p:notes>
+</file>
+
 <file path=ppt/slideLayouts/slideLayout1.xml><?xml version="1.0" encoding="utf-8"?>
 <p:sldLayout xmlns:a="http://schemas.openxmlformats.org/drawingml/2006/main" xmlns:r="http://schemas.openxmlformats.org/officeDocument/2006/relationships" xmlns:p="http://schemas.openxmlformats.org/presentationml/2006/main" type="title" preserve="1">
   <p:cSld name="Titeldia">
@@ -1163,7 +1248,7 @@
           <a:p>
             <a:fld id="{9446F294-FC6D-4658-8D72-6C175CC4BEDF}" type="datetimeFigureOut">
               <a:rPr lang="en-US" smtClean="0"/>
-              <a:t>6/1/2020</a:t>
+              <a:t>6/8/2020</a:t>
             </a:fld>
             <a:endParaRPr lang="en-US"/>
           </a:p>
@@ -1363,7 +1448,7 @@
           <a:p>
             <a:fld id="{9446F294-FC6D-4658-8D72-6C175CC4BEDF}" type="datetimeFigureOut">
               <a:rPr lang="en-US" smtClean="0"/>
-              <a:t>6/1/2020</a:t>
+              <a:t>6/8/2020</a:t>
             </a:fld>
             <a:endParaRPr lang="en-US"/>
           </a:p>
@@ -1573,7 +1658,7 @@
           <a:p>
             <a:fld id="{9446F294-FC6D-4658-8D72-6C175CC4BEDF}" type="datetimeFigureOut">
               <a:rPr lang="en-US" smtClean="0"/>
-              <a:t>6/1/2020</a:t>
+              <a:t>6/8/2020</a:t>
             </a:fld>
             <a:endParaRPr lang="en-US"/>
           </a:p>
@@ -1773,7 +1858,7 @@
           <a:p>
             <a:fld id="{9446F294-FC6D-4658-8D72-6C175CC4BEDF}" type="datetimeFigureOut">
               <a:rPr lang="en-US" smtClean="0"/>
-              <a:t>6/1/2020</a:t>
+              <a:t>6/8/2020</a:t>
             </a:fld>
             <a:endParaRPr lang="en-US"/>
           </a:p>
@@ -2049,7 +2134,7 @@
           <a:p>
             <a:fld id="{9446F294-FC6D-4658-8D72-6C175CC4BEDF}" type="datetimeFigureOut">
               <a:rPr lang="en-US" smtClean="0"/>
-              <a:t>6/1/2020</a:t>
+              <a:t>6/8/2020</a:t>
             </a:fld>
             <a:endParaRPr lang="en-US"/>
           </a:p>
@@ -2317,7 +2402,7 @@
           <a:p>
             <a:fld id="{9446F294-FC6D-4658-8D72-6C175CC4BEDF}" type="datetimeFigureOut">
               <a:rPr lang="en-US" smtClean="0"/>
-              <a:t>6/1/2020</a:t>
+              <a:t>6/8/2020</a:t>
             </a:fld>
             <a:endParaRPr lang="en-US"/>
           </a:p>
@@ -2732,7 +2817,7 @@
           <a:p>
             <a:fld id="{9446F294-FC6D-4658-8D72-6C175CC4BEDF}" type="datetimeFigureOut">
               <a:rPr lang="en-US" smtClean="0"/>
-              <a:t>6/1/2020</a:t>
+              <a:t>6/8/2020</a:t>
             </a:fld>
             <a:endParaRPr lang="en-US"/>
           </a:p>
@@ -2874,7 +2959,7 @@
           <a:p>
             <a:fld id="{9446F294-FC6D-4658-8D72-6C175CC4BEDF}" type="datetimeFigureOut">
               <a:rPr lang="en-US" smtClean="0"/>
-              <a:t>6/1/2020</a:t>
+              <a:t>6/8/2020</a:t>
             </a:fld>
             <a:endParaRPr lang="en-US"/>
           </a:p>
@@ -2987,7 +3072,7 @@
           <a:p>
             <a:fld id="{9446F294-FC6D-4658-8D72-6C175CC4BEDF}" type="datetimeFigureOut">
               <a:rPr lang="en-US" smtClean="0"/>
-              <a:t>6/1/2020</a:t>
+              <a:t>6/8/2020</a:t>
             </a:fld>
             <a:endParaRPr lang="en-US"/>
           </a:p>
@@ -3300,7 +3385,7 @@
           <a:p>
             <a:fld id="{9446F294-FC6D-4658-8D72-6C175CC4BEDF}" type="datetimeFigureOut">
               <a:rPr lang="en-US" smtClean="0"/>
-              <a:t>6/1/2020</a:t>
+              <a:t>6/8/2020</a:t>
             </a:fld>
             <a:endParaRPr lang="en-US"/>
           </a:p>
@@ -3589,7 +3674,7 @@
           <a:p>
             <a:fld id="{9446F294-FC6D-4658-8D72-6C175CC4BEDF}" type="datetimeFigureOut">
               <a:rPr lang="en-US" smtClean="0"/>
-              <a:t>6/1/2020</a:t>
+              <a:t>6/8/2020</a:t>
             </a:fld>
             <a:endParaRPr lang="en-US"/>
           </a:p>
@@ -3832,7 +3917,7 @@
           <a:p>
             <a:fld id="{9446F294-FC6D-4658-8D72-6C175CC4BEDF}" type="datetimeFigureOut">
               <a:rPr lang="en-US" smtClean="0"/>
-              <a:t>6/1/2020</a:t>
+              <a:t>6/8/2020</a:t>
             </a:fld>
             <a:endParaRPr lang="en-US"/>
           </a:p>
@@ -6704,8 +6789,8 @@
         </p:nvSpPr>
         <p:spPr>
           <a:xfrm>
-            <a:off x="600772" y="1149928"/>
-            <a:ext cx="10304834" cy="646331"/>
+            <a:off x="261080" y="1050901"/>
+            <a:ext cx="11116443" cy="646331"/>
           </a:xfrm>
           <a:prstGeom prst="rect">
             <a:avLst/>
@@ -6731,6 +6816,17 @@
             </a:r>
             <a:r>
               <a:rPr lang="en-US" dirty="0"/>
+              <a:t>, </a:t>
+            </a:r>
+            <a:r>
+              <a:rPr lang="en-US" b="1" dirty="0">
+                <a:latin typeface="Courier New" panose="02070309020205020404" pitchFamily="49" charset="0"/>
+                <a:cs typeface="Courier New" panose="02070309020205020404" pitchFamily="49" charset="0"/>
+              </a:rPr>
+              <a:t>example-3b.xpl</a:t>
+            </a:r>
+            <a:r>
+              <a:rPr lang="en-US" dirty="0"/>
               <a:t> and </a:t>
             </a:r>
             <a:r>
@@ -6738,7 +6834,7 @@
                 <a:latin typeface="Courier New" panose="02070309020205020404" pitchFamily="49" charset="0"/>
                 <a:cs typeface="Courier New" panose="02070309020205020404" pitchFamily="49" charset="0"/>
               </a:rPr>
-              <a:t>example-3b.xpl</a:t>
+              <a:t>example-3c.xpl</a:t>
             </a:r>
           </a:p>
           <a:p>
@@ -7886,7 +7982,7 @@
           <a:p>
             <a:r>
               <a:rPr lang="en-US" b="1" dirty="0"/>
-              <a:t>Only store files marked enabled</a:t>
+              <a:t>Use p:viewport to split the document</a:t>
             </a:r>
             <a:endParaRPr lang="en-NL" b="1" dirty="0"/>
           </a:p>
@@ -7929,7 +8025,7 @@
                 <a:latin typeface="Courier New" panose="02070309020205020404" pitchFamily="49" charset="0"/>
                 <a:cs typeface="Courier New" panose="02070309020205020404" pitchFamily="49" charset="0"/>
               </a:rPr>
-              <a:t>markupuk-2020/101-B/example-3/example-3f.xpl</a:t>
+              <a:t>markupuk-2020/101-B/example-3/example-3e.xpl</a:t>
             </a:r>
           </a:p>
           <a:p>
@@ -8047,10 +8143,10 @@
       </p:sp>
       <p:sp>
         <p:nvSpPr>
-          <p:cNvPr id="22" name="Rechthoek: ezelsoor 17">
-            <a:extLst>
-              <a:ext uri="{FF2B5EF4-FFF2-40B4-BE49-F238E27FC236}">
-                <a16:creationId xmlns:a16="http://schemas.microsoft.com/office/drawing/2014/main" id="{18CDF56F-CA24-40CF-A244-8E7D16CFB44A}"/>
+          <p:cNvPr id="25" name="Rechthoek: ezelsoor 34">
+            <a:extLst>
+              <a:ext uri="{FF2B5EF4-FFF2-40B4-BE49-F238E27FC236}">
+                <a16:creationId xmlns:a16="http://schemas.microsoft.com/office/drawing/2014/main" id="{D8EE1075-2149-41D2-ACAB-7804F143DB65}"/>
               </a:ext>
             </a:extLst>
           </p:cNvPr>
@@ -8059,8 +8155,8 @@
         </p:nvSpPr>
         <p:spPr>
           <a:xfrm>
-            <a:off x="3911126" y="5974396"/>
-            <a:ext cx="1076936" cy="828626"/>
+            <a:off x="7645109" y="1797540"/>
+            <a:ext cx="1147481" cy="873129"/>
           </a:xfrm>
           <a:prstGeom prst="foldedCorner">
             <a:avLst/>
@@ -8099,17 +8195,17 @@
                   <a:schemeClr val="tx1"/>
                 </a:solidFill>
               </a:rPr>
-              <a:t>output1.xml</a:t>
-            </a:r>
-          </a:p>
-        </p:txBody>
-      </p:sp>
-      <p:sp>
-        <p:nvSpPr>
-          <p:cNvPr id="25" name="Rechthoek: ezelsoor 34">
-            <a:extLst>
-              <a:ext uri="{FF2B5EF4-FFF2-40B4-BE49-F238E27FC236}">
-                <a16:creationId xmlns:a16="http://schemas.microsoft.com/office/drawing/2014/main" id="{D8EE1075-2149-41D2-ACAB-7804F143DB65}"/>
+              <a:t>Result document</a:t>
+            </a:r>
+          </a:p>
+        </p:txBody>
+      </p:sp>
+      <p:sp>
+        <p:nvSpPr>
+          <p:cNvPr id="27" name="Pijl: rechts 25">
+            <a:extLst>
+              <a:ext uri="{FF2B5EF4-FFF2-40B4-BE49-F238E27FC236}">
+                <a16:creationId xmlns:a16="http://schemas.microsoft.com/office/drawing/2014/main" id="{9E538ADC-5AA2-491F-A3C8-73B16C9D88ED}"/>
               </a:ext>
             </a:extLst>
           </p:cNvPr>
@@ -8118,8 +8214,331 @@
         </p:nvSpPr>
         <p:spPr>
           <a:xfrm>
-            <a:off x="7645109" y="1797540"/>
-            <a:ext cx="1147481" cy="873129"/>
+            <a:off x="5618189" y="1976144"/>
+            <a:ext cx="1898905" cy="515923"/>
+          </a:xfrm>
+          <a:prstGeom prst="rightArrow">
+            <a:avLst/>
+          </a:prstGeom>
+          <a:solidFill>
+            <a:schemeClr val="accent1">
+              <a:lumMod val="20000"/>
+              <a:lumOff val="80000"/>
+            </a:schemeClr>
+          </a:solidFill>
+        </p:spPr>
+        <p:style>
+          <a:lnRef idx="2">
+            <a:schemeClr val="accent1">
+              <a:shade val="50000"/>
+            </a:schemeClr>
+          </a:lnRef>
+          <a:fillRef idx="1">
+            <a:schemeClr val="accent1"/>
+          </a:fillRef>
+          <a:effectRef idx="0">
+            <a:schemeClr val="accent1"/>
+          </a:effectRef>
+          <a:fontRef idx="minor">
+            <a:schemeClr val="lt1"/>
+          </a:fontRef>
+        </p:style>
+        <p:txBody>
+          <a:bodyPr rot="0" spcFirstLastPara="0" vertOverflow="overflow" horzOverflow="overflow" vert="horz" wrap="square" lIns="91440" tIns="45720" rIns="91440" bIns="45720" numCol="1" spcCol="0" rtlCol="0" fromWordArt="0" anchor="ctr" anchorCtr="0" forceAA="0" compatLnSpc="1">
+            <a:prstTxWarp prst="textNoShape">
+              <a:avLst/>
+            </a:prstTxWarp>
+            <a:noAutofit/>
+          </a:bodyPr>
+          <a:lstStyle/>
+          <a:p>
+            <a:pPr algn="ctr"/>
+            <a:r>
+              <a:rPr lang="en-US" dirty="0">
+                <a:solidFill>
+                  <a:schemeClr val="tx1"/>
+                </a:solidFill>
+              </a:rPr>
+              <a:t>result</a:t>
+            </a:r>
+          </a:p>
+        </p:txBody>
+      </p:sp>
+      <p:sp>
+        <p:nvSpPr>
+          <p:cNvPr id="17" name="Pijl: rechts 2">
+            <a:extLst>
+              <a:ext uri="{FF2B5EF4-FFF2-40B4-BE49-F238E27FC236}">
+                <a16:creationId xmlns:a16="http://schemas.microsoft.com/office/drawing/2014/main" id="{7CD7877E-A028-431E-9CC3-371B5163FC41}"/>
+              </a:ext>
+            </a:extLst>
+          </p:cNvPr>
+          <p:cNvSpPr/>
+          <p:nvPr/>
+        </p:nvSpPr>
+        <p:spPr>
+          <a:xfrm>
+            <a:off x="1207036" y="2051053"/>
+            <a:ext cx="950607" cy="515923"/>
+          </a:xfrm>
+          <a:prstGeom prst="rightArrow">
+            <a:avLst/>
+          </a:prstGeom>
+          <a:solidFill>
+            <a:schemeClr val="accent1">
+              <a:lumMod val="20000"/>
+              <a:lumOff val="80000"/>
+            </a:schemeClr>
+          </a:solidFill>
+        </p:spPr>
+        <p:style>
+          <a:lnRef idx="2">
+            <a:schemeClr val="accent1">
+              <a:shade val="50000"/>
+            </a:schemeClr>
+          </a:lnRef>
+          <a:fillRef idx="1">
+            <a:schemeClr val="accent1"/>
+          </a:fillRef>
+          <a:effectRef idx="0">
+            <a:schemeClr val="accent1"/>
+          </a:effectRef>
+          <a:fontRef idx="minor">
+            <a:schemeClr val="lt1"/>
+          </a:fontRef>
+        </p:style>
+        <p:txBody>
+          <a:bodyPr rot="0" spcFirstLastPara="0" vertOverflow="overflow" horzOverflow="overflow" vert="horz" wrap="square" lIns="91440" tIns="45720" rIns="91440" bIns="45720" numCol="1" spcCol="0" rtlCol="0" fromWordArt="0" anchor="ctr" anchorCtr="0" forceAA="0" compatLnSpc="1">
+            <a:prstTxWarp prst="textNoShape">
+              <a:avLst/>
+            </a:prstTxWarp>
+            <a:noAutofit/>
+          </a:bodyPr>
+          <a:lstStyle/>
+          <a:p>
+            <a:pPr algn="ctr"/>
+            <a:r>
+              <a:rPr lang="en-US" dirty="0">
+                <a:solidFill>
+                  <a:schemeClr val="tx1"/>
+                </a:solidFill>
+              </a:rPr>
+              <a:t>source</a:t>
+            </a:r>
+          </a:p>
+        </p:txBody>
+      </p:sp>
+      <p:sp>
+        <p:nvSpPr>
+          <p:cNvPr id="15" name="Rechthoek: afgeronde hoeken 3">
+            <a:extLst>
+              <a:ext uri="{FF2B5EF4-FFF2-40B4-BE49-F238E27FC236}">
+                <a16:creationId xmlns:a16="http://schemas.microsoft.com/office/drawing/2014/main" id="{7B1A893A-AC89-4452-8197-3B56551C8F5E}"/>
+              </a:ext>
+            </a:extLst>
+          </p:cNvPr>
+          <p:cNvSpPr/>
+          <p:nvPr/>
+        </p:nvSpPr>
+        <p:spPr>
+          <a:xfrm>
+            <a:off x="2831643" y="3429000"/>
+            <a:ext cx="1913389" cy="1080083"/>
+          </a:xfrm>
+          <a:prstGeom prst="roundRect">
+            <a:avLst/>
+          </a:prstGeom>
+        </p:spPr>
+        <p:style>
+          <a:lnRef idx="2">
+            <a:schemeClr val="accent1">
+              <a:shade val="50000"/>
+            </a:schemeClr>
+          </a:lnRef>
+          <a:fillRef idx="1">
+            <a:schemeClr val="accent1"/>
+          </a:fillRef>
+          <a:effectRef idx="0">
+            <a:schemeClr val="accent1"/>
+          </a:effectRef>
+          <a:fontRef idx="minor">
+            <a:schemeClr val="lt1"/>
+          </a:fontRef>
+        </p:style>
+        <p:txBody>
+          <a:bodyPr rtlCol="0" anchor="ctr"/>
+          <a:lstStyle/>
+          <a:p>
+            <a:pPr algn="ctr"/>
+            <a:r>
+              <a:rPr lang="en-US" sz="2000" dirty="0"/>
+              <a:t>Store the &lt;doc&gt; entry </a:t>
+            </a:r>
+          </a:p>
+        </p:txBody>
+      </p:sp>
+      <p:sp>
+        <p:nvSpPr>
+          <p:cNvPr id="4" name="Arrow: Curved Right 3">
+            <a:extLst>
+              <a:ext uri="{FF2B5EF4-FFF2-40B4-BE49-F238E27FC236}">
+                <a16:creationId xmlns:a16="http://schemas.microsoft.com/office/drawing/2014/main" id="{C947C591-C7F9-447F-9B7D-65431849C9BF}"/>
+              </a:ext>
+            </a:extLst>
+          </p:cNvPr>
+          <p:cNvSpPr/>
+          <p:nvPr/>
+        </p:nvSpPr>
+        <p:spPr>
+          <a:xfrm>
+            <a:off x="2157643" y="2951408"/>
+            <a:ext cx="536296" cy="1049204"/>
+          </a:xfrm>
+          <a:prstGeom prst="curvedRightArrow">
+            <a:avLst/>
+          </a:prstGeom>
+        </p:spPr>
+        <p:style>
+          <a:lnRef idx="2">
+            <a:schemeClr val="accent1">
+              <a:shade val="50000"/>
+            </a:schemeClr>
+          </a:lnRef>
+          <a:fillRef idx="1">
+            <a:schemeClr val="accent1"/>
+          </a:fillRef>
+          <a:effectRef idx="0">
+            <a:schemeClr val="accent1"/>
+          </a:effectRef>
+          <a:fontRef idx="minor">
+            <a:schemeClr val="lt1"/>
+          </a:fontRef>
+        </p:style>
+        <p:txBody>
+          <a:bodyPr rtlCol="0" anchor="ctr"/>
+          <a:lstStyle/>
+          <a:p>
+            <a:pPr algn="ctr"/>
+            <a:endParaRPr lang="en-GB">
+              <a:solidFill>
+                <a:schemeClr val="tx1"/>
+              </a:solidFill>
+            </a:endParaRPr>
+          </a:p>
+        </p:txBody>
+      </p:sp>
+      <p:sp>
+        <p:nvSpPr>
+          <p:cNvPr id="18" name="Arrow: Curved Right 17">
+            <a:extLst>
+              <a:ext uri="{FF2B5EF4-FFF2-40B4-BE49-F238E27FC236}">
+                <a16:creationId xmlns:a16="http://schemas.microsoft.com/office/drawing/2014/main" id="{0243E7D1-32B4-48DA-93CE-EDDE1EA2636B}"/>
+              </a:ext>
+            </a:extLst>
+          </p:cNvPr>
+          <p:cNvSpPr/>
+          <p:nvPr/>
+        </p:nvSpPr>
+        <p:spPr>
+          <a:xfrm rot="10800000">
+            <a:off x="4882736" y="2903722"/>
+            <a:ext cx="545762" cy="1512169"/>
+          </a:xfrm>
+          <a:prstGeom prst="curvedRightArrow">
+            <a:avLst/>
+          </a:prstGeom>
+        </p:spPr>
+        <p:style>
+          <a:lnRef idx="2">
+            <a:schemeClr val="accent1">
+              <a:shade val="50000"/>
+            </a:schemeClr>
+          </a:lnRef>
+          <a:fillRef idx="1">
+            <a:schemeClr val="accent1"/>
+          </a:fillRef>
+          <a:effectRef idx="0">
+            <a:schemeClr val="accent1"/>
+          </a:effectRef>
+          <a:fontRef idx="minor">
+            <a:schemeClr val="lt1"/>
+          </a:fontRef>
+        </p:style>
+        <p:txBody>
+          <a:bodyPr rtlCol="0" anchor="ctr"/>
+          <a:lstStyle/>
+          <a:p>
+            <a:pPr algn="ctr"/>
+            <a:endParaRPr lang="en-GB">
+              <a:solidFill>
+                <a:schemeClr val="tx1"/>
+              </a:solidFill>
+            </a:endParaRPr>
+          </a:p>
+        </p:txBody>
+      </p:sp>
+      <p:sp>
+        <p:nvSpPr>
+          <p:cNvPr id="5" name="Arrow: Down 4">
+            <a:extLst>
+              <a:ext uri="{FF2B5EF4-FFF2-40B4-BE49-F238E27FC236}">
+                <a16:creationId xmlns:a16="http://schemas.microsoft.com/office/drawing/2014/main" id="{C2065929-9FA5-4182-82AC-A1400AF5FE73}"/>
+              </a:ext>
+            </a:extLst>
+          </p:cNvPr>
+          <p:cNvSpPr/>
+          <p:nvPr/>
+        </p:nvSpPr>
+        <p:spPr>
+          <a:xfrm>
+            <a:off x="3409273" y="4664565"/>
+            <a:ext cx="350196" cy="577174"/>
+          </a:xfrm>
+          <a:prstGeom prst="downArrow">
+            <a:avLst/>
+          </a:prstGeom>
+        </p:spPr>
+        <p:style>
+          <a:lnRef idx="2">
+            <a:schemeClr val="accent1">
+              <a:shade val="50000"/>
+            </a:schemeClr>
+          </a:lnRef>
+          <a:fillRef idx="1">
+            <a:schemeClr val="accent1"/>
+          </a:fillRef>
+          <a:effectRef idx="0">
+            <a:schemeClr val="accent1"/>
+          </a:effectRef>
+          <a:fontRef idx="minor">
+            <a:schemeClr val="lt1"/>
+          </a:fontRef>
+        </p:style>
+        <p:txBody>
+          <a:bodyPr rtlCol="0" anchor="ctr"/>
+          <a:lstStyle/>
+          <a:p>
+            <a:pPr algn="ctr"/>
+            <a:endParaRPr lang="en-GB"/>
+          </a:p>
+        </p:txBody>
+      </p:sp>
+      <p:sp>
+        <p:nvSpPr>
+          <p:cNvPr id="28" name="Rechthoek: ezelsoor 17">
+            <a:extLst>
+              <a:ext uri="{FF2B5EF4-FFF2-40B4-BE49-F238E27FC236}">
+                <a16:creationId xmlns:a16="http://schemas.microsoft.com/office/drawing/2014/main" id="{F0F98436-10AC-4A66-A4DB-2448FFB65306}"/>
+              </a:ext>
+            </a:extLst>
+          </p:cNvPr>
+          <p:cNvSpPr/>
+          <p:nvPr/>
+        </p:nvSpPr>
+        <p:spPr>
+          <a:xfrm>
+            <a:off x="1385879" y="3322364"/>
+            <a:ext cx="667966" cy="678248"/>
           </a:xfrm>
           <a:prstGeom prst="foldedCorner">
             <a:avLst/>
@@ -8158,17 +8577,17 @@
                   <a:schemeClr val="tx1"/>
                 </a:solidFill>
               </a:rPr>
-              <a:t>Result document</a:t>
-            </a:r>
-          </a:p>
-        </p:txBody>
-      </p:sp>
-      <p:sp>
-        <p:nvSpPr>
-          <p:cNvPr id="27" name="Pijl: rechts 25">
-            <a:extLst>
-              <a:ext uri="{FF2B5EF4-FFF2-40B4-BE49-F238E27FC236}">
-                <a16:creationId xmlns:a16="http://schemas.microsoft.com/office/drawing/2014/main" id="{9E538ADC-5AA2-491F-A3C8-73B16C9D88ED}"/>
+              <a:t>&lt;doc&gt; entry</a:t>
+            </a:r>
+          </a:p>
+        </p:txBody>
+      </p:sp>
+      <p:sp>
+        <p:nvSpPr>
+          <p:cNvPr id="29" name="Rechthoek: ezelsoor 17">
+            <a:extLst>
+              <a:ext uri="{FF2B5EF4-FFF2-40B4-BE49-F238E27FC236}">
+                <a16:creationId xmlns:a16="http://schemas.microsoft.com/office/drawing/2014/main" id="{D203E94D-7111-462F-894B-778C4BDD5F3D}"/>
               </a:ext>
             </a:extLst>
           </p:cNvPr>
@@ -8177,331 +8596,8 @@
         </p:nvSpPr>
         <p:spPr>
           <a:xfrm>
-            <a:off x="5618189" y="1976144"/>
-            <a:ext cx="1898905" cy="515923"/>
-          </a:xfrm>
-          <a:prstGeom prst="rightArrow">
-            <a:avLst/>
-          </a:prstGeom>
-          <a:solidFill>
-            <a:schemeClr val="accent1">
-              <a:lumMod val="20000"/>
-              <a:lumOff val="80000"/>
-            </a:schemeClr>
-          </a:solidFill>
-        </p:spPr>
-        <p:style>
-          <a:lnRef idx="2">
-            <a:schemeClr val="accent1">
-              <a:shade val="50000"/>
-            </a:schemeClr>
-          </a:lnRef>
-          <a:fillRef idx="1">
-            <a:schemeClr val="accent1"/>
-          </a:fillRef>
-          <a:effectRef idx="0">
-            <a:schemeClr val="accent1"/>
-          </a:effectRef>
-          <a:fontRef idx="minor">
-            <a:schemeClr val="lt1"/>
-          </a:fontRef>
-        </p:style>
-        <p:txBody>
-          <a:bodyPr rot="0" spcFirstLastPara="0" vertOverflow="overflow" horzOverflow="overflow" vert="horz" wrap="square" lIns="91440" tIns="45720" rIns="91440" bIns="45720" numCol="1" spcCol="0" rtlCol="0" fromWordArt="0" anchor="ctr" anchorCtr="0" forceAA="0" compatLnSpc="1">
-            <a:prstTxWarp prst="textNoShape">
-              <a:avLst/>
-            </a:prstTxWarp>
-            <a:noAutofit/>
-          </a:bodyPr>
-          <a:lstStyle/>
-          <a:p>
-            <a:pPr algn="ctr"/>
-            <a:r>
-              <a:rPr lang="en-US" dirty="0">
-                <a:solidFill>
-                  <a:schemeClr val="tx1"/>
-                </a:solidFill>
-              </a:rPr>
-              <a:t>result</a:t>
-            </a:r>
-          </a:p>
-        </p:txBody>
-      </p:sp>
-      <p:sp>
-        <p:nvSpPr>
-          <p:cNvPr id="17" name="Pijl: rechts 2">
-            <a:extLst>
-              <a:ext uri="{FF2B5EF4-FFF2-40B4-BE49-F238E27FC236}">
-                <a16:creationId xmlns:a16="http://schemas.microsoft.com/office/drawing/2014/main" id="{7CD7877E-A028-431E-9CC3-371B5163FC41}"/>
-              </a:ext>
-            </a:extLst>
-          </p:cNvPr>
-          <p:cNvSpPr/>
-          <p:nvPr/>
-        </p:nvSpPr>
-        <p:spPr>
-          <a:xfrm>
-            <a:off x="1207036" y="2051053"/>
-            <a:ext cx="950607" cy="515923"/>
-          </a:xfrm>
-          <a:prstGeom prst="rightArrow">
-            <a:avLst/>
-          </a:prstGeom>
-          <a:solidFill>
-            <a:schemeClr val="accent1">
-              <a:lumMod val="20000"/>
-              <a:lumOff val="80000"/>
-            </a:schemeClr>
-          </a:solidFill>
-        </p:spPr>
-        <p:style>
-          <a:lnRef idx="2">
-            <a:schemeClr val="accent1">
-              <a:shade val="50000"/>
-            </a:schemeClr>
-          </a:lnRef>
-          <a:fillRef idx="1">
-            <a:schemeClr val="accent1"/>
-          </a:fillRef>
-          <a:effectRef idx="0">
-            <a:schemeClr val="accent1"/>
-          </a:effectRef>
-          <a:fontRef idx="minor">
-            <a:schemeClr val="lt1"/>
-          </a:fontRef>
-        </p:style>
-        <p:txBody>
-          <a:bodyPr rot="0" spcFirstLastPara="0" vertOverflow="overflow" horzOverflow="overflow" vert="horz" wrap="square" lIns="91440" tIns="45720" rIns="91440" bIns="45720" numCol="1" spcCol="0" rtlCol="0" fromWordArt="0" anchor="ctr" anchorCtr="0" forceAA="0" compatLnSpc="1">
-            <a:prstTxWarp prst="textNoShape">
-              <a:avLst/>
-            </a:prstTxWarp>
-            <a:noAutofit/>
-          </a:bodyPr>
-          <a:lstStyle/>
-          <a:p>
-            <a:pPr algn="ctr"/>
-            <a:r>
-              <a:rPr lang="en-US" dirty="0">
-                <a:solidFill>
-                  <a:schemeClr val="tx1"/>
-                </a:solidFill>
-              </a:rPr>
-              <a:t>source</a:t>
-            </a:r>
-          </a:p>
-        </p:txBody>
-      </p:sp>
-      <p:sp>
-        <p:nvSpPr>
-          <p:cNvPr id="15" name="Rechthoek: afgeronde hoeken 3">
-            <a:extLst>
-              <a:ext uri="{FF2B5EF4-FFF2-40B4-BE49-F238E27FC236}">
-                <a16:creationId xmlns:a16="http://schemas.microsoft.com/office/drawing/2014/main" id="{7B1A893A-AC89-4452-8197-3B56551C8F5E}"/>
-              </a:ext>
-            </a:extLst>
-          </p:cNvPr>
-          <p:cNvSpPr/>
-          <p:nvPr/>
-        </p:nvSpPr>
-        <p:spPr>
-          <a:xfrm>
-            <a:off x="2823691" y="4501690"/>
-            <a:ext cx="1913389" cy="1080083"/>
-          </a:xfrm>
-          <a:prstGeom prst="roundRect">
-            <a:avLst/>
-          </a:prstGeom>
-        </p:spPr>
-        <p:style>
-          <a:lnRef idx="2">
-            <a:schemeClr val="accent1">
-              <a:shade val="50000"/>
-            </a:schemeClr>
-          </a:lnRef>
-          <a:fillRef idx="1">
-            <a:schemeClr val="accent1"/>
-          </a:fillRef>
-          <a:effectRef idx="0">
-            <a:schemeClr val="accent1"/>
-          </a:effectRef>
-          <a:fontRef idx="minor">
-            <a:schemeClr val="lt1"/>
-          </a:fontRef>
-        </p:style>
-        <p:txBody>
-          <a:bodyPr rtlCol="0" anchor="ctr"/>
-          <a:lstStyle/>
-          <a:p>
-            <a:pPr algn="ctr"/>
-            <a:r>
-              <a:rPr lang="en-US" sz="2000" dirty="0"/>
-              <a:t>Store the &lt;doc&gt; entry </a:t>
-            </a:r>
-          </a:p>
-        </p:txBody>
-      </p:sp>
-      <p:sp>
-        <p:nvSpPr>
-          <p:cNvPr id="4" name="Arrow: Curved Right 3">
-            <a:extLst>
-              <a:ext uri="{FF2B5EF4-FFF2-40B4-BE49-F238E27FC236}">
-                <a16:creationId xmlns:a16="http://schemas.microsoft.com/office/drawing/2014/main" id="{C947C591-C7F9-447F-9B7D-65431849C9BF}"/>
-              </a:ext>
-            </a:extLst>
-          </p:cNvPr>
-          <p:cNvSpPr/>
-          <p:nvPr/>
-        </p:nvSpPr>
-        <p:spPr>
-          <a:xfrm>
-            <a:off x="2157643" y="2951408"/>
-            <a:ext cx="536296" cy="1049204"/>
-          </a:xfrm>
-          <a:prstGeom prst="curvedRightArrow">
-            <a:avLst/>
-          </a:prstGeom>
-        </p:spPr>
-        <p:style>
-          <a:lnRef idx="2">
-            <a:schemeClr val="accent1">
-              <a:shade val="50000"/>
-            </a:schemeClr>
-          </a:lnRef>
-          <a:fillRef idx="1">
-            <a:schemeClr val="accent1"/>
-          </a:fillRef>
-          <a:effectRef idx="0">
-            <a:schemeClr val="accent1"/>
-          </a:effectRef>
-          <a:fontRef idx="minor">
-            <a:schemeClr val="lt1"/>
-          </a:fontRef>
-        </p:style>
-        <p:txBody>
-          <a:bodyPr rtlCol="0" anchor="ctr"/>
-          <a:lstStyle/>
-          <a:p>
-            <a:pPr algn="ctr"/>
-            <a:endParaRPr lang="en-GB">
-              <a:solidFill>
-                <a:schemeClr val="tx1"/>
-              </a:solidFill>
-            </a:endParaRPr>
-          </a:p>
-        </p:txBody>
-      </p:sp>
-      <p:sp>
-        <p:nvSpPr>
-          <p:cNvPr id="18" name="Arrow: Curved Right 17">
-            <a:extLst>
-              <a:ext uri="{FF2B5EF4-FFF2-40B4-BE49-F238E27FC236}">
-                <a16:creationId xmlns:a16="http://schemas.microsoft.com/office/drawing/2014/main" id="{0243E7D1-32B4-48DA-93CE-EDDE1EA2636B}"/>
-              </a:ext>
-            </a:extLst>
-          </p:cNvPr>
-          <p:cNvSpPr/>
-          <p:nvPr/>
-        </p:nvSpPr>
-        <p:spPr>
-          <a:xfrm rot="10800000">
-            <a:off x="5538281" y="2951408"/>
-            <a:ext cx="937542" cy="2238967"/>
-          </a:xfrm>
-          <a:prstGeom prst="curvedRightArrow">
-            <a:avLst/>
-          </a:prstGeom>
-        </p:spPr>
-        <p:style>
-          <a:lnRef idx="2">
-            <a:schemeClr val="accent1">
-              <a:shade val="50000"/>
-            </a:schemeClr>
-          </a:lnRef>
-          <a:fillRef idx="1">
-            <a:schemeClr val="accent1"/>
-          </a:fillRef>
-          <a:effectRef idx="0">
-            <a:schemeClr val="accent1"/>
-          </a:effectRef>
-          <a:fontRef idx="minor">
-            <a:schemeClr val="lt1"/>
-          </a:fontRef>
-        </p:style>
-        <p:txBody>
-          <a:bodyPr rtlCol="0" anchor="ctr"/>
-          <a:lstStyle/>
-          <a:p>
-            <a:pPr algn="ctr"/>
-            <a:endParaRPr lang="en-GB">
-              <a:solidFill>
-                <a:schemeClr val="tx1"/>
-              </a:solidFill>
-            </a:endParaRPr>
-          </a:p>
-        </p:txBody>
-      </p:sp>
-      <p:sp>
-        <p:nvSpPr>
-          <p:cNvPr id="5" name="Arrow: Down 4">
-            <a:extLst>
-              <a:ext uri="{FF2B5EF4-FFF2-40B4-BE49-F238E27FC236}">
-                <a16:creationId xmlns:a16="http://schemas.microsoft.com/office/drawing/2014/main" id="{C2065929-9FA5-4182-82AC-A1400AF5FE73}"/>
-              </a:ext>
-            </a:extLst>
-          </p:cNvPr>
-          <p:cNvSpPr/>
-          <p:nvPr/>
-        </p:nvSpPr>
-        <p:spPr>
-          <a:xfrm>
-            <a:off x="3430188" y="5685809"/>
-            <a:ext cx="350196" cy="577174"/>
-          </a:xfrm>
-          <a:prstGeom prst="downArrow">
-            <a:avLst/>
-          </a:prstGeom>
-        </p:spPr>
-        <p:style>
-          <a:lnRef idx="2">
-            <a:schemeClr val="accent1">
-              <a:shade val="50000"/>
-            </a:schemeClr>
-          </a:lnRef>
-          <a:fillRef idx="1">
-            <a:schemeClr val="accent1"/>
-          </a:fillRef>
-          <a:effectRef idx="0">
-            <a:schemeClr val="accent1"/>
-          </a:effectRef>
-          <a:fontRef idx="minor">
-            <a:schemeClr val="lt1"/>
-          </a:fontRef>
-        </p:style>
-        <p:txBody>
-          <a:bodyPr rtlCol="0" anchor="ctr"/>
-          <a:lstStyle/>
-          <a:p>
-            <a:pPr algn="ctr"/>
-            <a:endParaRPr lang="en-GB"/>
-          </a:p>
-        </p:txBody>
-      </p:sp>
-      <p:sp>
-        <p:nvSpPr>
-          <p:cNvPr id="28" name="Rechthoek: ezelsoor 17">
-            <a:extLst>
-              <a:ext uri="{FF2B5EF4-FFF2-40B4-BE49-F238E27FC236}">
-                <a16:creationId xmlns:a16="http://schemas.microsoft.com/office/drawing/2014/main" id="{F0F98436-10AC-4A66-A4DB-2448FFB65306}"/>
-              </a:ext>
-            </a:extLst>
-          </p:cNvPr>
-          <p:cNvSpPr/>
-          <p:nvPr/>
-        </p:nvSpPr>
-        <p:spPr>
-          <a:xfrm>
-            <a:off x="1385879" y="3322364"/>
-            <a:ext cx="667966" cy="678248"/>
+            <a:off x="5684454" y="3227588"/>
+            <a:ext cx="964194" cy="678248"/>
           </a:xfrm>
           <a:prstGeom prst="foldedCorner">
             <a:avLst/>
@@ -8540,17 +8636,89 @@
                   <a:schemeClr val="tx1"/>
                 </a:solidFill>
               </a:rPr>
-              <a:t>&lt;doc&gt; entry</a:t>
-            </a:r>
-          </a:p>
-        </p:txBody>
-      </p:sp>
-      <p:sp>
-        <p:nvSpPr>
-          <p:cNvPr id="29" name="Rechthoek: ezelsoor 17">
-            <a:extLst>
-              <a:ext uri="{FF2B5EF4-FFF2-40B4-BE49-F238E27FC236}">
-                <a16:creationId xmlns:a16="http://schemas.microsoft.com/office/drawing/2014/main" id="{D203E94D-7111-462F-894B-778C4BDD5F3D}"/>
+              <a:t>&lt;</a:t>
+            </a:r>
+            <a:r>
+              <a:rPr lang="en-US" sz="1400" dirty="0" err="1">
+                <a:solidFill>
+                  <a:schemeClr val="tx1"/>
+                </a:solidFill>
+              </a:rPr>
+              <a:t>c:result</a:t>
+            </a:r>
+            <a:r>
+              <a:rPr lang="en-US" sz="1400" dirty="0">
+                <a:solidFill>
+                  <a:schemeClr val="tx1"/>
+                </a:solidFill>
+              </a:rPr>
+              <a:t>&gt;entry</a:t>
+            </a:r>
+          </a:p>
+        </p:txBody>
+      </p:sp>
+      <p:sp>
+        <p:nvSpPr>
+          <p:cNvPr id="3" name="TextBox 2">
+            <a:extLst>
+              <a:ext uri="{FF2B5EF4-FFF2-40B4-BE49-F238E27FC236}">
+                <a16:creationId xmlns:a16="http://schemas.microsoft.com/office/drawing/2014/main" id="{2FBB9D8D-B188-4D0D-9889-B88AA9B30D85}"/>
+              </a:ext>
+            </a:extLst>
+          </p:cNvPr>
+          <p:cNvSpPr txBox="1"/>
+          <p:nvPr/>
+        </p:nvSpPr>
+        <p:spPr>
+          <a:xfrm>
+            <a:off x="5618189" y="3969041"/>
+            <a:ext cx="2188798" cy="615553"/>
+          </a:xfrm>
+          <a:prstGeom prst="rect">
+            <a:avLst/>
+          </a:prstGeom>
+          <a:noFill/>
+        </p:spPr>
+        <p:txBody>
+          <a:bodyPr wrap="square" rtlCol="0">
+            <a:spAutoFit/>
+          </a:bodyPr>
+          <a:lstStyle/>
+          <a:p>
+            <a:r>
+              <a:rPr lang="en-US" sz="1600" b="1" dirty="0">
+                <a:latin typeface="Courier New" panose="02070309020205020404" pitchFamily="49" charset="0"/>
+                <a:cs typeface="Courier New" panose="02070309020205020404" pitchFamily="49" charset="0"/>
+              </a:rPr>
+              <a:t>result-</a:t>
+            </a:r>
+            <a:r>
+              <a:rPr lang="en-US" sz="1600" b="1" dirty="0" err="1">
+                <a:latin typeface="Courier New" panose="02070309020205020404" pitchFamily="49" charset="0"/>
+                <a:cs typeface="Courier New" panose="02070309020205020404" pitchFamily="49" charset="0"/>
+              </a:rPr>
+              <a:t>uri</a:t>
+            </a:r>
+            <a:br>
+              <a:rPr lang="en-US" sz="1600" b="1" dirty="0">
+                <a:latin typeface="Courier New" panose="02070309020205020404" pitchFamily="49" charset="0"/>
+                <a:cs typeface="Courier New" panose="02070309020205020404" pitchFamily="49" charset="0"/>
+              </a:rPr>
+            </a:br>
+            <a:r>
+              <a:rPr lang="en-US" dirty="0"/>
+              <a:t>port</a:t>
+            </a:r>
+            <a:endParaRPr lang="en-GB" dirty="0"/>
+          </a:p>
+        </p:txBody>
+      </p:sp>
+      <p:sp>
+        <p:nvSpPr>
+          <p:cNvPr id="23" name="Rechthoek: ezelsoor 17">
+            <a:extLst>
+              <a:ext uri="{FF2B5EF4-FFF2-40B4-BE49-F238E27FC236}">
+                <a16:creationId xmlns:a16="http://schemas.microsoft.com/office/drawing/2014/main" id="{9901EBB4-F948-42FC-8EDA-EDA0382CA096}"/>
               </a:ext>
             </a:extLst>
           </p:cNvPr>
@@ -8559,8 +8727,8 @@
         </p:nvSpPr>
         <p:spPr>
           <a:xfrm>
-            <a:off x="6680915" y="3790689"/>
-            <a:ext cx="964194" cy="678248"/>
+            <a:off x="3409273" y="5540946"/>
+            <a:ext cx="1076936" cy="828626"/>
           </a:xfrm>
           <a:prstGeom prst="foldedCorner">
             <a:avLst/>
@@ -8599,103 +8767,37 @@
                   <a:schemeClr val="tx1"/>
                 </a:solidFill>
               </a:rPr>
-              <a:t>&lt;</a:t>
-            </a:r>
-            <a:r>
-              <a:rPr lang="en-US" sz="1400" dirty="0" err="1">
-                <a:solidFill>
-                  <a:schemeClr val="tx1"/>
-                </a:solidFill>
-              </a:rPr>
-              <a:t>c:result</a:t>
-            </a:r>
-            <a:r>
-              <a:rPr lang="en-US" sz="1400" dirty="0">
-                <a:solidFill>
-                  <a:schemeClr val="tx1"/>
-                </a:solidFill>
-              </a:rPr>
-              <a:t>&gt;entry</a:t>
-            </a:r>
-          </a:p>
-        </p:txBody>
-      </p:sp>
-      <p:sp>
-        <p:nvSpPr>
-          <p:cNvPr id="3" name="TextBox 2">
-            <a:extLst>
-              <a:ext uri="{FF2B5EF4-FFF2-40B4-BE49-F238E27FC236}">
-                <a16:creationId xmlns:a16="http://schemas.microsoft.com/office/drawing/2014/main" id="{2FBB9D8D-B188-4D0D-9889-B88AA9B30D85}"/>
-              </a:ext>
-            </a:extLst>
-          </p:cNvPr>
-          <p:cNvSpPr txBox="1"/>
+              <a:t>output2.xml</a:t>
+            </a:r>
+          </a:p>
+        </p:txBody>
+      </p:sp>
+      <p:sp>
+        <p:nvSpPr>
+          <p:cNvPr id="26" name="Rechthoek: ezelsoor 17">
+            <a:extLst>
+              <a:ext uri="{FF2B5EF4-FFF2-40B4-BE49-F238E27FC236}">
+                <a16:creationId xmlns:a16="http://schemas.microsoft.com/office/drawing/2014/main" id="{8227AE73-8EE7-414B-818A-9B0E211D06C0}"/>
+              </a:ext>
+            </a:extLst>
+          </p:cNvPr>
+          <p:cNvSpPr/>
           <p:nvPr/>
         </p:nvSpPr>
         <p:spPr>
           <a:xfrm>
-            <a:off x="6475823" y="4551783"/>
-            <a:ext cx="2188798" cy="615553"/>
-          </a:xfrm>
-          <a:prstGeom prst="rect">
+            <a:off x="3227564" y="5397221"/>
+            <a:ext cx="1076936" cy="828626"/>
+          </a:xfrm>
+          <a:prstGeom prst="foldedCorner">
             <a:avLst/>
           </a:prstGeom>
-          <a:noFill/>
-        </p:spPr>
-        <p:txBody>
-          <a:bodyPr wrap="square" rtlCol="0">
-            <a:spAutoFit/>
-          </a:bodyPr>
-          <a:lstStyle/>
-          <a:p>
-            <a:r>
-              <a:rPr lang="en-US" sz="1600" b="1" dirty="0">
-                <a:latin typeface="Courier New" panose="02070309020205020404" pitchFamily="49" charset="0"/>
-                <a:cs typeface="Courier New" panose="02070309020205020404" pitchFamily="49" charset="0"/>
-              </a:rPr>
-              <a:t>result-</a:t>
-            </a:r>
-            <a:r>
-              <a:rPr lang="en-US" sz="1600" b="1" dirty="0" err="1">
-                <a:latin typeface="Courier New" panose="02070309020205020404" pitchFamily="49" charset="0"/>
-                <a:cs typeface="Courier New" panose="02070309020205020404" pitchFamily="49" charset="0"/>
-              </a:rPr>
-              <a:t>uri</a:t>
-            </a:r>
-            <a:br>
-              <a:rPr lang="en-US" sz="1600" b="1" dirty="0">
-                <a:latin typeface="Courier New" panose="02070309020205020404" pitchFamily="49" charset="0"/>
-                <a:cs typeface="Courier New" panose="02070309020205020404" pitchFamily="49" charset="0"/>
-              </a:rPr>
-            </a:br>
-            <a:r>
-              <a:rPr lang="en-US" dirty="0"/>
-              <a:t>port</a:t>
-            </a:r>
-            <a:endParaRPr lang="en-GB" dirty="0"/>
-          </a:p>
-        </p:txBody>
-      </p:sp>
-      <p:sp>
-        <p:nvSpPr>
-          <p:cNvPr id="20" name="Rechthoek: afgeronde hoeken 3">
-            <a:extLst>
-              <a:ext uri="{FF2B5EF4-FFF2-40B4-BE49-F238E27FC236}">
-                <a16:creationId xmlns:a16="http://schemas.microsoft.com/office/drawing/2014/main" id="{3D3184B3-3C23-4BB9-8B7B-76BC58A37CB6}"/>
-              </a:ext>
-            </a:extLst>
-          </p:cNvPr>
-          <p:cNvSpPr/>
-          <p:nvPr/>
-        </p:nvSpPr>
-        <p:spPr>
-          <a:xfrm>
-            <a:off x="2823690" y="3302274"/>
-            <a:ext cx="1913389" cy="1080083"/>
-          </a:xfrm>
-          <a:prstGeom prst="roundRect">
-            <a:avLst/>
-          </a:prstGeom>
+          <a:solidFill>
+            <a:schemeClr val="accent4">
+              <a:lumMod val="40000"/>
+              <a:lumOff val="60000"/>
+            </a:schemeClr>
+          </a:solidFill>
         </p:spPr>
         <p:style>
           <a:lnRef idx="2">
@@ -8719,95 +8821,13 @@
           <a:p>
             <a:pPr algn="ctr"/>
             <a:r>
-              <a:rPr lang="en-US" sz="2000" dirty="0"/>
-              <a:t>@enabled = "true"? </a:t>
-            </a:r>
-          </a:p>
-        </p:txBody>
-      </p:sp>
-      <p:sp>
-        <p:nvSpPr>
-          <p:cNvPr id="24" name="Arrow: Curved Right 23">
-            <a:extLst>
-              <a:ext uri="{FF2B5EF4-FFF2-40B4-BE49-F238E27FC236}">
-                <a16:creationId xmlns:a16="http://schemas.microsoft.com/office/drawing/2014/main" id="{E38B40B0-1491-4626-8FDA-94FFE8884AE9}"/>
-              </a:ext>
-            </a:extLst>
-          </p:cNvPr>
-          <p:cNvSpPr/>
-          <p:nvPr/>
-        </p:nvSpPr>
-        <p:spPr>
-          <a:xfrm rot="10800000">
-            <a:off x="4895453" y="2903722"/>
-            <a:ext cx="484452" cy="1174755"/>
-          </a:xfrm>
-          <a:prstGeom prst="curvedRightArrow">
-            <a:avLst/>
-          </a:prstGeom>
-        </p:spPr>
-        <p:style>
-          <a:lnRef idx="2">
-            <a:schemeClr val="accent1">
-              <a:shade val="50000"/>
-            </a:schemeClr>
-          </a:lnRef>
-          <a:fillRef idx="1">
-            <a:schemeClr val="accent1"/>
-          </a:fillRef>
-          <a:effectRef idx="0">
-            <a:schemeClr val="accent1"/>
-          </a:effectRef>
-          <a:fontRef idx="minor">
-            <a:schemeClr val="lt1"/>
-          </a:fontRef>
-        </p:style>
-        <p:txBody>
-          <a:bodyPr rtlCol="0" anchor="ctr"/>
-          <a:lstStyle/>
-          <a:p>
-            <a:pPr algn="ctr"/>
-            <a:endParaRPr lang="en-GB">
-              <a:solidFill>
-                <a:schemeClr val="tx1"/>
-              </a:solidFill>
-            </a:endParaRPr>
-          </a:p>
-        </p:txBody>
-      </p:sp>
-      <p:sp>
-        <p:nvSpPr>
-          <p:cNvPr id="6" name="TextBox 5">
-            <a:extLst>
-              <a:ext uri="{FF2B5EF4-FFF2-40B4-BE49-F238E27FC236}">
-                <a16:creationId xmlns:a16="http://schemas.microsoft.com/office/drawing/2014/main" id="{129379D0-A7B5-487F-A110-ABB60234BD34}"/>
-              </a:ext>
-            </a:extLst>
-          </p:cNvPr>
-          <p:cNvSpPr txBox="1"/>
-          <p:nvPr/>
-        </p:nvSpPr>
-        <p:spPr>
-          <a:xfrm>
-            <a:off x="4734128" y="4012418"/>
-            <a:ext cx="1225686" cy="523220"/>
-          </a:xfrm>
-          <a:prstGeom prst="rect">
-            <a:avLst/>
-          </a:prstGeom>
-          <a:noFill/>
-        </p:spPr>
-        <p:txBody>
-          <a:bodyPr wrap="square" rtlCol="0">
-            <a:spAutoFit/>
-          </a:bodyPr>
-          <a:lstStyle/>
-          <a:p>
-            <a:r>
-              <a:rPr lang="en-US" sz="1400" dirty="0"/>
-              <a:t>Original &lt;doc&gt; entry</a:t>
-            </a:r>
-            <a:endParaRPr lang="en-GB" sz="1400" dirty="0"/>
+              <a:rPr lang="en-US" sz="1400" dirty="0">
+                <a:solidFill>
+                  <a:schemeClr val="tx1"/>
+                </a:solidFill>
+              </a:rPr>
+              <a:t>output1.xml</a:t>
+            </a:r>
           </a:p>
         </p:txBody>
       </p:sp>
@@ -8846,7 +8866,7 @@
           <p:cNvPr id="2" name="Title 1">
             <a:extLst>
               <a:ext uri="{FF2B5EF4-FFF2-40B4-BE49-F238E27FC236}">
-                <a16:creationId xmlns:a16="http://schemas.microsoft.com/office/drawing/2014/main" id="{E1A291CF-5B52-4363-8617-5B975E8B14C2}"/>
+                <a16:creationId xmlns:a16="http://schemas.microsoft.com/office/drawing/2014/main" id="{4123861A-F328-4BB9-8F10-4F9FB0F7E245}"/>
               </a:ext>
             </a:extLst>
           </p:cNvPr>
@@ -8857,39 +8877,10 @@
             <p:ph type="title"/>
           </p:nvPr>
         </p:nvSpPr>
-        <p:spPr/>
-        <p:txBody>
-          <a:bodyPr/>
-          <a:lstStyle/>
-          <a:p>
-            <a:r>
-              <a:rPr lang="en-US" dirty="0"/>
-              <a:t>Wrap up:</a:t>
-            </a:r>
-            <a:endParaRPr lang="en-GB" dirty="0"/>
-          </a:p>
-        </p:txBody>
-      </p:sp>
-      <p:sp>
-        <p:nvSpPr>
-          <p:cNvPr id="3" name="Content Placeholder 2">
-            <a:extLst>
-              <a:ext uri="{FF2B5EF4-FFF2-40B4-BE49-F238E27FC236}">
-                <a16:creationId xmlns:a16="http://schemas.microsoft.com/office/drawing/2014/main" id="{376FB710-45A2-488E-80EE-BFEC0D4BFA7B}"/>
-              </a:ext>
-            </a:extLst>
-          </p:cNvPr>
-          <p:cNvSpPr>
-            <a:spLocks noGrp="1"/>
-          </p:cNvSpPr>
-          <p:nvPr>
-            <p:ph idx="1"/>
-          </p:nvPr>
-        </p:nvSpPr>
-        <p:spPr>
-          <a:xfrm>
-            <a:off x="838200" y="1485089"/>
-            <a:ext cx="10515600" cy="4691874"/>
+        <p:spPr>
+          <a:xfrm>
+            <a:off x="150834" y="216164"/>
+            <a:ext cx="11617960" cy="860848"/>
           </a:xfrm>
         </p:spPr>
         <p:txBody>
@@ -8899,110 +8890,936 @@
           <a:lstStyle/>
           <a:p>
             <a:r>
+              <a:rPr lang="en-US" b="1" dirty="0"/>
+              <a:t>Only store files marked enabled</a:t>
+            </a:r>
+            <a:endParaRPr lang="en-NL" b="1" dirty="0"/>
+          </a:p>
+        </p:txBody>
+      </p:sp>
+      <p:sp>
+        <p:nvSpPr>
+          <p:cNvPr id="21" name="TextBox 20">
+            <a:extLst>
+              <a:ext uri="{FF2B5EF4-FFF2-40B4-BE49-F238E27FC236}">
+                <a16:creationId xmlns:a16="http://schemas.microsoft.com/office/drawing/2014/main" id="{60A84986-2B16-4899-B72A-B7BD622672FF}"/>
+              </a:ext>
+            </a:extLst>
+          </p:cNvPr>
+          <p:cNvSpPr txBox="1"/>
+          <p:nvPr/>
+        </p:nvSpPr>
+        <p:spPr>
+          <a:xfrm>
+            <a:off x="736958" y="1084642"/>
+            <a:ext cx="10304834" cy="646331"/>
+          </a:xfrm>
+          <a:prstGeom prst="rect">
+            <a:avLst/>
+          </a:prstGeom>
+          <a:noFill/>
+        </p:spPr>
+        <p:txBody>
+          <a:bodyPr wrap="square" rtlCol="0">
+            <a:spAutoFit/>
+          </a:bodyPr>
+          <a:lstStyle/>
+          <a:p>
+            <a:r>
               <a:rPr lang="en-US" dirty="0"/>
-              <a:t>You can set options by attribute or using </a:t>
-            </a:r>
-            <a:r>
-              <a:rPr lang="en-US" sz="2400" b="1" dirty="0">
-                <a:latin typeface="Courier New" panose="02070309020205020404" pitchFamily="49" charset="0"/>
-                <a:cs typeface="Courier New" panose="02070309020205020404" pitchFamily="49" charset="0"/>
+              <a:t>See: </a:t>
+            </a:r>
+            <a:r>
+              <a:rPr lang="en-US" b="1" dirty="0">
+                <a:latin typeface="Courier New" panose="02070309020205020404" pitchFamily="49" charset="0"/>
+                <a:cs typeface="Courier New" panose="02070309020205020404" pitchFamily="49" charset="0"/>
+              </a:rPr>
+              <a:t>markupuk-2020/101-B/example-3/example-3f.xpl</a:t>
+            </a:r>
+          </a:p>
+          <a:p>
+            <a:endParaRPr lang="en-GB" dirty="0"/>
+          </a:p>
+        </p:txBody>
+      </p:sp>
+      <p:sp>
+        <p:nvSpPr>
+          <p:cNvPr id="16" name="Rechthoek: afgeronde hoeken 3">
+            <a:extLst>
+              <a:ext uri="{FF2B5EF4-FFF2-40B4-BE49-F238E27FC236}">
+                <a16:creationId xmlns:a16="http://schemas.microsoft.com/office/drawing/2014/main" id="{59A5AC1A-BD11-43BA-BC90-C8107F1E968E}"/>
+              </a:ext>
+            </a:extLst>
+          </p:cNvPr>
+          <p:cNvSpPr/>
+          <p:nvPr/>
+        </p:nvSpPr>
+        <p:spPr>
+          <a:xfrm>
+            <a:off x="2283972" y="1777306"/>
+            <a:ext cx="3254309" cy="1080083"/>
+          </a:xfrm>
+          <a:prstGeom prst="roundRect">
+            <a:avLst/>
+          </a:prstGeom>
+        </p:spPr>
+        <p:style>
+          <a:lnRef idx="2">
+            <a:schemeClr val="accent1">
+              <a:shade val="50000"/>
+            </a:schemeClr>
+          </a:lnRef>
+          <a:fillRef idx="1">
+            <a:schemeClr val="accent1"/>
+          </a:fillRef>
+          <a:effectRef idx="0">
+            <a:schemeClr val="accent1"/>
+          </a:effectRef>
+          <a:fontRef idx="minor">
+            <a:schemeClr val="lt1"/>
+          </a:fontRef>
+        </p:style>
+        <p:txBody>
+          <a:bodyPr rtlCol="0" anchor="ctr"/>
+          <a:lstStyle/>
+          <a:p>
+            <a:pPr algn="ctr"/>
+            <a:r>
+              <a:rPr lang="en-US" sz="2000" dirty="0"/>
+              <a:t>Viewport on &lt;doc&gt; entries</a:t>
+            </a:r>
+          </a:p>
+        </p:txBody>
+      </p:sp>
+      <p:sp>
+        <p:nvSpPr>
+          <p:cNvPr id="19" name="Rechthoek: ezelsoor 17">
+            <a:extLst>
+              <a:ext uri="{FF2B5EF4-FFF2-40B4-BE49-F238E27FC236}">
+                <a16:creationId xmlns:a16="http://schemas.microsoft.com/office/drawing/2014/main" id="{3C697AEB-0DA9-4E68-95C7-17273EA9001C}"/>
+              </a:ext>
+            </a:extLst>
+          </p:cNvPr>
+          <p:cNvSpPr/>
+          <p:nvPr/>
+        </p:nvSpPr>
+        <p:spPr>
+          <a:xfrm>
+            <a:off x="198490" y="1926070"/>
+            <a:ext cx="1076936" cy="828626"/>
+          </a:xfrm>
+          <a:prstGeom prst="foldedCorner">
+            <a:avLst/>
+          </a:prstGeom>
+          <a:solidFill>
+            <a:schemeClr val="accent4">
+              <a:lumMod val="40000"/>
+              <a:lumOff val="60000"/>
+            </a:schemeClr>
+          </a:solidFill>
+        </p:spPr>
+        <p:style>
+          <a:lnRef idx="2">
+            <a:schemeClr val="accent1">
+              <a:shade val="50000"/>
+            </a:schemeClr>
+          </a:lnRef>
+          <a:fillRef idx="1">
+            <a:schemeClr val="accent1"/>
+          </a:fillRef>
+          <a:effectRef idx="0">
+            <a:schemeClr val="accent1"/>
+          </a:effectRef>
+          <a:fontRef idx="minor">
+            <a:schemeClr val="lt1"/>
+          </a:fontRef>
+        </p:style>
+        <p:txBody>
+          <a:bodyPr rtlCol="0" anchor="ctr"/>
+          <a:lstStyle/>
+          <a:p>
+            <a:pPr algn="ctr"/>
+            <a:r>
+              <a:rPr lang="en-US" sz="1400" dirty="0">
+                <a:solidFill>
+                  <a:schemeClr val="tx1"/>
+                </a:solidFill>
+              </a:rPr>
+              <a:t>Input document</a:t>
+            </a:r>
+          </a:p>
+        </p:txBody>
+      </p:sp>
+      <p:sp>
+        <p:nvSpPr>
+          <p:cNvPr id="22" name="Rechthoek: ezelsoor 17">
+            <a:extLst>
+              <a:ext uri="{FF2B5EF4-FFF2-40B4-BE49-F238E27FC236}">
+                <a16:creationId xmlns:a16="http://schemas.microsoft.com/office/drawing/2014/main" id="{18CDF56F-CA24-40CF-A244-8E7D16CFB44A}"/>
+              </a:ext>
+            </a:extLst>
+          </p:cNvPr>
+          <p:cNvSpPr/>
+          <p:nvPr/>
+        </p:nvSpPr>
+        <p:spPr>
+          <a:xfrm>
+            <a:off x="3911126" y="5974396"/>
+            <a:ext cx="1076936" cy="828626"/>
+          </a:xfrm>
+          <a:prstGeom prst="foldedCorner">
+            <a:avLst/>
+          </a:prstGeom>
+          <a:solidFill>
+            <a:schemeClr val="accent4">
+              <a:lumMod val="40000"/>
+              <a:lumOff val="60000"/>
+            </a:schemeClr>
+          </a:solidFill>
+        </p:spPr>
+        <p:style>
+          <a:lnRef idx="2">
+            <a:schemeClr val="accent1">
+              <a:shade val="50000"/>
+            </a:schemeClr>
+          </a:lnRef>
+          <a:fillRef idx="1">
+            <a:schemeClr val="accent1"/>
+          </a:fillRef>
+          <a:effectRef idx="0">
+            <a:schemeClr val="accent1"/>
+          </a:effectRef>
+          <a:fontRef idx="minor">
+            <a:schemeClr val="lt1"/>
+          </a:fontRef>
+        </p:style>
+        <p:txBody>
+          <a:bodyPr rtlCol="0" anchor="ctr"/>
+          <a:lstStyle/>
+          <a:p>
+            <a:pPr algn="ctr"/>
+            <a:r>
+              <a:rPr lang="en-US" sz="1400" dirty="0">
+                <a:solidFill>
+                  <a:schemeClr val="tx1"/>
+                </a:solidFill>
+              </a:rPr>
+              <a:t>output1.xml</a:t>
+            </a:r>
+          </a:p>
+        </p:txBody>
+      </p:sp>
+      <p:sp>
+        <p:nvSpPr>
+          <p:cNvPr id="25" name="Rechthoek: ezelsoor 34">
+            <a:extLst>
+              <a:ext uri="{FF2B5EF4-FFF2-40B4-BE49-F238E27FC236}">
+                <a16:creationId xmlns:a16="http://schemas.microsoft.com/office/drawing/2014/main" id="{D8EE1075-2149-41D2-ACAB-7804F143DB65}"/>
+              </a:ext>
+            </a:extLst>
+          </p:cNvPr>
+          <p:cNvSpPr/>
+          <p:nvPr/>
+        </p:nvSpPr>
+        <p:spPr>
+          <a:xfrm>
+            <a:off x="7645109" y="1797540"/>
+            <a:ext cx="1147481" cy="873129"/>
+          </a:xfrm>
+          <a:prstGeom prst="foldedCorner">
+            <a:avLst/>
+          </a:prstGeom>
+          <a:solidFill>
+            <a:schemeClr val="accent4">
+              <a:lumMod val="40000"/>
+              <a:lumOff val="60000"/>
+            </a:schemeClr>
+          </a:solidFill>
+        </p:spPr>
+        <p:style>
+          <a:lnRef idx="2">
+            <a:schemeClr val="accent1">
+              <a:shade val="50000"/>
+            </a:schemeClr>
+          </a:lnRef>
+          <a:fillRef idx="1">
+            <a:schemeClr val="accent1"/>
+          </a:fillRef>
+          <a:effectRef idx="0">
+            <a:schemeClr val="accent1"/>
+          </a:effectRef>
+          <a:fontRef idx="minor">
+            <a:schemeClr val="lt1"/>
+          </a:fontRef>
+        </p:style>
+        <p:txBody>
+          <a:bodyPr rtlCol="0" anchor="ctr"/>
+          <a:lstStyle/>
+          <a:p>
+            <a:pPr algn="ctr"/>
+            <a:r>
+              <a:rPr lang="en-US" sz="1400" dirty="0">
+                <a:solidFill>
+                  <a:schemeClr val="tx1"/>
+                </a:solidFill>
+              </a:rPr>
+              <a:t>Result document</a:t>
+            </a:r>
+          </a:p>
+        </p:txBody>
+      </p:sp>
+      <p:sp>
+        <p:nvSpPr>
+          <p:cNvPr id="27" name="Pijl: rechts 25">
+            <a:extLst>
+              <a:ext uri="{FF2B5EF4-FFF2-40B4-BE49-F238E27FC236}">
+                <a16:creationId xmlns:a16="http://schemas.microsoft.com/office/drawing/2014/main" id="{9E538ADC-5AA2-491F-A3C8-73B16C9D88ED}"/>
+              </a:ext>
+            </a:extLst>
+          </p:cNvPr>
+          <p:cNvSpPr/>
+          <p:nvPr/>
+        </p:nvSpPr>
+        <p:spPr>
+          <a:xfrm>
+            <a:off x="5618189" y="1976144"/>
+            <a:ext cx="1898905" cy="515923"/>
+          </a:xfrm>
+          <a:prstGeom prst="rightArrow">
+            <a:avLst/>
+          </a:prstGeom>
+          <a:solidFill>
+            <a:schemeClr val="accent1">
+              <a:lumMod val="20000"/>
+              <a:lumOff val="80000"/>
+            </a:schemeClr>
+          </a:solidFill>
+        </p:spPr>
+        <p:style>
+          <a:lnRef idx="2">
+            <a:schemeClr val="accent1">
+              <a:shade val="50000"/>
+            </a:schemeClr>
+          </a:lnRef>
+          <a:fillRef idx="1">
+            <a:schemeClr val="accent1"/>
+          </a:fillRef>
+          <a:effectRef idx="0">
+            <a:schemeClr val="accent1"/>
+          </a:effectRef>
+          <a:fontRef idx="minor">
+            <a:schemeClr val="lt1"/>
+          </a:fontRef>
+        </p:style>
+        <p:txBody>
+          <a:bodyPr rot="0" spcFirstLastPara="0" vertOverflow="overflow" horzOverflow="overflow" vert="horz" wrap="square" lIns="91440" tIns="45720" rIns="91440" bIns="45720" numCol="1" spcCol="0" rtlCol="0" fromWordArt="0" anchor="ctr" anchorCtr="0" forceAA="0" compatLnSpc="1">
+            <a:prstTxWarp prst="textNoShape">
+              <a:avLst/>
+            </a:prstTxWarp>
+            <a:noAutofit/>
+          </a:bodyPr>
+          <a:lstStyle/>
+          <a:p>
+            <a:pPr algn="ctr"/>
+            <a:r>
+              <a:rPr lang="en-US" dirty="0">
+                <a:solidFill>
+                  <a:schemeClr val="tx1"/>
+                </a:solidFill>
+              </a:rPr>
+              <a:t>result</a:t>
+            </a:r>
+          </a:p>
+        </p:txBody>
+      </p:sp>
+      <p:sp>
+        <p:nvSpPr>
+          <p:cNvPr id="17" name="Pijl: rechts 2">
+            <a:extLst>
+              <a:ext uri="{FF2B5EF4-FFF2-40B4-BE49-F238E27FC236}">
+                <a16:creationId xmlns:a16="http://schemas.microsoft.com/office/drawing/2014/main" id="{7CD7877E-A028-431E-9CC3-371B5163FC41}"/>
+              </a:ext>
+            </a:extLst>
+          </p:cNvPr>
+          <p:cNvSpPr/>
+          <p:nvPr/>
+        </p:nvSpPr>
+        <p:spPr>
+          <a:xfrm>
+            <a:off x="1207036" y="2051053"/>
+            <a:ext cx="950607" cy="515923"/>
+          </a:xfrm>
+          <a:prstGeom prst="rightArrow">
+            <a:avLst/>
+          </a:prstGeom>
+          <a:solidFill>
+            <a:schemeClr val="accent1">
+              <a:lumMod val="20000"/>
+              <a:lumOff val="80000"/>
+            </a:schemeClr>
+          </a:solidFill>
+        </p:spPr>
+        <p:style>
+          <a:lnRef idx="2">
+            <a:schemeClr val="accent1">
+              <a:shade val="50000"/>
+            </a:schemeClr>
+          </a:lnRef>
+          <a:fillRef idx="1">
+            <a:schemeClr val="accent1"/>
+          </a:fillRef>
+          <a:effectRef idx="0">
+            <a:schemeClr val="accent1"/>
+          </a:effectRef>
+          <a:fontRef idx="minor">
+            <a:schemeClr val="lt1"/>
+          </a:fontRef>
+        </p:style>
+        <p:txBody>
+          <a:bodyPr rot="0" spcFirstLastPara="0" vertOverflow="overflow" horzOverflow="overflow" vert="horz" wrap="square" lIns="91440" tIns="45720" rIns="91440" bIns="45720" numCol="1" spcCol="0" rtlCol="0" fromWordArt="0" anchor="ctr" anchorCtr="0" forceAA="0" compatLnSpc="1">
+            <a:prstTxWarp prst="textNoShape">
+              <a:avLst/>
+            </a:prstTxWarp>
+            <a:noAutofit/>
+          </a:bodyPr>
+          <a:lstStyle/>
+          <a:p>
+            <a:pPr algn="ctr"/>
+            <a:r>
+              <a:rPr lang="en-US" dirty="0">
+                <a:solidFill>
+                  <a:schemeClr val="tx1"/>
+                </a:solidFill>
+              </a:rPr>
+              <a:t>source</a:t>
+            </a:r>
+          </a:p>
+        </p:txBody>
+      </p:sp>
+      <p:sp>
+        <p:nvSpPr>
+          <p:cNvPr id="15" name="Rechthoek: afgeronde hoeken 3">
+            <a:extLst>
+              <a:ext uri="{FF2B5EF4-FFF2-40B4-BE49-F238E27FC236}">
+                <a16:creationId xmlns:a16="http://schemas.microsoft.com/office/drawing/2014/main" id="{7B1A893A-AC89-4452-8197-3B56551C8F5E}"/>
+              </a:ext>
+            </a:extLst>
+          </p:cNvPr>
+          <p:cNvSpPr/>
+          <p:nvPr/>
+        </p:nvSpPr>
+        <p:spPr>
+          <a:xfrm>
+            <a:off x="2823691" y="4501690"/>
+            <a:ext cx="1913389" cy="1080083"/>
+          </a:xfrm>
+          <a:prstGeom prst="roundRect">
+            <a:avLst/>
+          </a:prstGeom>
+        </p:spPr>
+        <p:style>
+          <a:lnRef idx="2">
+            <a:schemeClr val="accent1">
+              <a:shade val="50000"/>
+            </a:schemeClr>
+          </a:lnRef>
+          <a:fillRef idx="1">
+            <a:schemeClr val="accent1"/>
+          </a:fillRef>
+          <a:effectRef idx="0">
+            <a:schemeClr val="accent1"/>
+          </a:effectRef>
+          <a:fontRef idx="minor">
+            <a:schemeClr val="lt1"/>
+          </a:fontRef>
+        </p:style>
+        <p:txBody>
+          <a:bodyPr rtlCol="0" anchor="ctr"/>
+          <a:lstStyle/>
+          <a:p>
+            <a:pPr algn="ctr"/>
+            <a:r>
+              <a:rPr lang="en-US" sz="2000" dirty="0"/>
+              <a:t>Store the &lt;doc&gt; entry </a:t>
+            </a:r>
+          </a:p>
+        </p:txBody>
+      </p:sp>
+      <p:sp>
+        <p:nvSpPr>
+          <p:cNvPr id="4" name="Arrow: Curved Right 3">
+            <a:extLst>
+              <a:ext uri="{FF2B5EF4-FFF2-40B4-BE49-F238E27FC236}">
+                <a16:creationId xmlns:a16="http://schemas.microsoft.com/office/drawing/2014/main" id="{C947C591-C7F9-447F-9B7D-65431849C9BF}"/>
+              </a:ext>
+            </a:extLst>
+          </p:cNvPr>
+          <p:cNvSpPr/>
+          <p:nvPr/>
+        </p:nvSpPr>
+        <p:spPr>
+          <a:xfrm>
+            <a:off x="2157643" y="2951408"/>
+            <a:ext cx="536296" cy="1049204"/>
+          </a:xfrm>
+          <a:prstGeom prst="curvedRightArrow">
+            <a:avLst/>
+          </a:prstGeom>
+        </p:spPr>
+        <p:style>
+          <a:lnRef idx="2">
+            <a:schemeClr val="accent1">
+              <a:shade val="50000"/>
+            </a:schemeClr>
+          </a:lnRef>
+          <a:fillRef idx="1">
+            <a:schemeClr val="accent1"/>
+          </a:fillRef>
+          <a:effectRef idx="0">
+            <a:schemeClr val="accent1"/>
+          </a:effectRef>
+          <a:fontRef idx="minor">
+            <a:schemeClr val="lt1"/>
+          </a:fontRef>
+        </p:style>
+        <p:txBody>
+          <a:bodyPr rtlCol="0" anchor="ctr"/>
+          <a:lstStyle/>
+          <a:p>
+            <a:pPr algn="ctr"/>
+            <a:endParaRPr lang="en-GB">
+              <a:solidFill>
+                <a:schemeClr val="tx1"/>
+              </a:solidFill>
+            </a:endParaRPr>
+          </a:p>
+        </p:txBody>
+      </p:sp>
+      <p:sp>
+        <p:nvSpPr>
+          <p:cNvPr id="18" name="Arrow: Curved Right 17">
+            <a:extLst>
+              <a:ext uri="{FF2B5EF4-FFF2-40B4-BE49-F238E27FC236}">
+                <a16:creationId xmlns:a16="http://schemas.microsoft.com/office/drawing/2014/main" id="{0243E7D1-32B4-48DA-93CE-EDDE1EA2636B}"/>
+              </a:ext>
+            </a:extLst>
+          </p:cNvPr>
+          <p:cNvSpPr/>
+          <p:nvPr/>
+        </p:nvSpPr>
+        <p:spPr>
+          <a:xfrm rot="10800000">
+            <a:off x="5538281" y="2951408"/>
+            <a:ext cx="937542" cy="2238967"/>
+          </a:xfrm>
+          <a:prstGeom prst="curvedRightArrow">
+            <a:avLst/>
+          </a:prstGeom>
+        </p:spPr>
+        <p:style>
+          <a:lnRef idx="2">
+            <a:schemeClr val="accent1">
+              <a:shade val="50000"/>
+            </a:schemeClr>
+          </a:lnRef>
+          <a:fillRef idx="1">
+            <a:schemeClr val="accent1"/>
+          </a:fillRef>
+          <a:effectRef idx="0">
+            <a:schemeClr val="accent1"/>
+          </a:effectRef>
+          <a:fontRef idx="minor">
+            <a:schemeClr val="lt1"/>
+          </a:fontRef>
+        </p:style>
+        <p:txBody>
+          <a:bodyPr rtlCol="0" anchor="ctr"/>
+          <a:lstStyle/>
+          <a:p>
+            <a:pPr algn="ctr"/>
+            <a:endParaRPr lang="en-GB">
+              <a:solidFill>
+                <a:schemeClr val="tx1"/>
+              </a:solidFill>
+            </a:endParaRPr>
+          </a:p>
+        </p:txBody>
+      </p:sp>
+      <p:sp>
+        <p:nvSpPr>
+          <p:cNvPr id="5" name="Arrow: Down 4">
+            <a:extLst>
+              <a:ext uri="{FF2B5EF4-FFF2-40B4-BE49-F238E27FC236}">
+                <a16:creationId xmlns:a16="http://schemas.microsoft.com/office/drawing/2014/main" id="{C2065929-9FA5-4182-82AC-A1400AF5FE73}"/>
+              </a:ext>
+            </a:extLst>
+          </p:cNvPr>
+          <p:cNvSpPr/>
+          <p:nvPr/>
+        </p:nvSpPr>
+        <p:spPr>
+          <a:xfrm>
+            <a:off x="3430188" y="5685809"/>
+            <a:ext cx="350196" cy="577174"/>
+          </a:xfrm>
+          <a:prstGeom prst="downArrow">
+            <a:avLst/>
+          </a:prstGeom>
+        </p:spPr>
+        <p:style>
+          <a:lnRef idx="2">
+            <a:schemeClr val="accent1">
+              <a:shade val="50000"/>
+            </a:schemeClr>
+          </a:lnRef>
+          <a:fillRef idx="1">
+            <a:schemeClr val="accent1"/>
+          </a:fillRef>
+          <a:effectRef idx="0">
+            <a:schemeClr val="accent1"/>
+          </a:effectRef>
+          <a:fontRef idx="minor">
+            <a:schemeClr val="lt1"/>
+          </a:fontRef>
+        </p:style>
+        <p:txBody>
+          <a:bodyPr rtlCol="0" anchor="ctr"/>
+          <a:lstStyle/>
+          <a:p>
+            <a:pPr algn="ctr"/>
+            <a:endParaRPr lang="en-GB"/>
+          </a:p>
+        </p:txBody>
+      </p:sp>
+      <p:sp>
+        <p:nvSpPr>
+          <p:cNvPr id="28" name="Rechthoek: ezelsoor 17">
+            <a:extLst>
+              <a:ext uri="{FF2B5EF4-FFF2-40B4-BE49-F238E27FC236}">
+                <a16:creationId xmlns:a16="http://schemas.microsoft.com/office/drawing/2014/main" id="{F0F98436-10AC-4A66-A4DB-2448FFB65306}"/>
+              </a:ext>
+            </a:extLst>
+          </p:cNvPr>
+          <p:cNvSpPr/>
+          <p:nvPr/>
+        </p:nvSpPr>
+        <p:spPr>
+          <a:xfrm>
+            <a:off x="1385879" y="3322364"/>
+            <a:ext cx="667966" cy="678248"/>
+          </a:xfrm>
+          <a:prstGeom prst="foldedCorner">
+            <a:avLst/>
+          </a:prstGeom>
+          <a:solidFill>
+            <a:schemeClr val="accent4">
+              <a:lumMod val="40000"/>
+              <a:lumOff val="60000"/>
+            </a:schemeClr>
+          </a:solidFill>
+        </p:spPr>
+        <p:style>
+          <a:lnRef idx="2">
+            <a:schemeClr val="accent1">
+              <a:shade val="50000"/>
+            </a:schemeClr>
+          </a:lnRef>
+          <a:fillRef idx="1">
+            <a:schemeClr val="accent1"/>
+          </a:fillRef>
+          <a:effectRef idx="0">
+            <a:schemeClr val="accent1"/>
+          </a:effectRef>
+          <a:fontRef idx="minor">
+            <a:schemeClr val="lt1"/>
+          </a:fontRef>
+        </p:style>
+        <p:txBody>
+          <a:bodyPr rtlCol="0" anchor="ctr"/>
+          <a:lstStyle/>
+          <a:p>
+            <a:pPr algn="ctr"/>
+            <a:r>
+              <a:rPr lang="en-US" sz="1400" dirty="0">
+                <a:solidFill>
+                  <a:schemeClr val="tx1"/>
+                </a:solidFill>
+              </a:rPr>
+              <a:t>&lt;doc&gt; entry</a:t>
+            </a:r>
+          </a:p>
+        </p:txBody>
+      </p:sp>
+      <p:sp>
+        <p:nvSpPr>
+          <p:cNvPr id="29" name="Rechthoek: ezelsoor 17">
+            <a:extLst>
+              <a:ext uri="{FF2B5EF4-FFF2-40B4-BE49-F238E27FC236}">
+                <a16:creationId xmlns:a16="http://schemas.microsoft.com/office/drawing/2014/main" id="{D203E94D-7111-462F-894B-778C4BDD5F3D}"/>
+              </a:ext>
+            </a:extLst>
+          </p:cNvPr>
+          <p:cNvSpPr/>
+          <p:nvPr/>
+        </p:nvSpPr>
+        <p:spPr>
+          <a:xfrm>
+            <a:off x="6680915" y="3790689"/>
+            <a:ext cx="964194" cy="678248"/>
+          </a:xfrm>
+          <a:prstGeom prst="foldedCorner">
+            <a:avLst/>
+          </a:prstGeom>
+          <a:solidFill>
+            <a:schemeClr val="accent4">
+              <a:lumMod val="40000"/>
+              <a:lumOff val="60000"/>
+            </a:schemeClr>
+          </a:solidFill>
+        </p:spPr>
+        <p:style>
+          <a:lnRef idx="2">
+            <a:schemeClr val="accent1">
+              <a:shade val="50000"/>
+            </a:schemeClr>
+          </a:lnRef>
+          <a:fillRef idx="1">
+            <a:schemeClr val="accent1"/>
+          </a:fillRef>
+          <a:effectRef idx="0">
+            <a:schemeClr val="accent1"/>
+          </a:effectRef>
+          <a:fontRef idx="minor">
+            <a:schemeClr val="lt1"/>
+          </a:fontRef>
+        </p:style>
+        <p:txBody>
+          <a:bodyPr rtlCol="0" anchor="ctr"/>
+          <a:lstStyle/>
+          <a:p>
+            <a:pPr algn="ctr"/>
+            <a:r>
+              <a:rPr lang="en-US" sz="1400" dirty="0">
+                <a:solidFill>
+                  <a:schemeClr val="tx1"/>
+                </a:solidFill>
               </a:rPr>
               <a:t>&lt;</a:t>
             </a:r>
             <a:r>
-              <a:rPr lang="en-US" sz="2400" b="1" dirty="0" err="1">
-                <a:latin typeface="Courier New" panose="02070309020205020404" pitchFamily="49" charset="0"/>
-                <a:cs typeface="Courier New" panose="02070309020205020404" pitchFamily="49" charset="0"/>
-              </a:rPr>
-              <a:t>p:with-option</a:t>
-            </a:r>
-            <a:r>
-              <a:rPr lang="en-US" sz="2400" b="1" dirty="0">
-                <a:latin typeface="Courier New" panose="02070309020205020404" pitchFamily="49" charset="0"/>
-                <a:cs typeface="Courier New" panose="02070309020205020404" pitchFamily="49" charset="0"/>
-              </a:rPr>
-              <a:t>&gt;</a:t>
-            </a:r>
-            <a:endParaRPr lang="en-US" b="1" dirty="0">
-              <a:latin typeface="Courier New" panose="02070309020205020404" pitchFamily="49" charset="0"/>
-              <a:cs typeface="Courier New" panose="02070309020205020404" pitchFamily="49" charset="0"/>
+              <a:rPr lang="en-US" sz="1400" dirty="0" err="1">
+                <a:solidFill>
+                  <a:schemeClr val="tx1"/>
+                </a:solidFill>
+              </a:rPr>
+              <a:t>c:result</a:t>
+            </a:r>
+            <a:r>
+              <a:rPr lang="en-US" sz="1400" dirty="0">
+                <a:solidFill>
+                  <a:schemeClr val="tx1"/>
+                </a:solidFill>
+              </a:rPr>
+              <a:t>&gt;entry</a:t>
+            </a:r>
+          </a:p>
+        </p:txBody>
+      </p:sp>
+      <p:sp>
+        <p:nvSpPr>
+          <p:cNvPr id="3" name="TextBox 2">
+            <a:extLst>
+              <a:ext uri="{FF2B5EF4-FFF2-40B4-BE49-F238E27FC236}">
+                <a16:creationId xmlns:a16="http://schemas.microsoft.com/office/drawing/2014/main" id="{2FBB9D8D-B188-4D0D-9889-B88AA9B30D85}"/>
+              </a:ext>
+            </a:extLst>
+          </p:cNvPr>
+          <p:cNvSpPr txBox="1"/>
+          <p:nvPr/>
+        </p:nvSpPr>
+        <p:spPr>
+          <a:xfrm>
+            <a:off x="6475823" y="4551783"/>
+            <a:ext cx="2188798" cy="615553"/>
+          </a:xfrm>
+          <a:prstGeom prst="rect">
+            <a:avLst/>
+          </a:prstGeom>
+          <a:noFill/>
+        </p:spPr>
+        <p:txBody>
+          <a:bodyPr wrap="square" rtlCol="0">
+            <a:spAutoFit/>
+          </a:bodyPr>
+          <a:lstStyle/>
+          <a:p>
+            <a:r>
+              <a:rPr lang="en-US" sz="1600" b="1" dirty="0">
+                <a:latin typeface="Courier New" panose="02070309020205020404" pitchFamily="49" charset="0"/>
+                <a:cs typeface="Courier New" panose="02070309020205020404" pitchFamily="49" charset="0"/>
+              </a:rPr>
+              <a:t>result-</a:t>
+            </a:r>
+            <a:r>
+              <a:rPr lang="en-US" sz="1600" b="1" dirty="0" err="1">
+                <a:latin typeface="Courier New" panose="02070309020205020404" pitchFamily="49" charset="0"/>
+                <a:cs typeface="Courier New" panose="02070309020205020404" pitchFamily="49" charset="0"/>
+              </a:rPr>
+              <a:t>uri</a:t>
+            </a:r>
+            <a:br>
+              <a:rPr lang="en-US" sz="1600" b="1" dirty="0">
+                <a:latin typeface="Courier New" panose="02070309020205020404" pitchFamily="49" charset="0"/>
+                <a:cs typeface="Courier New" panose="02070309020205020404" pitchFamily="49" charset="0"/>
+              </a:rPr>
+            </a:br>
+            <a:r>
+              <a:rPr lang="en-US" dirty="0"/>
+              <a:t>port</a:t>
+            </a:r>
+            <a:endParaRPr lang="en-GB" dirty="0"/>
+          </a:p>
+        </p:txBody>
+      </p:sp>
+      <p:sp>
+        <p:nvSpPr>
+          <p:cNvPr id="20" name="Rechthoek: afgeronde hoeken 3">
+            <a:extLst>
+              <a:ext uri="{FF2B5EF4-FFF2-40B4-BE49-F238E27FC236}">
+                <a16:creationId xmlns:a16="http://schemas.microsoft.com/office/drawing/2014/main" id="{3D3184B3-3C23-4BB9-8B7B-76BC58A37CB6}"/>
+              </a:ext>
+            </a:extLst>
+          </p:cNvPr>
+          <p:cNvSpPr/>
+          <p:nvPr/>
+        </p:nvSpPr>
+        <p:spPr>
+          <a:xfrm>
+            <a:off x="2823690" y="3302274"/>
+            <a:ext cx="1913389" cy="1080083"/>
+          </a:xfrm>
+          <a:prstGeom prst="roundRect">
+            <a:avLst/>
+          </a:prstGeom>
+        </p:spPr>
+        <p:style>
+          <a:lnRef idx="2">
+            <a:schemeClr val="accent1">
+              <a:shade val="50000"/>
+            </a:schemeClr>
+          </a:lnRef>
+          <a:fillRef idx="1">
+            <a:schemeClr val="accent1"/>
+          </a:fillRef>
+          <a:effectRef idx="0">
+            <a:schemeClr val="accent1"/>
+          </a:effectRef>
+          <a:fontRef idx="minor">
+            <a:schemeClr val="lt1"/>
+          </a:fontRef>
+        </p:style>
+        <p:txBody>
+          <a:bodyPr rtlCol="0" anchor="ctr"/>
+          <a:lstStyle/>
+          <a:p>
+            <a:pPr algn="ctr"/>
+            <a:r>
+              <a:rPr lang="en-US" sz="2000" dirty="0"/>
+              <a:t>@enabled = "true"? </a:t>
+            </a:r>
+          </a:p>
+        </p:txBody>
+      </p:sp>
+      <p:sp>
+        <p:nvSpPr>
+          <p:cNvPr id="24" name="Arrow: Curved Right 23">
+            <a:extLst>
+              <a:ext uri="{FF2B5EF4-FFF2-40B4-BE49-F238E27FC236}">
+                <a16:creationId xmlns:a16="http://schemas.microsoft.com/office/drawing/2014/main" id="{E38B40B0-1491-4626-8FDA-94FFE8884AE9}"/>
+              </a:ext>
+            </a:extLst>
+          </p:cNvPr>
+          <p:cNvSpPr/>
+          <p:nvPr/>
+        </p:nvSpPr>
+        <p:spPr>
+          <a:xfrm rot="10800000">
+            <a:off x="4895453" y="2903722"/>
+            <a:ext cx="484452" cy="1174755"/>
+          </a:xfrm>
+          <a:prstGeom prst="curvedRightArrow">
+            <a:avLst/>
+          </a:prstGeom>
+        </p:spPr>
+        <p:style>
+          <a:lnRef idx="2">
+            <a:schemeClr val="accent1">
+              <a:shade val="50000"/>
+            </a:schemeClr>
+          </a:lnRef>
+          <a:fillRef idx="1">
+            <a:schemeClr val="accent1"/>
+          </a:fillRef>
+          <a:effectRef idx="0">
+            <a:schemeClr val="accent1"/>
+          </a:effectRef>
+          <a:fontRef idx="minor">
+            <a:schemeClr val="lt1"/>
+          </a:fontRef>
+        </p:style>
+        <p:txBody>
+          <a:bodyPr rtlCol="0" anchor="ctr"/>
+          <a:lstStyle/>
+          <a:p>
+            <a:pPr algn="ctr"/>
+            <a:endParaRPr lang="en-GB">
+              <a:solidFill>
+                <a:schemeClr val="tx1"/>
+              </a:solidFill>
             </a:endParaRPr>
           </a:p>
-          <a:p>
-            <a:pPr lvl="1"/>
-            <a:r>
-              <a:rPr lang="en-US" dirty="0"/>
-              <a:t>Watch out: Who is going to interpret the XPath expressions?</a:t>
-            </a:r>
-          </a:p>
-          <a:p>
-            <a:r>
-              <a:rPr lang="en-US" dirty="0"/>
-              <a:t>You can define and use variables</a:t>
-            </a:r>
-          </a:p>
-          <a:p>
-            <a:pPr lvl="1"/>
-            <a:r>
-              <a:rPr lang="en-US" dirty="0"/>
-              <a:t>XPath expression do not have to be based on the document flowing through</a:t>
-            </a:r>
-          </a:p>
-          <a:p>
-            <a:r>
-              <a:rPr lang="en-US" dirty="0"/>
-              <a:t>There are core steps for looping, decision making, etc.</a:t>
-            </a:r>
-            <a:br>
-              <a:rPr lang="en-US" dirty="0"/>
-            </a:br>
-            <a:r>
-              <a:rPr lang="en-US" dirty="0"/>
-              <a:t>We looked at:</a:t>
-            </a:r>
-          </a:p>
-          <a:p>
-            <a:pPr lvl="1"/>
-            <a:r>
-              <a:rPr lang="en-US" b="1" dirty="0">
-                <a:latin typeface="Courier New" panose="02070309020205020404" pitchFamily="49" charset="0"/>
-                <a:cs typeface="Courier New" panose="02070309020205020404" pitchFamily="49" charset="0"/>
-              </a:rPr>
-              <a:t>p:for-each</a:t>
-            </a:r>
-          </a:p>
-          <a:p>
-            <a:pPr lvl="1"/>
-            <a:r>
-              <a:rPr lang="en-US" b="1" dirty="0">
-                <a:latin typeface="Courier New" panose="02070309020205020404" pitchFamily="49" charset="0"/>
-                <a:cs typeface="Courier New" panose="02070309020205020404" pitchFamily="49" charset="0"/>
-              </a:rPr>
-              <a:t>p:viewport</a:t>
-            </a:r>
-          </a:p>
-          <a:p>
-            <a:pPr lvl="1"/>
-            <a:r>
-              <a:rPr lang="en-US" b="1" dirty="0">
-                <a:latin typeface="Courier New" panose="02070309020205020404" pitchFamily="49" charset="0"/>
-                <a:cs typeface="Courier New" panose="02070309020205020404" pitchFamily="49" charset="0"/>
-              </a:rPr>
-              <a:t>p:if</a:t>
-            </a:r>
-          </a:p>
-          <a:p>
-            <a:pPr marL="457200" lvl="1" indent="0">
-              <a:buNone/>
-            </a:pPr>
-            <a:endParaRPr lang="en-GB" dirty="0"/>
+        </p:txBody>
+      </p:sp>
+      <p:sp>
+        <p:nvSpPr>
+          <p:cNvPr id="6" name="TextBox 5">
+            <a:extLst>
+              <a:ext uri="{FF2B5EF4-FFF2-40B4-BE49-F238E27FC236}">
+                <a16:creationId xmlns:a16="http://schemas.microsoft.com/office/drawing/2014/main" id="{129379D0-A7B5-487F-A110-ABB60234BD34}"/>
+              </a:ext>
+            </a:extLst>
+          </p:cNvPr>
+          <p:cNvSpPr txBox="1"/>
+          <p:nvPr/>
+        </p:nvSpPr>
+        <p:spPr>
+          <a:xfrm>
+            <a:off x="4734128" y="4012418"/>
+            <a:ext cx="1225686" cy="523220"/>
+          </a:xfrm>
+          <a:prstGeom prst="rect">
+            <a:avLst/>
+          </a:prstGeom>
+          <a:noFill/>
+        </p:spPr>
+        <p:txBody>
+          <a:bodyPr wrap="square" rtlCol="0">
+            <a:spAutoFit/>
+          </a:bodyPr>
+          <a:lstStyle/>
+          <a:p>
+            <a:r>
+              <a:rPr lang="en-US" sz="1400" dirty="0"/>
+              <a:t>Original &lt;doc&gt; entry</a:t>
+            </a:r>
+            <a:endParaRPr lang="en-GB" sz="1400" dirty="0"/>
           </a:p>
         </p:txBody>
       </p:sp>
     </p:spTree>
     <p:extLst>
       <p:ext uri="{BB962C8B-B14F-4D97-AF65-F5344CB8AC3E}">
-        <p14:creationId xmlns:p14="http://schemas.microsoft.com/office/powerpoint/2010/main" val="1043788117"/>
+        <p14:creationId xmlns:p14="http://schemas.microsoft.com/office/powerpoint/2010/main" val="3880199402"/>
       </p:ext>
     </p:extLst>
   </p:cSld>
@@ -9034,7 +9851,7 @@
           <p:cNvPr id="2" name="Title 1">
             <a:extLst>
               <a:ext uri="{FF2B5EF4-FFF2-40B4-BE49-F238E27FC236}">
-                <a16:creationId xmlns:a16="http://schemas.microsoft.com/office/drawing/2014/main" id="{69C1F8C1-9C4C-4D54-8868-98D27E1594F0}"/>
+                <a16:creationId xmlns:a16="http://schemas.microsoft.com/office/drawing/2014/main" id="{E1A291CF-5B52-4363-8617-5B975E8B14C2}"/>
               </a:ext>
             </a:extLst>
           </p:cNvPr>
@@ -9045,21 +9862,16 @@
             <p:ph type="title"/>
           </p:nvPr>
         </p:nvSpPr>
-        <p:spPr>
-          <a:xfrm>
-            <a:off x="199743" y="148699"/>
-            <a:ext cx="10515600" cy="868503"/>
-          </a:xfrm>
-        </p:spPr>
+        <p:spPr/>
         <p:txBody>
           <a:bodyPr/>
           <a:lstStyle/>
           <a:p>
             <a:r>
-              <a:rPr lang="en-US" b="1" dirty="0"/>
-              <a:t>Goodbye and thank the fish, again!</a:t>
-            </a:r>
-            <a:endParaRPr lang="en-NL" b="1" dirty="0"/>
+              <a:rPr lang="en-US" dirty="0"/>
+              <a:t>Wrap up:</a:t>
+            </a:r>
+            <a:endParaRPr lang="en-GB" dirty="0"/>
           </a:p>
         </p:txBody>
       </p:sp>
@@ -9068,7 +9880,7 @@
           <p:cNvPr id="3" name="Content Placeholder 2">
             <a:extLst>
               <a:ext uri="{FF2B5EF4-FFF2-40B4-BE49-F238E27FC236}">
-                <a16:creationId xmlns:a16="http://schemas.microsoft.com/office/drawing/2014/main" id="{EB447546-94E1-423A-8164-617B557A77FC}"/>
+                <a16:creationId xmlns:a16="http://schemas.microsoft.com/office/drawing/2014/main" id="{376FB710-45A2-488E-80EE-BFEC0D4BFA7B}"/>
               </a:ext>
             </a:extLst>
           </p:cNvPr>
@@ -9081,8 +9893,8 @@
         </p:nvSpPr>
         <p:spPr>
           <a:xfrm>
-            <a:off x="713755" y="1253331"/>
-            <a:ext cx="10515600" cy="5093362"/>
+            <a:off x="838200" y="1485089"/>
+            <a:ext cx="10515600" cy="4691874"/>
           </a:xfrm>
         </p:spPr>
         <p:txBody>
@@ -9091,222 +9903,111 @@
           </a:bodyPr>
           <a:lstStyle/>
           <a:p>
-            <a:pPr marL="0" indent="0">
+            <a:r>
+              <a:rPr lang="en-US" dirty="0"/>
+              <a:t>You can set options by attribute or using </a:t>
+            </a:r>
+            <a:r>
+              <a:rPr lang="en-US" sz="2400" b="1" dirty="0">
+                <a:latin typeface="Courier New" panose="02070309020205020404" pitchFamily="49" charset="0"/>
+                <a:cs typeface="Courier New" panose="02070309020205020404" pitchFamily="49" charset="0"/>
+              </a:rPr>
+              <a:t>&lt;</a:t>
+            </a:r>
+            <a:r>
+              <a:rPr lang="en-US" sz="2400" b="1" dirty="0" err="1">
+                <a:latin typeface="Courier New" panose="02070309020205020404" pitchFamily="49" charset="0"/>
+                <a:cs typeface="Courier New" panose="02070309020205020404" pitchFamily="49" charset="0"/>
+              </a:rPr>
+              <a:t>p:with-option</a:t>
+            </a:r>
+            <a:r>
+              <a:rPr lang="en-US" sz="2400" b="1" dirty="0">
+                <a:latin typeface="Courier New" panose="02070309020205020404" pitchFamily="49" charset="0"/>
+                <a:cs typeface="Courier New" panose="02070309020205020404" pitchFamily="49" charset="0"/>
+              </a:rPr>
+              <a:t>&gt;</a:t>
+            </a:r>
+            <a:endParaRPr lang="en-US" b="1" dirty="0">
+              <a:latin typeface="Courier New" panose="02070309020205020404" pitchFamily="49" charset="0"/>
+              <a:cs typeface="Courier New" panose="02070309020205020404" pitchFamily="49" charset="0"/>
+            </a:endParaRPr>
+          </a:p>
+          <a:p>
+            <a:pPr lvl="1"/>
+            <a:r>
+              <a:rPr lang="en-US" dirty="0"/>
+              <a:t>Watch out: Who is going to interpret the XPath expressions?</a:t>
+            </a:r>
+          </a:p>
+          <a:p>
+            <a:r>
+              <a:rPr lang="en-US" dirty="0"/>
+              <a:t>You can define and use variables</a:t>
+            </a:r>
+          </a:p>
+          <a:p>
+            <a:pPr lvl="1"/>
+            <a:r>
+              <a:rPr lang="en-US" dirty="0"/>
+              <a:t>XPath expression do not have to be based on the document flowing through</a:t>
+            </a:r>
+          </a:p>
+          <a:p>
+            <a:r>
+              <a:rPr lang="en-US" dirty="0"/>
+              <a:t>There are core steps for looping, decision making, etc.</a:t>
+            </a:r>
+            <a:br>
+              <a:rPr lang="en-US" dirty="0"/>
+            </a:br>
+            <a:r>
+              <a:rPr lang="en-US" dirty="0"/>
+              <a:t>We looked at:</a:t>
+            </a:r>
+          </a:p>
+          <a:p>
+            <a:pPr lvl="1"/>
+            <a:r>
+              <a:rPr lang="en-US" b="1" dirty="0">
+                <a:latin typeface="Courier New" panose="02070309020205020404" pitchFamily="49" charset="0"/>
+                <a:cs typeface="Courier New" panose="02070309020205020404" pitchFamily="49" charset="0"/>
+              </a:rPr>
+              <a:t>p:for-each</a:t>
+            </a:r>
+          </a:p>
+          <a:p>
+            <a:pPr lvl="1"/>
+            <a:r>
+              <a:rPr lang="en-US" b="1" dirty="0">
+                <a:latin typeface="Courier New" panose="02070309020205020404" pitchFamily="49" charset="0"/>
+                <a:cs typeface="Courier New" panose="02070309020205020404" pitchFamily="49" charset="0"/>
+              </a:rPr>
+              <a:t>p:viewport</a:t>
+            </a:r>
+          </a:p>
+          <a:p>
+            <a:pPr lvl="1"/>
+            <a:r>
+              <a:rPr lang="en-US" b="1" dirty="0">
+                <a:latin typeface="Courier New" panose="02070309020205020404" pitchFamily="49" charset="0"/>
+                <a:cs typeface="Courier New" panose="02070309020205020404" pitchFamily="49" charset="0"/>
+              </a:rPr>
+              <a:t>p:if</a:t>
+            </a:r>
+          </a:p>
+          <a:p>
+            <a:pPr marL="457200" lvl="1" indent="0">
               <a:buNone/>
             </a:pPr>
-            <a:r>
-              <a:rPr lang="nl-NL" dirty="0" err="1"/>
-              <a:t>Your</a:t>
-            </a:r>
-            <a:r>
-              <a:rPr lang="nl-NL" dirty="0"/>
-              <a:t> guide </a:t>
-            </a:r>
-            <a:r>
-              <a:rPr lang="nl-NL" dirty="0" err="1"/>
-              <a:t>today</a:t>
-            </a:r>
-            <a:r>
-              <a:rPr lang="nl-NL" dirty="0"/>
-              <a:t>: Erik Siegel – </a:t>
-            </a:r>
-            <a:r>
-              <a:rPr lang="nl-NL" dirty="0">
-                <a:hlinkClick r:id="rId2"/>
-              </a:rPr>
-              <a:t>erik@xatapult.nl</a:t>
-            </a:r>
-            <a:endParaRPr lang="nl-NL" dirty="0"/>
-          </a:p>
-          <a:p>
-            <a:endParaRPr lang="nl-NL" dirty="0"/>
-          </a:p>
-          <a:p>
-            <a:pPr marL="0" indent="0">
-              <a:buNone/>
-            </a:pPr>
-            <a:r>
-              <a:rPr lang="nl-NL" dirty="0" err="1"/>
-              <a:t>Specification</a:t>
-            </a:r>
-            <a:r>
-              <a:rPr lang="nl-NL" dirty="0"/>
-              <a:t>: </a:t>
-            </a:r>
-            <a:r>
-              <a:rPr lang="en-GB" dirty="0">
-                <a:hlinkClick r:id="rId3"/>
-              </a:rPr>
-              <a:t>https://spec.xproc.org/</a:t>
-            </a:r>
             <a:endParaRPr lang="en-GB" dirty="0"/>
-          </a:p>
-          <a:p>
-            <a:pPr marL="0" indent="0">
-              <a:buNone/>
-            </a:pPr>
-            <a:r>
-              <a:rPr lang="en-GB" dirty="0"/>
-              <a:t>Processors:</a:t>
-            </a:r>
-          </a:p>
-          <a:p>
-            <a:pPr lvl="1"/>
-            <a:r>
-              <a:rPr lang="en-GB" dirty="0"/>
-              <a:t>Morgana: </a:t>
-            </a:r>
-            <a:r>
-              <a:rPr lang="nl-NL" dirty="0">
-                <a:hlinkClick r:id="rId4"/>
-              </a:rPr>
-              <a:t>https://www.xml-project.com/</a:t>
-            </a:r>
-            <a:endParaRPr lang="nl-NL" dirty="0"/>
-          </a:p>
-          <a:p>
-            <a:pPr lvl="1"/>
-            <a:r>
-              <a:rPr lang="nl-NL" dirty="0" err="1"/>
-              <a:t>Calabash</a:t>
-            </a:r>
-            <a:r>
-              <a:rPr lang="nl-NL" dirty="0"/>
-              <a:t>: </a:t>
-            </a:r>
-            <a:r>
-              <a:rPr lang="en-GB" dirty="0">
-                <a:hlinkClick r:id="rId5"/>
-              </a:rPr>
-              <a:t>https://xmlcalabash.com/</a:t>
-            </a:r>
-            <a:endParaRPr lang="en-GB" dirty="0"/>
-          </a:p>
-          <a:p>
-            <a:pPr marL="0" indent="0">
-              <a:buNone/>
-            </a:pPr>
-            <a:r>
-              <a:rPr lang="en-GB" dirty="0"/>
-              <a:t>Articles on XProc: </a:t>
-            </a:r>
-            <a:r>
-              <a:rPr lang="en-GB" dirty="0">
-                <a:hlinkClick r:id="rId6"/>
-              </a:rPr>
-              <a:t>https://www.xml.com</a:t>
-            </a:r>
-            <a:endParaRPr lang="en-GB" dirty="0"/>
-          </a:p>
-          <a:p>
-            <a:pPr marL="0" indent="0">
-              <a:buNone/>
-            </a:pPr>
-            <a:r>
-              <a:rPr lang="en-GB" dirty="0"/>
-              <a:t>Book: </a:t>
-            </a:r>
-            <a:r>
-              <a:rPr lang="en-GB" dirty="0">
-                <a:hlinkClick r:id="rId7"/>
-              </a:rPr>
-              <a:t>https://xmlpress.net/publications/xproc-3-0/</a:t>
-            </a:r>
-            <a:endParaRPr lang="en-GB" dirty="0"/>
-          </a:p>
-        </p:txBody>
-      </p:sp>
-      <p:sp>
-        <p:nvSpPr>
-          <p:cNvPr id="4" name="Speech Bubble: Oval 3">
-            <a:extLst>
-              <a:ext uri="{FF2B5EF4-FFF2-40B4-BE49-F238E27FC236}">
-                <a16:creationId xmlns:a16="http://schemas.microsoft.com/office/drawing/2014/main" id="{75A921EF-31BA-4A7F-95D3-A57EFDE6D66D}"/>
-              </a:ext>
-            </a:extLst>
-          </p:cNvPr>
-          <p:cNvSpPr/>
-          <p:nvPr/>
-        </p:nvSpPr>
-        <p:spPr>
-          <a:xfrm>
-            <a:off x="7548663" y="1780162"/>
-            <a:ext cx="4364477" cy="2289242"/>
-          </a:xfrm>
-          <a:prstGeom prst="wedgeEllipseCallout">
-            <a:avLst>
-              <a:gd name="adj1" fmla="val 43251"/>
-              <a:gd name="adj2" fmla="val 159929"/>
-            </a:avLst>
-          </a:prstGeom>
-        </p:spPr>
-        <p:style>
-          <a:lnRef idx="2">
-            <a:schemeClr val="accent1">
-              <a:shade val="50000"/>
-            </a:schemeClr>
-          </a:lnRef>
-          <a:fillRef idx="1">
-            <a:schemeClr val="accent1"/>
-          </a:fillRef>
-          <a:effectRef idx="0">
-            <a:schemeClr val="accent1"/>
-          </a:effectRef>
-          <a:fontRef idx="minor">
-            <a:schemeClr val="lt1"/>
-          </a:fontRef>
-        </p:style>
-        <p:txBody>
-          <a:bodyPr rtlCol="0" anchor="ctr"/>
-          <a:lstStyle/>
-          <a:p>
-            <a:pPr algn="ctr"/>
-            <a:r>
-              <a:rPr lang="en-US" sz="2800" dirty="0"/>
-              <a:t>See you!</a:t>
-            </a:r>
-          </a:p>
-          <a:p>
-            <a:pPr algn="ctr"/>
-            <a:r>
-              <a:rPr lang="en-US" sz="2800" dirty="0"/>
-              <a:t>And remember, </a:t>
-            </a:r>
-            <a:r>
-              <a:rPr lang="en-US" sz="2800" dirty="0" err="1"/>
-              <a:t>Kanava</a:t>
-            </a:r>
-            <a:r>
-              <a:rPr lang="en-US" sz="2800" dirty="0"/>
-              <a:t> says: </a:t>
-            </a:r>
-          </a:p>
-          <a:p>
-            <a:pPr algn="ctr"/>
-            <a:r>
-              <a:rPr lang="en-US" sz="3200" b="1" i="1" dirty="0"/>
-              <a:t>XProc</a:t>
-            </a:r>
-            <a:r>
-              <a:rPr lang="en-US" sz="2800" b="1" i="1" dirty="0"/>
-              <a:t> </a:t>
-            </a:r>
-            <a:r>
-              <a:rPr lang="en-US" sz="3200" b="1" i="1" dirty="0"/>
-              <a:t>rocks…</a:t>
-            </a:r>
-            <a:r>
-              <a:rPr lang="en-US" sz="2800" b="1" i="1" dirty="0"/>
-              <a:t> </a:t>
-            </a:r>
-            <a:endParaRPr lang="en-NL" sz="2800" b="1" i="1" dirty="0"/>
           </a:p>
         </p:txBody>
       </p:sp>
     </p:spTree>
     <p:extLst>
       <p:ext uri="{BB962C8B-B14F-4D97-AF65-F5344CB8AC3E}">
-        <p14:creationId xmlns:p14="http://schemas.microsoft.com/office/powerpoint/2010/main" val="3036039419"/>
+        <p14:creationId xmlns:p14="http://schemas.microsoft.com/office/powerpoint/2010/main" val="1043788117"/>
       </p:ext>
     </p:extLst>
   </p:cSld>
@@ -9338,7 +10039,7 @@
           <p:cNvPr id="2" name="Title 1">
             <a:extLst>
               <a:ext uri="{FF2B5EF4-FFF2-40B4-BE49-F238E27FC236}">
-                <a16:creationId xmlns:a16="http://schemas.microsoft.com/office/drawing/2014/main" id="{9C7D9E39-AC31-4065-84F2-01C2DA93A3CD}"/>
+                <a16:creationId xmlns:a16="http://schemas.microsoft.com/office/drawing/2014/main" id="{69C1F8C1-9C4C-4D54-8868-98D27E1594F0}"/>
               </a:ext>
             </a:extLst>
           </p:cNvPr>
@@ -9351,8 +10052,8 @@
         </p:nvSpPr>
         <p:spPr>
           <a:xfrm>
-            <a:off x="561109" y="243732"/>
-            <a:ext cx="10515600" cy="948902"/>
+            <a:off x="199743" y="148699"/>
+            <a:ext cx="10515600" cy="868503"/>
           </a:xfrm>
         </p:spPr>
         <p:txBody>
@@ -9361,7 +10062,7 @@
           <a:p>
             <a:r>
               <a:rPr lang="en-US" b="1" dirty="0"/>
-              <a:t>Who Am I?</a:t>
+              <a:t>Goodbye and thank the fish, again!</a:t>
             </a:r>
             <a:endParaRPr lang="en-NL" b="1" dirty="0"/>
           </a:p>
@@ -9372,7 +10073,7 @@
           <p:cNvPr id="3" name="Content Placeholder 2">
             <a:extLst>
               <a:ext uri="{FF2B5EF4-FFF2-40B4-BE49-F238E27FC236}">
-                <a16:creationId xmlns:a16="http://schemas.microsoft.com/office/drawing/2014/main" id="{110338D2-8565-4AF9-91CE-CD583FB0EBFE}"/>
+                <a16:creationId xmlns:a16="http://schemas.microsoft.com/office/drawing/2014/main" id="{EB447546-94E1-423A-8164-617B557A77FC}"/>
               </a:ext>
             </a:extLst>
           </p:cNvPr>
@@ -9385,189 +10086,232 @@
         </p:nvSpPr>
         <p:spPr>
           <a:xfrm>
-            <a:off x="397933" y="1314028"/>
-            <a:ext cx="7596140" cy="4351338"/>
+            <a:off x="713755" y="1253331"/>
+            <a:ext cx="10515600" cy="5093362"/>
           </a:xfrm>
         </p:spPr>
         <p:txBody>
           <a:bodyPr>
-            <a:normAutofit fontScale="85000" lnSpcReduction="20000"/>
+            <a:normAutofit/>
           </a:bodyPr>
           <a:lstStyle/>
           <a:p>
-            <a:r>
-              <a:rPr lang="en-US" dirty="0"/>
-              <a:t>Erik Siegel</a:t>
-            </a:r>
-          </a:p>
-          <a:p>
-            <a:r>
-              <a:rPr lang="en-US" dirty="0"/>
-              <a:t>Content Engineer, XML Specialist, Technical Writer</a:t>
-            </a:r>
-          </a:p>
-          <a:p>
-            <a:r>
-              <a:rPr lang="en-US" dirty="0"/>
-              <a:t>Company: Xatapult</a:t>
-            </a:r>
-          </a:p>
-          <a:p>
-            <a:pPr lvl="1"/>
-            <a:r>
-              <a:rPr lang="en-US" dirty="0"/>
-              <a:t>Groningen, The Netherlands</a:t>
-            </a:r>
-          </a:p>
-          <a:p>
-            <a:pPr lvl="1"/>
-            <a:r>
-              <a:rPr lang="en-US" dirty="0"/>
-              <a:t>Customers mostly in publishing and standardization</a:t>
-            </a:r>
-          </a:p>
-          <a:p>
-            <a:r>
-              <a:rPr lang="en-US" dirty="0"/>
-              <a:t>Part of the XProc 3.0 editing committee</a:t>
-            </a:r>
-          </a:p>
-          <a:p>
-            <a:r>
-              <a:rPr lang="en-US" dirty="0"/>
-              <a:t>Writer of the XProc 3.0 Programmer Reference</a:t>
-            </a:r>
-          </a:p>
-          <a:p>
-            <a:r>
-              <a:rPr lang="en-US" dirty="0"/>
-              <a:t>Contact:</a:t>
-            </a:r>
-          </a:p>
-          <a:p>
-            <a:pPr marL="457200" lvl="1" indent="0">
-              <a:lnSpc>
-                <a:spcPct val="120000"/>
-              </a:lnSpc>
+            <a:pPr marL="0" indent="0">
               <a:buNone/>
             </a:pPr>
             <a:r>
-              <a:rPr lang="en-US" dirty="0">
+              <a:rPr lang="nl-NL" dirty="0" err="1"/>
+              <a:t>Your</a:t>
+            </a:r>
+            <a:r>
+              <a:rPr lang="nl-NL" dirty="0"/>
+              <a:t> guide </a:t>
+            </a:r>
+            <a:r>
+              <a:rPr lang="nl-NL" dirty="0" err="1"/>
+              <a:t>today</a:t>
+            </a:r>
+            <a:r>
+              <a:rPr lang="nl-NL" dirty="0"/>
+              <a:t>: Erik Siegel – </a:t>
+            </a:r>
+            <a:r>
+              <a:rPr lang="nl-NL" dirty="0">
                 <a:hlinkClick r:id="rId2"/>
               </a:rPr>
               <a:t>erik@xatapult.nl</a:t>
             </a:r>
-            <a:br>
-              <a:rPr lang="en-US" dirty="0"/>
-            </a:br>
-            <a:r>
-              <a:rPr lang="en-US" dirty="0">
+            <a:endParaRPr lang="nl-NL" dirty="0"/>
+          </a:p>
+          <a:p>
+            <a:endParaRPr lang="nl-NL" dirty="0"/>
+          </a:p>
+          <a:p>
+            <a:pPr marL="0" indent="0">
+              <a:buNone/>
+            </a:pPr>
+            <a:r>
+              <a:rPr lang="nl-NL" dirty="0" err="1"/>
+              <a:t>Specification</a:t>
+            </a:r>
+            <a:r>
+              <a:rPr lang="nl-NL" dirty="0"/>
+              <a:t>: </a:t>
+            </a:r>
+            <a:r>
+              <a:rPr lang="en-GB" dirty="0">
                 <a:hlinkClick r:id="rId3"/>
               </a:rPr>
-              <a:t>www.xatapult.com</a:t>
-            </a:r>
-            <a:br>
-              <a:rPr lang="en-US" dirty="0"/>
-            </a:br>
+              <a:t>https://spec.xproc.org/</a:t>
+            </a:r>
+            <a:endParaRPr lang="en-GB" dirty="0"/>
+          </a:p>
+          <a:p>
+            <a:pPr marL="0" indent="0">
+              <a:buNone/>
+            </a:pPr>
+            <a:r>
+              <a:rPr lang="en-GB" dirty="0"/>
+              <a:t>Processors:</a:t>
+            </a:r>
+          </a:p>
+          <a:p>
+            <a:pPr lvl="1"/>
+            <a:r>
+              <a:rPr lang="en-GB" dirty="0"/>
+              <a:t>Morgana: </a:t>
+            </a:r>
             <a:r>
               <a:rPr lang="nl-NL" dirty="0">
                 <a:hlinkClick r:id="rId4"/>
               </a:rPr>
-              <a:t>www.linkedin.com/in/esiegel/</a:t>
-            </a:r>
-            <a:br>
-              <a:rPr lang="en-US" dirty="0"/>
-            </a:br>
-            <a:r>
-              <a:rPr lang="en-US" sz="2200" dirty="0"/>
-              <a:t>+31 6 53260792</a:t>
-            </a:r>
-            <a:endParaRPr lang="en-NL" dirty="0"/>
-          </a:p>
-        </p:txBody>
-      </p:sp>
-      <p:pic>
-        <p:nvPicPr>
-          <p:cNvPr id="5" name="Picture 4" descr="A picture containing person, tree, outdoor, plant&#10;&#10;Description automatically generated">
-            <a:extLst>
-              <a:ext uri="{FF2B5EF4-FFF2-40B4-BE49-F238E27FC236}">
-                <a16:creationId xmlns:a16="http://schemas.microsoft.com/office/drawing/2014/main" id="{3FF018FF-B684-4C34-8584-00C9F7DBB523}"/>
-              </a:ext>
-            </a:extLst>
-          </p:cNvPr>
-          <p:cNvPicPr>
-            <a:picLocks noChangeAspect="1"/>
-          </p:cNvPicPr>
+              <a:t>https://www.xml-project.com/</a:t>
+            </a:r>
+            <a:endParaRPr lang="nl-NL" dirty="0"/>
+          </a:p>
+          <a:p>
+            <a:pPr lvl="1"/>
+            <a:r>
+              <a:rPr lang="nl-NL" dirty="0" err="1"/>
+              <a:t>Calabash</a:t>
+            </a:r>
+            <a:r>
+              <a:rPr lang="nl-NL" dirty="0"/>
+              <a:t>: </a:t>
+            </a:r>
+            <a:r>
+              <a:rPr lang="en-GB" dirty="0">
+                <a:hlinkClick r:id="rId5"/>
+              </a:rPr>
+              <a:t>https://xmlcalabash.com/</a:t>
+            </a:r>
+            <a:endParaRPr lang="en-GB" dirty="0"/>
+          </a:p>
+          <a:p>
+            <a:pPr marL="0" indent="0">
+              <a:buNone/>
+            </a:pPr>
+            <a:r>
+              <a:rPr lang="en-GB" dirty="0"/>
+              <a:t>Articles on XProc: </a:t>
+            </a:r>
+            <a:r>
+              <a:rPr lang="en-GB" dirty="0">
+                <a:hlinkClick r:id="rId6"/>
+              </a:rPr>
+              <a:t>https://www.xml.com</a:t>
+            </a:r>
+            <a:endParaRPr lang="en-GB" dirty="0"/>
+          </a:p>
+          <a:p>
+            <a:pPr marL="0" indent="0">
+              <a:buNone/>
+            </a:pPr>
+            <a:r>
+              <a:rPr lang="en-GB" dirty="0"/>
+              <a:t>Book: </a:t>
+            </a:r>
+            <a:r>
+              <a:rPr lang="en-GB" dirty="0">
+                <a:hlinkClick r:id="rId7"/>
+              </a:rPr>
+              <a:t>https://xmlpress.net/publications/xproc-3-0/</a:t>
+            </a:r>
+            <a:endParaRPr lang="en-GB" dirty="0"/>
+          </a:p>
+        </p:txBody>
+      </p:sp>
+      <p:sp>
+        <p:nvSpPr>
+          <p:cNvPr id="4" name="Speech Bubble: Oval 3">
+            <a:extLst>
+              <a:ext uri="{FF2B5EF4-FFF2-40B4-BE49-F238E27FC236}">
+                <a16:creationId xmlns:a16="http://schemas.microsoft.com/office/drawing/2014/main" id="{75A921EF-31BA-4A7F-95D3-A57EFDE6D66D}"/>
+              </a:ext>
+            </a:extLst>
+          </p:cNvPr>
+          <p:cNvSpPr/>
           <p:nvPr/>
-        </p:nvPicPr>
-        <p:blipFill>
-          <a:blip r:embed="rId5">
-            <a:extLst>
-              <a:ext uri="{28A0092B-C50C-407E-A947-70E740481C1C}">
-                <a14:useLocalDpi xmlns:a14="http://schemas.microsoft.com/office/drawing/2010/main" val="0"/>
-              </a:ext>
-            </a:extLst>
-          </a:blip>
-          <a:stretch>
-            <a:fillRect/>
-          </a:stretch>
-        </p:blipFill>
-        <p:spPr>
-          <a:xfrm rot="5400000">
-            <a:off x="9123217" y="683781"/>
-            <a:ext cx="2549239" cy="1911929"/>
-          </a:xfrm>
-          <a:prstGeom prst="rect">
-            <a:avLst/>
+        </p:nvSpPr>
+        <p:spPr>
+          <a:xfrm>
+            <a:off x="7548663" y="1780162"/>
+            <a:ext cx="4364477" cy="2289242"/>
+          </a:xfrm>
+          <a:prstGeom prst="wedgeEllipseCallout">
+            <a:avLst>
+              <a:gd name="adj1" fmla="val 43251"/>
+              <a:gd name="adj2" fmla="val 159929"/>
+            </a:avLst>
           </a:prstGeom>
-          <a:ln>
-            <a:noFill/>
-          </a:ln>
-          <a:effectLst>
-            <a:softEdge rad="112500"/>
-          </a:effectLst>
-        </p:spPr>
-      </p:pic>
-      <p:pic>
-        <p:nvPicPr>
-          <p:cNvPr id="6" name="Picture 5" descr="A close up of a logo&#10;&#10;Description automatically generated">
-            <a:extLst>
-              <a:ext uri="{FF2B5EF4-FFF2-40B4-BE49-F238E27FC236}">
-                <a16:creationId xmlns:a16="http://schemas.microsoft.com/office/drawing/2014/main" id="{AA48229B-4A12-469F-8AC5-7A2676886746}"/>
-              </a:ext>
-            </a:extLst>
-          </p:cNvPr>
-          <p:cNvPicPr>
-            <a:picLocks noChangeAspect="1"/>
-          </p:cNvPicPr>
-          <p:nvPr/>
-        </p:nvPicPr>
-        <p:blipFill>
-          <a:blip r:embed="rId6">
-            <a:extLst>
-              <a:ext uri="{28A0092B-C50C-407E-A947-70E740481C1C}">
-                <a14:useLocalDpi xmlns:a14="http://schemas.microsoft.com/office/drawing/2010/main" val="0"/>
-              </a:ext>
-            </a:extLst>
-          </a:blip>
-          <a:stretch>
-            <a:fillRect/>
-          </a:stretch>
-        </p:blipFill>
-        <p:spPr>
-          <a:xfrm rot="1067824">
-            <a:off x="7246928" y="2925754"/>
-            <a:ext cx="3638738" cy="3831804"/>
-          </a:xfrm>
-          <a:prstGeom prst="rect">
-            <a:avLst/>
-          </a:prstGeom>
-        </p:spPr>
-      </p:pic>
+        </p:spPr>
+        <p:style>
+          <a:lnRef idx="2">
+            <a:schemeClr val="accent1">
+              <a:shade val="50000"/>
+            </a:schemeClr>
+          </a:lnRef>
+          <a:fillRef idx="1">
+            <a:schemeClr val="accent1"/>
+          </a:fillRef>
+          <a:effectRef idx="0">
+            <a:schemeClr val="accent1"/>
+          </a:effectRef>
+          <a:fontRef idx="minor">
+            <a:schemeClr val="lt1"/>
+          </a:fontRef>
+        </p:style>
+        <p:txBody>
+          <a:bodyPr rtlCol="0" anchor="ctr"/>
+          <a:lstStyle/>
+          <a:p>
+            <a:pPr algn="ctr"/>
+            <a:r>
+              <a:rPr lang="en-US" sz="2800" dirty="0"/>
+              <a:t>See you!</a:t>
+            </a:r>
+          </a:p>
+          <a:p>
+            <a:pPr algn="ctr"/>
+            <a:r>
+              <a:rPr lang="en-US" sz="2800" dirty="0"/>
+              <a:t>And remember, </a:t>
+            </a:r>
+            <a:r>
+              <a:rPr lang="en-US" sz="2800" dirty="0" err="1"/>
+              <a:t>Kanava</a:t>
+            </a:r>
+            <a:r>
+              <a:rPr lang="en-US" sz="2800" dirty="0"/>
+              <a:t> says: </a:t>
+            </a:r>
+          </a:p>
+          <a:p>
+            <a:pPr algn="ctr"/>
+            <a:r>
+              <a:rPr lang="en-US" sz="3200" b="1" i="1" dirty="0"/>
+              <a:t>XProc</a:t>
+            </a:r>
+            <a:r>
+              <a:rPr lang="en-US" sz="2800" b="1" i="1" dirty="0"/>
+              <a:t> </a:t>
+            </a:r>
+            <a:r>
+              <a:rPr lang="en-US" sz="3200" b="1" i="1" dirty="0"/>
+              <a:t>rocks…</a:t>
+            </a:r>
+            <a:r>
+              <a:rPr lang="en-US" sz="2800" b="1" i="1" dirty="0"/>
+              <a:t> </a:t>
+            </a:r>
+            <a:endParaRPr lang="en-NL" sz="2800" b="1" i="1" dirty="0"/>
+          </a:p>
+        </p:txBody>
+      </p:sp>
     </p:spTree>
     <p:extLst>
       <p:ext uri="{BB962C8B-B14F-4D97-AF65-F5344CB8AC3E}">
-        <p14:creationId xmlns:p14="http://schemas.microsoft.com/office/powerpoint/2010/main" val="372394686"/>
+        <p14:creationId xmlns:p14="http://schemas.microsoft.com/office/powerpoint/2010/main" val="3036039419"/>
       </p:ext>
     </p:extLst>
   </p:cSld>
@@ -9963,7 +10707,15 @@
             <a:pPr algn="ctr"/>
             <a:r>
               <a:rPr lang="en-US" sz="2000" dirty="0"/>
-              <a:t>And most important: I’m </a:t>
+              <a:t>And </a:t>
+            </a:r>
+            <a:r>
+              <a:rPr lang="en-US" sz="2000" b="1" i="1" dirty="0"/>
+              <a:t>most</a:t>
+            </a:r>
+            <a:r>
+              <a:rPr lang="en-US" sz="2000" dirty="0"/>
+              <a:t> important: I’m </a:t>
             </a:r>
             <a:r>
               <a:rPr lang="en-US" sz="2000" dirty="0" err="1"/>
@@ -9985,6 +10737,267 @@
     <p:extLst>
       <p:ext uri="{BB962C8B-B14F-4D97-AF65-F5344CB8AC3E}">
         <p14:creationId xmlns:p14="http://schemas.microsoft.com/office/powerpoint/2010/main" val="2318689730"/>
+      </p:ext>
+    </p:extLst>
+  </p:cSld>
+  <p:clrMapOvr>
+    <a:masterClrMapping/>
+  </p:clrMapOvr>
+</p:sld>
+</file>
+
+<file path=ppt/slides/slide20.xml><?xml version="1.0" encoding="utf-8"?>
+<p:sld xmlns:a="http://schemas.openxmlformats.org/drawingml/2006/main" xmlns:r="http://schemas.openxmlformats.org/officeDocument/2006/relationships" xmlns:p="http://schemas.openxmlformats.org/presentationml/2006/main">
+  <p:cSld>
+    <p:spTree>
+      <p:nvGrpSpPr>
+        <p:cNvPr id="1" name=""/>
+        <p:cNvGrpSpPr/>
+        <p:nvPr/>
+      </p:nvGrpSpPr>
+      <p:grpSpPr>
+        <a:xfrm>
+          <a:off x="0" y="0"/>
+          <a:ext cx="0" cy="0"/>
+          <a:chOff x="0" y="0"/>
+          <a:chExt cx="0" cy="0"/>
+        </a:xfrm>
+      </p:grpSpPr>
+      <p:sp>
+        <p:nvSpPr>
+          <p:cNvPr id="2" name="Title 1">
+            <a:extLst>
+              <a:ext uri="{FF2B5EF4-FFF2-40B4-BE49-F238E27FC236}">
+                <a16:creationId xmlns:a16="http://schemas.microsoft.com/office/drawing/2014/main" id="{9C7D9E39-AC31-4065-84F2-01C2DA93A3CD}"/>
+              </a:ext>
+            </a:extLst>
+          </p:cNvPr>
+          <p:cNvSpPr>
+            <a:spLocks noGrp="1"/>
+          </p:cNvSpPr>
+          <p:nvPr>
+            <p:ph type="title"/>
+          </p:nvPr>
+        </p:nvSpPr>
+        <p:spPr>
+          <a:xfrm>
+            <a:off x="561109" y="243732"/>
+            <a:ext cx="10515600" cy="948902"/>
+          </a:xfrm>
+        </p:spPr>
+        <p:txBody>
+          <a:bodyPr/>
+          <a:lstStyle/>
+          <a:p>
+            <a:r>
+              <a:rPr lang="en-US" b="1" dirty="0"/>
+              <a:t>Who Am I?</a:t>
+            </a:r>
+            <a:endParaRPr lang="en-NL" b="1" dirty="0"/>
+          </a:p>
+        </p:txBody>
+      </p:sp>
+      <p:sp>
+        <p:nvSpPr>
+          <p:cNvPr id="3" name="Content Placeholder 2">
+            <a:extLst>
+              <a:ext uri="{FF2B5EF4-FFF2-40B4-BE49-F238E27FC236}">
+                <a16:creationId xmlns:a16="http://schemas.microsoft.com/office/drawing/2014/main" id="{110338D2-8565-4AF9-91CE-CD583FB0EBFE}"/>
+              </a:ext>
+            </a:extLst>
+          </p:cNvPr>
+          <p:cNvSpPr>
+            <a:spLocks noGrp="1"/>
+          </p:cNvSpPr>
+          <p:nvPr>
+            <p:ph idx="1"/>
+          </p:nvPr>
+        </p:nvSpPr>
+        <p:spPr>
+          <a:xfrm>
+            <a:off x="397933" y="1314028"/>
+            <a:ext cx="7596140" cy="4351338"/>
+          </a:xfrm>
+        </p:spPr>
+        <p:txBody>
+          <a:bodyPr>
+            <a:normAutofit fontScale="85000" lnSpcReduction="20000"/>
+          </a:bodyPr>
+          <a:lstStyle/>
+          <a:p>
+            <a:r>
+              <a:rPr lang="en-US" dirty="0"/>
+              <a:t>Erik Siegel</a:t>
+            </a:r>
+          </a:p>
+          <a:p>
+            <a:r>
+              <a:rPr lang="en-US" dirty="0"/>
+              <a:t>Content Engineer, XML Specialist, Technical Writer</a:t>
+            </a:r>
+          </a:p>
+          <a:p>
+            <a:r>
+              <a:rPr lang="en-US" dirty="0"/>
+              <a:t>Company: Xatapult</a:t>
+            </a:r>
+          </a:p>
+          <a:p>
+            <a:pPr lvl="1"/>
+            <a:r>
+              <a:rPr lang="en-US" dirty="0"/>
+              <a:t>Groningen, The Netherlands</a:t>
+            </a:r>
+          </a:p>
+          <a:p>
+            <a:pPr lvl="1"/>
+            <a:r>
+              <a:rPr lang="en-US" dirty="0"/>
+              <a:t>Customers mostly in publishing and standardization</a:t>
+            </a:r>
+          </a:p>
+          <a:p>
+            <a:r>
+              <a:rPr lang="en-US" dirty="0"/>
+              <a:t>Part of the XProc 3.0 editing committee</a:t>
+            </a:r>
+          </a:p>
+          <a:p>
+            <a:r>
+              <a:rPr lang="en-US" dirty="0"/>
+              <a:t>Writer of the XProc 3.0 Programmer Reference</a:t>
+            </a:r>
+          </a:p>
+          <a:p>
+            <a:r>
+              <a:rPr lang="en-US" dirty="0"/>
+              <a:t>Contact:</a:t>
+            </a:r>
+          </a:p>
+          <a:p>
+            <a:pPr marL="457200" lvl="1" indent="0">
+              <a:lnSpc>
+                <a:spcPct val="120000"/>
+              </a:lnSpc>
+              <a:buNone/>
+            </a:pPr>
+            <a:r>
+              <a:rPr lang="en-US" dirty="0">
+                <a:hlinkClick r:id="rId2"/>
+              </a:rPr>
+              <a:t>erik@xatapult.nl</a:t>
+            </a:r>
+            <a:br>
+              <a:rPr lang="en-US" dirty="0"/>
+            </a:br>
+            <a:r>
+              <a:rPr lang="en-US" dirty="0">
+                <a:hlinkClick r:id="rId3"/>
+              </a:rPr>
+              <a:t>www.xatapult.com</a:t>
+            </a:r>
+            <a:br>
+              <a:rPr lang="en-US" dirty="0"/>
+            </a:br>
+            <a:r>
+              <a:rPr lang="nl-NL" dirty="0">
+                <a:hlinkClick r:id="rId4"/>
+              </a:rPr>
+              <a:t>www.linkedin.com/in/esiegel/</a:t>
+            </a:r>
+            <a:br>
+              <a:rPr lang="en-US" dirty="0"/>
+            </a:br>
+            <a:r>
+              <a:rPr lang="en-US" sz="2200" dirty="0"/>
+              <a:t>+31 6 53260792</a:t>
+            </a:r>
+            <a:endParaRPr lang="en-NL" dirty="0"/>
+          </a:p>
+        </p:txBody>
+      </p:sp>
+      <p:pic>
+        <p:nvPicPr>
+          <p:cNvPr id="5" name="Picture 4" descr="A picture containing person, tree, outdoor, plant&#10;&#10;Description automatically generated">
+            <a:extLst>
+              <a:ext uri="{FF2B5EF4-FFF2-40B4-BE49-F238E27FC236}">
+                <a16:creationId xmlns:a16="http://schemas.microsoft.com/office/drawing/2014/main" id="{3FF018FF-B684-4C34-8584-00C9F7DBB523}"/>
+              </a:ext>
+            </a:extLst>
+          </p:cNvPr>
+          <p:cNvPicPr>
+            <a:picLocks noChangeAspect="1"/>
+          </p:cNvPicPr>
+          <p:nvPr/>
+        </p:nvPicPr>
+        <p:blipFill>
+          <a:blip r:embed="rId5">
+            <a:extLst>
+              <a:ext uri="{28A0092B-C50C-407E-A947-70E740481C1C}">
+                <a14:useLocalDpi xmlns:a14="http://schemas.microsoft.com/office/drawing/2010/main" val="0"/>
+              </a:ext>
+            </a:extLst>
+          </a:blip>
+          <a:stretch>
+            <a:fillRect/>
+          </a:stretch>
+        </p:blipFill>
+        <p:spPr>
+          <a:xfrm rot="5400000">
+            <a:off x="9123217" y="683781"/>
+            <a:ext cx="2549239" cy="1911929"/>
+          </a:xfrm>
+          <a:prstGeom prst="rect">
+            <a:avLst/>
+          </a:prstGeom>
+          <a:ln>
+            <a:noFill/>
+          </a:ln>
+          <a:effectLst>
+            <a:softEdge rad="112500"/>
+          </a:effectLst>
+        </p:spPr>
+      </p:pic>
+      <p:pic>
+        <p:nvPicPr>
+          <p:cNvPr id="6" name="Picture 5" descr="A close up of a logo&#10;&#10;Description automatically generated">
+            <a:extLst>
+              <a:ext uri="{FF2B5EF4-FFF2-40B4-BE49-F238E27FC236}">
+                <a16:creationId xmlns:a16="http://schemas.microsoft.com/office/drawing/2014/main" id="{AA48229B-4A12-469F-8AC5-7A2676886746}"/>
+              </a:ext>
+            </a:extLst>
+          </p:cNvPr>
+          <p:cNvPicPr>
+            <a:picLocks noChangeAspect="1"/>
+          </p:cNvPicPr>
+          <p:nvPr/>
+        </p:nvPicPr>
+        <p:blipFill>
+          <a:blip r:embed="rId6">
+            <a:extLst>
+              <a:ext uri="{28A0092B-C50C-407E-A947-70E740481C1C}">
+                <a14:useLocalDpi xmlns:a14="http://schemas.microsoft.com/office/drawing/2010/main" val="0"/>
+              </a:ext>
+            </a:extLst>
+          </a:blip>
+          <a:stretch>
+            <a:fillRect/>
+          </a:stretch>
+        </p:blipFill>
+        <p:spPr>
+          <a:xfrm rot="1067824">
+            <a:off x="7246928" y="2925754"/>
+            <a:ext cx="3638738" cy="3831804"/>
+          </a:xfrm>
+          <a:prstGeom prst="rect">
+            <a:avLst/>
+          </a:prstGeom>
+        </p:spPr>
+      </p:pic>
+    </p:spTree>
+    <p:extLst>
+      <p:ext uri="{BB962C8B-B14F-4D97-AF65-F5344CB8AC3E}">
+        <p14:creationId xmlns:p14="http://schemas.microsoft.com/office/powerpoint/2010/main" val="372394686"/>
       </p:ext>
     </p:extLst>
   </p:cSld>

--- a/101-B/presentation/markupuk-2020-101-B.pptx
+++ b/101-B/presentation/markupuk-2020-101-B.pptx
@@ -4850,7 +4850,21 @@
                 <a:latin typeface="Courier New" panose="02070309020205020404" pitchFamily="49" charset="0"/>
                 <a:cs typeface="Courier New" panose="02070309020205020404" pitchFamily="49" charset="0"/>
               </a:rPr>
-              <a:t> name="status" select="… </a:t>
+              <a:t> name="</a:t>
+            </a:r>
+            <a:r>
+              <a:rPr lang="nl-NL" sz="1600" b="1" dirty="0" err="1">
+                <a:latin typeface="Courier New" panose="02070309020205020404" pitchFamily="49" charset="0"/>
+                <a:cs typeface="Courier New" panose="02070309020205020404" pitchFamily="49" charset="0"/>
+              </a:rPr>
+              <a:t>id</a:t>
+            </a:r>
+            <a:r>
+              <a:rPr lang="nl-NL" sz="1600" b="1" dirty="0">
+                <a:latin typeface="Courier New" panose="02070309020205020404" pitchFamily="49" charset="0"/>
+                <a:cs typeface="Courier New" panose="02070309020205020404" pitchFamily="49" charset="0"/>
+              </a:rPr>
+              <a:t>" select="… </a:t>
             </a:r>
             <a:r>
               <a:rPr lang="nl-NL" sz="1600" b="1" dirty="0" err="1">
@@ -5337,7 +5351,21 @@
                 <a:latin typeface="Courier New" panose="02070309020205020404" pitchFamily="49" charset="0"/>
                 <a:cs typeface="Courier New" panose="02070309020205020404" pitchFamily="49" charset="0"/>
               </a:rPr>
-              <a:t> name="status" select="… </a:t>
+              <a:t> name="</a:t>
+            </a:r>
+            <a:r>
+              <a:rPr lang="nl-NL" sz="1600" b="1" dirty="0" err="1">
+                <a:latin typeface="Courier New" panose="02070309020205020404" pitchFamily="49" charset="0"/>
+                <a:cs typeface="Courier New" panose="02070309020205020404" pitchFamily="49" charset="0"/>
+              </a:rPr>
+              <a:t>id</a:t>
+            </a:r>
+            <a:r>
+              <a:rPr lang="nl-NL" sz="1600" b="1" dirty="0">
+                <a:latin typeface="Courier New" panose="02070309020205020404" pitchFamily="49" charset="0"/>
+                <a:cs typeface="Courier New" panose="02070309020205020404" pitchFamily="49" charset="0"/>
+              </a:rPr>
+              <a:t>" select="… </a:t>
             </a:r>
             <a:r>
               <a:rPr lang="nl-NL" sz="1600" b="1" dirty="0" err="1">
